--- a/groovyseminarie/dokument/groovyseminarium_source.pptx
+++ b/groovyseminarie/dokument/groovyseminarium_source.pptx
@@ -5,8 +5,13 @@
     <p:sldMasterId id="2147483648" r:id="rId1"/>
   </p:sldMasterIdLst>
   <p:sldIdLst>
-    <p:sldId id="256" r:id="rId2"/>
-    <p:sldId id="257" r:id="rId3"/>
+    <p:sldId id="260" r:id="rId2"/>
+    <p:sldId id="261" r:id="rId3"/>
+    <p:sldId id="258" r:id="rId4"/>
+    <p:sldId id="262" r:id="rId5"/>
+    <p:sldId id="256" r:id="rId6"/>
+    <p:sldId id="259" r:id="rId7"/>
+    <p:sldId id="257" r:id="rId8"/>
   </p:sldIdLst>
   <p:sldSz cx="9144000" cy="6858000" type="screen4x3"/>
   <p:notesSz cx="6858000" cy="9144000"/>
@@ -290,7 +295,7 @@
             <a:fld id="{347BD319-C441-4740-BDB2-35E25C52CCE7}" type="datetimeFigureOut">
               <a:rPr lang="sv-SE" smtClean="0"/>
               <a:pPr/>
-              <a:t>2008-08-20</a:t>
+              <a:t>2008-08-22</a:t>
             </a:fld>
             <a:endParaRPr lang="sv-SE"/>
           </a:p>
@@ -457,7 +462,7 @@
             <a:fld id="{347BD319-C441-4740-BDB2-35E25C52CCE7}" type="datetimeFigureOut">
               <a:rPr lang="sv-SE" smtClean="0"/>
               <a:pPr/>
-              <a:t>2008-08-20</a:t>
+              <a:t>2008-08-22</a:t>
             </a:fld>
             <a:endParaRPr lang="sv-SE"/>
           </a:p>
@@ -634,7 +639,7 @@
             <a:fld id="{347BD319-C441-4740-BDB2-35E25C52CCE7}" type="datetimeFigureOut">
               <a:rPr lang="sv-SE" smtClean="0"/>
               <a:pPr/>
-              <a:t>2008-08-20</a:t>
+              <a:t>2008-08-22</a:t>
             </a:fld>
             <a:endParaRPr lang="sv-SE"/>
           </a:p>
@@ -801,7 +806,7 @@
             <a:fld id="{347BD319-C441-4740-BDB2-35E25C52CCE7}" type="datetimeFigureOut">
               <a:rPr lang="sv-SE" smtClean="0"/>
               <a:pPr/>
-              <a:t>2008-08-20</a:t>
+              <a:t>2008-08-22</a:t>
             </a:fld>
             <a:endParaRPr lang="sv-SE"/>
           </a:p>
@@ -1044,7 +1049,7 @@
             <a:fld id="{347BD319-C441-4740-BDB2-35E25C52CCE7}" type="datetimeFigureOut">
               <a:rPr lang="sv-SE" smtClean="0"/>
               <a:pPr/>
-              <a:t>2008-08-20</a:t>
+              <a:t>2008-08-22</a:t>
             </a:fld>
             <a:endParaRPr lang="sv-SE"/>
           </a:p>
@@ -1329,7 +1334,7 @@
             <a:fld id="{347BD319-C441-4740-BDB2-35E25C52CCE7}" type="datetimeFigureOut">
               <a:rPr lang="sv-SE" smtClean="0"/>
               <a:pPr/>
-              <a:t>2008-08-20</a:t>
+              <a:t>2008-08-22</a:t>
             </a:fld>
             <a:endParaRPr lang="sv-SE"/>
           </a:p>
@@ -1748,7 +1753,7 @@
             <a:fld id="{347BD319-C441-4740-BDB2-35E25C52CCE7}" type="datetimeFigureOut">
               <a:rPr lang="sv-SE" smtClean="0"/>
               <a:pPr/>
-              <a:t>2008-08-20</a:t>
+              <a:t>2008-08-22</a:t>
             </a:fld>
             <a:endParaRPr lang="sv-SE"/>
           </a:p>
@@ -1863,7 +1868,7 @@
             <a:fld id="{347BD319-C441-4740-BDB2-35E25C52CCE7}" type="datetimeFigureOut">
               <a:rPr lang="sv-SE" smtClean="0"/>
               <a:pPr/>
-              <a:t>2008-08-20</a:t>
+              <a:t>2008-08-22</a:t>
             </a:fld>
             <a:endParaRPr lang="sv-SE"/>
           </a:p>
@@ -1955,7 +1960,7 @@
             <a:fld id="{347BD319-C441-4740-BDB2-35E25C52CCE7}" type="datetimeFigureOut">
               <a:rPr lang="sv-SE" smtClean="0"/>
               <a:pPr/>
-              <a:t>2008-08-20</a:t>
+              <a:t>2008-08-22</a:t>
             </a:fld>
             <a:endParaRPr lang="sv-SE"/>
           </a:p>
@@ -2229,7 +2234,7 @@
             <a:fld id="{347BD319-C441-4740-BDB2-35E25C52CCE7}" type="datetimeFigureOut">
               <a:rPr lang="sv-SE" smtClean="0"/>
               <a:pPr/>
-              <a:t>2008-08-20</a:t>
+              <a:t>2008-08-22</a:t>
             </a:fld>
             <a:endParaRPr lang="sv-SE"/>
           </a:p>
@@ -2479,7 +2484,7 @@
             <a:fld id="{347BD319-C441-4740-BDB2-35E25C52CCE7}" type="datetimeFigureOut">
               <a:rPr lang="sv-SE" smtClean="0"/>
               <a:pPr/>
-              <a:t>2008-08-20</a:t>
+              <a:t>2008-08-22</a:t>
             </a:fld>
             <a:endParaRPr lang="sv-SE"/>
           </a:p>
@@ -2689,7 +2694,7 @@
             <a:fld id="{347BD319-C441-4740-BDB2-35E25C52CCE7}" type="datetimeFigureOut">
               <a:rPr lang="sv-SE" smtClean="0"/>
               <a:pPr/>
-              <a:t>2008-08-20</a:t>
+              <a:t>2008-08-22</a:t>
             </a:fld>
             <a:endParaRPr lang="sv-SE"/>
           </a:p>
@@ -3067,25 +3072,17 @@
             <a:spLocks noGrp="1"/>
           </p:cNvSpPr>
           <p:nvPr>
-            <p:ph type="ctrTitle"/>
-          </p:nvPr>
-        </p:nvSpPr>
-        <p:spPr/>
-        <p:txBody>
-          <a:bodyPr/>
-          <a:lstStyle/>
-          <a:p>
-            <a:r>
-              <a:rPr lang="sv-SE" dirty="0" smtClean="0"/>
-              <a:t>[</a:t>
-            </a:r>
+            <p:ph type="title"/>
+          </p:nvPr>
+        </p:nvSpPr>
+        <p:spPr/>
+        <p:txBody>
+          <a:bodyPr/>
+          <a:lstStyle/>
+          <a:p>
             <a:r>
               <a:rPr lang="sv-SE" dirty="0" err="1" smtClean="0"/>
-              <a:t>helloWorld</a:t>
-            </a:r>
-            <a:r>
-              <a:rPr lang="sv-SE" dirty="0" smtClean="0"/>
-              <a:t>]</a:t>
+              <a:t>Groovy</a:t>
             </a:r>
             <a:endParaRPr lang="sv-SE" dirty="0"/>
           </a:p>
@@ -3093,20 +3090,114 @@
       </p:sp>
       <p:sp>
         <p:nvSpPr>
-          <p:cNvPr id="3" name="Underrubrik 2"/>
-          <p:cNvSpPr>
-            <a:spLocks noGrp="1"/>
-          </p:cNvSpPr>
-          <p:nvPr>
-            <p:ph type="subTitle" idx="1"/>
-          </p:nvPr>
-        </p:nvSpPr>
-        <p:spPr/>
-        <p:txBody>
-          <a:bodyPr/>
-          <a:lstStyle/>
-          <a:p>
-            <a:endParaRPr lang="sv-SE"/>
+          <p:cNvPr id="3" name="Platshållare för innehåll 2"/>
+          <p:cNvSpPr>
+            <a:spLocks noGrp="1"/>
+          </p:cNvSpPr>
+          <p:nvPr>
+            <p:ph idx="1"/>
+          </p:nvPr>
+        </p:nvSpPr>
+        <p:spPr/>
+        <p:txBody>
+          <a:bodyPr>
+            <a:normAutofit fontScale="85000" lnSpcReduction="10000"/>
+          </a:bodyPr>
+          <a:lstStyle/>
+          <a:p>
+            <a:pPr>
+              <a:buNone/>
+            </a:pPr>
+            <a:r>
+              <a:rPr lang="en-US" i="1" dirty="0" smtClean="0"/>
+              <a:t>“…So </a:t>
+            </a:r>
+            <a:r>
+              <a:rPr lang="en-US" i="1" dirty="0" smtClean="0"/>
+              <a:t>I've been musing a little while if its time the Java platform had its own dynamic language designed from the ground up to </a:t>
+            </a:r>
+            <a:r>
+              <a:rPr lang="en-US" i="1" dirty="0" smtClean="0">
+                <a:solidFill>
+                  <a:srgbClr val="FF0000"/>
+                </a:solidFill>
+              </a:rPr>
+              <a:t>work real nice with existing code</a:t>
+            </a:r>
+            <a:r>
+              <a:rPr lang="en-US" i="1" dirty="0" smtClean="0"/>
+              <a:t>; creating/extending objects normal Java can use and vice versa. </a:t>
+            </a:r>
+            <a:r>
+              <a:rPr lang="en-US" i="1" dirty="0" smtClean="0">
+                <a:solidFill>
+                  <a:srgbClr val="FF0000"/>
+                </a:solidFill>
+              </a:rPr>
+              <a:t>Python/</a:t>
+            </a:r>
+            <a:r>
+              <a:rPr lang="en-US" i="1" dirty="0" err="1" smtClean="0">
+                <a:solidFill>
+                  <a:srgbClr val="FF0000"/>
+                </a:solidFill>
+              </a:rPr>
+              <a:t>Jython's</a:t>
+            </a:r>
+            <a:r>
+              <a:rPr lang="en-US" i="1" dirty="0" smtClean="0">
+                <a:solidFill>
+                  <a:srgbClr val="FF0000"/>
+                </a:solidFill>
+              </a:rPr>
+              <a:t> a pretty good base - add the nice stuff from Ruby</a:t>
+            </a:r>
+            <a:r>
+              <a:rPr lang="en-US" i="1" dirty="0" smtClean="0"/>
+              <a:t> and maybe sprinkle on some </a:t>
+            </a:r>
+            <a:r>
+              <a:rPr lang="en-US" i="1" dirty="0" smtClean="0">
+                <a:solidFill>
+                  <a:srgbClr val="FF0000"/>
+                </a:solidFill>
+              </a:rPr>
+              <a:t>AOP features</a:t>
+            </a:r>
+            <a:r>
+              <a:rPr lang="en-US" i="1" dirty="0" smtClean="0"/>
+              <a:t> and we could have a really </a:t>
+            </a:r>
+            <a:r>
+              <a:rPr lang="en-US" i="1" dirty="0" smtClean="0">
+                <a:solidFill>
+                  <a:srgbClr val="FF0000"/>
+                </a:solidFill>
+              </a:rPr>
+              <a:t>Groovy</a:t>
+            </a:r>
+            <a:r>
+              <a:rPr lang="en-US" i="1" dirty="0" smtClean="0"/>
+              <a:t> new language for scripting Java objects, writing test cases and who knows, even doing real development in it</a:t>
+            </a:r>
+            <a:r>
+              <a:rPr lang="en-US" i="1" dirty="0" smtClean="0"/>
+              <a:t>.”</a:t>
+            </a:r>
+          </a:p>
+          <a:p>
+            <a:pPr algn="r">
+              <a:buNone/>
+            </a:pPr>
+            <a:r>
+              <a:rPr lang="en-US" i="1" dirty="0" smtClean="0"/>
+              <a:t>- James </a:t>
+            </a:r>
+            <a:r>
+              <a:rPr lang="en-US" i="1" dirty="0" smtClean="0"/>
+              <a:t>Strachan 2003</a:t>
+            </a:r>
+            <a:endParaRPr lang="en-US" i="1" dirty="0" smtClean="0"/>
           </a:p>
         </p:txBody>
       </p:sp>
@@ -3115,6 +3206,13 @@
   <p:clrMapOvr>
     <a:masterClrMapping/>
   </p:clrMapOvr>
+  <p:timing>
+    <p:tnLst>
+      <p:par>
+        <p:cTn id="1" dur="indefinite" restart="never" nodeType="tmRoot"/>
+      </p:par>
+    </p:tnLst>
+  </p:timing>
 </p:sld>
 </file>
 
@@ -3150,7 +3248,11 @@
           <a:bodyPr/>
           <a:lstStyle/>
           <a:p>
-            <a:endParaRPr lang="sv-SE"/>
+            <a:r>
+              <a:rPr lang="sv-SE" dirty="0" smtClean="0"/>
+              <a:t>Historik</a:t>
+            </a:r>
+            <a:endParaRPr lang="sv-SE" dirty="0"/>
           </a:p>
         </p:txBody>
       </p:sp>
@@ -3169,7 +3271,26 @@
           <a:bodyPr/>
           <a:lstStyle/>
           <a:p>
-            <a:endParaRPr lang="sv-SE"/>
+            <a:r>
+              <a:rPr lang="sv-SE" dirty="0" smtClean="0"/>
+              <a:t>Projektet lades på is 2004</a:t>
+            </a:r>
+          </a:p>
+          <a:p>
+            <a:r>
+              <a:rPr lang="sv-SE" dirty="0" smtClean="0"/>
+              <a:t>Ny grupp utvecklare tog över strax efter</a:t>
+            </a:r>
+          </a:p>
+          <a:p>
+            <a:r>
+              <a:rPr lang="sv-SE" dirty="0" err="1" smtClean="0"/>
+              <a:t>Groovy</a:t>
+            </a:r>
+            <a:r>
+              <a:rPr lang="sv-SE" dirty="0" smtClean="0"/>
+              <a:t> version 1.0 släpptes 2:a Januari 2007</a:t>
+            </a:r>
           </a:p>
         </p:txBody>
       </p:sp>
@@ -3178,6 +3299,404 @@
   <p:clrMapOvr>
     <a:masterClrMapping/>
   </p:clrMapOvr>
+</p:sld>
+</file>
+
+<file path=ppt/slides/slide3.xml><?xml version="1.0" encoding="utf-8"?>
+<p:sld xmlns:a="http://schemas.openxmlformats.org/drawingml/2006/main" xmlns:r="http://schemas.openxmlformats.org/officeDocument/2006/relationships" xmlns:p="http://schemas.openxmlformats.org/presentationml/2006/main">
+  <p:cSld>
+    <p:spTree>
+      <p:nvGrpSpPr>
+        <p:cNvPr id="1" name=""/>
+        <p:cNvGrpSpPr/>
+        <p:nvPr/>
+      </p:nvGrpSpPr>
+      <p:grpSpPr>
+        <a:xfrm>
+          <a:off x="0" y="0"/>
+          <a:ext cx="0" cy="0"/>
+          <a:chOff x="0" y="0"/>
+          <a:chExt cx="0" cy="0"/>
+        </a:xfrm>
+      </p:grpSpPr>
+      <p:sp>
+        <p:nvSpPr>
+          <p:cNvPr id="2" name="Rubrik 1"/>
+          <p:cNvSpPr>
+            <a:spLocks noGrp="1"/>
+          </p:cNvSpPr>
+          <p:nvPr>
+            <p:ph type="title"/>
+          </p:nvPr>
+        </p:nvSpPr>
+        <p:spPr/>
+        <p:txBody>
+          <a:bodyPr/>
+          <a:lstStyle/>
+          <a:p>
+            <a:r>
+              <a:rPr lang="sv-SE" dirty="0" smtClean="0"/>
+              <a:t>Fördelar med dynamiska språk</a:t>
+            </a:r>
+            <a:endParaRPr lang="sv-SE" dirty="0"/>
+          </a:p>
+        </p:txBody>
+      </p:sp>
+      <p:sp>
+        <p:nvSpPr>
+          <p:cNvPr id="3" name="Platshållare för innehåll 2"/>
+          <p:cNvSpPr>
+            <a:spLocks noGrp="1"/>
+          </p:cNvSpPr>
+          <p:nvPr>
+            <p:ph idx="1"/>
+          </p:nvPr>
+        </p:nvSpPr>
+        <p:spPr/>
+        <p:txBody>
+          <a:bodyPr/>
+          <a:lstStyle/>
+          <a:p>
+            <a:r>
+              <a:rPr lang="sv-SE" dirty="0" smtClean="0"/>
+              <a:t>Istället för att generera kod kan man skapa den när programmet körs</a:t>
+            </a:r>
+          </a:p>
+          <a:p>
+            <a:r>
+              <a:rPr lang="sv-SE" dirty="0" smtClean="0"/>
+              <a:t>Koden blir lättare att ändra</a:t>
+            </a:r>
+          </a:p>
+          <a:p>
+            <a:r>
+              <a:rPr lang="sv-SE" dirty="0" smtClean="0"/>
+              <a:t>Möjlighet att ändra hur språket fungerar</a:t>
+            </a:r>
+          </a:p>
+          <a:p>
+            <a:pPr>
+              <a:buNone/>
+            </a:pPr>
+            <a:endParaRPr lang="sv-SE" dirty="0"/>
+          </a:p>
+        </p:txBody>
+      </p:sp>
+    </p:spTree>
+  </p:cSld>
+  <p:clrMapOvr>
+    <a:masterClrMapping/>
+  </p:clrMapOvr>
+  <p:timing>
+    <p:tnLst>
+      <p:par>
+        <p:cTn id="1" dur="indefinite" restart="never" nodeType="tmRoot"/>
+      </p:par>
+    </p:tnLst>
+  </p:timing>
+</p:sld>
+</file>
+
+<file path=ppt/slides/slide4.xml><?xml version="1.0" encoding="utf-8"?>
+<p:sld xmlns:a="http://schemas.openxmlformats.org/drawingml/2006/main" xmlns:r="http://schemas.openxmlformats.org/officeDocument/2006/relationships" xmlns:p="http://schemas.openxmlformats.org/presentationml/2006/main">
+  <p:cSld>
+    <p:spTree>
+      <p:nvGrpSpPr>
+        <p:cNvPr id="1" name=""/>
+        <p:cNvGrpSpPr/>
+        <p:nvPr/>
+      </p:nvGrpSpPr>
+      <p:grpSpPr>
+        <a:xfrm>
+          <a:off x="0" y="0"/>
+          <a:ext cx="0" cy="0"/>
+          <a:chOff x="0" y="0"/>
+          <a:chExt cx="0" cy="0"/>
+        </a:xfrm>
+      </p:grpSpPr>
+      <p:sp>
+        <p:nvSpPr>
+          <p:cNvPr id="2" name="Rubrik 1"/>
+          <p:cNvSpPr>
+            <a:spLocks noGrp="1"/>
+          </p:cNvSpPr>
+          <p:nvPr>
+            <p:ph type="title"/>
+          </p:nvPr>
+        </p:nvSpPr>
+        <p:spPr/>
+        <p:txBody>
+          <a:bodyPr/>
+          <a:lstStyle/>
+          <a:p>
+            <a:r>
+              <a:rPr lang="sv-SE" dirty="0" smtClean="0"/>
+              <a:t>Nackdelar med dynamiska språk</a:t>
+            </a:r>
+            <a:endParaRPr lang="sv-SE" dirty="0"/>
+          </a:p>
+        </p:txBody>
+      </p:sp>
+      <p:sp>
+        <p:nvSpPr>
+          <p:cNvPr id="3" name="Platshållare för innehåll 2"/>
+          <p:cNvSpPr>
+            <a:spLocks noGrp="1"/>
+          </p:cNvSpPr>
+          <p:nvPr>
+            <p:ph idx="1"/>
+          </p:nvPr>
+        </p:nvSpPr>
+        <p:spPr/>
+        <p:txBody>
+          <a:bodyPr/>
+          <a:lstStyle/>
+          <a:p>
+            <a:r>
+              <a:rPr lang="sv-SE" dirty="0" smtClean="0"/>
+              <a:t>Kräver testning</a:t>
+            </a:r>
+          </a:p>
+          <a:p>
+            <a:r>
+              <a:rPr lang="sv-SE" dirty="0" smtClean="0"/>
+              <a:t>Risk att </a:t>
+            </a:r>
+            <a:r>
+              <a:rPr lang="sv-SE" smtClean="0"/>
+              <a:t>någon skriver </a:t>
+            </a:r>
+            <a:r>
+              <a:rPr lang="sv-SE" dirty="0" smtClean="0"/>
+              <a:t>”oläslig” kod</a:t>
+            </a:r>
+            <a:endParaRPr lang="sv-SE" dirty="0"/>
+          </a:p>
+        </p:txBody>
+      </p:sp>
+    </p:spTree>
+  </p:cSld>
+  <p:clrMapOvr>
+    <a:masterClrMapping/>
+  </p:clrMapOvr>
+</p:sld>
+</file>
+
+<file path=ppt/slides/slide5.xml><?xml version="1.0" encoding="utf-8"?>
+<p:sld xmlns:a="http://schemas.openxmlformats.org/drawingml/2006/main" xmlns:r="http://schemas.openxmlformats.org/officeDocument/2006/relationships" xmlns:p="http://schemas.openxmlformats.org/presentationml/2006/main">
+  <p:cSld>
+    <p:spTree>
+      <p:nvGrpSpPr>
+        <p:cNvPr id="1" name=""/>
+        <p:cNvGrpSpPr/>
+        <p:nvPr/>
+      </p:nvGrpSpPr>
+      <p:grpSpPr>
+        <a:xfrm>
+          <a:off x="0" y="0"/>
+          <a:ext cx="0" cy="0"/>
+          <a:chOff x="0" y="0"/>
+          <a:chExt cx="0" cy="0"/>
+        </a:xfrm>
+      </p:grpSpPr>
+      <p:sp>
+        <p:nvSpPr>
+          <p:cNvPr id="2" name="Rubrik 1"/>
+          <p:cNvSpPr>
+            <a:spLocks noGrp="1"/>
+          </p:cNvSpPr>
+          <p:nvPr>
+            <p:ph type="ctrTitle"/>
+          </p:nvPr>
+        </p:nvSpPr>
+        <p:spPr/>
+        <p:txBody>
+          <a:bodyPr/>
+          <a:lstStyle/>
+          <a:p>
+            <a:r>
+              <a:rPr lang="sv-SE" dirty="0" smtClean="0"/>
+              <a:t>[</a:t>
+            </a:r>
+            <a:r>
+              <a:rPr lang="sv-SE" dirty="0" err="1" smtClean="0"/>
+              <a:t>helloWorld.groovy</a:t>
+            </a:r>
+            <a:r>
+              <a:rPr lang="sv-SE" dirty="0" smtClean="0"/>
+              <a:t>]</a:t>
+            </a:r>
+            <a:endParaRPr lang="sv-SE" dirty="0"/>
+          </a:p>
+        </p:txBody>
+      </p:sp>
+    </p:spTree>
+  </p:cSld>
+  <p:clrMapOvr>
+    <a:masterClrMapping/>
+  </p:clrMapOvr>
+  <p:timing>
+    <p:tnLst>
+      <p:par>
+        <p:cTn id="1" dur="indefinite" restart="never" nodeType="tmRoot"/>
+      </p:par>
+    </p:tnLst>
+  </p:timing>
+</p:sld>
+</file>
+
+<file path=ppt/slides/slide6.xml><?xml version="1.0" encoding="utf-8"?>
+<p:sld xmlns:a="http://schemas.openxmlformats.org/drawingml/2006/main" xmlns:r="http://schemas.openxmlformats.org/officeDocument/2006/relationships" xmlns:p="http://schemas.openxmlformats.org/presentationml/2006/main">
+  <p:cSld>
+    <p:spTree>
+      <p:nvGrpSpPr>
+        <p:cNvPr id="1" name=""/>
+        <p:cNvGrpSpPr/>
+        <p:nvPr/>
+      </p:nvGrpSpPr>
+      <p:grpSpPr>
+        <a:xfrm>
+          <a:off x="0" y="0"/>
+          <a:ext cx="0" cy="0"/>
+          <a:chOff x="0" y="0"/>
+          <a:chExt cx="0" cy="0"/>
+        </a:xfrm>
+      </p:grpSpPr>
+      <p:sp>
+        <p:nvSpPr>
+          <p:cNvPr id="2" name="Rubrik 1"/>
+          <p:cNvSpPr>
+            <a:spLocks noGrp="1"/>
+          </p:cNvSpPr>
+          <p:nvPr>
+            <p:ph type="title"/>
+          </p:nvPr>
+        </p:nvSpPr>
+        <p:spPr/>
+        <p:txBody>
+          <a:bodyPr/>
+          <a:lstStyle/>
+          <a:p>
+            <a:endParaRPr lang="sv-SE"/>
+          </a:p>
+        </p:txBody>
+      </p:sp>
+      <p:sp>
+        <p:nvSpPr>
+          <p:cNvPr id="3" name="Platshållare för innehåll 2"/>
+          <p:cNvSpPr>
+            <a:spLocks noGrp="1"/>
+          </p:cNvSpPr>
+          <p:nvPr>
+            <p:ph idx="1"/>
+          </p:nvPr>
+        </p:nvSpPr>
+        <p:spPr/>
+        <p:txBody>
+          <a:bodyPr/>
+          <a:lstStyle/>
+          <a:p>
+            <a:endParaRPr lang="sv-SE"/>
+          </a:p>
+        </p:txBody>
+      </p:sp>
+    </p:spTree>
+  </p:cSld>
+  <p:clrMapOvr>
+    <a:masterClrMapping/>
+  </p:clrMapOvr>
+  <p:timing>
+    <p:tnLst>
+      <p:par>
+        <p:cTn id="1" dur="indefinite" restart="never" nodeType="tmRoot"/>
+      </p:par>
+    </p:tnLst>
+  </p:timing>
+</p:sld>
+</file>
+
+<file path=ppt/slides/slide7.xml><?xml version="1.0" encoding="utf-8"?>
+<p:sld xmlns:a="http://schemas.openxmlformats.org/drawingml/2006/main" xmlns:r="http://schemas.openxmlformats.org/officeDocument/2006/relationships" xmlns:p="http://schemas.openxmlformats.org/presentationml/2006/main">
+  <p:cSld>
+    <p:spTree>
+      <p:nvGrpSpPr>
+        <p:cNvPr id="1" name=""/>
+        <p:cNvGrpSpPr/>
+        <p:nvPr/>
+      </p:nvGrpSpPr>
+      <p:grpSpPr>
+        <a:xfrm>
+          <a:off x="0" y="0"/>
+          <a:ext cx="0" cy="0"/>
+          <a:chOff x="0" y="0"/>
+          <a:chExt cx="0" cy="0"/>
+        </a:xfrm>
+      </p:grpSpPr>
+      <p:sp>
+        <p:nvSpPr>
+          <p:cNvPr id="2" name="Rubrik 1"/>
+          <p:cNvSpPr>
+            <a:spLocks noGrp="1"/>
+          </p:cNvSpPr>
+          <p:nvPr>
+            <p:ph type="title"/>
+          </p:nvPr>
+        </p:nvSpPr>
+        <p:spPr/>
+        <p:txBody>
+          <a:bodyPr/>
+          <a:lstStyle/>
+          <a:p>
+            <a:r>
+              <a:rPr lang="sv-SE" dirty="0" smtClean="0"/>
+              <a:t>En rubrik som inte ska bytas, sida 2</a:t>
+            </a:r>
+            <a:endParaRPr lang="sv-SE" dirty="0"/>
+          </a:p>
+        </p:txBody>
+      </p:sp>
+      <p:sp>
+        <p:nvSpPr>
+          <p:cNvPr id="3" name="Platshållare för innehåll 2"/>
+          <p:cNvSpPr>
+            <a:spLocks noGrp="1"/>
+          </p:cNvSpPr>
+          <p:nvPr>
+            <p:ph idx="1"/>
+          </p:nvPr>
+        </p:nvSpPr>
+        <p:spPr/>
+        <p:txBody>
+          <a:bodyPr/>
+          <a:lstStyle/>
+          <a:p>
+            <a:pPr>
+              <a:buNone/>
+            </a:pPr>
+            <a:r>
+              <a:rPr lang="sv-SE" dirty="0" smtClean="0"/>
+              <a:t>[</a:t>
+            </a:r>
+            <a:r>
+              <a:rPr lang="sv-SE" smtClean="0"/>
+              <a:t>helloWorld.java]</a:t>
+            </a:r>
+            <a:endParaRPr lang="sv-SE" dirty="0"/>
+          </a:p>
+        </p:txBody>
+      </p:sp>
+    </p:spTree>
+  </p:cSld>
+  <p:clrMapOvr>
+    <a:masterClrMapping/>
+  </p:clrMapOvr>
+  <p:timing>
+    <p:tnLst>
+      <p:par>
+        <p:cTn id="1" dur="indefinite" restart="never" nodeType="tmRoot"/>
+      </p:par>
+    </p:tnLst>
+  </p:timing>
 </p:sld>
 </file>
 

--- a/groovyseminarie/dokument/groovyseminarium_source.pptx
+++ b/groovyseminarie/dokument/groovyseminarium_source.pptx
@@ -5,13 +5,15 @@
     <p:sldMasterId id="2147483648" r:id="rId1"/>
   </p:sldMasterIdLst>
   <p:sldIdLst>
-    <p:sldId id="260" r:id="rId2"/>
-    <p:sldId id="261" r:id="rId3"/>
-    <p:sldId id="258" r:id="rId4"/>
-    <p:sldId id="262" r:id="rId5"/>
-    <p:sldId id="256" r:id="rId6"/>
-    <p:sldId id="259" r:id="rId7"/>
-    <p:sldId id="257" r:id="rId8"/>
+    <p:sldId id="256" r:id="rId2"/>
+    <p:sldId id="260" r:id="rId3"/>
+    <p:sldId id="261" r:id="rId4"/>
+    <p:sldId id="258" r:id="rId5"/>
+    <p:sldId id="262" r:id="rId6"/>
+    <p:sldId id="263" r:id="rId7"/>
+    <p:sldId id="264" r:id="rId8"/>
+    <p:sldId id="259" r:id="rId9"/>
+    <p:sldId id="257" r:id="rId10"/>
   </p:sldIdLst>
   <p:sldSz cx="9144000" cy="6858000" type="screen4x3"/>
   <p:notesSz cx="6858000" cy="9144000"/>
@@ -295,7 +297,7 @@
             <a:fld id="{347BD319-C441-4740-BDB2-35E25C52CCE7}" type="datetimeFigureOut">
               <a:rPr lang="sv-SE" smtClean="0"/>
               <a:pPr/>
-              <a:t>2008-08-22</a:t>
+              <a:t>2008-08-25</a:t>
             </a:fld>
             <a:endParaRPr lang="sv-SE"/>
           </a:p>
@@ -462,7 +464,7 @@
             <a:fld id="{347BD319-C441-4740-BDB2-35E25C52CCE7}" type="datetimeFigureOut">
               <a:rPr lang="sv-SE" smtClean="0"/>
               <a:pPr/>
-              <a:t>2008-08-22</a:t>
+              <a:t>2008-08-25</a:t>
             </a:fld>
             <a:endParaRPr lang="sv-SE"/>
           </a:p>
@@ -639,7 +641,7 @@
             <a:fld id="{347BD319-C441-4740-BDB2-35E25C52CCE7}" type="datetimeFigureOut">
               <a:rPr lang="sv-SE" smtClean="0"/>
               <a:pPr/>
-              <a:t>2008-08-22</a:t>
+              <a:t>2008-08-25</a:t>
             </a:fld>
             <a:endParaRPr lang="sv-SE"/>
           </a:p>
@@ -806,7 +808,7 @@
             <a:fld id="{347BD319-C441-4740-BDB2-35E25C52CCE7}" type="datetimeFigureOut">
               <a:rPr lang="sv-SE" smtClean="0"/>
               <a:pPr/>
-              <a:t>2008-08-22</a:t>
+              <a:t>2008-08-25</a:t>
             </a:fld>
             <a:endParaRPr lang="sv-SE"/>
           </a:p>
@@ -1049,7 +1051,7 @@
             <a:fld id="{347BD319-C441-4740-BDB2-35E25C52CCE7}" type="datetimeFigureOut">
               <a:rPr lang="sv-SE" smtClean="0"/>
               <a:pPr/>
-              <a:t>2008-08-22</a:t>
+              <a:t>2008-08-25</a:t>
             </a:fld>
             <a:endParaRPr lang="sv-SE"/>
           </a:p>
@@ -1334,7 +1336,7 @@
             <a:fld id="{347BD319-C441-4740-BDB2-35E25C52CCE7}" type="datetimeFigureOut">
               <a:rPr lang="sv-SE" smtClean="0"/>
               <a:pPr/>
-              <a:t>2008-08-22</a:t>
+              <a:t>2008-08-25</a:t>
             </a:fld>
             <a:endParaRPr lang="sv-SE"/>
           </a:p>
@@ -1753,7 +1755,7 @@
             <a:fld id="{347BD319-C441-4740-BDB2-35E25C52CCE7}" type="datetimeFigureOut">
               <a:rPr lang="sv-SE" smtClean="0"/>
               <a:pPr/>
-              <a:t>2008-08-22</a:t>
+              <a:t>2008-08-25</a:t>
             </a:fld>
             <a:endParaRPr lang="sv-SE"/>
           </a:p>
@@ -1868,7 +1870,7 @@
             <a:fld id="{347BD319-C441-4740-BDB2-35E25C52CCE7}" type="datetimeFigureOut">
               <a:rPr lang="sv-SE" smtClean="0"/>
               <a:pPr/>
-              <a:t>2008-08-22</a:t>
+              <a:t>2008-08-25</a:t>
             </a:fld>
             <a:endParaRPr lang="sv-SE"/>
           </a:p>
@@ -1960,7 +1962,7 @@
             <a:fld id="{347BD319-C441-4740-BDB2-35E25C52CCE7}" type="datetimeFigureOut">
               <a:rPr lang="sv-SE" smtClean="0"/>
               <a:pPr/>
-              <a:t>2008-08-22</a:t>
+              <a:t>2008-08-25</a:t>
             </a:fld>
             <a:endParaRPr lang="sv-SE"/>
           </a:p>
@@ -2234,7 +2236,7 @@
             <a:fld id="{347BD319-C441-4740-BDB2-35E25C52CCE7}" type="datetimeFigureOut">
               <a:rPr lang="sv-SE" smtClean="0"/>
               <a:pPr/>
-              <a:t>2008-08-22</a:t>
+              <a:t>2008-08-25</a:t>
             </a:fld>
             <a:endParaRPr lang="sv-SE"/>
           </a:p>
@@ -2484,7 +2486,7 @@
             <a:fld id="{347BD319-C441-4740-BDB2-35E25C52CCE7}" type="datetimeFigureOut">
               <a:rPr lang="sv-SE" smtClean="0"/>
               <a:pPr/>
-              <a:t>2008-08-22</a:t>
+              <a:t>2008-08-25</a:t>
             </a:fld>
             <a:endParaRPr lang="sv-SE"/>
           </a:p>
@@ -2694,7 +2696,7 @@
             <a:fld id="{347BD319-C441-4740-BDB2-35E25C52CCE7}" type="datetimeFigureOut">
               <a:rPr lang="sv-SE" smtClean="0"/>
               <a:pPr/>
-              <a:t>2008-08-22</a:t>
+              <a:t>2008-08-25</a:t>
             </a:fld>
             <a:endParaRPr lang="sv-SE"/>
           </a:p>
@@ -3072,132 +3074,27 @@
             <a:spLocks noGrp="1"/>
           </p:cNvSpPr>
           <p:nvPr>
-            <p:ph type="title"/>
-          </p:nvPr>
-        </p:nvSpPr>
-        <p:spPr/>
-        <p:txBody>
-          <a:bodyPr/>
-          <a:lstStyle/>
-          <a:p>
+            <p:ph type="ctrTitle"/>
+          </p:nvPr>
+        </p:nvSpPr>
+        <p:spPr/>
+        <p:txBody>
+          <a:bodyPr/>
+          <a:lstStyle/>
+          <a:p>
+            <a:r>
+              <a:rPr lang="sv-SE" dirty="0" smtClean="0"/>
+              <a:t>[</a:t>
+            </a:r>
             <a:r>
               <a:rPr lang="sv-SE" dirty="0" err="1" smtClean="0"/>
-              <a:t>Groovy</a:t>
+              <a:t>helloWorld.groovy</a:t>
+            </a:r>
+            <a:r>
+              <a:rPr lang="sv-SE" dirty="0" smtClean="0"/>
+              <a:t>]</a:t>
             </a:r>
             <a:endParaRPr lang="sv-SE" dirty="0"/>
-          </a:p>
-        </p:txBody>
-      </p:sp>
-      <p:sp>
-        <p:nvSpPr>
-          <p:cNvPr id="3" name="Platshållare för innehåll 2"/>
-          <p:cNvSpPr>
-            <a:spLocks noGrp="1"/>
-          </p:cNvSpPr>
-          <p:nvPr>
-            <p:ph idx="1"/>
-          </p:nvPr>
-        </p:nvSpPr>
-        <p:spPr/>
-        <p:txBody>
-          <a:bodyPr>
-            <a:normAutofit fontScale="85000" lnSpcReduction="10000"/>
-          </a:bodyPr>
-          <a:lstStyle/>
-          <a:p>
-            <a:pPr>
-              <a:buNone/>
-            </a:pPr>
-            <a:r>
-              <a:rPr lang="en-US" i="1" dirty="0" smtClean="0"/>
-              <a:t>“…So </a:t>
-            </a:r>
-            <a:r>
-              <a:rPr lang="en-US" i="1" dirty="0" smtClean="0"/>
-              <a:t>I've been musing a little while if its time the Java platform had its own dynamic language designed from the ground up to </a:t>
-            </a:r>
-            <a:r>
-              <a:rPr lang="en-US" i="1" dirty="0" smtClean="0">
-                <a:solidFill>
-                  <a:srgbClr val="FF0000"/>
-                </a:solidFill>
-              </a:rPr>
-              <a:t>work real nice with existing code</a:t>
-            </a:r>
-            <a:r>
-              <a:rPr lang="en-US" i="1" dirty="0" smtClean="0"/>
-              <a:t>; creating/extending objects normal Java can use and vice versa. </a:t>
-            </a:r>
-            <a:r>
-              <a:rPr lang="en-US" i="1" dirty="0" smtClean="0">
-                <a:solidFill>
-                  <a:srgbClr val="FF0000"/>
-                </a:solidFill>
-              </a:rPr>
-              <a:t>Python/</a:t>
-            </a:r>
-            <a:r>
-              <a:rPr lang="en-US" i="1" dirty="0" err="1" smtClean="0">
-                <a:solidFill>
-                  <a:srgbClr val="FF0000"/>
-                </a:solidFill>
-              </a:rPr>
-              <a:t>Jython's</a:t>
-            </a:r>
-            <a:r>
-              <a:rPr lang="en-US" i="1" dirty="0" smtClean="0">
-                <a:solidFill>
-                  <a:srgbClr val="FF0000"/>
-                </a:solidFill>
-              </a:rPr>
-              <a:t> a pretty good base - add the nice stuff from Ruby</a:t>
-            </a:r>
-            <a:r>
-              <a:rPr lang="en-US" i="1" dirty="0" smtClean="0"/>
-              <a:t> and maybe sprinkle on some </a:t>
-            </a:r>
-            <a:r>
-              <a:rPr lang="en-US" i="1" dirty="0" smtClean="0">
-                <a:solidFill>
-                  <a:srgbClr val="FF0000"/>
-                </a:solidFill>
-              </a:rPr>
-              <a:t>AOP features</a:t>
-            </a:r>
-            <a:r>
-              <a:rPr lang="en-US" i="1" dirty="0" smtClean="0"/>
-              <a:t> and we could have a really </a:t>
-            </a:r>
-            <a:r>
-              <a:rPr lang="en-US" i="1" dirty="0" smtClean="0">
-                <a:solidFill>
-                  <a:srgbClr val="FF0000"/>
-                </a:solidFill>
-              </a:rPr>
-              <a:t>Groovy</a:t>
-            </a:r>
-            <a:r>
-              <a:rPr lang="en-US" i="1" dirty="0" smtClean="0"/>
-              <a:t> new language for scripting Java objects, writing test cases and who knows, even doing real development in it</a:t>
-            </a:r>
-            <a:r>
-              <a:rPr lang="en-US" i="1" dirty="0" smtClean="0"/>
-              <a:t>.”</a:t>
-            </a:r>
-          </a:p>
-          <a:p>
-            <a:pPr algn="r">
-              <a:buNone/>
-            </a:pPr>
-            <a:r>
-              <a:rPr lang="en-US" i="1" dirty="0" smtClean="0"/>
-              <a:t>- James </a:t>
-            </a:r>
-            <a:r>
-              <a:rPr lang="en-US" i="1" dirty="0" smtClean="0"/>
-              <a:t>Strachan 2003</a:t>
-            </a:r>
-            <a:endParaRPr lang="en-US" i="1" dirty="0" smtClean="0"/>
           </a:p>
         </p:txBody>
       </p:sp>
@@ -3249,47 +3146,129 @@
           <a:lstStyle/>
           <a:p>
             <a:r>
-              <a:rPr lang="sv-SE" dirty="0" smtClean="0"/>
-              <a:t>Historik</a:t>
-            </a:r>
-            <a:endParaRPr lang="sv-SE" dirty="0"/>
-          </a:p>
-        </p:txBody>
-      </p:sp>
-      <p:sp>
-        <p:nvSpPr>
-          <p:cNvPr id="3" name="Platshållare för innehåll 2"/>
-          <p:cNvSpPr>
-            <a:spLocks noGrp="1"/>
-          </p:cNvSpPr>
-          <p:nvPr>
-            <p:ph idx="1"/>
-          </p:nvPr>
-        </p:nvSpPr>
-        <p:spPr/>
-        <p:txBody>
-          <a:bodyPr/>
-          <a:lstStyle/>
-          <a:p>
-            <a:r>
-              <a:rPr lang="sv-SE" dirty="0" smtClean="0"/>
-              <a:t>Projektet lades på is 2004</a:t>
-            </a:r>
-          </a:p>
-          <a:p>
-            <a:r>
-              <a:rPr lang="sv-SE" dirty="0" smtClean="0"/>
-              <a:t>Ny grupp utvecklare tog över strax efter</a:t>
-            </a:r>
-          </a:p>
-          <a:p>
-            <a:r>
               <a:rPr lang="sv-SE" dirty="0" err="1" smtClean="0"/>
               <a:t>Groovy</a:t>
             </a:r>
-            <a:r>
-              <a:rPr lang="sv-SE" dirty="0" smtClean="0"/>
-              <a:t> version 1.0 släpptes 2:a Januari 2007</a:t>
+            <a:endParaRPr lang="sv-SE" dirty="0"/>
+          </a:p>
+        </p:txBody>
+      </p:sp>
+      <p:sp>
+        <p:nvSpPr>
+          <p:cNvPr id="3" name="Platshållare för innehåll 2"/>
+          <p:cNvSpPr>
+            <a:spLocks noGrp="1"/>
+          </p:cNvSpPr>
+          <p:nvPr>
+            <p:ph idx="1"/>
+          </p:nvPr>
+        </p:nvSpPr>
+        <p:spPr/>
+        <p:txBody>
+          <a:bodyPr>
+            <a:normAutofit fontScale="85000" lnSpcReduction="10000"/>
+          </a:bodyPr>
+          <a:lstStyle/>
+          <a:p>
+            <a:pPr>
+              <a:buNone/>
+            </a:pPr>
+            <a:r>
+              <a:rPr lang="en-US" i="1" dirty="0" smtClean="0"/>
+              <a:t>“…So I've been musing a little while if its time the Java platform had its own </a:t>
+            </a:r>
+            <a:r>
+              <a:rPr lang="en-US" i="1" dirty="0" smtClean="0">
+                <a:solidFill>
+                  <a:srgbClr val="FF0000"/>
+                </a:solidFill>
+              </a:rPr>
+              <a:t>dynamic language</a:t>
+            </a:r>
+            <a:r>
+              <a:rPr lang="en-US" i="1" dirty="0" smtClean="0"/>
+              <a:t> designed from the ground up to </a:t>
+            </a:r>
+            <a:r>
+              <a:rPr lang="en-US" i="1" dirty="0" smtClean="0">
+                <a:solidFill>
+                  <a:srgbClr val="FF0000"/>
+                </a:solidFill>
+              </a:rPr>
+              <a:t>work real nice with existing </a:t>
+            </a:r>
+            <a:r>
+              <a:rPr lang="en-US" i="1" smtClean="0">
+                <a:solidFill>
+                  <a:srgbClr val="FF0000"/>
+                </a:solidFill>
+              </a:rPr>
+              <a:t>[Java] code</a:t>
+            </a:r>
+            <a:r>
+              <a:rPr lang="en-US" i="1" dirty="0" smtClean="0"/>
+              <a:t>; creating/extending objects normal Java can use and vice versa. </a:t>
+            </a:r>
+            <a:r>
+              <a:rPr lang="en-US" i="1" dirty="0" smtClean="0">
+                <a:solidFill>
+                  <a:srgbClr val="FF0000"/>
+                </a:solidFill>
+              </a:rPr>
+              <a:t>Python/</a:t>
+            </a:r>
+            <a:r>
+              <a:rPr lang="en-US" i="1" dirty="0" err="1" smtClean="0">
+                <a:solidFill>
+                  <a:srgbClr val="FF0000"/>
+                </a:solidFill>
+              </a:rPr>
+              <a:t>Jython's</a:t>
+            </a:r>
+            <a:r>
+              <a:rPr lang="en-US" i="1" dirty="0" smtClean="0">
+                <a:solidFill>
+                  <a:srgbClr val="FF0000"/>
+                </a:solidFill>
+              </a:rPr>
+              <a:t> a pretty good base - add the nice stuff from Ruby</a:t>
+            </a:r>
+            <a:r>
+              <a:rPr lang="en-US" i="1" dirty="0" smtClean="0"/>
+              <a:t> and maybe sprinkle on some </a:t>
+            </a:r>
+            <a:r>
+              <a:rPr lang="en-US" i="1" dirty="0" smtClean="0">
+                <a:solidFill>
+                  <a:srgbClr val="FF0000"/>
+                </a:solidFill>
+              </a:rPr>
+              <a:t>AOP features</a:t>
+            </a:r>
+            <a:r>
+              <a:rPr lang="en-US" i="1" dirty="0" smtClean="0"/>
+              <a:t> and we could have a really </a:t>
+            </a:r>
+            <a:r>
+              <a:rPr lang="en-US" i="1" dirty="0" smtClean="0">
+                <a:solidFill>
+                  <a:srgbClr val="FF0000"/>
+                </a:solidFill>
+              </a:rPr>
+              <a:t>Groovy</a:t>
+            </a:r>
+            <a:r>
+              <a:rPr lang="en-US" i="1" dirty="0" smtClean="0"/>
+              <a:t> new language for scripting Java objects, writing test cases and who knows, even doing real development in it.”</a:t>
+            </a:r>
+          </a:p>
+          <a:p>
+            <a:pPr algn="r">
+              <a:buNone/>
+            </a:pPr>
+            <a:r>
+              <a:rPr lang="en-US" i="1" dirty="0" smtClean="0"/>
+              <a:t>- James Strachan 2003</a:t>
             </a:r>
           </a:p>
         </p:txBody>
@@ -3299,6 +3278,13 @@
   <p:clrMapOvr>
     <a:masterClrMapping/>
   </p:clrMapOvr>
+  <p:timing>
+    <p:tnLst>
+      <p:par>
+        <p:cTn id="1" dur="indefinite" restart="never" nodeType="tmRoot"/>
+      </p:par>
+    </p:tnLst>
+  </p:timing>
 </p:sld>
 </file>
 
@@ -3336,7 +3322,7 @@
           <a:p>
             <a:r>
               <a:rPr lang="sv-SE" dirty="0" smtClean="0"/>
-              <a:t>Fördelar med dynamiska språk</a:t>
+              <a:t>Historik</a:t>
             </a:r>
             <a:endParaRPr lang="sv-SE" dirty="0"/>
           </a:p>
@@ -3359,26 +3345,24 @@
           <a:p>
             <a:r>
               <a:rPr lang="sv-SE" dirty="0" smtClean="0"/>
-              <a:t>Istället för att generera kod kan man skapa den när programmet körs</a:t>
+              <a:t>Projektet lades på is 2004</a:t>
             </a:r>
           </a:p>
           <a:p>
             <a:r>
               <a:rPr lang="sv-SE" dirty="0" smtClean="0"/>
-              <a:t>Koden blir lättare att ändra</a:t>
-            </a:r>
-          </a:p>
-          <a:p>
+              <a:t>Ny grupp utvecklare tog över strax efter</a:t>
+            </a:r>
+          </a:p>
+          <a:p>
+            <a:r>
+              <a:rPr lang="sv-SE" dirty="0" err="1" smtClean="0"/>
+              <a:t>Groovy</a:t>
+            </a:r>
             <a:r>
               <a:rPr lang="sv-SE" dirty="0" smtClean="0"/>
-              <a:t>Möjlighet att ändra hur språket fungerar</a:t>
-            </a:r>
-          </a:p>
-          <a:p>
-            <a:pPr>
-              <a:buNone/>
-            </a:pPr>
-            <a:endParaRPr lang="sv-SE" dirty="0"/>
+              <a:t> version 1.0 släpptes 2:a Januari 2007</a:t>
+            </a:r>
           </a:p>
         </p:txBody>
       </p:sp>
@@ -3387,13 +3371,6 @@
   <p:clrMapOvr>
     <a:masterClrMapping/>
   </p:clrMapOvr>
-  <p:timing>
-    <p:tnLst>
-      <p:par>
-        <p:cTn id="1" dur="indefinite" restart="never" nodeType="tmRoot"/>
-      </p:par>
-    </p:tnLst>
-  </p:timing>
 </p:sld>
 </file>
 
@@ -3431,7 +3408,7 @@
           <a:p>
             <a:r>
               <a:rPr lang="sv-SE" dirty="0" smtClean="0"/>
-              <a:t>Nackdelar med dynamiska språk</a:t>
+              <a:t>Fördelar med dynamiska språk</a:t>
             </a:r>
             <a:endParaRPr lang="sv-SE" dirty="0"/>
           </a:p>
@@ -3454,22 +3431,25 @@
           <a:p>
             <a:r>
               <a:rPr lang="sv-SE" dirty="0" smtClean="0"/>
-              <a:t>Kräver testning</a:t>
+              <a:t>Istället för att generera kod kan man skapa den när programmet körs</a:t>
             </a:r>
           </a:p>
           <a:p>
             <a:r>
               <a:rPr lang="sv-SE" dirty="0" smtClean="0"/>
-              <a:t>Risk att </a:t>
-            </a:r>
-            <a:r>
-              <a:rPr lang="sv-SE" smtClean="0"/>
-              <a:t>någon skriver </a:t>
-            </a:r>
+              <a:t>Koden blir lättare att ändra</a:t>
+            </a:r>
+          </a:p>
+          <a:p>
             <a:r>
               <a:rPr lang="sv-SE" dirty="0" smtClean="0"/>
-              <a:t>”oläslig” kod</a:t>
-            </a:r>
+              <a:t>Möjlighet att ändra hur språket fungerar</a:t>
+            </a:r>
+          </a:p>
+          <a:p>
+            <a:pPr>
+              <a:buNone/>
+            </a:pPr>
             <a:endParaRPr lang="sv-SE" dirty="0"/>
           </a:p>
         </p:txBody>
@@ -3479,6 +3459,13 @@
   <p:clrMapOvr>
     <a:masterClrMapping/>
   </p:clrMapOvr>
+  <p:timing>
+    <p:tnLst>
+      <p:par>
+        <p:cTn id="1" dur="indefinite" restart="never" nodeType="tmRoot"/>
+      </p:par>
+    </p:tnLst>
+  </p:timing>
 </p:sld>
 </file>
 
@@ -3506,7 +3493,7 @@
             <a:spLocks noGrp="1"/>
           </p:cNvSpPr>
           <p:nvPr>
-            <p:ph type="ctrTitle"/>
+            <p:ph type="title"/>
           </p:nvPr>
         </p:nvSpPr>
         <p:spPr/>
@@ -3516,15 +3503,36 @@
           <a:p>
             <a:r>
               <a:rPr lang="sv-SE" dirty="0" smtClean="0"/>
-              <a:t>[</a:t>
-            </a:r>
-            <a:r>
-              <a:rPr lang="sv-SE" dirty="0" err="1" smtClean="0"/>
-              <a:t>helloWorld.groovy</a:t>
-            </a:r>
+              <a:t>Nackdelar med dynamiska språk</a:t>
+            </a:r>
+            <a:endParaRPr lang="sv-SE" dirty="0"/>
+          </a:p>
+        </p:txBody>
+      </p:sp>
+      <p:sp>
+        <p:nvSpPr>
+          <p:cNvPr id="3" name="Platshållare för innehåll 2"/>
+          <p:cNvSpPr>
+            <a:spLocks noGrp="1"/>
+          </p:cNvSpPr>
+          <p:nvPr>
+            <p:ph idx="1"/>
+          </p:nvPr>
+        </p:nvSpPr>
+        <p:spPr/>
+        <p:txBody>
+          <a:bodyPr/>
+          <a:lstStyle/>
+          <a:p>
             <a:r>
               <a:rPr lang="sv-SE" dirty="0" smtClean="0"/>
-              <a:t>]</a:t>
+              <a:t>Kräver testning</a:t>
+            </a:r>
+          </a:p>
+          <a:p>
+            <a:r>
+              <a:rPr lang="sv-SE" dirty="0" smtClean="0"/>
+              <a:t>Risk att någon skriver ”oläslig” kod</a:t>
             </a:r>
             <a:endParaRPr lang="sv-SE" dirty="0"/>
           </a:p>
@@ -3535,13 +3543,6 @@
   <p:clrMapOvr>
     <a:masterClrMapping/>
   </p:clrMapOvr>
-  <p:timing>
-    <p:tnLst>
-      <p:par>
-        <p:cTn id="1" dur="indefinite" restart="never" nodeType="tmRoot"/>
-      </p:par>
-    </p:tnLst>
-  </p:timing>
 </p:sld>
 </file>
 
@@ -3574,6 +3575,250 @@
         </p:nvSpPr>
         <p:spPr/>
         <p:txBody>
+          <a:bodyPr>
+            <a:normAutofit fontScale="90000"/>
+          </a:bodyPr>
+          <a:lstStyle/>
+          <a:p>
+            <a:r>
+              <a:rPr lang="sv-SE" dirty="0" smtClean="0"/>
+              <a:t>Det finns ca 150 språk som kan köras på </a:t>
+            </a:r>
+            <a:r>
+              <a:rPr lang="sv-SE" dirty="0" err="1" smtClean="0"/>
+              <a:t>java-plattformen</a:t>
+            </a:r>
+            <a:r>
+              <a:rPr lang="sv-SE" dirty="0" smtClean="0"/>
+              <a:t>, till exempel:</a:t>
+            </a:r>
+          </a:p>
+        </p:txBody>
+      </p:sp>
+      <p:sp>
+        <p:nvSpPr>
+          <p:cNvPr id="3" name="Platshållare för innehåll 2"/>
+          <p:cNvSpPr>
+            <a:spLocks noGrp="1"/>
+          </p:cNvSpPr>
+          <p:nvPr>
+            <p:ph idx="1"/>
+          </p:nvPr>
+        </p:nvSpPr>
+        <p:spPr/>
+        <p:txBody>
+          <a:bodyPr/>
+          <a:lstStyle/>
+          <a:p>
+            <a:r>
+              <a:rPr lang="sv-SE" dirty="0" smtClean="0"/>
+              <a:t>Ruby (</a:t>
+            </a:r>
+            <a:r>
+              <a:rPr lang="sv-SE" dirty="0" err="1" smtClean="0"/>
+              <a:t>jRuby</a:t>
+            </a:r>
+            <a:r>
+              <a:rPr lang="sv-SE" dirty="0" smtClean="0"/>
+              <a:t>)</a:t>
+            </a:r>
+          </a:p>
+          <a:p>
+            <a:r>
+              <a:rPr lang="sv-SE" dirty="0" err="1" smtClean="0"/>
+              <a:t>Python</a:t>
+            </a:r>
+            <a:r>
+              <a:rPr lang="sv-SE" dirty="0" smtClean="0"/>
+              <a:t> (</a:t>
+            </a:r>
+            <a:r>
+              <a:rPr lang="sv-SE" dirty="0" err="1" smtClean="0"/>
+              <a:t>Jython</a:t>
+            </a:r>
+            <a:r>
+              <a:rPr lang="sv-SE" dirty="0" smtClean="0"/>
+              <a:t>)</a:t>
+            </a:r>
+          </a:p>
+          <a:p>
+            <a:r>
+              <a:rPr lang="sv-SE" dirty="0" err="1" smtClean="0"/>
+              <a:t>BeanShell</a:t>
+            </a:r>
+            <a:endParaRPr lang="sv-SE" dirty="0" smtClean="0"/>
+          </a:p>
+          <a:p>
+            <a:r>
+              <a:rPr lang="sv-SE" dirty="0" smtClean="0"/>
+              <a:t>JavaScript</a:t>
+            </a:r>
+          </a:p>
+          <a:p>
+            <a:r>
+              <a:rPr lang="sv-SE" dirty="0" smtClean="0"/>
+              <a:t>…</a:t>
+            </a:r>
+            <a:endParaRPr lang="sv-SE" dirty="0"/>
+          </a:p>
+        </p:txBody>
+      </p:sp>
+    </p:spTree>
+  </p:cSld>
+  <p:clrMapOvr>
+    <a:masterClrMapping/>
+  </p:clrMapOvr>
+</p:sld>
+</file>
+
+<file path=ppt/slides/slide7.xml><?xml version="1.0" encoding="utf-8"?>
+<p:sld xmlns:a="http://schemas.openxmlformats.org/drawingml/2006/main" xmlns:r="http://schemas.openxmlformats.org/officeDocument/2006/relationships" xmlns:p="http://schemas.openxmlformats.org/presentationml/2006/main">
+  <p:cSld>
+    <p:spTree>
+      <p:nvGrpSpPr>
+        <p:cNvPr id="1" name=""/>
+        <p:cNvGrpSpPr/>
+        <p:nvPr/>
+      </p:nvGrpSpPr>
+      <p:grpSpPr>
+        <a:xfrm>
+          <a:off x="0" y="0"/>
+          <a:ext cx="0" cy="0"/>
+          <a:chOff x="0" y="0"/>
+          <a:chExt cx="0" cy="0"/>
+        </a:xfrm>
+      </p:grpSpPr>
+      <p:sp>
+        <p:nvSpPr>
+          <p:cNvPr id="2" name="Rubrik 1"/>
+          <p:cNvSpPr>
+            <a:spLocks noGrp="1"/>
+          </p:cNvSpPr>
+          <p:nvPr>
+            <p:ph type="title"/>
+          </p:nvPr>
+        </p:nvSpPr>
+        <p:spPr/>
+        <p:txBody>
+          <a:bodyPr/>
+          <a:lstStyle/>
+          <a:p>
+            <a:r>
+              <a:rPr lang="sv-SE" dirty="0" smtClean="0"/>
+              <a:t>Fördelar med </a:t>
+            </a:r>
+            <a:r>
+              <a:rPr lang="sv-SE" dirty="0" err="1" smtClean="0"/>
+              <a:t>Groovy</a:t>
+            </a:r>
+            <a:endParaRPr lang="sv-SE" dirty="0"/>
+          </a:p>
+        </p:txBody>
+      </p:sp>
+      <p:sp>
+        <p:nvSpPr>
+          <p:cNvPr id="3" name="Platshållare för innehåll 2"/>
+          <p:cNvSpPr>
+            <a:spLocks noGrp="1"/>
+          </p:cNvSpPr>
+          <p:nvPr>
+            <p:ph idx="1"/>
+          </p:nvPr>
+        </p:nvSpPr>
+        <p:spPr/>
+        <p:txBody>
+          <a:bodyPr/>
+          <a:lstStyle/>
+          <a:p>
+            <a:r>
+              <a:rPr lang="sv-SE" dirty="0" smtClean="0"/>
+              <a:t>Enkelt att lära för en Javaprogrammerare</a:t>
+            </a:r>
+          </a:p>
+          <a:p>
+            <a:r>
+              <a:rPr lang="sv-SE" dirty="0" smtClean="0"/>
+              <a:t>Helt kompatibelt med existerande Javaprojekt</a:t>
+            </a:r>
+          </a:p>
+          <a:p>
+            <a:r>
+              <a:rPr lang="sv-SE" dirty="0" err="1" smtClean="0"/>
+              <a:t>Groovy</a:t>
+            </a:r>
+            <a:r>
+              <a:rPr lang="sv-SE" dirty="0" smtClean="0"/>
+              <a:t> ÄR Java – kompileras till .</a:t>
+            </a:r>
+            <a:r>
+              <a:rPr lang="sv-SE" dirty="0" err="1" smtClean="0"/>
+              <a:t>class-filer</a:t>
+            </a:r>
+            <a:endParaRPr lang="sv-SE" dirty="0" smtClean="0"/>
+          </a:p>
+          <a:p>
+            <a:r>
+              <a:rPr lang="sv-SE" dirty="0" smtClean="0"/>
+              <a:t>Lätt att börja med, man kan skriva Java istället om man är osäker på </a:t>
+            </a:r>
+            <a:r>
+              <a:rPr lang="sv-SE" dirty="0" err="1" smtClean="0"/>
+              <a:t>Groovy-syntax</a:t>
+            </a:r>
+            <a:endParaRPr lang="sv-SE" dirty="0" smtClean="0"/>
+          </a:p>
+          <a:p>
+            <a:r>
+              <a:rPr lang="sv-SE" dirty="0" smtClean="0"/>
+              <a:t>Dynamiskt</a:t>
+            </a:r>
+          </a:p>
+          <a:p>
+            <a:r>
+              <a:rPr lang="sv-SE" dirty="0" smtClean="0"/>
+              <a:t>Utökar JDK för att förenkla utveckling</a:t>
+            </a:r>
+            <a:endParaRPr lang="sv-SE" dirty="0"/>
+          </a:p>
+        </p:txBody>
+      </p:sp>
+    </p:spTree>
+  </p:cSld>
+  <p:clrMapOvr>
+    <a:masterClrMapping/>
+  </p:clrMapOvr>
+</p:sld>
+</file>
+
+<file path=ppt/slides/slide8.xml><?xml version="1.0" encoding="utf-8"?>
+<p:sld xmlns:a="http://schemas.openxmlformats.org/drawingml/2006/main" xmlns:r="http://schemas.openxmlformats.org/officeDocument/2006/relationships" xmlns:p="http://schemas.openxmlformats.org/presentationml/2006/main">
+  <p:cSld>
+    <p:spTree>
+      <p:nvGrpSpPr>
+        <p:cNvPr id="1" name=""/>
+        <p:cNvGrpSpPr/>
+        <p:nvPr/>
+      </p:nvGrpSpPr>
+      <p:grpSpPr>
+        <a:xfrm>
+          <a:off x="0" y="0"/>
+          <a:ext cx="0" cy="0"/>
+          <a:chOff x="0" y="0"/>
+          <a:chExt cx="0" cy="0"/>
+        </a:xfrm>
+      </p:grpSpPr>
+      <p:sp>
+        <p:nvSpPr>
+          <p:cNvPr id="2" name="Rubrik 1"/>
+          <p:cNvSpPr>
+            <a:spLocks noGrp="1"/>
+          </p:cNvSpPr>
+          <p:nvPr>
+            <p:ph type="title"/>
+          </p:nvPr>
+        </p:nvSpPr>
+        <p:spPr/>
+        <p:txBody>
           <a:bodyPr/>
           <a:lstStyle/>
           <a:p>
@@ -3615,7 +3860,7 @@
 </p:sld>
 </file>
 
-<file path=ppt/slides/slide7.xml><?xml version="1.0" encoding="utf-8"?>
+<file path=ppt/slides/slide9.xml><?xml version="1.0" encoding="utf-8"?>
 <p:sld xmlns:a="http://schemas.openxmlformats.org/drawingml/2006/main" xmlns:r="http://schemas.openxmlformats.org/officeDocument/2006/relationships" xmlns:p="http://schemas.openxmlformats.org/presentationml/2006/main">
   <p:cSld>
     <p:spTree>

--- a/groovyseminarie/dokument/groovyseminarium_source.pptx
+++ b/groovyseminarie/dokument/groovyseminarium_source.pptx
@@ -5,15 +5,20 @@
     <p:sldMasterId id="2147483648" r:id="rId1"/>
   </p:sldMasterIdLst>
   <p:sldIdLst>
-    <p:sldId id="256" r:id="rId2"/>
-    <p:sldId id="260" r:id="rId3"/>
-    <p:sldId id="261" r:id="rId4"/>
+    <p:sldId id="260" r:id="rId2"/>
+    <p:sldId id="261" r:id="rId3"/>
+    <p:sldId id="270" r:id="rId4"/>
     <p:sldId id="258" r:id="rId5"/>
     <p:sldId id="262" r:id="rId6"/>
     <p:sldId id="263" r:id="rId7"/>
     <p:sldId id="264" r:id="rId8"/>
-    <p:sldId id="259" r:id="rId9"/>
-    <p:sldId id="257" r:id="rId10"/>
+    <p:sldId id="256" r:id="rId9"/>
+    <p:sldId id="269" r:id="rId10"/>
+    <p:sldId id="259" r:id="rId11"/>
+    <p:sldId id="265" r:id="rId12"/>
+    <p:sldId id="268" r:id="rId13"/>
+    <p:sldId id="266" r:id="rId14"/>
+    <p:sldId id="257" r:id="rId15"/>
   </p:sldIdLst>
   <p:sldSz cx="9144000" cy="6858000" type="screen4x3"/>
   <p:notesSz cx="6858000" cy="9144000"/>
@@ -3074,25 +3079,855 @@
             <a:spLocks noGrp="1"/>
           </p:cNvSpPr>
           <p:nvPr>
-            <p:ph type="ctrTitle"/>
-          </p:nvPr>
-        </p:nvSpPr>
-        <p:spPr/>
-        <p:txBody>
-          <a:bodyPr/>
-          <a:lstStyle/>
-          <a:p>
+            <p:ph type="title"/>
+          </p:nvPr>
+        </p:nvSpPr>
+        <p:spPr/>
+        <p:txBody>
+          <a:bodyPr/>
+          <a:lstStyle/>
+          <a:p>
+            <a:r>
+              <a:rPr lang="sv-SE" dirty="0" err="1" smtClean="0"/>
+              <a:t>Groovy</a:t>
+            </a:r>
+            <a:endParaRPr lang="sv-SE" dirty="0"/>
+          </a:p>
+        </p:txBody>
+      </p:sp>
+      <p:sp>
+        <p:nvSpPr>
+          <p:cNvPr id="3" name="Platshållare för innehåll 2"/>
+          <p:cNvSpPr>
+            <a:spLocks noGrp="1"/>
+          </p:cNvSpPr>
+          <p:nvPr>
+            <p:ph idx="1"/>
+          </p:nvPr>
+        </p:nvSpPr>
+        <p:spPr/>
+        <p:txBody>
+          <a:bodyPr>
+            <a:normAutofit fontScale="85000" lnSpcReduction="10000"/>
+          </a:bodyPr>
+          <a:lstStyle/>
+          <a:p>
+            <a:pPr>
+              <a:buNone/>
+            </a:pPr>
+            <a:r>
+              <a:rPr lang="en-US" i="1" dirty="0" smtClean="0"/>
+              <a:t>“…So I've been musing a little while if its time the Java platform had its own </a:t>
+            </a:r>
+            <a:r>
+              <a:rPr lang="en-US" i="1" dirty="0" smtClean="0">
+                <a:solidFill>
+                  <a:srgbClr val="FF0000"/>
+                </a:solidFill>
+              </a:rPr>
+              <a:t>dynamic language</a:t>
+            </a:r>
+            <a:r>
+              <a:rPr lang="en-US" i="1" dirty="0" smtClean="0"/>
+              <a:t> designed from the ground up to </a:t>
+            </a:r>
+            <a:r>
+              <a:rPr lang="en-US" i="1" dirty="0" smtClean="0">
+                <a:solidFill>
+                  <a:srgbClr val="FF0000"/>
+                </a:solidFill>
+              </a:rPr>
+              <a:t>work real nice with existing [Java] code</a:t>
+            </a:r>
+            <a:r>
+              <a:rPr lang="en-US" i="1" dirty="0" smtClean="0"/>
+              <a:t>; creating/extending objects normal Java can use and vice versa. </a:t>
+            </a:r>
+            <a:r>
+              <a:rPr lang="en-US" i="1" dirty="0" smtClean="0">
+                <a:solidFill>
+                  <a:srgbClr val="FF0000"/>
+                </a:solidFill>
+              </a:rPr>
+              <a:t>Python/</a:t>
+            </a:r>
+            <a:r>
+              <a:rPr lang="en-US" i="1" dirty="0" err="1" smtClean="0">
+                <a:solidFill>
+                  <a:srgbClr val="FF0000"/>
+                </a:solidFill>
+              </a:rPr>
+              <a:t>Jython's</a:t>
+            </a:r>
+            <a:r>
+              <a:rPr lang="en-US" i="1" dirty="0" smtClean="0">
+                <a:solidFill>
+                  <a:srgbClr val="FF0000"/>
+                </a:solidFill>
+              </a:rPr>
+              <a:t> a pretty good base - add the nice stuff from Ruby</a:t>
+            </a:r>
+            <a:r>
+              <a:rPr lang="en-US" i="1" dirty="0" smtClean="0"/>
+              <a:t> and maybe sprinkle on some </a:t>
+            </a:r>
+            <a:r>
+              <a:rPr lang="en-US" i="1" dirty="0" smtClean="0">
+                <a:solidFill>
+                  <a:srgbClr val="FF0000"/>
+                </a:solidFill>
+              </a:rPr>
+              <a:t>AOP features</a:t>
+            </a:r>
+            <a:r>
+              <a:rPr lang="en-US" i="1" dirty="0" smtClean="0"/>
+              <a:t> and we could have a really </a:t>
+            </a:r>
+            <a:r>
+              <a:rPr lang="en-US" i="1" dirty="0" smtClean="0">
+                <a:solidFill>
+                  <a:srgbClr val="FF0000"/>
+                </a:solidFill>
+              </a:rPr>
+              <a:t>Groovy</a:t>
+            </a:r>
+            <a:r>
+              <a:rPr lang="en-US" i="1" dirty="0" smtClean="0"/>
+              <a:t> new language for scripting Java objects, writing test cases and who knows, even doing real development in it.”</a:t>
+            </a:r>
+          </a:p>
+          <a:p>
+            <a:pPr algn="r">
+              <a:buNone/>
+            </a:pPr>
+            <a:r>
+              <a:rPr lang="en-US" i="1" dirty="0" smtClean="0"/>
+              <a:t>- James Strachan 2003</a:t>
+            </a:r>
+          </a:p>
+        </p:txBody>
+      </p:sp>
+    </p:spTree>
+  </p:cSld>
+  <p:clrMapOvr>
+    <a:masterClrMapping/>
+  </p:clrMapOvr>
+  <p:timing>
+    <p:tnLst>
+      <p:par>
+        <p:cTn id="1" dur="indefinite" restart="never" nodeType="tmRoot"/>
+      </p:par>
+    </p:tnLst>
+  </p:timing>
+</p:sld>
+</file>
+
+<file path=ppt/slides/slide10.xml><?xml version="1.0" encoding="utf-8"?>
+<p:sld xmlns:a="http://schemas.openxmlformats.org/drawingml/2006/main" xmlns:r="http://schemas.openxmlformats.org/officeDocument/2006/relationships" xmlns:p="http://schemas.openxmlformats.org/presentationml/2006/main">
+  <p:cSld>
+    <p:spTree>
+      <p:nvGrpSpPr>
+        <p:cNvPr id="1" name=""/>
+        <p:cNvGrpSpPr/>
+        <p:nvPr/>
+      </p:nvGrpSpPr>
+      <p:grpSpPr>
+        <a:xfrm>
+          <a:off x="0" y="0"/>
+          <a:ext cx="0" cy="0"/>
+          <a:chOff x="0" y="0"/>
+          <a:chExt cx="0" cy="0"/>
+        </a:xfrm>
+      </p:grpSpPr>
+      <p:sp>
+        <p:nvSpPr>
+          <p:cNvPr id="2" name="Rubrik 1"/>
+          <p:cNvSpPr>
+            <a:spLocks noGrp="1"/>
+          </p:cNvSpPr>
+          <p:nvPr>
+            <p:ph type="title"/>
+          </p:nvPr>
+        </p:nvSpPr>
+        <p:spPr/>
+        <p:txBody>
+          <a:bodyPr/>
+          <a:lstStyle/>
+          <a:p>
+            <a:r>
+              <a:rPr lang="sv-SE" dirty="0" smtClean="0"/>
+              <a:t>GPL(General </a:t>
+            </a:r>
+            <a:r>
+              <a:rPr lang="sv-SE" dirty="0" err="1" smtClean="0"/>
+              <a:t>Purpose</a:t>
+            </a:r>
+            <a:r>
+              <a:rPr lang="sv-SE" dirty="0" smtClean="0"/>
+              <a:t> Languages)</a:t>
+            </a:r>
+            <a:endParaRPr lang="sv-SE" dirty="0"/>
+          </a:p>
+        </p:txBody>
+      </p:sp>
+      <p:sp>
+        <p:nvSpPr>
+          <p:cNvPr id="3" name="Platshållare för innehåll 2"/>
+          <p:cNvSpPr>
+            <a:spLocks noGrp="1"/>
+          </p:cNvSpPr>
+          <p:nvPr>
+            <p:ph idx="1"/>
+          </p:nvPr>
+        </p:nvSpPr>
+        <p:spPr/>
+        <p:txBody>
+          <a:bodyPr/>
+          <a:lstStyle/>
+          <a:p>
+            <a:r>
+              <a:rPr lang="sv-SE" dirty="0" smtClean="0"/>
+              <a:t>Java, C, .NET och liknande språk kallas GPL</a:t>
+            </a:r>
+            <a:r>
+              <a:rPr lang="sv-SE" dirty="0" smtClean="0"/>
+              <a:t>, General </a:t>
+            </a:r>
+            <a:r>
+              <a:rPr lang="sv-SE" dirty="0" err="1" smtClean="0"/>
+              <a:t>Purpose</a:t>
+            </a:r>
+            <a:r>
+              <a:rPr lang="sv-SE" dirty="0" smtClean="0"/>
+              <a:t> </a:t>
+            </a:r>
+            <a:r>
+              <a:rPr lang="sv-SE" dirty="0" smtClean="0"/>
+              <a:t>Languages. </a:t>
+            </a:r>
+            <a:endParaRPr lang="sv-SE" dirty="0" smtClean="0"/>
+          </a:p>
+          <a:p>
+            <a:r>
+              <a:rPr lang="sv-SE" dirty="0" smtClean="0"/>
+              <a:t>Har en generell syntax, oberoende av område.</a:t>
+            </a:r>
+          </a:p>
+          <a:p>
+            <a:r>
+              <a:rPr lang="sv-SE" dirty="0" smtClean="0"/>
+              <a:t>Allt går att göra, men det är sällan det enklaste/snabbaste sättet</a:t>
+            </a:r>
+            <a:endParaRPr lang="sv-SE" dirty="0"/>
+          </a:p>
+        </p:txBody>
+      </p:sp>
+    </p:spTree>
+  </p:cSld>
+  <p:clrMapOvr>
+    <a:masterClrMapping/>
+  </p:clrMapOvr>
+  <p:timing>
+    <p:tnLst>
+      <p:par>
+        <p:cTn id="1" dur="indefinite" restart="never" nodeType="tmRoot"/>
+      </p:par>
+    </p:tnLst>
+  </p:timing>
+</p:sld>
+</file>
+
+<file path=ppt/slides/slide11.xml><?xml version="1.0" encoding="utf-8"?>
+<p:sld xmlns:a="http://schemas.openxmlformats.org/drawingml/2006/main" xmlns:r="http://schemas.openxmlformats.org/officeDocument/2006/relationships" xmlns:p="http://schemas.openxmlformats.org/presentationml/2006/main">
+  <p:cSld>
+    <p:spTree>
+      <p:nvGrpSpPr>
+        <p:cNvPr id="1" name=""/>
+        <p:cNvGrpSpPr/>
+        <p:nvPr/>
+      </p:nvGrpSpPr>
+      <p:grpSpPr>
+        <a:xfrm>
+          <a:off x="0" y="0"/>
+          <a:ext cx="0" cy="0"/>
+          <a:chOff x="0" y="0"/>
+          <a:chExt cx="0" cy="0"/>
+        </a:xfrm>
+      </p:grpSpPr>
+      <p:sp>
+        <p:nvSpPr>
+          <p:cNvPr id="2" name="Rubrik 1"/>
+          <p:cNvSpPr>
+            <a:spLocks noGrp="1"/>
+          </p:cNvSpPr>
+          <p:nvPr>
+            <p:ph type="title"/>
+          </p:nvPr>
+        </p:nvSpPr>
+        <p:spPr/>
+        <p:txBody>
+          <a:bodyPr/>
+          <a:lstStyle/>
+          <a:p>
+            <a:r>
+              <a:rPr lang="sv-SE" dirty="0" smtClean="0"/>
+              <a:t>DSL (</a:t>
+            </a:r>
+            <a:r>
+              <a:rPr lang="sv-SE" dirty="0" err="1" smtClean="0"/>
+              <a:t>Domain</a:t>
+            </a:r>
+            <a:r>
+              <a:rPr lang="sv-SE" dirty="0" smtClean="0"/>
+              <a:t> </a:t>
+            </a:r>
+            <a:r>
+              <a:rPr lang="sv-SE" dirty="0" err="1" smtClean="0"/>
+              <a:t>Specific</a:t>
+            </a:r>
+            <a:r>
+              <a:rPr lang="sv-SE" dirty="0" smtClean="0"/>
+              <a:t> Languages)</a:t>
+            </a:r>
+            <a:endParaRPr lang="sv-SE" dirty="0"/>
+          </a:p>
+        </p:txBody>
+      </p:sp>
+      <p:sp>
+        <p:nvSpPr>
+          <p:cNvPr id="3" name="Platshållare för innehåll 2"/>
+          <p:cNvSpPr>
+            <a:spLocks noGrp="1"/>
+          </p:cNvSpPr>
+          <p:nvPr>
+            <p:ph idx="1"/>
+          </p:nvPr>
+        </p:nvSpPr>
+        <p:spPr/>
+        <p:txBody>
+          <a:bodyPr/>
+          <a:lstStyle/>
+          <a:p>
+            <a:r>
+              <a:rPr lang="sv-SE" dirty="0" smtClean="0"/>
+              <a:t>Språket är designat utifrån domänen det används i.</a:t>
+            </a:r>
+          </a:p>
+          <a:p>
+            <a:r>
+              <a:rPr lang="sv-SE" dirty="0" smtClean="0"/>
+              <a:t>Exempel på befintliga </a:t>
+            </a:r>
+            <a:r>
+              <a:rPr lang="sv-SE" dirty="0" err="1" smtClean="0"/>
+              <a:t>DSL:s</a:t>
+            </a:r>
+            <a:r>
+              <a:rPr lang="sv-SE" dirty="0" smtClean="0"/>
+              <a:t>:</a:t>
+            </a:r>
+          </a:p>
+          <a:p>
+            <a:pPr lvl="1"/>
+            <a:r>
+              <a:rPr lang="sv-SE" dirty="0" smtClean="0"/>
+              <a:t>SQL</a:t>
+            </a:r>
+          </a:p>
+          <a:p>
+            <a:pPr lvl="1"/>
+            <a:r>
+              <a:rPr lang="sv-SE" dirty="0" smtClean="0"/>
+              <a:t>HTML</a:t>
+            </a:r>
+          </a:p>
+          <a:p>
+            <a:pPr lvl="1"/>
+            <a:r>
+              <a:rPr lang="sv-SE" dirty="0" smtClean="0"/>
+              <a:t>ANT</a:t>
+            </a:r>
+          </a:p>
+          <a:p>
+            <a:pPr lvl="1"/>
+            <a:r>
+              <a:rPr lang="sv-SE" dirty="0" smtClean="0"/>
+              <a:t>CSS</a:t>
+            </a:r>
+            <a:endParaRPr lang="sv-SE" dirty="0"/>
+          </a:p>
+        </p:txBody>
+      </p:sp>
+    </p:spTree>
+  </p:cSld>
+  <p:clrMapOvr>
+    <a:masterClrMapping/>
+  </p:clrMapOvr>
+  <p:timing>
+    <p:tnLst>
+      <p:par>
+        <p:cTn id="1" dur="indefinite" restart="never" nodeType="tmRoot"/>
+      </p:par>
+    </p:tnLst>
+  </p:timing>
+</p:sld>
+</file>
+
+<file path=ppt/slides/slide12.xml><?xml version="1.0" encoding="utf-8"?>
+<p:sld xmlns:a="http://schemas.openxmlformats.org/drawingml/2006/main" xmlns:r="http://schemas.openxmlformats.org/officeDocument/2006/relationships" xmlns:p="http://schemas.openxmlformats.org/presentationml/2006/main">
+  <p:cSld>
+    <p:spTree>
+      <p:nvGrpSpPr>
+        <p:cNvPr id="1" name=""/>
+        <p:cNvGrpSpPr/>
+        <p:nvPr/>
+      </p:nvGrpSpPr>
+      <p:grpSpPr>
+        <a:xfrm>
+          <a:off x="0" y="0"/>
+          <a:ext cx="0" cy="0"/>
+          <a:chOff x="0" y="0"/>
+          <a:chExt cx="0" cy="0"/>
+        </a:xfrm>
+      </p:grpSpPr>
+      <p:sp>
+        <p:nvSpPr>
+          <p:cNvPr id="2" name="Rubrik 1"/>
+          <p:cNvSpPr>
+            <a:spLocks noGrp="1"/>
+          </p:cNvSpPr>
+          <p:nvPr>
+            <p:ph type="title"/>
+          </p:nvPr>
+        </p:nvSpPr>
+        <p:spPr/>
+        <p:txBody>
+          <a:bodyPr>
+            <a:normAutofit/>
+          </a:bodyPr>
+          <a:lstStyle/>
+          <a:p>
+            <a:r>
+              <a:rPr lang="sv-SE" dirty="0" smtClean="0"/>
+              <a:t>Fördelar med DSL</a:t>
+            </a:r>
+            <a:endParaRPr lang="sv-SE" dirty="0"/>
+          </a:p>
+        </p:txBody>
+      </p:sp>
+      <p:sp>
+        <p:nvSpPr>
+          <p:cNvPr id="3" name="Platshållare för innehåll 2"/>
+          <p:cNvSpPr>
+            <a:spLocks noGrp="1"/>
+          </p:cNvSpPr>
+          <p:nvPr>
+            <p:ph idx="1"/>
+          </p:nvPr>
+        </p:nvSpPr>
+        <p:spPr/>
+        <p:txBody>
+          <a:bodyPr/>
+          <a:lstStyle/>
+          <a:p>
+            <a:r>
+              <a:rPr lang="sv-SE" dirty="0" smtClean="0"/>
+              <a:t>Koden blir lättläst</a:t>
+            </a:r>
+          </a:p>
+          <a:p>
+            <a:r>
+              <a:rPr lang="sv-SE" dirty="0" smtClean="0"/>
+              <a:t>Går snabbare att utveckla i ett språk som ligger nära problemdomänen</a:t>
+            </a:r>
+          </a:p>
+          <a:p>
+            <a:r>
+              <a:rPr lang="sv-SE" dirty="0" smtClean="0"/>
+              <a:t>Lätt att kommunicera med beställare och användare</a:t>
+            </a:r>
+          </a:p>
+          <a:p>
+            <a:r>
+              <a:rPr lang="sv-SE" dirty="0" smtClean="0"/>
+              <a:t>Lätt att skriva enhetstester</a:t>
+            </a:r>
+            <a:endParaRPr lang="sv-SE" dirty="0"/>
+          </a:p>
+        </p:txBody>
+      </p:sp>
+    </p:spTree>
+  </p:cSld>
+  <p:clrMapOvr>
+    <a:masterClrMapping/>
+  </p:clrMapOvr>
+  <p:timing>
+    <p:tnLst>
+      <p:par>
+        <p:cTn id="1" dur="indefinite" restart="never" nodeType="tmRoot"/>
+      </p:par>
+    </p:tnLst>
+  </p:timing>
+</p:sld>
+</file>
+
+<file path=ppt/slides/slide13.xml><?xml version="1.0" encoding="utf-8"?>
+<p:sld xmlns:a="http://schemas.openxmlformats.org/drawingml/2006/main" xmlns:r="http://schemas.openxmlformats.org/officeDocument/2006/relationships" xmlns:p="http://schemas.openxmlformats.org/presentationml/2006/main">
+  <p:cSld>
+    <p:spTree>
+      <p:nvGrpSpPr>
+        <p:cNvPr id="1" name=""/>
+        <p:cNvGrpSpPr/>
+        <p:nvPr/>
+      </p:nvGrpSpPr>
+      <p:grpSpPr>
+        <a:xfrm>
+          <a:off x="0" y="0"/>
+          <a:ext cx="0" cy="0"/>
+          <a:chOff x="0" y="0"/>
+          <a:chExt cx="0" cy="0"/>
+        </a:xfrm>
+      </p:grpSpPr>
+      <p:sp>
+        <p:nvSpPr>
+          <p:cNvPr id="2" name="Rubrik 1"/>
+          <p:cNvSpPr>
+            <a:spLocks noGrp="1"/>
+          </p:cNvSpPr>
+          <p:nvPr>
+            <p:ph type="title"/>
+          </p:nvPr>
+        </p:nvSpPr>
+        <p:spPr/>
+        <p:txBody>
+          <a:bodyPr/>
+          <a:lstStyle/>
+          <a:p>
+            <a:r>
+              <a:rPr lang="sv-SE" dirty="0" smtClean="0"/>
+              <a:t>DSL i </a:t>
+            </a:r>
+            <a:r>
+              <a:rPr lang="sv-SE" dirty="0" err="1" smtClean="0"/>
+              <a:t>Groovy</a:t>
+            </a:r>
+            <a:endParaRPr lang="sv-SE" dirty="0"/>
+          </a:p>
+        </p:txBody>
+      </p:sp>
+      <p:sp>
+        <p:nvSpPr>
+          <p:cNvPr id="3" name="Platshållare för innehåll 2"/>
+          <p:cNvSpPr>
+            <a:spLocks noGrp="1"/>
+          </p:cNvSpPr>
+          <p:nvPr>
+            <p:ph idx="1"/>
+          </p:nvPr>
+        </p:nvSpPr>
+        <p:spPr/>
+        <p:txBody>
+          <a:bodyPr>
+            <a:normAutofit/>
+          </a:bodyPr>
+          <a:lstStyle/>
+          <a:p>
+            <a:r>
+              <a:rPr lang="sv-SE" dirty="0" smtClean="0"/>
+              <a:t>I </a:t>
+            </a:r>
+            <a:r>
+              <a:rPr lang="sv-SE" dirty="0" err="1" smtClean="0"/>
+              <a:t>Groovy</a:t>
+            </a:r>
+            <a:r>
+              <a:rPr lang="sv-SE" dirty="0" smtClean="0"/>
+              <a:t> kan man skapa sina egna </a:t>
+            </a:r>
+            <a:r>
+              <a:rPr lang="sv-SE" dirty="0" err="1" smtClean="0"/>
+              <a:t>DSL:s</a:t>
+            </a:r>
+            <a:endParaRPr lang="sv-SE" dirty="0" smtClean="0"/>
+          </a:p>
+          <a:p>
+            <a:r>
+              <a:rPr lang="sv-SE" dirty="0" smtClean="0"/>
+              <a:t>Exempel:</a:t>
+            </a:r>
+          </a:p>
+          <a:p>
+            <a:pPr lvl="1"/>
+            <a:r>
+              <a:rPr lang="sv-SE" dirty="0" smtClean="0">
+                <a:latin typeface="Courier New" pitchFamily="49" charset="0"/>
+                <a:cs typeface="Courier New" pitchFamily="49" charset="0"/>
+              </a:rPr>
+              <a:t>4.days.ago</a:t>
+            </a:r>
+          </a:p>
+          <a:p>
+            <a:pPr lvl="1"/>
+            <a:r>
+              <a:rPr lang="sv-SE" sz="2400" dirty="0" err="1" smtClean="0">
+                <a:latin typeface="Courier New" pitchFamily="49" charset="0"/>
+                <a:cs typeface="Courier New" pitchFamily="49" charset="0"/>
+              </a:rPr>
+              <a:t>Order.pizza</a:t>
+            </a:r>
+            <a:r>
+              <a:rPr lang="sv-SE" sz="2400" dirty="0" smtClean="0">
+                <a:latin typeface="Courier New" pitchFamily="49" charset="0"/>
+                <a:cs typeface="Courier New" pitchFamily="49" charset="0"/>
+              </a:rPr>
+              <a:t>{ </a:t>
+            </a:r>
+            <a:endParaRPr lang="sv-SE" sz="2400" dirty="0" smtClean="0">
+              <a:latin typeface="Courier New" pitchFamily="49" charset="0"/>
+              <a:cs typeface="Courier New" pitchFamily="49" charset="0"/>
+            </a:endParaRPr>
+          </a:p>
+          <a:p>
+            <a:pPr>
+              <a:buNone/>
+            </a:pPr>
+            <a:r>
+              <a:rPr lang="sv-SE" sz="2400" dirty="0" smtClean="0">
+                <a:latin typeface="Courier New" pitchFamily="49" charset="0"/>
+                <a:cs typeface="Courier New" pitchFamily="49" charset="0"/>
+              </a:rPr>
+              <a:t>		</a:t>
+            </a:r>
+            <a:r>
+              <a:rPr lang="sv-SE" sz="2400" dirty="0" err="1" smtClean="0">
+                <a:latin typeface="Courier New" pitchFamily="49" charset="0"/>
+                <a:cs typeface="Courier New" pitchFamily="49" charset="0"/>
+              </a:rPr>
+              <a:t>size</a:t>
+            </a:r>
+            <a:r>
+              <a:rPr lang="sv-SE" sz="2400" dirty="0" smtClean="0">
+                <a:latin typeface="Courier New" pitchFamily="49" charset="0"/>
+                <a:cs typeface="Courier New" pitchFamily="49" charset="0"/>
+              </a:rPr>
+              <a:t> </a:t>
+            </a:r>
+            <a:r>
+              <a:rPr lang="sv-SE" sz="2400" dirty="0" err="1" smtClean="0">
+                <a:latin typeface="Courier New" pitchFamily="49" charset="0"/>
+                <a:cs typeface="Courier New" pitchFamily="49" charset="0"/>
+              </a:rPr>
+              <a:t>large</a:t>
+            </a:r>
+            <a:endParaRPr lang="sv-SE" sz="2400" dirty="0" smtClean="0">
+              <a:latin typeface="Courier New" pitchFamily="49" charset="0"/>
+              <a:cs typeface="Courier New" pitchFamily="49" charset="0"/>
+            </a:endParaRPr>
+          </a:p>
+          <a:p>
+            <a:pPr>
+              <a:buNone/>
+            </a:pPr>
+            <a:r>
+              <a:rPr lang="sv-SE" sz="2400" dirty="0" smtClean="0">
+                <a:latin typeface="Courier New" pitchFamily="49" charset="0"/>
+                <a:cs typeface="Courier New" pitchFamily="49" charset="0"/>
+              </a:rPr>
+              <a:t>		</a:t>
+            </a:r>
+            <a:r>
+              <a:rPr lang="sv-SE" sz="2400" dirty="0" err="1" smtClean="0">
+                <a:latin typeface="Courier New" pitchFamily="49" charset="0"/>
+                <a:cs typeface="Courier New" pitchFamily="49" charset="0"/>
+              </a:rPr>
+              <a:t>topping</a:t>
+            </a:r>
+            <a:r>
+              <a:rPr lang="sv-SE" sz="2400" dirty="0" smtClean="0">
+                <a:latin typeface="Courier New" pitchFamily="49" charset="0"/>
+                <a:cs typeface="Courier New" pitchFamily="49" charset="0"/>
+              </a:rPr>
+              <a:t> </a:t>
+            </a:r>
+            <a:r>
+              <a:rPr lang="sv-SE" sz="2400" dirty="0" err="1" smtClean="0">
+                <a:latin typeface="Courier New" pitchFamily="49" charset="0"/>
+                <a:cs typeface="Courier New" pitchFamily="49" charset="0"/>
+              </a:rPr>
+              <a:t>olives</a:t>
+            </a:r>
+            <a:r>
+              <a:rPr lang="sv-SE" sz="2400" dirty="0" smtClean="0">
+                <a:latin typeface="Courier New" pitchFamily="49" charset="0"/>
+                <a:cs typeface="Courier New" pitchFamily="49" charset="0"/>
+              </a:rPr>
+              <a:t>, </a:t>
+            </a:r>
+            <a:r>
+              <a:rPr lang="sv-SE" sz="2400" dirty="0" err="1" smtClean="0">
+                <a:latin typeface="Courier New" pitchFamily="49" charset="0"/>
+                <a:cs typeface="Courier New" pitchFamily="49" charset="0"/>
+              </a:rPr>
+              <a:t>pepper</a:t>
+            </a:r>
+            <a:r>
+              <a:rPr lang="sv-SE" sz="2400" dirty="0" smtClean="0">
+                <a:latin typeface="Courier New" pitchFamily="49" charset="0"/>
+                <a:cs typeface="Courier New" pitchFamily="49" charset="0"/>
+              </a:rPr>
+              <a:t>, salami</a:t>
+            </a:r>
+          </a:p>
+          <a:p>
+            <a:pPr>
+              <a:buNone/>
+            </a:pPr>
+            <a:r>
+              <a:rPr lang="sv-SE" sz="2400" dirty="0" smtClean="0">
+                <a:latin typeface="Courier New" pitchFamily="49" charset="0"/>
+                <a:cs typeface="Courier New" pitchFamily="49" charset="0"/>
+              </a:rPr>
+              <a:t>		adress </a:t>
+            </a:r>
+            <a:r>
+              <a:rPr lang="sv-SE" sz="2400" dirty="0" smtClean="0">
+                <a:latin typeface="Courier New" pitchFamily="49" charset="0"/>
+                <a:cs typeface="Courier New" pitchFamily="49" charset="0"/>
+              </a:rPr>
+              <a:t>"Gamla brogatan 11"</a:t>
+            </a:r>
+          </a:p>
+          <a:p>
+            <a:pPr>
+              <a:buNone/>
+            </a:pPr>
+            <a:r>
+              <a:rPr lang="sv-SE" sz="2400" dirty="0" smtClean="0">
+                <a:latin typeface="Courier New" pitchFamily="49" charset="0"/>
+                <a:cs typeface="Courier New" pitchFamily="49" charset="0"/>
+              </a:rPr>
+              <a:t>		</a:t>
+            </a:r>
+            <a:r>
+              <a:rPr lang="sv-SE" sz="2400" dirty="0" err="1" smtClean="0">
+                <a:latin typeface="Courier New" pitchFamily="49" charset="0"/>
+                <a:cs typeface="Courier New" pitchFamily="49" charset="0"/>
+              </a:rPr>
+              <a:t>payment</a:t>
+            </a:r>
+            <a:r>
+              <a:rPr lang="sv-SE" sz="2400" dirty="0" smtClean="0">
+                <a:latin typeface="Courier New" pitchFamily="49" charset="0"/>
+                <a:cs typeface="Courier New" pitchFamily="49" charset="0"/>
+              </a:rPr>
+              <a:t> </a:t>
+            </a:r>
+            <a:r>
+              <a:rPr lang="sv-SE" sz="2400" dirty="0" smtClean="0">
+                <a:latin typeface="Courier New" pitchFamily="49" charset="0"/>
+                <a:cs typeface="Courier New" pitchFamily="49" charset="0"/>
+              </a:rPr>
+              <a:t>visa, ’1234-1234-1234-1234</a:t>
+            </a:r>
+          </a:p>
+          <a:p>
+            <a:pPr>
+              <a:buNone/>
+            </a:pPr>
+            <a:r>
+              <a:rPr lang="sv-SE" sz="2400" dirty="0" smtClean="0">
+                <a:latin typeface="Courier New" pitchFamily="49" charset="0"/>
+                <a:cs typeface="Courier New" pitchFamily="49" charset="0"/>
+              </a:rPr>
+              <a:t>	}</a:t>
+            </a:r>
+            <a:endParaRPr lang="sv-SE" sz="2400" dirty="0">
+              <a:latin typeface="Courier New" pitchFamily="49" charset="0"/>
+              <a:cs typeface="Courier New" pitchFamily="49" charset="0"/>
+            </a:endParaRPr>
+          </a:p>
+        </p:txBody>
+      </p:sp>
+    </p:spTree>
+  </p:cSld>
+  <p:clrMapOvr>
+    <a:masterClrMapping/>
+  </p:clrMapOvr>
+  <p:timing>
+    <p:tnLst>
+      <p:par>
+        <p:cTn id="1" dur="indefinite" restart="never" nodeType="tmRoot"/>
+      </p:par>
+    </p:tnLst>
+  </p:timing>
+</p:sld>
+</file>
+
+<file path=ppt/slides/slide14.xml><?xml version="1.0" encoding="utf-8"?>
+<p:sld xmlns:a="http://schemas.openxmlformats.org/drawingml/2006/main" xmlns:r="http://schemas.openxmlformats.org/officeDocument/2006/relationships" xmlns:p="http://schemas.openxmlformats.org/presentationml/2006/main">
+  <p:cSld>
+    <p:spTree>
+      <p:nvGrpSpPr>
+        <p:cNvPr id="1" name=""/>
+        <p:cNvGrpSpPr/>
+        <p:nvPr/>
+      </p:nvGrpSpPr>
+      <p:grpSpPr>
+        <a:xfrm>
+          <a:off x="0" y="0"/>
+          <a:ext cx="0" cy="0"/>
+          <a:chOff x="0" y="0"/>
+          <a:chExt cx="0" cy="0"/>
+        </a:xfrm>
+      </p:grpSpPr>
+      <p:sp>
+        <p:nvSpPr>
+          <p:cNvPr id="2" name="Rubrik 1"/>
+          <p:cNvSpPr>
+            <a:spLocks noGrp="1"/>
+          </p:cNvSpPr>
+          <p:nvPr>
+            <p:ph type="title"/>
+          </p:nvPr>
+        </p:nvSpPr>
+        <p:spPr/>
+        <p:txBody>
+          <a:bodyPr/>
+          <a:lstStyle/>
+          <a:p>
+            <a:r>
+              <a:rPr lang="sv-SE" dirty="0" smtClean="0"/>
+              <a:t>En rubrik som inte ska bytas, sida 2</a:t>
+            </a:r>
+            <a:endParaRPr lang="sv-SE" dirty="0"/>
+          </a:p>
+        </p:txBody>
+      </p:sp>
+      <p:sp>
+        <p:nvSpPr>
+          <p:cNvPr id="3" name="Platshållare för innehåll 2"/>
+          <p:cNvSpPr>
+            <a:spLocks noGrp="1"/>
+          </p:cNvSpPr>
+          <p:nvPr>
+            <p:ph idx="1"/>
+          </p:nvPr>
+        </p:nvSpPr>
+        <p:spPr/>
+        <p:txBody>
+          <a:bodyPr/>
+          <a:lstStyle/>
+          <a:p>
+            <a:pPr>
+              <a:buNone/>
+            </a:pPr>
             <a:r>
               <a:rPr lang="sv-SE" dirty="0" smtClean="0"/>
               <a:t>[</a:t>
             </a:r>
             <a:r>
-              <a:rPr lang="sv-SE" dirty="0" err="1" smtClean="0"/>
-              <a:t>helloWorld.groovy</a:t>
-            </a:r>
-            <a:r>
-              <a:rPr lang="sv-SE" dirty="0" smtClean="0"/>
-              <a:t>]</a:t>
+              <a:rPr lang="sv-SE" smtClean="0"/>
+              <a:t>helloWorld.java]</a:t>
             </a:r>
             <a:endParaRPr lang="sv-SE" dirty="0"/>
           </a:p>
@@ -3146,129 +3981,61 @@
           <a:lstStyle/>
           <a:p>
             <a:r>
+              <a:rPr lang="sv-SE" dirty="0" smtClean="0"/>
+              <a:t>Historik</a:t>
+            </a:r>
+            <a:endParaRPr lang="sv-SE" dirty="0"/>
+          </a:p>
+        </p:txBody>
+      </p:sp>
+      <p:sp>
+        <p:nvSpPr>
+          <p:cNvPr id="3" name="Platshållare för innehåll 2"/>
+          <p:cNvSpPr>
+            <a:spLocks noGrp="1"/>
+          </p:cNvSpPr>
+          <p:nvPr>
+            <p:ph idx="1"/>
+          </p:nvPr>
+        </p:nvSpPr>
+        <p:spPr/>
+        <p:txBody>
+          <a:bodyPr/>
+          <a:lstStyle/>
+          <a:p>
+            <a:endParaRPr lang="sv-SE" dirty="0" smtClean="0"/>
+          </a:p>
+          <a:p>
+            <a:r>
+              <a:rPr lang="sv-SE" dirty="0" smtClean="0"/>
+              <a:t>Startades under 2003</a:t>
+            </a:r>
+          </a:p>
+          <a:p>
+            <a:r>
+              <a:rPr lang="sv-SE" dirty="0" smtClean="0"/>
+              <a:t>Lades </a:t>
+            </a:r>
+            <a:r>
+              <a:rPr lang="sv-SE" dirty="0" smtClean="0"/>
+              <a:t>på is 2004</a:t>
+            </a:r>
+            <a:endParaRPr lang="sv-SE" dirty="0" smtClean="0"/>
+          </a:p>
+          <a:p>
+            <a:r>
+              <a:rPr lang="sv-SE" dirty="0" smtClean="0"/>
+              <a:t>Ny grupp utvecklare tog över strax efter</a:t>
+            </a:r>
+          </a:p>
+          <a:p>
+            <a:r>
               <a:rPr lang="sv-SE" dirty="0" err="1" smtClean="0"/>
               <a:t>Groovy</a:t>
             </a:r>
-            <a:endParaRPr lang="sv-SE" dirty="0"/>
-          </a:p>
-        </p:txBody>
-      </p:sp>
-      <p:sp>
-        <p:nvSpPr>
-          <p:cNvPr id="3" name="Platshållare för innehåll 2"/>
-          <p:cNvSpPr>
-            <a:spLocks noGrp="1"/>
-          </p:cNvSpPr>
-          <p:nvPr>
-            <p:ph idx="1"/>
-          </p:nvPr>
-        </p:nvSpPr>
-        <p:spPr/>
-        <p:txBody>
-          <a:bodyPr>
-            <a:normAutofit fontScale="85000" lnSpcReduction="10000"/>
-          </a:bodyPr>
-          <a:lstStyle/>
-          <a:p>
-            <a:pPr>
-              <a:buNone/>
-            </a:pPr>
-            <a:r>
-              <a:rPr lang="en-US" i="1" dirty="0" smtClean="0"/>
-              <a:t>“…So I've been musing a little while if its time the Java platform had its own </a:t>
-            </a:r>
-            <a:r>
-              <a:rPr lang="en-US" i="1" dirty="0" smtClean="0">
-                <a:solidFill>
-                  <a:srgbClr val="FF0000"/>
-                </a:solidFill>
-              </a:rPr>
-              <a:t>dynamic language</a:t>
-            </a:r>
-            <a:r>
-              <a:rPr lang="en-US" i="1" dirty="0" smtClean="0"/>
-              <a:t> designed from the ground up to </a:t>
-            </a:r>
-            <a:r>
-              <a:rPr lang="en-US" i="1" dirty="0" smtClean="0">
-                <a:solidFill>
-                  <a:srgbClr val="FF0000"/>
-                </a:solidFill>
-              </a:rPr>
-              <a:t>work real nice with existing </a:t>
-            </a:r>
-            <a:r>
-              <a:rPr lang="en-US" i="1" smtClean="0">
-                <a:solidFill>
-                  <a:srgbClr val="FF0000"/>
-                </a:solidFill>
-              </a:rPr>
-              <a:t>[Java] code</a:t>
-            </a:r>
-            <a:r>
-              <a:rPr lang="en-US" i="1" dirty="0" smtClean="0"/>
-              <a:t>; creating/extending objects normal Java can use and vice versa. </a:t>
-            </a:r>
-            <a:r>
-              <a:rPr lang="en-US" i="1" dirty="0" smtClean="0">
-                <a:solidFill>
-                  <a:srgbClr val="FF0000"/>
-                </a:solidFill>
-              </a:rPr>
-              <a:t>Python/</a:t>
-            </a:r>
-            <a:r>
-              <a:rPr lang="en-US" i="1" dirty="0" err="1" smtClean="0">
-                <a:solidFill>
-                  <a:srgbClr val="FF0000"/>
-                </a:solidFill>
-              </a:rPr>
-              <a:t>Jython's</a:t>
-            </a:r>
-            <a:r>
-              <a:rPr lang="en-US" i="1" dirty="0" smtClean="0">
-                <a:solidFill>
-                  <a:srgbClr val="FF0000"/>
-                </a:solidFill>
-              </a:rPr>
-              <a:t> a pretty good base - add the nice stuff from Ruby</a:t>
-            </a:r>
-            <a:r>
-              <a:rPr lang="en-US" i="1" dirty="0" smtClean="0"/>
-              <a:t> and maybe sprinkle on some </a:t>
-            </a:r>
-            <a:r>
-              <a:rPr lang="en-US" i="1" dirty="0" smtClean="0">
-                <a:solidFill>
-                  <a:srgbClr val="FF0000"/>
-                </a:solidFill>
-              </a:rPr>
-              <a:t>AOP features</a:t>
-            </a:r>
-            <a:r>
-              <a:rPr lang="en-US" i="1" dirty="0" smtClean="0"/>
-              <a:t> and we could have a really </a:t>
-            </a:r>
-            <a:r>
-              <a:rPr lang="en-US" i="1" dirty="0" smtClean="0">
-                <a:solidFill>
-                  <a:srgbClr val="FF0000"/>
-                </a:solidFill>
-              </a:rPr>
-              <a:t>Groovy</a:t>
-            </a:r>
-            <a:r>
-              <a:rPr lang="en-US" i="1" dirty="0" smtClean="0"/>
-              <a:t> new language for scripting Java objects, writing test cases and who knows, even doing real development in it.”</a:t>
-            </a:r>
-          </a:p>
-          <a:p>
-            <a:pPr algn="r">
-              <a:buNone/>
-            </a:pPr>
-            <a:r>
-              <a:rPr lang="en-US" i="1" dirty="0" smtClean="0"/>
-              <a:t>- James Strachan 2003</a:t>
+            <a:r>
+              <a:rPr lang="sv-SE" dirty="0" smtClean="0"/>
+              <a:t> version 1.0 släpptes 2:a Januari 2007</a:t>
             </a:r>
           </a:p>
         </p:txBody>
@@ -3322,7 +4089,7 @@
           <a:p>
             <a:r>
               <a:rPr lang="sv-SE" dirty="0" smtClean="0"/>
-              <a:t>Historik</a:t>
+              <a:t>Dynamiska språk</a:t>
             </a:r>
             <a:endParaRPr lang="sv-SE" dirty="0"/>
           </a:p>
@@ -3344,25 +4111,40 @@
           <a:lstStyle/>
           <a:p>
             <a:r>
-              <a:rPr lang="sv-SE" dirty="0" smtClean="0"/>
-              <a:t>Projektet lades på is 2004</a:t>
-            </a:r>
-          </a:p>
-          <a:p>
-            <a:r>
-              <a:rPr lang="sv-SE" dirty="0" smtClean="0"/>
-              <a:t>Ny grupp utvecklare tog över strax efter</a:t>
-            </a:r>
-          </a:p>
-          <a:p>
+              <a:rPr lang="en-US" dirty="0" smtClean="0"/>
+              <a:t>Dynamic programming language is a term used broadly in computer science to describe a class of high level programming languages that execute at runtime many common behaviors that other languages might perform during </a:t>
+            </a:r>
+            <a:r>
+              <a:rPr lang="en-US" dirty="0" smtClean="0"/>
+              <a:t>compilation</a:t>
+            </a:r>
+            <a:r>
+              <a:rPr lang="sv-SE" dirty="0" smtClean="0"/>
+              <a:t>, </a:t>
+            </a:r>
             <a:r>
               <a:rPr lang="sv-SE" dirty="0" err="1" smtClean="0"/>
-              <a:t>Groovy</a:t>
-            </a:r>
-            <a:r>
-              <a:rPr lang="sv-SE" dirty="0" smtClean="0"/>
-              <a:t> version 1.0 släpptes 2:a Januari 2007</a:t>
-            </a:r>
+              <a:t>if</a:t>
+            </a:r>
+            <a:r>
+              <a:rPr lang="sv-SE" dirty="0" smtClean="0"/>
+              <a:t> at </a:t>
+            </a:r>
+            <a:r>
+              <a:rPr lang="sv-SE" dirty="0" smtClean="0"/>
+              <a:t>all.</a:t>
+            </a:r>
+          </a:p>
+          <a:p>
+            <a:r>
+              <a:rPr lang="sv-SE" dirty="0" smtClean="0"/>
+              <a:t>Många, men inte alla, dynamiska språk har </a:t>
+            </a:r>
+            <a:r>
+              <a:rPr lang="sv-SE" smtClean="0"/>
+              <a:t>dynamisk typning</a:t>
+            </a:r>
+            <a:endParaRPr lang="sv-SE" dirty="0"/>
           </a:p>
         </p:txBody>
       </p:sp>
@@ -3443,8 +4225,46 @@
           <a:p>
             <a:r>
               <a:rPr lang="sv-SE" dirty="0" smtClean="0"/>
-              <a:t>Möjlighet att ändra hur språket fungerar</a:t>
-            </a:r>
+              <a:t>Möjlighet att ändra hur språket </a:t>
+            </a:r>
+            <a:r>
+              <a:rPr lang="sv-SE" dirty="0" smtClean="0"/>
+              <a:t>fungerar</a:t>
+            </a:r>
+          </a:p>
+          <a:p>
+            <a:pPr lvl="1"/>
+            <a:r>
+              <a:rPr lang="sv-SE" dirty="0" smtClean="0"/>
+              <a:t>Lägg till metoder i vilka klasser vi vill, även om vi saknar källkod</a:t>
+            </a:r>
+          </a:p>
+          <a:p>
+            <a:pPr lvl="1"/>
+            <a:r>
+              <a:rPr lang="sv-SE" dirty="0" smtClean="0"/>
+              <a:t>Skapa DSL (</a:t>
+            </a:r>
+            <a:r>
+              <a:rPr lang="sv-SE" dirty="0" err="1" smtClean="0"/>
+              <a:t>Domain</a:t>
+            </a:r>
+            <a:r>
+              <a:rPr lang="sv-SE" dirty="0" smtClean="0"/>
+              <a:t> </a:t>
+            </a:r>
+            <a:r>
+              <a:rPr lang="sv-SE" dirty="0" err="1" smtClean="0"/>
+              <a:t>Specific</a:t>
+            </a:r>
+            <a:r>
+              <a:rPr lang="sv-SE" dirty="0" smtClean="0"/>
+              <a:t> Language)</a:t>
+            </a:r>
+          </a:p>
+          <a:p>
+            <a:pPr lvl="1"/>
+            <a:endParaRPr lang="sv-SE" dirty="0" smtClean="0"/>
           </a:p>
           <a:p>
             <a:pPr>
@@ -3543,6 +4363,13 @@
   <p:clrMapOvr>
     <a:masterClrMapping/>
   </p:clrMapOvr>
+  <p:timing>
+    <p:tnLst>
+      <p:par>
+        <p:cTn id="1" dur="indefinite" restart="never" nodeType="tmRoot"/>
+      </p:par>
+    </p:tnLst>
+  </p:timing>
 </p:sld>
 </file>
 
@@ -3668,6 +4495,13 @@
   <p:clrMapOvr>
     <a:masterClrMapping/>
   </p:clrMapOvr>
+  <p:timing>
+    <p:tnLst>
+      <p:par>
+        <p:cTn id="1" dur="indefinite" restart="never" nodeType="tmRoot"/>
+      </p:par>
+    </p:tnLst>
+  </p:timing>
 </p:sld>
 </file>
 
@@ -3787,6 +4621,13 @@
   <p:clrMapOvr>
     <a:masterClrMapping/>
   </p:clrMapOvr>
+  <p:timing>
+    <p:tnLst>
+      <p:par>
+        <p:cTn id="1" dur="indefinite" restart="never" nodeType="tmRoot"/>
+      </p:par>
+    </p:tnLst>
+  </p:timing>
 </p:sld>
 </file>
 
@@ -3814,34 +4655,27 @@
             <a:spLocks noGrp="1"/>
           </p:cNvSpPr>
           <p:nvPr>
-            <p:ph type="title"/>
-          </p:nvPr>
-        </p:nvSpPr>
-        <p:spPr/>
-        <p:txBody>
-          <a:bodyPr/>
-          <a:lstStyle/>
-          <a:p>
-            <a:endParaRPr lang="sv-SE"/>
-          </a:p>
-        </p:txBody>
-      </p:sp>
-      <p:sp>
-        <p:nvSpPr>
-          <p:cNvPr id="3" name="Platshållare för innehåll 2"/>
-          <p:cNvSpPr>
-            <a:spLocks noGrp="1"/>
-          </p:cNvSpPr>
-          <p:nvPr>
-            <p:ph idx="1"/>
-          </p:nvPr>
-        </p:nvSpPr>
-        <p:spPr/>
-        <p:txBody>
-          <a:bodyPr/>
-          <a:lstStyle/>
-          <a:p>
-            <a:endParaRPr lang="sv-SE"/>
+            <p:ph type="ctrTitle"/>
+          </p:nvPr>
+        </p:nvSpPr>
+        <p:spPr/>
+        <p:txBody>
+          <a:bodyPr/>
+          <a:lstStyle/>
+          <a:p>
+            <a:r>
+              <a:rPr lang="sv-SE" dirty="0" smtClean="0"/>
+              <a:t>[</a:t>
+            </a:r>
+            <a:r>
+              <a:rPr lang="sv-SE" dirty="0" err="1" smtClean="0"/>
+              <a:t>helloWorld.groovy</a:t>
+            </a:r>
+            <a:r>
+              <a:rPr lang="sv-SE" dirty="0" smtClean="0"/>
+              <a:t>]</a:t>
+            </a:r>
+            <a:endParaRPr lang="sv-SE" dirty="0"/>
           </a:p>
         </p:txBody>
       </p:sp>
@@ -3894,7 +4728,7 @@
           <a:p>
             <a:r>
               <a:rPr lang="sv-SE" dirty="0" smtClean="0"/>
-              <a:t>En rubrik som inte ska bytas, sida 2</a:t>
+              <a:t>Metaprogrammering</a:t>
             </a:r>
             <a:endParaRPr lang="sv-SE" dirty="0"/>
           </a:p>
@@ -3915,16 +4749,73 @@
           <a:bodyPr/>
           <a:lstStyle/>
           <a:p>
-            <a:pPr>
-              <a:buNone/>
-            </a:pPr>
-            <a:r>
-              <a:rPr lang="sv-SE" dirty="0" smtClean="0"/>
-              <a:t>[</a:t>
-            </a:r>
-            <a:r>
-              <a:rPr lang="sv-SE" smtClean="0"/>
-              <a:t>helloWorld.java]</a:t>
+            <a:r>
+              <a:rPr lang="sv-SE" dirty="0" smtClean="0"/>
+              <a:t>Program som ändrar program, inklusive sig själv</a:t>
+            </a:r>
+          </a:p>
+          <a:p>
+            <a:r>
+              <a:rPr lang="sv-SE" dirty="0" smtClean="0"/>
+              <a:t>Skapa klasser och metoder medan programmet körs</a:t>
+            </a:r>
+          </a:p>
+          <a:p>
+            <a:r>
+              <a:rPr lang="sv-SE" dirty="0" smtClean="0"/>
+              <a:t>Skapa </a:t>
+            </a:r>
+            <a:r>
+              <a:rPr lang="sv-SE" dirty="0" err="1" smtClean="0"/>
+              <a:t>mock-objekt</a:t>
+            </a:r>
+            <a:r>
+              <a:rPr lang="sv-SE" dirty="0" smtClean="0"/>
+              <a:t> </a:t>
+            </a:r>
+          </a:p>
+          <a:p>
+            <a:r>
+              <a:rPr lang="sv-SE" dirty="0" smtClean="0"/>
+              <a:t>Testa klasser som är tight kopplade</a:t>
+            </a:r>
+          </a:p>
+          <a:p>
+            <a:r>
+              <a:rPr lang="sv-SE" dirty="0" smtClean="0"/>
+              <a:t>Skapa </a:t>
+            </a:r>
+            <a:r>
+              <a:rPr lang="sv-SE" dirty="0" err="1" smtClean="0"/>
+              <a:t>DSL:s</a:t>
+            </a:r>
+            <a:r>
+              <a:rPr lang="sv-SE" dirty="0" smtClean="0"/>
+              <a:t> (</a:t>
+            </a:r>
+            <a:r>
+              <a:rPr lang="sv-SE" dirty="0" err="1" smtClean="0"/>
+              <a:t>Domain</a:t>
+            </a:r>
+            <a:r>
+              <a:rPr lang="sv-SE" dirty="0" smtClean="0"/>
+              <a:t> </a:t>
+            </a:r>
+            <a:r>
+              <a:rPr lang="sv-SE" dirty="0" err="1" smtClean="0"/>
+              <a:t>specific</a:t>
+            </a:r>
+            <a:r>
+              <a:rPr lang="sv-SE" dirty="0" smtClean="0"/>
+              <a:t> </a:t>
+            </a:r>
+            <a:r>
+              <a:rPr lang="sv-SE" dirty="0" err="1" smtClean="0"/>
+              <a:t>languages</a:t>
+            </a:r>
+            <a:r>
+              <a:rPr lang="sv-SE" dirty="0" smtClean="0"/>
+              <a:t>)</a:t>
             </a:r>
             <a:endParaRPr lang="sv-SE" dirty="0"/>
           </a:p>
@@ -3935,13 +4826,6 @@
   <p:clrMapOvr>
     <a:masterClrMapping/>
   </p:clrMapOvr>
-  <p:timing>
-    <p:tnLst>
-      <p:par>
-        <p:cTn id="1" dur="indefinite" restart="never" nodeType="tmRoot"/>
-      </p:par>
-    </p:tnLst>
-  </p:timing>
 </p:sld>
 </file>
 

--- a/groovyseminarie/dokument/groovyseminarium_source.pptx
+++ b/groovyseminarie/dokument/groovyseminarium_source.pptx
@@ -5,20 +5,22 @@
     <p:sldMasterId id="2147483648" r:id="rId1"/>
   </p:sldMasterIdLst>
   <p:sldIdLst>
-    <p:sldId id="260" r:id="rId2"/>
-    <p:sldId id="261" r:id="rId3"/>
-    <p:sldId id="270" r:id="rId4"/>
-    <p:sldId id="258" r:id="rId5"/>
-    <p:sldId id="262" r:id="rId6"/>
-    <p:sldId id="263" r:id="rId7"/>
-    <p:sldId id="264" r:id="rId8"/>
-    <p:sldId id="256" r:id="rId9"/>
-    <p:sldId id="269" r:id="rId10"/>
-    <p:sldId id="259" r:id="rId11"/>
-    <p:sldId id="265" r:id="rId12"/>
-    <p:sldId id="268" r:id="rId13"/>
-    <p:sldId id="266" r:id="rId14"/>
-    <p:sldId id="257" r:id="rId15"/>
+    <p:sldId id="279" r:id="rId2"/>
+    <p:sldId id="260" r:id="rId3"/>
+    <p:sldId id="261" r:id="rId4"/>
+    <p:sldId id="270" r:id="rId5"/>
+    <p:sldId id="258" r:id="rId6"/>
+    <p:sldId id="271" r:id="rId7"/>
+    <p:sldId id="272" r:id="rId8"/>
+    <p:sldId id="273" r:id="rId9"/>
+    <p:sldId id="278" r:id="rId10"/>
+    <p:sldId id="276" r:id="rId11"/>
+    <p:sldId id="277" r:id="rId12"/>
+    <p:sldId id="275" r:id="rId13"/>
+    <p:sldId id="263" r:id="rId14"/>
+    <p:sldId id="264" r:id="rId15"/>
+    <p:sldId id="256" r:id="rId16"/>
+    <p:sldId id="257" r:id="rId17"/>
   </p:sldIdLst>
   <p:sldSz cx="9144000" cy="6858000" type="screen4x3"/>
   <p:notesSz cx="6858000" cy="9144000"/>
@@ -3087,123 +3089,41 @@
           <a:bodyPr/>
           <a:lstStyle/>
           <a:p>
+            <a:endParaRPr lang="sv-SE" dirty="0"/>
+          </a:p>
+        </p:txBody>
+      </p:sp>
+      <p:sp>
+        <p:nvSpPr>
+          <p:cNvPr id="3" name="Platshållare för innehåll 2"/>
+          <p:cNvSpPr>
+            <a:spLocks noGrp="1"/>
+          </p:cNvSpPr>
+          <p:nvPr>
+            <p:ph idx="1"/>
+          </p:nvPr>
+        </p:nvSpPr>
+        <p:spPr/>
+        <p:txBody>
+          <a:bodyPr/>
+          <a:lstStyle/>
+          <a:p>
+            <a:pPr>
+              <a:buNone/>
+            </a:pPr>
+            <a:r>
+              <a:rPr lang="sv-SE" dirty="0" smtClean="0"/>
+              <a:t>[</a:t>
+            </a:r>
             <a:r>
               <a:rPr lang="sv-SE" dirty="0" err="1" smtClean="0"/>
-              <a:t>Groovy</a:t>
+              <a:t>helloWorld.groovy</a:t>
+            </a:r>
+            <a:r>
+              <a:rPr lang="sv-SE" dirty="0" smtClean="0"/>
+              <a:t>]</a:t>
             </a:r>
             <a:endParaRPr lang="sv-SE" dirty="0"/>
-          </a:p>
-        </p:txBody>
-      </p:sp>
-      <p:sp>
-        <p:nvSpPr>
-          <p:cNvPr id="3" name="Platshållare för innehåll 2"/>
-          <p:cNvSpPr>
-            <a:spLocks noGrp="1"/>
-          </p:cNvSpPr>
-          <p:nvPr>
-            <p:ph idx="1"/>
-          </p:nvPr>
-        </p:nvSpPr>
-        <p:spPr/>
-        <p:txBody>
-          <a:bodyPr>
-            <a:normAutofit fontScale="85000" lnSpcReduction="10000"/>
-          </a:bodyPr>
-          <a:lstStyle/>
-          <a:p>
-            <a:pPr>
-              <a:buNone/>
-            </a:pPr>
-            <a:r>
-              <a:rPr lang="en-US" i="1" dirty="0" smtClean="0"/>
-              <a:t>“…So I've been musing a little while if its time the Java platform had its own </a:t>
-            </a:r>
-            <a:r>
-              <a:rPr lang="en-US" i="1" dirty="0" smtClean="0">
-                <a:solidFill>
-                  <a:srgbClr val="FF0000"/>
-                </a:solidFill>
-              </a:rPr>
-              <a:t>dynamic language</a:t>
-            </a:r>
-            <a:r>
-              <a:rPr lang="en-US" i="1" dirty="0" smtClean="0"/>
-              <a:t> designed from the ground up to </a:t>
-            </a:r>
-            <a:r>
-              <a:rPr lang="en-US" i="1" dirty="0" smtClean="0">
-                <a:solidFill>
-                  <a:srgbClr val="FF0000"/>
-                </a:solidFill>
-              </a:rPr>
-              <a:t>work real nice with existing [Java] code</a:t>
-            </a:r>
-            <a:r>
-              <a:rPr lang="en-US" i="1" dirty="0" smtClean="0"/>
-              <a:t>; creating/extending objects normal Java can use and vice versa. </a:t>
-            </a:r>
-            <a:r>
-              <a:rPr lang="en-US" i="1" dirty="0" smtClean="0">
-                <a:solidFill>
-                  <a:srgbClr val="FF0000"/>
-                </a:solidFill>
-              </a:rPr>
-              <a:t>Python/</a:t>
-            </a:r>
-            <a:r>
-              <a:rPr lang="en-US" i="1" dirty="0" err="1" smtClean="0">
-                <a:solidFill>
-                  <a:srgbClr val="FF0000"/>
-                </a:solidFill>
-              </a:rPr>
-              <a:t>Jython's</a:t>
-            </a:r>
-            <a:r>
-              <a:rPr lang="en-US" i="1" dirty="0" smtClean="0">
-                <a:solidFill>
-                  <a:srgbClr val="FF0000"/>
-                </a:solidFill>
-              </a:rPr>
-              <a:t> a pretty good base - add the nice stuff from Ruby</a:t>
-            </a:r>
-            <a:r>
-              <a:rPr lang="en-US" i="1" dirty="0" smtClean="0"/>
-              <a:t> and maybe sprinkle on some </a:t>
-            </a:r>
-            <a:r>
-              <a:rPr lang="en-US" i="1" dirty="0" smtClean="0">
-                <a:solidFill>
-                  <a:srgbClr val="FF0000"/>
-                </a:solidFill>
-              </a:rPr>
-              <a:t>AOP features</a:t>
-            </a:r>
-            <a:r>
-              <a:rPr lang="en-US" i="1" dirty="0" smtClean="0"/>
-              <a:t> and we could have a really </a:t>
-            </a:r>
-            <a:r>
-              <a:rPr lang="en-US" i="1" dirty="0" smtClean="0">
-                <a:solidFill>
-                  <a:srgbClr val="FF0000"/>
-                </a:solidFill>
-              </a:rPr>
-              <a:t>Groovy</a:t>
-            </a:r>
-            <a:r>
-              <a:rPr lang="en-US" i="1" dirty="0" smtClean="0"/>
-              <a:t> new language for scripting Java objects, writing test cases and who knows, even doing real development in it.”</a:t>
-            </a:r>
-          </a:p>
-          <a:p>
-            <a:pPr algn="r">
-              <a:buNone/>
-            </a:pPr>
-            <a:r>
-              <a:rPr lang="en-US" i="1" dirty="0" smtClean="0"/>
-              <a:t>- James Strachan 2003</a:t>
-            </a:r>
           </a:p>
         </p:txBody>
       </p:sp>
@@ -3212,13 +3132,6 @@
   <p:clrMapOvr>
     <a:masterClrMapping/>
   </p:clrMapOvr>
-  <p:timing>
-    <p:tnLst>
-      <p:par>
-        <p:cTn id="1" dur="indefinite" restart="never" nodeType="tmRoot"/>
-      </p:par>
-    </p:tnLst>
-  </p:timing>
 </p:sld>
 </file>
 
@@ -3256,15 +3169,7 @@
           <a:p>
             <a:r>
               <a:rPr lang="sv-SE" dirty="0" smtClean="0"/>
-              <a:t>GPL(General </a:t>
-            </a:r>
-            <a:r>
-              <a:rPr lang="sv-SE" dirty="0" err="1" smtClean="0"/>
-              <a:t>Purpose</a:t>
-            </a:r>
-            <a:r>
-              <a:rPr lang="sv-SE" dirty="0" smtClean="0"/>
-              <a:t> Languages)</a:t>
+              <a:t>Extern DSL</a:t>
             </a:r>
             <a:endParaRPr lang="sv-SE" dirty="0"/>
           </a:p>
@@ -3287,38 +3192,44 @@
           <a:p>
             <a:r>
               <a:rPr lang="sv-SE" dirty="0" smtClean="0"/>
-              <a:t>Java, C, .NET och liknande språk kallas GPL</a:t>
-            </a:r>
-            <a:r>
-              <a:rPr lang="sv-SE" dirty="0" smtClean="0"/>
-              <a:t>, General </a:t>
-            </a:r>
-            <a:r>
-              <a:rPr lang="sv-SE" dirty="0" err="1" smtClean="0"/>
-              <a:t>Purpose</a:t>
-            </a:r>
-            <a:r>
-              <a:rPr lang="sv-SE" dirty="0" smtClean="0"/>
-              <a:t> </a:t>
-            </a:r>
-            <a:r>
-              <a:rPr lang="sv-SE" dirty="0" smtClean="0"/>
-              <a:t>Languages. </a:t>
+              <a:t>Definierar ett helt nytt språk</a:t>
+            </a:r>
+          </a:p>
+          <a:p>
+            <a:r>
+              <a:rPr lang="sv-SE" dirty="0" smtClean="0"/>
+              <a:t>Exempel:</a:t>
             </a:r>
             <a:endParaRPr lang="sv-SE" dirty="0" smtClean="0"/>
           </a:p>
           <a:p>
-            <a:r>
-              <a:rPr lang="sv-SE" dirty="0" smtClean="0"/>
-              <a:t>Har en generell syntax, oberoende av område.</a:t>
-            </a:r>
-          </a:p>
-          <a:p>
-            <a:r>
-              <a:rPr lang="sv-SE" dirty="0" smtClean="0"/>
-              <a:t>Allt går att göra, men det är sällan det enklaste/snabbaste sättet</a:t>
-            </a:r>
-            <a:endParaRPr lang="sv-SE" dirty="0"/>
+            <a:pPr lvl="1"/>
+            <a:r>
+              <a:rPr lang="sv-SE" dirty="0" smtClean="0"/>
+              <a:t>SQL</a:t>
+            </a:r>
+          </a:p>
+          <a:p>
+            <a:pPr lvl="1"/>
+            <a:r>
+              <a:rPr lang="sv-SE" dirty="0" smtClean="0"/>
+              <a:t>HTML</a:t>
+            </a:r>
+          </a:p>
+          <a:p>
+            <a:pPr lvl="1"/>
+            <a:r>
+              <a:rPr lang="sv-SE" dirty="0" smtClean="0"/>
+              <a:t>ANT</a:t>
+            </a:r>
+          </a:p>
+          <a:p>
+            <a:pPr lvl="1"/>
+            <a:r>
+              <a:rPr lang="sv-SE" dirty="0" smtClean="0"/>
+              <a:t>CSS</a:t>
+            </a:r>
+            <a:endParaRPr lang="sv-SE" dirty="0" smtClean="0"/>
           </a:p>
         </p:txBody>
       </p:sp>
@@ -3327,13 +3238,6 @@
   <p:clrMapOvr>
     <a:masterClrMapping/>
   </p:clrMapOvr>
-  <p:timing>
-    <p:tnLst>
-      <p:par>
-        <p:cTn id="1" dur="indefinite" restart="never" nodeType="tmRoot"/>
-      </p:par>
-    </p:tnLst>
-  </p:timing>
 </p:sld>
 </file>
 
@@ -3371,23 +3275,7 @@
           <a:p>
             <a:r>
               <a:rPr lang="sv-SE" dirty="0" smtClean="0"/>
-              <a:t>DSL (</a:t>
-            </a:r>
-            <a:r>
-              <a:rPr lang="sv-SE" dirty="0" err="1" smtClean="0"/>
-              <a:t>Domain</a:t>
-            </a:r>
-            <a:r>
-              <a:rPr lang="sv-SE" dirty="0" smtClean="0"/>
-              <a:t> </a:t>
-            </a:r>
-            <a:r>
-              <a:rPr lang="sv-SE" dirty="0" err="1" smtClean="0"/>
-              <a:t>Specific</a:t>
-            </a:r>
-            <a:r>
-              <a:rPr lang="sv-SE" dirty="0" smtClean="0"/>
-              <a:t> Languages)</a:t>
+              <a:t>Intern DSL</a:t>
             </a:r>
             <a:endParaRPr lang="sv-SE" dirty="0"/>
           </a:p>
@@ -3410,13 +3298,7 @@
           <a:p>
             <a:r>
               <a:rPr lang="sv-SE" dirty="0" smtClean="0"/>
-              <a:t>Språket är designat utifrån domänen det används i.</a:t>
-            </a:r>
-          </a:p>
-          <a:p>
-            <a:r>
-              <a:rPr lang="sv-SE" dirty="0" smtClean="0"/>
-              <a:t>Exempel på befintliga </a:t>
+              <a:t>Även interna </a:t>
             </a:r>
             <a:r>
               <a:rPr lang="sv-SE" dirty="0" err="1" smtClean="0"/>
@@ -3424,37 +3306,14 @@
             </a:r>
             <a:r>
               <a:rPr lang="sv-SE" dirty="0" smtClean="0"/>
-              <a:t>:</a:t>
-            </a:r>
-          </a:p>
-          <a:p>
-            <a:pPr lvl="1"/>
-            <a:r>
-              <a:rPr lang="sv-SE" dirty="0" smtClean="0"/>
-              <a:t>SQL</a:t>
-            </a:r>
-          </a:p>
-          <a:p>
-            <a:pPr lvl="1"/>
-            <a:r>
-              <a:rPr lang="sv-SE" dirty="0" smtClean="0"/>
-              <a:t>HTML</a:t>
-            </a:r>
-          </a:p>
-          <a:p>
-            <a:pPr lvl="1"/>
-            <a:r>
-              <a:rPr lang="sv-SE" dirty="0" smtClean="0"/>
-              <a:t>ANT</a:t>
-            </a:r>
-          </a:p>
-          <a:p>
-            <a:pPr lvl="1"/>
-            <a:r>
-              <a:rPr lang="sv-SE" dirty="0" smtClean="0"/>
-              <a:t>CSS</a:t>
-            </a:r>
-            <a:endParaRPr lang="sv-SE" dirty="0"/>
+              <a:t> definierar ett nytt språk, men används i befintligt språk.</a:t>
+            </a:r>
+          </a:p>
+          <a:p>
+            <a:r>
+              <a:rPr lang="sv-SE" dirty="0" smtClean="0"/>
+              <a:t>Syntaxen måste följa det underliggande språket</a:t>
+            </a:r>
           </a:p>
         </p:txBody>
       </p:sp>
@@ -3463,13 +3322,6 @@
   <p:clrMapOvr>
     <a:masterClrMapping/>
   </p:clrMapOvr>
-  <p:timing>
-    <p:tnLst>
-      <p:par>
-        <p:cTn id="1" dur="indefinite" restart="never" nodeType="tmRoot"/>
-      </p:par>
-    </p:tnLst>
-  </p:timing>
 </p:sld>
 </file>
 
@@ -3502,57 +3354,226 @@
         </p:nvSpPr>
         <p:spPr/>
         <p:txBody>
+          <a:bodyPr/>
+          <a:lstStyle/>
+          <a:p>
+            <a:r>
+              <a:rPr lang="sv-SE" dirty="0" smtClean="0"/>
+              <a:t>DSL i </a:t>
+            </a:r>
+            <a:r>
+              <a:rPr lang="sv-SE" dirty="0" err="1" smtClean="0"/>
+              <a:t>Groovy</a:t>
+            </a:r>
+            <a:endParaRPr lang="sv-SE" dirty="0"/>
+          </a:p>
+        </p:txBody>
+      </p:sp>
+      <p:sp>
+        <p:nvSpPr>
+          <p:cNvPr id="3" name="Platshållare för innehåll 2"/>
+          <p:cNvSpPr>
+            <a:spLocks noGrp="1"/>
+          </p:cNvSpPr>
+          <p:nvPr>
+            <p:ph idx="1"/>
+          </p:nvPr>
+        </p:nvSpPr>
+        <p:spPr/>
+        <p:txBody>
           <a:bodyPr>
             <a:normAutofit/>
           </a:bodyPr>
           <a:lstStyle/>
           <a:p>
-            <a:r>
-              <a:rPr lang="sv-SE" dirty="0" smtClean="0"/>
-              <a:t>Fördelar med DSL</a:t>
-            </a:r>
-            <a:endParaRPr lang="sv-SE" dirty="0"/>
-          </a:p>
-        </p:txBody>
-      </p:sp>
-      <p:sp>
-        <p:nvSpPr>
-          <p:cNvPr id="3" name="Platshållare för innehåll 2"/>
-          <p:cNvSpPr>
-            <a:spLocks noGrp="1"/>
-          </p:cNvSpPr>
-          <p:nvPr>
-            <p:ph idx="1"/>
-          </p:nvPr>
-        </p:nvSpPr>
-        <p:spPr/>
-        <p:txBody>
-          <a:bodyPr/>
-          <a:lstStyle/>
-          <a:p>
-            <a:r>
-              <a:rPr lang="sv-SE" dirty="0" smtClean="0"/>
-              <a:t>Koden blir lättläst</a:t>
-            </a:r>
-          </a:p>
-          <a:p>
-            <a:r>
-              <a:rPr lang="sv-SE" dirty="0" smtClean="0"/>
-              <a:t>Går snabbare att utveckla i ett språk som ligger nära problemdomänen</a:t>
-            </a:r>
-          </a:p>
-          <a:p>
-            <a:r>
-              <a:rPr lang="sv-SE" dirty="0" smtClean="0"/>
-              <a:t>Lätt att kommunicera med beställare och användare</a:t>
-            </a:r>
-          </a:p>
-          <a:p>
-            <a:r>
-              <a:rPr lang="sv-SE" dirty="0" smtClean="0"/>
-              <a:t>Lätt att skriva enhetstester</a:t>
-            </a:r>
-            <a:endParaRPr lang="sv-SE" dirty="0"/>
+            <a:pPr lvl="1"/>
+            <a:r>
+              <a:rPr lang="sv-SE" dirty="0" smtClean="0">
+                <a:latin typeface="Courier New" pitchFamily="49" charset="0"/>
+                <a:cs typeface="Courier New" pitchFamily="49" charset="0"/>
+              </a:rPr>
+              <a:t>4.days.ago</a:t>
+            </a:r>
+          </a:p>
+          <a:p>
+            <a:pPr lvl="1"/>
+            <a:r>
+              <a:rPr lang="sv-SE" sz="2400" dirty="0" err="1" smtClean="0">
+                <a:latin typeface="Courier New" pitchFamily="49" charset="0"/>
+                <a:cs typeface="Courier New" pitchFamily="49" charset="0"/>
+              </a:rPr>
+              <a:t>Order.pizza</a:t>
+            </a:r>
+            <a:r>
+              <a:rPr lang="sv-SE" sz="2400" dirty="0" smtClean="0">
+                <a:latin typeface="Courier New" pitchFamily="49" charset="0"/>
+                <a:cs typeface="Courier New" pitchFamily="49" charset="0"/>
+              </a:rPr>
+              <a:t>{ </a:t>
+            </a:r>
+            <a:endParaRPr lang="sv-SE" sz="2400" dirty="0" smtClean="0">
+              <a:latin typeface="Courier New" pitchFamily="49" charset="0"/>
+              <a:cs typeface="Courier New" pitchFamily="49" charset="0"/>
+            </a:endParaRPr>
+          </a:p>
+          <a:p>
+            <a:pPr>
+              <a:buNone/>
+            </a:pPr>
+            <a:r>
+              <a:rPr lang="sv-SE" sz="2400" dirty="0" smtClean="0">
+                <a:latin typeface="Courier New" pitchFamily="49" charset="0"/>
+                <a:cs typeface="Courier New" pitchFamily="49" charset="0"/>
+              </a:rPr>
+              <a:t>		</a:t>
+            </a:r>
+            <a:r>
+              <a:rPr lang="sv-SE" sz="2400" dirty="0" err="1" smtClean="0">
+                <a:latin typeface="Courier New" pitchFamily="49" charset="0"/>
+                <a:cs typeface="Courier New" pitchFamily="49" charset="0"/>
+              </a:rPr>
+              <a:t>size</a:t>
+            </a:r>
+            <a:r>
+              <a:rPr lang="sv-SE" sz="2400" dirty="0" smtClean="0">
+                <a:latin typeface="Courier New" pitchFamily="49" charset="0"/>
+                <a:cs typeface="Courier New" pitchFamily="49" charset="0"/>
+              </a:rPr>
+              <a:t> </a:t>
+            </a:r>
+            <a:r>
+              <a:rPr lang="sv-SE" sz="2400" dirty="0" err="1" smtClean="0">
+                <a:latin typeface="Courier New" pitchFamily="49" charset="0"/>
+                <a:cs typeface="Courier New" pitchFamily="49" charset="0"/>
+              </a:rPr>
+              <a:t>large</a:t>
+            </a:r>
+            <a:endParaRPr lang="sv-SE" sz="2400" dirty="0" smtClean="0">
+              <a:latin typeface="Courier New" pitchFamily="49" charset="0"/>
+              <a:cs typeface="Courier New" pitchFamily="49" charset="0"/>
+            </a:endParaRPr>
+          </a:p>
+          <a:p>
+            <a:pPr>
+              <a:buNone/>
+            </a:pPr>
+            <a:r>
+              <a:rPr lang="sv-SE" sz="2400" dirty="0" smtClean="0">
+                <a:latin typeface="Courier New" pitchFamily="49" charset="0"/>
+                <a:cs typeface="Courier New" pitchFamily="49" charset="0"/>
+              </a:rPr>
+              <a:t>		</a:t>
+            </a:r>
+            <a:r>
+              <a:rPr lang="sv-SE" sz="2400" dirty="0" err="1" smtClean="0">
+                <a:latin typeface="Courier New" pitchFamily="49" charset="0"/>
+                <a:cs typeface="Courier New" pitchFamily="49" charset="0"/>
+              </a:rPr>
+              <a:t>topping</a:t>
+            </a:r>
+            <a:r>
+              <a:rPr lang="sv-SE" sz="2400" dirty="0" smtClean="0">
+                <a:latin typeface="Courier New" pitchFamily="49" charset="0"/>
+                <a:cs typeface="Courier New" pitchFamily="49" charset="0"/>
+              </a:rPr>
+              <a:t> </a:t>
+            </a:r>
+            <a:r>
+              <a:rPr lang="sv-SE" sz="2400" dirty="0" err="1" smtClean="0">
+                <a:latin typeface="Courier New" pitchFamily="49" charset="0"/>
+                <a:cs typeface="Courier New" pitchFamily="49" charset="0"/>
+              </a:rPr>
+              <a:t>olives</a:t>
+            </a:r>
+            <a:r>
+              <a:rPr lang="sv-SE" sz="2400" dirty="0" smtClean="0">
+                <a:latin typeface="Courier New" pitchFamily="49" charset="0"/>
+                <a:cs typeface="Courier New" pitchFamily="49" charset="0"/>
+              </a:rPr>
+              <a:t>, </a:t>
+            </a:r>
+            <a:r>
+              <a:rPr lang="sv-SE" sz="2400" dirty="0" err="1" smtClean="0">
+                <a:latin typeface="Courier New" pitchFamily="49" charset="0"/>
+                <a:cs typeface="Courier New" pitchFamily="49" charset="0"/>
+              </a:rPr>
+              <a:t>pepper</a:t>
+            </a:r>
+            <a:r>
+              <a:rPr lang="sv-SE" sz="2400" dirty="0" smtClean="0">
+                <a:latin typeface="Courier New" pitchFamily="49" charset="0"/>
+                <a:cs typeface="Courier New" pitchFamily="49" charset="0"/>
+              </a:rPr>
+              <a:t>, salami</a:t>
+            </a:r>
+          </a:p>
+          <a:p>
+            <a:pPr>
+              <a:buNone/>
+            </a:pPr>
+            <a:r>
+              <a:rPr lang="sv-SE" sz="2400" dirty="0" smtClean="0">
+                <a:latin typeface="Courier New" pitchFamily="49" charset="0"/>
+                <a:cs typeface="Courier New" pitchFamily="49" charset="0"/>
+              </a:rPr>
+              <a:t>		adress </a:t>
+            </a:r>
+            <a:r>
+              <a:rPr lang="sv-SE" sz="2400" dirty="0" smtClean="0">
+                <a:latin typeface="Courier New" pitchFamily="49" charset="0"/>
+                <a:cs typeface="Courier New" pitchFamily="49" charset="0"/>
+              </a:rPr>
+              <a:t>"Gamla brogatan 11"</a:t>
+            </a:r>
+          </a:p>
+          <a:p>
+            <a:pPr>
+              <a:buNone/>
+            </a:pPr>
+            <a:r>
+              <a:rPr lang="sv-SE" sz="2400" dirty="0" smtClean="0">
+                <a:latin typeface="Courier New" pitchFamily="49" charset="0"/>
+                <a:cs typeface="Courier New" pitchFamily="49" charset="0"/>
+              </a:rPr>
+              <a:t>		</a:t>
+            </a:r>
+            <a:r>
+              <a:rPr lang="sv-SE" sz="2400" dirty="0" err="1" smtClean="0">
+                <a:latin typeface="Courier New" pitchFamily="49" charset="0"/>
+                <a:cs typeface="Courier New" pitchFamily="49" charset="0"/>
+              </a:rPr>
+              <a:t>payment</a:t>
+            </a:r>
+            <a:r>
+              <a:rPr lang="sv-SE" sz="2400" dirty="0" smtClean="0">
+                <a:latin typeface="Courier New" pitchFamily="49" charset="0"/>
+                <a:cs typeface="Courier New" pitchFamily="49" charset="0"/>
+              </a:rPr>
+              <a:t> </a:t>
+            </a:r>
+            <a:r>
+              <a:rPr lang="sv-SE" sz="2400" dirty="0" smtClean="0">
+                <a:latin typeface="Courier New" pitchFamily="49" charset="0"/>
+                <a:cs typeface="Courier New" pitchFamily="49" charset="0"/>
+              </a:rPr>
+              <a:t>visa, ’1234-1234-1234-1234</a:t>
+            </a:r>
+          </a:p>
+          <a:p>
+            <a:pPr>
+              <a:buNone/>
+            </a:pPr>
+            <a:r>
+              <a:rPr lang="sv-SE" sz="2400" dirty="0" smtClean="0">
+                <a:latin typeface="Courier New" pitchFamily="49" charset="0"/>
+                <a:cs typeface="Courier New" pitchFamily="49" charset="0"/>
+              </a:rPr>
+              <a:t>	}</a:t>
+            </a:r>
+            <a:endParaRPr lang="sv-SE" sz="2400" dirty="0">
+              <a:latin typeface="Courier New" pitchFamily="49" charset="0"/>
+              <a:cs typeface="Courier New" pitchFamily="49" charset="0"/>
+            </a:endParaRPr>
           </a:p>
         </p:txBody>
       </p:sp>
@@ -3600,251 +3621,91 @@
         </p:nvSpPr>
         <p:spPr/>
         <p:txBody>
-          <a:bodyPr/>
-          <a:lstStyle/>
-          <a:p>
-            <a:r>
-              <a:rPr lang="sv-SE" dirty="0" smtClean="0"/>
-              <a:t>DSL i </a:t>
+          <a:bodyPr>
+            <a:normAutofit fontScale="90000"/>
+          </a:bodyPr>
+          <a:lstStyle/>
+          <a:p>
+            <a:r>
+              <a:rPr lang="sv-SE" dirty="0" smtClean="0"/>
+              <a:t>Det finns ca 150 språk som kan köras på </a:t>
             </a:r>
             <a:r>
               <a:rPr lang="sv-SE" dirty="0" err="1" smtClean="0"/>
-              <a:t>Groovy</a:t>
+              <a:t>java-plattformen</a:t>
+            </a:r>
+            <a:r>
+              <a:rPr lang="sv-SE" dirty="0" smtClean="0"/>
+              <a:t>, till exempel:</a:t>
+            </a:r>
+          </a:p>
+        </p:txBody>
+      </p:sp>
+      <p:sp>
+        <p:nvSpPr>
+          <p:cNvPr id="3" name="Platshållare för innehåll 2"/>
+          <p:cNvSpPr>
+            <a:spLocks noGrp="1"/>
+          </p:cNvSpPr>
+          <p:nvPr>
+            <p:ph idx="1"/>
+          </p:nvPr>
+        </p:nvSpPr>
+        <p:spPr/>
+        <p:txBody>
+          <a:bodyPr/>
+          <a:lstStyle/>
+          <a:p>
+            <a:r>
+              <a:rPr lang="sv-SE" dirty="0" smtClean="0"/>
+              <a:t>Ruby (</a:t>
+            </a:r>
+            <a:r>
+              <a:rPr lang="sv-SE" dirty="0" err="1" smtClean="0"/>
+              <a:t>jRuby</a:t>
+            </a:r>
+            <a:r>
+              <a:rPr lang="sv-SE" dirty="0" smtClean="0"/>
+              <a:t>)</a:t>
+            </a:r>
+          </a:p>
+          <a:p>
+            <a:r>
+              <a:rPr lang="sv-SE" dirty="0" err="1" smtClean="0"/>
+              <a:t>Python</a:t>
+            </a:r>
+            <a:r>
+              <a:rPr lang="sv-SE" dirty="0" smtClean="0"/>
+              <a:t> (</a:t>
+            </a:r>
+            <a:r>
+              <a:rPr lang="sv-SE" dirty="0" err="1" smtClean="0"/>
+              <a:t>Jython</a:t>
+            </a:r>
+            <a:r>
+              <a:rPr lang="sv-SE" dirty="0" smtClean="0"/>
+              <a:t>)</a:t>
+            </a:r>
+          </a:p>
+          <a:p>
+            <a:r>
+              <a:rPr lang="sv-SE" dirty="0" err="1" smtClean="0"/>
+              <a:t>BeanShell</a:t>
+            </a:r>
+            <a:endParaRPr lang="sv-SE" dirty="0" smtClean="0"/>
+          </a:p>
+          <a:p>
+            <a:r>
+              <a:rPr lang="sv-SE" dirty="0" smtClean="0"/>
+              <a:t>JavaScript</a:t>
+            </a:r>
+          </a:p>
+          <a:p>
+            <a:r>
+              <a:rPr lang="sv-SE" dirty="0" smtClean="0"/>
+              <a:t>…</a:t>
             </a:r>
             <a:endParaRPr lang="sv-SE" dirty="0"/>
-          </a:p>
-        </p:txBody>
-      </p:sp>
-      <p:sp>
-        <p:nvSpPr>
-          <p:cNvPr id="3" name="Platshållare för innehåll 2"/>
-          <p:cNvSpPr>
-            <a:spLocks noGrp="1"/>
-          </p:cNvSpPr>
-          <p:nvPr>
-            <p:ph idx="1"/>
-          </p:nvPr>
-        </p:nvSpPr>
-        <p:spPr/>
-        <p:txBody>
-          <a:bodyPr>
-            <a:normAutofit/>
-          </a:bodyPr>
-          <a:lstStyle/>
-          <a:p>
-            <a:r>
-              <a:rPr lang="sv-SE" dirty="0" smtClean="0"/>
-              <a:t>I </a:t>
-            </a:r>
-            <a:r>
-              <a:rPr lang="sv-SE" dirty="0" err="1" smtClean="0"/>
-              <a:t>Groovy</a:t>
-            </a:r>
-            <a:r>
-              <a:rPr lang="sv-SE" dirty="0" smtClean="0"/>
-              <a:t> kan man skapa sina egna </a:t>
-            </a:r>
-            <a:r>
-              <a:rPr lang="sv-SE" dirty="0" err="1" smtClean="0"/>
-              <a:t>DSL:s</a:t>
-            </a:r>
-            <a:endParaRPr lang="sv-SE" dirty="0" smtClean="0"/>
-          </a:p>
-          <a:p>
-            <a:r>
-              <a:rPr lang="sv-SE" dirty="0" smtClean="0"/>
-              <a:t>Exempel:</a:t>
-            </a:r>
-          </a:p>
-          <a:p>
-            <a:pPr lvl="1"/>
-            <a:r>
-              <a:rPr lang="sv-SE" dirty="0" smtClean="0">
-                <a:latin typeface="Courier New" pitchFamily="49" charset="0"/>
-                <a:cs typeface="Courier New" pitchFamily="49" charset="0"/>
-              </a:rPr>
-              <a:t>4.days.ago</a:t>
-            </a:r>
-          </a:p>
-          <a:p>
-            <a:pPr lvl="1"/>
-            <a:r>
-              <a:rPr lang="sv-SE" sz="2400" dirty="0" err="1" smtClean="0">
-                <a:latin typeface="Courier New" pitchFamily="49" charset="0"/>
-                <a:cs typeface="Courier New" pitchFamily="49" charset="0"/>
-              </a:rPr>
-              <a:t>Order.pizza</a:t>
-            </a:r>
-            <a:r>
-              <a:rPr lang="sv-SE" sz="2400" dirty="0" smtClean="0">
-                <a:latin typeface="Courier New" pitchFamily="49" charset="0"/>
-                <a:cs typeface="Courier New" pitchFamily="49" charset="0"/>
-              </a:rPr>
-              <a:t>{ </a:t>
-            </a:r>
-            <a:endParaRPr lang="sv-SE" sz="2400" dirty="0" smtClean="0">
-              <a:latin typeface="Courier New" pitchFamily="49" charset="0"/>
-              <a:cs typeface="Courier New" pitchFamily="49" charset="0"/>
-            </a:endParaRPr>
-          </a:p>
-          <a:p>
-            <a:pPr>
-              <a:buNone/>
-            </a:pPr>
-            <a:r>
-              <a:rPr lang="sv-SE" sz="2400" dirty="0" smtClean="0">
-                <a:latin typeface="Courier New" pitchFamily="49" charset="0"/>
-                <a:cs typeface="Courier New" pitchFamily="49" charset="0"/>
-              </a:rPr>
-              <a:t>		</a:t>
-            </a:r>
-            <a:r>
-              <a:rPr lang="sv-SE" sz="2400" dirty="0" err="1" smtClean="0">
-                <a:latin typeface="Courier New" pitchFamily="49" charset="0"/>
-                <a:cs typeface="Courier New" pitchFamily="49" charset="0"/>
-              </a:rPr>
-              <a:t>size</a:t>
-            </a:r>
-            <a:r>
-              <a:rPr lang="sv-SE" sz="2400" dirty="0" smtClean="0">
-                <a:latin typeface="Courier New" pitchFamily="49" charset="0"/>
-                <a:cs typeface="Courier New" pitchFamily="49" charset="0"/>
-              </a:rPr>
-              <a:t> </a:t>
-            </a:r>
-            <a:r>
-              <a:rPr lang="sv-SE" sz="2400" dirty="0" err="1" smtClean="0">
-                <a:latin typeface="Courier New" pitchFamily="49" charset="0"/>
-                <a:cs typeface="Courier New" pitchFamily="49" charset="0"/>
-              </a:rPr>
-              <a:t>large</a:t>
-            </a:r>
-            <a:endParaRPr lang="sv-SE" sz="2400" dirty="0" smtClean="0">
-              <a:latin typeface="Courier New" pitchFamily="49" charset="0"/>
-              <a:cs typeface="Courier New" pitchFamily="49" charset="0"/>
-            </a:endParaRPr>
-          </a:p>
-          <a:p>
-            <a:pPr>
-              <a:buNone/>
-            </a:pPr>
-            <a:r>
-              <a:rPr lang="sv-SE" sz="2400" dirty="0" smtClean="0">
-                <a:latin typeface="Courier New" pitchFamily="49" charset="0"/>
-                <a:cs typeface="Courier New" pitchFamily="49" charset="0"/>
-              </a:rPr>
-              <a:t>		</a:t>
-            </a:r>
-            <a:r>
-              <a:rPr lang="sv-SE" sz="2400" dirty="0" err="1" smtClean="0">
-                <a:latin typeface="Courier New" pitchFamily="49" charset="0"/>
-                <a:cs typeface="Courier New" pitchFamily="49" charset="0"/>
-              </a:rPr>
-              <a:t>topping</a:t>
-            </a:r>
-            <a:r>
-              <a:rPr lang="sv-SE" sz="2400" dirty="0" smtClean="0">
-                <a:latin typeface="Courier New" pitchFamily="49" charset="0"/>
-                <a:cs typeface="Courier New" pitchFamily="49" charset="0"/>
-              </a:rPr>
-              <a:t> </a:t>
-            </a:r>
-            <a:r>
-              <a:rPr lang="sv-SE" sz="2400" dirty="0" err="1" smtClean="0">
-                <a:latin typeface="Courier New" pitchFamily="49" charset="0"/>
-                <a:cs typeface="Courier New" pitchFamily="49" charset="0"/>
-              </a:rPr>
-              <a:t>olives</a:t>
-            </a:r>
-            <a:r>
-              <a:rPr lang="sv-SE" sz="2400" dirty="0" smtClean="0">
-                <a:latin typeface="Courier New" pitchFamily="49" charset="0"/>
-                <a:cs typeface="Courier New" pitchFamily="49" charset="0"/>
-              </a:rPr>
-              <a:t>, </a:t>
-            </a:r>
-            <a:r>
-              <a:rPr lang="sv-SE" sz="2400" dirty="0" err="1" smtClean="0">
-                <a:latin typeface="Courier New" pitchFamily="49" charset="0"/>
-                <a:cs typeface="Courier New" pitchFamily="49" charset="0"/>
-              </a:rPr>
-              <a:t>pepper</a:t>
-            </a:r>
-            <a:r>
-              <a:rPr lang="sv-SE" sz="2400" dirty="0" smtClean="0">
-                <a:latin typeface="Courier New" pitchFamily="49" charset="0"/>
-                <a:cs typeface="Courier New" pitchFamily="49" charset="0"/>
-              </a:rPr>
-              <a:t>, salami</a:t>
-            </a:r>
-          </a:p>
-          <a:p>
-            <a:pPr>
-              <a:buNone/>
-            </a:pPr>
-            <a:r>
-              <a:rPr lang="sv-SE" sz="2400" dirty="0" smtClean="0">
-                <a:latin typeface="Courier New" pitchFamily="49" charset="0"/>
-                <a:cs typeface="Courier New" pitchFamily="49" charset="0"/>
-              </a:rPr>
-              <a:t>		adress </a:t>
-            </a:r>
-            <a:r>
-              <a:rPr lang="sv-SE" sz="2400" dirty="0" smtClean="0">
-                <a:latin typeface="Courier New" pitchFamily="49" charset="0"/>
-                <a:cs typeface="Courier New" pitchFamily="49" charset="0"/>
-              </a:rPr>
-              <a:t>"Gamla brogatan 11"</a:t>
-            </a:r>
-          </a:p>
-          <a:p>
-            <a:pPr>
-              <a:buNone/>
-            </a:pPr>
-            <a:r>
-              <a:rPr lang="sv-SE" sz="2400" dirty="0" smtClean="0">
-                <a:latin typeface="Courier New" pitchFamily="49" charset="0"/>
-                <a:cs typeface="Courier New" pitchFamily="49" charset="0"/>
-              </a:rPr>
-              <a:t>		</a:t>
-            </a:r>
-            <a:r>
-              <a:rPr lang="sv-SE" sz="2400" dirty="0" err="1" smtClean="0">
-                <a:latin typeface="Courier New" pitchFamily="49" charset="0"/>
-                <a:cs typeface="Courier New" pitchFamily="49" charset="0"/>
-              </a:rPr>
-              <a:t>payment</a:t>
-            </a:r>
-            <a:r>
-              <a:rPr lang="sv-SE" sz="2400" dirty="0" smtClean="0">
-                <a:latin typeface="Courier New" pitchFamily="49" charset="0"/>
-                <a:cs typeface="Courier New" pitchFamily="49" charset="0"/>
-              </a:rPr>
-              <a:t> </a:t>
-            </a:r>
-            <a:r>
-              <a:rPr lang="sv-SE" sz="2400" dirty="0" smtClean="0">
-                <a:latin typeface="Courier New" pitchFamily="49" charset="0"/>
-                <a:cs typeface="Courier New" pitchFamily="49" charset="0"/>
-              </a:rPr>
-              <a:t>visa, ’1234-1234-1234-1234</a:t>
-            </a:r>
-          </a:p>
-          <a:p>
-            <a:pPr>
-              <a:buNone/>
-            </a:pPr>
-            <a:r>
-              <a:rPr lang="sv-SE" sz="2400" dirty="0" smtClean="0">
-                <a:latin typeface="Courier New" pitchFamily="49" charset="0"/>
-                <a:cs typeface="Courier New" pitchFamily="49" charset="0"/>
-              </a:rPr>
-              <a:t>	}</a:t>
-            </a:r>
-            <a:endParaRPr lang="sv-SE" sz="2400" dirty="0">
-              <a:latin typeface="Courier New" pitchFamily="49" charset="0"/>
-              <a:cs typeface="Courier New" pitchFamily="49" charset="0"/>
-            </a:endParaRPr>
           </a:p>
         </p:txBody>
       </p:sp>
@@ -3897,6 +3758,195 @@
           <a:p>
             <a:r>
               <a:rPr lang="sv-SE" dirty="0" smtClean="0"/>
+              <a:t>Fördelar med </a:t>
+            </a:r>
+            <a:r>
+              <a:rPr lang="sv-SE" dirty="0" err="1" smtClean="0"/>
+              <a:t>Groovy</a:t>
+            </a:r>
+            <a:endParaRPr lang="sv-SE" dirty="0"/>
+          </a:p>
+        </p:txBody>
+      </p:sp>
+      <p:sp>
+        <p:nvSpPr>
+          <p:cNvPr id="3" name="Platshållare för innehåll 2"/>
+          <p:cNvSpPr>
+            <a:spLocks noGrp="1"/>
+          </p:cNvSpPr>
+          <p:nvPr>
+            <p:ph idx="1"/>
+          </p:nvPr>
+        </p:nvSpPr>
+        <p:spPr/>
+        <p:txBody>
+          <a:bodyPr/>
+          <a:lstStyle/>
+          <a:p>
+            <a:r>
+              <a:rPr lang="sv-SE" dirty="0" smtClean="0"/>
+              <a:t>Enkelt att lära för en Javaprogrammerare</a:t>
+            </a:r>
+          </a:p>
+          <a:p>
+            <a:r>
+              <a:rPr lang="sv-SE" dirty="0" smtClean="0"/>
+              <a:t>Helt kompatibelt med existerande Javaprojekt</a:t>
+            </a:r>
+          </a:p>
+          <a:p>
+            <a:r>
+              <a:rPr lang="sv-SE" dirty="0" err="1" smtClean="0"/>
+              <a:t>Groovy</a:t>
+            </a:r>
+            <a:r>
+              <a:rPr lang="sv-SE" dirty="0" smtClean="0"/>
+              <a:t> ÄR Java – kompileras till .</a:t>
+            </a:r>
+            <a:r>
+              <a:rPr lang="sv-SE" dirty="0" err="1" smtClean="0"/>
+              <a:t>class-filer</a:t>
+            </a:r>
+            <a:endParaRPr lang="sv-SE" dirty="0" smtClean="0"/>
+          </a:p>
+          <a:p>
+            <a:r>
+              <a:rPr lang="sv-SE" dirty="0" smtClean="0"/>
+              <a:t>Lätt att börja med, man kan skriva Java istället om man är osäker på </a:t>
+            </a:r>
+            <a:r>
+              <a:rPr lang="sv-SE" dirty="0" err="1" smtClean="0"/>
+              <a:t>Groovy-syntax</a:t>
+            </a:r>
+            <a:endParaRPr lang="sv-SE" dirty="0" smtClean="0"/>
+          </a:p>
+          <a:p>
+            <a:r>
+              <a:rPr lang="sv-SE" dirty="0" smtClean="0"/>
+              <a:t>Dynamiskt</a:t>
+            </a:r>
+          </a:p>
+          <a:p>
+            <a:r>
+              <a:rPr lang="sv-SE" dirty="0" smtClean="0"/>
+              <a:t>Utökar JDK för att förenkla utveckling</a:t>
+            </a:r>
+            <a:endParaRPr lang="sv-SE" dirty="0"/>
+          </a:p>
+        </p:txBody>
+      </p:sp>
+    </p:spTree>
+  </p:cSld>
+  <p:clrMapOvr>
+    <a:masterClrMapping/>
+  </p:clrMapOvr>
+  <p:timing>
+    <p:tnLst>
+      <p:par>
+        <p:cTn id="1" dur="indefinite" restart="never" nodeType="tmRoot"/>
+      </p:par>
+    </p:tnLst>
+  </p:timing>
+</p:sld>
+</file>
+
+<file path=ppt/slides/slide15.xml><?xml version="1.0" encoding="utf-8"?>
+<p:sld xmlns:a="http://schemas.openxmlformats.org/drawingml/2006/main" xmlns:r="http://schemas.openxmlformats.org/officeDocument/2006/relationships" xmlns:p="http://schemas.openxmlformats.org/presentationml/2006/main">
+  <p:cSld>
+    <p:spTree>
+      <p:nvGrpSpPr>
+        <p:cNvPr id="1" name=""/>
+        <p:cNvGrpSpPr/>
+        <p:nvPr/>
+      </p:nvGrpSpPr>
+      <p:grpSpPr>
+        <a:xfrm>
+          <a:off x="0" y="0"/>
+          <a:ext cx="0" cy="0"/>
+          <a:chOff x="0" y="0"/>
+          <a:chExt cx="0" cy="0"/>
+        </a:xfrm>
+      </p:grpSpPr>
+      <p:sp>
+        <p:nvSpPr>
+          <p:cNvPr id="2" name="Rubrik 1"/>
+          <p:cNvSpPr>
+            <a:spLocks noGrp="1"/>
+          </p:cNvSpPr>
+          <p:nvPr>
+            <p:ph type="ctrTitle"/>
+          </p:nvPr>
+        </p:nvSpPr>
+        <p:spPr/>
+        <p:txBody>
+          <a:bodyPr/>
+          <a:lstStyle/>
+          <a:p>
+            <a:r>
+              <a:rPr lang="sv-SE" dirty="0" smtClean="0"/>
+              <a:t>[</a:t>
+            </a:r>
+            <a:r>
+              <a:rPr lang="sv-SE" dirty="0" err="1" smtClean="0"/>
+              <a:t>helloWorld.groovy</a:t>
+            </a:r>
+            <a:r>
+              <a:rPr lang="sv-SE" dirty="0" smtClean="0"/>
+              <a:t>]</a:t>
+            </a:r>
+            <a:endParaRPr lang="sv-SE" dirty="0"/>
+          </a:p>
+        </p:txBody>
+      </p:sp>
+    </p:spTree>
+  </p:cSld>
+  <p:clrMapOvr>
+    <a:masterClrMapping/>
+  </p:clrMapOvr>
+  <p:timing>
+    <p:tnLst>
+      <p:par>
+        <p:cTn id="1" dur="indefinite" restart="never" nodeType="tmRoot"/>
+      </p:par>
+    </p:tnLst>
+  </p:timing>
+</p:sld>
+</file>
+
+<file path=ppt/slides/slide16.xml><?xml version="1.0" encoding="utf-8"?>
+<p:sld xmlns:a="http://schemas.openxmlformats.org/drawingml/2006/main" xmlns:r="http://schemas.openxmlformats.org/officeDocument/2006/relationships" xmlns:p="http://schemas.openxmlformats.org/presentationml/2006/main">
+  <p:cSld>
+    <p:spTree>
+      <p:nvGrpSpPr>
+        <p:cNvPr id="1" name=""/>
+        <p:cNvGrpSpPr/>
+        <p:nvPr/>
+      </p:nvGrpSpPr>
+      <p:grpSpPr>
+        <a:xfrm>
+          <a:off x="0" y="0"/>
+          <a:ext cx="0" cy="0"/>
+          <a:chOff x="0" y="0"/>
+          <a:chExt cx="0" cy="0"/>
+        </a:xfrm>
+      </p:grpSpPr>
+      <p:sp>
+        <p:nvSpPr>
+          <p:cNvPr id="2" name="Rubrik 1"/>
+          <p:cNvSpPr>
+            <a:spLocks noGrp="1"/>
+          </p:cNvSpPr>
+          <p:nvPr>
+            <p:ph type="title"/>
+          </p:nvPr>
+        </p:nvSpPr>
+        <p:spPr/>
+        <p:txBody>
+          <a:bodyPr/>
+          <a:lstStyle/>
+          <a:p>
+            <a:r>
+              <a:rPr lang="sv-SE" dirty="0" smtClean="0"/>
               <a:t>En rubrik som inte ska bytas, sida 2</a:t>
             </a:r>
             <a:endParaRPr lang="sv-SE" dirty="0"/>
@@ -3981,61 +4031,121 @@
           <a:lstStyle/>
           <a:p>
             <a:r>
-              <a:rPr lang="sv-SE" dirty="0" smtClean="0"/>
-              <a:t>Historik</a:t>
-            </a:r>
-            <a:endParaRPr lang="sv-SE" dirty="0"/>
-          </a:p>
-        </p:txBody>
-      </p:sp>
-      <p:sp>
-        <p:nvSpPr>
-          <p:cNvPr id="3" name="Platshållare för innehåll 2"/>
-          <p:cNvSpPr>
-            <a:spLocks noGrp="1"/>
-          </p:cNvSpPr>
-          <p:nvPr>
-            <p:ph idx="1"/>
-          </p:nvPr>
-        </p:nvSpPr>
-        <p:spPr/>
-        <p:txBody>
-          <a:bodyPr/>
-          <a:lstStyle/>
-          <a:p>
-            <a:endParaRPr lang="sv-SE" dirty="0" smtClean="0"/>
-          </a:p>
-          <a:p>
-            <a:r>
-              <a:rPr lang="sv-SE" dirty="0" smtClean="0"/>
-              <a:t>Startades under 2003</a:t>
-            </a:r>
-          </a:p>
-          <a:p>
-            <a:r>
-              <a:rPr lang="sv-SE" dirty="0" smtClean="0"/>
-              <a:t>Lades </a:t>
-            </a:r>
-            <a:r>
-              <a:rPr lang="sv-SE" dirty="0" smtClean="0"/>
-              <a:t>på is 2004</a:t>
-            </a:r>
-            <a:endParaRPr lang="sv-SE" dirty="0" smtClean="0"/>
-          </a:p>
-          <a:p>
-            <a:r>
-              <a:rPr lang="sv-SE" dirty="0" smtClean="0"/>
-              <a:t>Ny grupp utvecklare tog över strax efter</a:t>
-            </a:r>
-          </a:p>
-          <a:p>
-            <a:r>
               <a:rPr lang="sv-SE" dirty="0" err="1" smtClean="0"/>
               <a:t>Groovy</a:t>
             </a:r>
-            <a:r>
-              <a:rPr lang="sv-SE" dirty="0" smtClean="0"/>
-              <a:t> version 1.0 släpptes 2:a Januari 2007</a:t>
+            <a:endParaRPr lang="sv-SE" dirty="0"/>
+          </a:p>
+        </p:txBody>
+      </p:sp>
+      <p:sp>
+        <p:nvSpPr>
+          <p:cNvPr id="3" name="Platshållare för innehåll 2"/>
+          <p:cNvSpPr>
+            <a:spLocks noGrp="1"/>
+          </p:cNvSpPr>
+          <p:nvPr>
+            <p:ph idx="1"/>
+          </p:nvPr>
+        </p:nvSpPr>
+        <p:spPr/>
+        <p:txBody>
+          <a:bodyPr>
+            <a:normAutofit fontScale="85000" lnSpcReduction="10000"/>
+          </a:bodyPr>
+          <a:lstStyle/>
+          <a:p>
+            <a:pPr>
+              <a:buNone/>
+            </a:pPr>
+            <a:r>
+              <a:rPr lang="en-US" i="1" dirty="0" smtClean="0"/>
+              <a:t>“…So I've been musing a little while if its time the Java platform had its own </a:t>
+            </a:r>
+            <a:r>
+              <a:rPr lang="en-US" i="1" dirty="0" smtClean="0">
+                <a:solidFill>
+                  <a:srgbClr val="FF0000"/>
+                </a:solidFill>
+              </a:rPr>
+              <a:t>dynamic language</a:t>
+            </a:r>
+            <a:r>
+              <a:rPr lang="en-US" i="1" dirty="0" smtClean="0"/>
+              <a:t> designed from the ground up to </a:t>
+            </a:r>
+            <a:r>
+              <a:rPr lang="en-US" i="1" dirty="0" smtClean="0">
+                <a:solidFill>
+                  <a:srgbClr val="FF0000"/>
+                </a:solidFill>
+              </a:rPr>
+              <a:t>work real nice with existing [Java] code</a:t>
+            </a:r>
+            <a:r>
+              <a:rPr lang="en-US" i="1" dirty="0" smtClean="0"/>
+              <a:t>; creating/extending objects normal Java can use and vice versa. </a:t>
+            </a:r>
+            <a:r>
+              <a:rPr lang="en-US" i="1" dirty="0" smtClean="0">
+                <a:solidFill>
+                  <a:srgbClr val="FF0000"/>
+                </a:solidFill>
+              </a:rPr>
+              <a:t>Python/</a:t>
+            </a:r>
+            <a:r>
+              <a:rPr lang="en-US" i="1" dirty="0" err="1" smtClean="0">
+                <a:solidFill>
+                  <a:srgbClr val="FF0000"/>
+                </a:solidFill>
+              </a:rPr>
+              <a:t>Jython's</a:t>
+            </a:r>
+            <a:r>
+              <a:rPr lang="en-US" i="1" dirty="0" smtClean="0">
+                <a:solidFill>
+                  <a:srgbClr val="FF0000"/>
+                </a:solidFill>
+              </a:rPr>
+              <a:t> a pretty good base - add the nice stuff from Ruby</a:t>
+            </a:r>
+            <a:r>
+              <a:rPr lang="en-US" i="1" dirty="0" smtClean="0"/>
+              <a:t> and maybe sprinkle on some </a:t>
+            </a:r>
+            <a:r>
+              <a:rPr lang="en-US" i="1" dirty="0" smtClean="0">
+                <a:solidFill>
+                  <a:srgbClr val="FF0000"/>
+                </a:solidFill>
+              </a:rPr>
+              <a:t>AOP features</a:t>
+            </a:r>
+            <a:r>
+              <a:rPr lang="en-US" i="1" dirty="0" smtClean="0"/>
+              <a:t> and we could have a really </a:t>
+            </a:r>
+            <a:r>
+              <a:rPr lang="en-US" i="1" dirty="0" smtClean="0">
+                <a:solidFill>
+                  <a:srgbClr val="FF0000"/>
+                </a:solidFill>
+              </a:rPr>
+              <a:t>Groovy</a:t>
+            </a:r>
+            <a:r>
+              <a:rPr lang="en-US" i="1" dirty="0" smtClean="0"/>
+              <a:t> new language for scripting Java objects, writing test cases and who knows, even doing real development in it.”</a:t>
+            </a:r>
+          </a:p>
+          <a:p>
+            <a:pPr algn="r">
+              <a:buNone/>
+            </a:pPr>
+            <a:r>
+              <a:rPr lang="en-US" i="1" dirty="0" smtClean="0"/>
+              <a:t>- James Strachan 2003</a:t>
             </a:r>
           </a:p>
         </p:txBody>
@@ -4089,7 +4199,7 @@
           <a:p>
             <a:r>
               <a:rPr lang="sv-SE" dirty="0" smtClean="0"/>
-              <a:t>Dynamiska språk</a:t>
+              <a:t>Historik</a:t>
             </a:r>
             <a:endParaRPr lang="sv-SE" dirty="0"/>
           </a:p>
@@ -4110,41 +4220,55 @@
           <a:bodyPr/>
           <a:lstStyle/>
           <a:p>
-            <a:r>
-              <a:rPr lang="en-US" dirty="0" smtClean="0"/>
-              <a:t>Dynamic programming language is a term used broadly in computer science to describe a class of high level programming languages that execute at runtime many common behaviors that other languages might perform during </a:t>
-            </a:r>
-            <a:r>
-              <a:rPr lang="en-US" dirty="0" smtClean="0"/>
-              <a:t>compilation</a:t>
-            </a:r>
-            <a:r>
-              <a:rPr lang="sv-SE" dirty="0" smtClean="0"/>
-              <a:t>, </a:t>
-            </a:r>
+            <a:endParaRPr lang="sv-SE" dirty="0" smtClean="0"/>
+          </a:p>
+          <a:p>
+            <a:r>
+              <a:rPr lang="sv-SE" dirty="0" smtClean="0"/>
+              <a:t>Startades under 2003</a:t>
+            </a:r>
+          </a:p>
+          <a:p>
+            <a:r>
+              <a:rPr lang="sv-SE" dirty="0" smtClean="0"/>
+              <a:t>Lades </a:t>
+            </a:r>
+            <a:r>
+              <a:rPr lang="sv-SE" dirty="0" smtClean="0"/>
+              <a:t>på is 2004</a:t>
+            </a:r>
+            <a:endParaRPr lang="sv-SE" dirty="0" smtClean="0"/>
+          </a:p>
+          <a:p>
+            <a:r>
+              <a:rPr lang="sv-SE" dirty="0" smtClean="0"/>
+              <a:t>Ny grupp utvecklare tog över strax efter</a:t>
+            </a:r>
+          </a:p>
+          <a:p>
             <a:r>
               <a:rPr lang="sv-SE" dirty="0" err="1" smtClean="0"/>
-              <a:t>if</a:t>
-            </a:r>
-            <a:r>
-              <a:rPr lang="sv-SE" dirty="0" smtClean="0"/>
-              <a:t> at </a:t>
-            </a:r>
-            <a:r>
-              <a:rPr lang="sv-SE" dirty="0" smtClean="0"/>
-              <a:t>all.</a:t>
-            </a:r>
-          </a:p>
-          <a:p>
-            <a:r>
-              <a:rPr lang="sv-SE" dirty="0" smtClean="0"/>
-              <a:t>Många, men inte alla, dynamiska språk har </a:t>
-            </a:r>
-            <a:r>
-              <a:rPr lang="sv-SE" smtClean="0"/>
-              <a:t>dynamisk typning</a:t>
-            </a:r>
-            <a:endParaRPr lang="sv-SE" dirty="0"/>
+              <a:t>Groovy</a:t>
+            </a:r>
+            <a:r>
+              <a:rPr lang="sv-SE" dirty="0" smtClean="0"/>
+              <a:t> version 1.0 släpptes 2:a Januari </a:t>
+            </a:r>
+            <a:r>
+              <a:rPr lang="sv-SE" dirty="0" smtClean="0"/>
+              <a:t>2007</a:t>
+            </a:r>
+          </a:p>
+          <a:p>
+            <a:r>
+              <a:rPr lang="sv-SE" dirty="0" err="1" smtClean="0"/>
+              <a:t>JavaOne</a:t>
+            </a:r>
+            <a:r>
+              <a:rPr lang="sv-SE" dirty="0" smtClean="0"/>
+              <a:t> 2008</a:t>
+            </a:r>
+            <a:endParaRPr lang="sv-SE" dirty="0" smtClean="0"/>
           </a:p>
         </p:txBody>
       </p:sp>
@@ -4153,6 +4277,13 @@
   <p:clrMapOvr>
     <a:masterClrMapping/>
   </p:clrMapOvr>
+  <p:timing>
+    <p:tnLst>
+      <p:par>
+        <p:cTn id="1" dur="indefinite" restart="never" nodeType="tmRoot"/>
+      </p:par>
+    </p:tnLst>
+  </p:timing>
 </p:sld>
 </file>
 
@@ -4190,7 +4321,7 @@
           <a:p>
             <a:r>
               <a:rPr lang="sv-SE" dirty="0" smtClean="0"/>
-              <a:t>Fördelar med dynamiska språk</a:t>
+              <a:t>Dynamiska språk</a:t>
             </a:r>
             <a:endParaRPr lang="sv-SE" dirty="0"/>
           </a:p>
@@ -4212,64 +4343,35 @@
           <a:lstStyle/>
           <a:p>
             <a:r>
-              <a:rPr lang="sv-SE" dirty="0" smtClean="0"/>
-              <a:t>Istället för att generera kod kan man skapa den när programmet körs</a:t>
-            </a:r>
-          </a:p>
-          <a:p>
-            <a:r>
-              <a:rPr lang="sv-SE" dirty="0" smtClean="0"/>
-              <a:t>Koden blir lättare att ändra</a:t>
-            </a:r>
-          </a:p>
-          <a:p>
-            <a:r>
-              <a:rPr lang="sv-SE" dirty="0" smtClean="0"/>
-              <a:t>Möjlighet att ändra hur språket </a:t>
-            </a:r>
-            <a:r>
-              <a:rPr lang="sv-SE" dirty="0" smtClean="0"/>
-              <a:t>fungerar</a:t>
-            </a:r>
-          </a:p>
-          <a:p>
-            <a:pPr lvl="1"/>
-            <a:r>
-              <a:rPr lang="sv-SE" dirty="0" smtClean="0"/>
-              <a:t>Lägg till metoder i vilka klasser vi vill, även om vi saknar källkod</a:t>
-            </a:r>
-          </a:p>
-          <a:p>
-            <a:pPr lvl="1"/>
-            <a:r>
-              <a:rPr lang="sv-SE" dirty="0" smtClean="0"/>
-              <a:t>Skapa DSL (</a:t>
+              <a:rPr lang="en-US" dirty="0" smtClean="0"/>
+              <a:t>Dynamic programming language is a term used broadly in computer science to describe a class of high level programming languages that execute at runtime many common behaviors that other languages might perform during </a:t>
+            </a:r>
+            <a:r>
+              <a:rPr lang="en-US" dirty="0" smtClean="0"/>
+              <a:t>compilation</a:t>
+            </a:r>
+            <a:r>
+              <a:rPr lang="sv-SE" dirty="0" smtClean="0"/>
+              <a:t>, </a:t>
             </a:r>
             <a:r>
               <a:rPr lang="sv-SE" dirty="0" err="1" smtClean="0"/>
-              <a:t>Domain</a:t>
-            </a:r>
-            <a:r>
-              <a:rPr lang="sv-SE" dirty="0" smtClean="0"/>
-              <a:t> </a:t>
-            </a:r>
-            <a:r>
-              <a:rPr lang="sv-SE" dirty="0" err="1" smtClean="0"/>
-              <a:t>Specific</a:t>
-            </a:r>
-            <a:r>
-              <a:rPr lang="sv-SE" dirty="0" smtClean="0"/>
-              <a:t> Language)</a:t>
-            </a:r>
-          </a:p>
-          <a:p>
-            <a:pPr lvl="1"/>
-            <a:endParaRPr lang="sv-SE" dirty="0" smtClean="0"/>
-          </a:p>
-          <a:p>
-            <a:pPr>
-              <a:buNone/>
-            </a:pPr>
+              <a:t>if</a:t>
+            </a:r>
+            <a:r>
+              <a:rPr lang="sv-SE" dirty="0" smtClean="0"/>
+              <a:t> at </a:t>
+            </a:r>
+            <a:r>
+              <a:rPr lang="sv-SE" dirty="0" smtClean="0"/>
+              <a:t>all.</a:t>
+            </a:r>
+          </a:p>
+          <a:p>
+            <a:r>
+              <a:rPr lang="sv-SE" dirty="0" smtClean="0"/>
+              <a:t>Många, men inte alla, dynamiska språk har dynamisk typning</a:t>
+            </a:r>
             <a:endParaRPr lang="sv-SE" dirty="0"/>
           </a:p>
         </p:txBody>
@@ -4279,13 +4381,6 @@
   <p:clrMapOvr>
     <a:masterClrMapping/>
   </p:clrMapOvr>
-  <p:timing>
-    <p:tnLst>
-      <p:par>
-        <p:cTn id="1" dur="indefinite" restart="never" nodeType="tmRoot"/>
-      </p:par>
-    </p:tnLst>
-  </p:timing>
 </p:sld>
 </file>
 
@@ -4323,7 +4418,7 @@
           <a:p>
             <a:r>
               <a:rPr lang="sv-SE" dirty="0" smtClean="0"/>
-              <a:t>Nackdelar med dynamiska språk</a:t>
+              <a:t>Fördelar med dynamiska språk</a:t>
             </a:r>
             <a:endParaRPr lang="sv-SE" dirty="0"/>
           </a:p>
@@ -4346,14 +4441,44 @@
           <a:p>
             <a:r>
               <a:rPr lang="sv-SE" dirty="0" smtClean="0"/>
-              <a:t>Kräver testning</a:t>
-            </a:r>
-          </a:p>
-          <a:p>
-            <a:r>
-              <a:rPr lang="sv-SE" dirty="0" smtClean="0"/>
-              <a:t>Risk att någon skriver ”oläslig” kod</a:t>
-            </a:r>
+              <a:t>Istället för att generera kod kan man skapa den när programmet körs</a:t>
+            </a:r>
+          </a:p>
+          <a:p>
+            <a:r>
+              <a:rPr lang="sv-SE" dirty="0" smtClean="0"/>
+              <a:t>Koden blir lättare att ändra</a:t>
+            </a:r>
+          </a:p>
+          <a:p>
+            <a:r>
+              <a:rPr lang="sv-SE" dirty="0" smtClean="0"/>
+              <a:t>Möjlighet att ändra hur språket </a:t>
+            </a:r>
+            <a:r>
+              <a:rPr lang="sv-SE" dirty="0" smtClean="0"/>
+              <a:t>fungerar</a:t>
+            </a:r>
+          </a:p>
+          <a:p>
+            <a:r>
+              <a:rPr lang="sv-SE" dirty="0" smtClean="0"/>
+              <a:t>Metaprogrammering</a:t>
+            </a:r>
+            <a:endParaRPr lang="sv-SE" dirty="0" smtClean="0"/>
+          </a:p>
+          <a:p>
+            <a:pPr lvl="1"/>
+            <a:endParaRPr lang="sv-SE" dirty="0" smtClean="0"/>
+          </a:p>
+          <a:p>
+            <a:pPr lvl="1"/>
+            <a:endParaRPr lang="sv-SE" dirty="0" smtClean="0"/>
+          </a:p>
+          <a:p>
+            <a:pPr>
+              <a:buNone/>
+            </a:pPr>
             <a:endParaRPr lang="sv-SE" dirty="0"/>
           </a:p>
         </p:txBody>
@@ -4402,89 +4527,99 @@
         </p:nvSpPr>
         <p:spPr/>
         <p:txBody>
-          <a:bodyPr>
-            <a:normAutofit fontScale="90000"/>
-          </a:bodyPr>
-          <a:lstStyle/>
-          <a:p>
-            <a:r>
-              <a:rPr lang="sv-SE" dirty="0" smtClean="0"/>
-              <a:t>Det finns ca 150 språk som kan köras på </a:t>
+          <a:bodyPr/>
+          <a:lstStyle/>
+          <a:p>
+            <a:r>
+              <a:rPr lang="sv-SE" dirty="0" smtClean="0"/>
+              <a:t>Metaprogrammering</a:t>
+            </a:r>
+            <a:endParaRPr lang="sv-SE" dirty="0"/>
+          </a:p>
+        </p:txBody>
+      </p:sp>
+      <p:sp>
+        <p:nvSpPr>
+          <p:cNvPr id="3" name="Platshållare för innehåll 2"/>
+          <p:cNvSpPr>
+            <a:spLocks noGrp="1"/>
+          </p:cNvSpPr>
+          <p:nvPr>
+            <p:ph idx="1"/>
+          </p:nvPr>
+        </p:nvSpPr>
+        <p:spPr/>
+        <p:txBody>
+          <a:bodyPr/>
+          <a:lstStyle/>
+          <a:p>
+            <a:r>
+              <a:rPr lang="sv-SE" dirty="0" smtClean="0"/>
+              <a:t>Program som ändrar program, inklusive sig själv</a:t>
+            </a:r>
+          </a:p>
+          <a:p>
+            <a:r>
+              <a:rPr lang="sv-SE" dirty="0" smtClean="0"/>
+              <a:t>Skapa klasser och metoder medan programmet körs</a:t>
+            </a:r>
+          </a:p>
+          <a:p>
+            <a:r>
+              <a:rPr lang="sv-SE" dirty="0" smtClean="0"/>
+              <a:t>Skapa </a:t>
             </a:r>
             <a:r>
               <a:rPr lang="sv-SE" dirty="0" err="1" smtClean="0"/>
-              <a:t>java-plattformen</a:t>
-            </a:r>
-            <a:r>
-              <a:rPr lang="sv-SE" dirty="0" smtClean="0"/>
-              <a:t>, till exempel:</a:t>
-            </a:r>
-          </a:p>
-        </p:txBody>
-      </p:sp>
-      <p:sp>
-        <p:nvSpPr>
-          <p:cNvPr id="3" name="Platshållare för innehåll 2"/>
-          <p:cNvSpPr>
-            <a:spLocks noGrp="1"/>
-          </p:cNvSpPr>
-          <p:nvPr>
-            <p:ph idx="1"/>
-          </p:nvPr>
-        </p:nvSpPr>
-        <p:spPr/>
-        <p:txBody>
-          <a:bodyPr/>
-          <a:lstStyle/>
-          <a:p>
-            <a:r>
-              <a:rPr lang="sv-SE" dirty="0" smtClean="0"/>
-              <a:t>Ruby (</a:t>
+              <a:t>mock-objekt</a:t>
+            </a:r>
+            <a:r>
+              <a:rPr lang="sv-SE" dirty="0" smtClean="0"/>
+              <a:t> </a:t>
+            </a:r>
+          </a:p>
+          <a:p>
+            <a:r>
+              <a:rPr lang="sv-SE" dirty="0" smtClean="0"/>
+              <a:t>Testa klasser som är tajt kopplade</a:t>
+            </a:r>
+          </a:p>
+          <a:p>
+            <a:r>
+              <a:rPr lang="sv-SE" dirty="0" smtClean="0"/>
+              <a:t>Skapa </a:t>
             </a:r>
             <a:r>
               <a:rPr lang="sv-SE" dirty="0" err="1" smtClean="0"/>
-              <a:t>jRuby</a:t>
+              <a:t>DSL:s</a:t>
+            </a:r>
+            <a:r>
+              <a:rPr lang="sv-SE" dirty="0" smtClean="0"/>
+              <a:t> (</a:t>
+            </a:r>
+            <a:r>
+              <a:rPr lang="sv-SE" dirty="0" err="1" smtClean="0"/>
+              <a:t>Domain</a:t>
+            </a:r>
+            <a:r>
+              <a:rPr lang="sv-SE" dirty="0" smtClean="0"/>
+              <a:t> </a:t>
+            </a:r>
+            <a:r>
+              <a:rPr lang="sv-SE" dirty="0" err="1" smtClean="0"/>
+              <a:t>specific</a:t>
+            </a:r>
+            <a:r>
+              <a:rPr lang="sv-SE" dirty="0" smtClean="0"/>
+              <a:t> </a:t>
+            </a:r>
+            <a:r>
+              <a:rPr lang="sv-SE" dirty="0" err="1" smtClean="0"/>
+              <a:t>languages</a:t>
             </a:r>
             <a:r>
               <a:rPr lang="sv-SE" dirty="0" smtClean="0"/>
               <a:t>)</a:t>
-            </a:r>
-          </a:p>
-          <a:p>
-            <a:r>
-              <a:rPr lang="sv-SE" dirty="0" err="1" smtClean="0"/>
-              <a:t>Python</a:t>
-            </a:r>
-            <a:r>
-              <a:rPr lang="sv-SE" dirty="0" smtClean="0"/>
-              <a:t> (</a:t>
-            </a:r>
-            <a:r>
-              <a:rPr lang="sv-SE" dirty="0" err="1" smtClean="0"/>
-              <a:t>Jython</a:t>
-            </a:r>
-            <a:r>
-              <a:rPr lang="sv-SE" dirty="0" smtClean="0"/>
-              <a:t>)</a:t>
-            </a:r>
-          </a:p>
-          <a:p>
-            <a:r>
-              <a:rPr lang="sv-SE" dirty="0" err="1" smtClean="0"/>
-              <a:t>BeanShell</a:t>
-            </a:r>
-            <a:endParaRPr lang="sv-SE" dirty="0" smtClean="0"/>
-          </a:p>
-          <a:p>
-            <a:r>
-              <a:rPr lang="sv-SE" dirty="0" smtClean="0"/>
-              <a:t>JavaScript</a:t>
-            </a:r>
-          </a:p>
-          <a:p>
-            <a:r>
-              <a:rPr lang="sv-SE" dirty="0" smtClean="0"/>
-              <a:t>…</a:t>
             </a:r>
             <a:endParaRPr lang="sv-SE" dirty="0"/>
           </a:p>
@@ -4495,13 +4630,6 @@
   <p:clrMapOvr>
     <a:masterClrMapping/>
   </p:clrMapOvr>
-  <p:timing>
-    <p:tnLst>
-      <p:par>
-        <p:cTn id="1" dur="indefinite" restart="never" nodeType="tmRoot"/>
-      </p:par>
-    </p:tnLst>
-  </p:timing>
 </p:sld>
 </file>
 
@@ -4539,78 +4667,75 @@
           <a:p>
             <a:r>
               <a:rPr lang="sv-SE" dirty="0" smtClean="0"/>
-              <a:t>Fördelar med </a:t>
+              <a:t>GPL(General </a:t>
+            </a:r>
+            <a:r>
+              <a:rPr lang="sv-SE" dirty="0" err="1" smtClean="0"/>
+              <a:t>Purpose</a:t>
+            </a:r>
+            <a:r>
+              <a:rPr lang="sv-SE" dirty="0" smtClean="0"/>
+              <a:t> Languages)</a:t>
+            </a:r>
+            <a:endParaRPr lang="sv-SE" dirty="0"/>
+          </a:p>
+        </p:txBody>
+      </p:sp>
+      <p:sp>
+        <p:nvSpPr>
+          <p:cNvPr id="3" name="Platshållare för innehåll 2"/>
+          <p:cNvSpPr>
+            <a:spLocks noGrp="1"/>
+          </p:cNvSpPr>
+          <p:nvPr>
+            <p:ph idx="1"/>
+          </p:nvPr>
+        </p:nvSpPr>
+        <p:spPr/>
+        <p:txBody>
+          <a:bodyPr/>
+          <a:lstStyle/>
+          <a:p>
+            <a:r>
+              <a:rPr lang="sv-SE" dirty="0" smtClean="0"/>
+              <a:t>Java, C, .NET, </a:t>
             </a:r>
             <a:r>
               <a:rPr lang="sv-SE" dirty="0" err="1" smtClean="0"/>
               <a:t>Groovy</a:t>
             </a:r>
-            <a:endParaRPr lang="sv-SE" dirty="0"/>
-          </a:p>
-        </p:txBody>
-      </p:sp>
-      <p:sp>
-        <p:nvSpPr>
-          <p:cNvPr id="3" name="Platshållare för innehåll 2"/>
-          <p:cNvSpPr>
-            <a:spLocks noGrp="1"/>
-          </p:cNvSpPr>
-          <p:nvPr>
-            <p:ph idx="1"/>
-          </p:nvPr>
-        </p:nvSpPr>
-        <p:spPr/>
-        <p:txBody>
-          <a:bodyPr/>
-          <a:lstStyle/>
-          <a:p>
-            <a:r>
-              <a:rPr lang="sv-SE" dirty="0" smtClean="0"/>
-              <a:t>Enkelt att lära för en Javaprogrammerare</a:t>
-            </a:r>
-          </a:p>
-          <a:p>
-            <a:r>
-              <a:rPr lang="sv-SE" dirty="0" smtClean="0"/>
-              <a:t>Helt kompatibelt med existerande Javaprojekt</a:t>
-            </a:r>
-          </a:p>
-          <a:p>
+            <a:r>
+              <a:rPr lang="sv-SE" dirty="0" smtClean="0"/>
+              <a:t> och liknande språk kallas GPL</a:t>
+            </a:r>
+            <a:r>
+              <a:rPr lang="sv-SE" dirty="0" smtClean="0"/>
+              <a:t>, General </a:t>
+            </a:r>
             <a:r>
               <a:rPr lang="sv-SE" dirty="0" err="1" smtClean="0"/>
-              <a:t>Groovy</a:t>
-            </a:r>
-            <a:r>
-              <a:rPr lang="sv-SE" dirty="0" smtClean="0"/>
-              <a:t> ÄR Java – kompileras till .</a:t>
-            </a:r>
-            <a:r>
-              <a:rPr lang="sv-SE" dirty="0" err="1" smtClean="0"/>
-              <a:t>class-filer</a:t>
+              <a:t>Purpose</a:t>
+            </a:r>
+            <a:r>
+              <a:rPr lang="sv-SE" dirty="0" smtClean="0"/>
+              <a:t> </a:t>
+            </a:r>
+            <a:r>
+              <a:rPr lang="sv-SE" dirty="0" smtClean="0"/>
+              <a:t>Languages. </a:t>
             </a:r>
             <a:endParaRPr lang="sv-SE" dirty="0" smtClean="0"/>
           </a:p>
           <a:p>
             <a:r>
               <a:rPr lang="sv-SE" dirty="0" smtClean="0"/>
-              <a:t>Lätt att börja med, man kan skriva Java istället om man är osäker på </a:t>
-            </a:r>
-            <a:r>
-              <a:rPr lang="sv-SE" dirty="0" err="1" smtClean="0"/>
-              <a:t>Groovy-syntax</a:t>
-            </a:r>
-            <a:endParaRPr lang="sv-SE" dirty="0" smtClean="0"/>
-          </a:p>
-          <a:p>
-            <a:r>
-              <a:rPr lang="sv-SE" dirty="0" smtClean="0"/>
-              <a:t>Dynamiskt</a:t>
-            </a:r>
-          </a:p>
-          <a:p>
-            <a:r>
-              <a:rPr lang="sv-SE" dirty="0" smtClean="0"/>
-              <a:t>Utökar JDK för att förenkla utveckling</a:t>
+              <a:t>Har en generell syntax, oberoende av område.</a:t>
+            </a:r>
+          </a:p>
+          <a:p>
+            <a:r>
+              <a:rPr lang="sv-SE" dirty="0" smtClean="0"/>
+              <a:t>Allt går att göra, men det är sällan det enklaste eller snabbaste sättet</a:t>
             </a:r>
             <a:endParaRPr lang="sv-SE" dirty="0"/>
           </a:p>
@@ -4655,27 +4780,86 @@
             <a:spLocks noGrp="1"/>
           </p:cNvSpPr>
           <p:nvPr>
-            <p:ph type="ctrTitle"/>
-          </p:nvPr>
-        </p:nvSpPr>
-        <p:spPr/>
-        <p:txBody>
-          <a:bodyPr/>
-          <a:lstStyle/>
-          <a:p>
-            <a:r>
-              <a:rPr lang="sv-SE" dirty="0" smtClean="0"/>
-              <a:t>[</a:t>
+            <p:ph type="title"/>
+          </p:nvPr>
+        </p:nvSpPr>
+        <p:spPr/>
+        <p:txBody>
+          <a:bodyPr/>
+          <a:lstStyle/>
+          <a:p>
+            <a:r>
+              <a:rPr lang="sv-SE" dirty="0" smtClean="0"/>
+              <a:t>DSL (</a:t>
             </a:r>
             <a:r>
               <a:rPr lang="sv-SE" dirty="0" err="1" smtClean="0"/>
-              <a:t>helloWorld.groovy</a:t>
-            </a:r>
-            <a:r>
-              <a:rPr lang="sv-SE" dirty="0" smtClean="0"/>
-              <a:t>]</a:t>
+              <a:t>Domain</a:t>
+            </a:r>
+            <a:r>
+              <a:rPr lang="sv-SE" dirty="0" smtClean="0"/>
+              <a:t> </a:t>
+            </a:r>
+            <a:r>
+              <a:rPr lang="sv-SE" dirty="0" err="1" smtClean="0"/>
+              <a:t>Specific</a:t>
+            </a:r>
+            <a:r>
+              <a:rPr lang="sv-SE" dirty="0" smtClean="0"/>
+              <a:t> Languages)</a:t>
             </a:r>
             <a:endParaRPr lang="sv-SE" dirty="0"/>
+          </a:p>
+        </p:txBody>
+      </p:sp>
+      <p:sp>
+        <p:nvSpPr>
+          <p:cNvPr id="3" name="Platshållare för innehåll 2"/>
+          <p:cNvSpPr>
+            <a:spLocks noGrp="1"/>
+          </p:cNvSpPr>
+          <p:nvPr>
+            <p:ph idx="1"/>
+          </p:nvPr>
+        </p:nvSpPr>
+        <p:spPr/>
+        <p:txBody>
+          <a:bodyPr>
+            <a:normAutofit/>
+          </a:bodyPr>
+          <a:lstStyle/>
+          <a:p>
+            <a:r>
+              <a:rPr lang="sv-SE" dirty="0" smtClean="0"/>
+              <a:t>Språket är designat utifrån domänen det används i.</a:t>
+            </a:r>
+          </a:p>
+          <a:p>
+            <a:r>
+              <a:rPr lang="sv-SE" dirty="0" smtClean="0"/>
+              <a:t>Koden blir lättläst</a:t>
+            </a:r>
+          </a:p>
+          <a:p>
+            <a:r>
+              <a:rPr lang="sv-SE" dirty="0" smtClean="0"/>
+              <a:t>Går snabbare att utveckla i ett språk som ligger nära problemdomänen</a:t>
+            </a:r>
+          </a:p>
+          <a:p>
+            <a:r>
+              <a:rPr lang="sv-SE" dirty="0" smtClean="0"/>
+              <a:t>Lätt att kommunicera med beställare och användare</a:t>
+            </a:r>
+          </a:p>
+          <a:p>
+            <a:r>
+              <a:rPr lang="sv-SE" dirty="0" smtClean="0"/>
+              <a:t>Lätt att skriva enhetstester</a:t>
+            </a:r>
+          </a:p>
+          <a:p>
+            <a:endParaRPr lang="sv-SE" dirty="0" smtClean="0"/>
           </a:p>
         </p:txBody>
       </p:sp>
@@ -4723,12 +4907,14 @@
         </p:nvSpPr>
         <p:spPr/>
         <p:txBody>
-          <a:bodyPr/>
-          <a:lstStyle/>
-          <a:p>
-            <a:r>
-              <a:rPr lang="sv-SE" dirty="0" smtClean="0"/>
-              <a:t>Metaprogrammering</a:t>
+          <a:bodyPr>
+            <a:normAutofit/>
+          </a:bodyPr>
+          <a:lstStyle/>
+          <a:p>
+            <a:r>
+              <a:rPr lang="sv-SE" dirty="0" smtClean="0"/>
+              <a:t>DSL</a:t>
             </a:r>
             <a:endParaRPr lang="sv-SE" dirty="0"/>
           </a:p>
@@ -4751,73 +4937,24 @@
           <a:p>
             <a:r>
               <a:rPr lang="sv-SE" dirty="0" smtClean="0"/>
-              <a:t>Program som ändrar program, inklusive sig själv</a:t>
-            </a:r>
-          </a:p>
-          <a:p>
-            <a:r>
-              <a:rPr lang="sv-SE" dirty="0" smtClean="0"/>
-              <a:t>Skapa klasser och metoder medan programmet körs</a:t>
-            </a:r>
-          </a:p>
-          <a:p>
-            <a:r>
-              <a:rPr lang="sv-SE" dirty="0" smtClean="0"/>
-              <a:t>Skapa </a:t>
-            </a:r>
-            <a:r>
-              <a:rPr lang="sv-SE" dirty="0" err="1" smtClean="0"/>
-              <a:t>mock-objekt</a:t>
-            </a:r>
-            <a:r>
-              <a:rPr lang="sv-SE" dirty="0" smtClean="0"/>
-              <a:t> </a:t>
-            </a:r>
-          </a:p>
-          <a:p>
-            <a:r>
-              <a:rPr lang="sv-SE" dirty="0" smtClean="0"/>
-              <a:t>Testa klasser som är tight kopplade</a:t>
-            </a:r>
-          </a:p>
-          <a:p>
-            <a:r>
-              <a:rPr lang="sv-SE" dirty="0" smtClean="0"/>
-              <a:t>Skapa </a:t>
-            </a:r>
-            <a:r>
-              <a:rPr lang="sv-SE" dirty="0" err="1" smtClean="0"/>
-              <a:t>DSL:s</a:t>
-            </a:r>
-            <a:r>
-              <a:rPr lang="sv-SE" dirty="0" smtClean="0"/>
-              <a:t> (</a:t>
-            </a:r>
-            <a:r>
-              <a:rPr lang="sv-SE" dirty="0" err="1" smtClean="0"/>
-              <a:t>Domain</a:t>
-            </a:r>
-            <a:r>
-              <a:rPr lang="sv-SE" dirty="0" smtClean="0"/>
-              <a:t> </a:t>
-            </a:r>
-            <a:r>
-              <a:rPr lang="sv-SE" dirty="0" err="1" smtClean="0"/>
-              <a:t>specific</a:t>
-            </a:r>
-            <a:r>
-              <a:rPr lang="sv-SE" dirty="0" smtClean="0"/>
-              <a:t> </a:t>
-            </a:r>
-            <a:r>
-              <a:rPr lang="sv-SE" dirty="0" err="1" smtClean="0"/>
-              <a:t>languages</a:t>
-            </a:r>
-            <a:r>
-              <a:rPr lang="sv-SE" dirty="0" smtClean="0"/>
-              <a:t>)</a:t>
-            </a:r>
-            <a:endParaRPr lang="sv-SE" dirty="0"/>
+              <a:t>Två typer:</a:t>
+            </a:r>
+          </a:p>
+          <a:p>
+            <a:pPr lvl="1"/>
+            <a:r>
+              <a:rPr lang="sv-SE" dirty="0" smtClean="0"/>
+              <a:t>Intern DSL</a:t>
+            </a:r>
+            <a:endParaRPr lang="sv-SE" dirty="0" smtClean="0"/>
+          </a:p>
+          <a:p>
+            <a:pPr lvl="1"/>
+            <a:r>
+              <a:rPr lang="sv-SE" dirty="0" smtClean="0"/>
+              <a:t>Extern DSL</a:t>
+            </a:r>
+            <a:endParaRPr lang="sv-SE" dirty="0" smtClean="0"/>
           </a:p>
         </p:txBody>
       </p:sp>
@@ -4826,6 +4963,13 @@
   <p:clrMapOvr>
     <a:masterClrMapping/>
   </p:clrMapOvr>
+  <p:timing>
+    <p:tnLst>
+      <p:par>
+        <p:cTn id="1" dur="indefinite" restart="never" nodeType="tmRoot"/>
+      </p:par>
+    </p:tnLst>
+  </p:timing>
 </p:sld>
 </file>
 

--- a/groovyseminarie/dokument/groovyseminarium_source.pptx
+++ b/groovyseminarie/dokument/groovyseminarium_source.pptx
@@ -5,22 +5,23 @@
     <p:sldMasterId id="2147483648" r:id="rId1"/>
   </p:sldMasterIdLst>
   <p:sldIdLst>
-    <p:sldId id="279" r:id="rId2"/>
-    <p:sldId id="260" r:id="rId3"/>
-    <p:sldId id="261" r:id="rId4"/>
-    <p:sldId id="270" r:id="rId5"/>
-    <p:sldId id="258" r:id="rId6"/>
-    <p:sldId id="271" r:id="rId7"/>
-    <p:sldId id="272" r:id="rId8"/>
-    <p:sldId id="273" r:id="rId9"/>
-    <p:sldId id="278" r:id="rId10"/>
-    <p:sldId id="276" r:id="rId11"/>
-    <p:sldId id="277" r:id="rId12"/>
-    <p:sldId id="275" r:id="rId13"/>
-    <p:sldId id="263" r:id="rId14"/>
-    <p:sldId id="264" r:id="rId15"/>
-    <p:sldId id="256" r:id="rId16"/>
+    <p:sldId id="258" r:id="rId2"/>
+    <p:sldId id="259" r:id="rId3"/>
+    <p:sldId id="260" r:id="rId4"/>
+    <p:sldId id="272" r:id="rId5"/>
+    <p:sldId id="261" r:id="rId6"/>
+    <p:sldId id="262" r:id="rId7"/>
+    <p:sldId id="263" r:id="rId8"/>
+    <p:sldId id="264" r:id="rId9"/>
+    <p:sldId id="265" r:id="rId10"/>
+    <p:sldId id="266" r:id="rId11"/>
+    <p:sldId id="267" r:id="rId12"/>
+    <p:sldId id="268" r:id="rId13"/>
+    <p:sldId id="269" r:id="rId14"/>
+    <p:sldId id="270" r:id="rId15"/>
+    <p:sldId id="273" r:id="rId16"/>
     <p:sldId id="257" r:id="rId17"/>
+    <p:sldId id="271" r:id="rId18"/>
   </p:sldIdLst>
   <p:sldSz cx="9144000" cy="6858000" type="screen4x3"/>
   <p:notesSz cx="6858000" cy="9144000"/>
@@ -3089,6 +3090,10 @@
           <a:bodyPr/>
           <a:lstStyle/>
           <a:p>
+            <a:r>
+              <a:rPr lang="sv-SE" dirty="0" err="1" smtClean="0"/>
+              <a:t>Groovy</a:t>
+            </a:r>
             <a:endParaRPr lang="sv-SE" dirty="0"/>
           </a:p>
         </p:txBody>
@@ -3105,25 +3110,103 @@
         </p:nvSpPr>
         <p:spPr/>
         <p:txBody>
-          <a:bodyPr/>
+          <a:bodyPr>
+            <a:normAutofit fontScale="85000" lnSpcReduction="10000"/>
+          </a:bodyPr>
           <a:lstStyle/>
           <a:p>
             <a:pPr>
               <a:buNone/>
             </a:pPr>
             <a:r>
-              <a:rPr lang="sv-SE" dirty="0" smtClean="0"/>
-              <a:t>[</a:t>
-            </a:r>
-            <a:r>
-              <a:rPr lang="sv-SE" dirty="0" err="1" smtClean="0"/>
-              <a:t>helloWorld.groovy</a:t>
-            </a:r>
-            <a:r>
-              <a:rPr lang="sv-SE" dirty="0" smtClean="0"/>
-              <a:t>]</a:t>
-            </a:r>
-            <a:endParaRPr lang="sv-SE" dirty="0"/>
+              <a:rPr lang="en-US" i="1" dirty="0" smtClean="0"/>
+              <a:t>“…So I've been musing a little while if its time the Java platform had its own </a:t>
+            </a:r>
+            <a:r>
+              <a:rPr lang="en-US" i="1" dirty="0" smtClean="0">
+                <a:solidFill>
+                  <a:srgbClr val="FF0000"/>
+                </a:solidFill>
+              </a:rPr>
+              <a:t>dynamic language</a:t>
+            </a:r>
+            <a:r>
+              <a:rPr lang="en-US" i="1" dirty="0" smtClean="0"/>
+              <a:t> designed from the ground up to </a:t>
+            </a:r>
+            <a:r>
+              <a:rPr lang="en-US" i="1" dirty="0" smtClean="0">
+                <a:solidFill>
+                  <a:srgbClr val="FF0000"/>
+                </a:solidFill>
+              </a:rPr>
+              <a:t>work real nice with existing [Java] code</a:t>
+            </a:r>
+            <a:r>
+              <a:rPr lang="en-US" i="1" dirty="0" smtClean="0"/>
+              <a:t>; creating/extending objects normal Java can use and vice versa. </a:t>
+            </a:r>
+            <a:r>
+              <a:rPr lang="en-US" i="1" dirty="0" smtClean="0">
+                <a:solidFill>
+                  <a:srgbClr val="FF0000"/>
+                </a:solidFill>
+              </a:rPr>
+              <a:t>Python/</a:t>
+            </a:r>
+            <a:r>
+              <a:rPr lang="en-US" i="1" dirty="0" err="1" smtClean="0">
+                <a:solidFill>
+                  <a:srgbClr val="FF0000"/>
+                </a:solidFill>
+              </a:rPr>
+              <a:t>Jython's</a:t>
+            </a:r>
+            <a:r>
+              <a:rPr lang="en-US" i="1" dirty="0" smtClean="0">
+                <a:solidFill>
+                  <a:srgbClr val="FF0000"/>
+                </a:solidFill>
+              </a:rPr>
+              <a:t> a pretty good base - add the nice stuff from Ruby</a:t>
+            </a:r>
+            <a:r>
+              <a:rPr lang="en-US" i="1" dirty="0" smtClean="0"/>
+              <a:t> and maybe sprinkle on some </a:t>
+            </a:r>
+            <a:r>
+              <a:rPr lang="en-US" i="1" dirty="0" smtClean="0">
+                <a:solidFill>
+                  <a:srgbClr val="FF0000"/>
+                </a:solidFill>
+              </a:rPr>
+              <a:t>AOP features</a:t>
+            </a:r>
+            <a:r>
+              <a:rPr lang="en-US" i="1" dirty="0" smtClean="0"/>
+              <a:t> and we could have a really </a:t>
+            </a:r>
+            <a:r>
+              <a:rPr lang="en-US" i="1" dirty="0" smtClean="0">
+                <a:solidFill>
+                  <a:srgbClr val="FF0000"/>
+                </a:solidFill>
+              </a:rPr>
+              <a:t>Groovy</a:t>
+            </a:r>
+            <a:r>
+              <a:rPr lang="en-US" i="1" dirty="0" smtClean="0"/>
+              <a:t> new language for scripting Java objects, writing test cases and who knows, even doing real development in it.”</a:t>
+            </a:r>
+          </a:p>
+          <a:p>
+            <a:pPr algn="r">
+              <a:buNone/>
+            </a:pPr>
+            <a:r>
+              <a:rPr lang="en-US" i="1" dirty="0" smtClean="0"/>
+              <a:t>- James Strachan 2003</a:t>
+            </a:r>
           </a:p>
         </p:txBody>
       </p:sp>
@@ -3132,6 +3215,13 @@
   <p:clrMapOvr>
     <a:masterClrMapping/>
   </p:clrMapOvr>
+  <p:timing>
+    <p:tnLst>
+      <p:par>
+        <p:cTn id="1" dur="indefinite" restart="never" nodeType="tmRoot"/>
+      </p:par>
+    </p:tnLst>
+  </p:timing>
 </p:sld>
 </file>
 
@@ -3200,7 +3290,6 @@
               <a:rPr lang="sv-SE" dirty="0" smtClean="0"/>
               <a:t>Exempel:</a:t>
             </a:r>
-            <a:endParaRPr lang="sv-SE" dirty="0" smtClean="0"/>
           </a:p>
           <a:p>
             <a:pPr lvl="1"/>
@@ -3229,7 +3318,6 @@
               <a:rPr lang="sv-SE" dirty="0" smtClean="0"/>
               <a:t>CSS</a:t>
             </a:r>
-            <a:endParaRPr lang="sv-SE" dirty="0" smtClean="0"/>
           </a:p>
         </p:txBody>
       </p:sp>
@@ -3397,6 +3485,13 @@
           </a:p>
           <a:p>
             <a:pPr lvl="1"/>
+            <a:endParaRPr lang="sv-SE" sz="2400" dirty="0" smtClean="0">
+              <a:latin typeface="Courier New" pitchFamily="49" charset="0"/>
+              <a:cs typeface="Courier New" pitchFamily="49" charset="0"/>
+            </a:endParaRPr>
+          </a:p>
+          <a:p>
+            <a:pPr lvl="1"/>
             <a:r>
               <a:rPr lang="sv-SE" sz="2400" dirty="0" err="1" smtClean="0">
                 <a:latin typeface="Courier New" pitchFamily="49" charset="0"/>
@@ -3411,10 +3506,6 @@
               </a:rPr>
               <a:t>{ </a:t>
             </a:r>
-            <a:endParaRPr lang="sv-SE" sz="2400" dirty="0" smtClean="0">
-              <a:latin typeface="Courier New" pitchFamily="49" charset="0"/>
-              <a:cs typeface="Courier New" pitchFamily="49" charset="0"/>
-            </a:endParaRPr>
           </a:p>
           <a:p>
             <a:pPr>
@@ -3516,14 +3607,7 @@
                 <a:latin typeface="Courier New" pitchFamily="49" charset="0"/>
                 <a:cs typeface="Courier New" pitchFamily="49" charset="0"/>
               </a:rPr>
-              <a:t>		adress </a:t>
-            </a:r>
-            <a:r>
-              <a:rPr lang="sv-SE" sz="2400" dirty="0" smtClean="0">
-                <a:latin typeface="Courier New" pitchFamily="49" charset="0"/>
-                <a:cs typeface="Courier New" pitchFamily="49" charset="0"/>
-              </a:rPr>
-              <a:t>"Gamla brogatan 11"</a:t>
+              <a:t>		adress "Gamla brogatan 11"</a:t>
             </a:r>
           </a:p>
           <a:p>
@@ -3549,14 +3633,7 @@
                 <a:latin typeface="Courier New" pitchFamily="49" charset="0"/>
                 <a:cs typeface="Courier New" pitchFamily="49" charset="0"/>
               </a:rPr>
-              <a:t> </a:t>
-            </a:r>
-            <a:r>
-              <a:rPr lang="sv-SE" sz="2400" dirty="0" smtClean="0">
-                <a:latin typeface="Courier New" pitchFamily="49" charset="0"/>
-                <a:cs typeface="Courier New" pitchFamily="49" charset="0"/>
-              </a:rPr>
-              <a:t>visa, ’1234-1234-1234-1234</a:t>
+              <a:t> visa, ’1234-1234-1234-1234</a:t>
             </a:r>
           </a:p>
           <a:p>
@@ -3622,40 +3699,70 @@
         <p:spPr/>
         <p:txBody>
           <a:bodyPr>
-            <a:normAutofit fontScale="90000"/>
+            <a:normAutofit/>
           </a:bodyPr>
           <a:lstStyle/>
           <a:p>
             <a:r>
               <a:rPr lang="sv-SE" dirty="0" smtClean="0"/>
-              <a:t>Det finns ca 150 språk som kan köras på </a:t>
+              <a:t>Varför </a:t>
+            </a:r>
+            <a:r>
+              <a:rPr lang="sv-SE" dirty="0" err="1" smtClean="0"/>
+              <a:t>Groovy</a:t>
+            </a:r>
+            <a:r>
+              <a:rPr lang="sv-SE" dirty="0" smtClean="0"/>
+              <a:t>?</a:t>
+            </a:r>
+            <a:endParaRPr lang="sv-SE" dirty="0"/>
+          </a:p>
+        </p:txBody>
+      </p:sp>
+      <p:sp>
+        <p:nvSpPr>
+          <p:cNvPr id="3" name="Platshållare för innehåll 2"/>
+          <p:cNvSpPr>
+            <a:spLocks noGrp="1"/>
+          </p:cNvSpPr>
+          <p:nvPr>
+            <p:ph idx="1"/>
+          </p:nvPr>
+        </p:nvSpPr>
+        <p:spPr/>
+        <p:txBody>
+          <a:bodyPr>
+            <a:normAutofit lnSpcReduction="10000"/>
+          </a:bodyPr>
+          <a:lstStyle/>
+          <a:p>
+            <a:r>
+              <a:rPr lang="sv-SE" dirty="0" smtClean="0"/>
+              <a:t>Det finns andra dynamiska språk som hanterar allt ovan, vissa bättre än </a:t>
+            </a:r>
+            <a:r>
+              <a:rPr lang="sv-SE" dirty="0" err="1" smtClean="0"/>
+              <a:t>Groovy</a:t>
+            </a:r>
+            <a:endParaRPr lang="sv-SE" dirty="0" smtClean="0"/>
+          </a:p>
+          <a:p>
+            <a:r>
+              <a:rPr lang="sv-SE" dirty="0" smtClean="0"/>
+              <a:t>Det </a:t>
+            </a:r>
+            <a:r>
+              <a:rPr lang="sv-SE" dirty="0" smtClean="0"/>
+              <a:t>finns ca 150 språk som kan köras på </a:t>
             </a:r>
             <a:r>
               <a:rPr lang="sv-SE" dirty="0" err="1" smtClean="0"/>
               <a:t>java-plattformen</a:t>
             </a:r>
-            <a:r>
-              <a:rPr lang="sv-SE" dirty="0" smtClean="0"/>
-              <a:t>, till exempel:</a:t>
-            </a:r>
-          </a:p>
-        </p:txBody>
-      </p:sp>
-      <p:sp>
-        <p:nvSpPr>
-          <p:cNvPr id="3" name="Platshållare för innehåll 2"/>
-          <p:cNvSpPr>
-            <a:spLocks noGrp="1"/>
-          </p:cNvSpPr>
-          <p:nvPr>
-            <p:ph idx="1"/>
-          </p:nvPr>
-        </p:nvSpPr>
-        <p:spPr/>
-        <p:txBody>
-          <a:bodyPr/>
-          <a:lstStyle/>
-          <a:p>
+            <a:endParaRPr lang="sv-SE" dirty="0" smtClean="0"/>
+          </a:p>
+          <a:p>
+            <a:pPr lvl="1"/>
             <a:r>
               <a:rPr lang="sv-SE" dirty="0" smtClean="0"/>
               <a:t>Ruby (</a:t>
@@ -3670,6 +3777,7 @@
             </a:r>
           </a:p>
           <a:p>
+            <a:pPr lvl="1"/>
             <a:r>
               <a:rPr lang="sv-SE" dirty="0" err="1" smtClean="0"/>
               <a:t>Python</a:t>
@@ -3688,6 +3796,7 @@
             </a:r>
           </a:p>
           <a:p>
+            <a:pPr lvl="1"/>
             <a:r>
               <a:rPr lang="sv-SE" dirty="0" err="1" smtClean="0"/>
               <a:t>BeanShell</a:t>
@@ -3695,6 +3804,7 @@
             <a:endParaRPr lang="sv-SE" dirty="0" smtClean="0"/>
           </a:p>
           <a:p>
+            <a:pPr lvl="1"/>
             <a:r>
               <a:rPr lang="sv-SE" dirty="0" smtClean="0"/>
               <a:t>JavaScript</a:t>
@@ -3703,9 +3813,26 @@
           <a:p>
             <a:r>
               <a:rPr lang="sv-SE" dirty="0" smtClean="0"/>
-              <a:t>…</a:t>
-            </a:r>
-            <a:endParaRPr lang="sv-SE" dirty="0"/>
+              <a:t>Varför </a:t>
+            </a:r>
+            <a:r>
+              <a:rPr lang="sv-SE" dirty="0" err="1" smtClean="0"/>
+              <a:t>G</a:t>
+            </a:r>
+            <a:r>
+              <a:rPr lang="sv-SE" dirty="0" err="1" smtClean="0"/>
+              <a:t>roovy</a:t>
+            </a:r>
+            <a:r>
+              <a:rPr lang="sv-SE" dirty="0" smtClean="0"/>
+              <a:t>?</a:t>
+            </a:r>
+          </a:p>
+          <a:p>
+            <a:pPr lvl="1">
+              <a:buNone/>
+            </a:pPr>
+            <a:endParaRPr lang="sv-SE" dirty="0" smtClean="0"/>
           </a:p>
         </p:txBody>
       </p:sp>
@@ -3714,13 +3841,6 @@
   <p:clrMapOvr>
     <a:masterClrMapping/>
   </p:clrMapOvr>
-  <p:timing>
-    <p:tnLst>
-      <p:par>
-        <p:cTn id="1" dur="indefinite" restart="never" nodeType="tmRoot"/>
-      </p:par>
-    </p:tnLst>
-  </p:timing>
 </p:sld>
 </file>
 
@@ -3874,25 +3994,108 @@
             <a:spLocks noGrp="1"/>
           </p:cNvSpPr>
           <p:nvPr>
-            <p:ph type="ctrTitle"/>
-          </p:nvPr>
-        </p:nvSpPr>
-        <p:spPr/>
-        <p:txBody>
-          <a:bodyPr/>
-          <a:lstStyle/>
-          <a:p>
-            <a:r>
-              <a:rPr lang="sv-SE" dirty="0" smtClean="0"/>
-              <a:t>[</a:t>
+            <p:ph type="title"/>
+          </p:nvPr>
+        </p:nvSpPr>
+        <p:spPr/>
+        <p:txBody>
+          <a:bodyPr/>
+          <a:lstStyle/>
+          <a:p>
+            <a:r>
+              <a:rPr lang="sv-SE" dirty="0" smtClean="0"/>
+              <a:t>Java och </a:t>
             </a:r>
             <a:r>
               <a:rPr lang="sv-SE" dirty="0" err="1" smtClean="0"/>
-              <a:t>helloWorld.groovy</a:t>
-            </a:r>
-            <a:r>
-              <a:rPr lang="sv-SE" dirty="0" smtClean="0"/>
-              <a:t>]</a:t>
+              <a:t>Groovy</a:t>
+            </a:r>
+            <a:r>
+              <a:rPr lang="sv-SE" dirty="0" smtClean="0"/>
+              <a:t> tillsammans</a:t>
+            </a:r>
+            <a:endParaRPr lang="sv-SE" dirty="0"/>
+          </a:p>
+        </p:txBody>
+      </p:sp>
+      <p:sp>
+        <p:nvSpPr>
+          <p:cNvPr id="3" name="Platshållare för innehåll 2"/>
+          <p:cNvSpPr>
+            <a:spLocks noGrp="1"/>
+          </p:cNvSpPr>
+          <p:nvPr>
+            <p:ph idx="1"/>
+          </p:nvPr>
+        </p:nvSpPr>
+        <p:spPr/>
+        <p:txBody>
+          <a:bodyPr>
+            <a:normAutofit fontScale="92500"/>
+          </a:bodyPr>
+          <a:lstStyle/>
+          <a:p>
+            <a:r>
+              <a:rPr lang="sv-SE" dirty="0" err="1" smtClean="0"/>
+              <a:t>Groovyklasser</a:t>
+            </a:r>
+            <a:r>
+              <a:rPr lang="sv-SE" dirty="0" smtClean="0"/>
+              <a:t> kompileras till .</a:t>
+            </a:r>
+            <a:r>
+              <a:rPr lang="sv-SE" dirty="0" err="1" smtClean="0"/>
+              <a:t>class-filer</a:t>
+            </a:r>
+            <a:r>
+              <a:rPr lang="sv-SE" dirty="0" smtClean="0"/>
+              <a:t> </a:t>
+            </a:r>
+          </a:p>
+          <a:p>
+            <a:r>
+              <a:rPr lang="sv-SE" dirty="0" smtClean="0"/>
+              <a:t>Ett javaprogram vet inte, och bryr sig inte, om en klass är kompilerad från </a:t>
+            </a:r>
+            <a:r>
+              <a:rPr lang="sv-SE" dirty="0" err="1" smtClean="0"/>
+              <a:t>Groovy</a:t>
+            </a:r>
+            <a:r>
+              <a:rPr lang="sv-SE" dirty="0" smtClean="0"/>
+              <a:t> eller från Java</a:t>
+            </a:r>
+          </a:p>
+          <a:p>
+            <a:r>
+              <a:rPr lang="sv-SE" dirty="0" smtClean="0"/>
+              <a:t>Från ett javaprogram kan man använda en </a:t>
+            </a:r>
+            <a:r>
+              <a:rPr lang="sv-SE" dirty="0" err="1" smtClean="0"/>
+              <a:t>Groovyklass</a:t>
+            </a:r>
+            <a:r>
+              <a:rPr lang="sv-SE" dirty="0" smtClean="0"/>
+              <a:t> precis som vilken kompilerad klass som helst</a:t>
+            </a:r>
+          </a:p>
+          <a:p>
+            <a:r>
+              <a:rPr lang="sv-SE" dirty="0" smtClean="0"/>
+              <a:t>Från en </a:t>
+            </a:r>
+            <a:r>
+              <a:rPr lang="sv-SE" dirty="0" err="1" smtClean="0"/>
+              <a:t>Groovyklass</a:t>
+            </a:r>
+            <a:r>
+              <a:rPr lang="sv-SE" dirty="0" smtClean="0"/>
+              <a:t> kan man använda en Javaklass på precis samma sätt som man gör från </a:t>
+            </a:r>
+            <a:r>
+              <a:rPr lang="sv-SE" smtClean="0"/>
+              <a:t>en Javaklass</a:t>
             </a:r>
             <a:endParaRPr lang="sv-SE" dirty="0"/>
           </a:p>
@@ -3903,13 +4106,6 @@
   <p:clrMapOvr>
     <a:masterClrMapping/>
   </p:clrMapOvr>
-  <p:timing>
-    <p:tnLst>
-      <p:par>
-        <p:cTn id="1" dur="indefinite" restart="never" nodeType="tmRoot"/>
-      </p:par>
-    </p:tnLst>
-  </p:timing>
 </p:sld>
 </file>
 
@@ -3946,8 +4142,8 @@
           <a:lstStyle/>
           <a:p>
             <a:r>
-              <a:rPr lang="sv-SE" dirty="0" smtClean="0"/>
-              <a:t>En rubrik som inte ska bytas, sida 2</a:t>
+              <a:rPr lang="sv-SE" dirty="0" err="1" smtClean="0"/>
+              <a:t>HelloWorld.java</a:t>
             </a:r>
             <a:endParaRPr lang="sv-SE" dirty="0"/>
           </a:p>
@@ -3976,8 +4172,101 @@
               <a:t>[</a:t>
             </a:r>
             <a:r>
-              <a:rPr lang="sv-SE" smtClean="0"/>
-              <a:t>helloWorld.java]</a:t>
+              <a:rPr lang="sv-SE" dirty="0" err="1" smtClean="0"/>
+              <a:t>helloWorld.java</a:t>
+            </a:r>
+            <a:r>
+              <a:rPr lang="sv-SE" dirty="0" smtClean="0"/>
+              <a:t>]</a:t>
+            </a:r>
+            <a:endParaRPr lang="sv-SE" dirty="0"/>
+          </a:p>
+        </p:txBody>
+      </p:sp>
+    </p:spTree>
+  </p:cSld>
+  <p:clrMapOvr>
+    <a:masterClrMapping/>
+  </p:clrMapOvr>
+  <p:timing>
+    <p:tnLst>
+      <p:par>
+        <p:cTn id="1" dur="indefinite" restart="never" nodeType="tmRoot"/>
+      </p:par>
+    </p:tnLst>
+  </p:timing>
+</p:sld>
+</file>
+
+<file path=ppt/slides/slide17.xml><?xml version="1.0" encoding="utf-8"?>
+<p:sld xmlns:a="http://schemas.openxmlformats.org/drawingml/2006/main" xmlns:r="http://schemas.openxmlformats.org/officeDocument/2006/relationships" xmlns:p="http://schemas.openxmlformats.org/presentationml/2006/main">
+  <p:cSld>
+    <p:spTree>
+      <p:nvGrpSpPr>
+        <p:cNvPr id="1" name=""/>
+        <p:cNvGrpSpPr/>
+        <p:nvPr/>
+      </p:nvGrpSpPr>
+      <p:grpSpPr>
+        <a:xfrm>
+          <a:off x="0" y="0"/>
+          <a:ext cx="0" cy="0"/>
+          <a:chOff x="0" y="0"/>
+          <a:chExt cx="0" cy="0"/>
+        </a:xfrm>
+      </p:grpSpPr>
+      <p:sp>
+        <p:nvSpPr>
+          <p:cNvPr id="2" name="Rubrik 1"/>
+          <p:cNvSpPr>
+            <a:spLocks noGrp="1"/>
+          </p:cNvSpPr>
+          <p:nvPr>
+            <p:ph type="title"/>
+          </p:nvPr>
+        </p:nvSpPr>
+        <p:spPr/>
+        <p:txBody>
+          <a:bodyPr/>
+          <a:lstStyle/>
+          <a:p>
+            <a:r>
+              <a:rPr lang="sv-SE" dirty="0" err="1" smtClean="0"/>
+              <a:t>HelloWorld.groovy</a:t>
+            </a:r>
+            <a:endParaRPr lang="sv-SE" dirty="0"/>
+          </a:p>
+        </p:txBody>
+      </p:sp>
+      <p:sp>
+        <p:nvSpPr>
+          <p:cNvPr id="3" name="Platshållare för innehåll 2"/>
+          <p:cNvSpPr>
+            <a:spLocks noGrp="1"/>
+          </p:cNvSpPr>
+          <p:nvPr>
+            <p:ph idx="1"/>
+          </p:nvPr>
+        </p:nvSpPr>
+        <p:spPr/>
+        <p:txBody>
+          <a:bodyPr/>
+          <a:lstStyle/>
+          <a:p>
+            <a:pPr>
+              <a:buNone/>
+            </a:pPr>
+            <a:r>
+              <a:rPr lang="sv-SE" dirty="0" smtClean="0"/>
+              <a:t>[</a:t>
+            </a:r>
+            <a:r>
+              <a:rPr lang="sv-SE" dirty="0" err="1" smtClean="0"/>
+              <a:t>helloWorld.groovy</a:t>
+            </a:r>
+            <a:r>
+              <a:rPr lang="sv-SE" dirty="0" smtClean="0"/>
+              <a:t>]</a:t>
             </a:r>
             <a:endParaRPr lang="sv-SE" dirty="0"/>
           </a:p>
@@ -4031,121 +4320,66 @@
           <a:lstStyle/>
           <a:p>
             <a:r>
+              <a:rPr lang="sv-SE" dirty="0" smtClean="0"/>
+              <a:t>Historik</a:t>
+            </a:r>
+            <a:endParaRPr lang="sv-SE" dirty="0"/>
+          </a:p>
+        </p:txBody>
+      </p:sp>
+      <p:sp>
+        <p:nvSpPr>
+          <p:cNvPr id="3" name="Platshållare för innehåll 2"/>
+          <p:cNvSpPr>
+            <a:spLocks noGrp="1"/>
+          </p:cNvSpPr>
+          <p:nvPr>
+            <p:ph idx="1"/>
+          </p:nvPr>
+        </p:nvSpPr>
+        <p:spPr/>
+        <p:txBody>
+          <a:bodyPr/>
+          <a:lstStyle/>
+          <a:p>
+            <a:endParaRPr lang="sv-SE" dirty="0" smtClean="0"/>
+          </a:p>
+          <a:p>
+            <a:r>
+              <a:rPr lang="sv-SE" dirty="0" smtClean="0"/>
+              <a:t>Startades under 2003</a:t>
+            </a:r>
+          </a:p>
+          <a:p>
+            <a:r>
+              <a:rPr lang="sv-SE" dirty="0" smtClean="0"/>
+              <a:t>Lades på is 2004</a:t>
+            </a:r>
+          </a:p>
+          <a:p>
+            <a:r>
+              <a:rPr lang="sv-SE" dirty="0" smtClean="0"/>
+              <a:t>Ny grupp utvecklare tog över strax efter</a:t>
+            </a:r>
+          </a:p>
+          <a:p>
+            <a:r>
               <a:rPr lang="sv-SE" dirty="0" err="1" smtClean="0"/>
               <a:t>Groovy</a:t>
             </a:r>
-            <a:endParaRPr lang="sv-SE" dirty="0"/>
-          </a:p>
-        </p:txBody>
-      </p:sp>
-      <p:sp>
-        <p:nvSpPr>
-          <p:cNvPr id="3" name="Platshållare för innehåll 2"/>
-          <p:cNvSpPr>
-            <a:spLocks noGrp="1"/>
-          </p:cNvSpPr>
-          <p:nvPr>
-            <p:ph idx="1"/>
-          </p:nvPr>
-        </p:nvSpPr>
-        <p:spPr/>
-        <p:txBody>
-          <a:bodyPr>
-            <a:normAutofit fontScale="85000" lnSpcReduction="10000"/>
-          </a:bodyPr>
-          <a:lstStyle/>
-          <a:p>
-            <a:pPr>
-              <a:buNone/>
-            </a:pPr>
-            <a:r>
-              <a:rPr lang="en-US" i="1" dirty="0" smtClean="0"/>
-              <a:t>“…So I've been musing a little while if its time the Java platform had its own </a:t>
-            </a:r>
-            <a:r>
-              <a:rPr lang="en-US" i="1" dirty="0" smtClean="0">
-                <a:solidFill>
-                  <a:srgbClr val="FF0000"/>
-                </a:solidFill>
-              </a:rPr>
-              <a:t>dynamic language</a:t>
-            </a:r>
-            <a:r>
-              <a:rPr lang="en-US" i="1" dirty="0" smtClean="0"/>
-              <a:t> designed from the ground up to </a:t>
-            </a:r>
-            <a:r>
-              <a:rPr lang="en-US" i="1" dirty="0" smtClean="0">
-                <a:solidFill>
-                  <a:srgbClr val="FF0000"/>
-                </a:solidFill>
-              </a:rPr>
-              <a:t>work real nice with existing [Java] code</a:t>
-            </a:r>
-            <a:r>
-              <a:rPr lang="en-US" i="1" dirty="0" smtClean="0"/>
-              <a:t>; creating/extending objects normal Java can use and vice versa. </a:t>
-            </a:r>
-            <a:r>
-              <a:rPr lang="en-US" i="1" dirty="0" smtClean="0">
-                <a:solidFill>
-                  <a:srgbClr val="FF0000"/>
-                </a:solidFill>
-              </a:rPr>
-              <a:t>Python/</a:t>
-            </a:r>
-            <a:r>
-              <a:rPr lang="en-US" i="1" dirty="0" err="1" smtClean="0">
-                <a:solidFill>
-                  <a:srgbClr val="FF0000"/>
-                </a:solidFill>
-              </a:rPr>
-              <a:t>Jython's</a:t>
-            </a:r>
-            <a:r>
-              <a:rPr lang="en-US" i="1" dirty="0" smtClean="0">
-                <a:solidFill>
-                  <a:srgbClr val="FF0000"/>
-                </a:solidFill>
-              </a:rPr>
-              <a:t> a pretty good base - add the nice stuff from Ruby</a:t>
-            </a:r>
-            <a:r>
-              <a:rPr lang="en-US" i="1" dirty="0" smtClean="0"/>
-              <a:t> and maybe sprinkle on some </a:t>
-            </a:r>
-            <a:r>
-              <a:rPr lang="en-US" i="1" dirty="0" smtClean="0">
-                <a:solidFill>
-                  <a:srgbClr val="FF0000"/>
-                </a:solidFill>
-              </a:rPr>
-              <a:t>AOP features</a:t>
-            </a:r>
-            <a:r>
-              <a:rPr lang="en-US" i="1" dirty="0" smtClean="0"/>
-              <a:t> and we could have a really </a:t>
-            </a:r>
-            <a:r>
-              <a:rPr lang="en-US" i="1" dirty="0" smtClean="0">
-                <a:solidFill>
-                  <a:srgbClr val="FF0000"/>
-                </a:solidFill>
-              </a:rPr>
-              <a:t>Groovy</a:t>
-            </a:r>
-            <a:r>
-              <a:rPr lang="en-US" i="1" dirty="0" smtClean="0"/>
-              <a:t> new language for scripting Java objects, writing test cases and who knows, even doing real development in it.”</a:t>
-            </a:r>
-          </a:p>
-          <a:p>
-            <a:pPr algn="r">
-              <a:buNone/>
-            </a:pPr>
-            <a:r>
-              <a:rPr lang="en-US" i="1" dirty="0" smtClean="0"/>
-              <a:t>- James Strachan 2003</a:t>
+            <a:r>
+              <a:rPr lang="sv-SE" dirty="0" smtClean="0"/>
+              <a:t> version 1.0 släpptes 2:a Januari 2007</a:t>
+            </a:r>
+          </a:p>
+          <a:p>
+            <a:r>
+              <a:rPr lang="sv-SE" dirty="0" err="1" smtClean="0"/>
+              <a:t>JavaOne</a:t>
+            </a:r>
+            <a:r>
+              <a:rPr lang="sv-SE" dirty="0" smtClean="0"/>
+              <a:t> 2008</a:t>
             </a:r>
           </a:p>
         </p:txBody>
@@ -4199,7 +4433,7 @@
           <a:p>
             <a:r>
               <a:rPr lang="sv-SE" dirty="0" smtClean="0"/>
-              <a:t>Historik</a:t>
+              <a:t>Dynamiska språk</a:t>
             </a:r>
             <a:endParaRPr lang="sv-SE" dirty="0"/>
           </a:p>
@@ -4220,55 +4454,49 @@
           <a:bodyPr/>
           <a:lstStyle/>
           <a:p>
-            <a:endParaRPr lang="sv-SE" dirty="0" smtClean="0"/>
-          </a:p>
-          <a:p>
-            <a:r>
-              <a:rPr lang="sv-SE" dirty="0" smtClean="0"/>
-              <a:t>Startades under 2003</a:t>
-            </a:r>
-          </a:p>
-          <a:p>
-            <a:r>
-              <a:rPr lang="sv-SE" dirty="0" smtClean="0"/>
-              <a:t>Lades </a:t>
-            </a:r>
-            <a:r>
-              <a:rPr lang="sv-SE" dirty="0" smtClean="0"/>
-              <a:t>på is 2004</a:t>
-            </a:r>
-            <a:endParaRPr lang="sv-SE" dirty="0" smtClean="0"/>
-          </a:p>
-          <a:p>
-            <a:r>
-              <a:rPr lang="sv-SE" dirty="0" smtClean="0"/>
-              <a:t>Ny grupp utvecklare tog över strax efter</a:t>
-            </a:r>
-          </a:p>
-          <a:p>
+            <a:r>
+              <a:rPr lang="en-US" dirty="0" smtClean="0"/>
+              <a:t>Dynamic programming language is a term used broadly in computer science to describe a class of high level programming languages that </a:t>
+            </a:r>
+            <a:r>
+              <a:rPr lang="en-US" dirty="0" smtClean="0">
+                <a:solidFill>
+                  <a:srgbClr val="FF0000"/>
+                </a:solidFill>
+              </a:rPr>
+              <a:t>execute at runtime</a:t>
+            </a:r>
+            <a:r>
+              <a:rPr lang="en-US" dirty="0" smtClean="0"/>
+              <a:t> </a:t>
+            </a:r>
+            <a:r>
+              <a:rPr lang="en-US" dirty="0" smtClean="0">
+                <a:solidFill>
+                  <a:srgbClr val="FF0000"/>
+                </a:solidFill>
+              </a:rPr>
+              <a:t>many common behaviors that other languages might perform during compilation</a:t>
+            </a:r>
+            <a:r>
+              <a:rPr lang="sv-SE" dirty="0" smtClean="0"/>
+              <a:t>, </a:t>
+            </a:r>
             <a:r>
               <a:rPr lang="sv-SE" dirty="0" err="1" smtClean="0"/>
-              <a:t>Groovy</a:t>
-            </a:r>
-            <a:r>
-              <a:rPr lang="sv-SE" dirty="0" smtClean="0"/>
-              <a:t> version 1.0 släpptes 2:a Januari </a:t>
-            </a:r>
-            <a:r>
-              <a:rPr lang="sv-SE" dirty="0" smtClean="0"/>
-              <a:t>2007</a:t>
-            </a:r>
-          </a:p>
-          <a:p>
-            <a:r>
-              <a:rPr lang="sv-SE" dirty="0" err="1" smtClean="0"/>
-              <a:t>JavaOne</a:t>
-            </a:r>
-            <a:r>
-              <a:rPr lang="sv-SE" dirty="0" smtClean="0"/>
-              <a:t> 2008</a:t>
-            </a:r>
-            <a:endParaRPr lang="sv-SE" dirty="0" smtClean="0"/>
+              <a:t>if</a:t>
+            </a:r>
+            <a:r>
+              <a:rPr lang="sv-SE" dirty="0" smtClean="0"/>
+              <a:t> at all.</a:t>
+            </a:r>
+          </a:p>
+          <a:p>
+            <a:r>
+              <a:rPr lang="sv-SE" dirty="0" smtClean="0"/>
+              <a:t>Många, men inte alla, dynamiska språk har dynamisk typning</a:t>
+            </a:r>
+            <a:endParaRPr lang="sv-SE" dirty="0"/>
           </a:p>
         </p:txBody>
       </p:sp>
@@ -4321,7 +4549,11 @@
           <a:p>
             <a:r>
               <a:rPr lang="sv-SE" dirty="0" smtClean="0"/>
-              <a:t>Dynamiska språk</a:t>
+              <a:t>Nackdelar </a:t>
+            </a:r>
+            <a:r>
+              <a:rPr lang="sv-SE" dirty="0" smtClean="0"/>
+              <a:t>med dynamiska språk</a:t>
             </a:r>
             <a:endParaRPr lang="sv-SE" dirty="0"/>
           </a:p>
@@ -4343,36 +4575,15 @@
           <a:lstStyle/>
           <a:p>
             <a:r>
-              <a:rPr lang="en-US" dirty="0" smtClean="0"/>
-              <a:t>Dynamic programming language is a term used broadly in computer science to describe a class of high level programming languages that execute at runtime many common behaviors that other languages might perform during </a:t>
-            </a:r>
-            <a:r>
-              <a:rPr lang="en-US" dirty="0" smtClean="0"/>
-              <a:t>compilation</a:t>
-            </a:r>
-            <a:r>
-              <a:rPr lang="sv-SE" dirty="0" smtClean="0"/>
-              <a:t>, </a:t>
-            </a:r>
-            <a:r>
-              <a:rPr lang="sv-SE" dirty="0" err="1" smtClean="0"/>
-              <a:t>if</a:t>
-            </a:r>
-            <a:r>
-              <a:rPr lang="sv-SE" dirty="0" smtClean="0"/>
-              <a:t> at </a:t>
-            </a:r>
-            <a:r>
-              <a:rPr lang="sv-SE" dirty="0" smtClean="0"/>
-              <a:t>all.</a:t>
-            </a:r>
-          </a:p>
-          <a:p>
-            <a:r>
-              <a:rPr lang="sv-SE" dirty="0" smtClean="0"/>
-              <a:t>Många, men inte alla, dynamiska språk har dynamisk typning</a:t>
-            </a:r>
-            <a:endParaRPr lang="sv-SE" dirty="0"/>
+              <a:rPr lang="sv-SE" dirty="0" smtClean="0"/>
+              <a:t>Sämre prestanda</a:t>
+            </a:r>
+          </a:p>
+          <a:p>
+            <a:r>
+              <a:rPr lang="sv-SE" dirty="0" smtClean="0"/>
+              <a:t>(Större behov av enhetstester)</a:t>
+            </a:r>
           </a:p>
         </p:txBody>
       </p:sp>
@@ -4453,11 +4664,7 @@
           <a:p>
             <a:r>
               <a:rPr lang="sv-SE" dirty="0" smtClean="0"/>
-              <a:t>Möjlighet att ändra hur språket </a:t>
-            </a:r>
-            <a:r>
-              <a:rPr lang="sv-SE" dirty="0" smtClean="0"/>
-              <a:t>fungerar</a:t>
+              <a:t>Möjlighet att ändra hur språket fungerar</a:t>
             </a:r>
           </a:p>
           <a:p>
@@ -4465,7 +4672,6 @@
               <a:rPr lang="sv-SE" dirty="0" smtClean="0"/>
               <a:t>Metaprogrammering</a:t>
             </a:r>
-            <a:endParaRPr lang="sv-SE" dirty="0" smtClean="0"/>
           </a:p>
           <a:p>
             <a:pPr lvl="1"/>
@@ -4630,6 +4836,13 @@
   <p:clrMapOvr>
     <a:masterClrMapping/>
   </p:clrMapOvr>
+  <p:timing>
+    <p:tnLst>
+      <p:par>
+        <p:cTn id="1" dur="indefinite" restart="never" nodeType="tmRoot"/>
+      </p:par>
+    </p:tnLst>
+  </p:timing>
 </p:sld>
 </file>
 
@@ -4706,11 +4919,7 @@
             </a:r>
             <a:r>
               <a:rPr lang="sv-SE" dirty="0" smtClean="0"/>
-              <a:t> och liknande språk kallas GPL</a:t>
-            </a:r>
-            <a:r>
-              <a:rPr lang="sv-SE" dirty="0" smtClean="0"/>
-              <a:t>, General </a:t>
+              <a:t> och liknande språk kallas GPL, General </a:t>
             </a:r>
             <a:r>
               <a:rPr lang="sv-SE" dirty="0" err="1" smtClean="0"/>
@@ -4718,13 +4927,8 @@
             </a:r>
             <a:r>
               <a:rPr lang="sv-SE" dirty="0" smtClean="0"/>
-              <a:t> </a:t>
-            </a:r>
-            <a:r>
-              <a:rPr lang="sv-SE" dirty="0" smtClean="0"/>
-              <a:t>Languages. </a:t>
-            </a:r>
-            <a:endParaRPr lang="sv-SE" dirty="0" smtClean="0"/>
+              <a:t> Languages. </a:t>
+            </a:r>
           </a:p>
           <a:p>
             <a:r>
@@ -4946,7 +5150,6 @@
               <a:rPr lang="sv-SE" dirty="0" smtClean="0"/>
               <a:t>Intern DSL</a:t>
             </a:r>
-            <a:endParaRPr lang="sv-SE" dirty="0" smtClean="0"/>
           </a:p>
           <a:p>
             <a:pPr lvl="1"/>
@@ -4954,7 +5157,6 @@
               <a:rPr lang="sv-SE" dirty="0" smtClean="0"/>
               <a:t>Extern DSL</a:t>
             </a:r>
-            <a:endParaRPr lang="sv-SE" dirty="0" smtClean="0"/>
           </a:p>
         </p:txBody>
       </p:sp>

--- a/groovyseminarie/dokument/groovyseminarium_source.pptx
+++ b/groovyseminarie/dokument/groovyseminarium_source.pptx
@@ -17,11 +17,17 @@
     <p:sldId id="266" r:id="rId11"/>
     <p:sldId id="267" r:id="rId12"/>
     <p:sldId id="268" r:id="rId13"/>
-    <p:sldId id="269" r:id="rId14"/>
-    <p:sldId id="270" r:id="rId15"/>
-    <p:sldId id="273" r:id="rId16"/>
-    <p:sldId id="257" r:id="rId17"/>
-    <p:sldId id="271" r:id="rId18"/>
+    <p:sldId id="280" r:id="rId14"/>
+    <p:sldId id="269" r:id="rId15"/>
+    <p:sldId id="270" r:id="rId16"/>
+    <p:sldId id="276" r:id="rId17"/>
+    <p:sldId id="275" r:id="rId18"/>
+    <p:sldId id="273" r:id="rId19"/>
+    <p:sldId id="279" r:id="rId20"/>
+    <p:sldId id="257" r:id="rId21"/>
+    <p:sldId id="271" r:id="rId22"/>
+    <p:sldId id="278" r:id="rId23"/>
+    <p:sldId id="277" r:id="rId24"/>
   </p:sldIdLst>
   <p:sldSz cx="9144000" cy="6858000" type="screen4x3"/>
   <p:notesSz cx="6858000" cy="9144000"/>
@@ -305,7 +311,7 @@
             <a:fld id="{347BD319-C441-4740-BDB2-35E25C52CCE7}" type="datetimeFigureOut">
               <a:rPr lang="sv-SE" smtClean="0"/>
               <a:pPr/>
-              <a:t>2008-08-25</a:t>
+              <a:t>2008-09-01</a:t>
             </a:fld>
             <a:endParaRPr lang="sv-SE"/>
           </a:p>
@@ -472,7 +478,7 @@
             <a:fld id="{347BD319-C441-4740-BDB2-35E25C52CCE7}" type="datetimeFigureOut">
               <a:rPr lang="sv-SE" smtClean="0"/>
               <a:pPr/>
-              <a:t>2008-08-25</a:t>
+              <a:t>2008-09-01</a:t>
             </a:fld>
             <a:endParaRPr lang="sv-SE"/>
           </a:p>
@@ -649,7 +655,7 @@
             <a:fld id="{347BD319-C441-4740-BDB2-35E25C52CCE7}" type="datetimeFigureOut">
               <a:rPr lang="sv-SE" smtClean="0"/>
               <a:pPr/>
-              <a:t>2008-08-25</a:t>
+              <a:t>2008-09-01</a:t>
             </a:fld>
             <a:endParaRPr lang="sv-SE"/>
           </a:p>
@@ -816,7 +822,7 @@
             <a:fld id="{347BD319-C441-4740-BDB2-35E25C52CCE7}" type="datetimeFigureOut">
               <a:rPr lang="sv-SE" smtClean="0"/>
               <a:pPr/>
-              <a:t>2008-08-25</a:t>
+              <a:t>2008-09-01</a:t>
             </a:fld>
             <a:endParaRPr lang="sv-SE"/>
           </a:p>
@@ -1059,7 +1065,7 @@
             <a:fld id="{347BD319-C441-4740-BDB2-35E25C52CCE7}" type="datetimeFigureOut">
               <a:rPr lang="sv-SE" smtClean="0"/>
               <a:pPr/>
-              <a:t>2008-08-25</a:t>
+              <a:t>2008-09-01</a:t>
             </a:fld>
             <a:endParaRPr lang="sv-SE"/>
           </a:p>
@@ -1344,7 +1350,7 @@
             <a:fld id="{347BD319-C441-4740-BDB2-35E25C52CCE7}" type="datetimeFigureOut">
               <a:rPr lang="sv-SE" smtClean="0"/>
               <a:pPr/>
-              <a:t>2008-08-25</a:t>
+              <a:t>2008-09-01</a:t>
             </a:fld>
             <a:endParaRPr lang="sv-SE"/>
           </a:p>
@@ -1763,7 +1769,7 @@
             <a:fld id="{347BD319-C441-4740-BDB2-35E25C52CCE7}" type="datetimeFigureOut">
               <a:rPr lang="sv-SE" smtClean="0"/>
               <a:pPr/>
-              <a:t>2008-08-25</a:t>
+              <a:t>2008-09-01</a:t>
             </a:fld>
             <a:endParaRPr lang="sv-SE"/>
           </a:p>
@@ -1878,7 +1884,7 @@
             <a:fld id="{347BD319-C441-4740-BDB2-35E25C52CCE7}" type="datetimeFigureOut">
               <a:rPr lang="sv-SE" smtClean="0"/>
               <a:pPr/>
-              <a:t>2008-08-25</a:t>
+              <a:t>2008-09-01</a:t>
             </a:fld>
             <a:endParaRPr lang="sv-SE"/>
           </a:p>
@@ -1970,7 +1976,7 @@
             <a:fld id="{347BD319-C441-4740-BDB2-35E25C52CCE7}" type="datetimeFigureOut">
               <a:rPr lang="sv-SE" smtClean="0"/>
               <a:pPr/>
-              <a:t>2008-08-25</a:t>
+              <a:t>2008-09-01</a:t>
             </a:fld>
             <a:endParaRPr lang="sv-SE"/>
           </a:p>
@@ -2244,7 +2250,7 @@
             <a:fld id="{347BD319-C441-4740-BDB2-35E25C52CCE7}" type="datetimeFigureOut">
               <a:rPr lang="sv-SE" smtClean="0"/>
               <a:pPr/>
-              <a:t>2008-08-25</a:t>
+              <a:t>2008-09-01</a:t>
             </a:fld>
             <a:endParaRPr lang="sv-SE"/>
           </a:p>
@@ -2494,7 +2500,7 @@
             <a:fld id="{347BD319-C441-4740-BDB2-35E25C52CCE7}" type="datetimeFigureOut">
               <a:rPr lang="sv-SE" smtClean="0"/>
               <a:pPr/>
-              <a:t>2008-08-25</a:t>
+              <a:t>2008-09-01</a:t>
             </a:fld>
             <a:endParaRPr lang="sv-SE"/>
           </a:p>
@@ -2704,7 +2710,7 @@
             <a:fld id="{347BD319-C441-4740-BDB2-35E25C52CCE7}" type="datetimeFigureOut">
               <a:rPr lang="sv-SE" smtClean="0"/>
               <a:pPr/>
-              <a:t>2008-08-25</a:t>
+              <a:t>2008-09-01</a:t>
             </a:fld>
             <a:endParaRPr lang="sv-SE"/>
           </a:p>
@@ -3326,6 +3332,13 @@
   <p:clrMapOvr>
     <a:masterClrMapping/>
   </p:clrMapOvr>
+  <p:timing>
+    <p:tnLst>
+      <p:par>
+        <p:cTn id="1" dur="indefinite" restart="never" nodeType="tmRoot"/>
+      </p:par>
+    </p:tnLst>
+  </p:timing>
 </p:sld>
 </file>
 
@@ -3410,6 +3423,13 @@
   <p:clrMapOvr>
     <a:masterClrMapping/>
   </p:clrMapOvr>
+  <p:timing>
+    <p:tnLst>
+      <p:par>
+        <p:cTn id="1" dur="indefinite" restart="never" nodeType="tmRoot"/>
+      </p:par>
+    </p:tnLst>
+  </p:timing>
 </p:sld>
 </file>
 
@@ -3474,7 +3494,9 @@
           </a:bodyPr>
           <a:lstStyle/>
           <a:p>
-            <a:pPr lvl="1"/>
+            <a:pPr lvl="1">
+              <a:buNone/>
+            </a:pPr>
             <a:r>
               <a:rPr lang="sv-SE" dirty="0" smtClean="0">
                 <a:latin typeface="Courier New" pitchFamily="49" charset="0"/>
@@ -3491,7 +3513,9 @@
             </a:endParaRPr>
           </a:p>
           <a:p>
-            <a:pPr lvl="1"/>
+            <a:pPr lvl="1">
+              <a:buNone/>
+            </a:pPr>
             <a:r>
               <a:rPr lang="sv-SE" sz="2400" dirty="0" err="1" smtClean="0">
                 <a:latin typeface="Courier New" pitchFamily="49" charset="0"/>
@@ -3633,7 +3657,7 @@
                 <a:latin typeface="Courier New" pitchFamily="49" charset="0"/>
                 <a:cs typeface="Courier New" pitchFamily="49" charset="0"/>
               </a:rPr>
-              <a:t> visa, ’1234-1234-1234-1234</a:t>
+              <a:t> visa, ’1234-1234-1234-1234’</a:t>
             </a:r>
           </a:p>
           <a:p>
@@ -3698,22 +3722,16 @@
         </p:nvSpPr>
         <p:spPr/>
         <p:txBody>
-          <a:bodyPr>
-            <a:normAutofit/>
-          </a:bodyPr>
-          <a:lstStyle/>
-          <a:p>
-            <a:r>
-              <a:rPr lang="sv-SE" dirty="0" smtClean="0"/>
-              <a:t>Varför </a:t>
+          <a:bodyPr/>
+          <a:lstStyle/>
+          <a:p>
+            <a:r>
+              <a:rPr lang="sv-SE" dirty="0" smtClean="0"/>
+              <a:t>DSL i </a:t>
             </a:r>
             <a:r>
               <a:rPr lang="sv-SE" dirty="0" err="1" smtClean="0"/>
-              <a:t>Groovy</a:t>
-            </a:r>
-            <a:r>
-              <a:rPr lang="sv-SE" dirty="0" smtClean="0"/>
-              <a:t>?</a:t>
+              <a:t>Grails</a:t>
             </a:r>
             <a:endParaRPr lang="sv-SE" dirty="0"/>
           </a:p>
@@ -3731,108 +3749,21 @@
         </p:nvSpPr>
         <p:spPr/>
         <p:txBody>
-          <a:bodyPr>
-            <a:normAutofit lnSpcReduction="10000"/>
-          </a:bodyPr>
-          <a:lstStyle/>
-          <a:p>
-            <a:r>
-              <a:rPr lang="sv-SE" dirty="0" smtClean="0"/>
-              <a:t>Det finns andra dynamiska språk som hanterar allt ovan, vissa bättre än </a:t>
-            </a:r>
-            <a:r>
-              <a:rPr lang="sv-SE" dirty="0" err="1" smtClean="0"/>
-              <a:t>Groovy</a:t>
-            </a:r>
-            <a:endParaRPr lang="sv-SE" dirty="0" smtClean="0"/>
-          </a:p>
-          <a:p>
-            <a:r>
-              <a:rPr lang="sv-SE" dirty="0" smtClean="0"/>
-              <a:t>Det </a:t>
-            </a:r>
-            <a:r>
-              <a:rPr lang="sv-SE" dirty="0" smtClean="0"/>
-              <a:t>finns ca 150 språk som kan köras på </a:t>
-            </a:r>
-            <a:r>
-              <a:rPr lang="sv-SE" dirty="0" err="1" smtClean="0"/>
-              <a:t>java-plattformen</a:t>
-            </a:r>
-            <a:endParaRPr lang="sv-SE" dirty="0" smtClean="0"/>
-          </a:p>
-          <a:p>
-            <a:pPr lvl="1"/>
-            <a:r>
-              <a:rPr lang="sv-SE" dirty="0" smtClean="0"/>
-              <a:t>Ruby (</a:t>
-            </a:r>
-            <a:r>
-              <a:rPr lang="sv-SE" dirty="0" err="1" smtClean="0"/>
-              <a:t>jRuby</a:t>
-            </a:r>
-            <a:r>
-              <a:rPr lang="sv-SE" dirty="0" smtClean="0"/>
-              <a:t>)</a:t>
-            </a:r>
-          </a:p>
-          <a:p>
-            <a:pPr lvl="1"/>
-            <a:r>
-              <a:rPr lang="sv-SE" dirty="0" err="1" smtClean="0"/>
-              <a:t>Python</a:t>
-            </a:r>
-            <a:r>
-              <a:rPr lang="sv-SE" dirty="0" smtClean="0"/>
-              <a:t> (</a:t>
-            </a:r>
-            <a:r>
-              <a:rPr lang="sv-SE" dirty="0" err="1" smtClean="0"/>
-              <a:t>Jython</a:t>
-            </a:r>
-            <a:r>
-              <a:rPr lang="sv-SE" dirty="0" smtClean="0"/>
-              <a:t>)</a:t>
-            </a:r>
-          </a:p>
-          <a:p>
-            <a:pPr lvl="1"/>
-            <a:r>
-              <a:rPr lang="sv-SE" dirty="0" err="1" smtClean="0"/>
-              <a:t>BeanShell</a:t>
-            </a:r>
-            <a:endParaRPr lang="sv-SE" dirty="0" smtClean="0"/>
-          </a:p>
-          <a:p>
-            <a:pPr lvl="1"/>
-            <a:r>
-              <a:rPr lang="sv-SE" dirty="0" smtClean="0"/>
-              <a:t>JavaScript</a:t>
-            </a:r>
-          </a:p>
-          <a:p>
-            <a:r>
-              <a:rPr lang="sv-SE" dirty="0" smtClean="0"/>
-              <a:t>Varför </a:t>
-            </a:r>
-            <a:r>
-              <a:rPr lang="sv-SE" dirty="0" err="1" smtClean="0"/>
-              <a:t>G</a:t>
-            </a:r>
-            <a:r>
-              <a:rPr lang="sv-SE" dirty="0" err="1" smtClean="0"/>
-              <a:t>roovy</a:t>
-            </a:r>
-            <a:r>
-              <a:rPr lang="sv-SE" dirty="0" smtClean="0"/>
-              <a:t>?</a:t>
-            </a:r>
-          </a:p>
-          <a:p>
-            <a:pPr lvl="1">
+          <a:bodyPr/>
+          <a:lstStyle/>
+          <a:p>
+            <a:pPr>
               <a:buNone/>
             </a:pPr>
-            <a:endParaRPr lang="sv-SE" dirty="0" smtClean="0"/>
+            <a:r>
+              <a:rPr lang="sv-SE" dirty="0" smtClean="0"/>
+              <a:t>[</a:t>
+            </a:r>
+            <a:r>
+              <a:rPr lang="sv-SE" smtClean="0"/>
+              <a:t>GrailsDomainClass.groovy]</a:t>
+            </a:r>
+            <a:endParaRPr lang="sv-SE" dirty="0"/>
           </a:p>
         </p:txBody>
       </p:sp>
@@ -3873,17 +3804,23 @@
         </p:nvSpPr>
         <p:spPr/>
         <p:txBody>
-          <a:bodyPr/>
-          <a:lstStyle/>
-          <a:p>
-            <a:r>
-              <a:rPr lang="sv-SE" dirty="0" smtClean="0"/>
-              <a:t>Fördelar med </a:t>
+          <a:bodyPr>
+            <a:normAutofit/>
+          </a:bodyPr>
+          <a:lstStyle/>
+          <a:p>
+            <a:r>
+              <a:rPr lang="sv-SE" dirty="0" smtClean="0"/>
+              <a:t>Varför </a:t>
             </a:r>
             <a:r>
               <a:rPr lang="sv-SE" dirty="0" err="1" smtClean="0"/>
               <a:t>Groovy</a:t>
             </a:r>
+            <a:r>
+              <a:rPr lang="sv-SE" dirty="0" smtClean="0"/>
+              <a:t>?</a:t>
+            </a:r>
             <a:endParaRPr lang="sv-SE" dirty="0"/>
           </a:p>
         </p:txBody>
@@ -3900,58 +3837,100 @@
         </p:nvSpPr>
         <p:spPr/>
         <p:txBody>
-          <a:bodyPr/>
-          <a:lstStyle/>
-          <a:p>
-            <a:r>
-              <a:rPr lang="sv-SE" dirty="0" smtClean="0"/>
-              <a:t>Enkelt att lära för en Javaprogrammerare</a:t>
-            </a:r>
-          </a:p>
-          <a:p>
-            <a:r>
-              <a:rPr lang="sv-SE" dirty="0" smtClean="0"/>
-              <a:t>Helt kompatibelt med existerande Javaprojekt</a:t>
-            </a:r>
-          </a:p>
-          <a:p>
+          <a:bodyPr>
+            <a:normAutofit lnSpcReduction="10000"/>
+          </a:bodyPr>
+          <a:lstStyle/>
+          <a:p>
+            <a:r>
+              <a:rPr lang="sv-SE" dirty="0" smtClean="0"/>
+              <a:t>Det finns andra dynamiska språk som hanterar allt ovan, vissa bättre än </a:t>
+            </a:r>
             <a:r>
               <a:rPr lang="sv-SE" dirty="0" err="1" smtClean="0"/>
               <a:t>Groovy</a:t>
             </a:r>
-            <a:r>
-              <a:rPr lang="sv-SE" dirty="0" smtClean="0"/>
-              <a:t> ÄR Java – kompileras till .</a:t>
+            <a:endParaRPr lang="sv-SE" dirty="0" smtClean="0"/>
+          </a:p>
+          <a:p>
+            <a:r>
+              <a:rPr lang="sv-SE" dirty="0" smtClean="0"/>
+              <a:t>Det finns ca 150 språk som kan köras på </a:t>
             </a:r>
             <a:r>
               <a:rPr lang="sv-SE" dirty="0" err="1" smtClean="0"/>
-              <a:t>class-filer</a:t>
+              <a:t>java-plattformen</a:t>
             </a:r>
             <a:endParaRPr lang="sv-SE" dirty="0" smtClean="0"/>
           </a:p>
           <a:p>
-            <a:r>
-              <a:rPr lang="sv-SE" dirty="0" smtClean="0"/>
-              <a:t>Lätt att börja med, man kan skriva Java istället om man är osäker på </a:t>
+            <a:pPr lvl="1"/>
+            <a:r>
+              <a:rPr lang="sv-SE" dirty="0" smtClean="0"/>
+              <a:t>Ruby (</a:t>
             </a:r>
             <a:r>
               <a:rPr lang="sv-SE" dirty="0" err="1" smtClean="0"/>
-              <a:t>Groovy-syntax</a:t>
+              <a:t>jRuby</a:t>
+            </a:r>
+            <a:r>
+              <a:rPr lang="sv-SE" dirty="0" smtClean="0"/>
+              <a:t>)</a:t>
+            </a:r>
+          </a:p>
+          <a:p>
+            <a:pPr lvl="1"/>
+            <a:r>
+              <a:rPr lang="sv-SE" dirty="0" err="1" smtClean="0"/>
+              <a:t>Python</a:t>
+            </a:r>
+            <a:r>
+              <a:rPr lang="sv-SE" dirty="0" smtClean="0"/>
+              <a:t> (</a:t>
+            </a:r>
+            <a:r>
+              <a:rPr lang="sv-SE" dirty="0" err="1" smtClean="0"/>
+              <a:t>Jython</a:t>
+            </a:r>
+            <a:r>
+              <a:rPr lang="sv-SE" dirty="0" smtClean="0"/>
+              <a:t>)</a:t>
+            </a:r>
+          </a:p>
+          <a:p>
+            <a:pPr lvl="1"/>
+            <a:r>
+              <a:rPr lang="sv-SE" dirty="0" err="1" smtClean="0"/>
+              <a:t>BeanShell</a:t>
             </a:r>
             <a:endParaRPr lang="sv-SE" dirty="0" smtClean="0"/>
           </a:p>
           <a:p>
-            <a:r>
-              <a:rPr lang="sv-SE" dirty="0" smtClean="0"/>
-              <a:t>Dynamiskt</a:t>
-            </a:r>
-          </a:p>
-          <a:p>
-            <a:r>
-              <a:rPr lang="sv-SE" dirty="0" smtClean="0"/>
-              <a:t>Utökar JDK för att förenkla utveckling</a:t>
-            </a:r>
-            <a:endParaRPr lang="sv-SE" dirty="0"/>
+            <a:pPr lvl="1"/>
+            <a:r>
+              <a:rPr lang="sv-SE" dirty="0" smtClean="0"/>
+              <a:t>JavaScript</a:t>
+            </a:r>
+          </a:p>
+          <a:p>
+            <a:r>
+              <a:rPr lang="sv-SE" dirty="0" smtClean="0"/>
+              <a:t>Varför </a:t>
+            </a:r>
+            <a:r>
+              <a:rPr lang="sv-SE" dirty="0" err="1" smtClean="0"/>
+              <a:t>Groovy</a:t>
+            </a:r>
+            <a:r>
+              <a:rPr lang="sv-SE" dirty="0" smtClean="0"/>
+              <a:t>?</a:t>
+            </a:r>
+          </a:p>
+          <a:p>
+            <a:pPr lvl="1">
+              <a:buNone/>
+            </a:pPr>
+            <a:endParaRPr lang="sv-SE" dirty="0" smtClean="0"/>
           </a:p>
         </p:txBody>
       </p:sp>
@@ -4004,16 +3983,12 @@
           <a:p>
             <a:r>
               <a:rPr lang="sv-SE" dirty="0" smtClean="0"/>
-              <a:t>Java och </a:t>
+              <a:t>Fördelar med </a:t>
             </a:r>
             <a:r>
               <a:rPr lang="sv-SE" dirty="0" err="1" smtClean="0"/>
               <a:t>Groovy</a:t>
             </a:r>
-            <a:r>
-              <a:rPr lang="sv-SE" dirty="0" smtClean="0"/>
-              <a:t> tillsammans</a:t>
-            </a:r>
             <a:endParaRPr lang="sv-SE" dirty="0"/>
           </a:p>
         </p:txBody>
@@ -4030,72 +4005,45 @@
         </p:nvSpPr>
         <p:spPr/>
         <p:txBody>
-          <a:bodyPr>
-            <a:normAutofit fontScale="92500"/>
-          </a:bodyPr>
-          <a:lstStyle/>
+          <a:bodyPr/>
+          <a:lstStyle/>
+          <a:p>
+            <a:r>
+              <a:rPr lang="sv-SE" dirty="0" smtClean="0"/>
+              <a:t>Enkelt att lära för en Javaprogrammerare</a:t>
+            </a:r>
+          </a:p>
+          <a:p>
+            <a:r>
+              <a:rPr lang="sv-SE" dirty="0" smtClean="0"/>
+              <a:t>Helt kompatibelt med existerande Javaprojekt</a:t>
+            </a:r>
+          </a:p>
           <a:p>
             <a:r>
               <a:rPr lang="sv-SE" dirty="0" err="1" smtClean="0"/>
-              <a:t>Groovyklasser</a:t>
-            </a:r>
-            <a:r>
-              <a:rPr lang="sv-SE" dirty="0" smtClean="0"/>
-              <a:t> kompileras till .</a:t>
+              <a:t>Groovy</a:t>
+            </a:r>
+            <a:r>
+              <a:rPr lang="sv-SE" dirty="0" smtClean="0"/>
+              <a:t> ÄR Java – kompileras till .</a:t>
             </a:r>
             <a:r>
               <a:rPr lang="sv-SE" dirty="0" err="1" smtClean="0"/>
               <a:t>class-filer</a:t>
             </a:r>
-            <a:r>
-              <a:rPr lang="sv-SE" dirty="0" smtClean="0"/>
-              <a:t> </a:t>
-            </a:r>
-          </a:p>
-          <a:p>
-            <a:r>
-              <a:rPr lang="sv-SE" dirty="0" smtClean="0"/>
-              <a:t>Ett javaprogram vet inte, och bryr sig inte, om en klass är kompilerad från </a:t>
-            </a:r>
-            <a:r>
-              <a:rPr lang="sv-SE" dirty="0" err="1" smtClean="0"/>
-              <a:t>Groovy</a:t>
-            </a:r>
-            <a:r>
-              <a:rPr lang="sv-SE" dirty="0" smtClean="0"/>
-              <a:t> eller från Java</a:t>
-            </a:r>
-          </a:p>
-          <a:p>
-            <a:r>
-              <a:rPr lang="sv-SE" dirty="0" smtClean="0"/>
-              <a:t>Från ett javaprogram kan man använda en </a:t>
-            </a:r>
-            <a:r>
-              <a:rPr lang="sv-SE" dirty="0" err="1" smtClean="0"/>
-              <a:t>Groovyklass</a:t>
-            </a:r>
-            <a:r>
-              <a:rPr lang="sv-SE" dirty="0" smtClean="0"/>
-              <a:t> precis som vilken kompilerad klass som helst</a:t>
-            </a:r>
-          </a:p>
-          <a:p>
-            <a:r>
-              <a:rPr lang="sv-SE" dirty="0" smtClean="0"/>
-              <a:t>Från en </a:t>
-            </a:r>
-            <a:r>
-              <a:rPr lang="sv-SE" dirty="0" err="1" smtClean="0"/>
-              <a:t>Groovyklass</a:t>
-            </a:r>
-            <a:r>
-              <a:rPr lang="sv-SE" dirty="0" smtClean="0"/>
-              <a:t> kan man använda en Javaklass på precis samma sätt som man gör från </a:t>
-            </a:r>
-            <a:r>
-              <a:rPr lang="sv-SE" smtClean="0"/>
-              <a:t>en Javaklass</a:t>
+            <a:endParaRPr lang="sv-SE" dirty="0" smtClean="0"/>
+          </a:p>
+          <a:p>
+            <a:r>
+              <a:rPr lang="sv-SE" dirty="0" smtClean="0"/>
+              <a:t>Dynamiskt</a:t>
+            </a:r>
+          </a:p>
+          <a:p>
+            <a:r>
+              <a:rPr lang="sv-SE" dirty="0" smtClean="0"/>
+              <a:t>Utökar JDK för att förenkla utveckling</a:t>
             </a:r>
             <a:endParaRPr lang="sv-SE" dirty="0"/>
           </a:p>
@@ -4106,6 +4054,13 @@
   <p:clrMapOvr>
     <a:masterClrMapping/>
   </p:clrMapOvr>
+  <p:timing>
+    <p:tnLst>
+      <p:par>
+        <p:cTn id="1" dur="indefinite" restart="never" nodeType="tmRoot"/>
+      </p:par>
+    </p:tnLst>
+  </p:timing>
 </p:sld>
 </file>
 
@@ -4142,6 +4097,10 @@
           <a:lstStyle/>
           <a:p>
             <a:r>
+              <a:rPr lang="sv-SE" dirty="0" smtClean="0"/>
+              <a:t>Enkelt att lära: </a:t>
+            </a:r>
+            <a:r>
               <a:rPr lang="sv-SE" dirty="0" err="1" smtClean="0"/>
               <a:t>HelloWorld.java</a:t>
             </a:r>
@@ -4179,6 +4138,8 @@
               <a:rPr lang="sv-SE" dirty="0" smtClean="0"/>
               <a:t>]</a:t>
             </a:r>
+          </a:p>
+          <a:p>
             <a:endParaRPr lang="sv-SE" dirty="0"/>
           </a:p>
         </p:txBody>
@@ -4188,13 +4149,6 @@
   <p:clrMapOvr>
     <a:masterClrMapping/>
   </p:clrMapOvr>
-  <p:timing>
-    <p:tnLst>
-      <p:par>
-        <p:cTn id="1" dur="indefinite" restart="never" nodeType="tmRoot"/>
-      </p:par>
-    </p:tnLst>
-  </p:timing>
 </p:sld>
 </file>
 
@@ -4268,6 +4222,136 @@
               <a:rPr lang="sv-SE" dirty="0" smtClean="0"/>
               <a:t>]</a:t>
             </a:r>
+          </a:p>
+          <a:p>
+            <a:endParaRPr lang="sv-SE" dirty="0"/>
+          </a:p>
+        </p:txBody>
+      </p:sp>
+    </p:spTree>
+  </p:cSld>
+  <p:clrMapOvr>
+    <a:masterClrMapping/>
+  </p:clrMapOvr>
+</p:sld>
+</file>
+
+<file path=ppt/slides/slide18.xml><?xml version="1.0" encoding="utf-8"?>
+<p:sld xmlns:a="http://schemas.openxmlformats.org/drawingml/2006/main" xmlns:r="http://schemas.openxmlformats.org/officeDocument/2006/relationships" xmlns:p="http://schemas.openxmlformats.org/presentationml/2006/main">
+  <p:cSld>
+    <p:spTree>
+      <p:nvGrpSpPr>
+        <p:cNvPr id="1" name=""/>
+        <p:cNvGrpSpPr/>
+        <p:nvPr/>
+      </p:nvGrpSpPr>
+      <p:grpSpPr>
+        <a:xfrm>
+          <a:off x="0" y="0"/>
+          <a:ext cx="0" cy="0"/>
+          <a:chOff x="0" y="0"/>
+          <a:chExt cx="0" cy="0"/>
+        </a:xfrm>
+      </p:grpSpPr>
+      <p:sp>
+        <p:nvSpPr>
+          <p:cNvPr id="2" name="Rubrik 1"/>
+          <p:cNvSpPr>
+            <a:spLocks noGrp="1"/>
+          </p:cNvSpPr>
+          <p:nvPr>
+            <p:ph type="title"/>
+          </p:nvPr>
+        </p:nvSpPr>
+        <p:spPr/>
+        <p:txBody>
+          <a:bodyPr>
+            <a:normAutofit fontScale="90000"/>
+          </a:bodyPr>
+          <a:lstStyle/>
+          <a:p>
+            <a:r>
+              <a:rPr lang="sv-SE" dirty="0" smtClean="0"/>
+              <a:t>Helt kompatibelt med existerande Javaprojekt</a:t>
+            </a:r>
+          </a:p>
+        </p:txBody>
+      </p:sp>
+      <p:sp>
+        <p:nvSpPr>
+          <p:cNvPr id="3" name="Platshållare för innehåll 2"/>
+          <p:cNvSpPr>
+            <a:spLocks noGrp="1"/>
+          </p:cNvSpPr>
+          <p:nvPr>
+            <p:ph idx="1"/>
+          </p:nvPr>
+        </p:nvSpPr>
+        <p:spPr/>
+        <p:txBody>
+          <a:bodyPr>
+            <a:normAutofit fontScale="92500"/>
+          </a:bodyPr>
+          <a:lstStyle/>
+          <a:p>
+            <a:r>
+              <a:rPr lang="sv-SE" dirty="0" err="1" smtClean="0"/>
+              <a:t>Groovyklasser</a:t>
+            </a:r>
+            <a:r>
+              <a:rPr lang="sv-SE" dirty="0" smtClean="0"/>
+              <a:t> kompileras till .</a:t>
+            </a:r>
+            <a:r>
+              <a:rPr lang="sv-SE" dirty="0" err="1" smtClean="0"/>
+              <a:t>class-filer</a:t>
+            </a:r>
+            <a:r>
+              <a:rPr lang="sv-SE" dirty="0" smtClean="0"/>
+              <a:t> </a:t>
+            </a:r>
+          </a:p>
+          <a:p>
+            <a:r>
+              <a:rPr lang="sv-SE" dirty="0" smtClean="0"/>
+              <a:t>Ett javaprogram vet inte, och bryr sig inte, om en klass är kompilerad från </a:t>
+            </a:r>
+            <a:r>
+              <a:rPr lang="sv-SE" dirty="0" err="1" smtClean="0"/>
+              <a:t>Groovy</a:t>
+            </a:r>
+            <a:r>
+              <a:rPr lang="sv-SE" dirty="0" smtClean="0"/>
+              <a:t> eller från Java</a:t>
+            </a:r>
+          </a:p>
+          <a:p>
+            <a:r>
+              <a:rPr lang="sv-SE" dirty="0" smtClean="0"/>
+              <a:t>Från en Javaklass kan man använda en </a:t>
+            </a:r>
+            <a:r>
+              <a:rPr lang="sv-SE" dirty="0" err="1" smtClean="0"/>
+              <a:t>Groovyklass</a:t>
+            </a:r>
+            <a:r>
+              <a:rPr lang="sv-SE" dirty="0" smtClean="0"/>
+              <a:t> precis som vilken kompilerad klass som helst</a:t>
+            </a:r>
+          </a:p>
+          <a:p>
+            <a:r>
+              <a:rPr lang="sv-SE" dirty="0" smtClean="0"/>
+              <a:t>Från en </a:t>
+            </a:r>
+            <a:r>
+              <a:rPr lang="sv-SE" dirty="0" err="1" smtClean="0"/>
+              <a:t>Groovyklass</a:t>
+            </a:r>
+            <a:r>
+              <a:rPr lang="sv-SE" dirty="0" smtClean="0"/>
+              <a:t> kan man använda en Javaklass på precis samma sätt som man gör från en Javaklass</a:t>
+            </a:r>
             <a:endParaRPr lang="sv-SE" dirty="0"/>
           </a:p>
         </p:txBody>
@@ -4284,6 +4368,84 @@
       </p:par>
     </p:tnLst>
   </p:timing>
+</p:sld>
+</file>
+
+<file path=ppt/slides/slide19.xml><?xml version="1.0" encoding="utf-8"?>
+<p:sld xmlns:a="http://schemas.openxmlformats.org/drawingml/2006/main" xmlns:r="http://schemas.openxmlformats.org/officeDocument/2006/relationships" xmlns:p="http://schemas.openxmlformats.org/presentationml/2006/main">
+  <p:cSld>
+    <p:spTree>
+      <p:nvGrpSpPr>
+        <p:cNvPr id="1" name=""/>
+        <p:cNvGrpSpPr/>
+        <p:nvPr/>
+      </p:nvGrpSpPr>
+      <p:grpSpPr>
+        <a:xfrm>
+          <a:off x="0" y="0"/>
+          <a:ext cx="0" cy="0"/>
+          <a:chOff x="0" y="0"/>
+          <a:chExt cx="0" cy="0"/>
+        </a:xfrm>
+      </p:grpSpPr>
+      <p:sp>
+        <p:nvSpPr>
+          <p:cNvPr id="2" name="Rubrik 1"/>
+          <p:cNvSpPr>
+            <a:spLocks noGrp="1"/>
+          </p:cNvSpPr>
+          <p:nvPr>
+            <p:ph type="title"/>
+          </p:nvPr>
+        </p:nvSpPr>
+        <p:spPr/>
+        <p:txBody>
+          <a:bodyPr/>
+          <a:lstStyle/>
+          <a:p>
+            <a:r>
+              <a:rPr lang="sv-SE" dirty="0" err="1" smtClean="0"/>
+              <a:t>Shoppingcart</a:t>
+            </a:r>
+            <a:r>
+              <a:rPr lang="sv-SE" dirty="0" smtClean="0"/>
+              <a:t> klassdiagram</a:t>
+            </a:r>
+            <a:endParaRPr lang="sv-SE" dirty="0"/>
+          </a:p>
+        </p:txBody>
+      </p:sp>
+      <p:sp>
+        <p:nvSpPr>
+          <p:cNvPr id="3" name="Platshållare för innehåll 2"/>
+          <p:cNvSpPr>
+            <a:spLocks noGrp="1"/>
+          </p:cNvSpPr>
+          <p:nvPr>
+            <p:ph idx="1"/>
+          </p:nvPr>
+        </p:nvSpPr>
+        <p:spPr/>
+        <p:txBody>
+          <a:bodyPr/>
+          <a:lstStyle/>
+          <a:p>
+            <a:pPr>
+              <a:buNone/>
+            </a:pPr>
+            <a:r>
+              <a:rPr lang="sv-SE" smtClean="0"/>
+              <a:t>Klassdiagram</a:t>
+            </a:r>
+            <a:endParaRPr lang="sv-SE" dirty="0"/>
+          </a:p>
+        </p:txBody>
+      </p:sp>
+    </p:spTree>
+  </p:cSld>
+  <p:clrMapOvr>
+    <a:masterClrMapping/>
+  </p:clrMapOvr>
 </p:sld>
 </file>
 
@@ -4396,6 +4558,353 @@
       </p:par>
     </p:tnLst>
   </p:timing>
+</p:sld>
+</file>
+
+<file path=ppt/slides/slide20.xml><?xml version="1.0" encoding="utf-8"?>
+<p:sld xmlns:a="http://schemas.openxmlformats.org/drawingml/2006/main" xmlns:r="http://schemas.openxmlformats.org/officeDocument/2006/relationships" xmlns:p="http://schemas.openxmlformats.org/presentationml/2006/main">
+  <p:cSld>
+    <p:spTree>
+      <p:nvGrpSpPr>
+        <p:cNvPr id="1" name=""/>
+        <p:cNvGrpSpPr/>
+        <p:nvPr/>
+      </p:nvGrpSpPr>
+      <p:grpSpPr>
+        <a:xfrm>
+          <a:off x="0" y="0"/>
+          <a:ext cx="0" cy="0"/>
+          <a:chOff x="0" y="0"/>
+          <a:chExt cx="0" cy="0"/>
+        </a:xfrm>
+      </p:grpSpPr>
+      <p:sp>
+        <p:nvSpPr>
+          <p:cNvPr id="2" name="Rubrik 1"/>
+          <p:cNvSpPr>
+            <a:spLocks noGrp="1"/>
+          </p:cNvSpPr>
+          <p:nvPr>
+            <p:ph type="title"/>
+          </p:nvPr>
+        </p:nvSpPr>
+        <p:spPr/>
+        <p:txBody>
+          <a:bodyPr/>
+          <a:lstStyle/>
+          <a:p>
+            <a:r>
+              <a:rPr lang="sv-SE" dirty="0" err="1" smtClean="0"/>
+              <a:t>Item.groovy</a:t>
+            </a:r>
+            <a:endParaRPr lang="sv-SE" dirty="0"/>
+          </a:p>
+        </p:txBody>
+      </p:sp>
+      <p:sp>
+        <p:nvSpPr>
+          <p:cNvPr id="3" name="Platshållare för innehåll 2"/>
+          <p:cNvSpPr>
+            <a:spLocks noGrp="1"/>
+          </p:cNvSpPr>
+          <p:nvPr>
+            <p:ph idx="1"/>
+          </p:nvPr>
+        </p:nvSpPr>
+        <p:spPr/>
+        <p:txBody>
+          <a:bodyPr/>
+          <a:lstStyle/>
+          <a:p>
+            <a:pPr>
+              <a:buNone/>
+            </a:pPr>
+            <a:r>
+              <a:rPr lang="sv-SE" dirty="0" smtClean="0"/>
+              <a:t>[</a:t>
+            </a:r>
+            <a:r>
+              <a:rPr lang="sv-SE" dirty="0" err="1" smtClean="0"/>
+              <a:t>Item.groovy</a:t>
+            </a:r>
+            <a:r>
+              <a:rPr lang="sv-SE" dirty="0" smtClean="0"/>
+              <a:t>]</a:t>
+            </a:r>
+            <a:endParaRPr lang="sv-SE" dirty="0"/>
+          </a:p>
+        </p:txBody>
+      </p:sp>
+    </p:spTree>
+  </p:cSld>
+  <p:clrMapOvr>
+    <a:masterClrMapping/>
+  </p:clrMapOvr>
+  <p:timing>
+    <p:tnLst>
+      <p:par>
+        <p:cTn id="1" dur="indefinite" restart="never" nodeType="tmRoot"/>
+      </p:par>
+    </p:tnLst>
+  </p:timing>
+</p:sld>
+</file>
+
+<file path=ppt/slides/slide21.xml><?xml version="1.0" encoding="utf-8"?>
+<p:sld xmlns:a="http://schemas.openxmlformats.org/drawingml/2006/main" xmlns:r="http://schemas.openxmlformats.org/officeDocument/2006/relationships" xmlns:p="http://schemas.openxmlformats.org/presentationml/2006/main">
+  <p:cSld>
+    <p:spTree>
+      <p:nvGrpSpPr>
+        <p:cNvPr id="1" name=""/>
+        <p:cNvGrpSpPr/>
+        <p:nvPr/>
+      </p:nvGrpSpPr>
+      <p:grpSpPr>
+        <a:xfrm>
+          <a:off x="0" y="0"/>
+          <a:ext cx="0" cy="0"/>
+          <a:chOff x="0" y="0"/>
+          <a:chExt cx="0" cy="0"/>
+        </a:xfrm>
+      </p:grpSpPr>
+      <p:sp>
+        <p:nvSpPr>
+          <p:cNvPr id="2" name="Rubrik 1"/>
+          <p:cNvSpPr>
+            <a:spLocks noGrp="1"/>
+          </p:cNvSpPr>
+          <p:nvPr>
+            <p:ph type="title"/>
+          </p:nvPr>
+        </p:nvSpPr>
+        <p:spPr/>
+        <p:txBody>
+          <a:bodyPr/>
+          <a:lstStyle/>
+          <a:p>
+            <a:r>
+              <a:rPr lang="sv-SE" dirty="0" err="1" smtClean="0"/>
+              <a:t>ShoppingCart.java</a:t>
+            </a:r>
+            <a:endParaRPr lang="sv-SE" dirty="0"/>
+          </a:p>
+        </p:txBody>
+      </p:sp>
+      <p:sp>
+        <p:nvSpPr>
+          <p:cNvPr id="3" name="Platshållare för innehåll 2"/>
+          <p:cNvSpPr>
+            <a:spLocks noGrp="1"/>
+          </p:cNvSpPr>
+          <p:nvPr>
+            <p:ph idx="1"/>
+          </p:nvPr>
+        </p:nvSpPr>
+        <p:spPr/>
+        <p:txBody>
+          <a:bodyPr/>
+          <a:lstStyle/>
+          <a:p>
+            <a:pPr>
+              <a:buNone/>
+            </a:pPr>
+            <a:r>
+              <a:rPr lang="sv-SE" dirty="0" smtClean="0"/>
+              <a:t>[</a:t>
+            </a:r>
+            <a:r>
+              <a:rPr lang="sv-SE" dirty="0" err="1" smtClean="0"/>
+              <a:t>ShoppingCart.java</a:t>
+            </a:r>
+            <a:r>
+              <a:rPr lang="sv-SE" dirty="0" smtClean="0"/>
+              <a:t>]</a:t>
+            </a:r>
+            <a:endParaRPr lang="sv-SE" dirty="0"/>
+          </a:p>
+        </p:txBody>
+      </p:sp>
+    </p:spTree>
+  </p:cSld>
+  <p:clrMapOvr>
+    <a:masterClrMapping/>
+  </p:clrMapOvr>
+  <p:timing>
+    <p:tnLst>
+      <p:par>
+        <p:cTn id="1" dur="indefinite" restart="never" nodeType="tmRoot"/>
+      </p:par>
+    </p:tnLst>
+  </p:timing>
+</p:sld>
+</file>
+
+<file path=ppt/slides/slide22.xml><?xml version="1.0" encoding="utf-8"?>
+<p:sld xmlns:a="http://schemas.openxmlformats.org/drawingml/2006/main" xmlns:r="http://schemas.openxmlformats.org/officeDocument/2006/relationships" xmlns:p="http://schemas.openxmlformats.org/presentationml/2006/main">
+  <p:cSld>
+    <p:spTree>
+      <p:nvGrpSpPr>
+        <p:cNvPr id="1" name=""/>
+        <p:cNvGrpSpPr/>
+        <p:nvPr/>
+      </p:nvGrpSpPr>
+      <p:grpSpPr>
+        <a:xfrm>
+          <a:off x="0" y="0"/>
+          <a:ext cx="0" cy="0"/>
+          <a:chOff x="0" y="0"/>
+          <a:chExt cx="0" cy="0"/>
+        </a:xfrm>
+      </p:grpSpPr>
+      <p:sp>
+        <p:nvSpPr>
+          <p:cNvPr id="2" name="Rubrik 1"/>
+          <p:cNvSpPr>
+            <a:spLocks noGrp="1"/>
+          </p:cNvSpPr>
+          <p:nvPr>
+            <p:ph type="title"/>
+          </p:nvPr>
+        </p:nvSpPr>
+        <p:spPr/>
+        <p:txBody>
+          <a:bodyPr/>
+          <a:lstStyle/>
+          <a:p>
+            <a:r>
+              <a:rPr lang="sv-SE" dirty="0" err="1" smtClean="0"/>
+              <a:t>UseShoppingCart.java</a:t>
+            </a:r>
+            <a:endParaRPr lang="sv-SE" dirty="0"/>
+          </a:p>
+        </p:txBody>
+      </p:sp>
+      <p:sp>
+        <p:nvSpPr>
+          <p:cNvPr id="3" name="Platshållare för innehåll 2"/>
+          <p:cNvSpPr>
+            <a:spLocks noGrp="1"/>
+          </p:cNvSpPr>
+          <p:nvPr>
+            <p:ph idx="1"/>
+          </p:nvPr>
+        </p:nvSpPr>
+        <p:spPr>
+          <a:xfrm>
+            <a:off x="457200" y="1285860"/>
+            <a:ext cx="8229600" cy="4525963"/>
+          </a:xfrm>
+        </p:spPr>
+        <p:txBody>
+          <a:bodyPr/>
+          <a:lstStyle/>
+          <a:p>
+            <a:pPr>
+              <a:buNone/>
+            </a:pPr>
+            <a:r>
+              <a:rPr lang="sv-SE" dirty="0" smtClean="0"/>
+              <a:t>[</a:t>
+            </a:r>
+            <a:r>
+              <a:rPr lang="sv-SE" dirty="0" err="1" smtClean="0"/>
+              <a:t>UseShoppingCart.java</a:t>
+            </a:r>
+            <a:r>
+              <a:rPr lang="sv-SE" dirty="0" smtClean="0"/>
+              <a:t>]</a:t>
+            </a:r>
+            <a:endParaRPr lang="sv-SE" dirty="0"/>
+          </a:p>
+        </p:txBody>
+      </p:sp>
+    </p:spTree>
+  </p:cSld>
+  <p:clrMapOvr>
+    <a:masterClrMapping/>
+  </p:clrMapOvr>
+</p:sld>
+</file>
+
+<file path=ppt/slides/slide23.xml><?xml version="1.0" encoding="utf-8"?>
+<p:sld xmlns:a="http://schemas.openxmlformats.org/drawingml/2006/main" xmlns:r="http://schemas.openxmlformats.org/officeDocument/2006/relationships" xmlns:p="http://schemas.openxmlformats.org/presentationml/2006/main">
+  <p:cSld>
+    <p:spTree>
+      <p:nvGrpSpPr>
+        <p:cNvPr id="1" name=""/>
+        <p:cNvGrpSpPr/>
+        <p:nvPr/>
+      </p:nvGrpSpPr>
+      <p:grpSpPr>
+        <a:xfrm>
+          <a:off x="0" y="0"/>
+          <a:ext cx="0" cy="0"/>
+          <a:chOff x="0" y="0"/>
+          <a:chExt cx="0" cy="0"/>
+        </a:xfrm>
+      </p:grpSpPr>
+      <p:sp>
+        <p:nvSpPr>
+          <p:cNvPr id="2" name="Rubrik 1"/>
+          <p:cNvSpPr>
+            <a:spLocks noGrp="1"/>
+          </p:cNvSpPr>
+          <p:nvPr>
+            <p:ph type="title"/>
+          </p:nvPr>
+        </p:nvSpPr>
+        <p:spPr/>
+        <p:txBody>
+          <a:bodyPr/>
+          <a:lstStyle/>
+          <a:p>
+            <a:r>
+              <a:rPr lang="sv-SE" dirty="0" err="1" smtClean="0"/>
+              <a:t>UseShoppingCart.groovy</a:t>
+            </a:r>
+            <a:endParaRPr lang="sv-SE" dirty="0"/>
+          </a:p>
+        </p:txBody>
+      </p:sp>
+      <p:sp>
+        <p:nvSpPr>
+          <p:cNvPr id="3" name="Platshållare för innehåll 2"/>
+          <p:cNvSpPr>
+            <a:spLocks noGrp="1"/>
+          </p:cNvSpPr>
+          <p:nvPr>
+            <p:ph idx="1"/>
+          </p:nvPr>
+        </p:nvSpPr>
+        <p:spPr/>
+        <p:txBody>
+          <a:bodyPr/>
+          <a:lstStyle/>
+          <a:p>
+            <a:pPr>
+              <a:buNone/>
+            </a:pPr>
+            <a:r>
+              <a:rPr lang="sv-SE" dirty="0" smtClean="0"/>
+              <a:t>[</a:t>
+            </a:r>
+            <a:r>
+              <a:rPr lang="sv-SE" dirty="0" err="1" smtClean="0"/>
+              <a:t>UseShoppingCart.groovy</a:t>
+            </a:r>
+            <a:r>
+              <a:rPr lang="sv-SE" dirty="0" smtClean="0"/>
+              <a:t>]</a:t>
+            </a:r>
+            <a:endParaRPr lang="sv-SE" dirty="0"/>
+          </a:p>
+        </p:txBody>
+      </p:sp>
+    </p:spTree>
+  </p:cSld>
+  <p:clrMapOvr>
+    <a:masterClrMapping/>
+  </p:clrMapOvr>
 </p:sld>
 </file>
 
@@ -4549,11 +5058,7 @@
           <a:p>
             <a:r>
               <a:rPr lang="sv-SE" dirty="0" smtClean="0"/>
-              <a:t>Nackdelar </a:t>
-            </a:r>
-            <a:r>
-              <a:rPr lang="sv-SE" dirty="0" smtClean="0"/>
-              <a:t>med dynamiska språk</a:t>
+              <a:t>Nackdelar med dynamiska språk</a:t>
             </a:r>
             <a:endParaRPr lang="sv-SE" dirty="0"/>
           </a:p>
@@ -4592,6 +5097,13 @@
   <p:clrMapOvr>
     <a:masterClrMapping/>
   </p:clrMapOvr>
+  <p:timing>
+    <p:tnLst>
+      <p:par>
+        <p:cTn id="1" dur="indefinite" restart="never" nodeType="tmRoot"/>
+      </p:par>
+    </p:tnLst>
+  </p:timing>
 </p:sld>
 </file>
 

--- a/groovyseminarie/dokument/groovyseminarium_source.pptx
+++ b/groovyseminarie/dokument/groovyseminarium_source.pptx
@@ -10,24 +10,33 @@
     <p:sldId id="260" r:id="rId4"/>
     <p:sldId id="272" r:id="rId5"/>
     <p:sldId id="261" r:id="rId6"/>
-    <p:sldId id="262" r:id="rId7"/>
-    <p:sldId id="263" r:id="rId8"/>
-    <p:sldId id="264" r:id="rId9"/>
-    <p:sldId id="265" r:id="rId10"/>
-    <p:sldId id="266" r:id="rId11"/>
-    <p:sldId id="267" r:id="rId12"/>
-    <p:sldId id="268" r:id="rId13"/>
-    <p:sldId id="280" r:id="rId14"/>
-    <p:sldId id="269" r:id="rId15"/>
-    <p:sldId id="270" r:id="rId16"/>
-    <p:sldId id="276" r:id="rId17"/>
-    <p:sldId id="275" r:id="rId18"/>
-    <p:sldId id="273" r:id="rId19"/>
-    <p:sldId id="279" r:id="rId20"/>
-    <p:sldId id="257" r:id="rId21"/>
-    <p:sldId id="271" r:id="rId22"/>
-    <p:sldId id="278" r:id="rId23"/>
-    <p:sldId id="277" r:id="rId24"/>
+    <p:sldId id="282" r:id="rId7"/>
+    <p:sldId id="262" r:id="rId8"/>
+    <p:sldId id="263" r:id="rId9"/>
+    <p:sldId id="264" r:id="rId10"/>
+    <p:sldId id="265" r:id="rId11"/>
+    <p:sldId id="266" r:id="rId12"/>
+    <p:sldId id="267" r:id="rId13"/>
+    <p:sldId id="268" r:id="rId14"/>
+    <p:sldId id="280" r:id="rId15"/>
+    <p:sldId id="269" r:id="rId16"/>
+    <p:sldId id="270" r:id="rId17"/>
+    <p:sldId id="276" r:id="rId18"/>
+    <p:sldId id="275" r:id="rId19"/>
+    <p:sldId id="273" r:id="rId20"/>
+    <p:sldId id="283" r:id="rId21"/>
+    <p:sldId id="284" r:id="rId22"/>
+    <p:sldId id="285" r:id="rId23"/>
+    <p:sldId id="286" r:id="rId24"/>
+    <p:sldId id="287" r:id="rId25"/>
+    <p:sldId id="288" r:id="rId26"/>
+    <p:sldId id="295" r:id="rId27"/>
+    <p:sldId id="291" r:id="rId28"/>
+    <p:sldId id="294" r:id="rId29"/>
+    <p:sldId id="292" r:id="rId30"/>
+    <p:sldId id="293" r:id="rId31"/>
+    <p:sldId id="289" r:id="rId32"/>
+    <p:sldId id="290" r:id="rId33"/>
   </p:sldIdLst>
   <p:sldSz cx="9144000" cy="6858000" type="screen4x3"/>
   <p:notesSz cx="6858000" cy="9144000"/>
@@ -3260,69 +3269,51 @@
         </p:nvSpPr>
         <p:spPr/>
         <p:txBody>
-          <a:bodyPr/>
-          <a:lstStyle/>
-          <a:p>
+          <a:bodyPr>
+            <a:normAutofit/>
+          </a:bodyPr>
+          <a:lstStyle/>
+          <a:p>
+            <a:r>
+              <a:rPr lang="sv-SE" dirty="0" smtClean="0"/>
+              <a:t>DSL</a:t>
+            </a:r>
+            <a:endParaRPr lang="sv-SE" dirty="0"/>
+          </a:p>
+        </p:txBody>
+      </p:sp>
+      <p:sp>
+        <p:nvSpPr>
+          <p:cNvPr id="3" name="Platshållare för innehåll 2"/>
+          <p:cNvSpPr>
+            <a:spLocks noGrp="1"/>
+          </p:cNvSpPr>
+          <p:nvPr>
+            <p:ph idx="1"/>
+          </p:nvPr>
+        </p:nvSpPr>
+        <p:spPr/>
+        <p:txBody>
+          <a:bodyPr/>
+          <a:lstStyle/>
+          <a:p>
+            <a:r>
+              <a:rPr lang="sv-SE" dirty="0" smtClean="0"/>
+              <a:t>Två typer:</a:t>
+            </a:r>
+          </a:p>
+          <a:p>
+            <a:pPr lvl="1"/>
+            <a:r>
+              <a:rPr lang="sv-SE" dirty="0" smtClean="0"/>
+              <a:t>Intern DSL</a:t>
+            </a:r>
+          </a:p>
+          <a:p>
+            <a:pPr lvl="1"/>
             <a:r>
               <a:rPr lang="sv-SE" dirty="0" smtClean="0"/>
               <a:t>Extern DSL</a:t>
-            </a:r>
-            <a:endParaRPr lang="sv-SE" dirty="0"/>
-          </a:p>
-        </p:txBody>
-      </p:sp>
-      <p:sp>
-        <p:nvSpPr>
-          <p:cNvPr id="3" name="Platshållare för innehåll 2"/>
-          <p:cNvSpPr>
-            <a:spLocks noGrp="1"/>
-          </p:cNvSpPr>
-          <p:nvPr>
-            <p:ph idx="1"/>
-          </p:nvPr>
-        </p:nvSpPr>
-        <p:spPr/>
-        <p:txBody>
-          <a:bodyPr/>
-          <a:lstStyle/>
-          <a:p>
-            <a:r>
-              <a:rPr lang="sv-SE" dirty="0" smtClean="0"/>
-              <a:t>Definierar ett helt nytt språk</a:t>
-            </a:r>
-          </a:p>
-          <a:p>
-            <a:r>
-              <a:rPr lang="sv-SE" dirty="0" smtClean="0"/>
-              <a:t>Exempel:</a:t>
-            </a:r>
-          </a:p>
-          <a:p>
-            <a:pPr lvl="1"/>
-            <a:r>
-              <a:rPr lang="sv-SE" dirty="0" smtClean="0"/>
-              <a:t>SQL</a:t>
-            </a:r>
-          </a:p>
-          <a:p>
-            <a:pPr lvl="1"/>
-            <a:r>
-              <a:rPr lang="sv-SE" dirty="0" smtClean="0"/>
-              <a:t>HTML</a:t>
-            </a:r>
-          </a:p>
-          <a:p>
-            <a:pPr lvl="1"/>
-            <a:r>
-              <a:rPr lang="sv-SE" dirty="0" smtClean="0"/>
-              <a:t>ANT</a:t>
-            </a:r>
-          </a:p>
-          <a:p>
-            <a:pPr lvl="1"/>
-            <a:r>
-              <a:rPr lang="sv-SE" dirty="0" smtClean="0"/>
-              <a:t>CSS</a:t>
             </a:r>
           </a:p>
         </p:txBody>
@@ -3376,7 +3367,7 @@
           <a:p>
             <a:r>
               <a:rPr lang="sv-SE" dirty="0" smtClean="0"/>
-              <a:t>Intern DSL</a:t>
+              <a:t>Extern DSL</a:t>
             </a:r>
             <a:endParaRPr lang="sv-SE" dirty="0"/>
           </a:p>
@@ -3399,21 +3390,41 @@
           <a:p>
             <a:r>
               <a:rPr lang="sv-SE" dirty="0" smtClean="0"/>
-              <a:t>Även interna </a:t>
-            </a:r>
-            <a:r>
-              <a:rPr lang="sv-SE" dirty="0" err="1" smtClean="0"/>
-              <a:t>DSL:s</a:t>
-            </a:r>
-            <a:r>
-              <a:rPr lang="sv-SE" dirty="0" smtClean="0"/>
-              <a:t> definierar ett nytt språk, men används i befintligt språk.</a:t>
-            </a:r>
-          </a:p>
-          <a:p>
-            <a:r>
-              <a:rPr lang="sv-SE" dirty="0" smtClean="0"/>
-              <a:t>Syntaxen måste följa det underliggande språket</a:t>
+              <a:t>Definierar ett helt nytt språk</a:t>
+            </a:r>
+          </a:p>
+          <a:p>
+            <a:r>
+              <a:rPr lang="sv-SE" dirty="0" smtClean="0"/>
+              <a:t>Exempel:</a:t>
+            </a:r>
+          </a:p>
+          <a:p>
+            <a:pPr lvl="1"/>
+            <a:r>
+              <a:rPr lang="sv-SE" dirty="0" smtClean="0"/>
+              <a:t>SQL</a:t>
+            </a:r>
+          </a:p>
+          <a:p>
+            <a:pPr lvl="1"/>
+            <a:r>
+              <a:rPr lang="sv-SE" dirty="0" smtClean="0"/>
+              <a:t>HTML</a:t>
+            </a:r>
+          </a:p>
+          <a:p>
+            <a:pPr lvl="1"/>
+            <a:r>
+              <a:rPr lang="sv-SE" dirty="0" smtClean="0"/>
+              <a:t>ANT</a:t>
+            </a:r>
+          </a:p>
+          <a:p>
+            <a:pPr lvl="1"/>
+            <a:r>
+              <a:rPr lang="sv-SE" dirty="0" smtClean="0"/>
+              <a:t>CSS</a:t>
             </a:r>
           </a:p>
         </p:txBody>
@@ -3467,11 +3478,7 @@
           <a:p>
             <a:r>
               <a:rPr lang="sv-SE" dirty="0" smtClean="0"/>
-              <a:t>DSL i </a:t>
-            </a:r>
-            <a:r>
-              <a:rPr lang="sv-SE" dirty="0" err="1" smtClean="0"/>
-              <a:t>Groovy</a:t>
+              <a:t>Intern DSL</a:t>
             </a:r>
             <a:endParaRPr lang="sv-SE" dirty="0"/>
           </a:p>
@@ -3489,192 +3496,27 @@
         </p:nvSpPr>
         <p:spPr/>
         <p:txBody>
-          <a:bodyPr>
-            <a:normAutofit/>
-          </a:bodyPr>
-          <a:lstStyle/>
-          <a:p>
-            <a:pPr lvl="1">
-              <a:buNone/>
-            </a:pPr>
-            <a:r>
-              <a:rPr lang="sv-SE" dirty="0" smtClean="0">
-                <a:latin typeface="Courier New" pitchFamily="49" charset="0"/>
-                <a:cs typeface="Courier New" pitchFamily="49" charset="0"/>
-              </a:rPr>
-              <a:t>4.days.ago</a:t>
-            </a:r>
-          </a:p>
-          <a:p>
-            <a:pPr lvl="1"/>
-            <a:endParaRPr lang="sv-SE" sz="2400" dirty="0" smtClean="0">
-              <a:latin typeface="Courier New" pitchFamily="49" charset="0"/>
-              <a:cs typeface="Courier New" pitchFamily="49" charset="0"/>
-            </a:endParaRPr>
-          </a:p>
-          <a:p>
-            <a:pPr lvl="1">
-              <a:buNone/>
-            </a:pPr>
-            <a:r>
-              <a:rPr lang="sv-SE" sz="2400" dirty="0" err="1" smtClean="0">
-                <a:latin typeface="Courier New" pitchFamily="49" charset="0"/>
-                <a:cs typeface="Courier New" pitchFamily="49" charset="0"/>
-              </a:rPr>
-              <a:t>Order.pizza</a:t>
-            </a:r>
-            <a:r>
-              <a:rPr lang="sv-SE" sz="2400" dirty="0" smtClean="0">
-                <a:latin typeface="Courier New" pitchFamily="49" charset="0"/>
-                <a:cs typeface="Courier New" pitchFamily="49" charset="0"/>
-              </a:rPr>
-              <a:t>{ </a:t>
-            </a:r>
-          </a:p>
-          <a:p>
-            <a:pPr>
-              <a:buNone/>
-            </a:pPr>
-            <a:r>
-              <a:rPr lang="sv-SE" sz="2400" dirty="0" smtClean="0">
-                <a:latin typeface="Courier New" pitchFamily="49" charset="0"/>
-                <a:cs typeface="Courier New" pitchFamily="49" charset="0"/>
-              </a:rPr>
-              <a:t>		</a:t>
-            </a:r>
-            <a:r>
-              <a:rPr lang="sv-SE" sz="2400" dirty="0" err="1" smtClean="0">
-                <a:latin typeface="Courier New" pitchFamily="49" charset="0"/>
-                <a:cs typeface="Courier New" pitchFamily="49" charset="0"/>
-              </a:rPr>
-              <a:t>size</a:t>
-            </a:r>
-            <a:r>
-              <a:rPr lang="sv-SE" sz="2400" dirty="0" smtClean="0">
-                <a:latin typeface="Courier New" pitchFamily="49" charset="0"/>
-                <a:cs typeface="Courier New" pitchFamily="49" charset="0"/>
-              </a:rPr>
-              <a:t> </a:t>
-            </a:r>
-            <a:r>
-              <a:rPr lang="sv-SE" sz="2400" dirty="0" err="1" smtClean="0">
-                <a:latin typeface="Courier New" pitchFamily="49" charset="0"/>
-                <a:cs typeface="Courier New" pitchFamily="49" charset="0"/>
-              </a:rPr>
-              <a:t>large</a:t>
-            </a:r>
-            <a:endParaRPr lang="sv-SE" sz="2400" dirty="0" smtClean="0">
-              <a:latin typeface="Courier New" pitchFamily="49" charset="0"/>
-              <a:cs typeface="Courier New" pitchFamily="49" charset="0"/>
-            </a:endParaRPr>
-          </a:p>
-          <a:p>
-            <a:pPr>
-              <a:buNone/>
-            </a:pPr>
-            <a:r>
-              <a:rPr lang="sv-SE" sz="2400" dirty="0" smtClean="0">
-                <a:latin typeface="Courier New" pitchFamily="49" charset="0"/>
-                <a:cs typeface="Courier New" pitchFamily="49" charset="0"/>
-              </a:rPr>
-              <a:t>		</a:t>
-            </a:r>
-            <a:r>
-              <a:rPr lang="sv-SE" sz="2400" dirty="0" err="1" smtClean="0">
-                <a:latin typeface="Courier New" pitchFamily="49" charset="0"/>
-                <a:cs typeface="Courier New" pitchFamily="49" charset="0"/>
-              </a:rPr>
-              <a:t>topping</a:t>
-            </a:r>
-            <a:r>
-              <a:rPr lang="sv-SE" sz="2400" dirty="0" smtClean="0">
-                <a:latin typeface="Courier New" pitchFamily="49" charset="0"/>
-                <a:cs typeface="Courier New" pitchFamily="49" charset="0"/>
-              </a:rPr>
-              <a:t> </a:t>
-            </a:r>
-            <a:r>
-              <a:rPr lang="sv-SE" sz="2400" dirty="0" err="1" smtClean="0">
-                <a:latin typeface="Courier New" pitchFamily="49" charset="0"/>
-                <a:cs typeface="Courier New" pitchFamily="49" charset="0"/>
-              </a:rPr>
-              <a:t>olives</a:t>
-            </a:r>
-            <a:r>
-              <a:rPr lang="sv-SE" sz="2400" dirty="0" smtClean="0">
-                <a:latin typeface="Courier New" pitchFamily="49" charset="0"/>
-                <a:cs typeface="Courier New" pitchFamily="49" charset="0"/>
-              </a:rPr>
-              <a:t>, </a:t>
-            </a:r>
-            <a:r>
-              <a:rPr lang="sv-SE" sz="2400" dirty="0" err="1" smtClean="0">
-                <a:latin typeface="Courier New" pitchFamily="49" charset="0"/>
-                <a:cs typeface="Courier New" pitchFamily="49" charset="0"/>
-              </a:rPr>
-              <a:t>pepper</a:t>
-            </a:r>
-            <a:r>
-              <a:rPr lang="sv-SE" sz="2400" dirty="0" smtClean="0">
-                <a:latin typeface="Courier New" pitchFamily="49" charset="0"/>
-                <a:cs typeface="Courier New" pitchFamily="49" charset="0"/>
-              </a:rPr>
-              <a:t>, salami</a:t>
-            </a:r>
-          </a:p>
-          <a:p>
-            <a:pPr>
-              <a:buNone/>
-            </a:pPr>
-            <a:r>
-              <a:rPr lang="sv-SE" sz="2400" dirty="0" smtClean="0">
-                <a:latin typeface="Courier New" pitchFamily="49" charset="0"/>
-                <a:cs typeface="Courier New" pitchFamily="49" charset="0"/>
-              </a:rPr>
-              <a:t>		adress "Gamla brogatan 11"</a:t>
-            </a:r>
-          </a:p>
-          <a:p>
-            <a:pPr>
-              <a:buNone/>
-            </a:pPr>
-            <a:r>
-              <a:rPr lang="sv-SE" sz="2400" dirty="0" smtClean="0">
-                <a:latin typeface="Courier New" pitchFamily="49" charset="0"/>
-                <a:cs typeface="Courier New" pitchFamily="49" charset="0"/>
-              </a:rPr>
-              <a:t>		</a:t>
-            </a:r>
-            <a:r>
-              <a:rPr lang="sv-SE" sz="2400" dirty="0" err="1" smtClean="0">
-                <a:latin typeface="Courier New" pitchFamily="49" charset="0"/>
-                <a:cs typeface="Courier New" pitchFamily="49" charset="0"/>
-              </a:rPr>
-              <a:t>payment</a:t>
-            </a:r>
-            <a:r>
-              <a:rPr lang="sv-SE" sz="2400" dirty="0" smtClean="0">
-                <a:latin typeface="Courier New" pitchFamily="49" charset="0"/>
-                <a:cs typeface="Courier New" pitchFamily="49" charset="0"/>
-              </a:rPr>
-              <a:t> visa, ’1234-1234-1234-1234’</a:t>
-            </a:r>
-          </a:p>
-          <a:p>
-            <a:pPr>
-              <a:buNone/>
-            </a:pPr>
-            <a:r>
-              <a:rPr lang="sv-SE" sz="2400" dirty="0" smtClean="0">
-                <a:latin typeface="Courier New" pitchFamily="49" charset="0"/>
-                <a:cs typeface="Courier New" pitchFamily="49" charset="0"/>
-              </a:rPr>
-              <a:t>	}</a:t>
-            </a:r>
-            <a:endParaRPr lang="sv-SE" sz="2400" dirty="0">
-              <a:latin typeface="Courier New" pitchFamily="49" charset="0"/>
-              <a:cs typeface="Courier New" pitchFamily="49" charset="0"/>
-            </a:endParaRPr>
+          <a:bodyPr/>
+          <a:lstStyle/>
+          <a:p>
+            <a:r>
+              <a:rPr lang="sv-SE" dirty="0" smtClean="0"/>
+              <a:t>Även interna </a:t>
+            </a:r>
+            <a:r>
+              <a:rPr lang="sv-SE" dirty="0" err="1" smtClean="0"/>
+              <a:t>DSL:s</a:t>
+            </a:r>
+            <a:r>
+              <a:rPr lang="sv-SE" dirty="0" smtClean="0"/>
+              <a:t> definierar ett nytt språk, men används i befintligt språk.</a:t>
+            </a:r>
+          </a:p>
+          <a:p>
+            <a:r>
+              <a:rPr lang="sv-SE" dirty="0" smtClean="0"/>
+              <a:t>Syntaxen måste följa det underliggande språket</a:t>
+            </a:r>
           </a:p>
         </p:txBody>
       </p:sp>
@@ -3731,7 +3573,7 @@
             </a:r>
             <a:r>
               <a:rPr lang="sv-SE" dirty="0" err="1" smtClean="0"/>
-              <a:t>Grails</a:t>
+              <a:t>Groovy</a:t>
             </a:r>
             <a:endParaRPr lang="sv-SE" dirty="0"/>
           </a:p>
@@ -3749,21 +3591,192 @@
         </p:nvSpPr>
         <p:spPr/>
         <p:txBody>
-          <a:bodyPr/>
-          <a:lstStyle/>
+          <a:bodyPr>
+            <a:normAutofit/>
+          </a:bodyPr>
+          <a:lstStyle/>
+          <a:p>
+            <a:pPr lvl="1">
+              <a:buNone/>
+            </a:pPr>
+            <a:r>
+              <a:rPr lang="sv-SE" dirty="0" smtClean="0">
+                <a:latin typeface="Courier New" pitchFamily="49" charset="0"/>
+                <a:cs typeface="Courier New" pitchFamily="49" charset="0"/>
+              </a:rPr>
+              <a:t>4.days.ago</a:t>
+            </a:r>
+          </a:p>
+          <a:p>
+            <a:pPr lvl="1"/>
+            <a:endParaRPr lang="sv-SE" sz="2400" dirty="0" smtClean="0">
+              <a:latin typeface="Courier New" pitchFamily="49" charset="0"/>
+              <a:cs typeface="Courier New" pitchFamily="49" charset="0"/>
+            </a:endParaRPr>
+          </a:p>
+          <a:p>
+            <a:pPr lvl="1">
+              <a:buNone/>
+            </a:pPr>
+            <a:r>
+              <a:rPr lang="sv-SE" sz="2400" dirty="0" err="1" smtClean="0">
+                <a:latin typeface="Courier New" pitchFamily="49" charset="0"/>
+                <a:cs typeface="Courier New" pitchFamily="49" charset="0"/>
+              </a:rPr>
+              <a:t>Order.pizza</a:t>
+            </a:r>
+            <a:r>
+              <a:rPr lang="sv-SE" sz="2400" dirty="0" smtClean="0">
+                <a:latin typeface="Courier New" pitchFamily="49" charset="0"/>
+                <a:cs typeface="Courier New" pitchFamily="49" charset="0"/>
+              </a:rPr>
+              <a:t>{ </a:t>
+            </a:r>
+          </a:p>
           <a:p>
             <a:pPr>
               <a:buNone/>
             </a:pPr>
             <a:r>
-              <a:rPr lang="sv-SE" dirty="0" smtClean="0"/>
-              <a:t>[</a:t>
-            </a:r>
-            <a:r>
-              <a:rPr lang="sv-SE" smtClean="0"/>
-              <a:t>GrailsDomainClass.groovy]</a:t>
-            </a:r>
-            <a:endParaRPr lang="sv-SE" dirty="0"/>
+              <a:rPr lang="sv-SE" sz="2400" dirty="0" smtClean="0">
+                <a:latin typeface="Courier New" pitchFamily="49" charset="0"/>
+                <a:cs typeface="Courier New" pitchFamily="49" charset="0"/>
+              </a:rPr>
+              <a:t>		</a:t>
+            </a:r>
+            <a:r>
+              <a:rPr lang="sv-SE" sz="2400" dirty="0" err="1" smtClean="0">
+                <a:latin typeface="Courier New" pitchFamily="49" charset="0"/>
+                <a:cs typeface="Courier New" pitchFamily="49" charset="0"/>
+              </a:rPr>
+              <a:t>size</a:t>
+            </a:r>
+            <a:r>
+              <a:rPr lang="sv-SE" sz="2400" dirty="0" smtClean="0">
+                <a:latin typeface="Courier New" pitchFamily="49" charset="0"/>
+                <a:cs typeface="Courier New" pitchFamily="49" charset="0"/>
+              </a:rPr>
+              <a:t> </a:t>
+            </a:r>
+            <a:r>
+              <a:rPr lang="sv-SE" sz="2400" dirty="0" err="1" smtClean="0">
+                <a:latin typeface="Courier New" pitchFamily="49" charset="0"/>
+                <a:cs typeface="Courier New" pitchFamily="49" charset="0"/>
+              </a:rPr>
+              <a:t>large</a:t>
+            </a:r>
+            <a:endParaRPr lang="sv-SE" sz="2400" dirty="0" smtClean="0">
+              <a:latin typeface="Courier New" pitchFamily="49" charset="0"/>
+              <a:cs typeface="Courier New" pitchFamily="49" charset="0"/>
+            </a:endParaRPr>
+          </a:p>
+          <a:p>
+            <a:pPr>
+              <a:buNone/>
+            </a:pPr>
+            <a:r>
+              <a:rPr lang="sv-SE" sz="2400" dirty="0" smtClean="0">
+                <a:latin typeface="Courier New" pitchFamily="49" charset="0"/>
+                <a:cs typeface="Courier New" pitchFamily="49" charset="0"/>
+              </a:rPr>
+              <a:t>		</a:t>
+            </a:r>
+            <a:r>
+              <a:rPr lang="sv-SE" sz="2400" dirty="0" err="1" smtClean="0">
+                <a:latin typeface="Courier New" pitchFamily="49" charset="0"/>
+                <a:cs typeface="Courier New" pitchFamily="49" charset="0"/>
+              </a:rPr>
+              <a:t>topping</a:t>
+            </a:r>
+            <a:r>
+              <a:rPr lang="sv-SE" sz="2400" dirty="0" smtClean="0">
+                <a:latin typeface="Courier New" pitchFamily="49" charset="0"/>
+                <a:cs typeface="Courier New" pitchFamily="49" charset="0"/>
+              </a:rPr>
+              <a:t> </a:t>
+            </a:r>
+            <a:r>
+              <a:rPr lang="sv-SE" sz="2400" dirty="0" err="1" smtClean="0">
+                <a:latin typeface="Courier New" pitchFamily="49" charset="0"/>
+                <a:cs typeface="Courier New" pitchFamily="49" charset="0"/>
+              </a:rPr>
+              <a:t>olives</a:t>
+            </a:r>
+            <a:r>
+              <a:rPr lang="sv-SE" sz="2400" dirty="0" smtClean="0">
+                <a:latin typeface="Courier New" pitchFamily="49" charset="0"/>
+                <a:cs typeface="Courier New" pitchFamily="49" charset="0"/>
+              </a:rPr>
+              <a:t>, </a:t>
+            </a:r>
+            <a:r>
+              <a:rPr lang="sv-SE" sz="2400" dirty="0" err="1" smtClean="0">
+                <a:latin typeface="Courier New" pitchFamily="49" charset="0"/>
+                <a:cs typeface="Courier New" pitchFamily="49" charset="0"/>
+              </a:rPr>
+              <a:t>pepper</a:t>
+            </a:r>
+            <a:r>
+              <a:rPr lang="sv-SE" sz="2400" dirty="0" smtClean="0">
+                <a:latin typeface="Courier New" pitchFamily="49" charset="0"/>
+                <a:cs typeface="Courier New" pitchFamily="49" charset="0"/>
+              </a:rPr>
+              <a:t>, salami</a:t>
+            </a:r>
+          </a:p>
+          <a:p>
+            <a:pPr>
+              <a:buNone/>
+            </a:pPr>
+            <a:r>
+              <a:rPr lang="sv-SE" sz="2400" dirty="0" smtClean="0">
+                <a:latin typeface="Courier New" pitchFamily="49" charset="0"/>
+                <a:cs typeface="Courier New" pitchFamily="49" charset="0"/>
+              </a:rPr>
+              <a:t>		adress "Gamla brogatan 11"</a:t>
+            </a:r>
+          </a:p>
+          <a:p>
+            <a:pPr>
+              <a:buNone/>
+            </a:pPr>
+            <a:r>
+              <a:rPr lang="sv-SE" sz="2400" dirty="0" smtClean="0">
+                <a:latin typeface="Courier New" pitchFamily="49" charset="0"/>
+                <a:cs typeface="Courier New" pitchFamily="49" charset="0"/>
+              </a:rPr>
+              <a:t>		</a:t>
+            </a:r>
+            <a:r>
+              <a:rPr lang="sv-SE" sz="2400" dirty="0" err="1" smtClean="0">
+                <a:latin typeface="Courier New" pitchFamily="49" charset="0"/>
+                <a:cs typeface="Courier New" pitchFamily="49" charset="0"/>
+              </a:rPr>
+              <a:t>payment</a:t>
+            </a:r>
+            <a:r>
+              <a:rPr lang="sv-SE" sz="2400" dirty="0" smtClean="0">
+                <a:latin typeface="Courier New" pitchFamily="49" charset="0"/>
+                <a:cs typeface="Courier New" pitchFamily="49" charset="0"/>
+              </a:rPr>
+              <a:t> visa, ’1234-1234-1234-1234’</a:t>
+            </a:r>
+          </a:p>
+          <a:p>
+            <a:pPr>
+              <a:buNone/>
+            </a:pPr>
+            <a:r>
+              <a:rPr lang="sv-SE" sz="2400" dirty="0" smtClean="0">
+                <a:latin typeface="Courier New" pitchFamily="49" charset="0"/>
+                <a:cs typeface="Courier New" pitchFamily="49" charset="0"/>
+              </a:rPr>
+              <a:t>	}</a:t>
+            </a:r>
+            <a:endParaRPr lang="sv-SE" sz="2400" dirty="0">
+              <a:latin typeface="Courier New" pitchFamily="49" charset="0"/>
+              <a:cs typeface="Courier New" pitchFamily="49" charset="0"/>
+            </a:endParaRPr>
           </a:p>
         </p:txBody>
       </p:sp>
@@ -3772,6 +3785,13 @@
   <p:clrMapOvr>
     <a:masterClrMapping/>
   </p:clrMapOvr>
+  <p:timing>
+    <p:tnLst>
+      <p:par>
+        <p:cTn id="1" dur="indefinite" restart="never" nodeType="tmRoot"/>
+      </p:par>
+    </p:tnLst>
+  </p:timing>
 </p:sld>
 </file>
 
@@ -3804,22 +3824,16 @@
         </p:nvSpPr>
         <p:spPr/>
         <p:txBody>
-          <a:bodyPr>
-            <a:normAutofit/>
-          </a:bodyPr>
-          <a:lstStyle/>
-          <a:p>
-            <a:r>
-              <a:rPr lang="sv-SE" dirty="0" smtClean="0"/>
-              <a:t>Varför </a:t>
-            </a:r>
-            <a:r>
-              <a:rPr lang="sv-SE" dirty="0" err="1" smtClean="0"/>
-              <a:t>Groovy</a:t>
-            </a:r>
-            <a:r>
-              <a:rPr lang="sv-SE" dirty="0" smtClean="0"/>
-              <a:t>?</a:t>
+          <a:bodyPr/>
+          <a:lstStyle/>
+          <a:p>
+            <a:r>
+              <a:rPr lang="sv-SE" dirty="0" smtClean="0"/>
+              <a:t>DSL i </a:t>
+            </a:r>
+            <a:r>
+              <a:rPr lang="sv-SE" dirty="0" err="1" smtClean="0"/>
+              <a:t>Grails</a:t>
             </a:r>
             <a:endParaRPr lang="sv-SE" dirty="0"/>
           </a:p>
@@ -3837,100 +3851,25 @@
         </p:nvSpPr>
         <p:spPr/>
         <p:txBody>
-          <a:bodyPr>
-            <a:normAutofit lnSpcReduction="10000"/>
-          </a:bodyPr>
-          <a:lstStyle/>
-          <a:p>
-            <a:r>
-              <a:rPr lang="sv-SE" dirty="0" smtClean="0"/>
-              <a:t>Det finns andra dynamiska språk som hanterar allt ovan, vissa bättre än </a:t>
-            </a:r>
-            <a:r>
-              <a:rPr lang="sv-SE" dirty="0" err="1" smtClean="0"/>
-              <a:t>Groovy</a:t>
-            </a:r>
-            <a:endParaRPr lang="sv-SE" dirty="0" smtClean="0"/>
-          </a:p>
-          <a:p>
-            <a:r>
-              <a:rPr lang="sv-SE" dirty="0" smtClean="0"/>
-              <a:t>Det finns ca 150 språk som kan köras på </a:t>
-            </a:r>
-            <a:r>
-              <a:rPr lang="sv-SE" dirty="0" err="1" smtClean="0"/>
-              <a:t>java-plattformen</a:t>
-            </a:r>
-            <a:endParaRPr lang="sv-SE" dirty="0" smtClean="0"/>
-          </a:p>
-          <a:p>
-            <a:pPr lvl="1"/>
-            <a:r>
-              <a:rPr lang="sv-SE" dirty="0" smtClean="0"/>
-              <a:t>Ruby (</a:t>
-            </a:r>
-            <a:r>
-              <a:rPr lang="sv-SE" dirty="0" err="1" smtClean="0"/>
-              <a:t>jRuby</a:t>
-            </a:r>
-            <a:r>
-              <a:rPr lang="sv-SE" dirty="0" smtClean="0"/>
-              <a:t>)</a:t>
-            </a:r>
-          </a:p>
-          <a:p>
-            <a:pPr lvl="1"/>
-            <a:r>
-              <a:rPr lang="sv-SE" dirty="0" err="1" smtClean="0"/>
-              <a:t>Python</a:t>
-            </a:r>
-            <a:r>
-              <a:rPr lang="sv-SE" dirty="0" smtClean="0"/>
-              <a:t> (</a:t>
-            </a:r>
-            <a:r>
-              <a:rPr lang="sv-SE" dirty="0" err="1" smtClean="0"/>
-              <a:t>Jython</a:t>
-            </a:r>
-            <a:r>
-              <a:rPr lang="sv-SE" dirty="0" smtClean="0"/>
-              <a:t>)</a:t>
-            </a:r>
-          </a:p>
-          <a:p>
-            <a:pPr lvl="1"/>
-            <a:r>
-              <a:rPr lang="sv-SE" dirty="0" err="1" smtClean="0"/>
-              <a:t>BeanShell</a:t>
-            </a:r>
-            <a:endParaRPr lang="sv-SE" dirty="0" smtClean="0"/>
-          </a:p>
-          <a:p>
-            <a:pPr lvl="1"/>
-            <a:r>
-              <a:rPr lang="sv-SE" dirty="0" smtClean="0"/>
-              <a:t>JavaScript</a:t>
-            </a:r>
-          </a:p>
-          <a:p>
-            <a:r>
-              <a:rPr lang="sv-SE" dirty="0" smtClean="0"/>
-              <a:t>Varför </a:t>
-            </a:r>
-            <a:r>
-              <a:rPr lang="sv-SE" dirty="0" err="1" smtClean="0"/>
-              <a:t>Groovy</a:t>
-            </a:r>
-            <a:r>
-              <a:rPr lang="sv-SE" dirty="0" smtClean="0"/>
-              <a:t>?</a:t>
-            </a:r>
-          </a:p>
-          <a:p>
-            <a:pPr lvl="1">
+          <a:bodyPr/>
+          <a:lstStyle/>
+          <a:p>
+            <a:pPr>
               <a:buNone/>
             </a:pPr>
-            <a:endParaRPr lang="sv-SE" dirty="0" smtClean="0"/>
+            <a:r>
+              <a:rPr lang="sv-SE" dirty="0" smtClean="0"/>
+              <a:t>[</a:t>
+            </a:r>
+            <a:r>
+              <a:rPr lang="sv-SE" dirty="0" err="1" smtClean="0"/>
+              <a:t>GrailsDomainClass.groovy</a:t>
+            </a:r>
+            <a:r>
+              <a:rPr lang="sv-SE" dirty="0" smtClean="0"/>
+              <a:t>]</a:t>
+            </a:r>
+            <a:endParaRPr lang="sv-SE" dirty="0"/>
           </a:p>
         </p:txBody>
       </p:sp>
@@ -3939,13 +3878,6 @@
   <p:clrMapOvr>
     <a:masterClrMapping/>
   </p:clrMapOvr>
-  <p:timing>
-    <p:tnLst>
-      <p:par>
-        <p:cTn id="1" dur="indefinite" restart="never" nodeType="tmRoot"/>
-      </p:par>
-    </p:tnLst>
-  </p:timing>
 </p:sld>
 </file>
 
@@ -3978,17 +3910,23 @@
         </p:nvSpPr>
         <p:spPr/>
         <p:txBody>
-          <a:bodyPr/>
-          <a:lstStyle/>
-          <a:p>
-            <a:r>
-              <a:rPr lang="sv-SE" dirty="0" smtClean="0"/>
-              <a:t>Fördelar med </a:t>
+          <a:bodyPr>
+            <a:normAutofit/>
+          </a:bodyPr>
+          <a:lstStyle/>
+          <a:p>
+            <a:r>
+              <a:rPr lang="sv-SE" dirty="0" smtClean="0"/>
+              <a:t>Varför </a:t>
             </a:r>
             <a:r>
               <a:rPr lang="sv-SE" dirty="0" err="1" smtClean="0"/>
               <a:t>Groovy</a:t>
             </a:r>
+            <a:r>
+              <a:rPr lang="sv-SE" dirty="0" smtClean="0"/>
+              <a:t>?</a:t>
+            </a:r>
             <a:endParaRPr lang="sv-SE" dirty="0"/>
           </a:p>
         </p:txBody>
@@ -4005,47 +3943,100 @@
         </p:nvSpPr>
         <p:spPr/>
         <p:txBody>
-          <a:bodyPr/>
-          <a:lstStyle/>
-          <a:p>
-            <a:r>
-              <a:rPr lang="sv-SE" dirty="0" smtClean="0"/>
-              <a:t>Enkelt att lära för en Javaprogrammerare</a:t>
-            </a:r>
-          </a:p>
-          <a:p>
-            <a:r>
-              <a:rPr lang="sv-SE" dirty="0" smtClean="0"/>
-              <a:t>Helt kompatibelt med existerande Javaprojekt</a:t>
-            </a:r>
-          </a:p>
-          <a:p>
+          <a:bodyPr>
+            <a:normAutofit lnSpcReduction="10000"/>
+          </a:bodyPr>
+          <a:lstStyle/>
+          <a:p>
+            <a:r>
+              <a:rPr lang="sv-SE" dirty="0" smtClean="0"/>
+              <a:t>Det finns andra dynamiska språk som hanterar allt ovan, vissa bättre än </a:t>
+            </a:r>
             <a:r>
               <a:rPr lang="sv-SE" dirty="0" err="1" smtClean="0"/>
               <a:t>Groovy</a:t>
             </a:r>
-            <a:r>
-              <a:rPr lang="sv-SE" dirty="0" smtClean="0"/>
-              <a:t> ÄR Java – kompileras till .</a:t>
-            </a:r>
-            <a:r>
-              <a:rPr lang="sv-SE" dirty="0" err="1" smtClean="0"/>
-              <a:t>class-filer</a:t>
-            </a:r>
             <a:endParaRPr lang="sv-SE" dirty="0" smtClean="0"/>
           </a:p>
           <a:p>
             <a:r>
               <a:rPr lang="sv-SE" dirty="0" smtClean="0"/>
-              <a:t>Dynamiskt</a:t>
-            </a:r>
-          </a:p>
-          <a:p>
-            <a:r>
-              <a:rPr lang="sv-SE" dirty="0" smtClean="0"/>
-              <a:t>Utökar JDK för att förenkla utveckling</a:t>
-            </a:r>
-            <a:endParaRPr lang="sv-SE" dirty="0"/>
+              <a:t>Det finns ca 150 språk som kan köras på </a:t>
+            </a:r>
+            <a:r>
+              <a:rPr lang="sv-SE" dirty="0" err="1" smtClean="0"/>
+              <a:t>java-plattformen</a:t>
+            </a:r>
+            <a:endParaRPr lang="sv-SE" dirty="0" smtClean="0"/>
+          </a:p>
+          <a:p>
+            <a:pPr lvl="1"/>
+            <a:r>
+              <a:rPr lang="sv-SE" dirty="0" smtClean="0"/>
+              <a:t>Ruby (</a:t>
+            </a:r>
+            <a:r>
+              <a:rPr lang="sv-SE" dirty="0" err="1" smtClean="0"/>
+              <a:t>jRuby</a:t>
+            </a:r>
+            <a:r>
+              <a:rPr lang="sv-SE" dirty="0" smtClean="0"/>
+              <a:t>)</a:t>
+            </a:r>
+          </a:p>
+          <a:p>
+            <a:pPr lvl="1"/>
+            <a:r>
+              <a:rPr lang="sv-SE" dirty="0" err="1" smtClean="0"/>
+              <a:t>Python</a:t>
+            </a:r>
+            <a:r>
+              <a:rPr lang="sv-SE" dirty="0" smtClean="0"/>
+              <a:t> (</a:t>
+            </a:r>
+            <a:r>
+              <a:rPr lang="sv-SE" dirty="0" err="1" smtClean="0"/>
+              <a:t>Jython</a:t>
+            </a:r>
+            <a:r>
+              <a:rPr lang="sv-SE" dirty="0" smtClean="0"/>
+              <a:t>)</a:t>
+            </a:r>
+          </a:p>
+          <a:p>
+            <a:pPr lvl="1"/>
+            <a:r>
+              <a:rPr lang="sv-SE" dirty="0" err="1" smtClean="0"/>
+              <a:t>BeanShell</a:t>
+            </a:r>
+            <a:endParaRPr lang="sv-SE" dirty="0" smtClean="0"/>
+          </a:p>
+          <a:p>
+            <a:pPr lvl="1"/>
+            <a:r>
+              <a:rPr lang="sv-SE" dirty="0" smtClean="0"/>
+              <a:t>JavaScript</a:t>
+            </a:r>
+          </a:p>
+          <a:p>
+            <a:r>
+              <a:rPr lang="sv-SE" dirty="0" smtClean="0"/>
+              <a:t>Varför </a:t>
+            </a:r>
+            <a:r>
+              <a:rPr lang="sv-SE" dirty="0" err="1" smtClean="0"/>
+              <a:t>Groovy</a:t>
+            </a:r>
+            <a:r>
+              <a:rPr lang="sv-SE" dirty="0" smtClean="0"/>
+              <a:t>?</a:t>
+            </a:r>
+          </a:p>
+          <a:p>
+            <a:pPr lvl="1">
+              <a:buNone/>
+            </a:pPr>
+            <a:endParaRPr lang="sv-SE" dirty="0" smtClean="0"/>
           </a:p>
         </p:txBody>
       </p:sp>
@@ -4098,11 +4089,11 @@
           <a:p>
             <a:r>
               <a:rPr lang="sv-SE" dirty="0" smtClean="0"/>
-              <a:t>Enkelt att lära: </a:t>
-            </a:r>
-            <a:r>
-              <a:rPr lang="sv-SE" dirty="0" err="1" smtClean="0"/>
-              <a:t>HelloWorld.java</a:t>
+              <a:t>Fördelar med </a:t>
+            </a:r>
+            <a:r>
+              <a:rPr lang="sv-SE" dirty="0" err="1" smtClean="0"/>
+              <a:t>Groovy</a:t>
             </a:r>
             <a:endParaRPr lang="sv-SE" dirty="0"/>
           </a:p>
@@ -4123,23 +4114,41 @@
           <a:bodyPr/>
           <a:lstStyle/>
           <a:p>
-            <a:pPr>
-              <a:buNone/>
-            </a:pPr>
-            <a:r>
-              <a:rPr lang="sv-SE" dirty="0" smtClean="0"/>
-              <a:t>[</a:t>
-            </a:r>
-            <a:r>
-              <a:rPr lang="sv-SE" dirty="0" err="1" smtClean="0"/>
-              <a:t>helloWorld.java</a:t>
-            </a:r>
-            <a:r>
-              <a:rPr lang="sv-SE" dirty="0" smtClean="0"/>
-              <a:t>]</a:t>
-            </a:r>
-          </a:p>
-          <a:p>
+            <a:r>
+              <a:rPr lang="sv-SE" dirty="0" smtClean="0"/>
+              <a:t>Enkelt att lära för en Javaprogrammerare</a:t>
+            </a:r>
+          </a:p>
+          <a:p>
+            <a:r>
+              <a:rPr lang="sv-SE" dirty="0" smtClean="0"/>
+              <a:t>Helt kompatibelt med existerande Javaprojekt</a:t>
+            </a:r>
+          </a:p>
+          <a:p>
+            <a:r>
+              <a:rPr lang="sv-SE" dirty="0" err="1" smtClean="0"/>
+              <a:t>Groovy</a:t>
+            </a:r>
+            <a:r>
+              <a:rPr lang="sv-SE" dirty="0" smtClean="0"/>
+              <a:t> ÄR Java – kompileras till .</a:t>
+            </a:r>
+            <a:r>
+              <a:rPr lang="sv-SE" dirty="0" err="1" smtClean="0"/>
+              <a:t>class-filer</a:t>
+            </a:r>
+            <a:endParaRPr lang="sv-SE" dirty="0" smtClean="0"/>
+          </a:p>
+          <a:p>
+            <a:r>
+              <a:rPr lang="sv-SE" dirty="0" smtClean="0"/>
+              <a:t>Utökar </a:t>
+            </a:r>
+            <a:r>
+              <a:rPr lang="sv-SE" dirty="0" smtClean="0"/>
+              <a:t>JDK för att förenkla utveckling</a:t>
+            </a:r>
             <a:endParaRPr lang="sv-SE" dirty="0"/>
           </a:p>
         </p:txBody>
@@ -4149,6 +4158,13 @@
   <p:clrMapOvr>
     <a:masterClrMapping/>
   </p:clrMapOvr>
+  <p:timing>
+    <p:tnLst>
+      <p:par>
+        <p:cTn id="1" dur="indefinite" restart="never" nodeType="tmRoot"/>
+      </p:par>
+    </p:tnLst>
+  </p:timing>
 </p:sld>
 </file>
 
@@ -4185,8 +4201,12 @@
           <a:lstStyle/>
           <a:p>
             <a:r>
-              <a:rPr lang="sv-SE" dirty="0" err="1" smtClean="0"/>
-              <a:t>HelloWorld.groovy</a:t>
+              <a:rPr lang="sv-SE" dirty="0" smtClean="0"/>
+              <a:t>Enkelt att lära: </a:t>
+            </a:r>
+            <a:r>
+              <a:rPr lang="sv-SE" dirty="0" err="1" smtClean="0"/>
+              <a:t>HelloWorld.java</a:t>
             </a:r>
             <a:endParaRPr lang="sv-SE" dirty="0"/>
           </a:p>
@@ -4216,7 +4236,7 @@
             </a:r>
             <a:r>
               <a:rPr lang="sv-SE" dirty="0" err="1" smtClean="0"/>
-              <a:t>helloWorld.groovy</a:t>
+              <a:t>helloWorld.java</a:t>
             </a:r>
             <a:r>
               <a:rPr lang="sv-SE" dirty="0" smtClean="0"/>
@@ -4265,15 +4285,14 @@
         </p:nvSpPr>
         <p:spPr/>
         <p:txBody>
-          <a:bodyPr>
-            <a:normAutofit fontScale="90000"/>
-          </a:bodyPr>
-          <a:lstStyle/>
-          <a:p>
-            <a:r>
-              <a:rPr lang="sv-SE" dirty="0" smtClean="0"/>
-              <a:t>Helt kompatibelt med existerande Javaprojekt</a:t>
-            </a:r>
+          <a:bodyPr/>
+          <a:lstStyle/>
+          <a:p>
+            <a:r>
+              <a:rPr lang="sv-SE" dirty="0" err="1" smtClean="0"/>
+              <a:t>HelloWorld.groovy</a:t>
+            </a:r>
+            <a:endParaRPr lang="sv-SE" dirty="0"/>
           </a:p>
         </p:txBody>
       </p:sp>
@@ -4289,69 +4308,26 @@
         </p:nvSpPr>
         <p:spPr/>
         <p:txBody>
-          <a:bodyPr>
-            <a:normAutofit fontScale="92500"/>
-          </a:bodyPr>
-          <a:lstStyle/>
-          <a:p>
-            <a:r>
-              <a:rPr lang="sv-SE" dirty="0" err="1" smtClean="0"/>
-              <a:t>Groovyklasser</a:t>
-            </a:r>
-            <a:r>
-              <a:rPr lang="sv-SE" dirty="0" smtClean="0"/>
-              <a:t> kompileras till .</a:t>
-            </a:r>
-            <a:r>
-              <a:rPr lang="sv-SE" dirty="0" err="1" smtClean="0"/>
-              <a:t>class-filer</a:t>
-            </a:r>
-            <a:r>
-              <a:rPr lang="sv-SE" dirty="0" smtClean="0"/>
-              <a:t> </a:t>
-            </a:r>
-          </a:p>
-          <a:p>
-            <a:r>
-              <a:rPr lang="sv-SE" dirty="0" smtClean="0"/>
-              <a:t>Ett javaprogram vet inte, och bryr sig inte, om en klass är kompilerad från </a:t>
-            </a:r>
-            <a:r>
-              <a:rPr lang="sv-SE" dirty="0" err="1" smtClean="0"/>
-              <a:t>Groovy</a:t>
-            </a:r>
-            <a:r>
-              <a:rPr lang="sv-SE" dirty="0" smtClean="0"/>
-              <a:t> eller från Java</a:t>
-            </a:r>
-          </a:p>
-          <a:p>
-            <a:r>
-              <a:rPr lang="sv-SE" dirty="0" smtClean="0"/>
-              <a:t>Från en Javaklass kan man använda en </a:t>
-            </a:r>
-            <a:r>
-              <a:rPr lang="sv-SE" dirty="0" err="1" smtClean="0"/>
-              <a:t>Groovyklass</a:t>
-            </a:r>
-            <a:r>
-              <a:rPr lang="sv-SE" dirty="0" smtClean="0"/>
-              <a:t> precis som vilken kompilerad klass som helst</a:t>
-            </a:r>
-          </a:p>
-          <a:p>
-            <a:r>
-              <a:rPr lang="sv-SE" dirty="0" smtClean="0"/>
-              <a:t>Från en </a:t>
-            </a:r>
-            <a:r>
-              <a:rPr lang="sv-SE" dirty="0" err="1" smtClean="0"/>
-              <a:t>Groovyklass</a:t>
-            </a:r>
-            <a:r>
-              <a:rPr lang="sv-SE" dirty="0" smtClean="0"/>
-              <a:t> kan man använda en Javaklass på precis samma sätt som man gör från en Javaklass</a:t>
-            </a:r>
+          <a:bodyPr/>
+          <a:lstStyle/>
+          <a:p>
+            <a:pPr>
+              <a:buNone/>
+            </a:pPr>
+            <a:r>
+              <a:rPr lang="sv-SE" dirty="0" smtClean="0"/>
+              <a:t>[</a:t>
+            </a:r>
+            <a:r>
+              <a:rPr lang="sv-SE" dirty="0" err="1" smtClean="0"/>
+              <a:t>helloWorld.groovy</a:t>
+            </a:r>
+            <a:r>
+              <a:rPr lang="sv-SE" dirty="0" smtClean="0"/>
+              <a:t>]</a:t>
+            </a:r>
+          </a:p>
+          <a:p>
             <a:endParaRPr lang="sv-SE" dirty="0"/>
           </a:p>
         </p:txBody>
@@ -4361,13 +4337,6 @@
   <p:clrMapOvr>
     <a:masterClrMapping/>
   </p:clrMapOvr>
-  <p:timing>
-    <p:tnLst>
-      <p:par>
-        <p:cTn id="1" dur="indefinite" restart="never" nodeType="tmRoot"/>
-      </p:par>
-    </p:tnLst>
-  </p:timing>
 </p:sld>
 </file>
 
@@ -4400,18 +4369,15 @@
         </p:nvSpPr>
         <p:spPr/>
         <p:txBody>
-          <a:bodyPr/>
-          <a:lstStyle/>
-          <a:p>
-            <a:r>
-              <a:rPr lang="sv-SE" dirty="0" err="1" smtClean="0"/>
-              <a:t>Shoppingcart</a:t>
-            </a:r>
-            <a:r>
-              <a:rPr lang="sv-SE" dirty="0" smtClean="0"/>
-              <a:t> klassdiagram</a:t>
-            </a:r>
-            <a:endParaRPr lang="sv-SE" dirty="0"/>
+          <a:bodyPr>
+            <a:normAutofit fontScale="90000"/>
+          </a:bodyPr>
+          <a:lstStyle/>
+          <a:p>
+            <a:r>
+              <a:rPr lang="sv-SE" dirty="0" smtClean="0"/>
+              <a:t>Helt kompatibelt med existerande Javaprojekt</a:t>
+            </a:r>
           </a:p>
         </p:txBody>
       </p:sp>
@@ -4427,15 +4393,101 @@
         </p:nvSpPr>
         <p:spPr/>
         <p:txBody>
-          <a:bodyPr/>
-          <a:lstStyle/>
-          <a:p>
-            <a:pPr>
-              <a:buNone/>
-            </a:pPr>
-            <a:r>
-              <a:rPr lang="sv-SE" smtClean="0"/>
-              <a:t>Klassdiagram</a:t>
+          <a:bodyPr>
+            <a:normAutofit fontScale="92500" lnSpcReduction="10000"/>
+          </a:bodyPr>
+          <a:lstStyle/>
+          <a:p>
+            <a:r>
+              <a:rPr lang="sv-SE" dirty="0" err="1" smtClean="0"/>
+              <a:t>Groovyklasser</a:t>
+            </a:r>
+            <a:r>
+              <a:rPr lang="sv-SE" dirty="0" smtClean="0"/>
+              <a:t> kompileras till .</a:t>
+            </a:r>
+            <a:r>
+              <a:rPr lang="sv-SE" dirty="0" err="1" smtClean="0"/>
+              <a:t>class-filer</a:t>
+            </a:r>
+            <a:r>
+              <a:rPr lang="sv-SE" dirty="0" smtClean="0"/>
+              <a:t> </a:t>
+            </a:r>
+          </a:p>
+          <a:p>
+            <a:r>
+              <a:rPr lang="sv-SE" dirty="0" smtClean="0"/>
+              <a:t>Ett javaprogram </a:t>
+            </a:r>
+            <a:r>
+              <a:rPr lang="sv-SE" dirty="0" smtClean="0"/>
+              <a:t>bryr </a:t>
+            </a:r>
+            <a:r>
+              <a:rPr lang="sv-SE" dirty="0" smtClean="0"/>
+              <a:t>sig </a:t>
+            </a:r>
+            <a:r>
+              <a:rPr lang="sv-SE" dirty="0" smtClean="0"/>
+              <a:t>inte om </a:t>
+            </a:r>
+            <a:r>
+              <a:rPr lang="sv-SE" dirty="0" smtClean="0"/>
+              <a:t>en klass är kompilerad från </a:t>
+            </a:r>
+            <a:r>
+              <a:rPr lang="sv-SE" dirty="0" err="1" smtClean="0"/>
+              <a:t>Groovy</a:t>
+            </a:r>
+            <a:r>
+              <a:rPr lang="sv-SE" dirty="0" smtClean="0"/>
+              <a:t> eller från </a:t>
+            </a:r>
+            <a:r>
+              <a:rPr lang="sv-SE" dirty="0" smtClean="0"/>
+              <a:t>Java. Det enda som behövs är </a:t>
+            </a:r>
+            <a:r>
+              <a:rPr lang="sv-SE" dirty="0" err="1" smtClean="0"/>
+              <a:t>groovy-all.jar</a:t>
+            </a:r>
+            <a:r>
+              <a:rPr lang="sv-SE" dirty="0" smtClean="0"/>
+              <a:t> i </a:t>
+            </a:r>
+            <a:r>
+              <a:rPr lang="sv-SE" dirty="0" err="1" smtClean="0"/>
+              <a:t>classpathen</a:t>
+            </a:r>
+            <a:endParaRPr lang="sv-SE" dirty="0" smtClean="0"/>
+          </a:p>
+          <a:p>
+            <a:r>
+              <a:rPr lang="sv-SE" dirty="0" smtClean="0"/>
+              <a:t>Från en Javaklass kan man använda en </a:t>
+            </a:r>
+            <a:r>
+              <a:rPr lang="sv-SE" dirty="0" err="1" smtClean="0"/>
+              <a:t>Groovyklass</a:t>
+            </a:r>
+            <a:r>
+              <a:rPr lang="sv-SE" dirty="0" smtClean="0"/>
+              <a:t> precis som vilken kompilerad klass som helst</a:t>
+            </a:r>
+          </a:p>
+          <a:p>
+            <a:r>
+              <a:rPr lang="sv-SE" dirty="0" smtClean="0"/>
+              <a:t>Från en </a:t>
+            </a:r>
+            <a:r>
+              <a:rPr lang="sv-SE" dirty="0" err="1" smtClean="0"/>
+              <a:t>Groovyklass</a:t>
+            </a:r>
+            <a:r>
+              <a:rPr lang="sv-SE" dirty="0" smtClean="0"/>
+              <a:t> kan man använda en Javaklass på precis samma sätt som man gör från en Javaklass</a:t>
             </a:r>
             <a:endParaRPr lang="sv-SE" dirty="0"/>
           </a:p>
@@ -4446,6 +4498,13 @@
   <p:clrMapOvr>
     <a:masterClrMapping/>
   </p:clrMapOvr>
+  <p:timing>
+    <p:tnLst>
+      <p:par>
+        <p:cTn id="1" dur="indefinite" restart="never" nodeType="tmRoot"/>
+      </p:par>
+    </p:tnLst>
+  </p:timing>
 </p:sld>
 </file>
 
@@ -4482,8 +4541,8 @@
           <a:lstStyle/>
           <a:p>
             <a:r>
-              <a:rPr lang="sv-SE" dirty="0" smtClean="0"/>
-              <a:t>Historik</a:t>
+              <a:rPr lang="sv-SE" dirty="0" err="1" smtClean="0"/>
+              <a:t>Groovy</a:t>
             </a:r>
             <a:endParaRPr lang="sv-SE" dirty="0"/>
           </a:p>
@@ -4504,6 +4563,20 @@
           <a:bodyPr/>
           <a:lstStyle/>
           <a:p>
+            <a:r>
+              <a:rPr lang="sv-SE" dirty="0" smtClean="0"/>
+              <a:t>Dynamiskt språk</a:t>
+            </a:r>
+          </a:p>
+          <a:p>
+            <a:r>
+              <a:rPr lang="sv-SE" dirty="0" smtClean="0"/>
+              <a:t>Kompatibelt med </a:t>
+            </a:r>
+            <a:r>
+              <a:rPr lang="sv-SE" dirty="0" err="1" smtClean="0"/>
+              <a:t>java-kod</a:t>
+            </a:r>
             <a:endParaRPr lang="sv-SE" dirty="0" smtClean="0"/>
           </a:p>
           <a:p>
@@ -4521,8 +4594,13 @@
           <a:p>
             <a:r>
               <a:rPr lang="sv-SE" dirty="0" smtClean="0"/>
-              <a:t>Ny grupp utvecklare tog över strax efter</a:t>
-            </a:r>
+              <a:t>Ny grupp utvecklare tog över </a:t>
+            </a:r>
+            <a:r>
+              <a:rPr lang="sv-SE" dirty="0" smtClean="0"/>
+              <a:t>2004</a:t>
+            </a:r>
+            <a:endParaRPr lang="sv-SE" dirty="0" smtClean="0"/>
           </a:p>
           <a:p>
             <a:r>
@@ -4590,12 +4668,18 @@
         </p:nvSpPr>
         <p:spPr/>
         <p:txBody>
-          <a:bodyPr/>
-          <a:lstStyle/>
-          <a:p>
-            <a:r>
-              <a:rPr lang="sv-SE" dirty="0" err="1" smtClean="0"/>
-              <a:t>Item.groovy</a:t>
+          <a:bodyPr>
+            <a:normAutofit fontScale="90000"/>
+          </a:bodyPr>
+          <a:lstStyle/>
+          <a:p>
+            <a:r>
+              <a:rPr lang="sv-SE" dirty="0" smtClean="0"/>
+              <a:t>Utökar JDK för att förenkla </a:t>
+            </a:r>
+            <a:r>
+              <a:rPr lang="sv-SE" dirty="0" smtClean="0"/>
+              <a:t>utveckling</a:t>
             </a:r>
             <a:endParaRPr lang="sv-SE" dirty="0"/>
           </a:p>
@@ -4625,7 +4709,7 @@
             </a:r>
             <a:r>
               <a:rPr lang="sv-SE" dirty="0" err="1" smtClean="0"/>
-              <a:t>Item.groovy</a:t>
+              <a:t>helloWorld.groovy</a:t>
             </a:r>
             <a:r>
               <a:rPr lang="sv-SE" dirty="0" smtClean="0"/>
@@ -4640,13 +4724,6 @@
   <p:clrMapOvr>
     <a:masterClrMapping/>
   </p:clrMapOvr>
-  <p:timing>
-    <p:tnLst>
-      <p:par>
-        <p:cTn id="1" dur="indefinite" restart="never" nodeType="tmRoot"/>
-      </p:par>
-    </p:tnLst>
-  </p:timing>
 </p:sld>
 </file>
 
@@ -4684,7 +4761,7 @@
           <a:p>
             <a:r>
               <a:rPr lang="sv-SE" dirty="0" err="1" smtClean="0"/>
-              <a:t>ShoppingCart.java</a:t>
+              <a:t>Exceptions</a:t>
             </a:r>
             <a:endParaRPr lang="sv-SE" dirty="0"/>
           </a:p>
@@ -4714,7 +4791,7 @@
             </a:r>
             <a:r>
               <a:rPr lang="sv-SE" dirty="0" err="1" smtClean="0"/>
-              <a:t>ShoppingCart.java</a:t>
+              <a:t>Exceptions.java</a:t>
             </a:r>
             <a:r>
               <a:rPr lang="sv-SE" dirty="0" smtClean="0"/>
@@ -4729,13 +4806,6 @@
   <p:clrMapOvr>
     <a:masterClrMapping/>
   </p:clrMapOvr>
-  <p:timing>
-    <p:tnLst>
-      <p:par>
-        <p:cTn id="1" dur="indefinite" restart="never" nodeType="tmRoot"/>
-      </p:par>
-    </p:tnLst>
-  </p:timing>
 </p:sld>
 </file>
 
@@ -4773,7 +4843,7 @@
           <a:p>
             <a:r>
               <a:rPr lang="sv-SE" dirty="0" err="1" smtClean="0"/>
-              <a:t>UseShoppingCart.java</a:t>
+              <a:t>Exceptions</a:t>
             </a:r>
             <a:endParaRPr lang="sv-SE" dirty="0"/>
           </a:p>
@@ -4789,12 +4859,7 @@
             <p:ph idx="1"/>
           </p:nvPr>
         </p:nvSpPr>
-        <p:spPr>
-          <a:xfrm>
-            <a:off x="457200" y="1285860"/>
-            <a:ext cx="8229600" cy="4525963"/>
-          </a:xfrm>
-        </p:spPr>
+        <p:spPr/>
         <p:txBody>
           <a:bodyPr/>
           <a:lstStyle/>
@@ -4808,7 +4873,7 @@
             </a:r>
             <a:r>
               <a:rPr lang="sv-SE" dirty="0" err="1" smtClean="0"/>
-              <a:t>UseShoppingCart.java</a:t>
+              <a:t>Exceptions.groovy</a:t>
             </a:r>
             <a:r>
               <a:rPr lang="sv-SE" dirty="0" smtClean="0"/>
@@ -4855,12 +4920,18 @@
         </p:nvSpPr>
         <p:spPr/>
         <p:txBody>
-          <a:bodyPr/>
-          <a:lstStyle/>
-          <a:p>
-            <a:r>
-              <a:rPr lang="sv-SE" dirty="0" err="1" smtClean="0"/>
-              <a:t>UseShoppingCart.groovy</a:t>
+          <a:bodyPr>
+            <a:normAutofit fontScale="90000"/>
+          </a:bodyPr>
+          <a:lstStyle/>
+          <a:p>
+            <a:r>
+              <a:rPr lang="sv-SE" dirty="0" smtClean="0"/>
+              <a:t>Enkelt att slippa </a:t>
+            </a:r>
+            <a:r>
+              <a:rPr lang="sv-SE" dirty="0" err="1" smtClean="0"/>
+              <a:t>NullPointerExceptions</a:t>
             </a:r>
             <a:endParaRPr lang="sv-SE" dirty="0"/>
           </a:p>
@@ -4890,7 +4961,529 @@
             </a:r>
             <a:r>
               <a:rPr lang="sv-SE" dirty="0" err="1" smtClean="0"/>
-              <a:t>UseShoppingCart.groovy</a:t>
+              <a:t>Nullsafe.java</a:t>
+            </a:r>
+            <a:r>
+              <a:rPr lang="sv-SE" dirty="0" smtClean="0"/>
+              <a:t>]</a:t>
+            </a:r>
+            <a:endParaRPr lang="sv-SE" dirty="0"/>
+          </a:p>
+        </p:txBody>
+      </p:sp>
+    </p:spTree>
+  </p:cSld>
+  <p:clrMapOvr>
+    <a:masterClrMapping/>
+  </p:clrMapOvr>
+</p:sld>
+</file>
+
+<file path=ppt/slides/slide24.xml><?xml version="1.0" encoding="utf-8"?>
+<p:sld xmlns:a="http://schemas.openxmlformats.org/drawingml/2006/main" xmlns:r="http://schemas.openxmlformats.org/officeDocument/2006/relationships" xmlns:p="http://schemas.openxmlformats.org/presentationml/2006/main">
+  <p:cSld>
+    <p:spTree>
+      <p:nvGrpSpPr>
+        <p:cNvPr id="1" name=""/>
+        <p:cNvGrpSpPr/>
+        <p:nvPr/>
+      </p:nvGrpSpPr>
+      <p:grpSpPr>
+        <a:xfrm>
+          <a:off x="0" y="0"/>
+          <a:ext cx="0" cy="0"/>
+          <a:chOff x="0" y="0"/>
+          <a:chExt cx="0" cy="0"/>
+        </a:xfrm>
+      </p:grpSpPr>
+      <p:sp>
+        <p:nvSpPr>
+          <p:cNvPr id="2" name="Rubrik 1"/>
+          <p:cNvSpPr>
+            <a:spLocks noGrp="1"/>
+          </p:cNvSpPr>
+          <p:nvPr>
+            <p:ph type="title"/>
+          </p:nvPr>
+        </p:nvSpPr>
+        <p:spPr/>
+        <p:txBody>
+          <a:bodyPr>
+            <a:normAutofit fontScale="90000"/>
+          </a:bodyPr>
+          <a:lstStyle/>
+          <a:p>
+            <a:r>
+              <a:rPr lang="sv-SE" dirty="0" smtClean="0"/>
+              <a:t>Enkelt att slippa </a:t>
+            </a:r>
+            <a:r>
+              <a:rPr lang="sv-SE" dirty="0" err="1" smtClean="0"/>
+              <a:t>NullPointerExceptions</a:t>
+            </a:r>
+            <a:endParaRPr lang="sv-SE" dirty="0"/>
+          </a:p>
+        </p:txBody>
+      </p:sp>
+      <p:sp>
+        <p:nvSpPr>
+          <p:cNvPr id="3" name="Platshållare för innehåll 2"/>
+          <p:cNvSpPr>
+            <a:spLocks noGrp="1"/>
+          </p:cNvSpPr>
+          <p:nvPr>
+            <p:ph idx="1"/>
+          </p:nvPr>
+        </p:nvSpPr>
+        <p:spPr/>
+        <p:txBody>
+          <a:bodyPr/>
+          <a:lstStyle/>
+          <a:p>
+            <a:pPr>
+              <a:buNone/>
+            </a:pPr>
+            <a:r>
+              <a:rPr lang="sv-SE" dirty="0" smtClean="0"/>
+              <a:t>[</a:t>
+            </a:r>
+            <a:r>
+              <a:rPr lang="sv-SE" dirty="0" err="1" smtClean="0"/>
+              <a:t>Nullsafe.groovy</a:t>
+            </a:r>
+            <a:r>
+              <a:rPr lang="sv-SE" dirty="0" smtClean="0"/>
+              <a:t>]</a:t>
+            </a:r>
+            <a:endParaRPr lang="sv-SE" dirty="0"/>
+          </a:p>
+        </p:txBody>
+      </p:sp>
+    </p:spTree>
+  </p:cSld>
+  <p:clrMapOvr>
+    <a:masterClrMapping/>
+  </p:clrMapOvr>
+</p:sld>
+</file>
+
+<file path=ppt/slides/slide25.xml><?xml version="1.0" encoding="utf-8"?>
+<p:sld xmlns:a="http://schemas.openxmlformats.org/drawingml/2006/main" xmlns:r="http://schemas.openxmlformats.org/officeDocument/2006/relationships" xmlns:p="http://schemas.openxmlformats.org/presentationml/2006/main">
+  <p:cSld>
+    <p:spTree>
+      <p:nvGrpSpPr>
+        <p:cNvPr id="1" name=""/>
+        <p:cNvGrpSpPr/>
+        <p:nvPr/>
+      </p:nvGrpSpPr>
+      <p:grpSpPr>
+        <a:xfrm>
+          <a:off x="0" y="0"/>
+          <a:ext cx="0" cy="0"/>
+          <a:chOff x="0" y="0"/>
+          <a:chExt cx="0" cy="0"/>
+        </a:xfrm>
+      </p:grpSpPr>
+      <p:sp>
+        <p:nvSpPr>
+          <p:cNvPr id="2" name="Rubrik 1"/>
+          <p:cNvSpPr>
+            <a:spLocks noGrp="1"/>
+          </p:cNvSpPr>
+          <p:nvPr>
+            <p:ph type="title"/>
+          </p:nvPr>
+        </p:nvSpPr>
+        <p:spPr/>
+        <p:txBody>
+          <a:bodyPr/>
+          <a:lstStyle/>
+          <a:p>
+            <a:r>
+              <a:rPr lang="sv-SE" dirty="0" smtClean="0"/>
+              <a:t>Slipp generera getters/setters</a:t>
+            </a:r>
+            <a:endParaRPr lang="sv-SE" dirty="0"/>
+          </a:p>
+        </p:txBody>
+      </p:sp>
+      <p:sp>
+        <p:nvSpPr>
+          <p:cNvPr id="3" name="Platshållare för innehåll 2"/>
+          <p:cNvSpPr>
+            <a:spLocks noGrp="1"/>
+          </p:cNvSpPr>
+          <p:nvPr>
+            <p:ph idx="1"/>
+          </p:nvPr>
+        </p:nvSpPr>
+        <p:spPr/>
+        <p:txBody>
+          <a:bodyPr/>
+          <a:lstStyle/>
+          <a:p>
+            <a:pPr>
+              <a:buNone/>
+            </a:pPr>
+            <a:r>
+              <a:rPr lang="sv-SE" dirty="0" smtClean="0"/>
+              <a:t>[</a:t>
+            </a:r>
+            <a:r>
+              <a:rPr lang="sv-SE" dirty="0" err="1" smtClean="0"/>
+              <a:t>G</a:t>
+            </a:r>
+            <a:r>
+              <a:rPr lang="sv-SE" dirty="0" err="1" smtClean="0"/>
+              <a:t>ettersSetters.groovy</a:t>
+            </a:r>
+            <a:r>
+              <a:rPr lang="sv-SE" dirty="0" smtClean="0"/>
+              <a:t>]</a:t>
+            </a:r>
+            <a:endParaRPr lang="sv-SE" dirty="0"/>
+          </a:p>
+        </p:txBody>
+      </p:sp>
+    </p:spTree>
+  </p:cSld>
+  <p:clrMapOvr>
+    <a:masterClrMapping/>
+  </p:clrMapOvr>
+</p:sld>
+</file>
+
+<file path=ppt/slides/slide26.xml><?xml version="1.0" encoding="utf-8"?>
+<p:sld xmlns:a="http://schemas.openxmlformats.org/drawingml/2006/main" xmlns:r="http://schemas.openxmlformats.org/officeDocument/2006/relationships" xmlns:p="http://schemas.openxmlformats.org/presentationml/2006/main">
+  <p:cSld>
+    <p:spTree>
+      <p:nvGrpSpPr>
+        <p:cNvPr id="1" name=""/>
+        <p:cNvGrpSpPr/>
+        <p:nvPr/>
+      </p:nvGrpSpPr>
+      <p:grpSpPr>
+        <a:xfrm>
+          <a:off x="0" y="0"/>
+          <a:ext cx="0" cy="0"/>
+          <a:chOff x="0" y="0"/>
+          <a:chExt cx="0" cy="0"/>
+        </a:xfrm>
+      </p:grpSpPr>
+      <p:sp>
+        <p:nvSpPr>
+          <p:cNvPr id="2" name="Rubrik 1"/>
+          <p:cNvSpPr>
+            <a:spLocks noGrp="1"/>
+          </p:cNvSpPr>
+          <p:nvPr>
+            <p:ph type="title"/>
+          </p:nvPr>
+        </p:nvSpPr>
+        <p:spPr/>
+        <p:txBody>
+          <a:bodyPr/>
+          <a:lstStyle/>
+          <a:p>
+            <a:r>
+              <a:rPr lang="sv-SE" dirty="0" smtClean="0"/>
+              <a:t>Operator </a:t>
+            </a:r>
+            <a:r>
+              <a:rPr lang="sv-SE" dirty="0" err="1" smtClean="0"/>
+              <a:t>overloading</a:t>
+            </a:r>
+            <a:endParaRPr lang="sv-SE" dirty="0"/>
+          </a:p>
+        </p:txBody>
+      </p:sp>
+      <p:sp>
+        <p:nvSpPr>
+          <p:cNvPr id="3" name="Platshållare för innehåll 2"/>
+          <p:cNvSpPr>
+            <a:spLocks noGrp="1"/>
+          </p:cNvSpPr>
+          <p:nvPr>
+            <p:ph idx="1"/>
+          </p:nvPr>
+        </p:nvSpPr>
+        <p:spPr/>
+        <p:txBody>
+          <a:bodyPr/>
+          <a:lstStyle/>
+          <a:p>
+            <a:pPr>
+              <a:buNone/>
+            </a:pPr>
+            <a:endParaRPr lang="sv-SE" dirty="0"/>
+          </a:p>
+        </p:txBody>
+      </p:sp>
+    </p:spTree>
+  </p:cSld>
+  <p:clrMapOvr>
+    <a:masterClrMapping/>
+  </p:clrMapOvr>
+</p:sld>
+</file>
+
+<file path=ppt/slides/slide27.xml><?xml version="1.0" encoding="utf-8"?>
+<p:sld xmlns:a="http://schemas.openxmlformats.org/drawingml/2006/main" xmlns:r="http://schemas.openxmlformats.org/officeDocument/2006/relationships" xmlns:p="http://schemas.openxmlformats.org/presentationml/2006/main">
+  <p:cSld>
+    <p:spTree>
+      <p:nvGrpSpPr>
+        <p:cNvPr id="1" name=""/>
+        <p:cNvGrpSpPr/>
+        <p:nvPr/>
+      </p:nvGrpSpPr>
+      <p:grpSpPr>
+        <a:xfrm>
+          <a:off x="0" y="0"/>
+          <a:ext cx="0" cy="0"/>
+          <a:chOff x="0" y="0"/>
+          <a:chExt cx="0" cy="0"/>
+        </a:xfrm>
+      </p:grpSpPr>
+      <p:sp>
+        <p:nvSpPr>
+          <p:cNvPr id="2" name="Rubrik 1"/>
+          <p:cNvSpPr>
+            <a:spLocks noGrp="1"/>
+          </p:cNvSpPr>
+          <p:nvPr>
+            <p:ph type="title"/>
+          </p:nvPr>
+        </p:nvSpPr>
+        <p:spPr/>
+        <p:txBody>
+          <a:bodyPr/>
+          <a:lstStyle/>
+          <a:p>
+            <a:r>
+              <a:rPr lang="sv-SE" dirty="0" smtClean="0"/>
+              <a:t>Default </a:t>
+            </a:r>
+            <a:r>
+              <a:rPr lang="sv-SE" dirty="0" err="1" smtClean="0"/>
+              <a:t>konstruktor</a:t>
+            </a:r>
+            <a:r>
+              <a:rPr lang="sv-SE" dirty="0" smtClean="0"/>
+              <a:t> räcker oftast</a:t>
+            </a:r>
+            <a:endParaRPr lang="sv-SE" dirty="0"/>
+          </a:p>
+        </p:txBody>
+      </p:sp>
+      <p:sp>
+        <p:nvSpPr>
+          <p:cNvPr id="3" name="Platshållare för innehåll 2"/>
+          <p:cNvSpPr>
+            <a:spLocks noGrp="1"/>
+          </p:cNvSpPr>
+          <p:nvPr>
+            <p:ph idx="1"/>
+          </p:nvPr>
+        </p:nvSpPr>
+        <p:spPr/>
+        <p:txBody>
+          <a:bodyPr/>
+          <a:lstStyle/>
+          <a:p>
+            <a:pPr>
+              <a:buNone/>
+            </a:pPr>
+            <a:r>
+              <a:rPr lang="sv-SE" dirty="0" smtClean="0"/>
+              <a:t>[</a:t>
+            </a:r>
+            <a:r>
+              <a:rPr lang="sv-SE" dirty="0" err="1" smtClean="0"/>
+              <a:t>UsingDefaultConstructor.groovy</a:t>
+            </a:r>
+            <a:r>
+              <a:rPr lang="sv-SE" dirty="0" smtClean="0"/>
+              <a:t>]</a:t>
+            </a:r>
+            <a:endParaRPr lang="sv-SE" dirty="0"/>
+          </a:p>
+        </p:txBody>
+      </p:sp>
+    </p:spTree>
+  </p:cSld>
+  <p:clrMapOvr>
+    <a:masterClrMapping/>
+  </p:clrMapOvr>
+</p:sld>
+</file>
+
+<file path=ppt/slides/slide28.xml><?xml version="1.0" encoding="utf-8"?>
+<p:sld xmlns:a="http://schemas.openxmlformats.org/drawingml/2006/main" xmlns:r="http://schemas.openxmlformats.org/officeDocument/2006/relationships" xmlns:p="http://schemas.openxmlformats.org/presentationml/2006/main">
+  <p:cSld>
+    <p:spTree>
+      <p:nvGrpSpPr>
+        <p:cNvPr id="1" name=""/>
+        <p:cNvGrpSpPr/>
+        <p:nvPr/>
+      </p:nvGrpSpPr>
+      <p:grpSpPr>
+        <a:xfrm>
+          <a:off x="0" y="0"/>
+          <a:ext cx="0" cy="0"/>
+          <a:chOff x="0" y="0"/>
+          <a:chExt cx="0" cy="0"/>
+        </a:xfrm>
+      </p:grpSpPr>
+      <p:sp>
+        <p:nvSpPr>
+          <p:cNvPr id="2" name="Rubrik 1"/>
+          <p:cNvSpPr>
+            <a:spLocks noGrp="1"/>
+          </p:cNvSpPr>
+          <p:nvPr>
+            <p:ph type="title"/>
+          </p:nvPr>
+        </p:nvSpPr>
+        <p:spPr/>
+        <p:txBody>
+          <a:bodyPr/>
+          <a:lstStyle/>
+          <a:p>
+            <a:r>
+              <a:rPr lang="sv-SE" dirty="0" err="1" smtClean="0"/>
+              <a:t>Groovy</a:t>
+            </a:r>
+            <a:r>
+              <a:rPr lang="sv-SE" dirty="0" smtClean="0"/>
+              <a:t> </a:t>
+            </a:r>
+            <a:r>
+              <a:rPr lang="sv-SE" dirty="0" err="1" smtClean="0"/>
+              <a:t>truth</a:t>
+            </a:r>
+            <a:endParaRPr lang="sv-SE" dirty="0"/>
+          </a:p>
+        </p:txBody>
+      </p:sp>
+      <p:sp>
+        <p:nvSpPr>
+          <p:cNvPr id="3" name="Platshållare för innehåll 2"/>
+          <p:cNvSpPr>
+            <a:spLocks noGrp="1"/>
+          </p:cNvSpPr>
+          <p:nvPr>
+            <p:ph idx="1"/>
+          </p:nvPr>
+        </p:nvSpPr>
+        <p:spPr/>
+        <p:txBody>
+          <a:bodyPr/>
+          <a:lstStyle/>
+          <a:p>
+            <a:pPr>
+              <a:buNone/>
+            </a:pPr>
+            <a:r>
+              <a:rPr lang="sv-SE" dirty="0" smtClean="0"/>
+              <a:t>[</a:t>
+            </a:r>
+            <a:r>
+              <a:rPr lang="sv-SE" dirty="0" err="1" smtClean="0"/>
+              <a:t>TestGroovyTruth.groovy</a:t>
+            </a:r>
+            <a:r>
+              <a:rPr lang="sv-SE" dirty="0" smtClean="0"/>
+              <a:t>]</a:t>
+            </a:r>
+            <a:endParaRPr lang="sv-SE" dirty="0"/>
+          </a:p>
+        </p:txBody>
+      </p:sp>
+    </p:spTree>
+  </p:cSld>
+  <p:clrMapOvr>
+    <a:masterClrMapping/>
+  </p:clrMapOvr>
+</p:sld>
+</file>
+
+<file path=ppt/slides/slide29.xml><?xml version="1.0" encoding="utf-8"?>
+<p:sld xmlns:a="http://schemas.openxmlformats.org/drawingml/2006/main" xmlns:r="http://schemas.openxmlformats.org/officeDocument/2006/relationships" xmlns:p="http://schemas.openxmlformats.org/presentationml/2006/main">
+  <p:cSld>
+    <p:spTree>
+      <p:nvGrpSpPr>
+        <p:cNvPr id="1" name=""/>
+        <p:cNvGrpSpPr/>
+        <p:nvPr/>
+      </p:nvGrpSpPr>
+      <p:grpSpPr>
+        <a:xfrm>
+          <a:off x="0" y="0"/>
+          <a:ext cx="0" cy="0"/>
+          <a:chOff x="0" y="0"/>
+          <a:chExt cx="0" cy="0"/>
+        </a:xfrm>
+      </p:grpSpPr>
+      <p:sp>
+        <p:nvSpPr>
+          <p:cNvPr id="2" name="Rubrik 1"/>
+          <p:cNvSpPr>
+            <a:spLocks noGrp="1"/>
+          </p:cNvSpPr>
+          <p:nvPr>
+            <p:ph type="title"/>
+          </p:nvPr>
+        </p:nvSpPr>
+        <p:spPr/>
+        <p:txBody>
+          <a:bodyPr/>
+          <a:lstStyle/>
+          <a:p>
+            <a:r>
+              <a:rPr lang="sv-SE" dirty="0" err="1" smtClean="0"/>
+              <a:t>Groovy</a:t>
+            </a:r>
+            <a:r>
+              <a:rPr lang="sv-SE" dirty="0" smtClean="0"/>
+              <a:t> </a:t>
+            </a:r>
+            <a:r>
+              <a:rPr lang="sv-SE" dirty="0" err="1" smtClean="0"/>
+              <a:t>truth</a:t>
+            </a:r>
+            <a:endParaRPr lang="sv-SE" dirty="0"/>
+          </a:p>
+        </p:txBody>
+      </p:sp>
+      <p:sp>
+        <p:nvSpPr>
+          <p:cNvPr id="3" name="Platshållare för innehåll 2"/>
+          <p:cNvSpPr>
+            <a:spLocks noGrp="1"/>
+          </p:cNvSpPr>
+          <p:nvPr>
+            <p:ph idx="1"/>
+          </p:nvPr>
+        </p:nvSpPr>
+        <p:spPr/>
+        <p:txBody>
+          <a:bodyPr/>
+          <a:lstStyle/>
+          <a:p>
+            <a:pPr>
+              <a:buNone/>
+            </a:pPr>
+            <a:r>
+              <a:rPr lang="sv-SE" dirty="0" smtClean="0"/>
+              <a:t>[</a:t>
+            </a:r>
+            <a:r>
+              <a:rPr lang="sv-SE" dirty="0" err="1" smtClean="0"/>
+              <a:t>H</a:t>
+            </a:r>
+            <a:r>
+              <a:rPr lang="sv-SE" dirty="0" err="1" smtClean="0"/>
+              <a:t>elloWorldWithParameters.java</a:t>
             </a:r>
             <a:r>
               <a:rPr lang="sv-SE" dirty="0" smtClean="0"/>
@@ -5021,6 +5614,268 @@
       </p:par>
     </p:tnLst>
   </p:timing>
+</p:sld>
+</file>
+
+<file path=ppt/slides/slide30.xml><?xml version="1.0" encoding="utf-8"?>
+<p:sld xmlns:a="http://schemas.openxmlformats.org/drawingml/2006/main" xmlns:r="http://schemas.openxmlformats.org/officeDocument/2006/relationships" xmlns:p="http://schemas.openxmlformats.org/presentationml/2006/main">
+  <p:cSld>
+    <p:spTree>
+      <p:nvGrpSpPr>
+        <p:cNvPr id="1" name=""/>
+        <p:cNvGrpSpPr/>
+        <p:nvPr/>
+      </p:nvGrpSpPr>
+      <p:grpSpPr>
+        <a:xfrm>
+          <a:off x="0" y="0"/>
+          <a:ext cx="0" cy="0"/>
+          <a:chOff x="0" y="0"/>
+          <a:chExt cx="0" cy="0"/>
+        </a:xfrm>
+      </p:grpSpPr>
+      <p:sp>
+        <p:nvSpPr>
+          <p:cNvPr id="2" name="Rubrik 1"/>
+          <p:cNvSpPr>
+            <a:spLocks noGrp="1"/>
+          </p:cNvSpPr>
+          <p:nvPr>
+            <p:ph type="title"/>
+          </p:nvPr>
+        </p:nvSpPr>
+        <p:spPr/>
+        <p:txBody>
+          <a:bodyPr/>
+          <a:lstStyle/>
+          <a:p>
+            <a:r>
+              <a:rPr lang="sv-SE" dirty="0" err="1" smtClean="0"/>
+              <a:t>Groovy</a:t>
+            </a:r>
+            <a:r>
+              <a:rPr lang="sv-SE" dirty="0" smtClean="0"/>
+              <a:t> </a:t>
+            </a:r>
+            <a:r>
+              <a:rPr lang="sv-SE" dirty="0" err="1" smtClean="0"/>
+              <a:t>truth</a:t>
+            </a:r>
+            <a:endParaRPr lang="sv-SE" dirty="0"/>
+          </a:p>
+        </p:txBody>
+      </p:sp>
+      <p:sp>
+        <p:nvSpPr>
+          <p:cNvPr id="3" name="Platshållare för innehåll 2"/>
+          <p:cNvSpPr>
+            <a:spLocks noGrp="1"/>
+          </p:cNvSpPr>
+          <p:nvPr>
+            <p:ph idx="1"/>
+          </p:nvPr>
+        </p:nvSpPr>
+        <p:spPr/>
+        <p:txBody>
+          <a:bodyPr/>
+          <a:lstStyle/>
+          <a:p>
+            <a:pPr>
+              <a:buNone/>
+            </a:pPr>
+            <a:r>
+              <a:rPr lang="sv-SE" dirty="0" smtClean="0"/>
+              <a:t>[</a:t>
+            </a:r>
+            <a:r>
+              <a:rPr lang="sv-SE" dirty="0" err="1" smtClean="0"/>
+              <a:t>helloWorldWithParameters.groovy</a:t>
+            </a:r>
+            <a:r>
+              <a:rPr lang="sv-SE" dirty="0" smtClean="0"/>
+              <a:t>]</a:t>
+            </a:r>
+            <a:endParaRPr lang="sv-SE" dirty="0"/>
+          </a:p>
+        </p:txBody>
+      </p:sp>
+    </p:spTree>
+  </p:cSld>
+  <p:clrMapOvr>
+    <a:masterClrMapping/>
+  </p:clrMapOvr>
+</p:sld>
+</file>
+
+<file path=ppt/slides/slide31.xml><?xml version="1.0" encoding="utf-8"?>
+<p:sld xmlns:a="http://schemas.openxmlformats.org/drawingml/2006/main" xmlns:r="http://schemas.openxmlformats.org/officeDocument/2006/relationships" xmlns:p="http://schemas.openxmlformats.org/presentationml/2006/main">
+  <p:cSld>
+    <p:spTree>
+      <p:nvGrpSpPr>
+        <p:cNvPr id="1" name=""/>
+        <p:cNvGrpSpPr/>
+        <p:nvPr/>
+      </p:nvGrpSpPr>
+      <p:grpSpPr>
+        <a:xfrm>
+          <a:off x="0" y="0"/>
+          <a:ext cx="0" cy="0"/>
+          <a:chOff x="0" y="0"/>
+          <a:chExt cx="0" cy="0"/>
+        </a:xfrm>
+      </p:grpSpPr>
+      <p:sp>
+        <p:nvSpPr>
+          <p:cNvPr id="2" name="Rubrik 1"/>
+          <p:cNvSpPr>
+            <a:spLocks noGrp="1"/>
+          </p:cNvSpPr>
+          <p:nvPr>
+            <p:ph type="title"/>
+          </p:nvPr>
+        </p:nvSpPr>
+        <p:spPr/>
+        <p:txBody>
+          <a:bodyPr/>
+          <a:lstStyle/>
+          <a:p>
+            <a:r>
+              <a:rPr lang="sv-SE" dirty="0" err="1" smtClean="0"/>
+              <a:t>Optional</a:t>
+            </a:r>
+            <a:r>
+              <a:rPr lang="sv-SE" dirty="0" smtClean="0"/>
+              <a:t> parameters</a:t>
+            </a:r>
+            <a:endParaRPr lang="sv-SE" dirty="0"/>
+          </a:p>
+        </p:txBody>
+      </p:sp>
+      <p:sp>
+        <p:nvSpPr>
+          <p:cNvPr id="3" name="Platshållare för innehåll 2"/>
+          <p:cNvSpPr>
+            <a:spLocks noGrp="1"/>
+          </p:cNvSpPr>
+          <p:nvPr>
+            <p:ph idx="1"/>
+          </p:nvPr>
+        </p:nvSpPr>
+        <p:spPr/>
+        <p:txBody>
+          <a:bodyPr/>
+          <a:lstStyle/>
+          <a:p>
+            <a:pPr>
+              <a:buNone/>
+            </a:pPr>
+            <a:r>
+              <a:rPr lang="sv-SE" dirty="0" smtClean="0"/>
+              <a:t>[</a:t>
+            </a:r>
+            <a:r>
+              <a:rPr lang="sv-SE" dirty="0" err="1" smtClean="0"/>
+              <a:t>optionalParameters.java</a:t>
+            </a:r>
+            <a:r>
+              <a:rPr lang="sv-SE" dirty="0" smtClean="0"/>
+              <a:t>]</a:t>
+            </a:r>
+            <a:endParaRPr lang="sv-SE" dirty="0"/>
+          </a:p>
+        </p:txBody>
+      </p:sp>
+    </p:spTree>
+  </p:cSld>
+  <p:clrMapOvr>
+    <a:masterClrMapping/>
+  </p:clrMapOvr>
+</p:sld>
+</file>
+
+<file path=ppt/slides/slide32.xml><?xml version="1.0" encoding="utf-8"?>
+<p:sld xmlns:a="http://schemas.openxmlformats.org/drawingml/2006/main" xmlns:r="http://schemas.openxmlformats.org/officeDocument/2006/relationships" xmlns:p="http://schemas.openxmlformats.org/presentationml/2006/main">
+  <p:cSld>
+    <p:spTree>
+      <p:nvGrpSpPr>
+        <p:cNvPr id="1" name=""/>
+        <p:cNvGrpSpPr/>
+        <p:nvPr/>
+      </p:nvGrpSpPr>
+      <p:grpSpPr>
+        <a:xfrm>
+          <a:off x="0" y="0"/>
+          <a:ext cx="0" cy="0"/>
+          <a:chOff x="0" y="0"/>
+          <a:chExt cx="0" cy="0"/>
+        </a:xfrm>
+      </p:grpSpPr>
+      <p:sp>
+        <p:nvSpPr>
+          <p:cNvPr id="2" name="Rubrik 1"/>
+          <p:cNvSpPr>
+            <a:spLocks noGrp="1"/>
+          </p:cNvSpPr>
+          <p:nvPr>
+            <p:ph type="title"/>
+          </p:nvPr>
+        </p:nvSpPr>
+        <p:spPr/>
+        <p:txBody>
+          <a:bodyPr/>
+          <a:lstStyle/>
+          <a:p>
+            <a:r>
+              <a:rPr lang="sv-SE" dirty="0" err="1" smtClean="0"/>
+              <a:t>Optional</a:t>
+            </a:r>
+            <a:r>
+              <a:rPr lang="sv-SE" dirty="0" smtClean="0"/>
+              <a:t> parameters</a:t>
+            </a:r>
+            <a:endParaRPr lang="sv-SE" dirty="0"/>
+          </a:p>
+        </p:txBody>
+      </p:sp>
+      <p:sp>
+        <p:nvSpPr>
+          <p:cNvPr id="3" name="Platshållare för innehåll 2"/>
+          <p:cNvSpPr>
+            <a:spLocks noGrp="1"/>
+          </p:cNvSpPr>
+          <p:nvPr>
+            <p:ph idx="1"/>
+          </p:nvPr>
+        </p:nvSpPr>
+        <p:spPr/>
+        <p:txBody>
+          <a:bodyPr/>
+          <a:lstStyle/>
+          <a:p>
+            <a:pPr>
+              <a:buNone/>
+            </a:pPr>
+            <a:r>
+              <a:rPr lang="sv-SE" dirty="0" smtClean="0"/>
+              <a:t>[</a:t>
+            </a:r>
+            <a:r>
+              <a:rPr lang="sv-SE" dirty="0" err="1" smtClean="0"/>
+              <a:t>optionalParameters.groovy</a:t>
+            </a:r>
+            <a:r>
+              <a:rPr lang="sv-SE" dirty="0" smtClean="0"/>
+              <a:t>]</a:t>
+            </a:r>
+            <a:endParaRPr lang="sv-SE" dirty="0"/>
+          </a:p>
+        </p:txBody>
+      </p:sp>
+    </p:spTree>
+  </p:cSld>
+  <p:clrMapOvr>
+    <a:masterClrMapping/>
+  </p:clrMapOvr>
 </p:sld>
 </file>
 
@@ -5141,7 +5996,11 @@
           <a:p>
             <a:r>
               <a:rPr lang="sv-SE" dirty="0" smtClean="0"/>
-              <a:t>Fördelar med dynamiska språk</a:t>
+              <a:t>Fördelar med dynamiska </a:t>
+            </a:r>
+            <a:r>
+              <a:rPr lang="sv-SE" dirty="0" smtClean="0"/>
+              <a:t>språk</a:t>
             </a:r>
             <a:endParaRPr lang="sv-SE" dirty="0"/>
           </a:p>
@@ -5163,21 +6022,33 @@
           <a:lstStyle/>
           <a:p>
             <a:r>
-              <a:rPr lang="sv-SE" dirty="0" smtClean="0"/>
-              <a:t>Istället för att generera kod kan man skapa den när programmet körs</a:t>
-            </a:r>
-          </a:p>
-          <a:p>
-            <a:r>
-              <a:rPr lang="sv-SE" dirty="0" smtClean="0"/>
-              <a:t>Koden blir lättare att ändra</a:t>
-            </a:r>
-          </a:p>
-          <a:p>
-            <a:r>
-              <a:rPr lang="sv-SE" dirty="0" smtClean="0"/>
-              <a:t>Möjlighet att ändra hur språket fungerar</a:t>
-            </a:r>
+              <a:rPr lang="sv-SE" dirty="0" err="1" smtClean="0"/>
+              <a:t>Closures</a:t>
+            </a:r>
+            <a:r>
+              <a:rPr lang="sv-SE" dirty="0" smtClean="0"/>
+              <a:t> </a:t>
+            </a:r>
+            <a:endParaRPr lang="sv-SE" dirty="0" smtClean="0"/>
+          </a:p>
+          <a:p>
+            <a:r>
+              <a:rPr lang="sv-SE" dirty="0" smtClean="0"/>
+              <a:t>Möjlighet att ändra hur språket </a:t>
+            </a:r>
+            <a:r>
+              <a:rPr lang="sv-SE" dirty="0" smtClean="0"/>
+              <a:t>fungerar (</a:t>
+            </a:r>
+            <a:r>
+              <a:rPr lang="sv-SE" dirty="0" err="1" smtClean="0"/>
+              <a:t>reflection</a:t>
+            </a:r>
+            <a:r>
+              <a:rPr lang="sv-SE" dirty="0" smtClean="0"/>
+              <a:t>)</a:t>
+            </a:r>
+            <a:endParaRPr lang="sv-SE" dirty="0" smtClean="0"/>
           </a:p>
           <a:p>
             <a:r>
@@ -5249,8 +6120,8 @@
           <a:lstStyle/>
           <a:p>
             <a:r>
-              <a:rPr lang="sv-SE" dirty="0" smtClean="0"/>
-              <a:t>Metaprogrammering</a:t>
+              <a:rPr lang="sv-SE" dirty="0" err="1" smtClean="0"/>
+              <a:t>Closures</a:t>
             </a:r>
             <a:endParaRPr lang="sv-SE" dirty="0"/>
           </a:p>
@@ -5268,77 +6139,49 @@
         </p:nvSpPr>
         <p:spPr/>
         <p:txBody>
-          <a:bodyPr/>
-          <a:lstStyle/>
-          <a:p>
-            <a:r>
-              <a:rPr lang="sv-SE" dirty="0" smtClean="0"/>
-              <a:t>Program som ändrar program, inklusive sig själv</a:t>
-            </a:r>
-          </a:p>
-          <a:p>
-            <a:r>
-              <a:rPr lang="sv-SE" dirty="0" smtClean="0"/>
-              <a:t>Skapa klasser och metoder medan programmet körs</a:t>
-            </a:r>
-          </a:p>
-          <a:p>
-            <a:r>
-              <a:rPr lang="sv-SE" dirty="0" smtClean="0"/>
-              <a:t>Skapa </a:t>
-            </a:r>
-            <a:r>
-              <a:rPr lang="sv-SE" dirty="0" err="1" smtClean="0"/>
-              <a:t>mock-objekt</a:t>
-            </a:r>
-            <a:r>
-              <a:rPr lang="sv-SE" dirty="0" smtClean="0"/>
-              <a:t> </a:t>
-            </a:r>
-          </a:p>
-          <a:p>
-            <a:r>
-              <a:rPr lang="sv-SE" dirty="0" smtClean="0"/>
-              <a:t>Testa klasser som är tajt kopplade</a:t>
-            </a:r>
-          </a:p>
-          <a:p>
-            <a:r>
-              <a:rPr lang="sv-SE" dirty="0" smtClean="0"/>
-              <a:t>Skapa </a:t>
-            </a:r>
-            <a:r>
-              <a:rPr lang="sv-SE" dirty="0" err="1" smtClean="0"/>
-              <a:t>DSL:s</a:t>
-            </a:r>
-            <a:r>
-              <a:rPr lang="sv-SE" dirty="0" smtClean="0"/>
-              <a:t> (</a:t>
-            </a:r>
-            <a:r>
-              <a:rPr lang="sv-SE" dirty="0" err="1" smtClean="0"/>
-              <a:t>Domain</a:t>
-            </a:r>
-            <a:r>
-              <a:rPr lang="sv-SE" dirty="0" smtClean="0"/>
-              <a:t> </a:t>
-            </a:r>
-            <a:r>
-              <a:rPr lang="sv-SE" dirty="0" err="1" smtClean="0"/>
-              <a:t>specific</a:t>
-            </a:r>
-            <a:r>
-              <a:rPr lang="sv-SE" dirty="0" smtClean="0"/>
-              <a:t> </a:t>
-            </a:r>
-            <a:r>
-              <a:rPr lang="sv-SE" dirty="0" err="1" smtClean="0"/>
-              <a:t>languages</a:t>
-            </a:r>
-            <a:r>
-              <a:rPr lang="sv-SE" dirty="0" smtClean="0"/>
-              <a:t>)</a:t>
-            </a:r>
+          <a:bodyPr>
+            <a:normAutofit/>
+          </a:bodyPr>
+          <a:lstStyle/>
+          <a:p>
+            <a:r>
+              <a:rPr lang="sv-SE" dirty="0" smtClean="0"/>
+              <a:t>Kodblock som kan skickas runt precis som en variabel</a:t>
+            </a:r>
+          </a:p>
+          <a:p>
+            <a:r>
+              <a:rPr lang="sv-SE" dirty="0" smtClean="0"/>
+              <a:t>Vem som än får kodblocket skickat till sig kan exekvera det, när som helst</a:t>
+            </a:r>
+          </a:p>
+          <a:p>
+            <a:r>
+              <a:rPr lang="sv-SE" dirty="0" smtClean="0"/>
+              <a:t>Det kan referera till variabler skapade i </a:t>
+            </a:r>
+            <a:r>
+              <a:rPr lang="sv-SE" dirty="0" err="1" smtClean="0"/>
+              <a:t>contextet</a:t>
+            </a:r>
+            <a:r>
+              <a:rPr lang="sv-SE" dirty="0" smtClean="0"/>
+              <a:t> där kodblocket skapades</a:t>
+            </a:r>
+            <a:endParaRPr lang="sv-SE" dirty="0" smtClean="0"/>
+          </a:p>
+          <a:p>
+            <a:r>
+              <a:rPr lang="sv-SE" dirty="0" smtClean="0"/>
+              <a:t>Kommer finnas i Java 1.7, finns redan i </a:t>
+            </a:r>
+            <a:r>
+              <a:rPr lang="sv-SE" dirty="0" err="1" smtClean="0"/>
+              <a:t>Groovy</a:t>
+            </a:r>
+            <a:endParaRPr lang="sv-SE" dirty="0" smtClean="0"/>
+          </a:p>
+          <a:p>
             <a:endParaRPr lang="sv-SE" dirty="0"/>
           </a:p>
         </p:txBody>
@@ -5348,13 +6191,6 @@
   <p:clrMapOvr>
     <a:masterClrMapping/>
   </p:clrMapOvr>
-  <p:timing>
-    <p:tnLst>
-      <p:par>
-        <p:cTn id="1" dur="indefinite" restart="never" nodeType="tmRoot"/>
-      </p:par>
-    </p:tnLst>
-  </p:timing>
 </p:sld>
 </file>
 
@@ -5392,15 +6228,7 @@
           <a:p>
             <a:r>
               <a:rPr lang="sv-SE" dirty="0" smtClean="0"/>
-              <a:t>GPL(General </a:t>
-            </a:r>
-            <a:r>
-              <a:rPr lang="sv-SE" dirty="0" err="1" smtClean="0"/>
-              <a:t>Purpose</a:t>
-            </a:r>
-            <a:r>
-              <a:rPr lang="sv-SE" dirty="0" smtClean="0"/>
-              <a:t> Languages)</a:t>
+              <a:t>Metaprogrammering</a:t>
             </a:r>
             <a:endParaRPr lang="sv-SE" dirty="0"/>
           </a:p>
@@ -5423,35 +6251,71 @@
           <a:p>
             <a:r>
               <a:rPr lang="sv-SE" dirty="0" smtClean="0"/>
-              <a:t>Java, C, .NET, </a:t>
-            </a:r>
-            <a:r>
-              <a:rPr lang="sv-SE" dirty="0" err="1" smtClean="0"/>
-              <a:t>Groovy</a:t>
-            </a:r>
-            <a:r>
-              <a:rPr lang="sv-SE" dirty="0" smtClean="0"/>
-              <a:t> och liknande språk kallas GPL, General </a:t>
-            </a:r>
-            <a:r>
-              <a:rPr lang="sv-SE" dirty="0" err="1" smtClean="0"/>
-              <a:t>Purpose</a:t>
-            </a:r>
-            <a:r>
-              <a:rPr lang="sv-SE" dirty="0" smtClean="0"/>
-              <a:t> Languages. </a:t>
-            </a:r>
-          </a:p>
-          <a:p>
-            <a:r>
-              <a:rPr lang="sv-SE" dirty="0" smtClean="0"/>
-              <a:t>Har en generell syntax, oberoende av område.</a:t>
-            </a:r>
-          </a:p>
-          <a:p>
-            <a:r>
-              <a:rPr lang="sv-SE" dirty="0" smtClean="0"/>
-              <a:t>Allt går att göra, men det är sällan det enklaste eller snabbaste sättet</a:t>
+              <a:t>Program som ändrar program, inklusive sig själv</a:t>
+            </a:r>
+          </a:p>
+          <a:p>
+            <a:r>
+              <a:rPr lang="sv-SE" dirty="0" smtClean="0"/>
+              <a:t>Skapa klasser och metoder medan programmet körs</a:t>
+            </a:r>
+          </a:p>
+          <a:p>
+            <a:r>
+              <a:rPr lang="sv-SE" dirty="0" smtClean="0"/>
+              <a:t>Skapa </a:t>
+            </a:r>
+            <a:r>
+              <a:rPr lang="sv-SE" dirty="0" err="1" smtClean="0"/>
+              <a:t>mock-objekt</a:t>
+            </a:r>
+            <a:r>
+              <a:rPr lang="sv-SE" dirty="0" smtClean="0"/>
+              <a:t> </a:t>
+            </a:r>
+          </a:p>
+          <a:p>
+            <a:r>
+              <a:rPr lang="sv-SE" dirty="0" smtClean="0"/>
+              <a:t>Testa klasser som är tajt kopplade</a:t>
+            </a:r>
+          </a:p>
+          <a:p>
+            <a:r>
+              <a:rPr lang="sv-SE" dirty="0" smtClean="0"/>
+              <a:t>Skapa </a:t>
+            </a:r>
+            <a:r>
+              <a:rPr lang="sv-SE" dirty="0" err="1" smtClean="0"/>
+              <a:t>DSL:s</a:t>
+            </a:r>
+            <a:r>
+              <a:rPr lang="sv-SE" dirty="0" smtClean="0"/>
+              <a:t> (</a:t>
+            </a:r>
+            <a:r>
+              <a:rPr lang="sv-SE" dirty="0" err="1" smtClean="0"/>
+              <a:t>Domain</a:t>
+            </a:r>
+            <a:r>
+              <a:rPr lang="sv-SE" dirty="0" smtClean="0"/>
+              <a:t> </a:t>
+            </a:r>
+            <a:r>
+              <a:rPr lang="sv-SE" dirty="0" err="1" smtClean="0"/>
+              <a:t>specific</a:t>
+            </a:r>
+            <a:r>
+              <a:rPr lang="sv-SE" dirty="0" smtClean="0"/>
+              <a:t> </a:t>
+            </a:r>
+            <a:r>
+              <a:rPr lang="sv-SE" dirty="0" err="1" smtClean="0"/>
+              <a:t>languages</a:t>
+            </a:r>
+            <a:r>
+              <a:rPr lang="sv-SE" dirty="0" smtClean="0"/>
+              <a:t>)</a:t>
             </a:r>
             <a:endParaRPr lang="sv-SE" dirty="0"/>
           </a:p>
@@ -5506,19 +6370,11 @@
           <a:p>
             <a:r>
               <a:rPr lang="sv-SE" dirty="0" smtClean="0"/>
-              <a:t>DSL (</a:t>
-            </a:r>
-            <a:r>
-              <a:rPr lang="sv-SE" dirty="0" err="1" smtClean="0"/>
-              <a:t>Domain</a:t>
-            </a:r>
-            <a:r>
-              <a:rPr lang="sv-SE" dirty="0" smtClean="0"/>
-              <a:t> </a:t>
-            </a:r>
-            <a:r>
-              <a:rPr lang="sv-SE" dirty="0" err="1" smtClean="0"/>
-              <a:t>Specific</a:t>
+              <a:t>GPL(General </a:t>
+            </a:r>
+            <a:r>
+              <a:rPr lang="sv-SE" dirty="0" err="1" smtClean="0"/>
+              <a:t>Purpose</a:t>
             </a:r>
             <a:r>
               <a:rPr lang="sv-SE" dirty="0" smtClean="0"/>
@@ -5540,42 +6396,50 @@
         </p:nvSpPr>
         <p:spPr/>
         <p:txBody>
-          <a:bodyPr>
-            <a:normAutofit/>
-          </a:bodyPr>
-          <a:lstStyle/>
-          <a:p>
-            <a:r>
-              <a:rPr lang="sv-SE" dirty="0" smtClean="0"/>
-              <a:t>Språket är designat utifrån domänen det används i.</a:t>
-            </a:r>
-          </a:p>
-          <a:p>
-            <a:r>
-              <a:rPr lang="sv-SE" dirty="0" smtClean="0"/>
-              <a:t>Koden blir lättläst</a:t>
-            </a:r>
-          </a:p>
-          <a:p>
-            <a:r>
-              <a:rPr lang="sv-SE" dirty="0" smtClean="0"/>
-              <a:t>Går snabbare att utveckla i ett språk som ligger nära problemdomänen</a:t>
-            </a:r>
-          </a:p>
-          <a:p>
-            <a:r>
-              <a:rPr lang="sv-SE" dirty="0" smtClean="0"/>
-              <a:t>Lätt att kommunicera med beställare och användare</a:t>
-            </a:r>
-          </a:p>
-          <a:p>
-            <a:r>
-              <a:rPr lang="sv-SE" dirty="0" smtClean="0"/>
-              <a:t>Lätt att skriva enhetstester</a:t>
-            </a:r>
-          </a:p>
-          <a:p>
-            <a:endParaRPr lang="sv-SE" dirty="0" smtClean="0"/>
+          <a:bodyPr/>
+          <a:lstStyle/>
+          <a:p>
+            <a:r>
+              <a:rPr lang="sv-SE" dirty="0" smtClean="0"/>
+              <a:t>Java, C, </a:t>
+            </a:r>
+            <a:r>
+              <a:rPr lang="sv-SE" dirty="0" smtClean="0"/>
+              <a:t>Ruby</a:t>
+            </a:r>
+            <a:r>
+              <a:rPr lang="sv-SE" dirty="0" smtClean="0"/>
+              <a:t>, </a:t>
+            </a:r>
+            <a:r>
+              <a:rPr lang="sv-SE" dirty="0" err="1" smtClean="0"/>
+              <a:t>Groovy</a:t>
+            </a:r>
+            <a:r>
+              <a:rPr lang="sv-SE" dirty="0" smtClean="0"/>
+              <a:t> och liknande språk kallas GPL, General </a:t>
+            </a:r>
+            <a:r>
+              <a:rPr lang="sv-SE" dirty="0" err="1" smtClean="0"/>
+              <a:t>Purpose</a:t>
+            </a:r>
+            <a:r>
+              <a:rPr lang="sv-SE" dirty="0" smtClean="0"/>
+              <a:t> Languages. </a:t>
+            </a:r>
+          </a:p>
+          <a:p>
+            <a:r>
+              <a:rPr lang="sv-SE" dirty="0" smtClean="0"/>
+              <a:t>Har en generell syntax, oberoende av område.</a:t>
+            </a:r>
+          </a:p>
+          <a:p>
+            <a:r>
+              <a:rPr lang="sv-SE" dirty="0" smtClean="0"/>
+              <a:t>Allt går att göra, men det är sällan det enklaste eller snabbaste sättet</a:t>
+            </a:r>
+            <a:endParaRPr lang="sv-SE" dirty="0"/>
           </a:p>
         </p:txBody>
       </p:sp>
@@ -5623,6 +6487,45 @@
         </p:nvSpPr>
         <p:spPr/>
         <p:txBody>
+          <a:bodyPr/>
+          <a:lstStyle/>
+          <a:p>
+            <a:r>
+              <a:rPr lang="sv-SE" dirty="0" smtClean="0"/>
+              <a:t>DSL (</a:t>
+            </a:r>
+            <a:r>
+              <a:rPr lang="sv-SE" dirty="0" err="1" smtClean="0"/>
+              <a:t>Domain</a:t>
+            </a:r>
+            <a:r>
+              <a:rPr lang="sv-SE" dirty="0" smtClean="0"/>
+              <a:t> </a:t>
+            </a:r>
+            <a:r>
+              <a:rPr lang="sv-SE" dirty="0" err="1" smtClean="0"/>
+              <a:t>Specific</a:t>
+            </a:r>
+            <a:r>
+              <a:rPr lang="sv-SE" dirty="0" smtClean="0"/>
+              <a:t> Languages)</a:t>
+            </a:r>
+            <a:endParaRPr lang="sv-SE" dirty="0"/>
+          </a:p>
+        </p:txBody>
+      </p:sp>
+      <p:sp>
+        <p:nvSpPr>
+          <p:cNvPr id="3" name="Platshållare för innehåll 2"/>
+          <p:cNvSpPr>
+            <a:spLocks noGrp="1"/>
+          </p:cNvSpPr>
+          <p:nvPr>
+            <p:ph idx="1"/>
+          </p:nvPr>
+        </p:nvSpPr>
+        <p:spPr/>
+        <p:txBody>
           <a:bodyPr>
             <a:normAutofit/>
           </a:bodyPr>
@@ -5630,45 +6533,39 @@
           <a:p>
             <a:r>
               <a:rPr lang="sv-SE" dirty="0" smtClean="0"/>
-              <a:t>DSL</a:t>
-            </a:r>
-            <a:endParaRPr lang="sv-SE" dirty="0"/>
-          </a:p>
-        </p:txBody>
-      </p:sp>
-      <p:sp>
-        <p:nvSpPr>
-          <p:cNvPr id="3" name="Platshållare för innehåll 2"/>
-          <p:cNvSpPr>
-            <a:spLocks noGrp="1"/>
-          </p:cNvSpPr>
-          <p:nvPr>
-            <p:ph idx="1"/>
-          </p:nvPr>
-        </p:nvSpPr>
-        <p:spPr/>
-        <p:txBody>
-          <a:bodyPr/>
-          <a:lstStyle/>
-          <a:p>
-            <a:r>
-              <a:rPr lang="sv-SE" dirty="0" smtClean="0"/>
-              <a:t>Två typer:</a:t>
-            </a:r>
-          </a:p>
-          <a:p>
-            <a:pPr lvl="1"/>
-            <a:r>
-              <a:rPr lang="sv-SE" dirty="0" smtClean="0"/>
-              <a:t>Intern DSL</a:t>
-            </a:r>
-          </a:p>
-          <a:p>
-            <a:pPr lvl="1"/>
-            <a:r>
-              <a:rPr lang="sv-SE" dirty="0" smtClean="0"/>
-              <a:t>Extern DSL</a:t>
-            </a:r>
+              <a:t>Språket är designat utifrån domänen det används i.</a:t>
+            </a:r>
+          </a:p>
+          <a:p>
+            <a:r>
+              <a:rPr lang="sv-SE" dirty="0" smtClean="0"/>
+              <a:t>Går </a:t>
+            </a:r>
+            <a:r>
+              <a:rPr lang="sv-SE" dirty="0" smtClean="0"/>
+              <a:t>snabbare att utveckla i ett språk som ligger nära problemdomänen</a:t>
+            </a:r>
+          </a:p>
+          <a:p>
+            <a:r>
+              <a:rPr lang="sv-SE" dirty="0" smtClean="0"/>
+              <a:t>Lätt att kommunicera med beställare och </a:t>
+            </a:r>
+            <a:r>
+              <a:rPr lang="sv-SE" dirty="0" smtClean="0"/>
+              <a:t>användare</a:t>
+            </a:r>
+            <a:endParaRPr lang="sv-SE" dirty="0" smtClean="0"/>
+          </a:p>
+          <a:p>
+            <a:r>
+              <a:rPr lang="sv-SE" dirty="0" smtClean="0"/>
+              <a:t>Koden läsbar även för icke-programmerare</a:t>
+            </a:r>
+            <a:endParaRPr lang="sv-SE" dirty="0" smtClean="0"/>
+          </a:p>
+          <a:p>
+            <a:endParaRPr lang="sv-SE" dirty="0" smtClean="0"/>
           </a:p>
         </p:txBody>
       </p:sp>

--- a/groovyseminarie/dokument/groovyseminarium_source.pptx
+++ b/groovyseminarie/dokument/groovyseminarium_source.pptx
@@ -27,16 +27,25 @@
     <p:sldId id="283" r:id="rId21"/>
     <p:sldId id="284" r:id="rId22"/>
     <p:sldId id="285" r:id="rId23"/>
-    <p:sldId id="286" r:id="rId24"/>
-    <p:sldId id="287" r:id="rId25"/>
-    <p:sldId id="288" r:id="rId26"/>
-    <p:sldId id="295" r:id="rId27"/>
-    <p:sldId id="291" r:id="rId28"/>
-    <p:sldId id="294" r:id="rId29"/>
-    <p:sldId id="292" r:id="rId30"/>
-    <p:sldId id="293" r:id="rId31"/>
-    <p:sldId id="289" r:id="rId32"/>
-    <p:sldId id="290" r:id="rId33"/>
+    <p:sldId id="296" r:id="rId24"/>
+    <p:sldId id="286" r:id="rId25"/>
+    <p:sldId id="287" r:id="rId26"/>
+    <p:sldId id="288" r:id="rId27"/>
+    <p:sldId id="297" r:id="rId28"/>
+    <p:sldId id="291" r:id="rId29"/>
+    <p:sldId id="298" r:id="rId30"/>
+    <p:sldId id="299" r:id="rId31"/>
+    <p:sldId id="300" r:id="rId32"/>
+    <p:sldId id="301" r:id="rId33"/>
+    <p:sldId id="302" r:id="rId34"/>
+    <p:sldId id="303" r:id="rId35"/>
+    <p:sldId id="304" r:id="rId36"/>
+    <p:sldId id="295" r:id="rId37"/>
+    <p:sldId id="294" r:id="rId38"/>
+    <p:sldId id="292" r:id="rId39"/>
+    <p:sldId id="293" r:id="rId40"/>
+    <p:sldId id="289" r:id="rId41"/>
+    <p:sldId id="290" r:id="rId42"/>
   </p:sldIdLst>
   <p:sldSz cx="9144000" cy="6858000" type="screen4x3"/>
   <p:notesSz cx="6858000" cy="9144000"/>
@@ -320,7 +329,7 @@
             <a:fld id="{347BD319-C441-4740-BDB2-35E25C52CCE7}" type="datetimeFigureOut">
               <a:rPr lang="sv-SE" smtClean="0"/>
               <a:pPr/>
-              <a:t>2008-09-01</a:t>
+              <a:t>2008-09-02</a:t>
             </a:fld>
             <a:endParaRPr lang="sv-SE"/>
           </a:p>
@@ -487,7 +496,7 @@
             <a:fld id="{347BD319-C441-4740-BDB2-35E25C52CCE7}" type="datetimeFigureOut">
               <a:rPr lang="sv-SE" smtClean="0"/>
               <a:pPr/>
-              <a:t>2008-09-01</a:t>
+              <a:t>2008-09-02</a:t>
             </a:fld>
             <a:endParaRPr lang="sv-SE"/>
           </a:p>
@@ -664,7 +673,7 @@
             <a:fld id="{347BD319-C441-4740-BDB2-35E25C52CCE7}" type="datetimeFigureOut">
               <a:rPr lang="sv-SE" smtClean="0"/>
               <a:pPr/>
-              <a:t>2008-09-01</a:t>
+              <a:t>2008-09-02</a:t>
             </a:fld>
             <a:endParaRPr lang="sv-SE"/>
           </a:p>
@@ -831,7 +840,7 @@
             <a:fld id="{347BD319-C441-4740-BDB2-35E25C52CCE7}" type="datetimeFigureOut">
               <a:rPr lang="sv-SE" smtClean="0"/>
               <a:pPr/>
-              <a:t>2008-09-01</a:t>
+              <a:t>2008-09-02</a:t>
             </a:fld>
             <a:endParaRPr lang="sv-SE"/>
           </a:p>
@@ -1074,7 +1083,7 @@
             <a:fld id="{347BD319-C441-4740-BDB2-35E25C52CCE7}" type="datetimeFigureOut">
               <a:rPr lang="sv-SE" smtClean="0"/>
               <a:pPr/>
-              <a:t>2008-09-01</a:t>
+              <a:t>2008-09-02</a:t>
             </a:fld>
             <a:endParaRPr lang="sv-SE"/>
           </a:p>
@@ -1359,7 +1368,7 @@
             <a:fld id="{347BD319-C441-4740-BDB2-35E25C52CCE7}" type="datetimeFigureOut">
               <a:rPr lang="sv-SE" smtClean="0"/>
               <a:pPr/>
-              <a:t>2008-09-01</a:t>
+              <a:t>2008-09-02</a:t>
             </a:fld>
             <a:endParaRPr lang="sv-SE"/>
           </a:p>
@@ -1778,7 +1787,7 @@
             <a:fld id="{347BD319-C441-4740-BDB2-35E25C52CCE7}" type="datetimeFigureOut">
               <a:rPr lang="sv-SE" smtClean="0"/>
               <a:pPr/>
-              <a:t>2008-09-01</a:t>
+              <a:t>2008-09-02</a:t>
             </a:fld>
             <a:endParaRPr lang="sv-SE"/>
           </a:p>
@@ -1893,7 +1902,7 @@
             <a:fld id="{347BD319-C441-4740-BDB2-35E25C52CCE7}" type="datetimeFigureOut">
               <a:rPr lang="sv-SE" smtClean="0"/>
               <a:pPr/>
-              <a:t>2008-09-01</a:t>
+              <a:t>2008-09-02</a:t>
             </a:fld>
             <a:endParaRPr lang="sv-SE"/>
           </a:p>
@@ -1985,7 +1994,7 @@
             <a:fld id="{347BD319-C441-4740-BDB2-35E25C52CCE7}" type="datetimeFigureOut">
               <a:rPr lang="sv-SE" smtClean="0"/>
               <a:pPr/>
-              <a:t>2008-09-01</a:t>
+              <a:t>2008-09-02</a:t>
             </a:fld>
             <a:endParaRPr lang="sv-SE"/>
           </a:p>
@@ -2259,7 +2268,7 @@
             <a:fld id="{347BD319-C441-4740-BDB2-35E25C52CCE7}" type="datetimeFigureOut">
               <a:rPr lang="sv-SE" smtClean="0"/>
               <a:pPr/>
-              <a:t>2008-09-01</a:t>
+              <a:t>2008-09-02</a:t>
             </a:fld>
             <a:endParaRPr lang="sv-SE"/>
           </a:p>
@@ -2509,7 +2518,7 @@
             <a:fld id="{347BD319-C441-4740-BDB2-35E25C52CCE7}" type="datetimeFigureOut">
               <a:rPr lang="sv-SE" smtClean="0"/>
               <a:pPr/>
-              <a:t>2008-09-01</a:t>
+              <a:t>2008-09-02</a:t>
             </a:fld>
             <a:endParaRPr lang="sv-SE"/>
           </a:p>
@@ -2719,7 +2728,7 @@
             <a:fld id="{347BD319-C441-4740-BDB2-35E25C52CCE7}" type="datetimeFigureOut">
               <a:rPr lang="sv-SE" smtClean="0"/>
               <a:pPr/>
-              <a:t>2008-09-01</a:t>
+              <a:t>2008-09-02</a:t>
             </a:fld>
             <a:endParaRPr lang="sv-SE"/>
           </a:p>
@@ -4143,11 +4152,7 @@
           <a:p>
             <a:r>
               <a:rPr lang="sv-SE" dirty="0" smtClean="0"/>
-              <a:t>Utökar </a:t>
-            </a:r>
-            <a:r>
-              <a:rPr lang="sv-SE" dirty="0" smtClean="0"/>
-              <a:t>JDK för att förenkla utveckling</a:t>
+              <a:t>Utökar JDK för att förenkla utveckling</a:t>
             </a:r>
             <a:endParaRPr lang="sv-SE" dirty="0"/>
           </a:p>
@@ -4418,23 +4423,7 @@
           <a:p>
             <a:r>
               <a:rPr lang="sv-SE" dirty="0" smtClean="0"/>
-              <a:t>Ett javaprogram </a:t>
-            </a:r>
-            <a:r>
-              <a:rPr lang="sv-SE" dirty="0" smtClean="0"/>
-              <a:t>bryr </a:t>
-            </a:r>
-            <a:r>
-              <a:rPr lang="sv-SE" dirty="0" smtClean="0"/>
-              <a:t>sig </a:t>
-            </a:r>
-            <a:r>
-              <a:rPr lang="sv-SE" dirty="0" smtClean="0"/>
-              <a:t>inte om </a:t>
-            </a:r>
-            <a:r>
-              <a:rPr lang="sv-SE" dirty="0" smtClean="0"/>
-              <a:t>en klass är kompilerad från </a:t>
+              <a:t>Ett javaprogram bryr sig inte om en klass är kompilerad från </a:t>
             </a:r>
             <a:r>
               <a:rPr lang="sv-SE" dirty="0" err="1" smtClean="0"/>
@@ -4442,11 +4431,7 @@
             </a:r>
             <a:r>
               <a:rPr lang="sv-SE" dirty="0" smtClean="0"/>
-              <a:t> eller från </a:t>
-            </a:r>
-            <a:r>
-              <a:rPr lang="sv-SE" dirty="0" smtClean="0"/>
-              <a:t>Java. Det enda som behövs är </a:t>
+              <a:t> eller från Java. Det enda som behövs är </a:t>
             </a:r>
             <a:r>
               <a:rPr lang="sv-SE" dirty="0" err="1" smtClean="0"/>
@@ -4594,13 +4579,8 @@
           <a:p>
             <a:r>
               <a:rPr lang="sv-SE" dirty="0" smtClean="0"/>
-              <a:t>Ny grupp utvecklare tog över </a:t>
-            </a:r>
-            <a:r>
-              <a:rPr lang="sv-SE" dirty="0" smtClean="0"/>
-              <a:t>2004</a:t>
-            </a:r>
-            <a:endParaRPr lang="sv-SE" dirty="0" smtClean="0"/>
+              <a:t>Ny grupp utvecklare tog över 2004</a:t>
+            </a:r>
           </a:p>
           <a:p>
             <a:r>
@@ -4675,11 +4655,7 @@
           <a:p>
             <a:r>
               <a:rPr lang="sv-SE" dirty="0" smtClean="0"/>
-              <a:t>Utökar JDK för att förenkla </a:t>
-            </a:r>
-            <a:r>
-              <a:rPr lang="sv-SE" dirty="0" smtClean="0"/>
-              <a:t>utveckling</a:t>
+              <a:t>Utökar JDK för att förenkla utveckling</a:t>
             </a:r>
             <a:endParaRPr lang="sv-SE" dirty="0"/>
           </a:p>
@@ -4763,6 +4739,10 @@
               <a:rPr lang="sv-SE" dirty="0" err="1" smtClean="0"/>
               <a:t>Exceptions</a:t>
             </a:r>
+            <a:r>
+              <a:rPr lang="sv-SE" dirty="0" smtClean="0"/>
+              <a:t> i java</a:t>
+            </a:r>
             <a:endParaRPr lang="sv-SE" dirty="0"/>
           </a:p>
         </p:txBody>
@@ -4845,6 +4825,14 @@
               <a:rPr lang="sv-SE" dirty="0" err="1" smtClean="0"/>
               <a:t>Exceptions</a:t>
             </a:r>
+            <a:r>
+              <a:rPr lang="sv-SE" dirty="0" smtClean="0"/>
+              <a:t> i </a:t>
+            </a:r>
+            <a:r>
+              <a:rPr lang="sv-SE" dirty="0" err="1" smtClean="0"/>
+              <a:t>Groovy</a:t>
+            </a:r>
             <a:endParaRPr lang="sv-SE" dirty="0"/>
           </a:p>
         </p:txBody>
@@ -4920,18 +4908,12 @@
         </p:nvSpPr>
         <p:spPr/>
         <p:txBody>
-          <a:bodyPr>
-            <a:normAutofit fontScale="90000"/>
-          </a:bodyPr>
-          <a:lstStyle/>
-          <a:p>
-            <a:r>
-              <a:rPr lang="sv-SE" dirty="0" smtClean="0"/>
-              <a:t>Enkelt att slippa </a:t>
-            </a:r>
-            <a:r>
-              <a:rPr lang="sv-SE" dirty="0" err="1" smtClean="0"/>
-              <a:t>NullPointerExceptions</a:t>
+          <a:bodyPr/>
+          <a:lstStyle/>
+          <a:p>
+            <a:r>
+              <a:rPr lang="sv-SE" dirty="0" smtClean="0"/>
+              <a:t>Dynamisk/frivillig typning</a:t>
             </a:r>
             <a:endParaRPr lang="sv-SE" dirty="0"/>
           </a:p>
@@ -4961,7 +4943,7 @@
             </a:r>
             <a:r>
               <a:rPr lang="sv-SE" dirty="0" err="1" smtClean="0"/>
-              <a:t>Nullsafe.java</a:t>
+              <a:t>optionalTyping.groovy</a:t>
             </a:r>
             <a:r>
               <a:rPr lang="sv-SE" dirty="0" smtClean="0"/>
@@ -5009,17 +4991,21 @@
         <p:spPr/>
         <p:txBody>
           <a:bodyPr>
-            <a:normAutofit fontScale="90000"/>
+            <a:normAutofit/>
           </a:bodyPr>
           <a:lstStyle/>
           <a:p>
             <a:r>
               <a:rPr lang="sv-SE" dirty="0" smtClean="0"/>
-              <a:t>Enkelt att slippa </a:t>
-            </a:r>
-            <a:r>
-              <a:rPr lang="sv-SE" dirty="0" err="1" smtClean="0"/>
-              <a:t>NullPointerExceptions</a:t>
+              <a:t>Hantera </a:t>
+            </a:r>
+            <a:r>
+              <a:rPr lang="sv-SE" dirty="0" err="1" smtClean="0"/>
+              <a:t>null</a:t>
+            </a:r>
+            <a:r>
+              <a:rPr lang="sv-SE" dirty="0" smtClean="0"/>
+              <a:t> i Java</a:t>
             </a:r>
             <a:endParaRPr lang="sv-SE" dirty="0"/>
           </a:p>
@@ -5049,7 +5035,7 @@
             </a:r>
             <a:r>
               <a:rPr lang="sv-SE" dirty="0" err="1" smtClean="0"/>
-              <a:t>Nullsafe.groovy</a:t>
+              <a:t>Nullsafe.java</a:t>
             </a:r>
             <a:r>
               <a:rPr lang="sv-SE" dirty="0" smtClean="0"/>
@@ -5096,12 +5082,26 @@
         </p:nvSpPr>
         <p:spPr/>
         <p:txBody>
-          <a:bodyPr/>
-          <a:lstStyle/>
-          <a:p>
-            <a:r>
-              <a:rPr lang="sv-SE" dirty="0" smtClean="0"/>
-              <a:t>Slipp generera getters/setters</a:t>
+          <a:bodyPr>
+            <a:normAutofit/>
+          </a:bodyPr>
+          <a:lstStyle/>
+          <a:p>
+            <a:r>
+              <a:rPr lang="sv-SE" dirty="0" smtClean="0"/>
+              <a:t>Hantera </a:t>
+            </a:r>
+            <a:r>
+              <a:rPr lang="sv-SE" dirty="0" err="1" smtClean="0"/>
+              <a:t>null</a:t>
+            </a:r>
+            <a:r>
+              <a:rPr lang="sv-SE" dirty="0" smtClean="0"/>
+              <a:t> i </a:t>
+            </a:r>
+            <a:r>
+              <a:rPr lang="sv-SE" dirty="0" err="1" smtClean="0"/>
+              <a:t>Groovy</a:t>
             </a:r>
             <a:endParaRPr lang="sv-SE" dirty="0"/>
           </a:p>
@@ -5131,11 +5131,7 @@
             </a:r>
             <a:r>
               <a:rPr lang="sv-SE" dirty="0" err="1" smtClean="0"/>
-              <a:t>G</a:t>
-            </a:r>
-            <a:r>
-              <a:rPr lang="sv-SE" dirty="0" err="1" smtClean="0"/>
-              <a:t>ettersSetters.groovy</a:t>
+              <a:t>Nullsafe.groovy</a:t>
             </a:r>
             <a:r>
               <a:rPr lang="sv-SE" dirty="0" smtClean="0"/>
@@ -5187,11 +5183,7 @@
           <a:p>
             <a:r>
               <a:rPr lang="sv-SE" dirty="0" smtClean="0"/>
-              <a:t>Operator </a:t>
-            </a:r>
-            <a:r>
-              <a:rPr lang="sv-SE" dirty="0" err="1" smtClean="0"/>
-              <a:t>overloading</a:t>
+              <a:t>Getters/setters i Java</a:t>
             </a:r>
             <a:endParaRPr lang="sv-SE" dirty="0"/>
           </a:p>
@@ -5215,6 +5207,18 @@
             <a:pPr>
               <a:buNone/>
             </a:pPr>
+            <a:r>
+              <a:rPr lang="sv-SE" dirty="0" smtClean="0"/>
+              <a:t>[</a:t>
+            </a:r>
+            <a:r>
+              <a:rPr lang="sv-SE" dirty="0" err="1" smtClean="0"/>
+              <a:t>ClassWithGettersSetters.java</a:t>
+            </a:r>
+            <a:r>
+              <a:rPr lang="sv-SE" dirty="0" smtClean="0"/>
+              <a:t>]</a:t>
+            </a:r>
             <a:endParaRPr lang="sv-SE" dirty="0"/>
           </a:p>
         </p:txBody>
@@ -5261,15 +5265,11 @@
           <a:p>
             <a:r>
               <a:rPr lang="sv-SE" dirty="0" smtClean="0"/>
-              <a:t>Default </a:t>
-            </a:r>
-            <a:r>
-              <a:rPr lang="sv-SE" dirty="0" err="1" smtClean="0"/>
-              <a:t>konstruktor</a:t>
-            </a:r>
-            <a:r>
-              <a:rPr lang="sv-SE" dirty="0" smtClean="0"/>
-              <a:t> räcker oftast</a:t>
+              <a:t>Getters/setters i </a:t>
+            </a:r>
+            <a:r>
+              <a:rPr lang="sv-SE" dirty="0" err="1" smtClean="0"/>
+              <a:t>Groovy</a:t>
             </a:r>
             <a:endParaRPr lang="sv-SE" dirty="0"/>
           </a:p>
@@ -5299,7 +5299,7 @@
             </a:r>
             <a:r>
               <a:rPr lang="sv-SE" dirty="0" err="1" smtClean="0"/>
-              <a:t>UsingDefaultConstructor.groovy</a:t>
+              <a:t>ClassWithGettersSetters.groovy</a:t>
             </a:r>
             <a:r>
               <a:rPr lang="sv-SE" dirty="0" smtClean="0"/>
@@ -5350,16 +5350,16 @@
           <a:lstStyle/>
           <a:p>
             <a:r>
-              <a:rPr lang="sv-SE" dirty="0" err="1" smtClean="0"/>
-              <a:t>Groovy</a:t>
-            </a:r>
-            <a:r>
-              <a:rPr lang="sv-SE" dirty="0" smtClean="0"/>
-              <a:t> </a:t>
-            </a:r>
-            <a:r>
-              <a:rPr lang="sv-SE" dirty="0" err="1" smtClean="0"/>
-              <a:t>truth</a:t>
+              <a:rPr lang="sv-SE" dirty="0" smtClean="0"/>
+              <a:t>Default </a:t>
+            </a:r>
+            <a:r>
+              <a:rPr lang="sv-SE" dirty="0" err="1" smtClean="0"/>
+              <a:t>konstruktor</a:t>
+            </a:r>
+            <a:r>
+              <a:rPr lang="sv-SE" dirty="0" smtClean="0"/>
+              <a:t> i Java</a:t>
             </a:r>
             <a:endParaRPr lang="sv-SE" dirty="0"/>
           </a:p>
@@ -5389,7 +5389,7 @@
             </a:r>
             <a:r>
               <a:rPr lang="sv-SE" dirty="0" err="1" smtClean="0"/>
-              <a:t>TestGroovyTruth.groovy</a:t>
+              <a:t>UsingDefaultConstructor.java</a:t>
             </a:r>
             <a:r>
               <a:rPr lang="sv-SE" dirty="0" smtClean="0"/>
@@ -5440,17 +5440,21 @@
           <a:lstStyle/>
           <a:p>
             <a:r>
+              <a:rPr lang="sv-SE" dirty="0" smtClean="0"/>
+              <a:t>Default </a:t>
+            </a:r>
+            <a:r>
+              <a:rPr lang="sv-SE" dirty="0" err="1" smtClean="0"/>
+              <a:t>konstruktor</a:t>
+            </a:r>
+            <a:r>
+              <a:rPr lang="sv-SE" dirty="0" smtClean="0"/>
+              <a:t> i </a:t>
+            </a:r>
+            <a:r>
               <a:rPr lang="sv-SE" dirty="0" err="1" smtClean="0"/>
               <a:t>Groovy</a:t>
             </a:r>
-            <a:r>
-              <a:rPr lang="sv-SE" dirty="0" smtClean="0"/>
-              <a:t> </a:t>
-            </a:r>
-            <a:r>
-              <a:rPr lang="sv-SE" dirty="0" err="1" smtClean="0"/>
-              <a:t>truth</a:t>
-            </a:r>
             <a:endParaRPr lang="sv-SE" dirty="0"/>
           </a:p>
         </p:txBody>
@@ -5479,11 +5483,7 @@
             </a:r>
             <a:r>
               <a:rPr lang="sv-SE" dirty="0" err="1" smtClean="0"/>
-              <a:t>H</a:t>
-            </a:r>
-            <a:r>
-              <a:rPr lang="sv-SE" dirty="0" err="1" smtClean="0"/>
-              <a:t>elloWorldWithParameters.java</a:t>
+              <a:t>UsingDefaultConstructor.groovy</a:t>
             </a:r>
             <a:r>
               <a:rPr lang="sv-SE" dirty="0" smtClean="0"/>
@@ -5651,15 +5651,7 @@
           <a:p>
             <a:r>
               <a:rPr lang="sv-SE" dirty="0" err="1" smtClean="0"/>
-              <a:t>Groovy</a:t>
-            </a:r>
-            <a:r>
-              <a:rPr lang="sv-SE" dirty="0" smtClean="0"/>
-              <a:t> </a:t>
-            </a:r>
-            <a:r>
-              <a:rPr lang="sv-SE" dirty="0" err="1" smtClean="0"/>
-              <a:t>truth</a:t>
+              <a:t>Bekvämlighetsmetoder:List</a:t>
             </a:r>
             <a:endParaRPr lang="sv-SE" dirty="0"/>
           </a:p>
@@ -5689,7 +5681,7 @@
             </a:r>
             <a:r>
               <a:rPr lang="sv-SE" dirty="0" err="1" smtClean="0"/>
-              <a:t>helloWorldWithParameters.groovy</a:t>
+              <a:t>ArrayConveniance.groovy</a:t>
             </a:r>
             <a:r>
               <a:rPr lang="sv-SE" dirty="0" smtClean="0"/>
@@ -5741,11 +5733,7 @@
           <a:p>
             <a:r>
               <a:rPr lang="sv-SE" dirty="0" err="1" smtClean="0"/>
-              <a:t>Optional</a:t>
-            </a:r>
-            <a:r>
-              <a:rPr lang="sv-SE" dirty="0" smtClean="0"/>
-              <a:t> parameters</a:t>
+              <a:t>Bekvämlighetsmetoder:List</a:t>
             </a:r>
             <a:endParaRPr lang="sv-SE" dirty="0"/>
           </a:p>
@@ -5771,15 +5759,7 @@
             </a:pPr>
             <a:r>
               <a:rPr lang="sv-SE" dirty="0" smtClean="0"/>
-              <a:t>[</a:t>
-            </a:r>
-            <a:r>
-              <a:rPr lang="sv-SE" dirty="0" err="1" smtClean="0"/>
-              <a:t>optionalParameters.java</a:t>
-            </a:r>
-            <a:r>
-              <a:rPr lang="sv-SE" dirty="0" smtClean="0"/>
-              <a:t>]</a:t>
+              <a:t>[ArrayConveniance2.groovy]</a:t>
             </a:r>
             <a:endParaRPr lang="sv-SE" dirty="0"/>
           </a:p>
@@ -5827,11 +5807,7 @@
           <a:p>
             <a:r>
               <a:rPr lang="sv-SE" dirty="0" err="1" smtClean="0"/>
-              <a:t>Optional</a:t>
-            </a:r>
-            <a:r>
-              <a:rPr lang="sv-SE" dirty="0" smtClean="0"/>
-              <a:t> parameters</a:t>
+              <a:t>Bekvämlighetsmetoder:Map</a:t>
             </a:r>
             <a:endParaRPr lang="sv-SE" dirty="0"/>
           </a:p>
@@ -5847,7 +5823,12 @@
             <p:ph idx="1"/>
           </p:nvPr>
         </p:nvSpPr>
-        <p:spPr/>
+        <p:spPr>
+          <a:xfrm>
+            <a:off x="428596" y="1214422"/>
+            <a:ext cx="8229600" cy="4525963"/>
+          </a:xfrm>
+        </p:spPr>
         <p:txBody>
           <a:bodyPr/>
           <a:lstStyle/>
@@ -5861,7 +5842,591 @@
             </a:r>
             <a:r>
               <a:rPr lang="sv-SE" dirty="0" err="1" smtClean="0"/>
-              <a:t>optionalParameters.groovy</a:t>
+              <a:t>MapConveniance.groovy</a:t>
+            </a:r>
+            <a:r>
+              <a:rPr lang="sv-SE" dirty="0" smtClean="0"/>
+              <a:t>]</a:t>
+            </a:r>
+            <a:endParaRPr lang="sv-SE" dirty="0"/>
+          </a:p>
+        </p:txBody>
+      </p:sp>
+    </p:spTree>
+  </p:cSld>
+  <p:clrMapOvr>
+    <a:masterClrMapping/>
+  </p:clrMapOvr>
+</p:sld>
+</file>
+
+<file path=ppt/slides/slide33.xml><?xml version="1.0" encoding="utf-8"?>
+<p:sld xmlns:a="http://schemas.openxmlformats.org/drawingml/2006/main" xmlns:r="http://schemas.openxmlformats.org/officeDocument/2006/relationships" xmlns:p="http://schemas.openxmlformats.org/presentationml/2006/main">
+  <p:cSld>
+    <p:spTree>
+      <p:nvGrpSpPr>
+        <p:cNvPr id="1" name=""/>
+        <p:cNvGrpSpPr/>
+        <p:nvPr/>
+      </p:nvGrpSpPr>
+      <p:grpSpPr>
+        <a:xfrm>
+          <a:off x="0" y="0"/>
+          <a:ext cx="0" cy="0"/>
+          <a:chOff x="0" y="0"/>
+          <a:chExt cx="0" cy="0"/>
+        </a:xfrm>
+      </p:grpSpPr>
+      <p:sp>
+        <p:nvSpPr>
+          <p:cNvPr id="2" name="Rubrik 1"/>
+          <p:cNvSpPr>
+            <a:spLocks noGrp="1"/>
+          </p:cNvSpPr>
+          <p:nvPr>
+            <p:ph type="title"/>
+          </p:nvPr>
+        </p:nvSpPr>
+        <p:spPr/>
+        <p:txBody>
+          <a:bodyPr/>
+          <a:lstStyle/>
+          <a:p>
+            <a:endParaRPr lang="sv-SE" dirty="0"/>
+          </a:p>
+        </p:txBody>
+      </p:sp>
+    </p:spTree>
+  </p:cSld>
+  <p:clrMapOvr>
+    <a:masterClrMapping/>
+  </p:clrMapOvr>
+  <p:timing>
+    <p:tnLst>
+      <p:par>
+        <p:cTn id="1" dur="indefinite" restart="never" nodeType="tmRoot"/>
+      </p:par>
+    </p:tnLst>
+  </p:timing>
+</p:sld>
+</file>
+
+<file path=ppt/slides/slide34.xml><?xml version="1.0" encoding="utf-8"?>
+<p:sld xmlns:a="http://schemas.openxmlformats.org/drawingml/2006/main" xmlns:r="http://schemas.openxmlformats.org/officeDocument/2006/relationships" xmlns:p="http://schemas.openxmlformats.org/presentationml/2006/main">
+  <p:cSld>
+    <p:spTree>
+      <p:nvGrpSpPr>
+        <p:cNvPr id="1" name=""/>
+        <p:cNvGrpSpPr/>
+        <p:nvPr/>
+      </p:nvGrpSpPr>
+      <p:grpSpPr>
+        <a:xfrm>
+          <a:off x="0" y="0"/>
+          <a:ext cx="0" cy="0"/>
+          <a:chOff x="0" y="0"/>
+          <a:chExt cx="0" cy="0"/>
+        </a:xfrm>
+      </p:grpSpPr>
+      <p:sp>
+        <p:nvSpPr>
+          <p:cNvPr id="2" name="Rubrik 1"/>
+          <p:cNvSpPr>
+            <a:spLocks noGrp="1"/>
+          </p:cNvSpPr>
+          <p:nvPr>
+            <p:ph type="title"/>
+          </p:nvPr>
+        </p:nvSpPr>
+        <p:spPr/>
+        <p:txBody>
+          <a:bodyPr/>
+          <a:lstStyle/>
+          <a:p>
+            <a:r>
+              <a:rPr lang="sv-SE" dirty="0" smtClean="0"/>
+              <a:t>Operator </a:t>
+            </a:r>
+            <a:r>
+              <a:rPr lang="sv-SE" dirty="0" err="1" smtClean="0"/>
+              <a:t>overloading</a:t>
+            </a:r>
+            <a:endParaRPr lang="sv-SE" dirty="0"/>
+          </a:p>
+        </p:txBody>
+      </p:sp>
+      <p:sp>
+        <p:nvSpPr>
+          <p:cNvPr id="4" name="Platshållare för innehåll 3"/>
+          <p:cNvSpPr>
+            <a:spLocks noGrp="1"/>
+          </p:cNvSpPr>
+          <p:nvPr>
+            <p:ph idx="1"/>
+          </p:nvPr>
+        </p:nvSpPr>
+        <p:spPr/>
+        <p:txBody>
+          <a:bodyPr/>
+          <a:lstStyle/>
+          <a:p>
+            <a:pPr>
+              <a:buNone/>
+            </a:pPr>
+            <a:r>
+              <a:rPr lang="sv-SE" dirty="0" smtClean="0"/>
+              <a:t>[</a:t>
+            </a:r>
+            <a:r>
+              <a:rPr lang="sv-SE" dirty="0" err="1" smtClean="0"/>
+              <a:t>operatorOverload.groovy</a:t>
+            </a:r>
+            <a:r>
+              <a:rPr lang="sv-SE" dirty="0" smtClean="0"/>
+              <a:t>]</a:t>
+            </a:r>
+            <a:endParaRPr lang="sv-SE" dirty="0"/>
+          </a:p>
+        </p:txBody>
+      </p:sp>
+    </p:spTree>
+  </p:cSld>
+  <p:clrMapOvr>
+    <a:masterClrMapping/>
+  </p:clrMapOvr>
+  <p:timing>
+    <p:tnLst>
+      <p:par>
+        <p:cTn id="1" dur="indefinite" restart="never" nodeType="tmRoot"/>
+      </p:par>
+    </p:tnLst>
+  </p:timing>
+</p:sld>
+</file>
+
+<file path=ppt/slides/slide35.xml><?xml version="1.0" encoding="utf-8"?>
+<p:sld xmlns:a="http://schemas.openxmlformats.org/drawingml/2006/main" xmlns:r="http://schemas.openxmlformats.org/officeDocument/2006/relationships" xmlns:p="http://schemas.openxmlformats.org/presentationml/2006/main">
+  <p:cSld>
+    <p:spTree>
+      <p:nvGrpSpPr>
+        <p:cNvPr id="1" name=""/>
+        <p:cNvGrpSpPr/>
+        <p:nvPr/>
+      </p:nvGrpSpPr>
+      <p:grpSpPr>
+        <a:xfrm>
+          <a:off x="0" y="0"/>
+          <a:ext cx="0" cy="0"/>
+          <a:chOff x="0" y="0"/>
+          <a:chExt cx="0" cy="0"/>
+        </a:xfrm>
+      </p:grpSpPr>
+      <p:sp>
+        <p:nvSpPr>
+          <p:cNvPr id="2" name="Rubrik 1"/>
+          <p:cNvSpPr>
+            <a:spLocks noGrp="1"/>
+          </p:cNvSpPr>
+          <p:nvPr>
+            <p:ph type="title"/>
+          </p:nvPr>
+        </p:nvSpPr>
+        <p:spPr/>
+        <p:txBody>
+          <a:bodyPr/>
+          <a:lstStyle/>
+          <a:p>
+            <a:r>
+              <a:rPr lang="sv-SE" dirty="0" smtClean="0"/>
+              <a:t>Operator </a:t>
+            </a:r>
+            <a:r>
+              <a:rPr lang="sv-SE" dirty="0" err="1" smtClean="0"/>
+              <a:t>overloading</a:t>
+            </a:r>
+            <a:endParaRPr lang="sv-SE" dirty="0"/>
+          </a:p>
+        </p:txBody>
+      </p:sp>
+      <p:sp>
+        <p:nvSpPr>
+          <p:cNvPr id="4" name="Platshållare för innehåll 3"/>
+          <p:cNvSpPr>
+            <a:spLocks noGrp="1"/>
+          </p:cNvSpPr>
+          <p:nvPr>
+            <p:ph idx="1"/>
+          </p:nvPr>
+        </p:nvSpPr>
+        <p:spPr/>
+        <p:txBody>
+          <a:bodyPr/>
+          <a:lstStyle/>
+          <a:p>
+            <a:pPr>
+              <a:buNone/>
+            </a:pPr>
+            <a:r>
+              <a:rPr lang="sv-SE" smtClean="0"/>
+              <a:t>[operatorOverload2.groovy</a:t>
+            </a:r>
+            <a:r>
+              <a:rPr lang="sv-SE" dirty="0" smtClean="0"/>
+              <a:t>]</a:t>
+            </a:r>
+            <a:endParaRPr lang="sv-SE" dirty="0"/>
+          </a:p>
+        </p:txBody>
+      </p:sp>
+    </p:spTree>
+  </p:cSld>
+  <p:clrMapOvr>
+    <a:masterClrMapping/>
+  </p:clrMapOvr>
+  <p:timing>
+    <p:tnLst>
+      <p:par>
+        <p:cTn id="1" dur="indefinite" restart="never" nodeType="tmRoot"/>
+      </p:par>
+    </p:tnLst>
+  </p:timing>
+</p:sld>
+</file>
+
+<file path=ppt/slides/slide36.xml><?xml version="1.0" encoding="utf-8"?>
+<p:sld xmlns:a="http://schemas.openxmlformats.org/drawingml/2006/main" xmlns:r="http://schemas.openxmlformats.org/officeDocument/2006/relationships" xmlns:p="http://schemas.openxmlformats.org/presentationml/2006/main">
+  <p:cSld>
+    <p:spTree>
+      <p:nvGrpSpPr>
+        <p:cNvPr id="1" name=""/>
+        <p:cNvGrpSpPr/>
+        <p:nvPr/>
+      </p:nvGrpSpPr>
+      <p:grpSpPr>
+        <a:xfrm>
+          <a:off x="0" y="0"/>
+          <a:ext cx="0" cy="0"/>
+          <a:chOff x="0" y="0"/>
+          <a:chExt cx="0" cy="0"/>
+        </a:xfrm>
+      </p:grpSpPr>
+      <p:sp>
+        <p:nvSpPr>
+          <p:cNvPr id="2" name="Rubrik 1"/>
+          <p:cNvSpPr>
+            <a:spLocks noGrp="1"/>
+          </p:cNvSpPr>
+          <p:nvPr>
+            <p:ph type="title"/>
+          </p:nvPr>
+        </p:nvSpPr>
+        <p:spPr/>
+        <p:txBody>
+          <a:bodyPr/>
+          <a:lstStyle/>
+          <a:p>
+            <a:r>
+              <a:rPr lang="sv-SE" dirty="0" smtClean="0"/>
+              <a:t>Operator </a:t>
+            </a:r>
+            <a:r>
+              <a:rPr lang="sv-SE" dirty="0" err="1" smtClean="0"/>
+              <a:t>overloading</a:t>
+            </a:r>
+            <a:endParaRPr lang="sv-SE" dirty="0"/>
+          </a:p>
+        </p:txBody>
+      </p:sp>
+      <p:sp>
+        <p:nvSpPr>
+          <p:cNvPr id="3" name="Platshållare för innehåll 2"/>
+          <p:cNvSpPr>
+            <a:spLocks noGrp="1"/>
+          </p:cNvSpPr>
+          <p:nvPr>
+            <p:ph idx="1"/>
+          </p:nvPr>
+        </p:nvSpPr>
+        <p:spPr/>
+        <p:txBody>
+          <a:bodyPr/>
+          <a:lstStyle/>
+          <a:p>
+            <a:pPr>
+              <a:buNone/>
+            </a:pPr>
+            <a:endParaRPr lang="sv-SE" dirty="0"/>
+          </a:p>
+        </p:txBody>
+      </p:sp>
+    </p:spTree>
+  </p:cSld>
+  <p:clrMapOvr>
+    <a:masterClrMapping/>
+  </p:clrMapOvr>
+  <p:timing>
+    <p:tnLst>
+      <p:par>
+        <p:cTn id="1" dur="indefinite" restart="never" nodeType="tmRoot"/>
+      </p:par>
+    </p:tnLst>
+  </p:timing>
+</p:sld>
+</file>
+
+<file path=ppt/slides/slide37.xml><?xml version="1.0" encoding="utf-8"?>
+<p:sld xmlns:a="http://schemas.openxmlformats.org/drawingml/2006/main" xmlns:r="http://schemas.openxmlformats.org/officeDocument/2006/relationships" xmlns:p="http://schemas.openxmlformats.org/presentationml/2006/main">
+  <p:cSld>
+    <p:spTree>
+      <p:nvGrpSpPr>
+        <p:cNvPr id="1" name=""/>
+        <p:cNvGrpSpPr/>
+        <p:nvPr/>
+      </p:nvGrpSpPr>
+      <p:grpSpPr>
+        <a:xfrm>
+          <a:off x="0" y="0"/>
+          <a:ext cx="0" cy="0"/>
+          <a:chOff x="0" y="0"/>
+          <a:chExt cx="0" cy="0"/>
+        </a:xfrm>
+      </p:grpSpPr>
+      <p:sp>
+        <p:nvSpPr>
+          <p:cNvPr id="2" name="Rubrik 1"/>
+          <p:cNvSpPr>
+            <a:spLocks noGrp="1"/>
+          </p:cNvSpPr>
+          <p:nvPr>
+            <p:ph type="title"/>
+          </p:nvPr>
+        </p:nvSpPr>
+        <p:spPr/>
+        <p:txBody>
+          <a:bodyPr/>
+          <a:lstStyle/>
+          <a:p>
+            <a:r>
+              <a:rPr lang="sv-SE" dirty="0" err="1" smtClean="0"/>
+              <a:t>Groovy</a:t>
+            </a:r>
+            <a:r>
+              <a:rPr lang="sv-SE" dirty="0" smtClean="0"/>
+              <a:t> </a:t>
+            </a:r>
+            <a:r>
+              <a:rPr lang="sv-SE" dirty="0" err="1" smtClean="0"/>
+              <a:t>truth</a:t>
+            </a:r>
+            <a:endParaRPr lang="sv-SE" dirty="0"/>
+          </a:p>
+        </p:txBody>
+      </p:sp>
+      <p:sp>
+        <p:nvSpPr>
+          <p:cNvPr id="3" name="Platshållare för innehåll 2"/>
+          <p:cNvSpPr>
+            <a:spLocks noGrp="1"/>
+          </p:cNvSpPr>
+          <p:nvPr>
+            <p:ph idx="1"/>
+          </p:nvPr>
+        </p:nvSpPr>
+        <p:spPr/>
+        <p:txBody>
+          <a:bodyPr/>
+          <a:lstStyle/>
+          <a:p>
+            <a:pPr>
+              <a:buNone/>
+            </a:pPr>
+            <a:r>
+              <a:rPr lang="sv-SE" dirty="0" smtClean="0"/>
+              <a:t>[</a:t>
+            </a:r>
+            <a:r>
+              <a:rPr lang="sv-SE" dirty="0" err="1" smtClean="0"/>
+              <a:t>TestGroovyTruth.groovy</a:t>
+            </a:r>
+            <a:r>
+              <a:rPr lang="sv-SE" dirty="0" smtClean="0"/>
+              <a:t>]</a:t>
+            </a:r>
+            <a:endParaRPr lang="sv-SE" dirty="0"/>
+          </a:p>
+        </p:txBody>
+      </p:sp>
+    </p:spTree>
+  </p:cSld>
+  <p:clrMapOvr>
+    <a:masterClrMapping/>
+  </p:clrMapOvr>
+</p:sld>
+</file>
+
+<file path=ppt/slides/slide38.xml><?xml version="1.0" encoding="utf-8"?>
+<p:sld xmlns:a="http://schemas.openxmlformats.org/drawingml/2006/main" xmlns:r="http://schemas.openxmlformats.org/officeDocument/2006/relationships" xmlns:p="http://schemas.openxmlformats.org/presentationml/2006/main">
+  <p:cSld>
+    <p:spTree>
+      <p:nvGrpSpPr>
+        <p:cNvPr id="1" name=""/>
+        <p:cNvGrpSpPr/>
+        <p:nvPr/>
+      </p:nvGrpSpPr>
+      <p:grpSpPr>
+        <a:xfrm>
+          <a:off x="0" y="0"/>
+          <a:ext cx="0" cy="0"/>
+          <a:chOff x="0" y="0"/>
+          <a:chExt cx="0" cy="0"/>
+        </a:xfrm>
+      </p:grpSpPr>
+      <p:sp>
+        <p:nvSpPr>
+          <p:cNvPr id="2" name="Rubrik 1"/>
+          <p:cNvSpPr>
+            <a:spLocks noGrp="1"/>
+          </p:cNvSpPr>
+          <p:nvPr>
+            <p:ph type="title"/>
+          </p:nvPr>
+        </p:nvSpPr>
+        <p:spPr/>
+        <p:txBody>
+          <a:bodyPr/>
+          <a:lstStyle/>
+          <a:p>
+            <a:r>
+              <a:rPr lang="sv-SE" dirty="0" err="1" smtClean="0"/>
+              <a:t>Groovy</a:t>
+            </a:r>
+            <a:r>
+              <a:rPr lang="sv-SE" dirty="0" smtClean="0"/>
+              <a:t> </a:t>
+            </a:r>
+            <a:r>
+              <a:rPr lang="sv-SE" dirty="0" err="1" smtClean="0"/>
+              <a:t>truth</a:t>
+            </a:r>
+            <a:endParaRPr lang="sv-SE" dirty="0"/>
+          </a:p>
+        </p:txBody>
+      </p:sp>
+      <p:sp>
+        <p:nvSpPr>
+          <p:cNvPr id="3" name="Platshållare för innehåll 2"/>
+          <p:cNvSpPr>
+            <a:spLocks noGrp="1"/>
+          </p:cNvSpPr>
+          <p:nvPr>
+            <p:ph idx="1"/>
+          </p:nvPr>
+        </p:nvSpPr>
+        <p:spPr/>
+        <p:txBody>
+          <a:bodyPr/>
+          <a:lstStyle/>
+          <a:p>
+            <a:pPr>
+              <a:buNone/>
+            </a:pPr>
+            <a:r>
+              <a:rPr lang="sv-SE" dirty="0" smtClean="0"/>
+              <a:t>[</a:t>
+            </a:r>
+            <a:r>
+              <a:rPr lang="sv-SE" dirty="0" err="1" smtClean="0"/>
+              <a:t>HelloWorldWithParameters.java</a:t>
+            </a:r>
+            <a:r>
+              <a:rPr lang="sv-SE" dirty="0" smtClean="0"/>
+              <a:t>]</a:t>
+            </a:r>
+            <a:endParaRPr lang="sv-SE" dirty="0"/>
+          </a:p>
+        </p:txBody>
+      </p:sp>
+    </p:spTree>
+  </p:cSld>
+  <p:clrMapOvr>
+    <a:masterClrMapping/>
+  </p:clrMapOvr>
+</p:sld>
+</file>
+
+<file path=ppt/slides/slide39.xml><?xml version="1.0" encoding="utf-8"?>
+<p:sld xmlns:a="http://schemas.openxmlformats.org/drawingml/2006/main" xmlns:r="http://schemas.openxmlformats.org/officeDocument/2006/relationships" xmlns:p="http://schemas.openxmlformats.org/presentationml/2006/main">
+  <p:cSld>
+    <p:spTree>
+      <p:nvGrpSpPr>
+        <p:cNvPr id="1" name=""/>
+        <p:cNvGrpSpPr/>
+        <p:nvPr/>
+      </p:nvGrpSpPr>
+      <p:grpSpPr>
+        <a:xfrm>
+          <a:off x="0" y="0"/>
+          <a:ext cx="0" cy="0"/>
+          <a:chOff x="0" y="0"/>
+          <a:chExt cx="0" cy="0"/>
+        </a:xfrm>
+      </p:grpSpPr>
+      <p:sp>
+        <p:nvSpPr>
+          <p:cNvPr id="2" name="Rubrik 1"/>
+          <p:cNvSpPr>
+            <a:spLocks noGrp="1"/>
+          </p:cNvSpPr>
+          <p:nvPr>
+            <p:ph type="title"/>
+          </p:nvPr>
+        </p:nvSpPr>
+        <p:spPr/>
+        <p:txBody>
+          <a:bodyPr/>
+          <a:lstStyle/>
+          <a:p>
+            <a:r>
+              <a:rPr lang="sv-SE" dirty="0" err="1" smtClean="0"/>
+              <a:t>Groovy</a:t>
+            </a:r>
+            <a:r>
+              <a:rPr lang="sv-SE" dirty="0" smtClean="0"/>
+              <a:t> </a:t>
+            </a:r>
+            <a:r>
+              <a:rPr lang="sv-SE" dirty="0" err="1" smtClean="0"/>
+              <a:t>truth</a:t>
+            </a:r>
+            <a:endParaRPr lang="sv-SE" dirty="0"/>
+          </a:p>
+        </p:txBody>
+      </p:sp>
+      <p:sp>
+        <p:nvSpPr>
+          <p:cNvPr id="3" name="Platshållare för innehåll 2"/>
+          <p:cNvSpPr>
+            <a:spLocks noGrp="1"/>
+          </p:cNvSpPr>
+          <p:nvPr>
+            <p:ph idx="1"/>
+          </p:nvPr>
+        </p:nvSpPr>
+        <p:spPr/>
+        <p:txBody>
+          <a:bodyPr/>
+          <a:lstStyle/>
+          <a:p>
+            <a:pPr>
+              <a:buNone/>
+            </a:pPr>
+            <a:r>
+              <a:rPr lang="sv-SE" dirty="0" smtClean="0"/>
+              <a:t>[</a:t>
+            </a:r>
+            <a:r>
+              <a:rPr lang="sv-SE" dirty="0" err="1" smtClean="0"/>
+              <a:t>helloWorldWithParameters.groovy</a:t>
             </a:r>
             <a:r>
               <a:rPr lang="sv-SE" dirty="0" smtClean="0"/>
@@ -5962,6 +6527,178 @@
 </p:sld>
 </file>
 
+<file path=ppt/slides/slide40.xml><?xml version="1.0" encoding="utf-8"?>
+<p:sld xmlns:a="http://schemas.openxmlformats.org/drawingml/2006/main" xmlns:r="http://schemas.openxmlformats.org/officeDocument/2006/relationships" xmlns:p="http://schemas.openxmlformats.org/presentationml/2006/main">
+  <p:cSld>
+    <p:spTree>
+      <p:nvGrpSpPr>
+        <p:cNvPr id="1" name=""/>
+        <p:cNvGrpSpPr/>
+        <p:nvPr/>
+      </p:nvGrpSpPr>
+      <p:grpSpPr>
+        <a:xfrm>
+          <a:off x="0" y="0"/>
+          <a:ext cx="0" cy="0"/>
+          <a:chOff x="0" y="0"/>
+          <a:chExt cx="0" cy="0"/>
+        </a:xfrm>
+      </p:grpSpPr>
+      <p:sp>
+        <p:nvSpPr>
+          <p:cNvPr id="2" name="Rubrik 1"/>
+          <p:cNvSpPr>
+            <a:spLocks noGrp="1"/>
+          </p:cNvSpPr>
+          <p:nvPr>
+            <p:ph type="title"/>
+          </p:nvPr>
+        </p:nvSpPr>
+        <p:spPr/>
+        <p:txBody>
+          <a:bodyPr/>
+          <a:lstStyle/>
+          <a:p>
+            <a:r>
+              <a:rPr lang="sv-SE" dirty="0" err="1" smtClean="0"/>
+              <a:t>Optional</a:t>
+            </a:r>
+            <a:r>
+              <a:rPr lang="sv-SE" dirty="0" smtClean="0"/>
+              <a:t> parameters</a:t>
+            </a:r>
+            <a:endParaRPr lang="sv-SE" dirty="0"/>
+          </a:p>
+        </p:txBody>
+      </p:sp>
+      <p:sp>
+        <p:nvSpPr>
+          <p:cNvPr id="3" name="Platshållare för innehåll 2"/>
+          <p:cNvSpPr>
+            <a:spLocks noGrp="1"/>
+          </p:cNvSpPr>
+          <p:nvPr>
+            <p:ph idx="1"/>
+          </p:nvPr>
+        </p:nvSpPr>
+        <p:spPr/>
+        <p:txBody>
+          <a:bodyPr/>
+          <a:lstStyle/>
+          <a:p>
+            <a:pPr>
+              <a:buNone/>
+            </a:pPr>
+            <a:r>
+              <a:rPr lang="sv-SE" dirty="0" smtClean="0"/>
+              <a:t>[</a:t>
+            </a:r>
+            <a:r>
+              <a:rPr lang="sv-SE" dirty="0" err="1" smtClean="0"/>
+              <a:t>optionalParameters.java</a:t>
+            </a:r>
+            <a:r>
+              <a:rPr lang="sv-SE" dirty="0" smtClean="0"/>
+              <a:t>]</a:t>
+            </a:r>
+            <a:endParaRPr lang="sv-SE" dirty="0"/>
+          </a:p>
+        </p:txBody>
+      </p:sp>
+    </p:spTree>
+  </p:cSld>
+  <p:clrMapOvr>
+    <a:masterClrMapping/>
+  </p:clrMapOvr>
+</p:sld>
+</file>
+
+<file path=ppt/slides/slide41.xml><?xml version="1.0" encoding="utf-8"?>
+<p:sld xmlns:a="http://schemas.openxmlformats.org/drawingml/2006/main" xmlns:r="http://schemas.openxmlformats.org/officeDocument/2006/relationships" xmlns:p="http://schemas.openxmlformats.org/presentationml/2006/main">
+  <p:cSld>
+    <p:spTree>
+      <p:nvGrpSpPr>
+        <p:cNvPr id="1" name=""/>
+        <p:cNvGrpSpPr/>
+        <p:nvPr/>
+      </p:nvGrpSpPr>
+      <p:grpSpPr>
+        <a:xfrm>
+          <a:off x="0" y="0"/>
+          <a:ext cx="0" cy="0"/>
+          <a:chOff x="0" y="0"/>
+          <a:chExt cx="0" cy="0"/>
+        </a:xfrm>
+      </p:grpSpPr>
+      <p:sp>
+        <p:nvSpPr>
+          <p:cNvPr id="2" name="Rubrik 1"/>
+          <p:cNvSpPr>
+            <a:spLocks noGrp="1"/>
+          </p:cNvSpPr>
+          <p:nvPr>
+            <p:ph type="title"/>
+          </p:nvPr>
+        </p:nvSpPr>
+        <p:spPr/>
+        <p:txBody>
+          <a:bodyPr/>
+          <a:lstStyle/>
+          <a:p>
+            <a:r>
+              <a:rPr lang="sv-SE" dirty="0" err="1" smtClean="0"/>
+              <a:t>Optional</a:t>
+            </a:r>
+            <a:r>
+              <a:rPr lang="sv-SE" dirty="0" smtClean="0"/>
+              <a:t> parameters</a:t>
+            </a:r>
+            <a:endParaRPr lang="sv-SE" dirty="0"/>
+          </a:p>
+        </p:txBody>
+      </p:sp>
+      <p:sp>
+        <p:nvSpPr>
+          <p:cNvPr id="3" name="Platshållare för innehåll 2"/>
+          <p:cNvSpPr>
+            <a:spLocks noGrp="1"/>
+          </p:cNvSpPr>
+          <p:nvPr>
+            <p:ph idx="1"/>
+          </p:nvPr>
+        </p:nvSpPr>
+        <p:spPr/>
+        <p:txBody>
+          <a:bodyPr/>
+          <a:lstStyle/>
+          <a:p>
+            <a:pPr>
+              <a:buNone/>
+            </a:pPr>
+            <a:r>
+              <a:rPr lang="sv-SE" dirty="0" smtClean="0"/>
+              <a:t>[</a:t>
+            </a:r>
+            <a:r>
+              <a:rPr lang="sv-SE" dirty="0" err="1" smtClean="0"/>
+              <a:t>optionalParameters.groovy</a:t>
+            </a:r>
+            <a:r>
+              <a:rPr lang="sv-SE" dirty="0" smtClean="0"/>
+              <a:t>]</a:t>
+            </a:r>
+            <a:endParaRPr lang="sv-SE" dirty="0"/>
+          </a:p>
+        </p:txBody>
+      </p:sp>
+    </p:spTree>
+  </p:cSld>
+  <p:clrMapOvr>
+    <a:masterClrMapping/>
+  </p:clrMapOvr>
+</p:sld>
+</file>
+
 <file path=ppt/slides/slide5.xml><?xml version="1.0" encoding="utf-8"?>
 <p:sld xmlns:a="http://schemas.openxmlformats.org/drawingml/2006/main" xmlns:r="http://schemas.openxmlformats.org/officeDocument/2006/relationships" xmlns:p="http://schemas.openxmlformats.org/presentationml/2006/main">
   <p:cSld>
@@ -5996,11 +6733,7 @@
           <a:p>
             <a:r>
               <a:rPr lang="sv-SE" dirty="0" smtClean="0"/>
-              <a:t>Fördelar med dynamiska </a:t>
-            </a:r>
-            <a:r>
-              <a:rPr lang="sv-SE" dirty="0" smtClean="0"/>
-              <a:t>språk</a:t>
+              <a:t>Fördelar med dynamiska språk</a:t>
             </a:r>
             <a:endParaRPr lang="sv-SE" dirty="0"/>
           </a:p>
@@ -6029,16 +6762,11 @@
               <a:rPr lang="sv-SE" dirty="0" smtClean="0"/>
               <a:t> </a:t>
             </a:r>
-            <a:endParaRPr lang="sv-SE" dirty="0" smtClean="0"/>
-          </a:p>
-          <a:p>
-            <a:r>
-              <a:rPr lang="sv-SE" dirty="0" smtClean="0"/>
-              <a:t>Möjlighet att ändra hur språket </a:t>
-            </a:r>
-            <a:r>
-              <a:rPr lang="sv-SE" dirty="0" smtClean="0"/>
-              <a:t>fungerar (</a:t>
+          </a:p>
+          <a:p>
+            <a:r>
+              <a:rPr lang="sv-SE" dirty="0" smtClean="0"/>
+              <a:t>Möjlighet att ändra hur språket fungerar (</a:t>
             </a:r>
             <a:r>
               <a:rPr lang="sv-SE" dirty="0" err="1" smtClean="0"/>
@@ -6048,7 +6776,6 @@
               <a:rPr lang="sv-SE" dirty="0" smtClean="0"/>
               <a:t>)</a:t>
             </a:r>
-            <a:endParaRPr lang="sv-SE" dirty="0" smtClean="0"/>
           </a:p>
           <a:p>
             <a:r>
@@ -6168,7 +6895,6 @@
               <a:rPr lang="sv-SE" dirty="0" smtClean="0"/>
               <a:t> där kodblocket skapades</a:t>
             </a:r>
-            <a:endParaRPr lang="sv-SE" dirty="0" smtClean="0"/>
           </a:p>
           <a:p>
             <a:r>
@@ -6401,15 +7127,7 @@
           <a:p>
             <a:r>
               <a:rPr lang="sv-SE" dirty="0" smtClean="0"/>
-              <a:t>Java, C, </a:t>
-            </a:r>
-            <a:r>
-              <a:rPr lang="sv-SE" dirty="0" smtClean="0"/>
-              <a:t>Ruby</a:t>
-            </a:r>
-            <a:r>
-              <a:rPr lang="sv-SE" dirty="0" smtClean="0"/>
-              <a:t>, </a:t>
+              <a:t>Java, C, Ruby, </a:t>
             </a:r>
             <a:r>
               <a:rPr lang="sv-SE" dirty="0" err="1" smtClean="0"/>
@@ -6539,30 +7257,20 @@
           <a:p>
             <a:r>
               <a:rPr lang="sv-SE" dirty="0" smtClean="0"/>
-              <a:t>Går </a:t>
-            </a:r>
-            <a:r>
-              <a:rPr lang="sv-SE" dirty="0" smtClean="0"/>
-              <a:t>snabbare att utveckla i ett språk som ligger nära problemdomänen</a:t>
-            </a:r>
-          </a:p>
-          <a:p>
-            <a:r>
-              <a:rPr lang="sv-SE" dirty="0" smtClean="0"/>
-              <a:t>Lätt att kommunicera med beställare och </a:t>
-            </a:r>
-            <a:r>
-              <a:rPr lang="sv-SE" dirty="0" smtClean="0"/>
-              <a:t>användare</a:t>
-            </a:r>
-            <a:endParaRPr lang="sv-SE" dirty="0" smtClean="0"/>
+              <a:t>Går snabbare att utveckla i ett språk som ligger nära problemdomänen</a:t>
+            </a:r>
+          </a:p>
+          <a:p>
+            <a:r>
+              <a:rPr lang="sv-SE" dirty="0" smtClean="0"/>
+              <a:t>Lätt att kommunicera med beställare och användare</a:t>
+            </a:r>
           </a:p>
           <a:p>
             <a:r>
               <a:rPr lang="sv-SE" dirty="0" smtClean="0"/>
               <a:t>Koden läsbar även för icke-programmerare</a:t>
             </a:r>
-            <a:endParaRPr lang="sv-SE" dirty="0" smtClean="0"/>
           </a:p>
           <a:p>
             <a:endParaRPr lang="sv-SE" dirty="0" smtClean="0"/>

--- a/groovyseminarie/dokument/groovyseminarium_source.pptx
+++ b/groovyseminarie/dokument/groovyseminarium_source.pptx
@@ -24,28 +24,30 @@
     <p:sldId id="276" r:id="rId18"/>
     <p:sldId id="275" r:id="rId19"/>
     <p:sldId id="273" r:id="rId20"/>
-    <p:sldId id="283" r:id="rId21"/>
-    <p:sldId id="284" r:id="rId22"/>
-    <p:sldId id="285" r:id="rId23"/>
-    <p:sldId id="296" r:id="rId24"/>
-    <p:sldId id="286" r:id="rId25"/>
-    <p:sldId id="287" r:id="rId26"/>
-    <p:sldId id="288" r:id="rId27"/>
-    <p:sldId id="297" r:id="rId28"/>
-    <p:sldId id="291" r:id="rId29"/>
-    <p:sldId id="298" r:id="rId30"/>
-    <p:sldId id="299" r:id="rId31"/>
-    <p:sldId id="300" r:id="rId32"/>
-    <p:sldId id="301" r:id="rId33"/>
-    <p:sldId id="302" r:id="rId34"/>
-    <p:sldId id="303" r:id="rId35"/>
-    <p:sldId id="304" r:id="rId36"/>
-    <p:sldId id="295" r:id="rId37"/>
-    <p:sldId id="294" r:id="rId38"/>
-    <p:sldId id="292" r:id="rId39"/>
-    <p:sldId id="293" r:id="rId40"/>
-    <p:sldId id="289" r:id="rId41"/>
-    <p:sldId id="290" r:id="rId42"/>
+    <p:sldId id="305" r:id="rId21"/>
+    <p:sldId id="307" r:id="rId22"/>
+    <p:sldId id="308" r:id="rId23"/>
+    <p:sldId id="306" r:id="rId24"/>
+    <p:sldId id="283" r:id="rId25"/>
+    <p:sldId id="284" r:id="rId26"/>
+    <p:sldId id="285" r:id="rId27"/>
+    <p:sldId id="296" r:id="rId28"/>
+    <p:sldId id="286" r:id="rId29"/>
+    <p:sldId id="287" r:id="rId30"/>
+    <p:sldId id="288" r:id="rId31"/>
+    <p:sldId id="297" r:id="rId32"/>
+    <p:sldId id="291" r:id="rId33"/>
+    <p:sldId id="298" r:id="rId34"/>
+    <p:sldId id="299" r:id="rId35"/>
+    <p:sldId id="300" r:id="rId36"/>
+    <p:sldId id="301" r:id="rId37"/>
+    <p:sldId id="303" r:id="rId38"/>
+    <p:sldId id="304" r:id="rId39"/>
+    <p:sldId id="292" r:id="rId40"/>
+    <p:sldId id="293" r:id="rId41"/>
+    <p:sldId id="294" r:id="rId42"/>
+    <p:sldId id="289" r:id="rId43"/>
+    <p:sldId id="290" r:id="rId44"/>
   </p:sldIdLst>
   <p:sldSz cx="9144000" cy="6858000" type="screen4x3"/>
   <p:notesSz cx="6858000" cy="9144000"/>
@@ -4671,7 +4673,12 @@
             <p:ph idx="1"/>
           </p:nvPr>
         </p:nvSpPr>
-        <p:spPr/>
+        <p:spPr>
+          <a:xfrm>
+            <a:off x="457200" y="1600201"/>
+            <a:ext cx="8229600" cy="1114420"/>
+          </a:xfrm>
+        </p:spPr>
         <p:txBody>
           <a:bodyPr/>
           <a:lstStyle/>
@@ -4685,13 +4692,80 @@
             </a:r>
             <a:r>
               <a:rPr lang="sv-SE" dirty="0" err="1" smtClean="0"/>
-              <a:t>helloWorld.groovy</a:t>
+              <a:t>helloWorld.java</a:t>
             </a:r>
             <a:r>
               <a:rPr lang="sv-SE" dirty="0" smtClean="0"/>
               <a:t>]</a:t>
             </a:r>
             <a:endParaRPr lang="sv-SE" dirty="0"/>
+          </a:p>
+        </p:txBody>
+      </p:sp>
+      <p:sp>
+        <p:nvSpPr>
+          <p:cNvPr id="4" name="Platshållare för innehåll 2"/>
+          <p:cNvSpPr txBox="1">
+            <a:spLocks/>
+          </p:cNvSpPr>
+          <p:nvPr/>
+        </p:nvSpPr>
+        <p:spPr>
+          <a:xfrm>
+            <a:off x="500034" y="3714752"/>
+            <a:ext cx="8229600" cy="1114420"/>
+          </a:xfrm>
+          <a:prstGeom prst="rect">
+            <a:avLst/>
+          </a:prstGeom>
+        </p:spPr>
+        <p:txBody>
+          <a:bodyPr vert="horz" lIns="91440" tIns="45720" rIns="91440" bIns="45720" rtlCol="0">
+            <a:normAutofit lnSpcReduction="10000"/>
+          </a:bodyPr>
+          <a:lstStyle/>
+          <a:p>
+            <a:pPr marL="342900" indent="-342900">
+              <a:spcBef>
+                <a:spcPct val="20000"/>
+              </a:spcBef>
+            </a:pPr>
+            <a:r>
+              <a:rPr lang="sv-SE" sz="3200" dirty="0" smtClean="0"/>
+              <a:t>Utmaning: Hur </a:t>
+            </a:r>
+            <a:r>
+              <a:rPr lang="sv-SE" sz="3200" dirty="0" smtClean="0"/>
+              <a:t>läser man </a:t>
+            </a:r>
+            <a:r>
+              <a:rPr lang="sv-SE" sz="3200" dirty="0" smtClean="0"/>
+              <a:t>en fil i Java?</a:t>
+            </a:r>
+            <a:endParaRPr lang="sv-SE" sz="3200" dirty="0" smtClean="0"/>
+          </a:p>
+          <a:p>
+            <a:pPr marL="342900" marR="0" lvl="0" indent="-342900" algn="l" defTabSz="914400" rtl="0" eaLnBrk="1" fontAlgn="auto" latinLnBrk="0" hangingPunct="1">
+              <a:lnSpc>
+                <a:spcPct val="100000"/>
+              </a:lnSpc>
+              <a:spcBef>
+                <a:spcPct val="20000"/>
+              </a:spcBef>
+              <a:spcAft>
+                <a:spcPts val="0"/>
+              </a:spcAft>
+              <a:buClrTx/>
+              <a:buSzTx/>
+              <a:buFont typeface="Arial" pitchFamily="34" charset="0"/>
+              <a:buNone/>
+              <a:tabLst/>
+              <a:defRPr/>
+            </a:pPr>
+            <a:r>
+              <a:rPr lang="sv-SE" sz="3200" dirty="0" smtClean="0"/>
+              <a:t> </a:t>
+            </a:r>
           </a:p>
         </p:txBody>
       </p:sp>
@@ -4736,12 +4810,8 @@
           <a:lstStyle/>
           <a:p>
             <a:r>
-              <a:rPr lang="sv-SE" dirty="0" err="1" smtClean="0"/>
-              <a:t>Exceptions</a:t>
-            </a:r>
-            <a:r>
-              <a:rPr lang="sv-SE" dirty="0" smtClean="0"/>
-              <a:t> i java</a:t>
+              <a:rPr lang="sv-SE" dirty="0" smtClean="0"/>
+              <a:t>Läsa fil i Java 1.4</a:t>
             </a:r>
             <a:endParaRPr lang="sv-SE" dirty="0"/>
           </a:p>
@@ -4767,15 +4837,7 @@
             </a:pPr>
             <a:r>
               <a:rPr lang="sv-SE" dirty="0" smtClean="0"/>
-              <a:t>[</a:t>
-            </a:r>
-            <a:r>
-              <a:rPr lang="sv-SE" dirty="0" err="1" smtClean="0"/>
-              <a:t>Exceptions.java</a:t>
-            </a:r>
-            <a:r>
-              <a:rPr lang="sv-SE" dirty="0" smtClean="0"/>
-              <a:t>]</a:t>
+              <a:t>[ReadFileJava14.java]</a:t>
             </a:r>
             <a:endParaRPr lang="sv-SE" dirty="0"/>
           </a:p>
@@ -4822,16 +4884,8 @@
           <a:lstStyle/>
           <a:p>
             <a:r>
-              <a:rPr lang="sv-SE" dirty="0" err="1" smtClean="0"/>
-              <a:t>Exceptions</a:t>
-            </a:r>
-            <a:r>
-              <a:rPr lang="sv-SE" dirty="0" smtClean="0"/>
-              <a:t> i </a:t>
-            </a:r>
-            <a:r>
-              <a:rPr lang="sv-SE" dirty="0" err="1" smtClean="0"/>
-              <a:t>Groovy</a:t>
+              <a:rPr lang="sv-SE" dirty="0" smtClean="0"/>
+              <a:t>Läsa fil i Java 5</a:t>
             </a:r>
             <a:endParaRPr lang="sv-SE" dirty="0"/>
           </a:p>
@@ -4856,12 +4910,8 @@
               <a:buNone/>
             </a:pPr>
             <a:r>
-              <a:rPr lang="sv-SE" dirty="0" smtClean="0"/>
-              <a:t>[</a:t>
-            </a:r>
-            <a:r>
-              <a:rPr lang="sv-SE" dirty="0" err="1" smtClean="0"/>
-              <a:t>Exceptions.groovy</a:t>
+              <a:rPr lang="sv-SE" smtClean="0"/>
+              <a:t>[ReadFileJava5.java</a:t>
             </a:r>
             <a:r>
               <a:rPr lang="sv-SE" dirty="0" smtClean="0"/>
@@ -4911,11 +4961,7 @@
           <a:bodyPr/>
           <a:lstStyle/>
           <a:p>
-            <a:r>
-              <a:rPr lang="sv-SE" dirty="0" smtClean="0"/>
-              <a:t>Dynamisk/frivillig typning</a:t>
-            </a:r>
-            <a:endParaRPr lang="sv-SE" dirty="0"/>
+            <a:endParaRPr lang="sv-SE"/>
           </a:p>
         </p:txBody>
       </p:sp>
@@ -4934,20 +4980,9 @@
           <a:bodyPr/>
           <a:lstStyle/>
           <a:p>
-            <a:pPr>
-              <a:buNone/>
-            </a:pPr>
-            <a:r>
-              <a:rPr lang="sv-SE" dirty="0" smtClean="0"/>
-              <a:t>[</a:t>
-            </a:r>
-            <a:r>
-              <a:rPr lang="sv-SE" dirty="0" err="1" smtClean="0"/>
-              <a:t>optionalTyping.groovy</a:t>
-            </a:r>
-            <a:r>
-              <a:rPr lang="sv-SE" dirty="0" smtClean="0"/>
-              <a:t>]</a:t>
+            <a:r>
+              <a:rPr lang="sv-SE" dirty="0" smtClean="0"/>
+              <a:t>Hur läser man från en fil</a:t>
             </a:r>
             <a:endParaRPr lang="sv-SE" dirty="0"/>
           </a:p>
@@ -4991,21 +5026,13 @@
         <p:spPr/>
         <p:txBody>
           <a:bodyPr>
-            <a:normAutofit/>
+            <a:normAutofit fontScale="90000"/>
           </a:bodyPr>
           <a:lstStyle/>
           <a:p>
             <a:r>
               <a:rPr lang="sv-SE" dirty="0" smtClean="0"/>
-              <a:t>Hantera </a:t>
-            </a:r>
-            <a:r>
-              <a:rPr lang="sv-SE" dirty="0" err="1" smtClean="0"/>
-              <a:t>null</a:t>
-            </a:r>
-            <a:r>
-              <a:rPr lang="sv-SE" dirty="0" smtClean="0"/>
-              <a:t> i Java</a:t>
+              <a:t>Utökar JDK för att förenkla utveckling</a:t>
             </a:r>
             <a:endParaRPr lang="sv-SE" dirty="0"/>
           </a:p>
@@ -5035,7 +5062,7 @@
             </a:r>
             <a:r>
               <a:rPr lang="sv-SE" dirty="0" err="1" smtClean="0"/>
-              <a:t>Nullsafe.java</a:t>
+              <a:t>helloWorld.groovy</a:t>
             </a:r>
             <a:r>
               <a:rPr lang="sv-SE" dirty="0" smtClean="0"/>
@@ -5082,26 +5109,16 @@
         </p:nvSpPr>
         <p:spPr/>
         <p:txBody>
-          <a:bodyPr>
-            <a:normAutofit/>
-          </a:bodyPr>
-          <a:lstStyle/>
-          <a:p>
-            <a:r>
-              <a:rPr lang="sv-SE" dirty="0" smtClean="0"/>
-              <a:t>Hantera </a:t>
-            </a:r>
-            <a:r>
-              <a:rPr lang="sv-SE" dirty="0" err="1" smtClean="0"/>
-              <a:t>null</a:t>
-            </a:r>
-            <a:r>
-              <a:rPr lang="sv-SE" dirty="0" smtClean="0"/>
-              <a:t> i </a:t>
-            </a:r>
-            <a:r>
-              <a:rPr lang="sv-SE" dirty="0" err="1" smtClean="0"/>
-              <a:t>Groovy</a:t>
+          <a:bodyPr/>
+          <a:lstStyle/>
+          <a:p>
+            <a:r>
+              <a:rPr lang="sv-SE" dirty="0" err="1" smtClean="0"/>
+              <a:t>Exceptions</a:t>
+            </a:r>
+            <a:r>
+              <a:rPr lang="sv-SE" dirty="0" smtClean="0"/>
+              <a:t> i java</a:t>
             </a:r>
             <a:endParaRPr lang="sv-SE" dirty="0"/>
           </a:p>
@@ -5131,7 +5148,7 @@
             </a:r>
             <a:r>
               <a:rPr lang="sv-SE" dirty="0" err="1" smtClean="0"/>
-              <a:t>Nullsafe.groovy</a:t>
+              <a:t>Exceptions.java</a:t>
             </a:r>
             <a:r>
               <a:rPr lang="sv-SE" dirty="0" smtClean="0"/>
@@ -5182,8 +5199,16 @@
           <a:lstStyle/>
           <a:p>
             <a:r>
-              <a:rPr lang="sv-SE" dirty="0" smtClean="0"/>
-              <a:t>Getters/setters i Java</a:t>
+              <a:rPr lang="sv-SE" dirty="0" err="1" smtClean="0"/>
+              <a:t>Exceptions</a:t>
+            </a:r>
+            <a:r>
+              <a:rPr lang="sv-SE" dirty="0" smtClean="0"/>
+              <a:t> i </a:t>
+            </a:r>
+            <a:r>
+              <a:rPr lang="sv-SE" dirty="0" err="1" smtClean="0"/>
+              <a:t>Groovy</a:t>
             </a:r>
             <a:endParaRPr lang="sv-SE" dirty="0"/>
           </a:p>
@@ -5213,7 +5238,7 @@
             </a:r>
             <a:r>
               <a:rPr lang="sv-SE" dirty="0" err="1" smtClean="0"/>
-              <a:t>ClassWithGettersSetters.java</a:t>
+              <a:t>Exceptions.groovy</a:t>
             </a:r>
             <a:r>
               <a:rPr lang="sv-SE" dirty="0" smtClean="0"/>
@@ -5265,11 +5290,7 @@
           <a:p>
             <a:r>
               <a:rPr lang="sv-SE" dirty="0" smtClean="0"/>
-              <a:t>Getters/setters i </a:t>
-            </a:r>
-            <a:r>
-              <a:rPr lang="sv-SE" dirty="0" err="1" smtClean="0"/>
-              <a:t>Groovy</a:t>
+              <a:t>Dynamisk/frivillig typning</a:t>
             </a:r>
             <a:endParaRPr lang="sv-SE" dirty="0"/>
           </a:p>
@@ -5299,7 +5320,7 @@
             </a:r>
             <a:r>
               <a:rPr lang="sv-SE" dirty="0" err="1" smtClean="0"/>
-              <a:t>ClassWithGettersSetters.groovy</a:t>
+              <a:t>optionalTyping.groovy</a:t>
             </a:r>
             <a:r>
               <a:rPr lang="sv-SE" dirty="0" smtClean="0"/>
@@ -5346,16 +5367,18 @@
         </p:nvSpPr>
         <p:spPr/>
         <p:txBody>
-          <a:bodyPr/>
-          <a:lstStyle/>
-          <a:p>
-            <a:r>
-              <a:rPr lang="sv-SE" dirty="0" smtClean="0"/>
-              <a:t>Default </a:t>
-            </a:r>
-            <a:r>
-              <a:rPr lang="sv-SE" dirty="0" err="1" smtClean="0"/>
-              <a:t>konstruktor</a:t>
+          <a:bodyPr>
+            <a:normAutofit/>
+          </a:bodyPr>
+          <a:lstStyle/>
+          <a:p>
+            <a:r>
+              <a:rPr lang="sv-SE" dirty="0" smtClean="0"/>
+              <a:t>Hantera </a:t>
+            </a:r>
+            <a:r>
+              <a:rPr lang="sv-SE" dirty="0" err="1" smtClean="0"/>
+              <a:t>null</a:t>
             </a:r>
             <a:r>
               <a:rPr lang="sv-SE" dirty="0" smtClean="0"/>
@@ -5389,7 +5412,7 @@
             </a:r>
             <a:r>
               <a:rPr lang="sv-SE" dirty="0" err="1" smtClean="0"/>
-              <a:t>UsingDefaultConstructor.java</a:t>
+              <a:t>Nullsafe.java</a:t>
             </a:r>
             <a:r>
               <a:rPr lang="sv-SE" dirty="0" smtClean="0"/>
@@ -5436,16 +5459,18 @@
         </p:nvSpPr>
         <p:spPr/>
         <p:txBody>
-          <a:bodyPr/>
-          <a:lstStyle/>
-          <a:p>
-            <a:r>
-              <a:rPr lang="sv-SE" dirty="0" smtClean="0"/>
-              <a:t>Default </a:t>
-            </a:r>
-            <a:r>
-              <a:rPr lang="sv-SE" dirty="0" err="1" smtClean="0"/>
-              <a:t>konstruktor</a:t>
+          <a:bodyPr>
+            <a:normAutofit/>
+          </a:bodyPr>
+          <a:lstStyle/>
+          <a:p>
+            <a:r>
+              <a:rPr lang="sv-SE" dirty="0" smtClean="0"/>
+              <a:t>Hantera </a:t>
+            </a:r>
+            <a:r>
+              <a:rPr lang="sv-SE" dirty="0" err="1" smtClean="0"/>
+              <a:t>null</a:t>
             </a:r>
             <a:r>
               <a:rPr lang="sv-SE" dirty="0" smtClean="0"/>
@@ -5483,7 +5508,7 @@
             </a:r>
             <a:r>
               <a:rPr lang="sv-SE" dirty="0" err="1" smtClean="0"/>
-              <a:t>UsingDefaultConstructor.groovy</a:t>
+              <a:t>Nullsafe.groovy</a:t>
             </a:r>
             <a:r>
               <a:rPr lang="sv-SE" dirty="0" smtClean="0"/>
@@ -5650,8 +5675,8 @@
           <a:lstStyle/>
           <a:p>
             <a:r>
-              <a:rPr lang="sv-SE" dirty="0" err="1" smtClean="0"/>
-              <a:t>Bekvämlighetsmetoder:List</a:t>
+              <a:rPr lang="sv-SE" dirty="0" smtClean="0"/>
+              <a:t>Getters/setters i Java</a:t>
             </a:r>
             <a:endParaRPr lang="sv-SE" dirty="0"/>
           </a:p>
@@ -5681,7 +5706,7 @@
             </a:r>
             <a:r>
               <a:rPr lang="sv-SE" dirty="0" err="1" smtClean="0"/>
-              <a:t>ArrayConveniance.groovy</a:t>
+              <a:t>ClassWithGettersSetters.java</a:t>
             </a:r>
             <a:r>
               <a:rPr lang="sv-SE" dirty="0" smtClean="0"/>
@@ -5732,8 +5757,12 @@
           <a:lstStyle/>
           <a:p>
             <a:r>
-              <a:rPr lang="sv-SE" dirty="0" err="1" smtClean="0"/>
-              <a:t>Bekvämlighetsmetoder:List</a:t>
+              <a:rPr lang="sv-SE" dirty="0" smtClean="0"/>
+              <a:t>Getters/setters i </a:t>
+            </a:r>
+            <a:r>
+              <a:rPr lang="sv-SE" dirty="0" err="1" smtClean="0"/>
+              <a:t>Groovy</a:t>
             </a:r>
             <a:endParaRPr lang="sv-SE" dirty="0"/>
           </a:p>
@@ -5759,7 +5788,15 @@
             </a:pPr>
             <a:r>
               <a:rPr lang="sv-SE" dirty="0" smtClean="0"/>
-              <a:t>[ArrayConveniance2.groovy]</a:t>
+              <a:t>[</a:t>
+            </a:r>
+            <a:r>
+              <a:rPr lang="sv-SE" dirty="0" err="1" smtClean="0"/>
+              <a:t>ClassWithGettersSetters.groovy</a:t>
+            </a:r>
+            <a:r>
+              <a:rPr lang="sv-SE" dirty="0" smtClean="0"/>
+              <a:t>]</a:t>
             </a:r>
             <a:endParaRPr lang="sv-SE" dirty="0"/>
           </a:p>
@@ -5806,8 +5843,16 @@
           <a:lstStyle/>
           <a:p>
             <a:r>
-              <a:rPr lang="sv-SE" dirty="0" err="1" smtClean="0"/>
-              <a:t>Bekvämlighetsmetoder:Map</a:t>
+              <a:rPr lang="sv-SE" dirty="0" smtClean="0"/>
+              <a:t>Default </a:t>
+            </a:r>
+            <a:r>
+              <a:rPr lang="sv-SE" dirty="0" err="1" smtClean="0"/>
+              <a:t>konstruktor</a:t>
+            </a:r>
+            <a:r>
+              <a:rPr lang="sv-SE" dirty="0" smtClean="0"/>
+              <a:t> i Java</a:t>
             </a:r>
             <a:endParaRPr lang="sv-SE" dirty="0"/>
           </a:p>
@@ -5823,12 +5868,7 @@
             <p:ph idx="1"/>
           </p:nvPr>
         </p:nvSpPr>
-        <p:spPr>
-          <a:xfrm>
-            <a:off x="428596" y="1214422"/>
-            <a:ext cx="8229600" cy="4525963"/>
-          </a:xfrm>
-        </p:spPr>
+        <p:spPr/>
         <p:txBody>
           <a:bodyPr/>
           <a:lstStyle/>
@@ -5842,7 +5882,7 @@
             </a:r>
             <a:r>
               <a:rPr lang="sv-SE" dirty="0" err="1" smtClean="0"/>
-              <a:t>MapConveniance.groovy</a:t>
+              <a:t>UsingDefaultConstructor.java</a:t>
             </a:r>
             <a:r>
               <a:rPr lang="sv-SE" dirty="0" smtClean="0"/>
@@ -5892,6 +5932,56 @@
           <a:bodyPr/>
           <a:lstStyle/>
           <a:p>
+            <a:r>
+              <a:rPr lang="sv-SE" dirty="0" smtClean="0"/>
+              <a:t>Default </a:t>
+            </a:r>
+            <a:r>
+              <a:rPr lang="sv-SE" dirty="0" err="1" smtClean="0"/>
+              <a:t>konstruktor</a:t>
+            </a:r>
+            <a:r>
+              <a:rPr lang="sv-SE" dirty="0" smtClean="0"/>
+              <a:t> i </a:t>
+            </a:r>
+            <a:r>
+              <a:rPr lang="sv-SE" dirty="0" err="1" smtClean="0"/>
+              <a:t>Groovy</a:t>
+            </a:r>
+            <a:endParaRPr lang="sv-SE" dirty="0"/>
+          </a:p>
+        </p:txBody>
+      </p:sp>
+      <p:sp>
+        <p:nvSpPr>
+          <p:cNvPr id="3" name="Platshållare för innehåll 2"/>
+          <p:cNvSpPr>
+            <a:spLocks noGrp="1"/>
+          </p:cNvSpPr>
+          <p:nvPr>
+            <p:ph idx="1"/>
+          </p:nvPr>
+        </p:nvSpPr>
+        <p:spPr/>
+        <p:txBody>
+          <a:bodyPr/>
+          <a:lstStyle/>
+          <a:p>
+            <a:pPr>
+              <a:buNone/>
+            </a:pPr>
+            <a:r>
+              <a:rPr lang="sv-SE" dirty="0" smtClean="0"/>
+              <a:t>[</a:t>
+            </a:r>
+            <a:r>
+              <a:rPr lang="sv-SE" dirty="0" err="1" smtClean="0"/>
+              <a:t>UsingDefaultConstructor.groovy</a:t>
+            </a:r>
+            <a:r>
+              <a:rPr lang="sv-SE" dirty="0" smtClean="0"/>
+              <a:t>]</a:t>
+            </a:r>
             <a:endParaRPr lang="sv-SE" dirty="0"/>
           </a:p>
         </p:txBody>
@@ -5901,13 +5991,6 @@
   <p:clrMapOvr>
     <a:masterClrMapping/>
   </p:clrMapOvr>
-  <p:timing>
-    <p:tnLst>
-      <p:par>
-        <p:cTn id="1" dur="indefinite" restart="never" nodeType="tmRoot"/>
-      </p:par>
-    </p:tnLst>
-  </p:timing>
 </p:sld>
 </file>
 
@@ -5944,12 +6027,8 @@
           <a:lstStyle/>
           <a:p>
             <a:r>
-              <a:rPr lang="sv-SE" dirty="0" smtClean="0"/>
-              <a:t>Operator </a:t>
-            </a:r>
-            <a:r>
-              <a:rPr lang="sv-SE" dirty="0" err="1" smtClean="0"/>
-              <a:t>overloading</a:t>
+              <a:rPr lang="sv-SE" dirty="0" err="1" smtClean="0"/>
+              <a:t>Bekvämlighetsmetoder:List</a:t>
             </a:r>
             <a:endParaRPr lang="sv-SE" dirty="0"/>
           </a:p>
@@ -5957,7 +6036,7 @@
       </p:sp>
       <p:sp>
         <p:nvSpPr>
-          <p:cNvPr id="4" name="Platshållare för innehåll 3"/>
+          <p:cNvPr id="3" name="Platshållare för innehåll 2"/>
           <p:cNvSpPr>
             <a:spLocks noGrp="1"/>
           </p:cNvSpPr>
@@ -5979,7 +6058,7 @@
             </a:r>
             <a:r>
               <a:rPr lang="sv-SE" dirty="0" err="1" smtClean="0"/>
-              <a:t>operatorOverload.groovy</a:t>
+              <a:t>ArrayConveniance.groovy</a:t>
             </a:r>
             <a:r>
               <a:rPr lang="sv-SE" dirty="0" smtClean="0"/>
@@ -5994,13 +6073,6 @@
   <p:clrMapOvr>
     <a:masterClrMapping/>
   </p:clrMapOvr>
-  <p:timing>
-    <p:tnLst>
-      <p:par>
-        <p:cTn id="1" dur="indefinite" restart="never" nodeType="tmRoot"/>
-      </p:par>
-    </p:tnLst>
-  </p:timing>
 </p:sld>
 </file>
 
@@ -6037,12 +6109,8 @@
           <a:lstStyle/>
           <a:p>
             <a:r>
-              <a:rPr lang="sv-SE" dirty="0" smtClean="0"/>
-              <a:t>Operator </a:t>
-            </a:r>
-            <a:r>
-              <a:rPr lang="sv-SE" dirty="0" err="1" smtClean="0"/>
-              <a:t>overloading</a:t>
+              <a:rPr lang="sv-SE" dirty="0" err="1" smtClean="0"/>
+              <a:t>Bekvämlighetsmetoder:List</a:t>
             </a:r>
             <a:endParaRPr lang="sv-SE" dirty="0"/>
           </a:p>
@@ -6050,7 +6118,7 @@
       </p:sp>
       <p:sp>
         <p:nvSpPr>
-          <p:cNvPr id="4" name="Platshållare för innehåll 3"/>
+          <p:cNvPr id="3" name="Platshållare för innehåll 2"/>
           <p:cNvSpPr>
             <a:spLocks noGrp="1"/>
           </p:cNvSpPr>
@@ -6067,12 +6135,8 @@
               <a:buNone/>
             </a:pPr>
             <a:r>
-              <a:rPr lang="sv-SE" smtClean="0"/>
-              <a:t>[operatorOverload2.groovy</a:t>
-            </a:r>
-            <a:r>
-              <a:rPr lang="sv-SE" dirty="0" smtClean="0"/>
-              <a:t>]</a:t>
+              <a:rPr lang="sv-SE" dirty="0" smtClean="0"/>
+              <a:t>[ArrayConveniance2.groovy]</a:t>
             </a:r>
             <a:endParaRPr lang="sv-SE" dirty="0"/>
           </a:p>
@@ -6083,13 +6147,6 @@
   <p:clrMapOvr>
     <a:masterClrMapping/>
   </p:clrMapOvr>
-  <p:timing>
-    <p:tnLst>
-      <p:par>
-        <p:cTn id="1" dur="indefinite" restart="never" nodeType="tmRoot"/>
-      </p:par>
-    </p:tnLst>
-  </p:timing>
 </p:sld>
 </file>
 
@@ -6126,12 +6183,8 @@
           <a:lstStyle/>
           <a:p>
             <a:r>
-              <a:rPr lang="sv-SE" dirty="0" smtClean="0"/>
-              <a:t>Operator </a:t>
-            </a:r>
-            <a:r>
-              <a:rPr lang="sv-SE" dirty="0" err="1" smtClean="0"/>
-              <a:t>overloading</a:t>
+              <a:rPr lang="sv-SE" dirty="0" err="1" smtClean="0"/>
+              <a:t>Bekvämlighetsmetoder:Map</a:t>
             </a:r>
             <a:endParaRPr lang="sv-SE" dirty="0"/>
           </a:p>
@@ -6147,7 +6200,12 @@
             <p:ph idx="1"/>
           </p:nvPr>
         </p:nvSpPr>
-        <p:spPr/>
+        <p:spPr>
+          <a:xfrm>
+            <a:off x="428596" y="1214422"/>
+            <a:ext cx="8229600" cy="4525963"/>
+          </a:xfrm>
+        </p:spPr>
         <p:txBody>
           <a:bodyPr/>
           <a:lstStyle/>
@@ -6155,6 +6213,18 @@
             <a:pPr>
               <a:buNone/>
             </a:pPr>
+            <a:r>
+              <a:rPr lang="sv-SE" dirty="0" smtClean="0"/>
+              <a:t>[</a:t>
+            </a:r>
+            <a:r>
+              <a:rPr lang="sv-SE" dirty="0" err="1" smtClean="0"/>
+              <a:t>MapConveniance.groovy</a:t>
+            </a:r>
+            <a:r>
+              <a:rPr lang="sv-SE" dirty="0" smtClean="0"/>
+              <a:t>]</a:t>
+            </a:r>
             <a:endParaRPr lang="sv-SE" dirty="0"/>
           </a:p>
         </p:txBody>
@@ -6164,13 +6234,6 @@
   <p:clrMapOvr>
     <a:masterClrMapping/>
   </p:clrMapOvr>
-  <p:timing>
-    <p:tnLst>
-      <p:par>
-        <p:cTn id="1" dur="indefinite" restart="never" nodeType="tmRoot"/>
-      </p:par>
-    </p:tnLst>
-  </p:timing>
 </p:sld>
 </file>
 
@@ -6207,16 +6270,12 @@
           <a:lstStyle/>
           <a:p>
             <a:r>
-              <a:rPr lang="sv-SE" dirty="0" err="1" smtClean="0"/>
-              <a:t>Groovy</a:t>
-            </a:r>
-            <a:r>
-              <a:rPr lang="sv-SE" dirty="0" smtClean="0"/>
-              <a:t> </a:t>
-            </a:r>
-            <a:r>
-              <a:rPr lang="sv-SE" dirty="0" err="1" smtClean="0"/>
-              <a:t>truth</a:t>
+              <a:rPr lang="sv-SE" dirty="0" smtClean="0"/>
+              <a:t>Operator </a:t>
+            </a:r>
+            <a:r>
+              <a:rPr lang="sv-SE" dirty="0" err="1" smtClean="0"/>
+              <a:t>overloading</a:t>
             </a:r>
             <a:endParaRPr lang="sv-SE" dirty="0"/>
           </a:p>
@@ -6224,7 +6283,7 @@
       </p:sp>
       <p:sp>
         <p:nvSpPr>
-          <p:cNvPr id="3" name="Platshållare för innehåll 2"/>
+          <p:cNvPr id="4" name="Platshållare för innehåll 3"/>
           <p:cNvSpPr>
             <a:spLocks noGrp="1"/>
           </p:cNvSpPr>
@@ -6246,7 +6305,7 @@
             </a:r>
             <a:r>
               <a:rPr lang="sv-SE" dirty="0" err="1" smtClean="0"/>
-              <a:t>TestGroovyTruth.groovy</a:t>
+              <a:t>operatorOverload.groovy</a:t>
             </a:r>
             <a:r>
               <a:rPr lang="sv-SE" dirty="0" smtClean="0"/>
@@ -6261,6 +6320,13 @@
   <p:clrMapOvr>
     <a:masterClrMapping/>
   </p:clrMapOvr>
+  <p:timing>
+    <p:tnLst>
+      <p:par>
+        <p:cTn id="1" dur="indefinite" restart="never" nodeType="tmRoot"/>
+      </p:par>
+    </p:tnLst>
+  </p:timing>
 </p:sld>
 </file>
 
@@ -6297,16 +6363,12 @@
           <a:lstStyle/>
           <a:p>
             <a:r>
-              <a:rPr lang="sv-SE" dirty="0" err="1" smtClean="0"/>
-              <a:t>Groovy</a:t>
-            </a:r>
-            <a:r>
-              <a:rPr lang="sv-SE" dirty="0" smtClean="0"/>
-              <a:t> </a:t>
-            </a:r>
-            <a:r>
-              <a:rPr lang="sv-SE" dirty="0" err="1" smtClean="0"/>
-              <a:t>truth</a:t>
+              <a:rPr lang="sv-SE" dirty="0" smtClean="0"/>
+              <a:t>Operator </a:t>
+            </a:r>
+            <a:r>
+              <a:rPr lang="sv-SE" dirty="0" err="1" smtClean="0"/>
+              <a:t>overloading</a:t>
             </a:r>
             <a:endParaRPr lang="sv-SE" dirty="0"/>
           </a:p>
@@ -6314,7 +6376,7 @@
       </p:sp>
       <p:sp>
         <p:nvSpPr>
-          <p:cNvPr id="3" name="Platshållare för innehåll 2"/>
+          <p:cNvPr id="4" name="Platshållare för innehåll 3"/>
           <p:cNvSpPr>
             <a:spLocks noGrp="1"/>
           </p:cNvSpPr>
@@ -6332,15 +6394,7 @@
             </a:pPr>
             <a:r>
               <a:rPr lang="sv-SE" dirty="0" smtClean="0"/>
-              <a:t>[</a:t>
-            </a:r>
-            <a:r>
-              <a:rPr lang="sv-SE" dirty="0" err="1" smtClean="0"/>
-              <a:t>HelloWorldWithParameters.java</a:t>
-            </a:r>
-            <a:r>
-              <a:rPr lang="sv-SE" dirty="0" smtClean="0"/>
-              <a:t>]</a:t>
+              <a:t>[operatorOverload2.groovy]</a:t>
             </a:r>
             <a:endParaRPr lang="sv-SE" dirty="0"/>
           </a:p>
@@ -6351,6 +6405,13 @@
   <p:clrMapOvr>
     <a:masterClrMapping/>
   </p:clrMapOvr>
+  <p:timing>
+    <p:tnLst>
+      <p:par>
+        <p:cTn id="1" dur="indefinite" restart="never" nodeType="tmRoot"/>
+      </p:par>
+    </p:tnLst>
+  </p:timing>
 </p:sld>
 </file>
 
@@ -6426,7 +6487,7 @@
             </a:r>
             <a:r>
               <a:rPr lang="sv-SE" dirty="0" err="1" smtClean="0"/>
-              <a:t>helloWorldWithParameters.groovy</a:t>
+              <a:t>HelloWorldWithParameters.java</a:t>
             </a:r>
             <a:r>
               <a:rPr lang="sv-SE" dirty="0" smtClean="0"/>
@@ -6561,11 +6622,15 @@
           <a:p>
             <a:r>
               <a:rPr lang="sv-SE" dirty="0" err="1" smtClean="0"/>
-              <a:t>Optional</a:t>
-            </a:r>
-            <a:r>
-              <a:rPr lang="sv-SE" dirty="0" smtClean="0"/>
-              <a:t> parameters</a:t>
+              <a:t>Groovy</a:t>
+            </a:r>
+            <a:r>
+              <a:rPr lang="sv-SE" dirty="0" smtClean="0"/>
+              <a:t> </a:t>
+            </a:r>
+            <a:r>
+              <a:rPr lang="sv-SE" dirty="0" err="1" smtClean="0"/>
+              <a:t>truth</a:t>
             </a:r>
             <a:endParaRPr lang="sv-SE" dirty="0"/>
           </a:p>
@@ -6595,7 +6660,7 @@
             </a:r>
             <a:r>
               <a:rPr lang="sv-SE" dirty="0" err="1" smtClean="0"/>
-              <a:t>optionalParameters.java</a:t>
+              <a:t>helloWorldWithParameters.groovy</a:t>
             </a:r>
             <a:r>
               <a:rPr lang="sv-SE" dirty="0" smtClean="0"/>
@@ -6614,6 +6679,182 @@
 </file>
 
 <file path=ppt/slides/slide41.xml><?xml version="1.0" encoding="utf-8"?>
+<p:sld xmlns:a="http://schemas.openxmlformats.org/drawingml/2006/main" xmlns:r="http://schemas.openxmlformats.org/officeDocument/2006/relationships" xmlns:p="http://schemas.openxmlformats.org/presentationml/2006/main">
+  <p:cSld>
+    <p:spTree>
+      <p:nvGrpSpPr>
+        <p:cNvPr id="1" name=""/>
+        <p:cNvGrpSpPr/>
+        <p:nvPr/>
+      </p:nvGrpSpPr>
+      <p:grpSpPr>
+        <a:xfrm>
+          <a:off x="0" y="0"/>
+          <a:ext cx="0" cy="0"/>
+          <a:chOff x="0" y="0"/>
+          <a:chExt cx="0" cy="0"/>
+        </a:xfrm>
+      </p:grpSpPr>
+      <p:sp>
+        <p:nvSpPr>
+          <p:cNvPr id="2" name="Rubrik 1"/>
+          <p:cNvSpPr>
+            <a:spLocks noGrp="1"/>
+          </p:cNvSpPr>
+          <p:nvPr>
+            <p:ph type="title"/>
+          </p:nvPr>
+        </p:nvSpPr>
+        <p:spPr/>
+        <p:txBody>
+          <a:bodyPr/>
+          <a:lstStyle/>
+          <a:p>
+            <a:r>
+              <a:rPr lang="sv-SE" dirty="0" err="1" smtClean="0"/>
+              <a:t>Groovy</a:t>
+            </a:r>
+            <a:r>
+              <a:rPr lang="sv-SE" dirty="0" smtClean="0"/>
+              <a:t> </a:t>
+            </a:r>
+            <a:r>
+              <a:rPr lang="sv-SE" dirty="0" err="1" smtClean="0"/>
+              <a:t>truth</a:t>
+            </a:r>
+            <a:endParaRPr lang="sv-SE" dirty="0"/>
+          </a:p>
+        </p:txBody>
+      </p:sp>
+      <p:sp>
+        <p:nvSpPr>
+          <p:cNvPr id="3" name="Platshållare för innehåll 2"/>
+          <p:cNvSpPr>
+            <a:spLocks noGrp="1"/>
+          </p:cNvSpPr>
+          <p:nvPr>
+            <p:ph idx="1"/>
+          </p:nvPr>
+        </p:nvSpPr>
+        <p:spPr/>
+        <p:txBody>
+          <a:bodyPr/>
+          <a:lstStyle/>
+          <a:p>
+            <a:pPr>
+              <a:buNone/>
+            </a:pPr>
+            <a:r>
+              <a:rPr lang="sv-SE" dirty="0" smtClean="0"/>
+              <a:t>[</a:t>
+            </a:r>
+            <a:r>
+              <a:rPr lang="sv-SE" dirty="0" err="1" smtClean="0"/>
+              <a:t>TestGroovyTruth.groovy</a:t>
+            </a:r>
+            <a:r>
+              <a:rPr lang="sv-SE" dirty="0" smtClean="0"/>
+              <a:t>]</a:t>
+            </a:r>
+            <a:endParaRPr lang="sv-SE" dirty="0"/>
+          </a:p>
+        </p:txBody>
+      </p:sp>
+    </p:spTree>
+  </p:cSld>
+  <p:clrMapOvr>
+    <a:masterClrMapping/>
+  </p:clrMapOvr>
+</p:sld>
+</file>
+
+<file path=ppt/slides/slide42.xml><?xml version="1.0" encoding="utf-8"?>
+<p:sld xmlns:a="http://schemas.openxmlformats.org/drawingml/2006/main" xmlns:r="http://schemas.openxmlformats.org/officeDocument/2006/relationships" xmlns:p="http://schemas.openxmlformats.org/presentationml/2006/main">
+  <p:cSld>
+    <p:spTree>
+      <p:nvGrpSpPr>
+        <p:cNvPr id="1" name=""/>
+        <p:cNvGrpSpPr/>
+        <p:nvPr/>
+      </p:nvGrpSpPr>
+      <p:grpSpPr>
+        <a:xfrm>
+          <a:off x="0" y="0"/>
+          <a:ext cx="0" cy="0"/>
+          <a:chOff x="0" y="0"/>
+          <a:chExt cx="0" cy="0"/>
+        </a:xfrm>
+      </p:grpSpPr>
+      <p:sp>
+        <p:nvSpPr>
+          <p:cNvPr id="2" name="Rubrik 1"/>
+          <p:cNvSpPr>
+            <a:spLocks noGrp="1"/>
+          </p:cNvSpPr>
+          <p:nvPr>
+            <p:ph type="title"/>
+          </p:nvPr>
+        </p:nvSpPr>
+        <p:spPr/>
+        <p:txBody>
+          <a:bodyPr/>
+          <a:lstStyle/>
+          <a:p>
+            <a:r>
+              <a:rPr lang="sv-SE" dirty="0" err="1" smtClean="0"/>
+              <a:t>Optional</a:t>
+            </a:r>
+            <a:r>
+              <a:rPr lang="sv-SE" dirty="0" smtClean="0"/>
+              <a:t> parameters</a:t>
+            </a:r>
+            <a:endParaRPr lang="sv-SE" dirty="0"/>
+          </a:p>
+        </p:txBody>
+      </p:sp>
+      <p:sp>
+        <p:nvSpPr>
+          <p:cNvPr id="3" name="Platshållare för innehåll 2"/>
+          <p:cNvSpPr>
+            <a:spLocks noGrp="1"/>
+          </p:cNvSpPr>
+          <p:nvPr>
+            <p:ph idx="1"/>
+          </p:nvPr>
+        </p:nvSpPr>
+        <p:spPr/>
+        <p:txBody>
+          <a:bodyPr/>
+          <a:lstStyle/>
+          <a:p>
+            <a:pPr>
+              <a:buNone/>
+            </a:pPr>
+            <a:r>
+              <a:rPr lang="sv-SE" dirty="0" smtClean="0"/>
+              <a:t>[</a:t>
+            </a:r>
+            <a:r>
+              <a:rPr lang="sv-SE" dirty="0" err="1" smtClean="0"/>
+              <a:t>optionalParameters.java</a:t>
+            </a:r>
+            <a:r>
+              <a:rPr lang="sv-SE" dirty="0" smtClean="0"/>
+              <a:t>]</a:t>
+            </a:r>
+            <a:endParaRPr lang="sv-SE" dirty="0"/>
+          </a:p>
+        </p:txBody>
+      </p:sp>
+    </p:spTree>
+  </p:cSld>
+  <p:clrMapOvr>
+    <a:masterClrMapping/>
+  </p:clrMapOvr>
+</p:sld>
+</file>
+
+<file path=ppt/slides/slide43.xml><?xml version="1.0" encoding="utf-8"?>
 <p:sld xmlns:a="http://schemas.openxmlformats.org/drawingml/2006/main" xmlns:r="http://schemas.openxmlformats.org/officeDocument/2006/relationships" xmlns:p="http://schemas.openxmlformats.org/presentationml/2006/main">
   <p:cSld>
     <p:spTree>

--- a/groovyseminarie/dokument/groovyseminarium_source.pptx
+++ b/groovyseminarie/dokument/groovyseminarium_source.pptx
@@ -27,7 +27,7 @@
     <p:sldId id="305" r:id="rId21"/>
     <p:sldId id="307" r:id="rId22"/>
     <p:sldId id="308" r:id="rId23"/>
-    <p:sldId id="306" r:id="rId24"/>
+    <p:sldId id="309" r:id="rId24"/>
     <p:sldId id="283" r:id="rId25"/>
     <p:sldId id="284" r:id="rId26"/>
     <p:sldId id="285" r:id="rId27"/>
@@ -47,7 +47,9 @@
     <p:sldId id="293" r:id="rId41"/>
     <p:sldId id="294" r:id="rId42"/>
     <p:sldId id="289" r:id="rId43"/>
-    <p:sldId id="290" r:id="rId44"/>
+    <p:sldId id="310" r:id="rId44"/>
+    <p:sldId id="311" r:id="rId45"/>
+    <p:sldId id="312" r:id="rId46"/>
   </p:sldIdLst>
   <p:sldSz cx="9144000" cy="6858000" type="screen4x3"/>
   <p:notesSz cx="6858000" cy="9144000"/>
@@ -4665,45 +4667,6 @@
       </p:sp>
       <p:sp>
         <p:nvSpPr>
-          <p:cNvPr id="3" name="Platshållare för innehåll 2"/>
-          <p:cNvSpPr>
-            <a:spLocks noGrp="1"/>
-          </p:cNvSpPr>
-          <p:nvPr>
-            <p:ph idx="1"/>
-          </p:nvPr>
-        </p:nvSpPr>
-        <p:spPr>
-          <a:xfrm>
-            <a:off x="457200" y="1600201"/>
-            <a:ext cx="8229600" cy="1114420"/>
-          </a:xfrm>
-        </p:spPr>
-        <p:txBody>
-          <a:bodyPr/>
-          <a:lstStyle/>
-          <a:p>
-            <a:pPr>
-              <a:buNone/>
-            </a:pPr>
-            <a:r>
-              <a:rPr lang="sv-SE" dirty="0" smtClean="0"/>
-              <a:t>[</a:t>
-            </a:r>
-            <a:r>
-              <a:rPr lang="sv-SE" dirty="0" err="1" smtClean="0"/>
-              <a:t>helloWorld.java</a:t>
-            </a:r>
-            <a:r>
-              <a:rPr lang="sv-SE" dirty="0" smtClean="0"/>
-              <a:t>]</a:t>
-            </a:r>
-            <a:endParaRPr lang="sv-SE" dirty="0"/>
-          </a:p>
-        </p:txBody>
-      </p:sp>
-      <p:sp>
-        <p:nvSpPr>
           <p:cNvPr id="4" name="Platshållare för innehåll 2"/>
           <p:cNvSpPr txBox="1">
             <a:spLocks/>
@@ -4712,8 +4675,8 @@
         </p:nvSpPr>
         <p:spPr>
           <a:xfrm>
-            <a:off x="500034" y="3714752"/>
-            <a:ext cx="8229600" cy="1114420"/>
+            <a:off x="428596" y="1643050"/>
+            <a:ext cx="8229600" cy="2286016"/>
           </a:xfrm>
           <a:prstGeom prst="rect">
             <a:avLst/>
@@ -4721,7 +4684,7 @@
         </p:spPr>
         <p:txBody>
           <a:bodyPr vert="horz" lIns="91440" tIns="45720" rIns="91440" bIns="45720" rtlCol="0">
-            <a:normAutofit lnSpcReduction="10000"/>
+            <a:normAutofit/>
           </a:bodyPr>
           <a:lstStyle/>
           <a:p>
@@ -4901,7 +4864,12 @@
             <p:ph idx="1"/>
           </p:nvPr>
         </p:nvSpPr>
-        <p:spPr/>
+        <p:spPr>
+          <a:xfrm>
+            <a:off x="428596" y="1285860"/>
+            <a:ext cx="8229600" cy="4525963"/>
+          </a:xfrm>
+        </p:spPr>
         <p:txBody>
           <a:bodyPr/>
           <a:lstStyle/>
@@ -4910,12 +4878,8 @@
               <a:buNone/>
             </a:pPr>
             <a:r>
-              <a:rPr lang="sv-SE" smtClean="0"/>
-              <a:t>[ReadFileJava5.java</a:t>
-            </a:r>
-            <a:r>
-              <a:rPr lang="sv-SE" dirty="0" smtClean="0"/>
-              <a:t>]</a:t>
+              <a:rPr lang="sv-SE" dirty="0" smtClean="0"/>
+              <a:t>[ReadFileJava5.java]</a:t>
             </a:r>
             <a:endParaRPr lang="sv-SE" dirty="0"/>
           </a:p>
@@ -4961,7 +4925,15 @@
           <a:bodyPr/>
           <a:lstStyle/>
           <a:p>
-            <a:endParaRPr lang="sv-SE"/>
+            <a:r>
+              <a:rPr lang="sv-SE" dirty="0" smtClean="0"/>
+              <a:t>Läsa fil i </a:t>
+            </a:r>
+            <a:r>
+              <a:rPr lang="sv-SE" dirty="0" err="1" smtClean="0"/>
+              <a:t>Groovy</a:t>
+            </a:r>
+            <a:endParaRPr lang="sv-SE" dirty="0"/>
           </a:p>
         </p:txBody>
       </p:sp>
@@ -4980,9 +4952,20 @@
           <a:bodyPr/>
           <a:lstStyle/>
           <a:p>
-            <a:r>
-              <a:rPr lang="sv-SE" dirty="0" smtClean="0"/>
-              <a:t>Hur läser man från en fil</a:t>
+            <a:pPr>
+              <a:buNone/>
+            </a:pPr>
+            <a:r>
+              <a:rPr lang="sv-SE" dirty="0" smtClean="0"/>
+              <a:t>[</a:t>
+            </a:r>
+            <a:r>
+              <a:rPr lang="sv-SE" dirty="0" err="1" smtClean="0"/>
+              <a:t>ReadFile.groovy</a:t>
+            </a:r>
+            <a:r>
+              <a:rPr lang="sv-SE" dirty="0" smtClean="0"/>
+              <a:t>]</a:t>
             </a:r>
             <a:endParaRPr lang="sv-SE" dirty="0"/>
           </a:p>
@@ -5026,13 +5009,17 @@
         <p:spPr/>
         <p:txBody>
           <a:bodyPr>
-            <a:normAutofit fontScale="90000"/>
+            <a:normAutofit/>
           </a:bodyPr>
           <a:lstStyle/>
           <a:p>
             <a:r>
-              <a:rPr lang="sv-SE" dirty="0" smtClean="0"/>
-              <a:t>Utökar JDK för att förenkla utveckling</a:t>
+              <a:rPr lang="sv-SE" dirty="0" err="1" smtClean="0"/>
+              <a:t>HelloWorld.groovy</a:t>
+            </a:r>
+            <a:r>
+              <a:rPr lang="sv-SE" dirty="0" smtClean="0"/>
+              <a:t> igen</a:t>
             </a:r>
             <a:endParaRPr lang="sv-SE" dirty="0"/>
           </a:p>
@@ -6621,16 +6608,16 @@
           <a:lstStyle/>
           <a:p>
             <a:r>
-              <a:rPr lang="sv-SE" dirty="0" err="1" smtClean="0"/>
-              <a:t>Groovy</a:t>
-            </a:r>
-            <a:r>
-              <a:rPr lang="sv-SE" dirty="0" smtClean="0"/>
-              <a:t> </a:t>
-            </a:r>
-            <a:r>
-              <a:rPr lang="sv-SE" dirty="0" err="1" smtClean="0"/>
-              <a:t>truth</a:t>
+              <a:rPr lang="sv-SE" dirty="0" smtClean="0"/>
+              <a:t>Java: </a:t>
+            </a:r>
+            <a:r>
+              <a:rPr lang="sv-SE" dirty="0" err="1" smtClean="0"/>
+              <a:t>mainmetod</a:t>
+            </a:r>
+            <a:r>
+              <a:rPr lang="sv-SE" dirty="0" smtClean="0"/>
+              <a:t> med parameter</a:t>
             </a:r>
             <a:endParaRPr lang="sv-SE" dirty="0"/>
           </a:p>
@@ -6707,7 +6694,9 @@
         </p:nvSpPr>
         <p:spPr/>
         <p:txBody>
-          <a:bodyPr/>
+          <a:bodyPr>
+            <a:normAutofit fontScale="90000"/>
+          </a:bodyPr>
           <a:lstStyle/>
           <a:p>
             <a:r>
@@ -6716,11 +6705,15 @@
             </a:r>
             <a:r>
               <a:rPr lang="sv-SE" dirty="0" smtClean="0"/>
-              <a:t> </a:t>
-            </a:r>
-            <a:r>
-              <a:rPr lang="sv-SE" dirty="0" err="1" smtClean="0"/>
-              <a:t>truth</a:t>
+              <a:t>: </a:t>
+            </a:r>
+            <a:r>
+              <a:rPr lang="sv-SE" dirty="0" err="1" smtClean="0"/>
+              <a:t>mainmetod</a:t>
+            </a:r>
+            <a:r>
+              <a:rPr lang="sv-SE" dirty="0" smtClean="0"/>
+              <a:t> med parameter</a:t>
             </a:r>
             <a:endParaRPr lang="sv-SE" dirty="0"/>
           </a:p>
@@ -6806,7 +6799,11 @@
             </a:r>
             <a:r>
               <a:rPr lang="sv-SE" dirty="0" smtClean="0"/>
-              <a:t> parameters</a:t>
+              <a:t> </a:t>
+            </a:r>
+            <a:r>
+              <a:rPr lang="sv-SE" dirty="0" smtClean="0"/>
+              <a:t>parameters i Java</a:t>
             </a:r>
             <a:endParaRPr lang="sv-SE" dirty="0"/>
           </a:p>
@@ -6892,7 +6889,15 @@
             </a:r>
             <a:r>
               <a:rPr lang="sv-SE" dirty="0" smtClean="0"/>
-              <a:t> parameters</a:t>
+              <a:t> </a:t>
+            </a:r>
+            <a:r>
+              <a:rPr lang="sv-SE" dirty="0" smtClean="0"/>
+              <a:t>parameters i </a:t>
+            </a:r>
+            <a:r>
+              <a:rPr lang="sv-SE" dirty="0" err="1" smtClean="0"/>
+              <a:t>Groovy</a:t>
             </a:r>
             <a:endParaRPr lang="sv-SE" dirty="0"/>
           </a:p>
@@ -6922,11 +6927,274 @@
             </a:r>
             <a:r>
               <a:rPr lang="sv-SE" dirty="0" err="1" smtClean="0"/>
-              <a:t>optionalParameters.groovy</a:t>
+              <a:t>optionalParameter.groovy</a:t>
             </a:r>
             <a:r>
               <a:rPr lang="sv-SE" dirty="0" smtClean="0"/>
               <a:t>]</a:t>
+            </a:r>
+            <a:endParaRPr lang="sv-SE" dirty="0"/>
+          </a:p>
+        </p:txBody>
+      </p:sp>
+    </p:spTree>
+  </p:cSld>
+  <p:clrMapOvr>
+    <a:masterClrMapping/>
+  </p:clrMapOvr>
+</p:sld>
+</file>
+
+<file path=ppt/slides/slide44.xml><?xml version="1.0" encoding="utf-8"?>
+<p:sld xmlns:a="http://schemas.openxmlformats.org/drawingml/2006/main" xmlns:r="http://schemas.openxmlformats.org/officeDocument/2006/relationships" xmlns:p="http://schemas.openxmlformats.org/presentationml/2006/main">
+  <p:cSld>
+    <p:spTree>
+      <p:nvGrpSpPr>
+        <p:cNvPr id="1" name=""/>
+        <p:cNvGrpSpPr/>
+        <p:nvPr/>
+      </p:nvGrpSpPr>
+      <p:grpSpPr>
+        <a:xfrm>
+          <a:off x="0" y="0"/>
+          <a:ext cx="0" cy="0"/>
+          <a:chOff x="0" y="0"/>
+          <a:chExt cx="0" cy="0"/>
+        </a:xfrm>
+      </p:grpSpPr>
+      <p:sp>
+        <p:nvSpPr>
+          <p:cNvPr id="2" name="Rubrik 1"/>
+          <p:cNvSpPr>
+            <a:spLocks noGrp="1"/>
+          </p:cNvSpPr>
+          <p:nvPr>
+            <p:ph type="title"/>
+          </p:nvPr>
+        </p:nvSpPr>
+        <p:spPr/>
+        <p:txBody>
+          <a:bodyPr/>
+          <a:lstStyle/>
+          <a:p>
+            <a:r>
+              <a:rPr lang="sv-SE" dirty="0" err="1" smtClean="0"/>
+              <a:t>G-Strings</a:t>
+            </a:r>
+            <a:endParaRPr lang="sv-SE" dirty="0"/>
+          </a:p>
+        </p:txBody>
+      </p:sp>
+      <p:sp>
+        <p:nvSpPr>
+          <p:cNvPr id="3" name="Platshållare för innehåll 2"/>
+          <p:cNvSpPr>
+            <a:spLocks noGrp="1"/>
+          </p:cNvSpPr>
+          <p:nvPr>
+            <p:ph idx="1"/>
+          </p:nvPr>
+        </p:nvSpPr>
+        <p:spPr/>
+        <p:txBody>
+          <a:bodyPr/>
+          <a:lstStyle/>
+          <a:p>
+            <a:r>
+              <a:rPr lang="en-US" dirty="0" smtClean="0"/>
+              <a:t>A </a:t>
+            </a:r>
+            <a:r>
+              <a:rPr lang="en-US" b="1" dirty="0" smtClean="0"/>
+              <a:t>G-string</a:t>
+            </a:r>
+            <a:r>
+              <a:rPr lang="en-US" dirty="0" smtClean="0"/>
+              <a:t> (alternatively </a:t>
+            </a:r>
+            <a:r>
+              <a:rPr lang="en-US" b="1" dirty="0" smtClean="0"/>
+              <a:t>gee-string</a:t>
+            </a:r>
+            <a:r>
+              <a:rPr lang="en-US" dirty="0" smtClean="0"/>
+              <a:t> or </a:t>
+            </a:r>
+            <a:r>
+              <a:rPr lang="en-US" b="1" dirty="0" smtClean="0"/>
+              <a:t>gee string</a:t>
+            </a:r>
+            <a:r>
+              <a:rPr lang="en-US" dirty="0" smtClean="0"/>
+              <a:t>) is a type of </a:t>
+            </a:r>
+            <a:r>
+              <a:rPr lang="en-US" b="1" dirty="0" smtClean="0"/>
+              <a:t>underwear</a:t>
+            </a:r>
+            <a:r>
+              <a:rPr lang="en-US" dirty="0" smtClean="0"/>
+              <a:t>, a narrow piece of cloth, </a:t>
+            </a:r>
+            <a:r>
+              <a:rPr lang="en-US" dirty="0" smtClean="0">
+                <a:hlinkClick r:id="rId2" tooltip="Leather"/>
+              </a:rPr>
+              <a:t>leather</a:t>
+            </a:r>
+            <a:r>
+              <a:rPr lang="en-US" dirty="0" smtClean="0"/>
+              <a:t>, or </a:t>
+            </a:r>
+            <a:r>
+              <a:rPr lang="en-US" dirty="0" smtClean="0">
+                <a:hlinkClick r:id="rId3" tooltip="Plastic"/>
+              </a:rPr>
+              <a:t>plastic</a:t>
+            </a:r>
+            <a:r>
+              <a:rPr lang="en-US" dirty="0" smtClean="0"/>
+              <a:t> that covers or holds the </a:t>
+            </a:r>
+            <a:r>
+              <a:rPr lang="en-US" dirty="0" smtClean="0">
+                <a:hlinkClick r:id="rId4" tooltip="Genitals"/>
+              </a:rPr>
+              <a:t>genitals</a:t>
+            </a:r>
+            <a:r>
+              <a:rPr lang="en-US" dirty="0" smtClean="0"/>
+              <a:t>, passes between the </a:t>
+            </a:r>
+            <a:r>
+              <a:rPr lang="en-US" dirty="0" smtClean="0">
+                <a:hlinkClick r:id="rId5" tooltip="Buttocks"/>
+              </a:rPr>
+              <a:t>buttocks</a:t>
+            </a:r>
+            <a:r>
+              <a:rPr lang="en-US" dirty="0" smtClean="0"/>
+              <a:t>, and is attached to a band around the </a:t>
+            </a:r>
+            <a:r>
+              <a:rPr lang="en-US" dirty="0" smtClean="0">
+                <a:hlinkClick r:id="rId6" tooltip="Hip (anatomy)"/>
+              </a:rPr>
+              <a:t>hips</a:t>
+            </a:r>
+            <a:r>
+              <a:rPr lang="en-US" dirty="0" smtClean="0"/>
+              <a:t>, worn as </a:t>
+            </a:r>
+            <a:r>
+              <a:rPr lang="en-US" dirty="0" smtClean="0">
+                <a:hlinkClick r:id="rId7" tooltip="Swimsuit"/>
+              </a:rPr>
+              <a:t>swimwear</a:t>
+            </a:r>
+            <a:r>
+              <a:rPr lang="en-US" dirty="0" smtClean="0"/>
+              <a:t> or </a:t>
+            </a:r>
+            <a:r>
+              <a:rPr lang="en-US" dirty="0" smtClean="0">
+                <a:hlinkClick r:id="rId8" tooltip="Underwear"/>
+              </a:rPr>
+              <a:t>underwear</a:t>
+            </a:r>
+            <a:r>
+              <a:rPr lang="en-US" dirty="0" smtClean="0"/>
+              <a:t> by both men and women.</a:t>
+            </a:r>
+            <a:endParaRPr lang="sv-SE" dirty="0"/>
+          </a:p>
+        </p:txBody>
+      </p:sp>
+    </p:spTree>
+  </p:cSld>
+  <p:clrMapOvr>
+    <a:masterClrMapping/>
+  </p:clrMapOvr>
+</p:sld>
+</file>
+
+<file path=ppt/slides/slide45.xml><?xml version="1.0" encoding="utf-8"?>
+<p:sld xmlns:a="http://schemas.openxmlformats.org/drawingml/2006/main" xmlns:r="http://schemas.openxmlformats.org/officeDocument/2006/relationships" xmlns:p="http://schemas.openxmlformats.org/presentationml/2006/main">
+  <p:cSld>
+    <p:spTree>
+      <p:nvGrpSpPr>
+        <p:cNvPr id="1" name=""/>
+        <p:cNvGrpSpPr/>
+        <p:nvPr/>
+      </p:nvGrpSpPr>
+      <p:grpSpPr>
+        <a:xfrm>
+          <a:off x="0" y="0"/>
+          <a:ext cx="0" cy="0"/>
+          <a:chOff x="0" y="0"/>
+          <a:chExt cx="0" cy="0"/>
+        </a:xfrm>
+      </p:grpSpPr>
+      <p:sp>
+        <p:nvSpPr>
+          <p:cNvPr id="2" name="Rubrik 1"/>
+          <p:cNvSpPr>
+            <a:spLocks noGrp="1"/>
+          </p:cNvSpPr>
+          <p:nvPr>
+            <p:ph type="title"/>
+          </p:nvPr>
+        </p:nvSpPr>
+        <p:spPr/>
+        <p:txBody>
+          <a:bodyPr/>
+          <a:lstStyle/>
+          <a:p>
+            <a:r>
+              <a:rPr lang="sv-SE" dirty="0" err="1" smtClean="0"/>
+              <a:t>GStrings</a:t>
+            </a:r>
+            <a:r>
+              <a:rPr lang="sv-SE" dirty="0" smtClean="0"/>
+              <a:t> (</a:t>
+            </a:r>
+            <a:r>
+              <a:rPr lang="sv-SE" dirty="0" err="1" smtClean="0"/>
+              <a:t>Groovy</a:t>
+            </a:r>
+            <a:r>
+              <a:rPr lang="sv-SE" dirty="0" smtClean="0"/>
+              <a:t> Strings)</a:t>
+            </a:r>
+            <a:endParaRPr lang="sv-SE" dirty="0"/>
+          </a:p>
+        </p:txBody>
+      </p:sp>
+      <p:sp>
+        <p:nvSpPr>
+          <p:cNvPr id="3" name="Platshållare för innehåll 2"/>
+          <p:cNvSpPr>
+            <a:spLocks noGrp="1"/>
+          </p:cNvSpPr>
+          <p:nvPr>
+            <p:ph idx="1"/>
+          </p:nvPr>
+        </p:nvSpPr>
+        <p:spPr/>
+        <p:txBody>
+          <a:bodyPr/>
+          <a:lstStyle/>
+          <a:p>
+            <a:pPr>
+              <a:buNone/>
+            </a:pPr>
+            <a:r>
+              <a:rPr lang="sv-SE" dirty="0" smtClean="0"/>
+              <a:t>[</a:t>
+            </a:r>
+            <a:r>
+              <a:rPr lang="sv-SE" smtClean="0"/>
+              <a:t>Gstrings.groovy]</a:t>
             </a:r>
             <a:endParaRPr lang="sv-SE" dirty="0"/>
           </a:p>

--- a/groovyseminarie/dokument/groovyseminarium_source.pptx
+++ b/groovyseminarie/dokument/groovyseminarium_source.pptx
@@ -50,6 +50,17 @@
     <p:sldId id="310" r:id="rId44"/>
     <p:sldId id="311" r:id="rId45"/>
     <p:sldId id="312" r:id="rId46"/>
+    <p:sldId id="313" r:id="rId47"/>
+    <p:sldId id="314" r:id="rId48"/>
+    <p:sldId id="315" r:id="rId49"/>
+    <p:sldId id="316" r:id="rId50"/>
+    <p:sldId id="317" r:id="rId51"/>
+    <p:sldId id="318" r:id="rId52"/>
+    <p:sldId id="319" r:id="rId53"/>
+    <p:sldId id="320" r:id="rId54"/>
+    <p:sldId id="321" r:id="rId55"/>
+    <p:sldId id="322" r:id="rId56"/>
+    <p:sldId id="323" r:id="rId57"/>
   </p:sldIdLst>
   <p:sldSz cx="9144000" cy="6858000" type="screen4x3"/>
   <p:notesSz cx="6858000" cy="9144000"/>
@@ -7193,8 +7204,391 @@
               <a:t>[</a:t>
             </a:r>
             <a:r>
-              <a:rPr lang="sv-SE" smtClean="0"/>
-              <a:t>Gstrings.groovy]</a:t>
+              <a:rPr lang="sv-SE" dirty="0" err="1" smtClean="0"/>
+              <a:t>Gstrings.groovy</a:t>
+            </a:r>
+            <a:r>
+              <a:rPr lang="sv-SE" dirty="0" smtClean="0"/>
+              <a:t>]</a:t>
+            </a:r>
+            <a:endParaRPr lang="sv-SE" dirty="0"/>
+          </a:p>
+        </p:txBody>
+      </p:sp>
+    </p:spTree>
+  </p:cSld>
+  <p:clrMapOvr>
+    <a:masterClrMapping/>
+  </p:clrMapOvr>
+</p:sld>
+</file>
+
+<file path=ppt/slides/slide46.xml><?xml version="1.0" encoding="utf-8"?>
+<p:sld xmlns:a="http://schemas.openxmlformats.org/drawingml/2006/main" xmlns:r="http://schemas.openxmlformats.org/officeDocument/2006/relationships" xmlns:p="http://schemas.openxmlformats.org/presentationml/2006/main">
+  <p:cSld>
+    <p:spTree>
+      <p:nvGrpSpPr>
+        <p:cNvPr id="1" name=""/>
+        <p:cNvGrpSpPr/>
+        <p:nvPr/>
+      </p:nvGrpSpPr>
+      <p:grpSpPr>
+        <a:xfrm>
+          <a:off x="0" y="0"/>
+          <a:ext cx="0" cy="0"/>
+          <a:chOff x="0" y="0"/>
+          <a:chExt cx="0" cy="0"/>
+        </a:xfrm>
+      </p:grpSpPr>
+      <p:sp>
+        <p:nvSpPr>
+          <p:cNvPr id="2" name="Rubrik 1"/>
+          <p:cNvSpPr>
+            <a:spLocks noGrp="1"/>
+          </p:cNvSpPr>
+          <p:nvPr>
+            <p:ph type="title"/>
+          </p:nvPr>
+        </p:nvSpPr>
+        <p:spPr/>
+        <p:txBody>
+          <a:bodyPr/>
+          <a:lstStyle/>
+          <a:p>
+            <a:r>
+              <a:rPr lang="sv-SE" dirty="0" err="1" smtClean="0"/>
+              <a:t>Regular</a:t>
+            </a:r>
+            <a:r>
+              <a:rPr lang="sv-SE" dirty="0" smtClean="0"/>
+              <a:t> expressions</a:t>
+            </a:r>
+            <a:endParaRPr lang="sv-SE" dirty="0"/>
+          </a:p>
+        </p:txBody>
+      </p:sp>
+      <p:sp>
+        <p:nvSpPr>
+          <p:cNvPr id="3" name="Platshållare för innehåll 2"/>
+          <p:cNvSpPr>
+            <a:spLocks noGrp="1"/>
+          </p:cNvSpPr>
+          <p:nvPr>
+            <p:ph idx="1"/>
+          </p:nvPr>
+        </p:nvSpPr>
+        <p:spPr/>
+        <p:txBody>
+          <a:bodyPr/>
+          <a:lstStyle/>
+          <a:p>
+            <a:pPr>
+              <a:buNone/>
+            </a:pPr>
+            <a:r>
+              <a:rPr lang="sv-SE" dirty="0" smtClean="0"/>
+              <a:t>[</a:t>
+            </a:r>
+            <a:r>
+              <a:rPr lang="sv-SE" dirty="0" err="1" smtClean="0"/>
+              <a:t>TestRegExp.groovy</a:t>
+            </a:r>
+            <a:r>
+              <a:rPr lang="sv-SE" dirty="0" smtClean="0"/>
+              <a:t>]</a:t>
+            </a:r>
+            <a:endParaRPr lang="sv-SE" dirty="0"/>
+          </a:p>
+        </p:txBody>
+      </p:sp>
+    </p:spTree>
+  </p:cSld>
+  <p:clrMapOvr>
+    <a:masterClrMapping/>
+  </p:clrMapOvr>
+</p:sld>
+</file>
+
+<file path=ppt/slides/slide47.xml><?xml version="1.0" encoding="utf-8"?>
+<p:sld xmlns:a="http://schemas.openxmlformats.org/drawingml/2006/main" xmlns:r="http://schemas.openxmlformats.org/officeDocument/2006/relationships" xmlns:p="http://schemas.openxmlformats.org/presentationml/2006/main">
+  <p:cSld>
+    <p:spTree>
+      <p:nvGrpSpPr>
+        <p:cNvPr id="1" name=""/>
+        <p:cNvGrpSpPr/>
+        <p:nvPr/>
+      </p:nvGrpSpPr>
+      <p:grpSpPr>
+        <a:xfrm>
+          <a:off x="0" y="0"/>
+          <a:ext cx="0" cy="0"/>
+          <a:chOff x="0" y="0"/>
+          <a:chExt cx="0" cy="0"/>
+        </a:xfrm>
+      </p:grpSpPr>
+      <p:sp>
+        <p:nvSpPr>
+          <p:cNvPr id="2" name="Rubrik 1"/>
+          <p:cNvSpPr>
+            <a:spLocks noGrp="1"/>
+          </p:cNvSpPr>
+          <p:nvPr>
+            <p:ph type="title"/>
+          </p:nvPr>
+        </p:nvSpPr>
+        <p:spPr/>
+        <p:txBody>
+          <a:bodyPr/>
+          <a:lstStyle/>
+          <a:p>
+            <a:r>
+              <a:rPr lang="sv-SE" dirty="0" smtClean="0"/>
+              <a:t>Primitives</a:t>
+            </a:r>
+            <a:endParaRPr lang="sv-SE" dirty="0"/>
+          </a:p>
+        </p:txBody>
+      </p:sp>
+      <p:sp>
+        <p:nvSpPr>
+          <p:cNvPr id="3" name="Platshållare för innehåll 2"/>
+          <p:cNvSpPr>
+            <a:spLocks noGrp="1"/>
+          </p:cNvSpPr>
+          <p:nvPr>
+            <p:ph idx="1"/>
+          </p:nvPr>
+        </p:nvSpPr>
+        <p:spPr/>
+        <p:txBody>
+          <a:bodyPr/>
+          <a:lstStyle/>
+          <a:p>
+            <a:pPr>
+              <a:buNone/>
+            </a:pPr>
+            <a:r>
+              <a:rPr lang="sv-SE" dirty="0" smtClean="0"/>
+              <a:t>[</a:t>
+            </a:r>
+            <a:r>
+              <a:rPr lang="sv-SE" dirty="0" err="1" smtClean="0"/>
+              <a:t>Primitives.groovy</a:t>
+            </a:r>
+            <a:r>
+              <a:rPr lang="sv-SE" dirty="0" smtClean="0"/>
+              <a:t>]</a:t>
+            </a:r>
+            <a:endParaRPr lang="sv-SE" dirty="0"/>
+          </a:p>
+        </p:txBody>
+      </p:sp>
+    </p:spTree>
+  </p:cSld>
+  <p:clrMapOvr>
+    <a:masterClrMapping/>
+  </p:clrMapOvr>
+</p:sld>
+</file>
+
+<file path=ppt/slides/slide48.xml><?xml version="1.0" encoding="utf-8"?>
+<p:sld xmlns:a="http://schemas.openxmlformats.org/drawingml/2006/main" xmlns:r="http://schemas.openxmlformats.org/officeDocument/2006/relationships" xmlns:p="http://schemas.openxmlformats.org/presentationml/2006/main">
+  <p:cSld>
+    <p:spTree>
+      <p:nvGrpSpPr>
+        <p:cNvPr id="1" name=""/>
+        <p:cNvGrpSpPr/>
+        <p:nvPr/>
+      </p:nvGrpSpPr>
+      <p:grpSpPr>
+        <a:xfrm>
+          <a:off x="0" y="0"/>
+          <a:ext cx="0" cy="0"/>
+          <a:chOff x="0" y="0"/>
+          <a:chExt cx="0" cy="0"/>
+        </a:xfrm>
+      </p:grpSpPr>
+      <p:sp>
+        <p:nvSpPr>
+          <p:cNvPr id="2" name="Rubrik 1"/>
+          <p:cNvSpPr>
+            <a:spLocks noGrp="1"/>
+          </p:cNvSpPr>
+          <p:nvPr>
+            <p:ph type="title"/>
+          </p:nvPr>
+        </p:nvSpPr>
+        <p:spPr/>
+        <p:txBody>
+          <a:bodyPr>
+            <a:normAutofit fontScale="90000"/>
+          </a:bodyPr>
+          <a:lstStyle/>
+          <a:p>
+            <a:r>
+              <a:rPr lang="sv-SE" dirty="0" err="1" smtClean="0"/>
+              <a:t>Groovy</a:t>
+            </a:r>
+            <a:r>
+              <a:rPr lang="sv-SE" dirty="0" smtClean="0"/>
+              <a:t> har stöd för samtliga Java 5-features:</a:t>
+            </a:r>
+          </a:p>
+        </p:txBody>
+      </p:sp>
+      <p:sp>
+        <p:nvSpPr>
+          <p:cNvPr id="3" name="Platshållare för innehåll 2"/>
+          <p:cNvSpPr>
+            <a:spLocks noGrp="1"/>
+          </p:cNvSpPr>
+          <p:nvPr>
+            <p:ph idx="1"/>
+          </p:nvPr>
+        </p:nvSpPr>
+        <p:spPr/>
+        <p:txBody>
+          <a:bodyPr>
+            <a:normAutofit fontScale="92500"/>
+          </a:bodyPr>
+          <a:lstStyle/>
+          <a:p>
+            <a:r>
+              <a:rPr lang="sv-SE" dirty="0" err="1" smtClean="0"/>
+              <a:t>Generics</a:t>
+            </a:r>
+            <a:endParaRPr lang="sv-SE" dirty="0" smtClean="0"/>
+          </a:p>
+          <a:p>
+            <a:r>
+              <a:rPr lang="sv-SE" dirty="0" err="1" smtClean="0"/>
+              <a:t>For-each</a:t>
+            </a:r>
+            <a:endParaRPr lang="sv-SE" dirty="0" smtClean="0"/>
+          </a:p>
+          <a:p>
+            <a:r>
+              <a:rPr lang="sv-SE" dirty="0" err="1" smtClean="0"/>
+              <a:t>Autoboxing</a:t>
+            </a:r>
+            <a:r>
+              <a:rPr lang="sv-SE" dirty="0" smtClean="0"/>
+              <a:t> (fungerar även om man kör java 1.4)</a:t>
+            </a:r>
+          </a:p>
+          <a:p>
+            <a:r>
+              <a:rPr lang="sv-SE" dirty="0" err="1" smtClean="0"/>
+              <a:t>Enum</a:t>
+            </a:r>
+            <a:endParaRPr lang="sv-SE" dirty="0" smtClean="0"/>
+          </a:p>
+          <a:p>
+            <a:r>
+              <a:rPr lang="sv-SE" dirty="0" smtClean="0"/>
+              <a:t>Annotations (fungerar dock ej att skapa egna i </a:t>
+            </a:r>
+            <a:r>
+              <a:rPr lang="sv-SE" dirty="0" err="1" smtClean="0"/>
+              <a:t>Groovy</a:t>
+            </a:r>
+            <a:r>
+              <a:rPr lang="sv-SE" dirty="0" smtClean="0"/>
+              <a:t>)</a:t>
+            </a:r>
+          </a:p>
+          <a:p>
+            <a:r>
+              <a:rPr lang="sv-SE" dirty="0" err="1" smtClean="0"/>
+              <a:t>Varargs</a:t>
+            </a:r>
+            <a:endParaRPr lang="sv-SE" dirty="0" smtClean="0"/>
+          </a:p>
+          <a:p>
+            <a:r>
+              <a:rPr lang="sv-SE" dirty="0" err="1" smtClean="0"/>
+              <a:t>Static</a:t>
+            </a:r>
+            <a:r>
+              <a:rPr lang="sv-SE" dirty="0" smtClean="0"/>
+              <a:t> import</a:t>
+            </a:r>
+          </a:p>
+        </p:txBody>
+      </p:sp>
+    </p:spTree>
+  </p:cSld>
+  <p:clrMapOvr>
+    <a:masterClrMapping/>
+  </p:clrMapOvr>
+</p:sld>
+</file>
+
+<file path=ppt/slides/slide49.xml><?xml version="1.0" encoding="utf-8"?>
+<p:sld xmlns:a="http://schemas.openxmlformats.org/drawingml/2006/main" xmlns:r="http://schemas.openxmlformats.org/officeDocument/2006/relationships" xmlns:p="http://schemas.openxmlformats.org/presentationml/2006/main">
+  <p:cSld>
+    <p:spTree>
+      <p:nvGrpSpPr>
+        <p:cNvPr id="1" name=""/>
+        <p:cNvGrpSpPr/>
+        <p:nvPr/>
+      </p:nvGrpSpPr>
+      <p:grpSpPr>
+        <a:xfrm>
+          <a:off x="0" y="0"/>
+          <a:ext cx="0" cy="0"/>
+          <a:chOff x="0" y="0"/>
+          <a:chExt cx="0" cy="0"/>
+        </a:xfrm>
+      </p:grpSpPr>
+      <p:sp>
+        <p:nvSpPr>
+          <p:cNvPr id="2" name="Rubrik 1"/>
+          <p:cNvSpPr>
+            <a:spLocks noGrp="1"/>
+          </p:cNvSpPr>
+          <p:nvPr>
+            <p:ph type="title"/>
+          </p:nvPr>
+        </p:nvSpPr>
+        <p:spPr/>
+        <p:txBody>
+          <a:bodyPr/>
+          <a:lstStyle/>
+          <a:p>
+            <a:r>
+              <a:rPr lang="sv-SE" dirty="0" smtClean="0"/>
+              <a:t>Java 5 i </a:t>
+            </a:r>
+            <a:r>
+              <a:rPr lang="sv-SE" dirty="0" err="1" smtClean="0"/>
+              <a:t>Groovy</a:t>
+            </a:r>
+            <a:endParaRPr lang="sv-SE" dirty="0"/>
+          </a:p>
+        </p:txBody>
+      </p:sp>
+      <p:sp>
+        <p:nvSpPr>
+          <p:cNvPr id="3" name="Platshållare för innehåll 2"/>
+          <p:cNvSpPr>
+            <a:spLocks noGrp="1"/>
+          </p:cNvSpPr>
+          <p:nvPr>
+            <p:ph idx="1"/>
+          </p:nvPr>
+        </p:nvSpPr>
+        <p:spPr/>
+        <p:txBody>
+          <a:bodyPr/>
+          <a:lstStyle/>
+          <a:p>
+            <a:pPr>
+              <a:buNone/>
+            </a:pPr>
+            <a:r>
+              <a:rPr lang="sv-SE" dirty="0" smtClean="0"/>
+              <a:t>[GroovyWithJava5.groovy]</a:t>
             </a:r>
             <a:endParaRPr lang="sv-SE" dirty="0"/>
           </a:p>
@@ -7320,6 +7714,592 @@
       </p:par>
     </p:tnLst>
   </p:timing>
+</p:sld>
+</file>
+
+<file path=ppt/slides/slide50.xml><?xml version="1.0" encoding="utf-8"?>
+<p:sld xmlns:a="http://schemas.openxmlformats.org/drawingml/2006/main" xmlns:r="http://schemas.openxmlformats.org/officeDocument/2006/relationships" xmlns:p="http://schemas.openxmlformats.org/presentationml/2006/main">
+  <p:cSld>
+    <p:spTree>
+      <p:nvGrpSpPr>
+        <p:cNvPr id="1" name=""/>
+        <p:cNvGrpSpPr/>
+        <p:nvPr/>
+      </p:nvGrpSpPr>
+      <p:grpSpPr>
+        <a:xfrm>
+          <a:off x="0" y="0"/>
+          <a:ext cx="0" cy="0"/>
+          <a:chOff x="0" y="0"/>
+          <a:chExt cx="0" cy="0"/>
+        </a:xfrm>
+      </p:grpSpPr>
+      <p:sp>
+        <p:nvSpPr>
+          <p:cNvPr id="2" name="Rubrik 1"/>
+          <p:cNvSpPr>
+            <a:spLocks noGrp="1"/>
+          </p:cNvSpPr>
+          <p:nvPr>
+            <p:ph type="title"/>
+          </p:nvPr>
+        </p:nvSpPr>
+        <p:spPr/>
+        <p:txBody>
+          <a:bodyPr/>
+          <a:lstStyle/>
+          <a:p>
+            <a:r>
+              <a:rPr lang="sv-SE" dirty="0" err="1" smtClean="0"/>
+              <a:t>Closures</a:t>
+            </a:r>
+            <a:r>
+              <a:rPr lang="sv-SE" dirty="0" smtClean="0"/>
+              <a:t>: fördjupning</a:t>
+            </a:r>
+            <a:endParaRPr lang="sv-SE" dirty="0"/>
+          </a:p>
+        </p:txBody>
+      </p:sp>
+      <p:sp>
+        <p:nvSpPr>
+          <p:cNvPr id="3" name="Platshållare för innehåll 2"/>
+          <p:cNvSpPr>
+            <a:spLocks noGrp="1"/>
+          </p:cNvSpPr>
+          <p:nvPr>
+            <p:ph idx="1"/>
+          </p:nvPr>
+        </p:nvSpPr>
+        <p:spPr/>
+        <p:txBody>
+          <a:bodyPr/>
+          <a:lstStyle/>
+          <a:p>
+            <a:r>
+              <a:rPr lang="sv-SE" dirty="0" smtClean="0"/>
+              <a:t>Exempel: </a:t>
+            </a:r>
+            <a:r>
+              <a:rPr lang="sv-SE" dirty="0" smtClean="0"/>
+              <a:t>Summera alla jämna tal från 1 till 10</a:t>
+            </a:r>
+            <a:endParaRPr lang="sv-SE" dirty="0"/>
+          </a:p>
+        </p:txBody>
+      </p:sp>
+    </p:spTree>
+  </p:cSld>
+  <p:clrMapOvr>
+    <a:masterClrMapping/>
+  </p:clrMapOvr>
+</p:sld>
+</file>
+
+<file path=ppt/slides/slide51.xml><?xml version="1.0" encoding="utf-8"?>
+<p:sld xmlns:a="http://schemas.openxmlformats.org/drawingml/2006/main" xmlns:r="http://schemas.openxmlformats.org/officeDocument/2006/relationships" xmlns:p="http://schemas.openxmlformats.org/presentationml/2006/main">
+  <p:cSld>
+    <p:spTree>
+      <p:nvGrpSpPr>
+        <p:cNvPr id="1" name=""/>
+        <p:cNvGrpSpPr/>
+        <p:nvPr/>
+      </p:nvGrpSpPr>
+      <p:grpSpPr>
+        <a:xfrm>
+          <a:off x="0" y="0"/>
+          <a:ext cx="0" cy="0"/>
+          <a:chOff x="0" y="0"/>
+          <a:chExt cx="0" cy="0"/>
+        </a:xfrm>
+      </p:grpSpPr>
+      <p:sp>
+        <p:nvSpPr>
+          <p:cNvPr id="2" name="Rubrik 1"/>
+          <p:cNvSpPr>
+            <a:spLocks noGrp="1"/>
+          </p:cNvSpPr>
+          <p:nvPr>
+            <p:ph type="title"/>
+          </p:nvPr>
+        </p:nvSpPr>
+        <p:spPr/>
+        <p:txBody>
+          <a:bodyPr>
+            <a:normAutofit fontScale="90000"/>
+          </a:bodyPr>
+          <a:lstStyle/>
+          <a:p>
+            <a:r>
+              <a:rPr lang="sv-SE" dirty="0" smtClean="0"/>
+              <a:t>Summera alla jämna tal från 1 till 10</a:t>
+            </a:r>
+            <a:endParaRPr lang="sv-SE" dirty="0"/>
+          </a:p>
+        </p:txBody>
+      </p:sp>
+      <p:sp>
+        <p:nvSpPr>
+          <p:cNvPr id="3" name="Platshållare för innehåll 2"/>
+          <p:cNvSpPr>
+            <a:spLocks noGrp="1"/>
+          </p:cNvSpPr>
+          <p:nvPr>
+            <p:ph idx="1"/>
+          </p:nvPr>
+        </p:nvSpPr>
+        <p:spPr/>
+        <p:txBody>
+          <a:bodyPr/>
+          <a:lstStyle/>
+          <a:p>
+            <a:pPr>
+              <a:buNone/>
+            </a:pPr>
+            <a:r>
+              <a:rPr lang="sv-SE" dirty="0" smtClean="0"/>
+              <a:t>[</a:t>
+            </a:r>
+            <a:r>
+              <a:rPr lang="sv-SE" dirty="0" err="1" smtClean="0"/>
+              <a:t>sumEvenNumbers.java</a:t>
+            </a:r>
+            <a:r>
+              <a:rPr lang="sv-SE" dirty="0" smtClean="0"/>
+              <a:t>]</a:t>
+            </a:r>
+            <a:endParaRPr lang="sv-SE" dirty="0"/>
+          </a:p>
+        </p:txBody>
+      </p:sp>
+    </p:spTree>
+  </p:cSld>
+  <p:clrMapOvr>
+    <a:masterClrMapping/>
+  </p:clrMapOvr>
+</p:sld>
+</file>
+
+<file path=ppt/slides/slide52.xml><?xml version="1.0" encoding="utf-8"?>
+<p:sld xmlns:a="http://schemas.openxmlformats.org/drawingml/2006/main" xmlns:r="http://schemas.openxmlformats.org/officeDocument/2006/relationships" xmlns:p="http://schemas.openxmlformats.org/presentationml/2006/main">
+  <p:cSld>
+    <p:spTree>
+      <p:nvGrpSpPr>
+        <p:cNvPr id="1" name=""/>
+        <p:cNvGrpSpPr/>
+        <p:nvPr/>
+      </p:nvGrpSpPr>
+      <p:grpSpPr>
+        <a:xfrm>
+          <a:off x="0" y="0"/>
+          <a:ext cx="0" cy="0"/>
+          <a:chOff x="0" y="0"/>
+          <a:chExt cx="0" cy="0"/>
+        </a:xfrm>
+      </p:grpSpPr>
+      <p:sp>
+        <p:nvSpPr>
+          <p:cNvPr id="2" name="Rubrik 1"/>
+          <p:cNvSpPr>
+            <a:spLocks noGrp="1"/>
+          </p:cNvSpPr>
+          <p:nvPr>
+            <p:ph type="title"/>
+          </p:nvPr>
+        </p:nvSpPr>
+        <p:spPr/>
+        <p:txBody>
+          <a:bodyPr>
+            <a:normAutofit/>
+          </a:bodyPr>
+          <a:lstStyle/>
+          <a:p>
+            <a:r>
+              <a:rPr lang="sv-SE" dirty="0" smtClean="0"/>
+              <a:t>Multiplicera jämna tal 1 till 10</a:t>
+            </a:r>
+            <a:endParaRPr lang="sv-SE" dirty="0"/>
+          </a:p>
+        </p:txBody>
+      </p:sp>
+      <p:sp>
+        <p:nvSpPr>
+          <p:cNvPr id="3" name="Platshållare för innehåll 2"/>
+          <p:cNvSpPr>
+            <a:spLocks noGrp="1"/>
+          </p:cNvSpPr>
+          <p:nvPr>
+            <p:ph idx="1"/>
+          </p:nvPr>
+        </p:nvSpPr>
+        <p:spPr/>
+        <p:txBody>
+          <a:bodyPr/>
+          <a:lstStyle/>
+          <a:p>
+            <a:pPr>
+              <a:buNone/>
+            </a:pPr>
+            <a:r>
+              <a:rPr lang="sv-SE" dirty="0" smtClean="0"/>
+              <a:t>[</a:t>
+            </a:r>
+            <a:r>
+              <a:rPr lang="sv-SE" dirty="0" err="1" smtClean="0"/>
+              <a:t>MultiplyEvenNumbers.java</a:t>
+            </a:r>
+            <a:r>
+              <a:rPr lang="sv-SE" dirty="0" smtClean="0"/>
+              <a:t>]</a:t>
+            </a:r>
+            <a:endParaRPr lang="sv-SE" dirty="0"/>
+          </a:p>
+        </p:txBody>
+      </p:sp>
+    </p:spTree>
+  </p:cSld>
+  <p:clrMapOvr>
+    <a:masterClrMapping/>
+  </p:clrMapOvr>
+</p:sld>
+</file>
+
+<file path=ppt/slides/slide53.xml><?xml version="1.0" encoding="utf-8"?>
+<p:sld xmlns:a="http://schemas.openxmlformats.org/drawingml/2006/main" xmlns:r="http://schemas.openxmlformats.org/officeDocument/2006/relationships" xmlns:p="http://schemas.openxmlformats.org/presentationml/2006/main">
+  <p:cSld>
+    <p:spTree>
+      <p:nvGrpSpPr>
+        <p:cNvPr id="1" name=""/>
+        <p:cNvGrpSpPr/>
+        <p:nvPr/>
+      </p:nvGrpSpPr>
+      <p:grpSpPr>
+        <a:xfrm>
+          <a:off x="0" y="0"/>
+          <a:ext cx="0" cy="0"/>
+          <a:chOff x="0" y="0"/>
+          <a:chExt cx="0" cy="0"/>
+        </a:xfrm>
+      </p:grpSpPr>
+      <p:sp>
+        <p:nvSpPr>
+          <p:cNvPr id="2" name="Rubrik 1"/>
+          <p:cNvSpPr>
+            <a:spLocks noGrp="1"/>
+          </p:cNvSpPr>
+          <p:nvPr>
+            <p:ph type="title"/>
+          </p:nvPr>
+        </p:nvSpPr>
+        <p:spPr/>
+        <p:txBody>
+          <a:bodyPr>
+            <a:normAutofit fontScale="90000"/>
+          </a:bodyPr>
+          <a:lstStyle/>
+          <a:p>
+            <a:r>
+              <a:rPr lang="sv-SE" dirty="0" smtClean="0"/>
+              <a:t>Skapa en lista med kvadraten av alla jämna tal 1 till 10</a:t>
+            </a:r>
+            <a:endParaRPr lang="sv-SE" dirty="0"/>
+          </a:p>
+        </p:txBody>
+      </p:sp>
+      <p:sp>
+        <p:nvSpPr>
+          <p:cNvPr id="3" name="Platshållare för innehåll 2"/>
+          <p:cNvSpPr>
+            <a:spLocks noGrp="1"/>
+          </p:cNvSpPr>
+          <p:nvPr>
+            <p:ph idx="1"/>
+          </p:nvPr>
+        </p:nvSpPr>
+        <p:spPr/>
+        <p:txBody>
+          <a:bodyPr/>
+          <a:lstStyle/>
+          <a:p>
+            <a:pPr>
+              <a:buNone/>
+            </a:pPr>
+            <a:r>
+              <a:rPr lang="sv-SE" dirty="0" smtClean="0"/>
+              <a:t>[</a:t>
+            </a:r>
+            <a:r>
+              <a:rPr lang="sv-SE" dirty="0" err="1" smtClean="0"/>
+              <a:t>squareEvenNumbers.java</a:t>
+            </a:r>
+            <a:r>
+              <a:rPr lang="sv-SE" dirty="0" smtClean="0"/>
+              <a:t>]</a:t>
+            </a:r>
+            <a:endParaRPr lang="sv-SE" dirty="0"/>
+          </a:p>
+        </p:txBody>
+      </p:sp>
+    </p:spTree>
+  </p:cSld>
+  <p:clrMapOvr>
+    <a:masterClrMapping/>
+  </p:clrMapOvr>
+</p:sld>
+</file>
+
+<file path=ppt/slides/slide54.xml><?xml version="1.0" encoding="utf-8"?>
+<p:sld xmlns:a="http://schemas.openxmlformats.org/drawingml/2006/main" xmlns:r="http://schemas.openxmlformats.org/officeDocument/2006/relationships" xmlns:p="http://schemas.openxmlformats.org/presentationml/2006/main">
+  <p:cSld>
+    <p:spTree>
+      <p:nvGrpSpPr>
+        <p:cNvPr id="1" name=""/>
+        <p:cNvGrpSpPr/>
+        <p:nvPr/>
+      </p:nvGrpSpPr>
+      <p:grpSpPr>
+        <a:xfrm>
+          <a:off x="0" y="0"/>
+          <a:ext cx="0" cy="0"/>
+          <a:chOff x="0" y="0"/>
+          <a:chExt cx="0" cy="0"/>
+        </a:xfrm>
+      </p:grpSpPr>
+      <p:sp>
+        <p:nvSpPr>
+          <p:cNvPr id="2" name="Rubrik 1"/>
+          <p:cNvSpPr>
+            <a:spLocks noGrp="1"/>
+          </p:cNvSpPr>
+          <p:nvPr>
+            <p:ph type="title"/>
+          </p:nvPr>
+        </p:nvSpPr>
+        <p:spPr/>
+        <p:txBody>
+          <a:bodyPr/>
+          <a:lstStyle/>
+          <a:p>
+            <a:r>
+              <a:rPr lang="sv-SE" dirty="0" smtClean="0"/>
+              <a:t>DRY </a:t>
+            </a:r>
+            <a:r>
+              <a:rPr lang="sv-SE" dirty="0" err="1" smtClean="0"/>
+              <a:t>principle</a:t>
+            </a:r>
+            <a:r>
+              <a:rPr lang="sv-SE" dirty="0" smtClean="0"/>
+              <a:t>:</a:t>
+            </a:r>
+            <a:endParaRPr lang="sv-SE" dirty="0"/>
+          </a:p>
+        </p:txBody>
+      </p:sp>
+      <p:sp>
+        <p:nvSpPr>
+          <p:cNvPr id="3" name="Platshållare för innehåll 2"/>
+          <p:cNvSpPr>
+            <a:spLocks noGrp="1"/>
+          </p:cNvSpPr>
+          <p:nvPr>
+            <p:ph idx="1"/>
+          </p:nvPr>
+        </p:nvSpPr>
+        <p:spPr/>
+        <p:txBody>
+          <a:bodyPr/>
+          <a:lstStyle/>
+          <a:p>
+            <a:r>
+              <a:rPr lang="sv-SE" dirty="0" err="1" smtClean="0"/>
+              <a:t>Don't</a:t>
+            </a:r>
+            <a:r>
+              <a:rPr lang="sv-SE" dirty="0" smtClean="0"/>
+              <a:t> </a:t>
+            </a:r>
+            <a:r>
+              <a:rPr lang="sv-SE" dirty="0" err="1" smtClean="0"/>
+              <a:t>repeat</a:t>
+            </a:r>
+            <a:r>
+              <a:rPr lang="sv-SE" dirty="0" smtClean="0"/>
+              <a:t> </a:t>
+            </a:r>
+            <a:r>
+              <a:rPr lang="sv-SE" dirty="0" err="1" smtClean="0"/>
+              <a:t>yourself</a:t>
+            </a:r>
+            <a:endParaRPr lang="sv-SE" dirty="0"/>
+          </a:p>
+        </p:txBody>
+      </p:sp>
+    </p:spTree>
+  </p:cSld>
+  <p:clrMapOvr>
+    <a:masterClrMapping/>
+  </p:clrMapOvr>
+</p:sld>
+</file>
+
+<file path=ppt/slides/slide55.xml><?xml version="1.0" encoding="utf-8"?>
+<p:sld xmlns:a="http://schemas.openxmlformats.org/drawingml/2006/main" xmlns:r="http://schemas.openxmlformats.org/officeDocument/2006/relationships" xmlns:p="http://schemas.openxmlformats.org/presentationml/2006/main">
+  <p:cSld>
+    <p:spTree>
+      <p:nvGrpSpPr>
+        <p:cNvPr id="1" name=""/>
+        <p:cNvGrpSpPr/>
+        <p:nvPr/>
+      </p:nvGrpSpPr>
+      <p:grpSpPr>
+        <a:xfrm>
+          <a:off x="0" y="0"/>
+          <a:ext cx="0" cy="0"/>
+          <a:chOff x="0" y="0"/>
+          <a:chExt cx="0" cy="0"/>
+        </a:xfrm>
+      </p:grpSpPr>
+      <p:sp>
+        <p:nvSpPr>
+          <p:cNvPr id="2" name="Rubrik 1"/>
+          <p:cNvSpPr>
+            <a:spLocks noGrp="1"/>
+          </p:cNvSpPr>
+          <p:nvPr>
+            <p:ph type="title"/>
+          </p:nvPr>
+        </p:nvSpPr>
+        <p:spPr/>
+        <p:txBody>
+          <a:bodyPr/>
+          <a:lstStyle/>
+          <a:p>
+            <a:r>
+              <a:rPr lang="sv-SE" dirty="0" smtClean="0"/>
+              <a:t>Kan man återanvända loopen?</a:t>
+            </a:r>
+            <a:endParaRPr lang="sv-SE" dirty="0"/>
+          </a:p>
+        </p:txBody>
+      </p:sp>
+      <p:sp>
+        <p:nvSpPr>
+          <p:cNvPr id="3" name="Platshållare för innehåll 2"/>
+          <p:cNvSpPr>
+            <a:spLocks noGrp="1"/>
+          </p:cNvSpPr>
+          <p:nvPr>
+            <p:ph idx="1"/>
+          </p:nvPr>
+        </p:nvSpPr>
+        <p:spPr/>
+        <p:txBody>
+          <a:bodyPr/>
+          <a:lstStyle/>
+          <a:p>
+            <a:pPr>
+              <a:buNone/>
+            </a:pPr>
+            <a:r>
+              <a:rPr lang="sv-SE" dirty="0" smtClean="0"/>
+              <a:t>[</a:t>
+            </a:r>
+            <a:r>
+              <a:rPr lang="sv-SE" dirty="0" err="1" smtClean="0"/>
+              <a:t>LoopEvenNumbers.groovy</a:t>
+            </a:r>
+            <a:r>
+              <a:rPr lang="sv-SE" dirty="0" smtClean="0"/>
+              <a:t>]</a:t>
+            </a:r>
+            <a:endParaRPr lang="sv-SE" dirty="0"/>
+          </a:p>
+        </p:txBody>
+      </p:sp>
+    </p:spTree>
+  </p:cSld>
+  <p:clrMapOvr>
+    <a:masterClrMapping/>
+  </p:clrMapOvr>
+</p:sld>
+</file>
+
+<file path=ppt/slides/slide56.xml><?xml version="1.0" encoding="utf-8"?>
+<p:sld xmlns:a="http://schemas.openxmlformats.org/drawingml/2006/main" xmlns:r="http://schemas.openxmlformats.org/officeDocument/2006/relationships" xmlns:p="http://schemas.openxmlformats.org/presentationml/2006/main">
+  <p:cSld>
+    <p:spTree>
+      <p:nvGrpSpPr>
+        <p:cNvPr id="1" name=""/>
+        <p:cNvGrpSpPr/>
+        <p:nvPr/>
+      </p:nvGrpSpPr>
+      <p:grpSpPr>
+        <a:xfrm>
+          <a:off x="0" y="0"/>
+          <a:ext cx="0" cy="0"/>
+          <a:chOff x="0" y="0"/>
+          <a:chExt cx="0" cy="0"/>
+        </a:xfrm>
+      </p:grpSpPr>
+      <p:sp>
+        <p:nvSpPr>
+          <p:cNvPr id="2" name="Rubrik 1"/>
+          <p:cNvSpPr>
+            <a:spLocks noGrp="1"/>
+          </p:cNvSpPr>
+          <p:nvPr>
+            <p:ph type="title"/>
+          </p:nvPr>
+        </p:nvSpPr>
+        <p:spPr/>
+        <p:txBody>
+          <a:bodyPr/>
+          <a:lstStyle/>
+          <a:p>
+            <a:r>
+              <a:rPr lang="sv-SE" dirty="0" smtClean="0"/>
+              <a:t>Anonyma inre klasser i Java</a:t>
+            </a:r>
+            <a:endParaRPr lang="sv-SE" dirty="0"/>
+          </a:p>
+        </p:txBody>
+      </p:sp>
+      <p:sp>
+        <p:nvSpPr>
+          <p:cNvPr id="3" name="Platshållare för innehåll 2"/>
+          <p:cNvSpPr>
+            <a:spLocks noGrp="1"/>
+          </p:cNvSpPr>
+          <p:nvPr>
+            <p:ph idx="1"/>
+          </p:nvPr>
+        </p:nvSpPr>
+        <p:spPr/>
+        <p:txBody>
+          <a:bodyPr/>
+          <a:lstStyle/>
+          <a:p>
+            <a:pPr>
+              <a:buNone/>
+            </a:pPr>
+            <a:r>
+              <a:rPr lang="sv-SE" dirty="0" smtClean="0"/>
+              <a:t>[</a:t>
+            </a:r>
+            <a:r>
+              <a:rPr lang="sv-SE" smtClean="0"/>
+              <a:t>ClosureInJava.java]</a:t>
+            </a:r>
+            <a:endParaRPr lang="sv-SE"/>
+          </a:p>
+        </p:txBody>
+      </p:sp>
+    </p:spTree>
+  </p:cSld>
+  <p:clrMapOvr>
+    <a:masterClrMapping/>
+  </p:clrMapOvr>
 </p:sld>
 </file>
 

--- a/groovyseminarie/dokument/groovyseminarium_source.pptx
+++ b/groovyseminarie/dokument/groovyseminarium_source.pptx
@@ -61,6 +61,7 @@
     <p:sldId id="321" r:id="rId55"/>
     <p:sldId id="322" r:id="rId56"/>
     <p:sldId id="323" r:id="rId57"/>
+    <p:sldId id="324" r:id="rId58"/>
   </p:sldIdLst>
   <p:sldSz cx="9144000" cy="6858000" type="screen4x3"/>
   <p:notesSz cx="6858000" cy="9144000"/>
@@ -8288,10 +8289,14 @@
               <a:t>[</a:t>
             </a:r>
             <a:r>
-              <a:rPr lang="sv-SE" smtClean="0"/>
-              <a:t>ClosureInJava.java]</a:t>
-            </a:r>
-            <a:endParaRPr lang="sv-SE"/>
+              <a:rPr lang="sv-SE" dirty="0" err="1" smtClean="0"/>
+              <a:t>ClosureInJava.java</a:t>
+            </a:r>
+            <a:r>
+              <a:rPr lang="sv-SE" dirty="0" smtClean="0"/>
+              <a:t>]</a:t>
+            </a:r>
+            <a:endParaRPr lang="sv-SE" dirty="0"/>
           </a:p>
         </p:txBody>
       </p:sp>
@@ -8300,6 +8305,108 @@
   <p:clrMapOvr>
     <a:masterClrMapping/>
   </p:clrMapOvr>
+</p:sld>
+</file>
+
+<file path=ppt/slides/slide57.xml><?xml version="1.0" encoding="utf-8"?>
+<p:sld xmlns:a="http://schemas.openxmlformats.org/drawingml/2006/main" xmlns:r="http://schemas.openxmlformats.org/officeDocument/2006/relationships" xmlns:p="http://schemas.openxmlformats.org/presentationml/2006/main">
+  <p:cSld>
+    <p:spTree>
+      <p:nvGrpSpPr>
+        <p:cNvPr id="1" name=""/>
+        <p:cNvGrpSpPr/>
+        <p:nvPr/>
+      </p:nvGrpSpPr>
+      <p:grpSpPr>
+        <a:xfrm>
+          <a:off x="0" y="0"/>
+          <a:ext cx="0" cy="0"/>
+          <a:chOff x="0" y="0"/>
+          <a:chExt cx="0" cy="0"/>
+        </a:xfrm>
+      </p:grpSpPr>
+      <p:sp>
+        <p:nvSpPr>
+          <p:cNvPr id="2" name="Rubrik 1"/>
+          <p:cNvSpPr>
+            <a:spLocks noGrp="1"/>
+          </p:cNvSpPr>
+          <p:nvPr>
+            <p:ph type="title"/>
+          </p:nvPr>
+        </p:nvSpPr>
+        <p:spPr/>
+        <p:txBody>
+          <a:bodyPr/>
+          <a:lstStyle/>
+          <a:p>
+            <a:r>
+              <a:rPr lang="sv-SE" dirty="0" err="1" smtClean="0"/>
+              <a:t>Closures</a:t>
+            </a:r>
+            <a:r>
+              <a:rPr lang="sv-SE" dirty="0" smtClean="0"/>
+              <a:t> i </a:t>
+            </a:r>
+            <a:r>
+              <a:rPr lang="sv-SE" dirty="0" err="1" smtClean="0"/>
+              <a:t>Groovy</a:t>
+            </a:r>
+            <a:endParaRPr lang="sv-SE" dirty="0"/>
+          </a:p>
+        </p:txBody>
+      </p:sp>
+      <p:sp>
+        <p:nvSpPr>
+          <p:cNvPr id="3" name="Platshållare för innehåll 2"/>
+          <p:cNvSpPr>
+            <a:spLocks noGrp="1"/>
+          </p:cNvSpPr>
+          <p:nvPr>
+            <p:ph idx="1"/>
+          </p:nvPr>
+        </p:nvSpPr>
+        <p:spPr>
+          <a:xfrm>
+            <a:off x="428596" y="1214422"/>
+            <a:ext cx="8229600" cy="4525963"/>
+          </a:xfrm>
+        </p:spPr>
+        <p:txBody>
+          <a:bodyPr/>
+          <a:lstStyle/>
+          <a:p>
+            <a:pPr>
+              <a:buNone/>
+            </a:pPr>
+            <a:r>
+              <a:rPr lang="sv-SE" dirty="0" smtClean="0"/>
+              <a:t>[</a:t>
+            </a:r>
+            <a:r>
+              <a:rPr lang="sv-SE" dirty="0" err="1" smtClean="0"/>
+              <a:t>Closures.groovy</a:t>
+            </a:r>
+            <a:r>
+              <a:rPr lang="sv-SE" dirty="0" smtClean="0"/>
+              <a:t>]</a:t>
+            </a:r>
+            <a:endParaRPr lang="sv-SE" dirty="0"/>
+          </a:p>
+        </p:txBody>
+      </p:sp>
+    </p:spTree>
+  </p:cSld>
+  <p:clrMapOvr>
+    <a:masterClrMapping/>
+  </p:clrMapOvr>
+  <p:timing>
+    <p:tnLst>
+      <p:par>
+        <p:cTn id="1" dur="indefinite" restart="never" nodeType="tmRoot"/>
+      </p:par>
+    </p:tnLst>
+  </p:timing>
 </p:sld>
 </file>
 
@@ -8406,6 +8513,13 @@
   <p:clrMapOvr>
     <a:masterClrMapping/>
   </p:clrMapOvr>
+  <p:timing>
+    <p:tnLst>
+      <p:par>
+        <p:cTn id="1" dur="indefinite" restart="never" nodeType="tmRoot"/>
+      </p:par>
+    </p:tnLst>
+  </p:timing>
 </p:sld>
 </file>
 

--- a/groovyseminarie/dokument/groovyseminarium_source.pptx
+++ b/groovyseminarie/dokument/groovyseminarium_source.pptx
@@ -7,61 +7,66 @@
   <p:sldIdLst>
     <p:sldId id="258" r:id="rId2"/>
     <p:sldId id="259" r:id="rId3"/>
-    <p:sldId id="260" r:id="rId4"/>
-    <p:sldId id="272" r:id="rId5"/>
-    <p:sldId id="261" r:id="rId6"/>
-    <p:sldId id="282" r:id="rId7"/>
-    <p:sldId id="262" r:id="rId8"/>
-    <p:sldId id="263" r:id="rId9"/>
-    <p:sldId id="264" r:id="rId10"/>
-    <p:sldId id="265" r:id="rId11"/>
-    <p:sldId id="266" r:id="rId12"/>
-    <p:sldId id="267" r:id="rId13"/>
-    <p:sldId id="268" r:id="rId14"/>
-    <p:sldId id="280" r:id="rId15"/>
-    <p:sldId id="269" r:id="rId16"/>
-    <p:sldId id="270" r:id="rId17"/>
-    <p:sldId id="276" r:id="rId18"/>
-    <p:sldId id="275" r:id="rId19"/>
-    <p:sldId id="273" r:id="rId20"/>
-    <p:sldId id="305" r:id="rId21"/>
-    <p:sldId id="307" r:id="rId22"/>
-    <p:sldId id="308" r:id="rId23"/>
-    <p:sldId id="309" r:id="rId24"/>
-    <p:sldId id="283" r:id="rId25"/>
-    <p:sldId id="284" r:id="rId26"/>
-    <p:sldId id="285" r:id="rId27"/>
-    <p:sldId id="296" r:id="rId28"/>
-    <p:sldId id="286" r:id="rId29"/>
-    <p:sldId id="287" r:id="rId30"/>
-    <p:sldId id="288" r:id="rId31"/>
-    <p:sldId id="297" r:id="rId32"/>
-    <p:sldId id="291" r:id="rId33"/>
-    <p:sldId id="298" r:id="rId34"/>
-    <p:sldId id="299" r:id="rId35"/>
-    <p:sldId id="300" r:id="rId36"/>
-    <p:sldId id="301" r:id="rId37"/>
-    <p:sldId id="303" r:id="rId38"/>
-    <p:sldId id="304" r:id="rId39"/>
-    <p:sldId id="292" r:id="rId40"/>
-    <p:sldId id="293" r:id="rId41"/>
-    <p:sldId id="294" r:id="rId42"/>
-    <p:sldId id="289" r:id="rId43"/>
-    <p:sldId id="310" r:id="rId44"/>
-    <p:sldId id="311" r:id="rId45"/>
-    <p:sldId id="312" r:id="rId46"/>
-    <p:sldId id="313" r:id="rId47"/>
-    <p:sldId id="314" r:id="rId48"/>
-    <p:sldId id="315" r:id="rId49"/>
-    <p:sldId id="316" r:id="rId50"/>
-    <p:sldId id="317" r:id="rId51"/>
-    <p:sldId id="318" r:id="rId52"/>
-    <p:sldId id="319" r:id="rId53"/>
-    <p:sldId id="320" r:id="rId54"/>
-    <p:sldId id="321" r:id="rId55"/>
-    <p:sldId id="322" r:id="rId56"/>
-    <p:sldId id="323" r:id="rId57"/>
-    <p:sldId id="324" r:id="rId58"/>
+    <p:sldId id="325" r:id="rId4"/>
+    <p:sldId id="328" r:id="rId5"/>
+    <p:sldId id="326" r:id="rId6"/>
+    <p:sldId id="327" r:id="rId7"/>
+    <p:sldId id="260" r:id="rId8"/>
+    <p:sldId id="272" r:id="rId9"/>
+    <p:sldId id="261" r:id="rId10"/>
+    <p:sldId id="282" r:id="rId11"/>
+    <p:sldId id="329" r:id="rId12"/>
+    <p:sldId id="262" r:id="rId13"/>
+    <p:sldId id="263" r:id="rId14"/>
+    <p:sldId id="264" r:id="rId15"/>
+    <p:sldId id="265" r:id="rId16"/>
+    <p:sldId id="266" r:id="rId17"/>
+    <p:sldId id="267" r:id="rId18"/>
+    <p:sldId id="268" r:id="rId19"/>
+    <p:sldId id="280" r:id="rId20"/>
+    <p:sldId id="269" r:id="rId21"/>
+    <p:sldId id="270" r:id="rId22"/>
+    <p:sldId id="276" r:id="rId23"/>
+    <p:sldId id="275" r:id="rId24"/>
+    <p:sldId id="273" r:id="rId25"/>
+    <p:sldId id="305" r:id="rId26"/>
+    <p:sldId id="307" r:id="rId27"/>
+    <p:sldId id="308" r:id="rId28"/>
+    <p:sldId id="309" r:id="rId29"/>
+    <p:sldId id="283" r:id="rId30"/>
+    <p:sldId id="284" r:id="rId31"/>
+    <p:sldId id="285" r:id="rId32"/>
+    <p:sldId id="296" r:id="rId33"/>
+    <p:sldId id="286" r:id="rId34"/>
+    <p:sldId id="287" r:id="rId35"/>
+    <p:sldId id="288" r:id="rId36"/>
+    <p:sldId id="297" r:id="rId37"/>
+    <p:sldId id="291" r:id="rId38"/>
+    <p:sldId id="298" r:id="rId39"/>
+    <p:sldId id="299" r:id="rId40"/>
+    <p:sldId id="300" r:id="rId41"/>
+    <p:sldId id="301" r:id="rId42"/>
+    <p:sldId id="303" r:id="rId43"/>
+    <p:sldId id="304" r:id="rId44"/>
+    <p:sldId id="292" r:id="rId45"/>
+    <p:sldId id="293" r:id="rId46"/>
+    <p:sldId id="294" r:id="rId47"/>
+    <p:sldId id="289" r:id="rId48"/>
+    <p:sldId id="310" r:id="rId49"/>
+    <p:sldId id="311" r:id="rId50"/>
+    <p:sldId id="312" r:id="rId51"/>
+    <p:sldId id="313" r:id="rId52"/>
+    <p:sldId id="314" r:id="rId53"/>
+    <p:sldId id="315" r:id="rId54"/>
+    <p:sldId id="316" r:id="rId55"/>
+    <p:sldId id="317" r:id="rId56"/>
+    <p:sldId id="318" r:id="rId57"/>
+    <p:sldId id="319" r:id="rId58"/>
+    <p:sldId id="320" r:id="rId59"/>
+    <p:sldId id="321" r:id="rId60"/>
+    <p:sldId id="322" r:id="rId61"/>
+    <p:sldId id="323" r:id="rId62"/>
+    <p:sldId id="324" r:id="rId63"/>
   </p:sldIdLst>
   <p:sldSz cx="9144000" cy="6858000" type="screen4x3"/>
   <p:notesSz cx="6858000" cy="9144000"/>
@@ -345,7 +350,7 @@
             <a:fld id="{347BD319-C441-4740-BDB2-35E25C52CCE7}" type="datetimeFigureOut">
               <a:rPr lang="sv-SE" smtClean="0"/>
               <a:pPr/>
-              <a:t>2008-09-02</a:t>
+              <a:t>2008-09-04</a:t>
             </a:fld>
             <a:endParaRPr lang="sv-SE"/>
           </a:p>
@@ -512,7 +517,7 @@
             <a:fld id="{347BD319-C441-4740-BDB2-35E25C52CCE7}" type="datetimeFigureOut">
               <a:rPr lang="sv-SE" smtClean="0"/>
               <a:pPr/>
-              <a:t>2008-09-02</a:t>
+              <a:t>2008-09-04</a:t>
             </a:fld>
             <a:endParaRPr lang="sv-SE"/>
           </a:p>
@@ -689,7 +694,7 @@
             <a:fld id="{347BD319-C441-4740-BDB2-35E25C52CCE7}" type="datetimeFigureOut">
               <a:rPr lang="sv-SE" smtClean="0"/>
               <a:pPr/>
-              <a:t>2008-09-02</a:t>
+              <a:t>2008-09-04</a:t>
             </a:fld>
             <a:endParaRPr lang="sv-SE"/>
           </a:p>
@@ -856,7 +861,7 @@
             <a:fld id="{347BD319-C441-4740-BDB2-35E25C52CCE7}" type="datetimeFigureOut">
               <a:rPr lang="sv-SE" smtClean="0"/>
               <a:pPr/>
-              <a:t>2008-09-02</a:t>
+              <a:t>2008-09-04</a:t>
             </a:fld>
             <a:endParaRPr lang="sv-SE"/>
           </a:p>
@@ -1099,7 +1104,7 @@
             <a:fld id="{347BD319-C441-4740-BDB2-35E25C52CCE7}" type="datetimeFigureOut">
               <a:rPr lang="sv-SE" smtClean="0"/>
               <a:pPr/>
-              <a:t>2008-09-02</a:t>
+              <a:t>2008-09-04</a:t>
             </a:fld>
             <a:endParaRPr lang="sv-SE"/>
           </a:p>
@@ -1384,7 +1389,7 @@
             <a:fld id="{347BD319-C441-4740-BDB2-35E25C52CCE7}" type="datetimeFigureOut">
               <a:rPr lang="sv-SE" smtClean="0"/>
               <a:pPr/>
-              <a:t>2008-09-02</a:t>
+              <a:t>2008-09-04</a:t>
             </a:fld>
             <a:endParaRPr lang="sv-SE"/>
           </a:p>
@@ -1803,7 +1808,7 @@
             <a:fld id="{347BD319-C441-4740-BDB2-35E25C52CCE7}" type="datetimeFigureOut">
               <a:rPr lang="sv-SE" smtClean="0"/>
               <a:pPr/>
-              <a:t>2008-09-02</a:t>
+              <a:t>2008-09-04</a:t>
             </a:fld>
             <a:endParaRPr lang="sv-SE"/>
           </a:p>
@@ -1918,7 +1923,7 @@
             <a:fld id="{347BD319-C441-4740-BDB2-35E25C52CCE7}" type="datetimeFigureOut">
               <a:rPr lang="sv-SE" smtClean="0"/>
               <a:pPr/>
-              <a:t>2008-09-02</a:t>
+              <a:t>2008-09-04</a:t>
             </a:fld>
             <a:endParaRPr lang="sv-SE"/>
           </a:p>
@@ -2010,7 +2015,7 @@
             <a:fld id="{347BD319-C441-4740-BDB2-35E25C52CCE7}" type="datetimeFigureOut">
               <a:rPr lang="sv-SE" smtClean="0"/>
               <a:pPr/>
-              <a:t>2008-09-02</a:t>
+              <a:t>2008-09-04</a:t>
             </a:fld>
             <a:endParaRPr lang="sv-SE"/>
           </a:p>
@@ -2284,7 +2289,7 @@
             <a:fld id="{347BD319-C441-4740-BDB2-35E25C52CCE7}" type="datetimeFigureOut">
               <a:rPr lang="sv-SE" smtClean="0"/>
               <a:pPr/>
-              <a:t>2008-09-02</a:t>
+              <a:t>2008-09-04</a:t>
             </a:fld>
             <a:endParaRPr lang="sv-SE"/>
           </a:p>
@@ -2534,7 +2539,7 @@
             <a:fld id="{347BD319-C441-4740-BDB2-35E25C52CCE7}" type="datetimeFigureOut">
               <a:rPr lang="sv-SE" smtClean="0"/>
               <a:pPr/>
-              <a:t>2008-09-02</a:t>
+              <a:t>2008-09-04</a:t>
             </a:fld>
             <a:endParaRPr lang="sv-SE"/>
           </a:p>
@@ -2744,7 +2749,7 @@
             <a:fld id="{347BD319-C441-4740-BDB2-35E25C52CCE7}" type="datetimeFigureOut">
               <a:rPr lang="sv-SE" smtClean="0"/>
               <a:pPr/>
-              <a:t>2008-09-02</a:t>
+              <a:t>2008-09-04</a:t>
             </a:fld>
             <a:endParaRPr lang="sv-SE"/>
           </a:p>
@@ -3294,6 +3299,29 @@
         </p:nvSpPr>
         <p:spPr/>
         <p:txBody>
+          <a:bodyPr/>
+          <a:lstStyle/>
+          <a:p>
+            <a:r>
+              <a:rPr lang="sv-SE" dirty="0" err="1" smtClean="0"/>
+              <a:t>Closures</a:t>
+            </a:r>
+            <a:endParaRPr lang="sv-SE" dirty="0"/>
+          </a:p>
+        </p:txBody>
+      </p:sp>
+      <p:sp>
+        <p:nvSpPr>
+          <p:cNvPr id="3" name="Platshållare för innehåll 2"/>
+          <p:cNvSpPr>
+            <a:spLocks noGrp="1"/>
+          </p:cNvSpPr>
+          <p:nvPr>
+            <p:ph idx="1"/>
+          </p:nvPr>
+        </p:nvSpPr>
+        <p:spPr/>
+        <p:txBody>
           <a:bodyPr>
             <a:normAutofit/>
           </a:bodyPr>
@@ -3301,45 +3329,46 @@
           <a:p>
             <a:r>
               <a:rPr lang="sv-SE" dirty="0" smtClean="0"/>
-              <a:t>DSL</a:t>
-            </a:r>
-            <a:endParaRPr lang="sv-SE" dirty="0"/>
-          </a:p>
-        </p:txBody>
-      </p:sp>
-      <p:sp>
-        <p:nvSpPr>
-          <p:cNvPr id="3" name="Platshållare för innehåll 2"/>
-          <p:cNvSpPr>
-            <a:spLocks noGrp="1"/>
-          </p:cNvSpPr>
-          <p:nvPr>
-            <p:ph idx="1"/>
-          </p:nvPr>
-        </p:nvSpPr>
-        <p:spPr/>
-        <p:txBody>
-          <a:bodyPr/>
-          <a:lstStyle/>
-          <a:p>
-            <a:r>
-              <a:rPr lang="sv-SE" dirty="0" smtClean="0"/>
-              <a:t>Två typer:</a:t>
-            </a:r>
-          </a:p>
-          <a:p>
-            <a:pPr lvl="1"/>
-            <a:r>
-              <a:rPr lang="sv-SE" dirty="0" smtClean="0"/>
-              <a:t>Intern DSL</a:t>
-            </a:r>
-          </a:p>
-          <a:p>
-            <a:pPr lvl="1"/>
-            <a:r>
-              <a:rPr lang="sv-SE" dirty="0" smtClean="0"/>
-              <a:t>Extern DSL</a:t>
-            </a:r>
+              <a:t>Kommer finnas i Java 1.7, finns redan i </a:t>
+            </a:r>
+            <a:r>
+              <a:rPr lang="sv-SE" dirty="0" err="1" smtClean="0"/>
+              <a:t>Groovy</a:t>
+            </a:r>
+            <a:endParaRPr lang="sv-SE" dirty="0" smtClean="0"/>
+          </a:p>
+          <a:p>
+            <a:r>
+              <a:rPr lang="sv-SE" dirty="0" smtClean="0"/>
+              <a:t>Kodblock </a:t>
+            </a:r>
+            <a:r>
+              <a:rPr lang="sv-SE" dirty="0" smtClean="0"/>
+              <a:t>som kan skickas runt precis som en variabel</a:t>
+            </a:r>
+          </a:p>
+          <a:p>
+            <a:r>
+              <a:rPr lang="sv-SE" dirty="0" smtClean="0"/>
+              <a:t>Vem som än får kodblocket skickat till sig kan exekvera det, när som helst</a:t>
+            </a:r>
+          </a:p>
+          <a:p>
+            <a:r>
+              <a:rPr lang="sv-SE" dirty="0" smtClean="0"/>
+              <a:t>Det kan referera till variabler skapade i </a:t>
+            </a:r>
+            <a:r>
+              <a:rPr lang="sv-SE" dirty="0" err="1" smtClean="0"/>
+              <a:t>contextet</a:t>
+            </a:r>
+            <a:r>
+              <a:rPr lang="sv-SE" dirty="0" smtClean="0"/>
+              <a:t> där kodblocket skapades</a:t>
+            </a:r>
+          </a:p>
+          <a:p>
+            <a:endParaRPr lang="sv-SE" dirty="0"/>
           </a:p>
         </p:txBody>
       </p:sp>
@@ -3392,7 +3421,11 @@
           <a:p>
             <a:r>
               <a:rPr lang="sv-SE" dirty="0" smtClean="0"/>
-              <a:t>Extern DSL</a:t>
+              <a:t>Exempel på </a:t>
+            </a:r>
+            <a:r>
+              <a:rPr lang="sv-SE" dirty="0" err="1" smtClean="0"/>
+              <a:t>closures</a:t>
             </a:r>
             <a:endParaRPr lang="sv-SE" dirty="0"/>
           </a:p>
@@ -3413,44 +3446,18 @@
           <a:bodyPr/>
           <a:lstStyle/>
           <a:p>
-            <a:r>
-              <a:rPr lang="sv-SE" dirty="0" smtClean="0"/>
-              <a:t>Definierar ett helt nytt språk</a:t>
-            </a:r>
-          </a:p>
-          <a:p>
-            <a:r>
-              <a:rPr lang="sv-SE" dirty="0" smtClean="0"/>
-              <a:t>Exempel:</a:t>
-            </a:r>
-          </a:p>
-          <a:p>
-            <a:pPr lvl="1"/>
-            <a:r>
-              <a:rPr lang="sv-SE" dirty="0" smtClean="0"/>
-              <a:t>SQL</a:t>
-            </a:r>
-          </a:p>
-          <a:p>
-            <a:pPr lvl="1"/>
-            <a:r>
-              <a:rPr lang="sv-SE" dirty="0" smtClean="0"/>
-              <a:t>HTML</a:t>
-            </a:r>
-          </a:p>
-          <a:p>
-            <a:pPr lvl="1"/>
-            <a:r>
-              <a:rPr lang="sv-SE" dirty="0" smtClean="0"/>
-              <a:t>ANT</a:t>
-            </a:r>
-          </a:p>
-          <a:p>
-            <a:pPr lvl="1"/>
-            <a:r>
-              <a:rPr lang="sv-SE" dirty="0" smtClean="0"/>
-              <a:t>CSS</a:t>
-            </a:r>
+            <a:pPr>
+              <a:buNone/>
+            </a:pPr>
+            <a:r>
+              <a:rPr lang="sv-SE" dirty="0" smtClean="0"/>
+              <a:t>[</a:t>
+            </a:r>
+            <a:r>
+              <a:rPr lang="sv-SE" smtClean="0"/>
+              <a:t>closureExamples.groovy]</a:t>
+            </a:r>
+            <a:endParaRPr lang="sv-SE"/>
           </a:p>
         </p:txBody>
       </p:sp>
@@ -3459,13 +3466,6 @@
   <p:clrMapOvr>
     <a:masterClrMapping/>
   </p:clrMapOvr>
-  <p:timing>
-    <p:tnLst>
-      <p:par>
-        <p:cTn id="1" dur="indefinite" restart="never" nodeType="tmRoot"/>
-      </p:par>
-    </p:tnLst>
-  </p:timing>
 </p:sld>
 </file>
 
@@ -3503,7 +3503,7 @@
           <a:p>
             <a:r>
               <a:rPr lang="sv-SE" dirty="0" smtClean="0"/>
-              <a:t>Intern DSL</a:t>
+              <a:t>Metaprogrammering</a:t>
             </a:r>
             <a:endParaRPr lang="sv-SE" dirty="0"/>
           </a:p>
@@ -3526,7 +3526,19 @@
           <a:p>
             <a:r>
               <a:rPr lang="sv-SE" dirty="0" smtClean="0"/>
-              <a:t>Även interna </a:t>
+              <a:t>Program som ändrar program, inklusive sig själv</a:t>
+            </a:r>
+          </a:p>
+          <a:p>
+            <a:r>
+              <a:rPr lang="sv-SE" dirty="0" smtClean="0"/>
+              <a:t>Skapa klasser och metoder medan programmet körs</a:t>
+            </a:r>
+          </a:p>
+          <a:p>
+            <a:r>
+              <a:rPr lang="sv-SE" dirty="0" smtClean="0"/>
+              <a:t>Skapa </a:t>
             </a:r>
             <a:r>
               <a:rPr lang="sv-SE" dirty="0" err="1" smtClean="0"/>
@@ -3534,14 +3546,33 @@
             </a:r>
             <a:r>
               <a:rPr lang="sv-SE" dirty="0" smtClean="0"/>
-              <a:t> definierar ett nytt språk, men används i befintligt språk.</a:t>
-            </a:r>
-          </a:p>
-          <a:p>
-            <a:r>
-              <a:rPr lang="sv-SE" dirty="0" smtClean="0"/>
-              <a:t>Syntaxen måste följa det underliggande språket</a:t>
-            </a:r>
+              <a:t> (</a:t>
+            </a:r>
+            <a:r>
+              <a:rPr lang="sv-SE" dirty="0" err="1" smtClean="0"/>
+              <a:t>Domain</a:t>
+            </a:r>
+            <a:r>
+              <a:rPr lang="sv-SE" dirty="0" smtClean="0"/>
+              <a:t> </a:t>
+            </a:r>
+            <a:r>
+              <a:rPr lang="sv-SE" dirty="0" err="1" smtClean="0"/>
+              <a:t>specific</a:t>
+            </a:r>
+            <a:r>
+              <a:rPr lang="sv-SE" dirty="0" smtClean="0"/>
+              <a:t> </a:t>
+            </a:r>
+            <a:r>
+              <a:rPr lang="sv-SE" dirty="0" err="1" smtClean="0"/>
+              <a:t>languages</a:t>
+            </a:r>
+            <a:r>
+              <a:rPr lang="sv-SE" dirty="0" smtClean="0"/>
+              <a:t>)</a:t>
+            </a:r>
+            <a:endParaRPr lang="sv-SE" dirty="0"/>
           </a:p>
         </p:txBody>
       </p:sp>
@@ -3594,214 +3625,68 @@
           <a:p>
             <a:r>
               <a:rPr lang="sv-SE" dirty="0" smtClean="0"/>
-              <a:t>DSL i </a:t>
+              <a:t>GPL(General </a:t>
+            </a:r>
+            <a:r>
+              <a:rPr lang="sv-SE" dirty="0" err="1" smtClean="0"/>
+              <a:t>Purpose</a:t>
+            </a:r>
+            <a:r>
+              <a:rPr lang="sv-SE" dirty="0" smtClean="0"/>
+              <a:t> Languages)</a:t>
+            </a:r>
+            <a:endParaRPr lang="sv-SE" dirty="0"/>
+          </a:p>
+        </p:txBody>
+      </p:sp>
+      <p:sp>
+        <p:nvSpPr>
+          <p:cNvPr id="3" name="Platshållare för innehåll 2"/>
+          <p:cNvSpPr>
+            <a:spLocks noGrp="1"/>
+          </p:cNvSpPr>
+          <p:nvPr>
+            <p:ph idx="1"/>
+          </p:nvPr>
+        </p:nvSpPr>
+        <p:spPr/>
+        <p:txBody>
+          <a:bodyPr/>
+          <a:lstStyle/>
+          <a:p>
+            <a:r>
+              <a:rPr lang="sv-SE" dirty="0" smtClean="0"/>
+              <a:t>Java, C, Ruby, </a:t>
             </a:r>
             <a:r>
               <a:rPr lang="sv-SE" dirty="0" err="1" smtClean="0"/>
               <a:t>Groovy</a:t>
             </a:r>
-            <a:endParaRPr lang="sv-SE" dirty="0"/>
-          </a:p>
-        </p:txBody>
-      </p:sp>
-      <p:sp>
-        <p:nvSpPr>
-          <p:cNvPr id="3" name="Platshållare för innehåll 2"/>
-          <p:cNvSpPr>
-            <a:spLocks noGrp="1"/>
-          </p:cNvSpPr>
-          <p:nvPr>
-            <p:ph idx="1"/>
-          </p:nvPr>
-        </p:nvSpPr>
-        <p:spPr/>
-        <p:txBody>
-          <a:bodyPr>
-            <a:normAutofit/>
-          </a:bodyPr>
-          <a:lstStyle/>
-          <a:p>
-            <a:pPr lvl="1">
-              <a:buNone/>
-            </a:pPr>
-            <a:r>
-              <a:rPr lang="sv-SE" dirty="0" smtClean="0">
-                <a:latin typeface="Courier New" pitchFamily="49" charset="0"/>
-                <a:cs typeface="Courier New" pitchFamily="49" charset="0"/>
-              </a:rPr>
-              <a:t>4.days.ago</a:t>
-            </a:r>
-          </a:p>
-          <a:p>
-            <a:pPr lvl="1"/>
-            <a:endParaRPr lang="sv-SE" sz="2400" dirty="0" smtClean="0">
-              <a:latin typeface="Courier New" pitchFamily="49" charset="0"/>
-              <a:cs typeface="Courier New" pitchFamily="49" charset="0"/>
-            </a:endParaRPr>
-          </a:p>
-          <a:p>
-            <a:pPr lvl="1">
-              <a:buNone/>
-            </a:pPr>
-            <a:r>
-              <a:rPr lang="sv-SE" sz="2400" dirty="0" err="1" smtClean="0">
-                <a:latin typeface="Courier New" pitchFamily="49" charset="0"/>
-                <a:cs typeface="Courier New" pitchFamily="49" charset="0"/>
-              </a:rPr>
-              <a:t>Order.pizza</a:t>
-            </a:r>
-            <a:r>
-              <a:rPr lang="sv-SE" sz="2400" dirty="0" smtClean="0">
-                <a:latin typeface="Courier New" pitchFamily="49" charset="0"/>
-                <a:cs typeface="Courier New" pitchFamily="49" charset="0"/>
-              </a:rPr>
-              <a:t>{ </a:t>
-            </a:r>
-          </a:p>
-          <a:p>
-            <a:pPr>
-              <a:buNone/>
-            </a:pPr>
-            <a:r>
-              <a:rPr lang="sv-SE" sz="2400" dirty="0" smtClean="0">
-                <a:latin typeface="Courier New" pitchFamily="49" charset="0"/>
-                <a:cs typeface="Courier New" pitchFamily="49" charset="0"/>
-              </a:rPr>
-              <a:t>		</a:t>
-            </a:r>
-            <a:r>
-              <a:rPr lang="sv-SE" sz="2400" dirty="0" err="1" smtClean="0">
-                <a:latin typeface="Courier New" pitchFamily="49" charset="0"/>
-                <a:cs typeface="Courier New" pitchFamily="49" charset="0"/>
-              </a:rPr>
-              <a:t>size</a:t>
-            </a:r>
-            <a:r>
-              <a:rPr lang="sv-SE" sz="2400" dirty="0" smtClean="0">
-                <a:latin typeface="Courier New" pitchFamily="49" charset="0"/>
-                <a:cs typeface="Courier New" pitchFamily="49" charset="0"/>
-              </a:rPr>
-              <a:t> </a:t>
-            </a:r>
-            <a:r>
-              <a:rPr lang="sv-SE" sz="2400" dirty="0" err="1" smtClean="0">
-                <a:latin typeface="Courier New" pitchFamily="49" charset="0"/>
-                <a:cs typeface="Courier New" pitchFamily="49" charset="0"/>
-              </a:rPr>
-              <a:t>large</a:t>
-            </a:r>
-            <a:endParaRPr lang="sv-SE" sz="2400" dirty="0" smtClean="0">
-              <a:latin typeface="Courier New" pitchFamily="49" charset="0"/>
-              <a:cs typeface="Courier New" pitchFamily="49" charset="0"/>
-            </a:endParaRPr>
-          </a:p>
-          <a:p>
-            <a:pPr>
-              <a:buNone/>
-            </a:pPr>
-            <a:r>
-              <a:rPr lang="sv-SE" sz="2400" dirty="0" smtClean="0">
-                <a:latin typeface="Courier New" pitchFamily="49" charset="0"/>
-                <a:cs typeface="Courier New" pitchFamily="49" charset="0"/>
-              </a:rPr>
-              <a:t>		</a:t>
-            </a:r>
-            <a:r>
-              <a:rPr lang="sv-SE" sz="2400" dirty="0" err="1" smtClean="0">
-                <a:latin typeface="Courier New" pitchFamily="49" charset="0"/>
-                <a:cs typeface="Courier New" pitchFamily="49" charset="0"/>
-              </a:rPr>
-              <a:t>topping</a:t>
-            </a:r>
-            <a:r>
-              <a:rPr lang="sv-SE" sz="2400" dirty="0" smtClean="0">
-                <a:latin typeface="Courier New" pitchFamily="49" charset="0"/>
-                <a:cs typeface="Courier New" pitchFamily="49" charset="0"/>
-              </a:rPr>
-              <a:t> </a:t>
-            </a:r>
-            <a:r>
-              <a:rPr lang="sv-SE" sz="2400" dirty="0" err="1" smtClean="0">
-                <a:latin typeface="Courier New" pitchFamily="49" charset="0"/>
-                <a:cs typeface="Courier New" pitchFamily="49" charset="0"/>
-              </a:rPr>
-              <a:t>olives</a:t>
-            </a:r>
-            <a:r>
-              <a:rPr lang="sv-SE" sz="2400" dirty="0" smtClean="0">
-                <a:latin typeface="Courier New" pitchFamily="49" charset="0"/>
-                <a:cs typeface="Courier New" pitchFamily="49" charset="0"/>
-              </a:rPr>
-              <a:t>, </a:t>
-            </a:r>
-            <a:r>
-              <a:rPr lang="sv-SE" sz="2400" dirty="0" err="1" smtClean="0">
-                <a:latin typeface="Courier New" pitchFamily="49" charset="0"/>
-                <a:cs typeface="Courier New" pitchFamily="49" charset="0"/>
-              </a:rPr>
-              <a:t>pepper</a:t>
-            </a:r>
-            <a:r>
-              <a:rPr lang="sv-SE" sz="2400" dirty="0" smtClean="0">
-                <a:latin typeface="Courier New" pitchFamily="49" charset="0"/>
-                <a:cs typeface="Courier New" pitchFamily="49" charset="0"/>
-              </a:rPr>
-              <a:t>, salami</a:t>
-            </a:r>
-          </a:p>
-          <a:p>
-            <a:pPr>
-              <a:buNone/>
-            </a:pPr>
-            <a:r>
-              <a:rPr lang="sv-SE" sz="2400" dirty="0" smtClean="0">
-                <a:latin typeface="Courier New" pitchFamily="49" charset="0"/>
-                <a:cs typeface="Courier New" pitchFamily="49" charset="0"/>
-              </a:rPr>
-              <a:t>		adress "Gamla brogatan 11"</a:t>
-            </a:r>
-          </a:p>
-          <a:p>
-            <a:pPr>
-              <a:buNone/>
-            </a:pPr>
-            <a:r>
-              <a:rPr lang="sv-SE" sz="2400" dirty="0" smtClean="0">
-                <a:latin typeface="Courier New" pitchFamily="49" charset="0"/>
-                <a:cs typeface="Courier New" pitchFamily="49" charset="0"/>
-              </a:rPr>
-              <a:t>		</a:t>
-            </a:r>
-            <a:r>
-              <a:rPr lang="sv-SE" sz="2400" dirty="0" err="1" smtClean="0">
-                <a:latin typeface="Courier New" pitchFamily="49" charset="0"/>
-                <a:cs typeface="Courier New" pitchFamily="49" charset="0"/>
-              </a:rPr>
-              <a:t>payment</a:t>
-            </a:r>
-            <a:r>
-              <a:rPr lang="sv-SE" sz="2400" dirty="0" smtClean="0">
-                <a:latin typeface="Courier New" pitchFamily="49" charset="0"/>
-                <a:cs typeface="Courier New" pitchFamily="49" charset="0"/>
-              </a:rPr>
-              <a:t> visa, ’1234-1234-1234-1234’</a:t>
-            </a:r>
-          </a:p>
-          <a:p>
-            <a:pPr>
-              <a:buNone/>
-            </a:pPr>
-            <a:r>
-              <a:rPr lang="sv-SE" sz="2400" dirty="0" smtClean="0">
-                <a:latin typeface="Courier New" pitchFamily="49" charset="0"/>
-                <a:cs typeface="Courier New" pitchFamily="49" charset="0"/>
-              </a:rPr>
-              <a:t>	}</a:t>
-            </a:r>
-            <a:endParaRPr lang="sv-SE" sz="2400" dirty="0">
-              <a:latin typeface="Courier New" pitchFamily="49" charset="0"/>
-              <a:cs typeface="Courier New" pitchFamily="49" charset="0"/>
-            </a:endParaRPr>
+            <a:r>
+              <a:rPr lang="sv-SE" dirty="0" smtClean="0"/>
+              <a:t> och liknande språk kallas GPL, General </a:t>
+            </a:r>
+            <a:r>
+              <a:rPr lang="sv-SE" dirty="0" err="1" smtClean="0"/>
+              <a:t>Purpose</a:t>
+            </a:r>
+            <a:r>
+              <a:rPr lang="sv-SE" dirty="0" smtClean="0"/>
+              <a:t> Languages. </a:t>
+            </a:r>
+          </a:p>
+          <a:p>
+            <a:r>
+              <a:rPr lang="sv-SE" dirty="0" smtClean="0"/>
+              <a:t>Har en generell syntax, oberoende av område.</a:t>
+            </a:r>
+          </a:p>
+          <a:p>
+            <a:r>
+              <a:rPr lang="sv-SE" dirty="0" smtClean="0"/>
+              <a:t>Allt går att göra, men det är sällan det enklaste eller snabbaste sättet</a:t>
+            </a:r>
+            <a:endParaRPr lang="sv-SE" dirty="0"/>
           </a:p>
         </p:txBody>
       </p:sp>
@@ -3854,11 +3739,23 @@
           <a:p>
             <a:r>
               <a:rPr lang="sv-SE" dirty="0" smtClean="0"/>
-              <a:t>DSL i </a:t>
-            </a:r>
-            <a:r>
-              <a:rPr lang="sv-SE" dirty="0" err="1" smtClean="0"/>
-              <a:t>Grails</a:t>
+              <a:t>DSL (</a:t>
+            </a:r>
+            <a:r>
+              <a:rPr lang="sv-SE" dirty="0" err="1" smtClean="0"/>
+              <a:t>Domain</a:t>
+            </a:r>
+            <a:r>
+              <a:rPr lang="sv-SE" dirty="0" smtClean="0"/>
+              <a:t> </a:t>
+            </a:r>
+            <a:r>
+              <a:rPr lang="sv-SE" dirty="0" err="1" smtClean="0"/>
+              <a:t>Specific</a:t>
+            </a:r>
+            <a:r>
+              <a:rPr lang="sv-SE" dirty="0" smtClean="0"/>
+              <a:t> Languages)</a:t>
             </a:r>
             <a:endParaRPr lang="sv-SE" dirty="0"/>
           </a:p>
@@ -3876,25 +3773,36 @@
         </p:nvSpPr>
         <p:spPr/>
         <p:txBody>
-          <a:bodyPr/>
-          <a:lstStyle/>
-          <a:p>
-            <a:pPr>
-              <a:buNone/>
-            </a:pPr>
-            <a:r>
-              <a:rPr lang="sv-SE" dirty="0" smtClean="0"/>
-              <a:t>[</a:t>
-            </a:r>
-            <a:r>
-              <a:rPr lang="sv-SE" dirty="0" err="1" smtClean="0"/>
-              <a:t>GrailsDomainClass.groovy</a:t>
-            </a:r>
-            <a:r>
-              <a:rPr lang="sv-SE" dirty="0" smtClean="0"/>
-              <a:t>]</a:t>
-            </a:r>
-            <a:endParaRPr lang="sv-SE" dirty="0"/>
+          <a:bodyPr>
+            <a:normAutofit/>
+          </a:bodyPr>
+          <a:lstStyle/>
+          <a:p>
+            <a:r>
+              <a:rPr lang="sv-SE" dirty="0" smtClean="0"/>
+              <a:t>Språket är designat utifrån domänen det används i.</a:t>
+            </a:r>
+          </a:p>
+          <a:p>
+            <a:r>
+              <a:rPr lang="sv-SE" dirty="0" smtClean="0"/>
+              <a:t>Går snabbare att utveckla i ett språk som ligger nära problemdomänen</a:t>
+            </a:r>
+          </a:p>
+          <a:p>
+            <a:r>
+              <a:rPr lang="sv-SE" dirty="0" smtClean="0"/>
+              <a:t>Lätt att kommunicera med beställare och användare</a:t>
+            </a:r>
+          </a:p>
+          <a:p>
+            <a:r>
+              <a:rPr lang="sv-SE" dirty="0" smtClean="0"/>
+              <a:t>Koden läsbar även för icke-programmerare</a:t>
+            </a:r>
+          </a:p>
+          <a:p>
+            <a:endParaRPr lang="sv-SE" dirty="0" smtClean="0"/>
           </a:p>
         </p:txBody>
       </p:sp>
@@ -3903,6 +3811,13 @@
   <p:clrMapOvr>
     <a:masterClrMapping/>
   </p:clrMapOvr>
+  <p:timing>
+    <p:tnLst>
+      <p:par>
+        <p:cTn id="1" dur="indefinite" restart="never" nodeType="tmRoot"/>
+      </p:par>
+    </p:tnLst>
+  </p:timing>
 </p:sld>
 </file>
 
@@ -3942,15 +3857,7 @@
           <a:p>
             <a:r>
               <a:rPr lang="sv-SE" dirty="0" smtClean="0"/>
-              <a:t>Varför </a:t>
-            </a:r>
-            <a:r>
-              <a:rPr lang="sv-SE" dirty="0" err="1" smtClean="0"/>
-              <a:t>Groovy</a:t>
-            </a:r>
-            <a:r>
-              <a:rPr lang="sv-SE" dirty="0" smtClean="0"/>
-              <a:t>?</a:t>
+              <a:t>DSL</a:t>
             </a:r>
             <a:endParaRPr lang="sv-SE" dirty="0"/>
           </a:p>
@@ -3968,100 +3875,27 @@
         </p:nvSpPr>
         <p:spPr/>
         <p:txBody>
-          <a:bodyPr>
-            <a:normAutofit lnSpcReduction="10000"/>
-          </a:bodyPr>
-          <a:lstStyle/>
-          <a:p>
-            <a:r>
-              <a:rPr lang="sv-SE" dirty="0" smtClean="0"/>
-              <a:t>Det finns andra dynamiska språk som hanterar allt ovan, vissa bättre än </a:t>
-            </a:r>
-            <a:r>
-              <a:rPr lang="sv-SE" dirty="0" err="1" smtClean="0"/>
-              <a:t>Groovy</a:t>
-            </a:r>
-            <a:endParaRPr lang="sv-SE" dirty="0" smtClean="0"/>
-          </a:p>
-          <a:p>
-            <a:r>
-              <a:rPr lang="sv-SE" dirty="0" smtClean="0"/>
-              <a:t>Det finns ca 150 språk som kan köras på </a:t>
-            </a:r>
-            <a:r>
-              <a:rPr lang="sv-SE" dirty="0" err="1" smtClean="0"/>
-              <a:t>java-plattformen</a:t>
-            </a:r>
-            <a:endParaRPr lang="sv-SE" dirty="0" smtClean="0"/>
+          <a:bodyPr/>
+          <a:lstStyle/>
+          <a:p>
+            <a:r>
+              <a:rPr lang="sv-SE" dirty="0" smtClean="0"/>
+              <a:t>Två typer:</a:t>
+            </a:r>
           </a:p>
           <a:p>
             <a:pPr lvl="1"/>
             <a:r>
               <a:rPr lang="sv-SE" dirty="0" smtClean="0"/>
-              <a:t>Ruby (</a:t>
-            </a:r>
-            <a:r>
-              <a:rPr lang="sv-SE" dirty="0" err="1" smtClean="0"/>
-              <a:t>jRuby</a:t>
-            </a:r>
-            <a:r>
-              <a:rPr lang="sv-SE" dirty="0" smtClean="0"/>
-              <a:t>)</a:t>
+              <a:t>Intern DSL</a:t>
             </a:r>
           </a:p>
           <a:p>
             <a:pPr lvl="1"/>
             <a:r>
-              <a:rPr lang="sv-SE" dirty="0" err="1" smtClean="0"/>
-              <a:t>Python</a:t>
-            </a:r>
-            <a:r>
-              <a:rPr lang="sv-SE" dirty="0" smtClean="0"/>
-              <a:t> (</a:t>
-            </a:r>
-            <a:r>
-              <a:rPr lang="sv-SE" dirty="0" err="1" smtClean="0"/>
-              <a:t>Jython</a:t>
-            </a:r>
-            <a:r>
-              <a:rPr lang="sv-SE" dirty="0" smtClean="0"/>
-              <a:t>)</a:t>
-            </a:r>
-          </a:p>
-          <a:p>
-            <a:pPr lvl="1"/>
-            <a:r>
-              <a:rPr lang="sv-SE" dirty="0" err="1" smtClean="0"/>
-              <a:t>BeanShell</a:t>
-            </a:r>
-            <a:endParaRPr lang="sv-SE" dirty="0" smtClean="0"/>
-          </a:p>
-          <a:p>
-            <a:pPr lvl="1"/>
-            <a:r>
-              <a:rPr lang="sv-SE" dirty="0" smtClean="0"/>
-              <a:t>JavaScript</a:t>
-            </a:r>
-          </a:p>
-          <a:p>
-            <a:r>
-              <a:rPr lang="sv-SE" dirty="0" smtClean="0"/>
-              <a:t>Varför </a:t>
-            </a:r>
-            <a:r>
-              <a:rPr lang="sv-SE" dirty="0" err="1" smtClean="0"/>
-              <a:t>Groovy</a:t>
-            </a:r>
-            <a:r>
-              <a:rPr lang="sv-SE" dirty="0" smtClean="0"/>
-              <a:t>?</a:t>
-            </a:r>
-          </a:p>
-          <a:p>
-            <a:pPr lvl="1">
-              <a:buNone/>
-            </a:pPr>
-            <a:endParaRPr lang="sv-SE" dirty="0" smtClean="0"/>
+              <a:rPr lang="sv-SE" dirty="0" smtClean="0"/>
+              <a:t>Extern DSL</a:t>
+            </a:r>
           </a:p>
         </p:txBody>
       </p:sp>
@@ -4114,11 +3948,7 @@
           <a:p>
             <a:r>
               <a:rPr lang="sv-SE" dirty="0" smtClean="0"/>
-              <a:t>Fördelar med </a:t>
-            </a:r>
-            <a:r>
-              <a:rPr lang="sv-SE" dirty="0" err="1" smtClean="0"/>
-              <a:t>Groovy</a:t>
+              <a:t>Extern DSL</a:t>
             </a:r>
             <a:endParaRPr lang="sv-SE" dirty="0"/>
           </a:p>
@@ -4141,36 +3971,42 @@
           <a:p>
             <a:r>
               <a:rPr lang="sv-SE" dirty="0" smtClean="0"/>
-              <a:t>Enkelt att lära för en Javaprogrammerare</a:t>
-            </a:r>
-          </a:p>
-          <a:p>
-            <a:r>
-              <a:rPr lang="sv-SE" dirty="0" smtClean="0"/>
-              <a:t>Helt kompatibelt med existerande Javaprojekt</a:t>
-            </a:r>
-          </a:p>
-          <a:p>
-            <a:r>
-              <a:rPr lang="sv-SE" dirty="0" err="1" smtClean="0"/>
-              <a:t>Groovy</a:t>
-            </a:r>
-            <a:r>
-              <a:rPr lang="sv-SE" dirty="0" smtClean="0"/>
-              <a:t> ÄR Java – kompileras till .</a:t>
-            </a:r>
-            <a:r>
-              <a:rPr lang="sv-SE" dirty="0" err="1" smtClean="0"/>
-              <a:t>class-filer</a:t>
-            </a:r>
-            <a:endParaRPr lang="sv-SE" dirty="0" smtClean="0"/>
-          </a:p>
-          <a:p>
-            <a:r>
-              <a:rPr lang="sv-SE" dirty="0" smtClean="0"/>
-              <a:t>Utökar JDK för att förenkla utveckling</a:t>
-            </a:r>
-            <a:endParaRPr lang="sv-SE" dirty="0"/>
+              <a:t>Definierar ett helt nytt språk</a:t>
+            </a:r>
+          </a:p>
+          <a:p>
+            <a:r>
+              <a:rPr lang="sv-SE" dirty="0" smtClean="0"/>
+              <a:t>Exempel:</a:t>
+            </a:r>
+          </a:p>
+          <a:p>
+            <a:pPr lvl="1"/>
+            <a:r>
+              <a:rPr lang="sv-SE" dirty="0" smtClean="0"/>
+              <a:t>SQL</a:t>
+            </a:r>
+          </a:p>
+          <a:p>
+            <a:pPr lvl="1"/>
+            <a:r>
+              <a:rPr lang="sv-SE" dirty="0" smtClean="0"/>
+              <a:t>HTML</a:t>
+            </a:r>
+          </a:p>
+          <a:p>
+            <a:pPr lvl="1"/>
+            <a:r>
+              <a:rPr lang="sv-SE" dirty="0" smtClean="0"/>
+              <a:t>ANT</a:t>
+            </a:r>
+          </a:p>
+          <a:p>
+            <a:pPr lvl="1"/>
+            <a:r>
+              <a:rPr lang="sv-SE" dirty="0" smtClean="0"/>
+              <a:t>CSS</a:t>
+            </a:r>
           </a:p>
         </p:txBody>
       </p:sp>
@@ -4223,11 +4059,7 @@
           <a:p>
             <a:r>
               <a:rPr lang="sv-SE" dirty="0" smtClean="0"/>
-              <a:t>Enkelt att lära: </a:t>
-            </a:r>
-            <a:r>
-              <a:rPr lang="sv-SE" dirty="0" err="1" smtClean="0"/>
-              <a:t>HelloWorld.java</a:t>
+              <a:t>Intern DSL</a:t>
             </a:r>
             <a:endParaRPr lang="sv-SE" dirty="0"/>
           </a:p>
@@ -4248,24 +4080,24 @@
           <a:bodyPr/>
           <a:lstStyle/>
           <a:p>
-            <a:pPr>
-              <a:buNone/>
-            </a:pPr>
-            <a:r>
-              <a:rPr lang="sv-SE" dirty="0" smtClean="0"/>
-              <a:t>[</a:t>
-            </a:r>
-            <a:r>
-              <a:rPr lang="sv-SE" dirty="0" err="1" smtClean="0"/>
-              <a:t>helloWorld.java</a:t>
-            </a:r>
-            <a:r>
-              <a:rPr lang="sv-SE" dirty="0" smtClean="0"/>
-              <a:t>]</a:t>
-            </a:r>
-          </a:p>
-          <a:p>
-            <a:endParaRPr lang="sv-SE" dirty="0"/>
+            <a:r>
+              <a:rPr lang="sv-SE" dirty="0" smtClean="0"/>
+              <a:t>Även interna </a:t>
+            </a:r>
+            <a:r>
+              <a:rPr lang="sv-SE" dirty="0" err="1" smtClean="0"/>
+              <a:t>DSL:s</a:t>
+            </a:r>
+            <a:r>
+              <a:rPr lang="sv-SE" dirty="0" smtClean="0"/>
+              <a:t> definierar ett nytt språk, men används i befintligt språk.</a:t>
+            </a:r>
+          </a:p>
+          <a:p>
+            <a:r>
+              <a:rPr lang="sv-SE" dirty="0" smtClean="0"/>
+              <a:t>Syntaxen måste följa det underliggande språket</a:t>
+            </a:r>
           </a:p>
         </p:txBody>
       </p:sp>
@@ -4274,6 +4106,13 @@
   <p:clrMapOvr>
     <a:masterClrMapping/>
   </p:clrMapOvr>
+  <p:timing>
+    <p:tnLst>
+      <p:par>
+        <p:cTn id="1" dur="indefinite" restart="never" nodeType="tmRoot"/>
+      </p:par>
+    </p:tnLst>
+  </p:timing>
 </p:sld>
 </file>
 
@@ -4310,8 +4149,12 @@
           <a:lstStyle/>
           <a:p>
             <a:r>
-              <a:rPr lang="sv-SE" dirty="0" err="1" smtClean="0"/>
-              <a:t>HelloWorld.groovy</a:t>
+              <a:rPr lang="sv-SE" dirty="0" smtClean="0"/>
+              <a:t>DSL i </a:t>
+            </a:r>
+            <a:r>
+              <a:rPr lang="sv-SE" dirty="0" err="1" smtClean="0"/>
+              <a:t>Groovy</a:t>
             </a:r>
             <a:endParaRPr lang="sv-SE" dirty="0"/>
           </a:p>
@@ -4329,27 +4172,192 @@
         </p:nvSpPr>
         <p:spPr/>
         <p:txBody>
-          <a:bodyPr/>
-          <a:lstStyle/>
+          <a:bodyPr>
+            <a:normAutofit/>
+          </a:bodyPr>
+          <a:lstStyle/>
+          <a:p>
+            <a:pPr lvl="1">
+              <a:buNone/>
+            </a:pPr>
+            <a:r>
+              <a:rPr lang="sv-SE" dirty="0" smtClean="0">
+                <a:latin typeface="Courier New" pitchFamily="49" charset="0"/>
+                <a:cs typeface="Courier New" pitchFamily="49" charset="0"/>
+              </a:rPr>
+              <a:t>4.days.ago</a:t>
+            </a:r>
+          </a:p>
+          <a:p>
+            <a:pPr lvl="1"/>
+            <a:endParaRPr lang="sv-SE" sz="2400" dirty="0" smtClean="0">
+              <a:latin typeface="Courier New" pitchFamily="49" charset="0"/>
+              <a:cs typeface="Courier New" pitchFamily="49" charset="0"/>
+            </a:endParaRPr>
+          </a:p>
+          <a:p>
+            <a:pPr lvl="1">
+              <a:buNone/>
+            </a:pPr>
+            <a:r>
+              <a:rPr lang="sv-SE" sz="2400" dirty="0" err="1" smtClean="0">
+                <a:latin typeface="Courier New" pitchFamily="49" charset="0"/>
+                <a:cs typeface="Courier New" pitchFamily="49" charset="0"/>
+              </a:rPr>
+              <a:t>Order.pizza</a:t>
+            </a:r>
+            <a:r>
+              <a:rPr lang="sv-SE" sz="2400" dirty="0" smtClean="0">
+                <a:latin typeface="Courier New" pitchFamily="49" charset="0"/>
+                <a:cs typeface="Courier New" pitchFamily="49" charset="0"/>
+              </a:rPr>
+              <a:t>{ </a:t>
+            </a:r>
+          </a:p>
           <a:p>
             <a:pPr>
               <a:buNone/>
             </a:pPr>
             <a:r>
-              <a:rPr lang="sv-SE" dirty="0" smtClean="0"/>
-              <a:t>[</a:t>
-            </a:r>
-            <a:r>
-              <a:rPr lang="sv-SE" dirty="0" err="1" smtClean="0"/>
-              <a:t>helloWorld.groovy</a:t>
-            </a:r>
-            <a:r>
-              <a:rPr lang="sv-SE" dirty="0" smtClean="0"/>
-              <a:t>]</a:t>
-            </a:r>
-          </a:p>
-          <a:p>
-            <a:endParaRPr lang="sv-SE" dirty="0"/>
+              <a:rPr lang="sv-SE" sz="2400" dirty="0" smtClean="0">
+                <a:latin typeface="Courier New" pitchFamily="49" charset="0"/>
+                <a:cs typeface="Courier New" pitchFamily="49" charset="0"/>
+              </a:rPr>
+              <a:t>		</a:t>
+            </a:r>
+            <a:r>
+              <a:rPr lang="sv-SE" sz="2400" dirty="0" err="1" smtClean="0">
+                <a:latin typeface="Courier New" pitchFamily="49" charset="0"/>
+                <a:cs typeface="Courier New" pitchFamily="49" charset="0"/>
+              </a:rPr>
+              <a:t>size</a:t>
+            </a:r>
+            <a:r>
+              <a:rPr lang="sv-SE" sz="2400" dirty="0" smtClean="0">
+                <a:latin typeface="Courier New" pitchFamily="49" charset="0"/>
+                <a:cs typeface="Courier New" pitchFamily="49" charset="0"/>
+              </a:rPr>
+              <a:t> </a:t>
+            </a:r>
+            <a:r>
+              <a:rPr lang="sv-SE" sz="2400" dirty="0" err="1" smtClean="0">
+                <a:latin typeface="Courier New" pitchFamily="49" charset="0"/>
+                <a:cs typeface="Courier New" pitchFamily="49" charset="0"/>
+              </a:rPr>
+              <a:t>large</a:t>
+            </a:r>
+            <a:endParaRPr lang="sv-SE" sz="2400" dirty="0" smtClean="0">
+              <a:latin typeface="Courier New" pitchFamily="49" charset="0"/>
+              <a:cs typeface="Courier New" pitchFamily="49" charset="0"/>
+            </a:endParaRPr>
+          </a:p>
+          <a:p>
+            <a:pPr>
+              <a:buNone/>
+            </a:pPr>
+            <a:r>
+              <a:rPr lang="sv-SE" sz="2400" dirty="0" smtClean="0">
+                <a:latin typeface="Courier New" pitchFamily="49" charset="0"/>
+                <a:cs typeface="Courier New" pitchFamily="49" charset="0"/>
+              </a:rPr>
+              <a:t>		</a:t>
+            </a:r>
+            <a:r>
+              <a:rPr lang="sv-SE" sz="2400" dirty="0" err="1" smtClean="0">
+                <a:latin typeface="Courier New" pitchFamily="49" charset="0"/>
+                <a:cs typeface="Courier New" pitchFamily="49" charset="0"/>
+              </a:rPr>
+              <a:t>topping</a:t>
+            </a:r>
+            <a:r>
+              <a:rPr lang="sv-SE" sz="2400" dirty="0" smtClean="0">
+                <a:latin typeface="Courier New" pitchFamily="49" charset="0"/>
+                <a:cs typeface="Courier New" pitchFamily="49" charset="0"/>
+              </a:rPr>
+              <a:t> </a:t>
+            </a:r>
+            <a:r>
+              <a:rPr lang="sv-SE" sz="2400" dirty="0" err="1" smtClean="0">
+                <a:latin typeface="Courier New" pitchFamily="49" charset="0"/>
+                <a:cs typeface="Courier New" pitchFamily="49" charset="0"/>
+              </a:rPr>
+              <a:t>olives</a:t>
+            </a:r>
+            <a:r>
+              <a:rPr lang="sv-SE" sz="2400" dirty="0" smtClean="0">
+                <a:latin typeface="Courier New" pitchFamily="49" charset="0"/>
+                <a:cs typeface="Courier New" pitchFamily="49" charset="0"/>
+              </a:rPr>
+              <a:t>, </a:t>
+            </a:r>
+            <a:r>
+              <a:rPr lang="sv-SE" sz="2400" dirty="0" err="1" smtClean="0">
+                <a:latin typeface="Courier New" pitchFamily="49" charset="0"/>
+                <a:cs typeface="Courier New" pitchFamily="49" charset="0"/>
+              </a:rPr>
+              <a:t>pepper</a:t>
+            </a:r>
+            <a:r>
+              <a:rPr lang="sv-SE" sz="2400" dirty="0" smtClean="0">
+                <a:latin typeface="Courier New" pitchFamily="49" charset="0"/>
+                <a:cs typeface="Courier New" pitchFamily="49" charset="0"/>
+              </a:rPr>
+              <a:t>, salami</a:t>
+            </a:r>
+          </a:p>
+          <a:p>
+            <a:pPr>
+              <a:buNone/>
+            </a:pPr>
+            <a:r>
+              <a:rPr lang="sv-SE" sz="2400" dirty="0" smtClean="0">
+                <a:latin typeface="Courier New" pitchFamily="49" charset="0"/>
+                <a:cs typeface="Courier New" pitchFamily="49" charset="0"/>
+              </a:rPr>
+              <a:t>		adress "Gamla brogatan 11"</a:t>
+            </a:r>
+          </a:p>
+          <a:p>
+            <a:pPr>
+              <a:buNone/>
+            </a:pPr>
+            <a:r>
+              <a:rPr lang="sv-SE" sz="2400" dirty="0" smtClean="0">
+                <a:latin typeface="Courier New" pitchFamily="49" charset="0"/>
+                <a:cs typeface="Courier New" pitchFamily="49" charset="0"/>
+              </a:rPr>
+              <a:t>		</a:t>
+            </a:r>
+            <a:r>
+              <a:rPr lang="sv-SE" sz="2400" dirty="0" err="1" smtClean="0">
+                <a:latin typeface="Courier New" pitchFamily="49" charset="0"/>
+                <a:cs typeface="Courier New" pitchFamily="49" charset="0"/>
+              </a:rPr>
+              <a:t>payment</a:t>
+            </a:r>
+            <a:r>
+              <a:rPr lang="sv-SE" sz="2400" dirty="0" smtClean="0">
+                <a:latin typeface="Courier New" pitchFamily="49" charset="0"/>
+                <a:cs typeface="Courier New" pitchFamily="49" charset="0"/>
+              </a:rPr>
+              <a:t> visa, ’1234-1234-1234-1234’</a:t>
+            </a:r>
+          </a:p>
+          <a:p>
+            <a:pPr>
+              <a:buNone/>
+            </a:pPr>
+            <a:r>
+              <a:rPr lang="sv-SE" sz="2400" dirty="0" smtClean="0">
+                <a:latin typeface="Courier New" pitchFamily="49" charset="0"/>
+                <a:cs typeface="Courier New" pitchFamily="49" charset="0"/>
+              </a:rPr>
+              <a:t>	}</a:t>
+            </a:r>
+            <a:endParaRPr lang="sv-SE" sz="2400" dirty="0">
+              <a:latin typeface="Courier New" pitchFamily="49" charset="0"/>
+              <a:cs typeface="Courier New" pitchFamily="49" charset="0"/>
+            </a:endParaRPr>
           </a:p>
         </p:txBody>
       </p:sp>
@@ -4358,6 +4366,13 @@
   <p:clrMapOvr>
     <a:masterClrMapping/>
   </p:clrMapOvr>
+  <p:timing>
+    <p:tnLst>
+      <p:par>
+        <p:cTn id="1" dur="indefinite" restart="never" nodeType="tmRoot"/>
+      </p:par>
+    </p:tnLst>
+  </p:timing>
 </p:sld>
 </file>
 
@@ -4390,15 +4405,18 @@
         </p:nvSpPr>
         <p:spPr/>
         <p:txBody>
-          <a:bodyPr>
-            <a:normAutofit fontScale="90000"/>
-          </a:bodyPr>
-          <a:lstStyle/>
-          <a:p>
-            <a:r>
-              <a:rPr lang="sv-SE" dirty="0" smtClean="0"/>
-              <a:t>Helt kompatibelt med existerande Javaprojekt</a:t>
-            </a:r>
+          <a:bodyPr/>
+          <a:lstStyle/>
+          <a:p>
+            <a:r>
+              <a:rPr lang="sv-SE" dirty="0" smtClean="0"/>
+              <a:t>DSL i </a:t>
+            </a:r>
+            <a:r>
+              <a:rPr lang="sv-SE" dirty="0" err="1" smtClean="0"/>
+              <a:t>Grails</a:t>
+            </a:r>
+            <a:endParaRPr lang="sv-SE" dirty="0"/>
           </a:p>
         </p:txBody>
       </p:sp>
@@ -4414,81 +4432,23 @@
         </p:nvSpPr>
         <p:spPr/>
         <p:txBody>
-          <a:bodyPr>
-            <a:normAutofit fontScale="92500" lnSpcReduction="10000"/>
-          </a:bodyPr>
-          <a:lstStyle/>
-          <a:p>
-            <a:r>
-              <a:rPr lang="sv-SE" dirty="0" err="1" smtClean="0"/>
-              <a:t>Groovyklasser</a:t>
-            </a:r>
-            <a:r>
-              <a:rPr lang="sv-SE" dirty="0" smtClean="0"/>
-              <a:t> kompileras till .</a:t>
-            </a:r>
-            <a:r>
-              <a:rPr lang="sv-SE" dirty="0" err="1" smtClean="0"/>
-              <a:t>class-filer</a:t>
-            </a:r>
-            <a:r>
-              <a:rPr lang="sv-SE" dirty="0" smtClean="0"/>
-              <a:t> </a:t>
-            </a:r>
-          </a:p>
-          <a:p>
-            <a:r>
-              <a:rPr lang="sv-SE" dirty="0" smtClean="0"/>
-              <a:t>Ett javaprogram bryr sig inte om en klass är kompilerad från </a:t>
-            </a:r>
-            <a:r>
-              <a:rPr lang="sv-SE" dirty="0" err="1" smtClean="0"/>
-              <a:t>Groovy</a:t>
-            </a:r>
-            <a:r>
-              <a:rPr lang="sv-SE" dirty="0" smtClean="0"/>
-              <a:t> eller från Java. Det enda som behövs är </a:t>
-            </a:r>
-            <a:r>
-              <a:rPr lang="sv-SE" dirty="0" err="1" smtClean="0"/>
-              <a:t>groovy-all.jar</a:t>
-            </a:r>
-            <a:r>
-              <a:rPr lang="sv-SE" dirty="0" smtClean="0"/>
-              <a:t> i </a:t>
-            </a:r>
-            <a:r>
-              <a:rPr lang="sv-SE" dirty="0" err="1" smtClean="0"/>
-              <a:t>classpathen</a:t>
-            </a:r>
-            <a:endParaRPr lang="sv-SE" dirty="0" smtClean="0"/>
-          </a:p>
-          <a:p>
-            <a:r>
-              <a:rPr lang="sv-SE" dirty="0" smtClean="0"/>
-              <a:t>Från en Javaklass kan man använda en </a:t>
-            </a:r>
-            <a:r>
-              <a:rPr lang="sv-SE" dirty="0" err="1" smtClean="0"/>
-              <a:t>Groovyklass</a:t>
-            </a:r>
-            <a:r>
-              <a:rPr lang="sv-SE" dirty="0" smtClean="0"/>
-              <a:t> precis som vilken kompilerad klass som helst</a:t>
-            </a:r>
-          </a:p>
-          <a:p>
-            <a:r>
-              <a:rPr lang="sv-SE" dirty="0" smtClean="0"/>
-              <a:t>Från en </a:t>
-            </a:r>
-            <a:r>
-              <a:rPr lang="sv-SE" dirty="0" err="1" smtClean="0"/>
-              <a:t>Groovyklass</a:t>
-            </a:r>
-            <a:r>
-              <a:rPr lang="sv-SE" dirty="0" smtClean="0"/>
-              <a:t> kan man använda en Javaklass på precis samma sätt som man gör från en Javaklass</a:t>
+          <a:bodyPr/>
+          <a:lstStyle/>
+          <a:p>
+            <a:pPr>
+              <a:buNone/>
+            </a:pPr>
+            <a:r>
+              <a:rPr lang="sv-SE" dirty="0" smtClean="0"/>
+              <a:t>[</a:t>
+            </a:r>
+            <a:r>
+              <a:rPr lang="sv-SE" dirty="0" err="1" smtClean="0"/>
+              <a:t>GrailsDomainClass.groovy</a:t>
+            </a:r>
+            <a:r>
+              <a:rPr lang="sv-SE" dirty="0" smtClean="0"/>
+              <a:t>]</a:t>
             </a:r>
             <a:endParaRPr lang="sv-SE" dirty="0"/>
           </a:p>
@@ -4499,13 +4459,6 @@
   <p:clrMapOvr>
     <a:masterClrMapping/>
   </p:clrMapOvr>
-  <p:timing>
-    <p:tnLst>
-      <p:par>
-        <p:cTn id="1" dur="indefinite" restart="never" nodeType="tmRoot"/>
-      </p:par>
-    </p:tnLst>
-  </p:timing>
 </p:sld>
 </file>
 
@@ -4665,82 +4618,132 @@
         <p:spPr/>
         <p:txBody>
           <a:bodyPr>
-            <a:normAutofit fontScale="90000"/>
-          </a:bodyPr>
-          <a:lstStyle/>
-          <a:p>
-            <a:r>
-              <a:rPr lang="sv-SE" dirty="0" smtClean="0"/>
-              <a:t>Utökar JDK för att förenkla utveckling</a:t>
-            </a:r>
-            <a:endParaRPr lang="sv-SE" dirty="0"/>
-          </a:p>
-        </p:txBody>
-      </p:sp>
-      <p:sp>
-        <p:nvSpPr>
-          <p:cNvPr id="4" name="Platshållare för innehåll 2"/>
-          <p:cNvSpPr txBox="1">
-            <a:spLocks/>
-          </p:cNvSpPr>
-          <p:nvPr/>
-        </p:nvSpPr>
-        <p:spPr>
-          <a:xfrm>
-            <a:off x="428596" y="1643050"/>
-            <a:ext cx="8229600" cy="2286016"/>
-          </a:xfrm>
-          <a:prstGeom prst="rect">
-            <a:avLst/>
-          </a:prstGeom>
-        </p:spPr>
-        <p:txBody>
-          <a:bodyPr vert="horz" lIns="91440" tIns="45720" rIns="91440" bIns="45720" rtlCol="0">
             <a:normAutofit/>
           </a:bodyPr>
           <a:lstStyle/>
           <a:p>
-            <a:pPr marL="342900" indent="-342900">
-              <a:spcBef>
-                <a:spcPct val="20000"/>
-              </a:spcBef>
+            <a:r>
+              <a:rPr lang="sv-SE" dirty="0" smtClean="0"/>
+              <a:t>Varför </a:t>
+            </a:r>
+            <a:r>
+              <a:rPr lang="sv-SE" dirty="0" err="1" smtClean="0"/>
+              <a:t>Groovy</a:t>
+            </a:r>
+            <a:r>
+              <a:rPr lang="sv-SE" dirty="0" smtClean="0"/>
+              <a:t>?</a:t>
+            </a:r>
+            <a:endParaRPr lang="sv-SE" dirty="0"/>
+          </a:p>
+        </p:txBody>
+      </p:sp>
+      <p:sp>
+        <p:nvSpPr>
+          <p:cNvPr id="3" name="Platshållare för innehåll 2"/>
+          <p:cNvSpPr>
+            <a:spLocks noGrp="1"/>
+          </p:cNvSpPr>
+          <p:nvPr>
+            <p:ph idx="1"/>
+          </p:nvPr>
+        </p:nvSpPr>
+        <p:spPr/>
+        <p:txBody>
+          <a:bodyPr>
+            <a:normAutofit lnSpcReduction="10000"/>
+          </a:bodyPr>
+          <a:lstStyle/>
+          <a:p>
+            <a:r>
+              <a:rPr lang="sv-SE" dirty="0" smtClean="0"/>
+              <a:t>Det finns andra dynamiska språk som hanterar allt ovan, vissa bättre än </a:t>
+            </a:r>
+            <a:r>
+              <a:rPr lang="sv-SE" dirty="0" err="1" smtClean="0"/>
+              <a:t>Groovy</a:t>
+            </a:r>
+            <a:endParaRPr lang="sv-SE" dirty="0" smtClean="0"/>
+          </a:p>
+          <a:p>
+            <a:r>
+              <a:rPr lang="sv-SE" dirty="0" smtClean="0"/>
+              <a:t>Det finns ca 150 språk som kan köras på </a:t>
+            </a:r>
+            <a:r>
+              <a:rPr lang="sv-SE" dirty="0" err="1" smtClean="0"/>
+              <a:t>java-plattformen</a:t>
+            </a:r>
+            <a:endParaRPr lang="sv-SE" dirty="0" smtClean="0"/>
+          </a:p>
+          <a:p>
+            <a:pPr lvl="1"/>
+            <a:r>
+              <a:rPr lang="sv-SE" dirty="0" smtClean="0"/>
+              <a:t>Ruby (</a:t>
+            </a:r>
+            <a:r>
+              <a:rPr lang="sv-SE" dirty="0" err="1" smtClean="0"/>
+              <a:t>jRuby</a:t>
+            </a:r>
+            <a:r>
+              <a:rPr lang="sv-SE" dirty="0" smtClean="0"/>
+              <a:t>)</a:t>
+            </a:r>
+          </a:p>
+          <a:p>
+            <a:pPr lvl="1"/>
+            <a:r>
+              <a:rPr lang="sv-SE" dirty="0" err="1" smtClean="0"/>
+              <a:t>Python</a:t>
+            </a:r>
+            <a:r>
+              <a:rPr lang="sv-SE" dirty="0" smtClean="0"/>
+              <a:t> (</a:t>
+            </a:r>
+            <a:r>
+              <a:rPr lang="sv-SE" dirty="0" err="1" smtClean="0"/>
+              <a:t>Jython</a:t>
+            </a:r>
+            <a:r>
+              <a:rPr lang="sv-SE" dirty="0" smtClean="0"/>
+              <a:t>)</a:t>
+            </a:r>
+          </a:p>
+          <a:p>
+            <a:pPr lvl="1"/>
+            <a:r>
+              <a:rPr lang="sv-SE" dirty="0" err="1" smtClean="0"/>
+              <a:t>BeanShell</a:t>
+            </a:r>
+            <a:endParaRPr lang="sv-SE" dirty="0" smtClean="0"/>
+          </a:p>
+          <a:p>
+            <a:pPr lvl="1"/>
+            <a:r>
+              <a:rPr lang="sv-SE" dirty="0" smtClean="0"/>
+              <a:t>JavaScript</a:t>
+            </a:r>
+          </a:p>
+          <a:p>
+            <a:r>
+              <a:rPr lang="sv-SE" dirty="0" smtClean="0"/>
+              <a:t>Varför </a:t>
+            </a:r>
+            <a:r>
+              <a:rPr lang="sv-SE" dirty="0" err="1" smtClean="0"/>
+              <a:t>Groovy</a:t>
+            </a:r>
+            <a:r>
+              <a:rPr lang="sv-SE" dirty="0" smtClean="0"/>
+              <a:t>?</a:t>
+            </a:r>
+          </a:p>
+          <a:p>
+            <a:pPr lvl="1">
+              <a:buNone/>
             </a:pPr>
-            <a:r>
-              <a:rPr lang="sv-SE" sz="3200" dirty="0" smtClean="0"/>
-              <a:t>Utmaning: Hur </a:t>
-            </a:r>
-            <a:r>
-              <a:rPr lang="sv-SE" sz="3200" dirty="0" smtClean="0"/>
-              <a:t>läser man </a:t>
-            </a:r>
-            <a:r>
-              <a:rPr lang="sv-SE" sz="3200" dirty="0" smtClean="0"/>
-              <a:t>en fil i Java?</a:t>
-            </a:r>
-            <a:endParaRPr lang="sv-SE" sz="3200" dirty="0" smtClean="0"/>
-          </a:p>
-          <a:p>
-            <a:pPr marL="342900" marR="0" lvl="0" indent="-342900" algn="l" defTabSz="914400" rtl="0" eaLnBrk="1" fontAlgn="auto" latinLnBrk="0" hangingPunct="1">
-              <a:lnSpc>
-                <a:spcPct val="100000"/>
-              </a:lnSpc>
-              <a:spcBef>
-                <a:spcPct val="20000"/>
-              </a:spcBef>
-              <a:spcAft>
-                <a:spcPts val="0"/>
-              </a:spcAft>
-              <a:buClrTx/>
-              <a:buSzTx/>
-              <a:buFont typeface="Arial" pitchFamily="34" charset="0"/>
-              <a:buNone/>
-              <a:tabLst/>
-              <a:defRPr/>
-            </a:pPr>
-            <a:r>
-              <a:rPr lang="sv-SE" sz="3200" dirty="0" smtClean="0"/>
-              <a:t> </a:t>
-            </a:r>
+            <a:endParaRPr lang="sv-SE" dirty="0" smtClean="0"/>
           </a:p>
         </p:txBody>
       </p:sp>
@@ -4749,6 +4752,13 @@
   <p:clrMapOvr>
     <a:masterClrMapping/>
   </p:clrMapOvr>
+  <p:timing>
+    <p:tnLst>
+      <p:par>
+        <p:cTn id="1" dur="indefinite" restart="never" nodeType="tmRoot"/>
+      </p:par>
+    </p:tnLst>
+  </p:timing>
 </p:sld>
 </file>
 
@@ -4786,7 +4796,11 @@
           <a:p>
             <a:r>
               <a:rPr lang="sv-SE" dirty="0" smtClean="0"/>
-              <a:t>Läsa fil i Java 1.4</a:t>
+              <a:t>Fördelar med </a:t>
+            </a:r>
+            <a:r>
+              <a:rPr lang="sv-SE" dirty="0" err="1" smtClean="0"/>
+              <a:t>Groovy</a:t>
             </a:r>
             <a:endParaRPr lang="sv-SE" dirty="0"/>
           </a:p>
@@ -4807,12 +4821,36 @@
           <a:bodyPr/>
           <a:lstStyle/>
           <a:p>
-            <a:pPr>
-              <a:buNone/>
-            </a:pPr>
-            <a:r>
-              <a:rPr lang="sv-SE" dirty="0" smtClean="0"/>
-              <a:t>[ReadFileJava14.java]</a:t>
+            <a:r>
+              <a:rPr lang="sv-SE" dirty="0" smtClean="0"/>
+              <a:t>Enkelt att lära för en Javaprogrammerare</a:t>
+            </a:r>
+          </a:p>
+          <a:p>
+            <a:r>
+              <a:rPr lang="sv-SE" dirty="0" smtClean="0"/>
+              <a:t>Helt kompatibelt med existerande Javaprojekt</a:t>
+            </a:r>
+          </a:p>
+          <a:p>
+            <a:r>
+              <a:rPr lang="sv-SE" dirty="0" err="1" smtClean="0"/>
+              <a:t>Groovy</a:t>
+            </a:r>
+            <a:r>
+              <a:rPr lang="sv-SE" dirty="0" smtClean="0"/>
+              <a:t> ÄR Java – kompileras till .</a:t>
+            </a:r>
+            <a:r>
+              <a:rPr lang="sv-SE" dirty="0" err="1" smtClean="0"/>
+              <a:t>class-filer</a:t>
+            </a:r>
+            <a:endParaRPr lang="sv-SE" dirty="0" smtClean="0"/>
+          </a:p>
+          <a:p>
+            <a:r>
+              <a:rPr lang="sv-SE" dirty="0" smtClean="0"/>
+              <a:t>Utökar JDK för att förenkla utveckling</a:t>
             </a:r>
             <a:endParaRPr lang="sv-SE" dirty="0"/>
           </a:p>
@@ -4823,6 +4861,13 @@
   <p:clrMapOvr>
     <a:masterClrMapping/>
   </p:clrMapOvr>
+  <p:timing>
+    <p:tnLst>
+      <p:par>
+        <p:cTn id="1" dur="indefinite" restart="never" nodeType="tmRoot"/>
+      </p:par>
+    </p:tnLst>
+  </p:timing>
 </p:sld>
 </file>
 
@@ -4860,7 +4905,11 @@
           <a:p>
             <a:r>
               <a:rPr lang="sv-SE" dirty="0" smtClean="0"/>
-              <a:t>Läsa fil i Java 5</a:t>
+              <a:t>Enkelt att lära: </a:t>
+            </a:r>
+            <a:r>
+              <a:rPr lang="sv-SE" dirty="0" err="1" smtClean="0"/>
+              <a:t>HelloWorld.java</a:t>
             </a:r>
             <a:endParaRPr lang="sv-SE" dirty="0"/>
           </a:p>
@@ -4876,12 +4925,7 @@
             <p:ph idx="1"/>
           </p:nvPr>
         </p:nvSpPr>
-        <p:spPr>
-          <a:xfrm>
-            <a:off x="428596" y="1285860"/>
-            <a:ext cx="8229600" cy="4525963"/>
-          </a:xfrm>
-        </p:spPr>
+        <p:spPr/>
         <p:txBody>
           <a:bodyPr/>
           <a:lstStyle/>
@@ -4891,8 +4935,18 @@
             </a:pPr>
             <a:r>
               <a:rPr lang="sv-SE" dirty="0" smtClean="0"/>
-              <a:t>[ReadFileJava5.java]</a:t>
-            </a:r>
+              <a:t>[</a:t>
+            </a:r>
+            <a:r>
+              <a:rPr lang="sv-SE" dirty="0" err="1" smtClean="0"/>
+              <a:t>helloWorld.java</a:t>
+            </a:r>
+            <a:r>
+              <a:rPr lang="sv-SE" dirty="0" smtClean="0"/>
+              <a:t>]</a:t>
+            </a:r>
+          </a:p>
+          <a:p>
             <a:endParaRPr lang="sv-SE" dirty="0"/>
           </a:p>
         </p:txBody>
@@ -4938,12 +4992,8 @@
           <a:lstStyle/>
           <a:p>
             <a:r>
-              <a:rPr lang="sv-SE" dirty="0" smtClean="0"/>
-              <a:t>Läsa fil i </a:t>
-            </a:r>
-            <a:r>
-              <a:rPr lang="sv-SE" dirty="0" err="1" smtClean="0"/>
-              <a:t>Groovy</a:t>
+              <a:rPr lang="sv-SE" dirty="0" err="1" smtClean="0"/>
+              <a:t>HelloWorld.groovy</a:t>
             </a:r>
             <a:endParaRPr lang="sv-SE" dirty="0"/>
           </a:p>
@@ -4973,12 +5023,14 @@
             </a:r>
             <a:r>
               <a:rPr lang="sv-SE" dirty="0" err="1" smtClean="0"/>
-              <a:t>ReadFile.groovy</a:t>
+              <a:t>helloWorld.groovy</a:t>
             </a:r>
             <a:r>
               <a:rPr lang="sv-SE" dirty="0" smtClean="0"/>
               <a:t>]</a:t>
             </a:r>
+          </a:p>
+          <a:p>
             <a:endParaRPr lang="sv-SE" dirty="0"/>
           </a:p>
         </p:txBody>
@@ -5021,19 +5073,14 @@
         <p:spPr/>
         <p:txBody>
           <a:bodyPr>
-            <a:normAutofit/>
+            <a:normAutofit fontScale="90000"/>
           </a:bodyPr>
           <a:lstStyle/>
           <a:p>
             <a:r>
-              <a:rPr lang="sv-SE" dirty="0" err="1" smtClean="0"/>
-              <a:t>HelloWorld.groovy</a:t>
-            </a:r>
-            <a:r>
-              <a:rPr lang="sv-SE" dirty="0" smtClean="0"/>
-              <a:t> igen</a:t>
-            </a:r>
-            <a:endParaRPr lang="sv-SE" dirty="0"/>
+              <a:rPr lang="sv-SE" dirty="0" smtClean="0"/>
+              <a:t>Helt kompatibelt med existerande Javaprojekt</a:t>
+            </a:r>
           </a:p>
         </p:txBody>
       </p:sp>
@@ -5049,23 +5096,81 @@
         </p:nvSpPr>
         <p:spPr/>
         <p:txBody>
-          <a:bodyPr/>
-          <a:lstStyle/>
-          <a:p>
-            <a:pPr>
-              <a:buNone/>
-            </a:pPr>
-            <a:r>
-              <a:rPr lang="sv-SE" dirty="0" smtClean="0"/>
-              <a:t>[</a:t>
-            </a:r>
-            <a:r>
-              <a:rPr lang="sv-SE" dirty="0" err="1" smtClean="0"/>
-              <a:t>helloWorld.groovy</a:t>
-            </a:r>
-            <a:r>
-              <a:rPr lang="sv-SE" dirty="0" smtClean="0"/>
-              <a:t>]</a:t>
+          <a:bodyPr>
+            <a:normAutofit fontScale="92500" lnSpcReduction="10000"/>
+          </a:bodyPr>
+          <a:lstStyle/>
+          <a:p>
+            <a:r>
+              <a:rPr lang="sv-SE" dirty="0" err="1" smtClean="0"/>
+              <a:t>Groovyklasser</a:t>
+            </a:r>
+            <a:r>
+              <a:rPr lang="sv-SE" dirty="0" smtClean="0"/>
+              <a:t> kompileras till .</a:t>
+            </a:r>
+            <a:r>
+              <a:rPr lang="sv-SE" dirty="0" err="1" smtClean="0"/>
+              <a:t>class-filer</a:t>
+            </a:r>
+            <a:r>
+              <a:rPr lang="sv-SE" dirty="0" smtClean="0"/>
+              <a:t> </a:t>
+            </a:r>
+          </a:p>
+          <a:p>
+            <a:r>
+              <a:rPr lang="sv-SE" dirty="0" smtClean="0"/>
+              <a:t>Ett javaprogram bryr sig inte om en klass är kompilerad från </a:t>
+            </a:r>
+            <a:r>
+              <a:rPr lang="sv-SE" dirty="0" err="1" smtClean="0"/>
+              <a:t>Groovy</a:t>
+            </a:r>
+            <a:r>
+              <a:rPr lang="sv-SE" dirty="0" smtClean="0"/>
+              <a:t> eller från Java. Det enda som behövs är </a:t>
+            </a:r>
+            <a:r>
+              <a:rPr lang="sv-SE" dirty="0" err="1" smtClean="0"/>
+              <a:t>groovy-all.jar</a:t>
+            </a:r>
+            <a:r>
+              <a:rPr lang="sv-SE" dirty="0" smtClean="0"/>
+              <a:t> i </a:t>
+            </a:r>
+            <a:r>
+              <a:rPr lang="sv-SE" dirty="0" err="1" smtClean="0"/>
+              <a:t>classpathen</a:t>
+            </a:r>
+            <a:endParaRPr lang="sv-SE" dirty="0" smtClean="0"/>
+          </a:p>
+          <a:p>
+            <a:r>
+              <a:rPr lang="sv-SE" dirty="0" smtClean="0"/>
+              <a:t>Från en Javaklass kan man använda en </a:t>
+            </a:r>
+            <a:r>
+              <a:rPr lang="sv-SE" dirty="0" err="1" smtClean="0"/>
+              <a:t>Groovyklass</a:t>
+            </a:r>
+            <a:r>
+              <a:rPr lang="sv-SE" dirty="0" smtClean="0"/>
+              <a:t> precis som vilken kompilerad klass som helst</a:t>
+            </a:r>
+          </a:p>
+          <a:p>
+            <a:r>
+              <a:rPr lang="sv-SE" dirty="0" smtClean="0"/>
+              <a:t>Från en </a:t>
+            </a:r>
+            <a:r>
+              <a:rPr lang="sv-SE" dirty="0" err="1" smtClean="0"/>
+              <a:t>Groovyklass</a:t>
+            </a:r>
+            <a:r>
+              <a:rPr lang="sv-SE" dirty="0" smtClean="0"/>
+              <a:t> kan man använda en Javaklass på precis samma sätt som man gör från en Javaklass</a:t>
             </a:r>
             <a:endParaRPr lang="sv-SE" dirty="0"/>
           </a:p>
@@ -5076,6 +5181,13 @@
   <p:clrMapOvr>
     <a:masterClrMapping/>
   </p:clrMapOvr>
+  <p:timing>
+    <p:tnLst>
+      <p:par>
+        <p:cTn id="1" dur="indefinite" restart="never" nodeType="tmRoot"/>
+      </p:par>
+    </p:tnLst>
+  </p:timing>
 </p:sld>
 </file>
 
@@ -5108,52 +5220,74 @@
         </p:nvSpPr>
         <p:spPr/>
         <p:txBody>
-          <a:bodyPr/>
-          <a:lstStyle/>
-          <a:p>
-            <a:r>
-              <a:rPr lang="sv-SE" dirty="0" err="1" smtClean="0"/>
-              <a:t>Exceptions</a:t>
-            </a:r>
-            <a:r>
-              <a:rPr lang="sv-SE" dirty="0" smtClean="0"/>
-              <a:t> i java</a:t>
-            </a:r>
-            <a:endParaRPr lang="sv-SE" dirty="0"/>
-          </a:p>
-        </p:txBody>
-      </p:sp>
-      <p:sp>
-        <p:nvSpPr>
-          <p:cNvPr id="3" name="Platshållare för innehåll 2"/>
-          <p:cNvSpPr>
-            <a:spLocks noGrp="1"/>
-          </p:cNvSpPr>
-          <p:nvPr>
-            <p:ph idx="1"/>
-          </p:nvPr>
-        </p:nvSpPr>
-        <p:spPr/>
-        <p:txBody>
-          <a:bodyPr/>
-          <a:lstStyle/>
-          <a:p>
-            <a:pPr>
-              <a:buNone/>
+          <a:bodyPr>
+            <a:normAutofit fontScale="90000"/>
+          </a:bodyPr>
+          <a:lstStyle/>
+          <a:p>
+            <a:r>
+              <a:rPr lang="sv-SE" dirty="0" smtClean="0"/>
+              <a:t>Utökar JDK för att förenkla utveckling</a:t>
+            </a:r>
+            <a:endParaRPr lang="sv-SE" dirty="0"/>
+          </a:p>
+        </p:txBody>
+      </p:sp>
+      <p:sp>
+        <p:nvSpPr>
+          <p:cNvPr id="4" name="Platshållare för innehåll 2"/>
+          <p:cNvSpPr txBox="1">
+            <a:spLocks/>
+          </p:cNvSpPr>
+          <p:nvPr/>
+        </p:nvSpPr>
+        <p:spPr>
+          <a:xfrm>
+            <a:off x="428596" y="1643050"/>
+            <a:ext cx="8229600" cy="2286016"/>
+          </a:xfrm>
+          <a:prstGeom prst="rect">
+            <a:avLst/>
+          </a:prstGeom>
+        </p:spPr>
+        <p:txBody>
+          <a:bodyPr vert="horz" lIns="91440" tIns="45720" rIns="91440" bIns="45720" rtlCol="0">
+            <a:normAutofit/>
+          </a:bodyPr>
+          <a:lstStyle/>
+          <a:p>
+            <a:pPr marL="342900" indent="-342900">
+              <a:spcBef>
+                <a:spcPct val="20000"/>
+              </a:spcBef>
             </a:pPr>
             <a:r>
-              <a:rPr lang="sv-SE" dirty="0" smtClean="0"/>
-              <a:t>[</a:t>
-            </a:r>
-            <a:r>
-              <a:rPr lang="sv-SE" dirty="0" err="1" smtClean="0"/>
-              <a:t>Exceptions.java</a:t>
-            </a:r>
-            <a:r>
-              <a:rPr lang="sv-SE" dirty="0" smtClean="0"/>
-              <a:t>]</a:t>
-            </a:r>
-            <a:endParaRPr lang="sv-SE" dirty="0"/>
+              <a:rPr lang="sv-SE" sz="3200" dirty="0" smtClean="0"/>
+              <a:t>Utmaning: Hur läser man en fil i Java?</a:t>
+            </a:r>
+          </a:p>
+          <a:p>
+            <a:pPr marL="342900" marR="0" lvl="0" indent="-342900" algn="l" defTabSz="914400" rtl="0" eaLnBrk="1" fontAlgn="auto" latinLnBrk="0" hangingPunct="1">
+              <a:lnSpc>
+                <a:spcPct val="100000"/>
+              </a:lnSpc>
+              <a:spcBef>
+                <a:spcPct val="20000"/>
+              </a:spcBef>
+              <a:spcAft>
+                <a:spcPts val="0"/>
+              </a:spcAft>
+              <a:buClrTx/>
+              <a:buSzTx/>
+              <a:buFont typeface="Arial" pitchFamily="34" charset="0"/>
+              <a:buNone/>
+              <a:tabLst/>
+              <a:defRPr/>
+            </a:pPr>
+            <a:r>
+              <a:rPr lang="sv-SE" sz="3200" dirty="0" smtClean="0"/>
+              <a:t> </a:t>
+            </a:r>
           </a:p>
         </p:txBody>
       </p:sp>
@@ -5198,16 +5332,8 @@
           <a:lstStyle/>
           <a:p>
             <a:r>
-              <a:rPr lang="sv-SE" dirty="0" err="1" smtClean="0"/>
-              <a:t>Exceptions</a:t>
-            </a:r>
-            <a:r>
-              <a:rPr lang="sv-SE" dirty="0" smtClean="0"/>
-              <a:t> i </a:t>
-            </a:r>
-            <a:r>
-              <a:rPr lang="sv-SE" dirty="0" err="1" smtClean="0"/>
-              <a:t>Groovy</a:t>
+              <a:rPr lang="sv-SE" dirty="0" smtClean="0"/>
+              <a:t>Läsa fil i Java 1.4</a:t>
             </a:r>
             <a:endParaRPr lang="sv-SE" dirty="0"/>
           </a:p>
@@ -5233,15 +5359,7 @@
             </a:pPr>
             <a:r>
               <a:rPr lang="sv-SE" dirty="0" smtClean="0"/>
-              <a:t>[</a:t>
-            </a:r>
-            <a:r>
-              <a:rPr lang="sv-SE" dirty="0" err="1" smtClean="0"/>
-              <a:t>Exceptions.groovy</a:t>
-            </a:r>
-            <a:r>
-              <a:rPr lang="sv-SE" dirty="0" smtClean="0"/>
-              <a:t>]</a:t>
+              <a:t>[ReadFileJava14.java]</a:t>
             </a:r>
             <a:endParaRPr lang="sv-SE" dirty="0"/>
           </a:p>
@@ -5289,7 +5407,7 @@
           <a:p>
             <a:r>
               <a:rPr lang="sv-SE" dirty="0" smtClean="0"/>
-              <a:t>Dynamisk/frivillig typning</a:t>
+              <a:t>Läsa fil i Java 5</a:t>
             </a:r>
             <a:endParaRPr lang="sv-SE" dirty="0"/>
           </a:p>
@@ -5305,7 +5423,12 @@
             <p:ph idx="1"/>
           </p:nvPr>
         </p:nvSpPr>
-        <p:spPr/>
+        <p:spPr>
+          <a:xfrm>
+            <a:off x="428596" y="1285860"/>
+            <a:ext cx="8229600" cy="4525963"/>
+          </a:xfrm>
+        </p:spPr>
         <p:txBody>
           <a:bodyPr/>
           <a:lstStyle/>
@@ -5315,15 +5438,7 @@
             </a:pPr>
             <a:r>
               <a:rPr lang="sv-SE" dirty="0" smtClean="0"/>
-              <a:t>[</a:t>
-            </a:r>
-            <a:r>
-              <a:rPr lang="sv-SE" dirty="0" err="1" smtClean="0"/>
-              <a:t>optionalTyping.groovy</a:t>
-            </a:r>
-            <a:r>
-              <a:rPr lang="sv-SE" dirty="0" smtClean="0"/>
-              <a:t>]</a:t>
+              <a:t>[ReadFileJava5.java]</a:t>
             </a:r>
             <a:endParaRPr lang="sv-SE" dirty="0"/>
           </a:p>
@@ -5366,22 +5481,16 @@
         </p:nvSpPr>
         <p:spPr/>
         <p:txBody>
-          <a:bodyPr>
-            <a:normAutofit/>
-          </a:bodyPr>
-          <a:lstStyle/>
-          <a:p>
-            <a:r>
-              <a:rPr lang="sv-SE" dirty="0" smtClean="0"/>
-              <a:t>Hantera </a:t>
-            </a:r>
-            <a:r>
-              <a:rPr lang="sv-SE" dirty="0" err="1" smtClean="0"/>
-              <a:t>null</a:t>
-            </a:r>
-            <a:r>
-              <a:rPr lang="sv-SE" dirty="0" smtClean="0"/>
-              <a:t> i Java</a:t>
+          <a:bodyPr/>
+          <a:lstStyle/>
+          <a:p>
+            <a:r>
+              <a:rPr lang="sv-SE" dirty="0" smtClean="0"/>
+              <a:t>Läsa fil i </a:t>
+            </a:r>
+            <a:r>
+              <a:rPr lang="sv-SE" dirty="0" err="1" smtClean="0"/>
+              <a:t>Groovy</a:t>
             </a:r>
             <a:endParaRPr lang="sv-SE" dirty="0"/>
           </a:p>
@@ -5411,7 +5520,7 @@
             </a:r>
             <a:r>
               <a:rPr lang="sv-SE" dirty="0" err="1" smtClean="0"/>
-              <a:t>Nullsafe.java</a:t>
+              <a:t>ReadFile.groovy</a:t>
             </a:r>
             <a:r>
               <a:rPr lang="sv-SE" dirty="0" smtClean="0"/>
@@ -5464,20 +5573,12 @@
           <a:lstStyle/>
           <a:p>
             <a:r>
-              <a:rPr lang="sv-SE" dirty="0" smtClean="0"/>
-              <a:t>Hantera </a:t>
-            </a:r>
-            <a:r>
-              <a:rPr lang="sv-SE" dirty="0" err="1" smtClean="0"/>
-              <a:t>null</a:t>
-            </a:r>
-            <a:r>
-              <a:rPr lang="sv-SE" dirty="0" smtClean="0"/>
-              <a:t> i </a:t>
-            </a:r>
-            <a:r>
-              <a:rPr lang="sv-SE" dirty="0" err="1" smtClean="0"/>
-              <a:t>Groovy</a:t>
+              <a:rPr lang="sv-SE" dirty="0" err="1" smtClean="0"/>
+              <a:t>HelloWorld.groovy</a:t>
+            </a:r>
+            <a:r>
+              <a:rPr lang="sv-SE" dirty="0" smtClean="0"/>
+              <a:t> igen</a:t>
             </a:r>
             <a:endParaRPr lang="sv-SE" dirty="0"/>
           </a:p>
@@ -5507,7 +5608,7 @@
             </a:r>
             <a:r>
               <a:rPr lang="sv-SE" dirty="0" err="1" smtClean="0"/>
-              <a:t>Nullsafe.groovy</a:t>
+              <a:t>helloWorld.groovy</a:t>
             </a:r>
             <a:r>
               <a:rPr lang="sv-SE" dirty="0" smtClean="0"/>
@@ -5554,75 +5655,64 @@
         </p:nvSpPr>
         <p:spPr/>
         <p:txBody>
-          <a:bodyPr/>
-          <a:lstStyle/>
-          <a:p>
-            <a:r>
-              <a:rPr lang="sv-SE" dirty="0" smtClean="0"/>
-              <a:t>Dynamiska språk</a:t>
-            </a:r>
-            <a:endParaRPr lang="sv-SE" dirty="0"/>
-          </a:p>
-        </p:txBody>
-      </p:sp>
-      <p:sp>
-        <p:nvSpPr>
-          <p:cNvPr id="3" name="Platshållare för innehåll 2"/>
-          <p:cNvSpPr>
-            <a:spLocks noGrp="1"/>
-          </p:cNvSpPr>
-          <p:nvPr>
-            <p:ph idx="1"/>
-          </p:nvPr>
-        </p:nvSpPr>
-        <p:spPr/>
-        <p:txBody>
-          <a:bodyPr/>
-          <a:lstStyle/>
-          <a:p>
-            <a:r>
-              <a:rPr lang="en-US" dirty="0" smtClean="0"/>
-              <a:t>Dynamic programming language is a term used broadly in computer science to describe a class of high level programming languages that </a:t>
-            </a:r>
-            <a:r>
-              <a:rPr lang="en-US" dirty="0" smtClean="0">
-                <a:solidFill>
-                  <a:srgbClr val="FF0000"/>
-                </a:solidFill>
-              </a:rPr>
-              <a:t>execute at runtime</a:t>
-            </a:r>
-            <a:r>
-              <a:rPr lang="en-US" dirty="0" smtClean="0"/>
+          <a:bodyPr>
+            <a:normAutofit/>
+          </a:bodyPr>
+          <a:lstStyle/>
+          <a:p>
+            <a:r>
+              <a:rPr lang="sv-SE" dirty="0" smtClean="0"/>
+              <a:t>Utmaning</a:t>
+            </a:r>
+            <a:endParaRPr lang="sv-SE" dirty="0"/>
+          </a:p>
+        </p:txBody>
+      </p:sp>
+      <p:sp>
+        <p:nvSpPr>
+          <p:cNvPr id="4" name="Platshållare för innehåll 2"/>
+          <p:cNvSpPr txBox="1">
+            <a:spLocks/>
+          </p:cNvSpPr>
+          <p:nvPr/>
+        </p:nvSpPr>
+        <p:spPr>
+          <a:xfrm>
+            <a:off x="428596" y="1643050"/>
+            <a:ext cx="8229600" cy="2286016"/>
+          </a:xfrm>
+          <a:prstGeom prst="rect">
+            <a:avLst/>
+          </a:prstGeom>
+        </p:spPr>
+        <p:txBody>
+          <a:bodyPr vert="horz" lIns="91440" tIns="45720" rIns="91440" bIns="45720" rtlCol="0">
+            <a:normAutofit/>
+          </a:bodyPr>
+          <a:lstStyle/>
+          <a:p>
+            <a:pPr marL="342900" marR="0" lvl="0" indent="-342900" algn="l" defTabSz="914400" rtl="0" eaLnBrk="1" fontAlgn="auto" latinLnBrk="0" hangingPunct="1">
+              <a:lnSpc>
+                <a:spcPct val="100000"/>
+              </a:lnSpc>
+              <a:spcBef>
+                <a:spcPct val="20000"/>
+              </a:spcBef>
+              <a:spcAft>
+                <a:spcPts val="0"/>
+              </a:spcAft>
+              <a:buClrTx/>
+              <a:buSzTx/>
+              <a:buFont typeface="Arial" pitchFamily="34" charset="0"/>
+              <a:buNone/>
+              <a:tabLst/>
+              <a:defRPr/>
+            </a:pPr>
+            <a:r>
+              <a:rPr lang="sv-SE" sz="3200" dirty="0" smtClean="0"/>
               <a:t> </a:t>
             </a:r>
-            <a:r>
-              <a:rPr lang="en-US" dirty="0" smtClean="0">
-                <a:solidFill>
-                  <a:srgbClr val="FF0000"/>
-                </a:solidFill>
-              </a:rPr>
-              <a:t>many common behaviors that other languages might perform during compilation</a:t>
-            </a:r>
-            <a:r>
-              <a:rPr lang="sv-SE" dirty="0" smtClean="0"/>
-              <a:t>, </a:t>
-            </a:r>
-            <a:r>
-              <a:rPr lang="sv-SE" dirty="0" err="1" smtClean="0"/>
-              <a:t>if</a:t>
-            </a:r>
-            <a:r>
-              <a:rPr lang="sv-SE" dirty="0" smtClean="0"/>
-              <a:t> at all.</a:t>
-            </a:r>
-          </a:p>
-          <a:p>
-            <a:r>
-              <a:rPr lang="sv-SE" dirty="0" smtClean="0"/>
-              <a:t>Många, men inte alla, dynamiska språk har dynamisk typning</a:t>
-            </a:r>
-            <a:endParaRPr lang="sv-SE" dirty="0"/>
+            <a:endParaRPr lang="sv-SE" sz="3200" dirty="0" smtClean="0"/>
           </a:p>
         </p:txBody>
       </p:sp>
@@ -5631,13 +5721,6 @@
   <p:clrMapOvr>
     <a:masterClrMapping/>
   </p:clrMapOvr>
-  <p:timing>
-    <p:tnLst>
-      <p:par>
-        <p:cTn id="1" dur="indefinite" restart="never" nodeType="tmRoot"/>
-      </p:par>
-    </p:tnLst>
-  </p:timing>
 </p:sld>
 </file>
 
@@ -5674,8 +5757,12 @@
           <a:lstStyle/>
           <a:p>
             <a:r>
-              <a:rPr lang="sv-SE" dirty="0" smtClean="0"/>
-              <a:t>Getters/setters i Java</a:t>
+              <a:rPr lang="sv-SE" dirty="0" err="1" smtClean="0"/>
+              <a:t>Exceptions</a:t>
+            </a:r>
+            <a:r>
+              <a:rPr lang="sv-SE" dirty="0" smtClean="0"/>
+              <a:t> i java</a:t>
             </a:r>
             <a:endParaRPr lang="sv-SE" dirty="0"/>
           </a:p>
@@ -5705,7 +5792,7 @@
             </a:r>
             <a:r>
               <a:rPr lang="sv-SE" dirty="0" err="1" smtClean="0"/>
-              <a:t>ClassWithGettersSetters.java</a:t>
+              <a:t>Exceptions.java</a:t>
             </a:r>
             <a:r>
               <a:rPr lang="sv-SE" dirty="0" smtClean="0"/>
@@ -5756,8 +5843,12 @@
           <a:lstStyle/>
           <a:p>
             <a:r>
-              <a:rPr lang="sv-SE" dirty="0" smtClean="0"/>
-              <a:t>Getters/setters i </a:t>
+              <a:rPr lang="sv-SE" dirty="0" err="1" smtClean="0"/>
+              <a:t>Exceptions</a:t>
+            </a:r>
+            <a:r>
+              <a:rPr lang="sv-SE" dirty="0" smtClean="0"/>
+              <a:t> i </a:t>
             </a:r>
             <a:r>
               <a:rPr lang="sv-SE" dirty="0" err="1" smtClean="0"/>
@@ -5791,7 +5882,7 @@
             </a:r>
             <a:r>
               <a:rPr lang="sv-SE" dirty="0" err="1" smtClean="0"/>
-              <a:t>ClassWithGettersSetters.groovy</a:t>
+              <a:t>Exceptions.groovy</a:t>
             </a:r>
             <a:r>
               <a:rPr lang="sv-SE" dirty="0" smtClean="0"/>
@@ -5843,15 +5934,7 @@
           <a:p>
             <a:r>
               <a:rPr lang="sv-SE" dirty="0" smtClean="0"/>
-              <a:t>Default </a:t>
-            </a:r>
-            <a:r>
-              <a:rPr lang="sv-SE" dirty="0" err="1" smtClean="0"/>
-              <a:t>konstruktor</a:t>
-            </a:r>
-            <a:r>
-              <a:rPr lang="sv-SE" dirty="0" smtClean="0"/>
-              <a:t> i Java</a:t>
+              <a:t>Dynamisk/frivillig typning</a:t>
             </a:r>
             <a:endParaRPr lang="sv-SE" dirty="0"/>
           </a:p>
@@ -5881,7 +5964,7 @@
             </a:r>
             <a:r>
               <a:rPr lang="sv-SE" dirty="0" err="1" smtClean="0"/>
-              <a:t>UsingDefaultConstructor.java</a:t>
+              <a:t>optionalTyping.groovy</a:t>
             </a:r>
             <a:r>
               <a:rPr lang="sv-SE" dirty="0" smtClean="0"/>
@@ -5928,24 +6011,22 @@
         </p:nvSpPr>
         <p:spPr/>
         <p:txBody>
-          <a:bodyPr/>
-          <a:lstStyle/>
-          <a:p>
-            <a:r>
-              <a:rPr lang="sv-SE" dirty="0" smtClean="0"/>
-              <a:t>Default </a:t>
-            </a:r>
-            <a:r>
-              <a:rPr lang="sv-SE" dirty="0" err="1" smtClean="0"/>
-              <a:t>konstruktor</a:t>
-            </a:r>
-            <a:r>
-              <a:rPr lang="sv-SE" dirty="0" smtClean="0"/>
-              <a:t> i </a:t>
-            </a:r>
-            <a:r>
-              <a:rPr lang="sv-SE" dirty="0" err="1" smtClean="0"/>
-              <a:t>Groovy</a:t>
+          <a:bodyPr>
+            <a:normAutofit/>
+          </a:bodyPr>
+          <a:lstStyle/>
+          <a:p>
+            <a:r>
+              <a:rPr lang="sv-SE" dirty="0" smtClean="0"/>
+              <a:t>Hantera </a:t>
+            </a:r>
+            <a:r>
+              <a:rPr lang="sv-SE" dirty="0" err="1" smtClean="0"/>
+              <a:t>null</a:t>
+            </a:r>
+            <a:r>
+              <a:rPr lang="sv-SE" dirty="0" smtClean="0"/>
+              <a:t> i Java</a:t>
             </a:r>
             <a:endParaRPr lang="sv-SE" dirty="0"/>
           </a:p>
@@ -5975,7 +6056,7 @@
             </a:r>
             <a:r>
               <a:rPr lang="sv-SE" dirty="0" err="1" smtClean="0"/>
-              <a:t>UsingDefaultConstructor.groovy</a:t>
+              <a:t>Nullsafe.java</a:t>
             </a:r>
             <a:r>
               <a:rPr lang="sv-SE" dirty="0" smtClean="0"/>
@@ -6022,12 +6103,26 @@
         </p:nvSpPr>
         <p:spPr/>
         <p:txBody>
-          <a:bodyPr/>
-          <a:lstStyle/>
-          <a:p>
-            <a:r>
-              <a:rPr lang="sv-SE" dirty="0" err="1" smtClean="0"/>
-              <a:t>Bekvämlighetsmetoder:List</a:t>
+          <a:bodyPr>
+            <a:normAutofit/>
+          </a:bodyPr>
+          <a:lstStyle/>
+          <a:p>
+            <a:r>
+              <a:rPr lang="sv-SE" dirty="0" smtClean="0"/>
+              <a:t>Hantera </a:t>
+            </a:r>
+            <a:r>
+              <a:rPr lang="sv-SE" dirty="0" err="1" smtClean="0"/>
+              <a:t>null</a:t>
+            </a:r>
+            <a:r>
+              <a:rPr lang="sv-SE" dirty="0" smtClean="0"/>
+              <a:t> i </a:t>
+            </a:r>
+            <a:r>
+              <a:rPr lang="sv-SE" dirty="0" err="1" smtClean="0"/>
+              <a:t>Groovy</a:t>
             </a:r>
             <a:endParaRPr lang="sv-SE" dirty="0"/>
           </a:p>
@@ -6057,7 +6152,7 @@
             </a:r>
             <a:r>
               <a:rPr lang="sv-SE" dirty="0" err="1" smtClean="0"/>
-              <a:t>ArrayConveniance.groovy</a:t>
+              <a:t>Nullsafe.groovy</a:t>
             </a:r>
             <a:r>
               <a:rPr lang="sv-SE" dirty="0" smtClean="0"/>
@@ -6108,8 +6203,8 @@
           <a:lstStyle/>
           <a:p>
             <a:r>
-              <a:rPr lang="sv-SE" dirty="0" err="1" smtClean="0"/>
-              <a:t>Bekvämlighetsmetoder:List</a:t>
+              <a:rPr lang="sv-SE" dirty="0" smtClean="0"/>
+              <a:t>Getters/setters i Java</a:t>
             </a:r>
             <a:endParaRPr lang="sv-SE" dirty="0"/>
           </a:p>
@@ -6135,7 +6230,15 @@
             </a:pPr>
             <a:r>
               <a:rPr lang="sv-SE" dirty="0" smtClean="0"/>
-              <a:t>[ArrayConveniance2.groovy]</a:t>
+              <a:t>[</a:t>
+            </a:r>
+            <a:r>
+              <a:rPr lang="sv-SE" dirty="0" err="1" smtClean="0"/>
+              <a:t>ClassWithGettersSetters.java</a:t>
+            </a:r>
+            <a:r>
+              <a:rPr lang="sv-SE" dirty="0" smtClean="0"/>
+              <a:t>]</a:t>
             </a:r>
             <a:endParaRPr lang="sv-SE" dirty="0"/>
           </a:p>
@@ -6182,8 +6285,12 @@
           <a:lstStyle/>
           <a:p>
             <a:r>
-              <a:rPr lang="sv-SE" dirty="0" err="1" smtClean="0"/>
-              <a:t>Bekvämlighetsmetoder:Map</a:t>
+              <a:rPr lang="sv-SE" dirty="0" smtClean="0"/>
+              <a:t>Getters/setters i </a:t>
+            </a:r>
+            <a:r>
+              <a:rPr lang="sv-SE" dirty="0" err="1" smtClean="0"/>
+              <a:t>Groovy</a:t>
             </a:r>
             <a:endParaRPr lang="sv-SE" dirty="0"/>
           </a:p>
@@ -6199,12 +6306,7 @@
             <p:ph idx="1"/>
           </p:nvPr>
         </p:nvSpPr>
-        <p:spPr>
-          <a:xfrm>
-            <a:off x="428596" y="1214422"/>
-            <a:ext cx="8229600" cy="4525963"/>
-          </a:xfrm>
-        </p:spPr>
+        <p:spPr/>
         <p:txBody>
           <a:bodyPr/>
           <a:lstStyle/>
@@ -6218,7 +6320,7 @@
             </a:r>
             <a:r>
               <a:rPr lang="sv-SE" dirty="0" err="1" smtClean="0"/>
-              <a:t>MapConveniance.groovy</a:t>
+              <a:t>ClassWithGettersSetters.groovy</a:t>
             </a:r>
             <a:r>
               <a:rPr lang="sv-SE" dirty="0" smtClean="0"/>
@@ -6270,19 +6372,23 @@
           <a:p>
             <a:r>
               <a:rPr lang="sv-SE" dirty="0" smtClean="0"/>
-              <a:t>Operator </a:t>
-            </a:r>
-            <a:r>
-              <a:rPr lang="sv-SE" dirty="0" err="1" smtClean="0"/>
-              <a:t>overloading</a:t>
-            </a:r>
-            <a:endParaRPr lang="sv-SE" dirty="0"/>
-          </a:p>
-        </p:txBody>
-      </p:sp>
-      <p:sp>
-        <p:nvSpPr>
-          <p:cNvPr id="4" name="Platshållare för innehåll 3"/>
+              <a:t>Default </a:t>
+            </a:r>
+            <a:r>
+              <a:rPr lang="sv-SE" dirty="0" err="1" smtClean="0"/>
+              <a:t>konstruktor</a:t>
+            </a:r>
+            <a:r>
+              <a:rPr lang="sv-SE" dirty="0" smtClean="0"/>
+              <a:t> i Java</a:t>
+            </a:r>
+            <a:endParaRPr lang="sv-SE" dirty="0"/>
+          </a:p>
+        </p:txBody>
+      </p:sp>
+      <p:sp>
+        <p:nvSpPr>
+          <p:cNvPr id="3" name="Platshållare för innehåll 2"/>
           <p:cNvSpPr>
             <a:spLocks noGrp="1"/>
           </p:cNvSpPr>
@@ -6304,7 +6410,7 @@
             </a:r>
             <a:r>
               <a:rPr lang="sv-SE" dirty="0" err="1" smtClean="0"/>
-              <a:t>operatorOverload.groovy</a:t>
+              <a:t>UsingDefaultConstructor.java</a:t>
             </a:r>
             <a:r>
               <a:rPr lang="sv-SE" dirty="0" smtClean="0"/>
@@ -6319,13 +6425,6 @@
   <p:clrMapOvr>
     <a:masterClrMapping/>
   </p:clrMapOvr>
-  <p:timing>
-    <p:tnLst>
-      <p:par>
-        <p:cTn id="1" dur="indefinite" restart="never" nodeType="tmRoot"/>
-      </p:par>
-    </p:tnLst>
-  </p:timing>
 </p:sld>
 </file>
 
@@ -6363,19 +6462,27 @@
           <a:p>
             <a:r>
               <a:rPr lang="sv-SE" dirty="0" smtClean="0"/>
-              <a:t>Operator </a:t>
-            </a:r>
-            <a:r>
-              <a:rPr lang="sv-SE" dirty="0" err="1" smtClean="0"/>
-              <a:t>overloading</a:t>
-            </a:r>
-            <a:endParaRPr lang="sv-SE" dirty="0"/>
-          </a:p>
-        </p:txBody>
-      </p:sp>
-      <p:sp>
-        <p:nvSpPr>
-          <p:cNvPr id="4" name="Platshållare för innehåll 3"/>
+              <a:t>Default </a:t>
+            </a:r>
+            <a:r>
+              <a:rPr lang="sv-SE" dirty="0" err="1" smtClean="0"/>
+              <a:t>konstruktor</a:t>
+            </a:r>
+            <a:r>
+              <a:rPr lang="sv-SE" dirty="0" smtClean="0"/>
+              <a:t> i </a:t>
+            </a:r>
+            <a:r>
+              <a:rPr lang="sv-SE" dirty="0" err="1" smtClean="0"/>
+              <a:t>Groovy</a:t>
+            </a:r>
+            <a:endParaRPr lang="sv-SE" dirty="0"/>
+          </a:p>
+        </p:txBody>
+      </p:sp>
+      <p:sp>
+        <p:nvSpPr>
+          <p:cNvPr id="3" name="Platshållare för innehåll 2"/>
           <p:cNvSpPr>
             <a:spLocks noGrp="1"/>
           </p:cNvSpPr>
@@ -6393,7 +6500,15 @@
             </a:pPr>
             <a:r>
               <a:rPr lang="sv-SE" dirty="0" smtClean="0"/>
-              <a:t>[operatorOverload2.groovy]</a:t>
+              <a:t>[</a:t>
+            </a:r>
+            <a:r>
+              <a:rPr lang="sv-SE" dirty="0" err="1" smtClean="0"/>
+              <a:t>UsingDefaultConstructor.groovy</a:t>
+            </a:r>
+            <a:r>
+              <a:rPr lang="sv-SE" dirty="0" smtClean="0"/>
+              <a:t>]</a:t>
             </a:r>
             <a:endParaRPr lang="sv-SE" dirty="0"/>
           </a:p>
@@ -6404,13 +6519,6 @@
   <p:clrMapOvr>
     <a:masterClrMapping/>
   </p:clrMapOvr>
-  <p:timing>
-    <p:tnLst>
-      <p:par>
-        <p:cTn id="1" dur="indefinite" restart="never" nodeType="tmRoot"/>
-      </p:par>
-    </p:tnLst>
-  </p:timing>
 </p:sld>
 </file>
 
@@ -6448,15 +6556,7 @@
           <a:p>
             <a:r>
               <a:rPr lang="sv-SE" dirty="0" err="1" smtClean="0"/>
-              <a:t>Groovy</a:t>
-            </a:r>
-            <a:r>
-              <a:rPr lang="sv-SE" dirty="0" smtClean="0"/>
-              <a:t> </a:t>
-            </a:r>
-            <a:r>
-              <a:rPr lang="sv-SE" dirty="0" err="1" smtClean="0"/>
-              <a:t>truth</a:t>
+              <a:t>Bekvämlighetsmetoder:List</a:t>
             </a:r>
             <a:endParaRPr lang="sv-SE" dirty="0"/>
           </a:p>
@@ -6486,7 +6586,7 @@
             </a:r>
             <a:r>
               <a:rPr lang="sv-SE" dirty="0" err="1" smtClean="0"/>
-              <a:t>HelloWorldWithParameters.java</a:t>
+              <a:t>ArrayConveniance.groovy</a:t>
             </a:r>
             <a:r>
               <a:rPr lang="sv-SE" dirty="0" smtClean="0"/>
@@ -6533,41 +6633,86 @@
         </p:nvSpPr>
         <p:spPr/>
         <p:txBody>
-          <a:bodyPr/>
-          <a:lstStyle/>
-          <a:p>
-            <a:r>
-              <a:rPr lang="sv-SE" dirty="0" smtClean="0"/>
-              <a:t>Nackdelar med dynamiska språk</a:t>
-            </a:r>
-            <a:endParaRPr lang="sv-SE" dirty="0"/>
-          </a:p>
-        </p:txBody>
-      </p:sp>
-      <p:sp>
-        <p:nvSpPr>
-          <p:cNvPr id="3" name="Platshållare för innehåll 2"/>
-          <p:cNvSpPr>
-            <a:spLocks noGrp="1"/>
-          </p:cNvSpPr>
-          <p:nvPr>
-            <p:ph idx="1"/>
-          </p:nvPr>
-        </p:nvSpPr>
-        <p:spPr/>
-        <p:txBody>
-          <a:bodyPr/>
-          <a:lstStyle/>
-          <a:p>
-            <a:r>
-              <a:rPr lang="sv-SE" dirty="0" smtClean="0"/>
-              <a:t>Sämre prestanda</a:t>
-            </a:r>
-          </a:p>
-          <a:p>
-            <a:r>
-              <a:rPr lang="sv-SE" dirty="0" smtClean="0"/>
-              <a:t>(Större behov av enhetstester)</a:t>
+          <a:bodyPr>
+            <a:normAutofit/>
+          </a:bodyPr>
+          <a:lstStyle/>
+          <a:p>
+            <a:r>
+              <a:rPr lang="sv-SE" dirty="0" smtClean="0"/>
+              <a:t>Utmaning</a:t>
+            </a:r>
+            <a:endParaRPr lang="sv-SE" dirty="0"/>
+          </a:p>
+        </p:txBody>
+      </p:sp>
+      <p:sp>
+        <p:nvSpPr>
+          <p:cNvPr id="4" name="Platshållare för innehåll 2"/>
+          <p:cNvSpPr txBox="1">
+            <a:spLocks/>
+          </p:cNvSpPr>
+          <p:nvPr/>
+        </p:nvSpPr>
+        <p:spPr>
+          <a:xfrm>
+            <a:off x="428596" y="1643050"/>
+            <a:ext cx="8229600" cy="2286016"/>
+          </a:xfrm>
+          <a:prstGeom prst="rect">
+            <a:avLst/>
+          </a:prstGeom>
+        </p:spPr>
+        <p:txBody>
+          <a:bodyPr vert="horz" lIns="91440" tIns="45720" rIns="91440" bIns="45720" rtlCol="0">
+            <a:normAutofit/>
+          </a:bodyPr>
+          <a:lstStyle/>
+          <a:p>
+            <a:pPr marL="342900" indent="-342900">
+              <a:spcBef>
+                <a:spcPct val="20000"/>
+              </a:spcBef>
+            </a:pPr>
+            <a:r>
+              <a:rPr lang="sv-SE" sz="3200" dirty="0" smtClean="0"/>
+              <a:t>	Kan du skriva en </a:t>
+            </a:r>
+            <a:r>
+              <a:rPr lang="sv-SE" sz="3200" dirty="0" err="1" smtClean="0"/>
+              <a:t>HelloWorld</a:t>
+            </a:r>
+            <a:r>
+              <a:rPr lang="sv-SE" sz="3200" dirty="0" smtClean="0"/>
+              <a:t> i Java</a:t>
+            </a:r>
+            <a:r>
+              <a:rPr lang="sv-SE" sz="3200" dirty="0" smtClean="0"/>
+              <a:t>, utan att använda en IDE?</a:t>
+            </a:r>
+            <a:endParaRPr lang="sv-SE" sz="3200" dirty="0" smtClean="0"/>
+          </a:p>
+          <a:p>
+            <a:pPr marL="342900" marR="0" lvl="0" indent="-342900" algn="l" defTabSz="914400" rtl="0" eaLnBrk="1" fontAlgn="auto" latinLnBrk="0" hangingPunct="1">
+              <a:lnSpc>
+                <a:spcPct val="100000"/>
+              </a:lnSpc>
+              <a:spcBef>
+                <a:spcPct val="20000"/>
+              </a:spcBef>
+              <a:spcAft>
+                <a:spcPts val="0"/>
+              </a:spcAft>
+              <a:buClrTx/>
+              <a:buSzTx/>
+              <a:buFont typeface="Arial" pitchFamily="34" charset="0"/>
+              <a:buNone/>
+              <a:tabLst/>
+              <a:defRPr/>
+            </a:pPr>
+            <a:r>
+              <a:rPr lang="sv-SE" sz="3200" dirty="0" smtClean="0"/>
+              <a:t> </a:t>
             </a:r>
           </a:p>
         </p:txBody>
@@ -6577,13 +6722,6 @@
   <p:clrMapOvr>
     <a:masterClrMapping/>
   </p:clrMapOvr>
-  <p:timing>
-    <p:tnLst>
-      <p:par>
-        <p:cTn id="1" dur="indefinite" restart="never" nodeType="tmRoot"/>
-      </p:par>
-    </p:tnLst>
-  </p:timing>
 </p:sld>
 </file>
 
@@ -6620,16 +6758,8 @@
           <a:lstStyle/>
           <a:p>
             <a:r>
-              <a:rPr lang="sv-SE" dirty="0" smtClean="0"/>
-              <a:t>Java: </a:t>
-            </a:r>
-            <a:r>
-              <a:rPr lang="sv-SE" dirty="0" err="1" smtClean="0"/>
-              <a:t>mainmetod</a:t>
-            </a:r>
-            <a:r>
-              <a:rPr lang="sv-SE" dirty="0" smtClean="0"/>
-              <a:t> med parameter</a:t>
+              <a:rPr lang="sv-SE" dirty="0" err="1" smtClean="0"/>
+              <a:t>Bekvämlighetsmetoder:List</a:t>
             </a:r>
             <a:endParaRPr lang="sv-SE" dirty="0"/>
           </a:p>
@@ -6655,15 +6785,7 @@
             </a:pPr>
             <a:r>
               <a:rPr lang="sv-SE" dirty="0" smtClean="0"/>
-              <a:t>[</a:t>
-            </a:r>
-            <a:r>
-              <a:rPr lang="sv-SE" dirty="0" err="1" smtClean="0"/>
-              <a:t>helloWorldWithParameters.groovy</a:t>
-            </a:r>
-            <a:r>
-              <a:rPr lang="sv-SE" dirty="0" smtClean="0"/>
-              <a:t>]</a:t>
+              <a:t>[ArrayConveniance2.groovy]</a:t>
             </a:r>
             <a:endParaRPr lang="sv-SE" dirty="0"/>
           </a:p>
@@ -6706,26 +6828,12 @@
         </p:nvSpPr>
         <p:spPr/>
         <p:txBody>
-          <a:bodyPr>
-            <a:normAutofit fontScale="90000"/>
-          </a:bodyPr>
-          <a:lstStyle/>
-          <a:p>
-            <a:r>
-              <a:rPr lang="sv-SE" dirty="0" err="1" smtClean="0"/>
-              <a:t>Groovy</a:t>
-            </a:r>
-            <a:r>
-              <a:rPr lang="sv-SE" dirty="0" smtClean="0"/>
-              <a:t>: </a:t>
-            </a:r>
-            <a:r>
-              <a:rPr lang="sv-SE" dirty="0" err="1" smtClean="0"/>
-              <a:t>mainmetod</a:t>
-            </a:r>
-            <a:r>
-              <a:rPr lang="sv-SE" dirty="0" smtClean="0"/>
-              <a:t> med parameter</a:t>
+          <a:bodyPr/>
+          <a:lstStyle/>
+          <a:p>
+            <a:r>
+              <a:rPr lang="sv-SE" dirty="0" err="1" smtClean="0"/>
+              <a:t>Bekvämlighetsmetoder:Map</a:t>
             </a:r>
             <a:endParaRPr lang="sv-SE" dirty="0"/>
           </a:p>
@@ -6741,7 +6849,12 @@
             <p:ph idx="1"/>
           </p:nvPr>
         </p:nvSpPr>
-        <p:spPr/>
+        <p:spPr>
+          <a:xfrm>
+            <a:off x="428596" y="1214422"/>
+            <a:ext cx="8229600" cy="4525963"/>
+          </a:xfrm>
+        </p:spPr>
         <p:txBody>
           <a:bodyPr/>
           <a:lstStyle/>
@@ -6755,7 +6868,7 @@
             </a:r>
             <a:r>
               <a:rPr lang="sv-SE" dirty="0" err="1" smtClean="0"/>
-              <a:t>TestGroovyTruth.groovy</a:t>
+              <a:t>MapConveniance.groovy</a:t>
             </a:r>
             <a:r>
               <a:rPr lang="sv-SE" dirty="0" smtClean="0"/>
@@ -6806,24 +6919,20 @@
           <a:lstStyle/>
           <a:p>
             <a:r>
-              <a:rPr lang="sv-SE" dirty="0" err="1" smtClean="0"/>
-              <a:t>Optional</a:t>
-            </a:r>
-            <a:r>
-              <a:rPr lang="sv-SE" dirty="0" smtClean="0"/>
-              <a:t> </a:t>
-            </a:r>
-            <a:r>
-              <a:rPr lang="sv-SE" dirty="0" smtClean="0"/>
-              <a:t>parameters i Java</a:t>
-            </a:r>
-            <a:endParaRPr lang="sv-SE" dirty="0"/>
-          </a:p>
-        </p:txBody>
-      </p:sp>
-      <p:sp>
-        <p:nvSpPr>
-          <p:cNvPr id="3" name="Platshållare för innehåll 2"/>
+              <a:rPr lang="sv-SE" dirty="0" smtClean="0"/>
+              <a:t>Operator </a:t>
+            </a:r>
+            <a:r>
+              <a:rPr lang="sv-SE" dirty="0" err="1" smtClean="0"/>
+              <a:t>overloading</a:t>
+            </a:r>
+            <a:endParaRPr lang="sv-SE" dirty="0"/>
+          </a:p>
+        </p:txBody>
+      </p:sp>
+      <p:sp>
+        <p:nvSpPr>
+          <p:cNvPr id="4" name="Platshållare för innehåll 3"/>
           <p:cNvSpPr>
             <a:spLocks noGrp="1"/>
           </p:cNvSpPr>
@@ -6845,7 +6954,7 @@
             </a:r>
             <a:r>
               <a:rPr lang="sv-SE" dirty="0" err="1" smtClean="0"/>
-              <a:t>optionalParameters.java</a:t>
+              <a:t>operatorOverload.groovy</a:t>
             </a:r>
             <a:r>
               <a:rPr lang="sv-SE" dirty="0" smtClean="0"/>
@@ -6860,6 +6969,13 @@
   <p:clrMapOvr>
     <a:masterClrMapping/>
   </p:clrMapOvr>
+  <p:timing>
+    <p:tnLst>
+      <p:par>
+        <p:cTn id="1" dur="indefinite" restart="never" nodeType="tmRoot"/>
+      </p:par>
+    </p:tnLst>
+  </p:timing>
 </p:sld>
 </file>
 
@@ -6896,28 +7012,20 @@
           <a:lstStyle/>
           <a:p>
             <a:r>
-              <a:rPr lang="sv-SE" dirty="0" err="1" smtClean="0"/>
-              <a:t>Optional</a:t>
-            </a:r>
-            <a:r>
-              <a:rPr lang="sv-SE" dirty="0" smtClean="0"/>
-              <a:t> </a:t>
-            </a:r>
-            <a:r>
-              <a:rPr lang="sv-SE" dirty="0" smtClean="0"/>
-              <a:t>parameters i </a:t>
-            </a:r>
-            <a:r>
-              <a:rPr lang="sv-SE" dirty="0" err="1" smtClean="0"/>
-              <a:t>Groovy</a:t>
-            </a:r>
-            <a:endParaRPr lang="sv-SE" dirty="0"/>
-          </a:p>
-        </p:txBody>
-      </p:sp>
-      <p:sp>
-        <p:nvSpPr>
-          <p:cNvPr id="3" name="Platshållare för innehåll 2"/>
+              <a:rPr lang="sv-SE" dirty="0" smtClean="0"/>
+              <a:t>Operator </a:t>
+            </a:r>
+            <a:r>
+              <a:rPr lang="sv-SE" dirty="0" err="1" smtClean="0"/>
+              <a:t>overloading</a:t>
+            </a:r>
+            <a:endParaRPr lang="sv-SE" dirty="0"/>
+          </a:p>
+        </p:txBody>
+      </p:sp>
+      <p:sp>
+        <p:nvSpPr>
+          <p:cNvPr id="4" name="Platshållare för innehåll 3"/>
           <p:cNvSpPr>
             <a:spLocks noGrp="1"/>
           </p:cNvSpPr>
@@ -6935,15 +7043,7 @@
             </a:pPr>
             <a:r>
               <a:rPr lang="sv-SE" dirty="0" smtClean="0"/>
-              <a:t>[</a:t>
-            </a:r>
-            <a:r>
-              <a:rPr lang="sv-SE" dirty="0" err="1" smtClean="0"/>
-              <a:t>optionalParameter.groovy</a:t>
-            </a:r>
-            <a:r>
-              <a:rPr lang="sv-SE" dirty="0" smtClean="0"/>
-              <a:t>]</a:t>
+              <a:t>[operatorOverload2.groovy]</a:t>
             </a:r>
             <a:endParaRPr lang="sv-SE" dirty="0"/>
           </a:p>
@@ -6954,6 +7054,13 @@
   <p:clrMapOvr>
     <a:masterClrMapping/>
   </p:clrMapOvr>
+  <p:timing>
+    <p:tnLst>
+      <p:par>
+        <p:cTn id="1" dur="indefinite" restart="never" nodeType="tmRoot"/>
+      </p:par>
+    </p:tnLst>
+  </p:timing>
 </p:sld>
 </file>
 
@@ -6991,7 +7098,15 @@
           <a:p>
             <a:r>
               <a:rPr lang="sv-SE" dirty="0" err="1" smtClean="0"/>
-              <a:t>G-Strings</a:t>
+              <a:t>Groovy</a:t>
+            </a:r>
+            <a:r>
+              <a:rPr lang="sv-SE" dirty="0" smtClean="0"/>
+              <a:t> </a:t>
+            </a:r>
+            <a:r>
+              <a:rPr lang="sv-SE" dirty="0" err="1" smtClean="0"/>
+              <a:t>truth</a:t>
             </a:r>
             <a:endParaRPr lang="sv-SE" dirty="0"/>
           </a:p>
@@ -7012,111 +7127,20 @@
           <a:bodyPr/>
           <a:lstStyle/>
           <a:p>
-            <a:r>
-              <a:rPr lang="en-US" dirty="0" smtClean="0"/>
-              <a:t>A </a:t>
-            </a:r>
-            <a:r>
-              <a:rPr lang="en-US" b="1" dirty="0" smtClean="0"/>
-              <a:t>G-string</a:t>
-            </a:r>
-            <a:r>
-              <a:rPr lang="en-US" dirty="0" smtClean="0"/>
-              <a:t> (alternatively </a:t>
-            </a:r>
-            <a:r>
-              <a:rPr lang="en-US" b="1" dirty="0" smtClean="0"/>
-              <a:t>gee-string</a:t>
-            </a:r>
-            <a:r>
-              <a:rPr lang="en-US" dirty="0" smtClean="0"/>
-              <a:t> or </a:t>
-            </a:r>
-            <a:r>
-              <a:rPr lang="en-US" b="1" dirty="0" smtClean="0"/>
-              <a:t>gee string</a:t>
-            </a:r>
-            <a:r>
-              <a:rPr lang="en-US" dirty="0" smtClean="0"/>
-              <a:t>) is a type of </a:t>
-            </a:r>
-            <a:r>
-              <a:rPr lang="en-US" b="1" dirty="0" smtClean="0"/>
-              <a:t>underwear</a:t>
-            </a:r>
-            <a:r>
-              <a:rPr lang="en-US" dirty="0" smtClean="0"/>
-              <a:t>, a narrow piece of cloth, </a:t>
-            </a:r>
-            <a:r>
-              <a:rPr lang="en-US" dirty="0" smtClean="0">
-                <a:hlinkClick r:id="rId2" tooltip="Leather"/>
-              </a:rPr>
-              <a:t>leather</a:t>
-            </a:r>
-            <a:r>
-              <a:rPr lang="en-US" dirty="0" smtClean="0"/>
-              <a:t>, or </a:t>
-            </a:r>
-            <a:r>
-              <a:rPr lang="en-US" dirty="0" smtClean="0">
-                <a:hlinkClick r:id="rId3" tooltip="Plastic"/>
-              </a:rPr>
-              <a:t>plastic</a:t>
-            </a:r>
-            <a:r>
-              <a:rPr lang="en-US" dirty="0" smtClean="0"/>
-              <a:t> that covers or holds the </a:t>
-            </a:r>
-            <a:r>
-              <a:rPr lang="en-US" dirty="0" smtClean="0">
-                <a:hlinkClick r:id="rId4" tooltip="Genitals"/>
-              </a:rPr>
-              <a:t>genitals</a:t>
-            </a:r>
-            <a:r>
-              <a:rPr lang="en-US" dirty="0" smtClean="0"/>
-              <a:t>, passes between the </a:t>
-            </a:r>
-            <a:r>
-              <a:rPr lang="en-US" dirty="0" smtClean="0">
-                <a:hlinkClick r:id="rId5" tooltip="Buttocks"/>
-              </a:rPr>
-              <a:t>buttocks</a:t>
-            </a:r>
-            <a:r>
-              <a:rPr lang="en-US" dirty="0" smtClean="0"/>
-              <a:t>, and is attached to a band around the </a:t>
-            </a:r>
-            <a:r>
-              <a:rPr lang="en-US" dirty="0" smtClean="0">
-                <a:hlinkClick r:id="rId6" tooltip="Hip (anatomy)"/>
-              </a:rPr>
-              <a:t>hips</a:t>
-            </a:r>
-            <a:r>
-              <a:rPr lang="en-US" dirty="0" smtClean="0"/>
-              <a:t>, worn as </a:t>
-            </a:r>
-            <a:r>
-              <a:rPr lang="en-US" dirty="0" smtClean="0">
-                <a:hlinkClick r:id="rId7" tooltip="Swimsuit"/>
-              </a:rPr>
-              <a:t>swimwear</a:t>
-            </a:r>
-            <a:r>
-              <a:rPr lang="en-US" dirty="0" smtClean="0"/>
-              <a:t> or </a:t>
-            </a:r>
-            <a:r>
-              <a:rPr lang="en-US" dirty="0" smtClean="0">
-                <a:hlinkClick r:id="rId8" tooltip="Underwear"/>
-              </a:rPr>
-              <a:t>underwear</a:t>
-            </a:r>
-            <a:r>
-              <a:rPr lang="en-US" dirty="0" smtClean="0"/>
-              <a:t> by both men and women.</a:t>
+            <a:pPr>
+              <a:buNone/>
+            </a:pPr>
+            <a:r>
+              <a:rPr lang="sv-SE" dirty="0" smtClean="0"/>
+              <a:t>[</a:t>
+            </a:r>
+            <a:r>
+              <a:rPr lang="sv-SE" dirty="0" err="1" smtClean="0"/>
+              <a:t>HelloWorldWithParameters.java</a:t>
+            </a:r>
+            <a:r>
+              <a:rPr lang="sv-SE" dirty="0" smtClean="0"/>
+              <a:t>]</a:t>
             </a:r>
             <a:endParaRPr lang="sv-SE" dirty="0"/>
           </a:p>
@@ -7163,20 +7187,16 @@
           <a:lstStyle/>
           <a:p>
             <a:r>
-              <a:rPr lang="sv-SE" dirty="0" err="1" smtClean="0"/>
-              <a:t>GStrings</a:t>
-            </a:r>
-            <a:r>
-              <a:rPr lang="sv-SE" dirty="0" smtClean="0"/>
-              <a:t> (</a:t>
-            </a:r>
-            <a:r>
-              <a:rPr lang="sv-SE" dirty="0" err="1" smtClean="0"/>
-              <a:t>Groovy</a:t>
-            </a:r>
-            <a:r>
-              <a:rPr lang="sv-SE" dirty="0" smtClean="0"/>
-              <a:t> Strings)</a:t>
+              <a:rPr lang="sv-SE" dirty="0" smtClean="0"/>
+              <a:t>Java: </a:t>
+            </a:r>
+            <a:r>
+              <a:rPr lang="sv-SE" dirty="0" err="1" smtClean="0"/>
+              <a:t>mainmetod</a:t>
+            </a:r>
+            <a:r>
+              <a:rPr lang="sv-SE" dirty="0" smtClean="0"/>
+              <a:t> med parameter</a:t>
             </a:r>
             <a:endParaRPr lang="sv-SE" dirty="0"/>
           </a:p>
@@ -7206,7 +7226,7 @@
             </a:r>
             <a:r>
               <a:rPr lang="sv-SE" dirty="0" err="1" smtClean="0"/>
-              <a:t>Gstrings.groovy</a:t>
+              <a:t>helloWorldWithParameters.groovy</a:t>
             </a:r>
             <a:r>
               <a:rPr lang="sv-SE" dirty="0" smtClean="0"/>
@@ -7253,16 +7273,26 @@
         </p:nvSpPr>
         <p:spPr/>
         <p:txBody>
-          <a:bodyPr/>
-          <a:lstStyle/>
-          <a:p>
-            <a:r>
-              <a:rPr lang="sv-SE" dirty="0" err="1" smtClean="0"/>
-              <a:t>Regular</a:t>
-            </a:r>
-            <a:r>
-              <a:rPr lang="sv-SE" dirty="0" smtClean="0"/>
-              <a:t> expressions</a:t>
+          <a:bodyPr>
+            <a:normAutofit fontScale="90000"/>
+          </a:bodyPr>
+          <a:lstStyle/>
+          <a:p>
+            <a:r>
+              <a:rPr lang="sv-SE" dirty="0" err="1" smtClean="0"/>
+              <a:t>Groovy</a:t>
+            </a:r>
+            <a:r>
+              <a:rPr lang="sv-SE" dirty="0" smtClean="0"/>
+              <a:t>: </a:t>
+            </a:r>
+            <a:r>
+              <a:rPr lang="sv-SE" dirty="0" err="1" smtClean="0"/>
+              <a:t>mainmetod</a:t>
+            </a:r>
+            <a:r>
+              <a:rPr lang="sv-SE" dirty="0" smtClean="0"/>
+              <a:t> med parameter</a:t>
             </a:r>
             <a:endParaRPr lang="sv-SE" dirty="0"/>
           </a:p>
@@ -7292,7 +7322,7 @@
             </a:r>
             <a:r>
               <a:rPr lang="sv-SE" dirty="0" err="1" smtClean="0"/>
-              <a:t>TestRegExp.groovy</a:t>
+              <a:t>TestGroovyTruth.groovy</a:t>
             </a:r>
             <a:r>
               <a:rPr lang="sv-SE" dirty="0" smtClean="0"/>
@@ -7343,8 +7373,12 @@
           <a:lstStyle/>
           <a:p>
             <a:r>
-              <a:rPr lang="sv-SE" dirty="0" smtClean="0"/>
-              <a:t>Primitives</a:t>
+              <a:rPr lang="sv-SE" dirty="0" err="1" smtClean="0"/>
+              <a:t>Optional</a:t>
+            </a:r>
+            <a:r>
+              <a:rPr lang="sv-SE" dirty="0" smtClean="0"/>
+              <a:t> parameters i Java</a:t>
             </a:r>
             <a:endParaRPr lang="sv-SE" dirty="0"/>
           </a:p>
@@ -7374,7 +7408,7 @@
             </a:r>
             <a:r>
               <a:rPr lang="sv-SE" dirty="0" err="1" smtClean="0"/>
-              <a:t>Primitives.groovy</a:t>
+              <a:t>optionalParameters.java</a:t>
             </a:r>
             <a:r>
               <a:rPr lang="sv-SE" dirty="0" smtClean="0"/>
@@ -7421,19 +7455,22 @@
         </p:nvSpPr>
         <p:spPr/>
         <p:txBody>
-          <a:bodyPr>
-            <a:normAutofit fontScale="90000"/>
-          </a:bodyPr>
-          <a:lstStyle/>
-          <a:p>
+          <a:bodyPr/>
+          <a:lstStyle/>
+          <a:p>
+            <a:r>
+              <a:rPr lang="sv-SE" dirty="0" err="1" smtClean="0"/>
+              <a:t>Optional</a:t>
+            </a:r>
+            <a:r>
+              <a:rPr lang="sv-SE" dirty="0" smtClean="0"/>
+              <a:t> parameters i </a:t>
+            </a:r>
             <a:r>
               <a:rPr lang="sv-SE" dirty="0" err="1" smtClean="0"/>
               <a:t>Groovy</a:t>
             </a:r>
-            <a:r>
-              <a:rPr lang="sv-SE" dirty="0" smtClean="0"/>
-              <a:t> har stöd för samtliga Java 5-features:</a:t>
-            </a:r>
+            <a:endParaRPr lang="sv-SE" dirty="0"/>
           </a:p>
         </p:txBody>
       </p:sp>
@@ -7449,71 +7486,25 @@
         </p:nvSpPr>
         <p:spPr/>
         <p:txBody>
-          <a:bodyPr>
-            <a:normAutofit fontScale="92500"/>
-          </a:bodyPr>
-          <a:lstStyle/>
-          <a:p>
-            <a:r>
-              <a:rPr lang="sv-SE" dirty="0" err="1" smtClean="0"/>
-              <a:t>Generics</a:t>
-            </a:r>
-            <a:endParaRPr lang="sv-SE" dirty="0" smtClean="0"/>
-          </a:p>
-          <a:p>
-            <a:r>
-              <a:rPr lang="sv-SE" dirty="0" err="1" smtClean="0"/>
-              <a:t>For-each</a:t>
-            </a:r>
-            <a:endParaRPr lang="sv-SE" dirty="0" smtClean="0"/>
-          </a:p>
-          <a:p>
-            <a:r>
-              <a:rPr lang="sv-SE" dirty="0" err="1" smtClean="0"/>
-              <a:t>Autoboxing</a:t>
-            </a:r>
-            <a:r>
-              <a:rPr lang="sv-SE" dirty="0" smtClean="0"/>
-              <a:t> (fungerar även om man kör java 1.4)</a:t>
-            </a:r>
-          </a:p>
-          <a:p>
-            <a:r>
-              <a:rPr lang="sv-SE" dirty="0" err="1" smtClean="0"/>
-              <a:t>Enum</a:t>
-            </a:r>
-            <a:endParaRPr lang="sv-SE" dirty="0" smtClean="0"/>
-          </a:p>
-          <a:p>
-            <a:r>
-              <a:rPr lang="sv-SE" dirty="0" smtClean="0"/>
-              <a:t>Annotations (fungerar dock ej att skapa egna i </a:t>
-            </a:r>
-            <a:r>
-              <a:rPr lang="sv-SE" dirty="0" err="1" smtClean="0"/>
-              <a:t>Groovy</a:t>
-            </a:r>
-            <a:r>
-              <a:rPr lang="sv-SE" dirty="0" smtClean="0"/>
-              <a:t>)</a:t>
-            </a:r>
-          </a:p>
-          <a:p>
-            <a:r>
-              <a:rPr lang="sv-SE" dirty="0" err="1" smtClean="0"/>
-              <a:t>Varargs</a:t>
-            </a:r>
-            <a:endParaRPr lang="sv-SE" dirty="0" smtClean="0"/>
-          </a:p>
-          <a:p>
-            <a:r>
-              <a:rPr lang="sv-SE" dirty="0" err="1" smtClean="0"/>
-              <a:t>Static</a:t>
-            </a:r>
-            <a:r>
-              <a:rPr lang="sv-SE" dirty="0" smtClean="0"/>
-              <a:t> import</a:t>
-            </a:r>
+          <a:bodyPr/>
+          <a:lstStyle/>
+          <a:p>
+            <a:pPr>
+              <a:buNone/>
+            </a:pPr>
+            <a:r>
+              <a:rPr lang="sv-SE" dirty="0" smtClean="0"/>
+              <a:t>[</a:t>
+            </a:r>
+            <a:r>
+              <a:rPr lang="sv-SE" dirty="0" err="1" smtClean="0"/>
+              <a:t>optionalParameter.groovy</a:t>
+            </a:r>
+            <a:r>
+              <a:rPr lang="sv-SE" dirty="0" smtClean="0"/>
+              <a:t>]</a:t>
+            </a:r>
+            <a:endParaRPr lang="sv-SE" dirty="0"/>
           </a:p>
         </p:txBody>
       </p:sp>
@@ -7558,12 +7549,8 @@
           <a:lstStyle/>
           <a:p>
             <a:r>
-              <a:rPr lang="sv-SE" dirty="0" smtClean="0"/>
-              <a:t>Java 5 i </a:t>
-            </a:r>
-            <a:r>
-              <a:rPr lang="sv-SE" dirty="0" err="1" smtClean="0"/>
-              <a:t>Groovy</a:t>
+              <a:rPr lang="sv-SE" dirty="0" err="1" smtClean="0"/>
+              <a:t>G-Strings</a:t>
             </a:r>
             <a:endParaRPr lang="sv-SE" dirty="0"/>
           </a:p>
@@ -7584,12 +7571,111 @@
           <a:bodyPr/>
           <a:lstStyle/>
           <a:p>
-            <a:pPr>
-              <a:buNone/>
-            </a:pPr>
-            <a:r>
-              <a:rPr lang="sv-SE" dirty="0" smtClean="0"/>
-              <a:t>[GroovyWithJava5.groovy]</a:t>
+            <a:r>
+              <a:rPr lang="en-US" dirty="0" smtClean="0"/>
+              <a:t>A </a:t>
+            </a:r>
+            <a:r>
+              <a:rPr lang="en-US" b="1" dirty="0" smtClean="0"/>
+              <a:t>G-string</a:t>
+            </a:r>
+            <a:r>
+              <a:rPr lang="en-US" dirty="0" smtClean="0"/>
+              <a:t> (alternatively </a:t>
+            </a:r>
+            <a:r>
+              <a:rPr lang="en-US" b="1" dirty="0" smtClean="0"/>
+              <a:t>gee-string</a:t>
+            </a:r>
+            <a:r>
+              <a:rPr lang="en-US" dirty="0" smtClean="0"/>
+              <a:t> or </a:t>
+            </a:r>
+            <a:r>
+              <a:rPr lang="en-US" b="1" dirty="0" smtClean="0"/>
+              <a:t>gee string</a:t>
+            </a:r>
+            <a:r>
+              <a:rPr lang="en-US" dirty="0" smtClean="0"/>
+              <a:t>) is a type of </a:t>
+            </a:r>
+            <a:r>
+              <a:rPr lang="en-US" b="1" dirty="0" smtClean="0"/>
+              <a:t>underwear</a:t>
+            </a:r>
+            <a:r>
+              <a:rPr lang="en-US" dirty="0" smtClean="0"/>
+              <a:t>, a narrow piece of cloth, </a:t>
+            </a:r>
+            <a:r>
+              <a:rPr lang="en-US" dirty="0" smtClean="0">
+                <a:hlinkClick r:id="rId2" tooltip="Leather"/>
+              </a:rPr>
+              <a:t>leather</a:t>
+            </a:r>
+            <a:r>
+              <a:rPr lang="en-US" dirty="0" smtClean="0"/>
+              <a:t>, or </a:t>
+            </a:r>
+            <a:r>
+              <a:rPr lang="en-US" dirty="0" smtClean="0">
+                <a:hlinkClick r:id="rId3" tooltip="Plastic"/>
+              </a:rPr>
+              <a:t>plastic</a:t>
+            </a:r>
+            <a:r>
+              <a:rPr lang="en-US" dirty="0" smtClean="0"/>
+              <a:t> that covers or holds the </a:t>
+            </a:r>
+            <a:r>
+              <a:rPr lang="en-US" dirty="0" smtClean="0">
+                <a:hlinkClick r:id="rId4" tooltip="Genitals"/>
+              </a:rPr>
+              <a:t>genitals</a:t>
+            </a:r>
+            <a:r>
+              <a:rPr lang="en-US" dirty="0" smtClean="0"/>
+              <a:t>, passes between the </a:t>
+            </a:r>
+            <a:r>
+              <a:rPr lang="en-US" dirty="0" smtClean="0">
+                <a:hlinkClick r:id="rId5" tooltip="Buttocks"/>
+              </a:rPr>
+              <a:t>buttocks</a:t>
+            </a:r>
+            <a:r>
+              <a:rPr lang="en-US" dirty="0" smtClean="0"/>
+              <a:t>, and is attached to a band around the </a:t>
+            </a:r>
+            <a:r>
+              <a:rPr lang="en-US" dirty="0" smtClean="0">
+                <a:hlinkClick r:id="rId6" tooltip="Hip (anatomy)"/>
+              </a:rPr>
+              <a:t>hips</a:t>
+            </a:r>
+            <a:r>
+              <a:rPr lang="en-US" dirty="0" smtClean="0"/>
+              <a:t>, worn as </a:t>
+            </a:r>
+            <a:r>
+              <a:rPr lang="en-US" dirty="0" smtClean="0">
+                <a:hlinkClick r:id="rId7" tooltip="Swimsuit"/>
+              </a:rPr>
+              <a:t>swimwear</a:t>
+            </a:r>
+            <a:r>
+              <a:rPr lang="en-US" dirty="0" smtClean="0"/>
+              <a:t> or </a:t>
+            </a:r>
+            <a:r>
+              <a:rPr lang="en-US" dirty="0" smtClean="0">
+                <a:hlinkClick r:id="rId8" tooltip="Underwear"/>
+              </a:rPr>
+              <a:t>underwear</a:t>
+            </a:r>
+            <a:r>
+              <a:rPr lang="en-US" dirty="0" smtClean="0"/>
+              <a:t> by both men and women.</a:t>
             </a:r>
             <a:endParaRPr lang="sv-SE" dirty="0"/>
           </a:p>
@@ -7636,8 +7722,8 @@
           <a:lstStyle/>
           <a:p>
             <a:r>
-              <a:rPr lang="sv-SE" dirty="0" smtClean="0"/>
-              <a:t>Fördelar med dynamiska språk</a:t>
+              <a:rPr lang="sv-SE" dirty="0" err="1" smtClean="0"/>
+              <a:t>HelloWorld.java</a:t>
             </a:r>
             <a:endParaRPr lang="sv-SE" dirty="0"/>
           </a:p>
@@ -7658,47 +7744,23 @@
           <a:bodyPr/>
           <a:lstStyle/>
           <a:p>
-            <a:r>
-              <a:rPr lang="sv-SE" dirty="0" err="1" smtClean="0"/>
-              <a:t>Closures</a:t>
-            </a:r>
-            <a:r>
-              <a:rPr lang="sv-SE" dirty="0" smtClean="0"/>
-              <a:t> </a:t>
-            </a:r>
-          </a:p>
-          <a:p>
-            <a:r>
-              <a:rPr lang="sv-SE" dirty="0" smtClean="0"/>
-              <a:t>Möjlighet att ändra hur språket fungerar (</a:t>
-            </a:r>
-            <a:r>
-              <a:rPr lang="sv-SE" dirty="0" err="1" smtClean="0"/>
-              <a:t>reflection</a:t>
-            </a:r>
-            <a:r>
-              <a:rPr lang="sv-SE" dirty="0" smtClean="0"/>
-              <a:t>)</a:t>
-            </a:r>
-          </a:p>
-          <a:p>
-            <a:r>
-              <a:rPr lang="sv-SE" dirty="0" smtClean="0"/>
-              <a:t>Metaprogrammering</a:t>
-            </a:r>
-          </a:p>
-          <a:p>
-            <a:pPr lvl="1"/>
-            <a:endParaRPr lang="sv-SE" dirty="0" smtClean="0"/>
-          </a:p>
-          <a:p>
-            <a:pPr lvl="1"/>
-            <a:endParaRPr lang="sv-SE" dirty="0" smtClean="0"/>
-          </a:p>
-          <a:p>
             <a:pPr>
               <a:buNone/>
             </a:pPr>
+            <a:r>
+              <a:rPr lang="sv-SE" dirty="0" smtClean="0"/>
+              <a:t>[</a:t>
+            </a:r>
+            <a:r>
+              <a:rPr lang="sv-SE" dirty="0" err="1" smtClean="0"/>
+              <a:t>helloWorld.java</a:t>
+            </a:r>
+            <a:r>
+              <a:rPr lang="sv-SE" dirty="0" smtClean="0"/>
+              <a:t>]</a:t>
+            </a:r>
+          </a:p>
+          <a:p>
             <a:endParaRPr lang="sv-SE" dirty="0"/>
           </a:p>
         </p:txBody>
@@ -7708,13 +7770,6 @@
   <p:clrMapOvr>
     <a:masterClrMapping/>
   </p:clrMapOvr>
-  <p:timing>
-    <p:tnLst>
-      <p:par>
-        <p:cTn id="1" dur="indefinite" restart="never" nodeType="tmRoot"/>
-      </p:par>
-    </p:tnLst>
-  </p:timing>
 </p:sld>
 </file>
 
@@ -7752,11 +7807,19 @@
           <a:p>
             <a:r>
               <a:rPr lang="sv-SE" dirty="0" err="1" smtClean="0"/>
-              <a:t>Closures</a:t>
-            </a:r>
-            <a:r>
-              <a:rPr lang="sv-SE" dirty="0" smtClean="0"/>
-              <a:t>: fördjupning</a:t>
+              <a:t>GStrings</a:t>
+            </a:r>
+            <a:r>
+              <a:rPr lang="sv-SE" dirty="0" smtClean="0"/>
+              <a:t> (</a:t>
+            </a:r>
+            <a:r>
+              <a:rPr lang="sv-SE" dirty="0" err="1" smtClean="0"/>
+              <a:t>Groovy</a:t>
+            </a:r>
+            <a:r>
+              <a:rPr lang="sv-SE" dirty="0" smtClean="0"/>
+              <a:t> Strings)</a:t>
             </a:r>
             <a:endParaRPr lang="sv-SE" dirty="0"/>
           </a:p>
@@ -7777,13 +7840,20 @@
           <a:bodyPr/>
           <a:lstStyle/>
           <a:p>
-            <a:r>
-              <a:rPr lang="sv-SE" dirty="0" smtClean="0"/>
-              <a:t>Exempel: </a:t>
-            </a:r>
-            <a:r>
-              <a:rPr lang="sv-SE" dirty="0" smtClean="0"/>
-              <a:t>Summera alla jämna tal från 1 till 10</a:t>
+            <a:pPr>
+              <a:buNone/>
+            </a:pPr>
+            <a:r>
+              <a:rPr lang="sv-SE" dirty="0" smtClean="0"/>
+              <a:t>[</a:t>
+            </a:r>
+            <a:r>
+              <a:rPr lang="sv-SE" dirty="0" err="1" smtClean="0"/>
+              <a:t>Gstrings.groovy</a:t>
+            </a:r>
+            <a:r>
+              <a:rPr lang="sv-SE" dirty="0" smtClean="0"/>
+              <a:t>]</a:t>
             </a:r>
             <a:endParaRPr lang="sv-SE" dirty="0"/>
           </a:p>
@@ -7826,14 +7896,16 @@
         </p:nvSpPr>
         <p:spPr/>
         <p:txBody>
-          <a:bodyPr>
-            <a:normAutofit fontScale="90000"/>
-          </a:bodyPr>
-          <a:lstStyle/>
-          <a:p>
-            <a:r>
-              <a:rPr lang="sv-SE" dirty="0" smtClean="0"/>
-              <a:t>Summera alla jämna tal från 1 till 10</a:t>
+          <a:bodyPr/>
+          <a:lstStyle/>
+          <a:p>
+            <a:r>
+              <a:rPr lang="sv-SE" dirty="0" err="1" smtClean="0"/>
+              <a:t>Regular</a:t>
+            </a:r>
+            <a:r>
+              <a:rPr lang="sv-SE" dirty="0" smtClean="0"/>
+              <a:t> expressions</a:t>
             </a:r>
             <a:endParaRPr lang="sv-SE" dirty="0"/>
           </a:p>
@@ -7863,7 +7935,7 @@
             </a:r>
             <a:r>
               <a:rPr lang="sv-SE" dirty="0" err="1" smtClean="0"/>
-              <a:t>sumEvenNumbers.java</a:t>
+              <a:t>TestRegExp.groovy</a:t>
             </a:r>
             <a:r>
               <a:rPr lang="sv-SE" dirty="0" smtClean="0"/>
@@ -7910,14 +7982,12 @@
         </p:nvSpPr>
         <p:spPr/>
         <p:txBody>
-          <a:bodyPr>
-            <a:normAutofit/>
-          </a:bodyPr>
-          <a:lstStyle/>
-          <a:p>
-            <a:r>
-              <a:rPr lang="sv-SE" dirty="0" smtClean="0"/>
-              <a:t>Multiplicera jämna tal 1 till 10</a:t>
+          <a:bodyPr/>
+          <a:lstStyle/>
+          <a:p>
+            <a:r>
+              <a:rPr lang="sv-SE" dirty="0" smtClean="0"/>
+              <a:t>Primitives</a:t>
             </a:r>
             <a:endParaRPr lang="sv-SE" dirty="0"/>
           </a:p>
@@ -7947,7 +8017,7 @@
             </a:r>
             <a:r>
               <a:rPr lang="sv-SE" dirty="0" err="1" smtClean="0"/>
-              <a:t>MultiplyEvenNumbers.java</a:t>
+              <a:t>Primitives.groovy</a:t>
             </a:r>
             <a:r>
               <a:rPr lang="sv-SE" dirty="0" smtClean="0"/>
@@ -8000,10 +8070,13 @@
           <a:lstStyle/>
           <a:p>
             <a:r>
-              <a:rPr lang="sv-SE" dirty="0" smtClean="0"/>
-              <a:t>Skapa en lista med kvadraten av alla jämna tal 1 till 10</a:t>
-            </a:r>
-            <a:endParaRPr lang="sv-SE" dirty="0"/>
+              <a:rPr lang="sv-SE" dirty="0" err="1" smtClean="0"/>
+              <a:t>Groovy</a:t>
+            </a:r>
+            <a:r>
+              <a:rPr lang="sv-SE" dirty="0" smtClean="0"/>
+              <a:t> har stöd för samtliga Java 5-features:</a:t>
+            </a:r>
           </a:p>
         </p:txBody>
       </p:sp>
@@ -8019,25 +8092,71 @@
         </p:nvSpPr>
         <p:spPr/>
         <p:txBody>
-          <a:bodyPr/>
-          <a:lstStyle/>
-          <a:p>
-            <a:pPr>
-              <a:buNone/>
-            </a:pPr>
-            <a:r>
-              <a:rPr lang="sv-SE" dirty="0" smtClean="0"/>
-              <a:t>[</a:t>
-            </a:r>
-            <a:r>
-              <a:rPr lang="sv-SE" dirty="0" err="1" smtClean="0"/>
-              <a:t>squareEvenNumbers.java</a:t>
-            </a:r>
-            <a:r>
-              <a:rPr lang="sv-SE" dirty="0" smtClean="0"/>
-              <a:t>]</a:t>
-            </a:r>
-            <a:endParaRPr lang="sv-SE" dirty="0"/>
+          <a:bodyPr>
+            <a:normAutofit fontScale="92500"/>
+          </a:bodyPr>
+          <a:lstStyle/>
+          <a:p>
+            <a:r>
+              <a:rPr lang="sv-SE" dirty="0" err="1" smtClean="0"/>
+              <a:t>Generics</a:t>
+            </a:r>
+            <a:endParaRPr lang="sv-SE" dirty="0" smtClean="0"/>
+          </a:p>
+          <a:p>
+            <a:r>
+              <a:rPr lang="sv-SE" dirty="0" err="1" smtClean="0"/>
+              <a:t>For-each</a:t>
+            </a:r>
+            <a:endParaRPr lang="sv-SE" dirty="0" smtClean="0"/>
+          </a:p>
+          <a:p>
+            <a:r>
+              <a:rPr lang="sv-SE" dirty="0" err="1" smtClean="0"/>
+              <a:t>Autoboxing</a:t>
+            </a:r>
+            <a:r>
+              <a:rPr lang="sv-SE" dirty="0" smtClean="0"/>
+              <a:t> (fungerar även om man kör java 1.4)</a:t>
+            </a:r>
+          </a:p>
+          <a:p>
+            <a:r>
+              <a:rPr lang="sv-SE" dirty="0" err="1" smtClean="0"/>
+              <a:t>Enum</a:t>
+            </a:r>
+            <a:endParaRPr lang="sv-SE" dirty="0" smtClean="0"/>
+          </a:p>
+          <a:p>
+            <a:r>
+              <a:rPr lang="sv-SE" dirty="0" smtClean="0"/>
+              <a:t>Annotations (fungerar dock ej att skapa egna i </a:t>
+            </a:r>
+            <a:r>
+              <a:rPr lang="sv-SE" dirty="0" err="1" smtClean="0"/>
+              <a:t>Groovy</a:t>
+            </a:r>
+            <a:r>
+              <a:rPr lang="sv-SE" dirty="0" smtClean="0"/>
+              <a:t>)</a:t>
+            </a:r>
+          </a:p>
+          <a:p>
+            <a:r>
+              <a:rPr lang="sv-SE" dirty="0" err="1" smtClean="0"/>
+              <a:t>Varargs</a:t>
+            </a:r>
+            <a:endParaRPr lang="sv-SE" dirty="0" smtClean="0"/>
+          </a:p>
+          <a:p>
+            <a:r>
+              <a:rPr lang="sv-SE" dirty="0" err="1" smtClean="0"/>
+              <a:t>Static</a:t>
+            </a:r>
+            <a:r>
+              <a:rPr lang="sv-SE" dirty="0" smtClean="0"/>
+              <a:t> import</a:t>
+            </a:r>
           </a:p>
         </p:txBody>
       </p:sp>
@@ -8083,15 +8202,11 @@
           <a:p>
             <a:r>
               <a:rPr lang="sv-SE" dirty="0" smtClean="0"/>
-              <a:t>DRY </a:t>
-            </a:r>
-            <a:r>
-              <a:rPr lang="sv-SE" dirty="0" err="1" smtClean="0"/>
-              <a:t>principle</a:t>
-            </a:r>
-            <a:r>
-              <a:rPr lang="sv-SE" dirty="0" smtClean="0"/>
-              <a:t>:</a:t>
+              <a:t>Java 5 i </a:t>
+            </a:r>
+            <a:r>
+              <a:rPr lang="sv-SE" dirty="0" err="1" smtClean="0"/>
+              <a:t>Groovy</a:t>
             </a:r>
             <a:endParaRPr lang="sv-SE" dirty="0"/>
           </a:p>
@@ -8112,25 +8227,12 @@
           <a:bodyPr/>
           <a:lstStyle/>
           <a:p>
-            <a:r>
-              <a:rPr lang="sv-SE" dirty="0" err="1" smtClean="0"/>
-              <a:t>Don't</a:t>
-            </a:r>
-            <a:r>
-              <a:rPr lang="sv-SE" dirty="0" smtClean="0"/>
-              <a:t> </a:t>
-            </a:r>
-            <a:r>
-              <a:rPr lang="sv-SE" dirty="0" err="1" smtClean="0"/>
-              <a:t>repeat</a:t>
-            </a:r>
-            <a:r>
-              <a:rPr lang="sv-SE" dirty="0" smtClean="0"/>
-              <a:t> </a:t>
-            </a:r>
-            <a:r>
-              <a:rPr lang="sv-SE" dirty="0" err="1" smtClean="0"/>
-              <a:t>yourself</a:t>
+            <a:pPr>
+              <a:buNone/>
+            </a:pPr>
+            <a:r>
+              <a:rPr lang="sv-SE" dirty="0" smtClean="0"/>
+              <a:t>[GroovyWithJava5.groovy]</a:t>
             </a:r>
             <a:endParaRPr lang="sv-SE" dirty="0"/>
           </a:p>
@@ -8177,8 +8279,12 @@
           <a:lstStyle/>
           <a:p>
             <a:r>
-              <a:rPr lang="sv-SE" dirty="0" smtClean="0"/>
-              <a:t>Kan man återanvända loopen?</a:t>
+              <a:rPr lang="sv-SE" dirty="0" err="1" smtClean="0"/>
+              <a:t>Closures</a:t>
+            </a:r>
+            <a:r>
+              <a:rPr lang="sv-SE" dirty="0" smtClean="0"/>
+              <a:t>: fördjupning</a:t>
             </a:r>
             <a:endParaRPr lang="sv-SE" dirty="0"/>
           </a:p>
@@ -8199,20 +8305,9 @@
           <a:bodyPr/>
           <a:lstStyle/>
           <a:p>
-            <a:pPr>
-              <a:buNone/>
-            </a:pPr>
-            <a:r>
-              <a:rPr lang="sv-SE" dirty="0" smtClean="0"/>
-              <a:t>[</a:t>
-            </a:r>
-            <a:r>
-              <a:rPr lang="sv-SE" dirty="0" err="1" smtClean="0"/>
-              <a:t>LoopEvenNumbers.groovy</a:t>
-            </a:r>
-            <a:r>
-              <a:rPr lang="sv-SE" dirty="0" smtClean="0"/>
-              <a:t>]</a:t>
+            <a:r>
+              <a:rPr lang="sv-SE" dirty="0" smtClean="0"/>
+              <a:t>Exempel: Summera alla jämna tal från 1 till 10</a:t>
             </a:r>
             <a:endParaRPr lang="sv-SE" dirty="0"/>
           </a:p>
@@ -8255,12 +8350,14 @@
         </p:nvSpPr>
         <p:spPr/>
         <p:txBody>
-          <a:bodyPr/>
-          <a:lstStyle/>
-          <a:p>
-            <a:r>
-              <a:rPr lang="sv-SE" dirty="0" smtClean="0"/>
-              <a:t>Anonyma inre klasser i Java</a:t>
+          <a:bodyPr>
+            <a:normAutofit fontScale="90000"/>
+          </a:bodyPr>
+          <a:lstStyle/>
+          <a:p>
+            <a:r>
+              <a:rPr lang="sv-SE" dirty="0" smtClean="0"/>
+              <a:t>Summera alla jämna tal från 1 till 10</a:t>
             </a:r>
             <a:endParaRPr lang="sv-SE" dirty="0"/>
           </a:p>
@@ -8290,7 +8387,7 @@
             </a:r>
             <a:r>
               <a:rPr lang="sv-SE" dirty="0" err="1" smtClean="0"/>
-              <a:t>ClosureInJava.java</a:t>
+              <a:t>sumEvenNumbers.java</a:t>
             </a:r>
             <a:r>
               <a:rPr lang="sv-SE" dirty="0" smtClean="0"/>
@@ -8337,20 +8434,14 @@
         </p:nvSpPr>
         <p:spPr/>
         <p:txBody>
-          <a:bodyPr/>
-          <a:lstStyle/>
-          <a:p>
-            <a:r>
-              <a:rPr lang="sv-SE" dirty="0" err="1" smtClean="0"/>
-              <a:t>Closures</a:t>
-            </a:r>
-            <a:r>
-              <a:rPr lang="sv-SE" dirty="0" smtClean="0"/>
-              <a:t> i </a:t>
-            </a:r>
-            <a:r>
-              <a:rPr lang="sv-SE" dirty="0" err="1" smtClean="0"/>
-              <a:t>Groovy</a:t>
+          <a:bodyPr>
+            <a:normAutofit/>
+          </a:bodyPr>
+          <a:lstStyle/>
+          <a:p>
+            <a:r>
+              <a:rPr lang="sv-SE" dirty="0" smtClean="0"/>
+              <a:t>Multiplicera jämna tal 1 till 10</a:t>
             </a:r>
             <a:endParaRPr lang="sv-SE" dirty="0"/>
           </a:p>
@@ -8366,12 +8457,7 @@
             <p:ph idx="1"/>
           </p:nvPr>
         </p:nvSpPr>
-        <p:spPr>
-          <a:xfrm>
-            <a:off x="428596" y="1214422"/>
-            <a:ext cx="8229600" cy="4525963"/>
-          </a:xfrm>
-        </p:spPr>
+        <p:spPr/>
         <p:txBody>
           <a:bodyPr/>
           <a:lstStyle/>
@@ -8385,7 +8471,7 @@
             </a:r>
             <a:r>
               <a:rPr lang="sv-SE" dirty="0" err="1" smtClean="0"/>
-              <a:t>Closures.groovy</a:t>
+              <a:t>MultiplyEvenNumbers.java</a:t>
             </a:r>
             <a:r>
               <a:rPr lang="sv-SE" dirty="0" smtClean="0"/>
@@ -8400,13 +8486,185 @@
   <p:clrMapOvr>
     <a:masterClrMapping/>
   </p:clrMapOvr>
-  <p:timing>
-    <p:tnLst>
-      <p:par>
-        <p:cTn id="1" dur="indefinite" restart="never" nodeType="tmRoot"/>
-      </p:par>
-    </p:tnLst>
-  </p:timing>
+</p:sld>
+</file>
+
+<file path=ppt/slides/slide58.xml><?xml version="1.0" encoding="utf-8"?>
+<p:sld xmlns:a="http://schemas.openxmlformats.org/drawingml/2006/main" xmlns:r="http://schemas.openxmlformats.org/officeDocument/2006/relationships" xmlns:p="http://schemas.openxmlformats.org/presentationml/2006/main">
+  <p:cSld>
+    <p:spTree>
+      <p:nvGrpSpPr>
+        <p:cNvPr id="1" name=""/>
+        <p:cNvGrpSpPr/>
+        <p:nvPr/>
+      </p:nvGrpSpPr>
+      <p:grpSpPr>
+        <a:xfrm>
+          <a:off x="0" y="0"/>
+          <a:ext cx="0" cy="0"/>
+          <a:chOff x="0" y="0"/>
+          <a:chExt cx="0" cy="0"/>
+        </a:xfrm>
+      </p:grpSpPr>
+      <p:sp>
+        <p:nvSpPr>
+          <p:cNvPr id="2" name="Rubrik 1"/>
+          <p:cNvSpPr>
+            <a:spLocks noGrp="1"/>
+          </p:cNvSpPr>
+          <p:nvPr>
+            <p:ph type="title"/>
+          </p:nvPr>
+        </p:nvSpPr>
+        <p:spPr/>
+        <p:txBody>
+          <a:bodyPr>
+            <a:normAutofit fontScale="90000"/>
+          </a:bodyPr>
+          <a:lstStyle/>
+          <a:p>
+            <a:r>
+              <a:rPr lang="sv-SE" dirty="0" smtClean="0"/>
+              <a:t>Skapa en lista med kvadraten av alla jämna tal 1 till 10</a:t>
+            </a:r>
+            <a:endParaRPr lang="sv-SE" dirty="0"/>
+          </a:p>
+        </p:txBody>
+      </p:sp>
+      <p:sp>
+        <p:nvSpPr>
+          <p:cNvPr id="3" name="Platshållare för innehåll 2"/>
+          <p:cNvSpPr>
+            <a:spLocks noGrp="1"/>
+          </p:cNvSpPr>
+          <p:nvPr>
+            <p:ph idx="1"/>
+          </p:nvPr>
+        </p:nvSpPr>
+        <p:spPr/>
+        <p:txBody>
+          <a:bodyPr/>
+          <a:lstStyle/>
+          <a:p>
+            <a:pPr>
+              <a:buNone/>
+            </a:pPr>
+            <a:r>
+              <a:rPr lang="sv-SE" dirty="0" smtClean="0"/>
+              <a:t>[</a:t>
+            </a:r>
+            <a:r>
+              <a:rPr lang="sv-SE" dirty="0" err="1" smtClean="0"/>
+              <a:t>squareEvenNumbers.java</a:t>
+            </a:r>
+            <a:r>
+              <a:rPr lang="sv-SE" dirty="0" smtClean="0"/>
+              <a:t>]</a:t>
+            </a:r>
+            <a:endParaRPr lang="sv-SE" dirty="0"/>
+          </a:p>
+        </p:txBody>
+      </p:sp>
+    </p:spTree>
+  </p:cSld>
+  <p:clrMapOvr>
+    <a:masterClrMapping/>
+  </p:clrMapOvr>
+</p:sld>
+</file>
+
+<file path=ppt/slides/slide59.xml><?xml version="1.0" encoding="utf-8"?>
+<p:sld xmlns:a="http://schemas.openxmlformats.org/drawingml/2006/main" xmlns:r="http://schemas.openxmlformats.org/officeDocument/2006/relationships" xmlns:p="http://schemas.openxmlformats.org/presentationml/2006/main">
+  <p:cSld>
+    <p:spTree>
+      <p:nvGrpSpPr>
+        <p:cNvPr id="1" name=""/>
+        <p:cNvGrpSpPr/>
+        <p:nvPr/>
+      </p:nvGrpSpPr>
+      <p:grpSpPr>
+        <a:xfrm>
+          <a:off x="0" y="0"/>
+          <a:ext cx="0" cy="0"/>
+          <a:chOff x="0" y="0"/>
+          <a:chExt cx="0" cy="0"/>
+        </a:xfrm>
+      </p:grpSpPr>
+      <p:sp>
+        <p:nvSpPr>
+          <p:cNvPr id="2" name="Rubrik 1"/>
+          <p:cNvSpPr>
+            <a:spLocks noGrp="1"/>
+          </p:cNvSpPr>
+          <p:nvPr>
+            <p:ph type="title"/>
+          </p:nvPr>
+        </p:nvSpPr>
+        <p:spPr/>
+        <p:txBody>
+          <a:bodyPr/>
+          <a:lstStyle/>
+          <a:p>
+            <a:r>
+              <a:rPr lang="sv-SE" dirty="0" smtClean="0"/>
+              <a:t>DRY </a:t>
+            </a:r>
+            <a:r>
+              <a:rPr lang="sv-SE" dirty="0" err="1" smtClean="0"/>
+              <a:t>principle</a:t>
+            </a:r>
+            <a:r>
+              <a:rPr lang="sv-SE" dirty="0" smtClean="0"/>
+              <a:t>:</a:t>
+            </a:r>
+            <a:endParaRPr lang="sv-SE" dirty="0"/>
+          </a:p>
+        </p:txBody>
+      </p:sp>
+      <p:sp>
+        <p:nvSpPr>
+          <p:cNvPr id="3" name="Platshållare för innehåll 2"/>
+          <p:cNvSpPr>
+            <a:spLocks noGrp="1"/>
+          </p:cNvSpPr>
+          <p:nvPr>
+            <p:ph idx="1"/>
+          </p:nvPr>
+        </p:nvSpPr>
+        <p:spPr/>
+        <p:txBody>
+          <a:bodyPr/>
+          <a:lstStyle/>
+          <a:p>
+            <a:r>
+              <a:rPr lang="sv-SE" dirty="0" err="1" smtClean="0"/>
+              <a:t>Don't</a:t>
+            </a:r>
+            <a:r>
+              <a:rPr lang="sv-SE" dirty="0" smtClean="0"/>
+              <a:t> </a:t>
+            </a:r>
+            <a:r>
+              <a:rPr lang="sv-SE" dirty="0" err="1" smtClean="0"/>
+              <a:t>repeat</a:t>
+            </a:r>
+            <a:r>
+              <a:rPr lang="sv-SE" dirty="0" smtClean="0"/>
+              <a:t> </a:t>
+            </a:r>
+            <a:r>
+              <a:rPr lang="sv-SE" dirty="0" err="1" smtClean="0"/>
+              <a:t>yourself</a:t>
+            </a:r>
+            <a:endParaRPr lang="sv-SE" dirty="0"/>
+          </a:p>
+        </p:txBody>
+      </p:sp>
+    </p:spTree>
+  </p:cSld>
+  <p:clrMapOvr>
+    <a:masterClrMapping/>
+  </p:clrMapOvr>
 </p:sld>
 </file>
 
@@ -8444,8 +8702,264 @@
           <a:p>
             <a:r>
               <a:rPr lang="sv-SE" dirty="0" err="1" smtClean="0"/>
+              <a:t>HelloWorld.groovy</a:t>
+            </a:r>
+            <a:endParaRPr lang="sv-SE" dirty="0"/>
+          </a:p>
+        </p:txBody>
+      </p:sp>
+      <p:sp>
+        <p:nvSpPr>
+          <p:cNvPr id="3" name="Platshållare för innehåll 2"/>
+          <p:cNvSpPr>
+            <a:spLocks noGrp="1"/>
+          </p:cNvSpPr>
+          <p:nvPr>
+            <p:ph idx="1"/>
+          </p:nvPr>
+        </p:nvSpPr>
+        <p:spPr/>
+        <p:txBody>
+          <a:bodyPr/>
+          <a:lstStyle/>
+          <a:p>
+            <a:pPr>
+              <a:buNone/>
+            </a:pPr>
+            <a:r>
+              <a:rPr lang="sv-SE" dirty="0" smtClean="0"/>
+              <a:t>[</a:t>
+            </a:r>
+            <a:r>
+              <a:rPr lang="sv-SE" dirty="0" err="1" smtClean="0"/>
+              <a:t>helloWorld.groovy</a:t>
+            </a:r>
+            <a:r>
+              <a:rPr lang="sv-SE" dirty="0" smtClean="0"/>
+              <a:t>]</a:t>
+            </a:r>
+          </a:p>
+          <a:p>
+            <a:endParaRPr lang="sv-SE" dirty="0"/>
+          </a:p>
+        </p:txBody>
+      </p:sp>
+    </p:spTree>
+  </p:cSld>
+  <p:clrMapOvr>
+    <a:masterClrMapping/>
+  </p:clrMapOvr>
+</p:sld>
+</file>
+
+<file path=ppt/slides/slide60.xml><?xml version="1.0" encoding="utf-8"?>
+<p:sld xmlns:a="http://schemas.openxmlformats.org/drawingml/2006/main" xmlns:r="http://schemas.openxmlformats.org/officeDocument/2006/relationships" xmlns:p="http://schemas.openxmlformats.org/presentationml/2006/main">
+  <p:cSld>
+    <p:spTree>
+      <p:nvGrpSpPr>
+        <p:cNvPr id="1" name=""/>
+        <p:cNvGrpSpPr/>
+        <p:nvPr/>
+      </p:nvGrpSpPr>
+      <p:grpSpPr>
+        <a:xfrm>
+          <a:off x="0" y="0"/>
+          <a:ext cx="0" cy="0"/>
+          <a:chOff x="0" y="0"/>
+          <a:chExt cx="0" cy="0"/>
+        </a:xfrm>
+      </p:grpSpPr>
+      <p:sp>
+        <p:nvSpPr>
+          <p:cNvPr id="2" name="Rubrik 1"/>
+          <p:cNvSpPr>
+            <a:spLocks noGrp="1"/>
+          </p:cNvSpPr>
+          <p:nvPr>
+            <p:ph type="title"/>
+          </p:nvPr>
+        </p:nvSpPr>
+        <p:spPr/>
+        <p:txBody>
+          <a:bodyPr/>
+          <a:lstStyle/>
+          <a:p>
+            <a:r>
+              <a:rPr lang="sv-SE" dirty="0" smtClean="0"/>
+              <a:t>Kan man återanvända loopen?</a:t>
+            </a:r>
+            <a:endParaRPr lang="sv-SE" dirty="0"/>
+          </a:p>
+        </p:txBody>
+      </p:sp>
+      <p:sp>
+        <p:nvSpPr>
+          <p:cNvPr id="3" name="Platshållare för innehåll 2"/>
+          <p:cNvSpPr>
+            <a:spLocks noGrp="1"/>
+          </p:cNvSpPr>
+          <p:nvPr>
+            <p:ph idx="1"/>
+          </p:nvPr>
+        </p:nvSpPr>
+        <p:spPr/>
+        <p:txBody>
+          <a:bodyPr/>
+          <a:lstStyle/>
+          <a:p>
+            <a:pPr>
+              <a:buNone/>
+            </a:pPr>
+            <a:r>
+              <a:rPr lang="sv-SE" dirty="0" smtClean="0"/>
+              <a:t>[</a:t>
+            </a:r>
+            <a:r>
+              <a:rPr lang="sv-SE" dirty="0" err="1" smtClean="0"/>
+              <a:t>LoopEvenNumbers.groovy</a:t>
+            </a:r>
+            <a:r>
+              <a:rPr lang="sv-SE" dirty="0" smtClean="0"/>
+              <a:t>]</a:t>
+            </a:r>
+            <a:endParaRPr lang="sv-SE" dirty="0"/>
+          </a:p>
+        </p:txBody>
+      </p:sp>
+    </p:spTree>
+  </p:cSld>
+  <p:clrMapOvr>
+    <a:masterClrMapping/>
+  </p:clrMapOvr>
+</p:sld>
+</file>
+
+<file path=ppt/slides/slide61.xml><?xml version="1.0" encoding="utf-8"?>
+<p:sld xmlns:a="http://schemas.openxmlformats.org/drawingml/2006/main" xmlns:r="http://schemas.openxmlformats.org/officeDocument/2006/relationships" xmlns:p="http://schemas.openxmlformats.org/presentationml/2006/main">
+  <p:cSld>
+    <p:spTree>
+      <p:nvGrpSpPr>
+        <p:cNvPr id="1" name=""/>
+        <p:cNvGrpSpPr/>
+        <p:nvPr/>
+      </p:nvGrpSpPr>
+      <p:grpSpPr>
+        <a:xfrm>
+          <a:off x="0" y="0"/>
+          <a:ext cx="0" cy="0"/>
+          <a:chOff x="0" y="0"/>
+          <a:chExt cx="0" cy="0"/>
+        </a:xfrm>
+      </p:grpSpPr>
+      <p:sp>
+        <p:nvSpPr>
+          <p:cNvPr id="2" name="Rubrik 1"/>
+          <p:cNvSpPr>
+            <a:spLocks noGrp="1"/>
+          </p:cNvSpPr>
+          <p:nvPr>
+            <p:ph type="title"/>
+          </p:nvPr>
+        </p:nvSpPr>
+        <p:spPr/>
+        <p:txBody>
+          <a:bodyPr/>
+          <a:lstStyle/>
+          <a:p>
+            <a:r>
+              <a:rPr lang="sv-SE" dirty="0" smtClean="0"/>
+              <a:t>Anonyma inre klasser i Java</a:t>
+            </a:r>
+            <a:endParaRPr lang="sv-SE" dirty="0"/>
+          </a:p>
+        </p:txBody>
+      </p:sp>
+      <p:sp>
+        <p:nvSpPr>
+          <p:cNvPr id="3" name="Platshållare för innehåll 2"/>
+          <p:cNvSpPr>
+            <a:spLocks noGrp="1"/>
+          </p:cNvSpPr>
+          <p:nvPr>
+            <p:ph idx="1"/>
+          </p:nvPr>
+        </p:nvSpPr>
+        <p:spPr/>
+        <p:txBody>
+          <a:bodyPr/>
+          <a:lstStyle/>
+          <a:p>
+            <a:pPr>
+              <a:buNone/>
+            </a:pPr>
+            <a:r>
+              <a:rPr lang="sv-SE" dirty="0" smtClean="0"/>
+              <a:t>[</a:t>
+            </a:r>
+            <a:r>
+              <a:rPr lang="sv-SE" dirty="0" err="1" smtClean="0"/>
+              <a:t>ClosureInJava.java</a:t>
+            </a:r>
+            <a:r>
+              <a:rPr lang="sv-SE" dirty="0" smtClean="0"/>
+              <a:t>]</a:t>
+            </a:r>
+            <a:endParaRPr lang="sv-SE" dirty="0"/>
+          </a:p>
+        </p:txBody>
+      </p:sp>
+    </p:spTree>
+  </p:cSld>
+  <p:clrMapOvr>
+    <a:masterClrMapping/>
+  </p:clrMapOvr>
+</p:sld>
+</file>
+
+<file path=ppt/slides/slide62.xml><?xml version="1.0" encoding="utf-8"?>
+<p:sld xmlns:a="http://schemas.openxmlformats.org/drawingml/2006/main" xmlns:r="http://schemas.openxmlformats.org/officeDocument/2006/relationships" xmlns:p="http://schemas.openxmlformats.org/presentationml/2006/main">
+  <p:cSld>
+    <p:spTree>
+      <p:nvGrpSpPr>
+        <p:cNvPr id="1" name=""/>
+        <p:cNvGrpSpPr/>
+        <p:nvPr/>
+      </p:nvGrpSpPr>
+      <p:grpSpPr>
+        <a:xfrm>
+          <a:off x="0" y="0"/>
+          <a:ext cx="0" cy="0"/>
+          <a:chOff x="0" y="0"/>
+          <a:chExt cx="0" cy="0"/>
+        </a:xfrm>
+      </p:grpSpPr>
+      <p:sp>
+        <p:nvSpPr>
+          <p:cNvPr id="2" name="Rubrik 1"/>
+          <p:cNvSpPr>
+            <a:spLocks noGrp="1"/>
+          </p:cNvSpPr>
+          <p:nvPr>
+            <p:ph type="title"/>
+          </p:nvPr>
+        </p:nvSpPr>
+        <p:spPr/>
+        <p:txBody>
+          <a:bodyPr/>
+          <a:lstStyle/>
+          <a:p>
+            <a:r>
+              <a:rPr lang="sv-SE" dirty="0" err="1" smtClean="0"/>
               <a:t>Closures</a:t>
             </a:r>
+            <a:r>
+              <a:rPr lang="sv-SE" dirty="0" smtClean="0"/>
+              <a:t> i </a:t>
+            </a:r>
+            <a:r>
+              <a:rPr lang="sv-SE" dirty="0" err="1" smtClean="0"/>
+              <a:t>Groovy</a:t>
+            </a:r>
             <a:endParaRPr lang="sv-SE" dirty="0"/>
           </a:p>
         </p:txBody>
@@ -8460,50 +8974,31 @@
             <p:ph idx="1"/>
           </p:nvPr>
         </p:nvSpPr>
-        <p:spPr/>
-        <p:txBody>
-          <a:bodyPr>
-            <a:normAutofit/>
-          </a:bodyPr>
-          <a:lstStyle/>
-          <a:p>
-            <a:r>
-              <a:rPr lang="sv-SE" dirty="0" smtClean="0"/>
-              <a:t>Kodblock som kan skickas runt precis som en variabel</a:t>
-            </a:r>
-          </a:p>
-          <a:p>
-            <a:r>
-              <a:rPr lang="sv-SE" dirty="0" smtClean="0"/>
-              <a:t>Vem som än får kodblocket skickat till sig kan exekvera det, när som helst</a:t>
-            </a:r>
-          </a:p>
-          <a:p>
-            <a:r>
-              <a:rPr lang="sv-SE" dirty="0" smtClean="0"/>
-              <a:t>Det kan referera till variabler skapade i </a:t>
-            </a:r>
-            <a:r>
-              <a:rPr lang="sv-SE" dirty="0" err="1" smtClean="0"/>
-              <a:t>contextet</a:t>
-            </a:r>
-            <a:r>
-              <a:rPr lang="sv-SE" dirty="0" smtClean="0"/>
-              <a:t> där kodblocket skapades</a:t>
-            </a:r>
-          </a:p>
-          <a:p>
-            <a:r>
-              <a:rPr lang="sv-SE" dirty="0" smtClean="0"/>
-              <a:t>Kommer finnas i Java 1.7, finns redan i </a:t>
-            </a:r>
-            <a:r>
-              <a:rPr lang="sv-SE" dirty="0" err="1" smtClean="0"/>
-              <a:t>Groovy</a:t>
-            </a:r>
-            <a:endParaRPr lang="sv-SE" dirty="0" smtClean="0"/>
-          </a:p>
-          <a:p>
+        <p:spPr>
+          <a:xfrm>
+            <a:off x="428596" y="1214422"/>
+            <a:ext cx="8229600" cy="4525963"/>
+          </a:xfrm>
+        </p:spPr>
+        <p:txBody>
+          <a:bodyPr/>
+          <a:lstStyle/>
+          <a:p>
+            <a:pPr>
+              <a:buNone/>
+            </a:pPr>
+            <a:r>
+              <a:rPr lang="sv-SE" dirty="0" smtClean="0"/>
+              <a:t>[</a:t>
+            </a:r>
+            <a:r>
+              <a:rPr lang="sv-SE" dirty="0" err="1" smtClean="0"/>
+              <a:t>Closures.groovy</a:t>
+            </a:r>
+            <a:r>
+              <a:rPr lang="sv-SE" dirty="0" smtClean="0"/>
+              <a:t>]</a:t>
+            </a:r>
             <a:endParaRPr lang="sv-SE" dirty="0"/>
           </a:p>
         </p:txBody>
@@ -8557,7 +9052,7 @@
           <a:p>
             <a:r>
               <a:rPr lang="sv-SE" dirty="0" smtClean="0"/>
-              <a:t>Metaprogrammering</a:t>
+              <a:t>Dynamiska språk</a:t>
             </a:r>
             <a:endParaRPr lang="sv-SE" dirty="0"/>
           </a:p>
@@ -8579,52 +9074,58 @@
           <a:lstStyle/>
           <a:p>
             <a:r>
-              <a:rPr lang="sv-SE" dirty="0" smtClean="0"/>
-              <a:t>Program som ändrar program, inklusive sig själv</a:t>
-            </a:r>
-          </a:p>
-          <a:p>
-            <a:r>
-              <a:rPr lang="sv-SE" dirty="0" smtClean="0"/>
-              <a:t>Skapa klasser och metoder medan programmet körs</a:t>
-            </a:r>
-          </a:p>
-          <a:p>
-            <a:r>
-              <a:rPr lang="sv-SE" dirty="0" smtClean="0"/>
-              <a:t>Skapa </a:t>
-            </a:r>
-            <a:r>
-              <a:rPr lang="sv-SE" dirty="0" err="1" smtClean="0"/>
-              <a:t>mock-objekt</a:t>
-            </a:r>
-            <a:r>
-              <a:rPr lang="sv-SE" dirty="0" smtClean="0"/>
+              <a:rPr lang="en-US" dirty="0" smtClean="0"/>
+              <a:t>Dynamic programming language is a term used broadly in computer science to describe a class of high level programming languages that </a:t>
+            </a:r>
+            <a:r>
+              <a:rPr lang="en-US" dirty="0" smtClean="0">
+                <a:solidFill>
+                  <a:srgbClr val="FF0000"/>
+                </a:solidFill>
+              </a:rPr>
+              <a:t>execute at runtime</a:t>
+            </a:r>
+            <a:r>
+              <a:rPr lang="en-US" dirty="0" smtClean="0"/>
               <a:t> </a:t>
             </a:r>
-          </a:p>
-          <a:p>
-            <a:r>
-              <a:rPr lang="sv-SE" dirty="0" smtClean="0"/>
-              <a:t>Testa klasser som är tajt kopplade</a:t>
-            </a:r>
-          </a:p>
-          <a:p>
-            <a:r>
-              <a:rPr lang="sv-SE" dirty="0" smtClean="0"/>
-              <a:t>Skapa </a:t>
-            </a:r>
-            <a:r>
-              <a:rPr lang="sv-SE" dirty="0" err="1" smtClean="0"/>
-              <a:t>DSL:s</a:t>
-            </a:r>
-            <a:r>
-              <a:rPr lang="sv-SE" dirty="0" smtClean="0"/>
-              <a:t> (</a:t>
-            </a:r>
-            <a:r>
-              <a:rPr lang="sv-SE" dirty="0" err="1" smtClean="0"/>
-              <a:t>Domain</a:t>
+            <a:r>
+              <a:rPr lang="en-US" dirty="0" smtClean="0">
+                <a:solidFill>
+                  <a:srgbClr val="FF0000"/>
+                </a:solidFill>
+              </a:rPr>
+              <a:t>many common behaviors that other languages might perform during compilation</a:t>
+            </a:r>
+            <a:r>
+              <a:rPr lang="sv-SE" dirty="0" smtClean="0"/>
+              <a:t>, </a:t>
+            </a:r>
+            <a:r>
+              <a:rPr lang="sv-SE" dirty="0" err="1" smtClean="0"/>
+              <a:t>if</a:t>
+            </a:r>
+            <a:r>
+              <a:rPr lang="sv-SE" dirty="0" smtClean="0"/>
+              <a:t> at all.</a:t>
+            </a:r>
+          </a:p>
+          <a:p>
+            <a:r>
+              <a:rPr lang="sv-SE" dirty="0" smtClean="0"/>
+              <a:t>Många dynamiska </a:t>
+            </a:r>
+            <a:r>
+              <a:rPr lang="sv-SE" dirty="0" smtClean="0"/>
+              <a:t>språk har dynamisk </a:t>
+            </a:r>
+            <a:r>
+              <a:rPr lang="sv-SE" dirty="0" smtClean="0"/>
+              <a:t>typning (</a:t>
+            </a:r>
+            <a:r>
+              <a:rPr lang="sv-SE" dirty="0" err="1" smtClean="0"/>
+              <a:t>Duck</a:t>
             </a:r>
             <a:r>
               <a:rPr lang="sv-SE" dirty="0" smtClean="0"/>
@@ -8632,15 +9133,7 @@
             </a:r>
             <a:r>
               <a:rPr lang="sv-SE" dirty="0" err="1" smtClean="0"/>
-              <a:t>specific</a:t>
-            </a:r>
-            <a:r>
-              <a:rPr lang="sv-SE" dirty="0" smtClean="0"/>
-              <a:t> </a:t>
-            </a:r>
-            <a:r>
-              <a:rPr lang="sv-SE" dirty="0" err="1" smtClean="0"/>
-              <a:t>languages</a:t>
+              <a:t>typing</a:t>
             </a:r>
             <a:r>
               <a:rPr lang="sv-SE" dirty="0" smtClean="0"/>
@@ -8699,15 +9192,7 @@
           <a:p>
             <a:r>
               <a:rPr lang="sv-SE" dirty="0" smtClean="0"/>
-              <a:t>GPL(General </a:t>
-            </a:r>
-            <a:r>
-              <a:rPr lang="sv-SE" dirty="0" err="1" smtClean="0"/>
-              <a:t>Purpose</a:t>
-            </a:r>
-            <a:r>
-              <a:rPr lang="sv-SE" dirty="0" smtClean="0"/>
-              <a:t> Languages)</a:t>
+              <a:t>Nackdelar med dynamiska språk</a:t>
             </a:r>
             <a:endParaRPr lang="sv-SE" dirty="0"/>
           </a:p>
@@ -8730,37 +9215,14 @@
           <a:p>
             <a:r>
               <a:rPr lang="sv-SE" dirty="0" smtClean="0"/>
-              <a:t>Java, C, Ruby, </a:t>
-            </a:r>
-            <a:r>
-              <a:rPr lang="sv-SE" dirty="0" err="1" smtClean="0"/>
-              <a:t>Groovy</a:t>
-            </a:r>
-            <a:r>
-              <a:rPr lang="sv-SE" dirty="0" smtClean="0"/>
-              <a:t> och liknande språk kallas GPL, General </a:t>
-            </a:r>
-            <a:r>
-              <a:rPr lang="sv-SE" dirty="0" err="1" smtClean="0"/>
-              <a:t>Purpose</a:t>
-            </a:r>
-            <a:r>
-              <a:rPr lang="sv-SE" dirty="0" smtClean="0"/>
-              <a:t> Languages. </a:t>
-            </a:r>
-          </a:p>
-          <a:p>
-            <a:r>
-              <a:rPr lang="sv-SE" dirty="0" smtClean="0"/>
-              <a:t>Har en generell syntax, oberoende av område.</a:t>
-            </a:r>
-          </a:p>
-          <a:p>
-            <a:r>
-              <a:rPr lang="sv-SE" dirty="0" smtClean="0"/>
-              <a:t>Allt går att göra, men det är sällan det enklaste eller snabbaste sättet</a:t>
-            </a:r>
-            <a:endParaRPr lang="sv-SE" dirty="0"/>
+              <a:t>Sämre prestanda</a:t>
+            </a:r>
+          </a:p>
+          <a:p>
+            <a:r>
+              <a:rPr lang="sv-SE" dirty="0" smtClean="0"/>
+              <a:t>(Större behov av enhetstester)</a:t>
+            </a:r>
           </a:p>
         </p:txBody>
       </p:sp>
@@ -8813,70 +9275,83 @@
           <a:p>
             <a:r>
               <a:rPr lang="sv-SE" dirty="0" smtClean="0"/>
-              <a:t>DSL (</a:t>
-            </a:r>
-            <a:r>
-              <a:rPr lang="sv-SE" dirty="0" err="1" smtClean="0"/>
-              <a:t>Domain</a:t>
+              <a:t>Fördelar med dynamiska språk</a:t>
+            </a:r>
+            <a:endParaRPr lang="sv-SE" dirty="0"/>
+          </a:p>
+        </p:txBody>
+      </p:sp>
+      <p:sp>
+        <p:nvSpPr>
+          <p:cNvPr id="3" name="Platshållare för innehåll 2"/>
+          <p:cNvSpPr>
+            <a:spLocks noGrp="1"/>
+          </p:cNvSpPr>
+          <p:nvPr>
+            <p:ph idx="1"/>
+          </p:nvPr>
+        </p:nvSpPr>
+        <p:spPr/>
+        <p:txBody>
+          <a:bodyPr/>
+          <a:lstStyle/>
+          <a:p>
+            <a:r>
+              <a:rPr lang="sv-SE" dirty="0" err="1" smtClean="0"/>
+              <a:t>Closures</a:t>
             </a:r>
             <a:r>
               <a:rPr lang="sv-SE" dirty="0" smtClean="0"/>
               <a:t> </a:t>
             </a:r>
-            <a:r>
-              <a:rPr lang="sv-SE" dirty="0" err="1" smtClean="0"/>
-              <a:t>Specific</a:t>
-            </a:r>
-            <a:r>
-              <a:rPr lang="sv-SE" dirty="0" smtClean="0"/>
-              <a:t> Languages)</a:t>
-            </a:r>
-            <a:endParaRPr lang="sv-SE" dirty="0"/>
-          </a:p>
-        </p:txBody>
-      </p:sp>
-      <p:sp>
-        <p:nvSpPr>
-          <p:cNvPr id="3" name="Platshållare för innehåll 2"/>
-          <p:cNvSpPr>
-            <a:spLocks noGrp="1"/>
-          </p:cNvSpPr>
-          <p:nvPr>
-            <p:ph idx="1"/>
-          </p:nvPr>
-        </p:nvSpPr>
-        <p:spPr/>
-        <p:txBody>
-          <a:bodyPr>
-            <a:normAutofit/>
-          </a:bodyPr>
-          <a:lstStyle/>
-          <a:p>
-            <a:r>
-              <a:rPr lang="sv-SE" dirty="0" smtClean="0"/>
-              <a:t>Språket är designat utifrån domänen det används i.</a:t>
-            </a:r>
-          </a:p>
-          <a:p>
-            <a:r>
-              <a:rPr lang="sv-SE" dirty="0" smtClean="0"/>
-              <a:t>Går snabbare att utveckla i ett språk som ligger nära problemdomänen</a:t>
-            </a:r>
-          </a:p>
-          <a:p>
-            <a:r>
-              <a:rPr lang="sv-SE" dirty="0" smtClean="0"/>
-              <a:t>Lätt att kommunicera med beställare och användare</a:t>
-            </a:r>
-          </a:p>
-          <a:p>
-            <a:r>
-              <a:rPr lang="sv-SE" dirty="0" smtClean="0"/>
-              <a:t>Koden läsbar även för icke-programmerare</a:t>
-            </a:r>
-          </a:p>
-          <a:p>
+          </a:p>
+          <a:p>
+            <a:r>
+              <a:rPr lang="sv-SE" dirty="0" smtClean="0"/>
+              <a:t>Ändra objekt i </a:t>
+            </a:r>
+            <a:r>
+              <a:rPr lang="sv-SE" dirty="0" err="1" smtClean="0"/>
+              <a:t>runtime</a:t>
+            </a:r>
+            <a:r>
+              <a:rPr lang="sv-SE" dirty="0" smtClean="0"/>
+              <a:t> (Metaprogrammering)</a:t>
+            </a:r>
             <a:endParaRPr lang="sv-SE" dirty="0" smtClean="0"/>
+          </a:p>
+          <a:p>
+            <a:r>
+              <a:rPr lang="sv-SE" dirty="0" smtClean="0"/>
+              <a:t>Möjlighet </a:t>
+            </a:r>
+            <a:r>
+              <a:rPr lang="sv-SE" dirty="0" smtClean="0"/>
+              <a:t>att ändra hur språket fungerar </a:t>
+            </a:r>
+            <a:r>
+              <a:rPr lang="sv-SE" dirty="0" smtClean="0"/>
+              <a:t>(Metaprogrammering</a:t>
+            </a:r>
+            <a:r>
+              <a:rPr lang="sv-SE" dirty="0" smtClean="0"/>
+              <a:t>)</a:t>
+            </a:r>
+            <a:endParaRPr lang="sv-SE" dirty="0" smtClean="0"/>
+          </a:p>
+          <a:p>
+            <a:pPr lvl="1"/>
+            <a:endParaRPr lang="sv-SE" dirty="0" smtClean="0"/>
+          </a:p>
+          <a:p>
+            <a:pPr lvl="1"/>
+            <a:endParaRPr lang="sv-SE" dirty="0" smtClean="0"/>
+          </a:p>
+          <a:p>
+            <a:pPr>
+              <a:buNone/>
+            </a:pPr>
+            <a:endParaRPr lang="sv-SE" dirty="0"/>
           </a:p>
         </p:txBody>
       </p:sp>

--- a/groovyseminarie/dokument/groovyseminarium_source.pptx
+++ b/groovyseminarie/dokument/groovyseminarium_source.pptx
@@ -2,7 +2,7 @@
 <file path=ppt/presentation.xml><?xml version="1.0" encoding="utf-8"?>
 <p:presentation xmlns:a="http://schemas.openxmlformats.org/drawingml/2006/main" xmlns:r="http://schemas.openxmlformats.org/officeDocument/2006/relationships" xmlns:p="http://schemas.openxmlformats.org/presentationml/2006/main" saveSubsetFonts="1">
   <p:sldMasterIdLst>
-    <p:sldMasterId id="2147483648" r:id="rId1"/>
+    <p:sldMasterId id="2147483660" r:id="rId1"/>
   </p:sldMasterIdLst>
   <p:sldIdLst>
     <p:sldId id="258" r:id="rId2"/>
@@ -19,54 +19,52 @@
     <p:sldId id="262" r:id="rId13"/>
     <p:sldId id="263" r:id="rId14"/>
     <p:sldId id="264" r:id="rId15"/>
-    <p:sldId id="265" r:id="rId16"/>
-    <p:sldId id="266" r:id="rId17"/>
-    <p:sldId id="267" r:id="rId18"/>
-    <p:sldId id="268" r:id="rId19"/>
-    <p:sldId id="280" r:id="rId20"/>
-    <p:sldId id="269" r:id="rId21"/>
-    <p:sldId id="270" r:id="rId22"/>
-    <p:sldId id="276" r:id="rId23"/>
-    <p:sldId id="275" r:id="rId24"/>
-    <p:sldId id="273" r:id="rId25"/>
-    <p:sldId id="305" r:id="rId26"/>
-    <p:sldId id="307" r:id="rId27"/>
-    <p:sldId id="308" r:id="rId28"/>
-    <p:sldId id="309" r:id="rId29"/>
-    <p:sldId id="283" r:id="rId30"/>
-    <p:sldId id="284" r:id="rId31"/>
-    <p:sldId id="285" r:id="rId32"/>
-    <p:sldId id="296" r:id="rId33"/>
-    <p:sldId id="286" r:id="rId34"/>
-    <p:sldId id="287" r:id="rId35"/>
-    <p:sldId id="288" r:id="rId36"/>
-    <p:sldId id="297" r:id="rId37"/>
-    <p:sldId id="291" r:id="rId38"/>
-    <p:sldId id="298" r:id="rId39"/>
-    <p:sldId id="299" r:id="rId40"/>
-    <p:sldId id="300" r:id="rId41"/>
-    <p:sldId id="301" r:id="rId42"/>
-    <p:sldId id="303" r:id="rId43"/>
-    <p:sldId id="304" r:id="rId44"/>
-    <p:sldId id="292" r:id="rId45"/>
-    <p:sldId id="293" r:id="rId46"/>
-    <p:sldId id="294" r:id="rId47"/>
-    <p:sldId id="289" r:id="rId48"/>
-    <p:sldId id="310" r:id="rId49"/>
-    <p:sldId id="311" r:id="rId50"/>
-    <p:sldId id="312" r:id="rId51"/>
-    <p:sldId id="313" r:id="rId52"/>
-    <p:sldId id="314" r:id="rId53"/>
-    <p:sldId id="315" r:id="rId54"/>
-    <p:sldId id="316" r:id="rId55"/>
-    <p:sldId id="317" r:id="rId56"/>
-    <p:sldId id="318" r:id="rId57"/>
-    <p:sldId id="319" r:id="rId58"/>
-    <p:sldId id="320" r:id="rId59"/>
-    <p:sldId id="321" r:id="rId60"/>
-    <p:sldId id="322" r:id="rId61"/>
-    <p:sldId id="323" r:id="rId62"/>
-    <p:sldId id="324" r:id="rId63"/>
+    <p:sldId id="268" r:id="rId16"/>
+    <p:sldId id="330" r:id="rId17"/>
+    <p:sldId id="280" r:id="rId18"/>
+    <p:sldId id="269" r:id="rId19"/>
+    <p:sldId id="270" r:id="rId20"/>
+    <p:sldId id="276" r:id="rId21"/>
+    <p:sldId id="275" r:id="rId22"/>
+    <p:sldId id="273" r:id="rId23"/>
+    <p:sldId id="305" r:id="rId24"/>
+    <p:sldId id="307" r:id="rId25"/>
+    <p:sldId id="308" r:id="rId26"/>
+    <p:sldId id="309" r:id="rId27"/>
+    <p:sldId id="284" r:id="rId28"/>
+    <p:sldId id="285" r:id="rId29"/>
+    <p:sldId id="331" r:id="rId30"/>
+    <p:sldId id="296" r:id="rId31"/>
+    <p:sldId id="286" r:id="rId32"/>
+    <p:sldId id="287" r:id="rId33"/>
+    <p:sldId id="288" r:id="rId34"/>
+    <p:sldId id="297" r:id="rId35"/>
+    <p:sldId id="291" r:id="rId36"/>
+    <p:sldId id="298" r:id="rId37"/>
+    <p:sldId id="299" r:id="rId38"/>
+    <p:sldId id="300" r:id="rId39"/>
+    <p:sldId id="301" r:id="rId40"/>
+    <p:sldId id="303" r:id="rId41"/>
+    <p:sldId id="304" r:id="rId42"/>
+    <p:sldId id="292" r:id="rId43"/>
+    <p:sldId id="293" r:id="rId44"/>
+    <p:sldId id="294" r:id="rId45"/>
+    <p:sldId id="289" r:id="rId46"/>
+    <p:sldId id="310" r:id="rId47"/>
+    <p:sldId id="311" r:id="rId48"/>
+    <p:sldId id="312" r:id="rId49"/>
+    <p:sldId id="313" r:id="rId50"/>
+    <p:sldId id="314" r:id="rId51"/>
+    <p:sldId id="315" r:id="rId52"/>
+    <p:sldId id="316" r:id="rId53"/>
+    <p:sldId id="317" r:id="rId54"/>
+    <p:sldId id="318" r:id="rId55"/>
+    <p:sldId id="319" r:id="rId56"/>
+    <p:sldId id="320" r:id="rId57"/>
+    <p:sldId id="321" r:id="rId58"/>
+    <p:sldId id="322" r:id="rId59"/>
+    <p:sldId id="323" r:id="rId60"/>
+    <p:sldId id="324" r:id="rId61"/>
   </p:sldIdLst>
   <p:sldSz cx="9144000" cy="6858000" type="screen4x3"/>
   <p:notesSz cx="6858000" cy="9144000"/>
@@ -171,6 +169,11 @@
 <file path=ppt/slideLayouts/slideLayout1.xml><?xml version="1.0" encoding="utf-8"?>
 <p:sldLayout xmlns:a="http://schemas.openxmlformats.org/drawingml/2006/main" xmlns:r="http://schemas.openxmlformats.org/officeDocument/2006/relationships" xmlns:p="http://schemas.openxmlformats.org/presentationml/2006/main" type="title" preserve="1">
   <p:cSld name="Rubrikbild">
+    <p:bg>
+      <p:bgRef idx="1002">
+        <a:schemeClr val="bg2"/>
+      </p:bgRef>
+    </p:bg>
     <p:spTree>
       <p:nvGrpSpPr>
         <p:cNvPr id="1" name=""/>
@@ -187,7 +190,7 @@
       </p:grpSpPr>
       <p:sp>
         <p:nvSpPr>
-          <p:cNvPr id="2" name="Rubrik 1"/>
+          <p:cNvPr id="9" name="Rubrik 8"/>
           <p:cNvSpPr>
             <a:spLocks noGrp="1"/>
           </p:cNvSpPr>
@@ -197,144 +200,131 @@
         </p:nvSpPr>
         <p:spPr>
           <a:xfrm>
-            <a:off x="685800" y="2130425"/>
-            <a:ext cx="7772400" cy="1470025"/>
+            <a:off x="533400" y="1371600"/>
+            <a:ext cx="7851648" cy="1828800"/>
+          </a:xfrm>
+          <a:ln>
+            <a:noFill/>
+          </a:ln>
+        </p:spPr>
+        <p:txBody>
+          <a:bodyPr vert="horz" tIns="0" rIns="18288" bIns="0" anchor="b">
+            <a:normAutofit/>
+            <a:scene3d>
+              <a:camera prst="orthographicFront"/>
+              <a:lightRig rig="freezing" dir="t">
+                <a:rot lat="0" lon="0" rev="5640000"/>
+              </a:lightRig>
+            </a:scene3d>
+            <a:sp3d prstMaterial="flat">
+              <a:bevelT w="38100" h="38100"/>
+              <a:contourClr>
+                <a:schemeClr val="tx2"/>
+              </a:contourClr>
+            </a:sp3d>
+          </a:bodyPr>
+          <a:lstStyle>
+            <a:lvl1pPr algn="r" rtl="0">
+              <a:spcBef>
+                <a:spcPct val="0"/>
+              </a:spcBef>
+              <a:buNone/>
+              <a:defRPr sz="5600" b="1">
+                <a:ln>
+                  <a:noFill/>
+                </a:ln>
+                <a:solidFill>
+                  <a:schemeClr val="accent3">
+                    <a:tint val="90000"/>
+                    <a:satMod val="120000"/>
+                  </a:schemeClr>
+                </a:solidFill>
+                <a:effectLst>
+                  <a:outerShdw blurRad="38100" dist="25400" dir="5400000" algn="tl" rotWithShape="0">
+                    <a:srgbClr val="000000">
+                      <a:alpha val="43000"/>
+                    </a:srgbClr>
+                  </a:outerShdw>
+                </a:effectLst>
+                <a:latin typeface="+mj-lt"/>
+                <a:ea typeface="+mj-ea"/>
+                <a:cs typeface="+mj-cs"/>
+              </a:defRPr>
+            </a:lvl1pPr>
+          </a:lstStyle>
+          <a:p>
+            <a:r>
+              <a:rPr kumimoji="0" lang="sv-SE" smtClean="0"/>
+              <a:t>Klicka här för att ändra format</a:t>
+            </a:r>
+            <a:endParaRPr kumimoji="0" lang="en-US"/>
+          </a:p>
+        </p:txBody>
+      </p:sp>
+      <p:sp>
+        <p:nvSpPr>
+          <p:cNvPr id="17" name="Underrubrik 16"/>
+          <p:cNvSpPr>
+            <a:spLocks noGrp="1"/>
+          </p:cNvSpPr>
+          <p:nvPr>
+            <p:ph type="subTitle" idx="1"/>
+          </p:nvPr>
+        </p:nvSpPr>
+        <p:spPr>
+          <a:xfrm>
+            <a:off x="533400" y="3228536"/>
+            <a:ext cx="7854696" cy="1752600"/>
           </a:xfrm>
         </p:spPr>
         <p:txBody>
-          <a:bodyPr/>
-          <a:lstStyle/>
-          <a:p>
-            <a:r>
-              <a:rPr lang="sv-SE" smtClean="0"/>
-              <a:t>Klicka här för att ändra format</a:t>
-            </a:r>
-            <a:endParaRPr lang="sv-SE"/>
-          </a:p>
-        </p:txBody>
-      </p:sp>
-      <p:sp>
-        <p:nvSpPr>
-          <p:cNvPr id="3" name="Underrubrik 2"/>
-          <p:cNvSpPr>
-            <a:spLocks noGrp="1"/>
-          </p:cNvSpPr>
-          <p:nvPr>
-            <p:ph type="subTitle" idx="1"/>
-          </p:nvPr>
-        </p:nvSpPr>
-        <p:spPr>
-          <a:xfrm>
-            <a:off x="1371600" y="3886200"/>
-            <a:ext cx="6400800" cy="1752600"/>
-          </a:xfrm>
-        </p:spPr>
-        <p:txBody>
-          <a:bodyPr/>
+          <a:bodyPr lIns="0" rIns="18288"/>
           <a:lstStyle>
-            <a:lvl1pPr marL="0" indent="0" algn="ctr">
+            <a:lvl1pPr marL="0" marR="45720" indent="0" algn="r">
               <a:buNone/>
               <a:defRPr>
                 <a:solidFill>
-                  <a:schemeClr val="tx1">
-                    <a:tint val="75000"/>
-                  </a:schemeClr>
+                  <a:schemeClr val="tx1"/>
                 </a:solidFill>
               </a:defRPr>
             </a:lvl1pPr>
             <a:lvl2pPr marL="457200" indent="0" algn="ctr">
               <a:buNone/>
-              <a:defRPr>
-                <a:solidFill>
-                  <a:schemeClr val="tx1">
-                    <a:tint val="75000"/>
-                  </a:schemeClr>
-                </a:solidFill>
-              </a:defRPr>
             </a:lvl2pPr>
             <a:lvl3pPr marL="914400" indent="0" algn="ctr">
               <a:buNone/>
-              <a:defRPr>
-                <a:solidFill>
-                  <a:schemeClr val="tx1">
-                    <a:tint val="75000"/>
-                  </a:schemeClr>
-                </a:solidFill>
-              </a:defRPr>
             </a:lvl3pPr>
             <a:lvl4pPr marL="1371600" indent="0" algn="ctr">
               <a:buNone/>
-              <a:defRPr>
-                <a:solidFill>
-                  <a:schemeClr val="tx1">
-                    <a:tint val="75000"/>
-                  </a:schemeClr>
-                </a:solidFill>
-              </a:defRPr>
             </a:lvl4pPr>
             <a:lvl5pPr marL="1828800" indent="0" algn="ctr">
               <a:buNone/>
-              <a:defRPr>
-                <a:solidFill>
-                  <a:schemeClr val="tx1">
-                    <a:tint val="75000"/>
-                  </a:schemeClr>
-                </a:solidFill>
-              </a:defRPr>
             </a:lvl5pPr>
             <a:lvl6pPr marL="2286000" indent="0" algn="ctr">
               <a:buNone/>
-              <a:defRPr>
-                <a:solidFill>
-                  <a:schemeClr val="tx1">
-                    <a:tint val="75000"/>
-                  </a:schemeClr>
-                </a:solidFill>
-              </a:defRPr>
             </a:lvl6pPr>
             <a:lvl7pPr marL="2743200" indent="0" algn="ctr">
               <a:buNone/>
-              <a:defRPr>
-                <a:solidFill>
-                  <a:schemeClr val="tx1">
-                    <a:tint val="75000"/>
-                  </a:schemeClr>
-                </a:solidFill>
-              </a:defRPr>
             </a:lvl7pPr>
             <a:lvl8pPr marL="3200400" indent="0" algn="ctr">
               <a:buNone/>
-              <a:defRPr>
-                <a:solidFill>
-                  <a:schemeClr val="tx1">
-                    <a:tint val="75000"/>
-                  </a:schemeClr>
-                </a:solidFill>
-              </a:defRPr>
             </a:lvl8pPr>
             <a:lvl9pPr marL="3657600" indent="0" algn="ctr">
               <a:buNone/>
-              <a:defRPr>
-                <a:solidFill>
-                  <a:schemeClr val="tx1">
-                    <a:tint val="75000"/>
-                  </a:schemeClr>
-                </a:solidFill>
-              </a:defRPr>
             </a:lvl9pPr>
           </a:lstStyle>
           <a:p>
             <a:r>
-              <a:rPr lang="sv-SE" smtClean="0"/>
+              <a:rPr kumimoji="0" lang="sv-SE" smtClean="0"/>
               <a:t>Klicka här för att ändra format på underrubrik i bakgrunden</a:t>
             </a:r>
-            <a:endParaRPr lang="sv-SE"/>
-          </a:p>
-        </p:txBody>
-      </p:sp>
-      <p:sp>
-        <p:nvSpPr>
-          <p:cNvPr id="4" name="Platshållare för datum 3"/>
+            <a:endParaRPr kumimoji="0" lang="en-US"/>
+          </a:p>
+        </p:txBody>
+      </p:sp>
+      <p:sp>
+        <p:nvSpPr>
+          <p:cNvPr id="30" name="Platshållare för datum 29"/>
           <p:cNvSpPr>
             <a:spLocks noGrp="1"/>
           </p:cNvSpPr>
@@ -358,7 +348,7 @@
       </p:sp>
       <p:sp>
         <p:nvSpPr>
-          <p:cNvPr id="5" name="Platshållare för sidfot 4"/>
+          <p:cNvPr id="19" name="Platshållare för sidfot 18"/>
           <p:cNvSpPr>
             <a:spLocks noGrp="1"/>
           </p:cNvSpPr>
@@ -377,7 +367,7 @@
       </p:sp>
       <p:sp>
         <p:nvSpPr>
-          <p:cNvPr id="6" name="Platshållare för bildnummer 5"/>
+          <p:cNvPr id="27" name="Platshållare för bildnummer 26"/>
           <p:cNvSpPr>
             <a:spLocks noGrp="1"/>
           </p:cNvSpPr>
@@ -402,7 +392,7 @@
     </p:spTree>
   </p:cSld>
   <p:clrMapOvr>
-    <a:masterClrMapping/>
+    <a:overrideClrMapping bg1="dk1" tx1="lt1" bg2="dk2" tx2="lt2" accent1="accent1" accent2="accent2" accent3="accent3" accent4="accent4" accent5="accent5" accent6="accent6" hlink="hlink" folHlink="folHlink"/>
   </p:clrMapOvr>
 </p:sldLayout>
 </file>
@@ -440,10 +430,10 @@
           <a:lstStyle/>
           <a:p>
             <a:r>
-              <a:rPr lang="sv-SE" smtClean="0"/>
+              <a:rPr kumimoji="0" lang="sv-SE" smtClean="0"/>
               <a:t>Klicka här för att ändra format</a:t>
             </a:r>
-            <a:endParaRPr lang="sv-SE"/>
+            <a:endParaRPr kumimoji="0" lang="en-US"/>
           </a:p>
         </p:txBody>
       </p:sp>
@@ -462,40 +452,40 @@
           <a:bodyPr vert="eaVert"/>
           <a:lstStyle/>
           <a:p>
-            <a:pPr lvl="0"/>
+            <a:pPr lvl="0" eaLnBrk="1" latinLnBrk="0" hangingPunct="1"/>
             <a:r>
               <a:rPr lang="sv-SE" smtClean="0"/>
               <a:t>Klicka här för att ändra format på bakgrundstexten</a:t>
             </a:r>
           </a:p>
           <a:p>
-            <a:pPr lvl="1"/>
+            <a:pPr lvl="1" eaLnBrk="1" latinLnBrk="0" hangingPunct="1"/>
             <a:r>
               <a:rPr lang="sv-SE" smtClean="0"/>
               <a:t>Nivå två</a:t>
             </a:r>
           </a:p>
           <a:p>
-            <a:pPr lvl="2"/>
+            <a:pPr lvl="2" eaLnBrk="1" latinLnBrk="0" hangingPunct="1"/>
             <a:r>
               <a:rPr lang="sv-SE" smtClean="0"/>
               <a:t>Nivå tre</a:t>
             </a:r>
           </a:p>
           <a:p>
-            <a:pPr lvl="3"/>
+            <a:pPr lvl="3" eaLnBrk="1" latinLnBrk="0" hangingPunct="1"/>
             <a:r>
               <a:rPr lang="sv-SE" smtClean="0"/>
               <a:t>Nivå fyra</a:t>
             </a:r>
           </a:p>
           <a:p>
-            <a:pPr lvl="4"/>
+            <a:pPr lvl="4" eaLnBrk="1" latinLnBrk="0" hangingPunct="1"/>
             <a:r>
               <a:rPr lang="sv-SE" smtClean="0"/>
               <a:t>Nivå fem</a:t>
             </a:r>
-            <a:endParaRPr lang="sv-SE"/>
+            <a:endParaRPr kumimoji="0" lang="en-US"/>
           </a:p>
         </p:txBody>
       </p:sp>
@@ -603,8 +593,8 @@
         </p:nvSpPr>
         <p:spPr>
           <a:xfrm>
-            <a:off x="6629400" y="274638"/>
-            <a:ext cx="2057400" cy="5851525"/>
+            <a:off x="6629400" y="914401"/>
+            <a:ext cx="2057400" cy="5211763"/>
           </a:xfrm>
         </p:spPr>
         <p:txBody>
@@ -612,10 +602,10 @@
           <a:lstStyle/>
           <a:p>
             <a:r>
-              <a:rPr lang="sv-SE" smtClean="0"/>
+              <a:rPr kumimoji="0" lang="sv-SE" smtClean="0"/>
               <a:t>Klicka här för att ändra format</a:t>
             </a:r>
-            <a:endParaRPr lang="sv-SE"/>
+            <a:endParaRPr kumimoji="0" lang="en-US"/>
           </a:p>
         </p:txBody>
       </p:sp>
@@ -631,48 +621,48 @@
         </p:nvSpPr>
         <p:spPr>
           <a:xfrm>
-            <a:off x="457200" y="274638"/>
-            <a:ext cx="6019800" cy="5851525"/>
+            <a:off x="457200" y="914401"/>
+            <a:ext cx="6019800" cy="5211763"/>
           </a:xfrm>
         </p:spPr>
         <p:txBody>
           <a:bodyPr vert="eaVert"/>
           <a:lstStyle/>
           <a:p>
-            <a:pPr lvl="0"/>
+            <a:pPr lvl="0" eaLnBrk="1" latinLnBrk="0" hangingPunct="1"/>
             <a:r>
               <a:rPr lang="sv-SE" smtClean="0"/>
               <a:t>Klicka här för att ändra format på bakgrundstexten</a:t>
             </a:r>
           </a:p>
           <a:p>
-            <a:pPr lvl="1"/>
+            <a:pPr lvl="1" eaLnBrk="1" latinLnBrk="0" hangingPunct="1"/>
             <a:r>
               <a:rPr lang="sv-SE" smtClean="0"/>
               <a:t>Nivå två</a:t>
             </a:r>
           </a:p>
           <a:p>
-            <a:pPr lvl="2"/>
+            <a:pPr lvl="2" eaLnBrk="1" latinLnBrk="0" hangingPunct="1"/>
             <a:r>
               <a:rPr lang="sv-SE" smtClean="0"/>
               <a:t>Nivå tre</a:t>
             </a:r>
           </a:p>
           <a:p>
-            <a:pPr lvl="3"/>
+            <a:pPr lvl="3" eaLnBrk="1" latinLnBrk="0" hangingPunct="1"/>
             <a:r>
               <a:rPr lang="sv-SE" smtClean="0"/>
               <a:t>Nivå fyra</a:t>
             </a:r>
           </a:p>
           <a:p>
-            <a:pPr lvl="4"/>
+            <a:pPr lvl="4" eaLnBrk="1" latinLnBrk="0" hangingPunct="1"/>
             <a:r>
               <a:rPr lang="sv-SE" smtClean="0"/>
               <a:t>Nivå fem</a:t>
             </a:r>
-            <a:endParaRPr lang="sv-SE"/>
+            <a:endParaRPr kumimoji="0" lang="en-US"/>
           </a:p>
         </p:txBody>
       </p:sp>
@@ -784,10 +774,10 @@
           <a:lstStyle/>
           <a:p>
             <a:r>
-              <a:rPr lang="sv-SE" smtClean="0"/>
+              <a:rPr kumimoji="0" lang="sv-SE" smtClean="0"/>
               <a:t>Klicka här för att ändra format</a:t>
             </a:r>
-            <a:endParaRPr lang="sv-SE"/>
+            <a:endParaRPr kumimoji="0" lang="en-US"/>
           </a:p>
         </p:txBody>
       </p:sp>
@@ -806,40 +796,40 @@
           <a:bodyPr/>
           <a:lstStyle/>
           <a:p>
-            <a:pPr lvl="0"/>
+            <a:pPr lvl="0" eaLnBrk="1" latinLnBrk="0" hangingPunct="1"/>
             <a:r>
               <a:rPr lang="sv-SE" smtClean="0"/>
               <a:t>Klicka här för att ändra format på bakgrundstexten</a:t>
             </a:r>
           </a:p>
           <a:p>
-            <a:pPr lvl="1"/>
+            <a:pPr lvl="1" eaLnBrk="1" latinLnBrk="0" hangingPunct="1"/>
             <a:r>
               <a:rPr lang="sv-SE" smtClean="0"/>
               <a:t>Nivå två</a:t>
             </a:r>
           </a:p>
           <a:p>
-            <a:pPr lvl="2"/>
+            <a:pPr lvl="2" eaLnBrk="1" latinLnBrk="0" hangingPunct="1"/>
             <a:r>
               <a:rPr lang="sv-SE" smtClean="0"/>
               <a:t>Nivå tre</a:t>
             </a:r>
           </a:p>
           <a:p>
-            <a:pPr lvl="3"/>
+            <a:pPr lvl="3" eaLnBrk="1" latinLnBrk="0" hangingPunct="1"/>
             <a:r>
               <a:rPr lang="sv-SE" smtClean="0"/>
               <a:t>Nivå fyra</a:t>
             </a:r>
           </a:p>
           <a:p>
-            <a:pPr lvl="4"/>
+            <a:pPr lvl="4" eaLnBrk="1" latinLnBrk="0" hangingPunct="1"/>
             <a:r>
               <a:rPr lang="sv-SE" smtClean="0"/>
               <a:t>Nivå fem</a:t>
             </a:r>
-            <a:endParaRPr lang="sv-SE"/>
+            <a:endParaRPr kumimoji="0" lang="en-US"/>
           </a:p>
         </p:txBody>
       </p:sp>
@@ -921,6 +911,11 @@
 <file path=ppt/slideLayouts/slideLayout3.xml><?xml version="1.0" encoding="utf-8"?>
 <p:sldLayout xmlns:a="http://schemas.openxmlformats.org/drawingml/2006/main" xmlns:r="http://schemas.openxmlformats.org/officeDocument/2006/relationships" xmlns:p="http://schemas.openxmlformats.org/presentationml/2006/main" type="secHead" preserve="1">
   <p:cSld name="Avsnittsrubrik">
+    <p:bg>
+      <p:bgRef idx="1002">
+        <a:schemeClr val="bg2"/>
+      </p:bgRef>
+    </p:bg>
     <p:spTree>
       <p:nvGrpSpPr>
         <p:cNvPr id="1" name=""/>
@@ -947,56 +942,92 @@
         </p:nvSpPr>
         <p:spPr>
           <a:xfrm>
-            <a:off x="722313" y="4406900"/>
-            <a:ext cx="7772400" cy="1362075"/>
+            <a:off x="530352" y="1316736"/>
+            <a:ext cx="7772400" cy="1362456"/>
+          </a:xfrm>
+          <a:ln>
+            <a:noFill/>
+          </a:ln>
+        </p:spPr>
+        <p:txBody>
+          <a:bodyPr vert="horz" tIns="0" bIns="0" anchor="b">
+            <a:noAutofit/>
+            <a:scene3d>
+              <a:camera prst="orthographicFront"/>
+              <a:lightRig rig="freezing" dir="t">
+                <a:rot lat="0" lon="0" rev="5640000"/>
+              </a:lightRig>
+            </a:scene3d>
+            <a:sp3d prstMaterial="flat">
+              <a:bevelT w="38100" h="38100"/>
+            </a:sp3d>
+          </a:bodyPr>
+          <a:lstStyle>
+            <a:lvl1pPr algn="l" rtl="0">
+              <a:spcBef>
+                <a:spcPct val="0"/>
+              </a:spcBef>
+              <a:buNone/>
+              <a:defRPr lang="en-US" sz="5600" b="1" cap="none" baseline="0" dirty="0">
+                <a:ln w="635">
+                  <a:noFill/>
+                </a:ln>
+                <a:solidFill>
+                  <a:schemeClr val="accent4">
+                    <a:tint val="90000"/>
+                    <a:satMod val="125000"/>
+                  </a:schemeClr>
+                </a:solidFill>
+                <a:effectLst>
+                  <a:outerShdw blurRad="38100" dist="25400" dir="5400000" algn="tl" rotWithShape="0">
+                    <a:srgbClr val="000000">
+                      <a:alpha val="43000"/>
+                    </a:srgbClr>
+                  </a:outerShdw>
+                </a:effectLst>
+                <a:latin typeface="+mj-lt"/>
+                <a:ea typeface="+mj-ea"/>
+                <a:cs typeface="+mj-cs"/>
+              </a:defRPr>
+            </a:lvl1pPr>
+          </a:lstStyle>
+          <a:p>
+            <a:r>
+              <a:rPr kumimoji="0" lang="sv-SE" smtClean="0"/>
+              <a:t>Klicka här för att ändra format</a:t>
+            </a:r>
+            <a:endParaRPr kumimoji="0" lang="en-US"/>
+          </a:p>
+        </p:txBody>
+      </p:sp>
+      <p:sp>
+        <p:nvSpPr>
+          <p:cNvPr id="3" name="Platshållare för text 2"/>
+          <p:cNvSpPr>
+            <a:spLocks noGrp="1"/>
+          </p:cNvSpPr>
+          <p:nvPr>
+            <p:ph type="body" idx="1"/>
+          </p:nvPr>
+        </p:nvSpPr>
+        <p:spPr>
+          <a:xfrm>
+            <a:off x="530352" y="2704664"/>
+            <a:ext cx="7772400" cy="1509712"/>
           </a:xfrm>
         </p:spPr>
         <p:txBody>
-          <a:bodyPr anchor="t"/>
-          <a:lstStyle>
-            <a:lvl1pPr algn="l">
-              <a:defRPr sz="4000" b="1" cap="all"/>
-            </a:lvl1pPr>
-          </a:lstStyle>
-          <a:p>
-            <a:r>
-              <a:rPr lang="sv-SE" smtClean="0"/>
-              <a:t>Klicka här för att ändra format</a:t>
-            </a:r>
-            <a:endParaRPr lang="sv-SE"/>
-          </a:p>
-        </p:txBody>
-      </p:sp>
-      <p:sp>
-        <p:nvSpPr>
-          <p:cNvPr id="3" name="Platshållare för text 2"/>
-          <p:cNvSpPr>
-            <a:spLocks noGrp="1"/>
-          </p:cNvSpPr>
-          <p:nvPr>
-            <p:ph type="body" idx="1"/>
-          </p:nvPr>
-        </p:nvSpPr>
-        <p:spPr>
-          <a:xfrm>
-            <a:off x="722313" y="2906713"/>
-            <a:ext cx="7772400" cy="1500187"/>
-          </a:xfrm>
-        </p:spPr>
-        <p:txBody>
-          <a:bodyPr anchor="b"/>
+          <a:bodyPr lIns="45720" rIns="45720" anchor="t"/>
           <a:lstStyle>
             <a:lvl1pPr marL="0" indent="0">
               <a:buNone/>
-              <a:defRPr sz="2000">
+              <a:defRPr sz="2200">
                 <a:solidFill>
-                  <a:schemeClr val="tx1">
-                    <a:tint val="75000"/>
-                  </a:schemeClr>
+                  <a:schemeClr val="tx1"/>
                 </a:solidFill>
               </a:defRPr>
             </a:lvl1pPr>
-            <a:lvl2pPr marL="457200" indent="0">
+            <a:lvl2pPr>
               <a:buNone/>
               <a:defRPr sz="1800">
                 <a:solidFill>
@@ -1006,7 +1037,7 @@
                 </a:solidFill>
               </a:defRPr>
             </a:lvl2pPr>
-            <a:lvl3pPr marL="914400" indent="0">
+            <a:lvl3pPr>
               <a:buNone/>
               <a:defRPr sz="1600">
                 <a:solidFill>
@@ -1016,7 +1047,7 @@
                 </a:solidFill>
               </a:defRPr>
             </a:lvl3pPr>
-            <a:lvl4pPr marL="1371600" indent="0">
+            <a:lvl4pPr>
               <a:buNone/>
               <a:defRPr sz="1400">
                 <a:solidFill>
@@ -1026,7 +1057,7 @@
                 </a:solidFill>
               </a:defRPr>
             </a:lvl4pPr>
-            <a:lvl5pPr marL="1828800" indent="0">
+            <a:lvl5pPr>
               <a:buNone/>
               <a:defRPr sz="1400">
                 <a:solidFill>
@@ -1036,51 +1067,11 @@
                 </a:solidFill>
               </a:defRPr>
             </a:lvl5pPr>
-            <a:lvl6pPr marL="2286000" indent="0">
-              <a:buNone/>
-              <a:defRPr sz="1400">
-                <a:solidFill>
-                  <a:schemeClr val="tx1">
-                    <a:tint val="75000"/>
-                  </a:schemeClr>
-                </a:solidFill>
-              </a:defRPr>
-            </a:lvl6pPr>
-            <a:lvl7pPr marL="2743200" indent="0">
-              <a:buNone/>
-              <a:defRPr sz="1400">
-                <a:solidFill>
-                  <a:schemeClr val="tx1">
-                    <a:tint val="75000"/>
-                  </a:schemeClr>
-                </a:solidFill>
-              </a:defRPr>
-            </a:lvl7pPr>
-            <a:lvl8pPr marL="3200400" indent="0">
-              <a:buNone/>
-              <a:defRPr sz="1400">
-                <a:solidFill>
-                  <a:schemeClr val="tx1">
-                    <a:tint val="75000"/>
-                  </a:schemeClr>
-                </a:solidFill>
-              </a:defRPr>
-            </a:lvl8pPr>
-            <a:lvl9pPr marL="3657600" indent="0">
-              <a:buNone/>
-              <a:defRPr sz="1400">
-                <a:solidFill>
-                  <a:schemeClr val="tx1">
-                    <a:tint val="75000"/>
-                  </a:schemeClr>
-                </a:solidFill>
-              </a:defRPr>
-            </a:lvl9pPr>
           </a:lstStyle>
           <a:p>
-            <a:pPr lvl="0"/>
-            <a:r>
-              <a:rPr lang="sv-SE" smtClean="0"/>
+            <a:pPr lvl="0" eaLnBrk="1" latinLnBrk="0" hangingPunct="1"/>
+            <a:r>
+              <a:rPr kumimoji="0" lang="sv-SE" smtClean="0"/>
               <a:t>Klicka här för att ändra format på bakgrundstexten</a:t>
             </a:r>
           </a:p>
@@ -1156,7 +1147,7 @@
     </p:spTree>
   </p:cSld>
   <p:clrMapOvr>
-    <a:masterClrMapping/>
+    <a:overrideClrMapping bg1="dk1" tx1="lt1" bg2="dk2" tx2="lt2" accent1="accent1" accent2="accent2" accent3="accent3" accent4="accent4" accent5="accent5" accent6="accent6" hlink="hlink" folHlink="folHlink"/>
   </p:clrMapOvr>
 </p:sldLayout>
 </file>
@@ -1188,40 +1179,45 @@
             <p:ph type="title"/>
           </p:nvPr>
         </p:nvSpPr>
-        <p:spPr/>
-        <p:txBody>
-          <a:bodyPr/>
-          <a:lstStyle/>
-          <a:p>
-            <a:r>
-              <a:rPr lang="sv-SE" smtClean="0"/>
-              <a:t>Klicka här för att ändra format</a:t>
-            </a:r>
-            <a:endParaRPr lang="sv-SE"/>
-          </a:p>
-        </p:txBody>
-      </p:sp>
-      <p:sp>
-        <p:nvSpPr>
-          <p:cNvPr id="3" name="Platshållare för innehåll 2"/>
-          <p:cNvSpPr>
-            <a:spLocks noGrp="1"/>
-          </p:cNvSpPr>
-          <p:nvPr>
-            <p:ph sz="half" idx="1"/>
-          </p:nvPr>
-        </p:nvSpPr>
         <p:spPr>
           <a:xfrm>
-            <a:off x="457200" y="1600200"/>
-            <a:ext cx="4038600" cy="4525963"/>
+            <a:off x="457200" y="704088"/>
+            <a:ext cx="8229600" cy="1143000"/>
           </a:xfrm>
         </p:spPr>
         <p:txBody>
           <a:bodyPr/>
+          <a:lstStyle/>
+          <a:p>
+            <a:r>
+              <a:rPr kumimoji="0" lang="sv-SE" smtClean="0"/>
+              <a:t>Klicka här för att ändra format</a:t>
+            </a:r>
+            <a:endParaRPr kumimoji="0" lang="en-US"/>
+          </a:p>
+        </p:txBody>
+      </p:sp>
+      <p:sp>
+        <p:nvSpPr>
+          <p:cNvPr id="3" name="Platshållare för innehåll 2"/>
+          <p:cNvSpPr>
+            <a:spLocks noGrp="1"/>
+          </p:cNvSpPr>
+          <p:nvPr>
+            <p:ph sz="half" idx="1"/>
+          </p:nvPr>
+        </p:nvSpPr>
+        <p:spPr>
+          <a:xfrm>
+            <a:off x="457200" y="1920085"/>
+            <a:ext cx="4038600" cy="4434840"/>
+          </a:xfrm>
+        </p:spPr>
+        <p:txBody>
+          <a:bodyPr/>
           <a:lstStyle>
             <a:lvl1pPr>
-              <a:defRPr sz="2800"/>
+              <a:defRPr sz="2600"/>
             </a:lvl1pPr>
             <a:lvl2pPr>
               <a:defRPr sz="2400"/>
@@ -1235,54 +1231,42 @@
             <a:lvl5pPr>
               <a:defRPr sz="1800"/>
             </a:lvl5pPr>
-            <a:lvl6pPr>
-              <a:defRPr sz="1800"/>
-            </a:lvl6pPr>
-            <a:lvl7pPr>
-              <a:defRPr sz="1800"/>
-            </a:lvl7pPr>
-            <a:lvl8pPr>
-              <a:defRPr sz="1800"/>
-            </a:lvl8pPr>
-            <a:lvl9pPr>
-              <a:defRPr sz="1800"/>
-            </a:lvl9pPr>
           </a:lstStyle>
           <a:p>
-            <a:pPr lvl="0"/>
+            <a:pPr lvl="0" eaLnBrk="1" latinLnBrk="0" hangingPunct="1"/>
             <a:r>
               <a:rPr lang="sv-SE" smtClean="0"/>
               <a:t>Klicka här för att ändra format på bakgrundstexten</a:t>
             </a:r>
           </a:p>
           <a:p>
-            <a:pPr lvl="1"/>
+            <a:pPr lvl="1" eaLnBrk="1" latinLnBrk="0" hangingPunct="1"/>
             <a:r>
               <a:rPr lang="sv-SE" smtClean="0"/>
               <a:t>Nivå två</a:t>
             </a:r>
           </a:p>
           <a:p>
-            <a:pPr lvl="2"/>
+            <a:pPr lvl="2" eaLnBrk="1" latinLnBrk="0" hangingPunct="1"/>
             <a:r>
               <a:rPr lang="sv-SE" smtClean="0"/>
               <a:t>Nivå tre</a:t>
             </a:r>
           </a:p>
           <a:p>
-            <a:pPr lvl="3"/>
+            <a:pPr lvl="3" eaLnBrk="1" latinLnBrk="0" hangingPunct="1"/>
             <a:r>
               <a:rPr lang="sv-SE" smtClean="0"/>
               <a:t>Nivå fyra</a:t>
             </a:r>
           </a:p>
           <a:p>
-            <a:pPr lvl="4"/>
+            <a:pPr lvl="4" eaLnBrk="1" latinLnBrk="0" hangingPunct="1"/>
             <a:r>
               <a:rPr lang="sv-SE" smtClean="0"/>
               <a:t>Nivå fem</a:t>
             </a:r>
-            <a:endParaRPr lang="sv-SE"/>
+            <a:endParaRPr kumimoji="0" lang="en-US"/>
           </a:p>
         </p:txBody>
       </p:sp>
@@ -1298,15 +1282,15 @@
         </p:nvSpPr>
         <p:spPr>
           <a:xfrm>
-            <a:off x="4648200" y="1600200"/>
-            <a:ext cx="4038600" cy="4525963"/>
+            <a:off x="4648200" y="1920085"/>
+            <a:ext cx="4038600" cy="4434840"/>
           </a:xfrm>
         </p:spPr>
         <p:txBody>
           <a:bodyPr/>
           <a:lstStyle>
             <a:lvl1pPr>
-              <a:defRPr sz="2800"/>
+              <a:defRPr sz="2600"/>
             </a:lvl1pPr>
             <a:lvl2pPr>
               <a:defRPr sz="2400"/>
@@ -1320,54 +1304,42 @@
             <a:lvl5pPr>
               <a:defRPr sz="1800"/>
             </a:lvl5pPr>
-            <a:lvl6pPr>
-              <a:defRPr sz="1800"/>
-            </a:lvl6pPr>
-            <a:lvl7pPr>
-              <a:defRPr sz="1800"/>
-            </a:lvl7pPr>
-            <a:lvl8pPr>
-              <a:defRPr sz="1800"/>
-            </a:lvl8pPr>
-            <a:lvl9pPr>
-              <a:defRPr sz="1800"/>
-            </a:lvl9pPr>
           </a:lstStyle>
           <a:p>
-            <a:pPr lvl="0"/>
+            <a:pPr lvl="0" eaLnBrk="1" latinLnBrk="0" hangingPunct="1"/>
             <a:r>
               <a:rPr lang="sv-SE" smtClean="0"/>
               <a:t>Klicka här för att ändra format på bakgrundstexten</a:t>
             </a:r>
           </a:p>
           <a:p>
-            <a:pPr lvl="1"/>
+            <a:pPr lvl="1" eaLnBrk="1" latinLnBrk="0" hangingPunct="1"/>
             <a:r>
               <a:rPr lang="sv-SE" smtClean="0"/>
               <a:t>Nivå två</a:t>
             </a:r>
           </a:p>
           <a:p>
-            <a:pPr lvl="2"/>
+            <a:pPr lvl="2" eaLnBrk="1" latinLnBrk="0" hangingPunct="1"/>
             <a:r>
               <a:rPr lang="sv-SE" smtClean="0"/>
               <a:t>Nivå tre</a:t>
             </a:r>
           </a:p>
           <a:p>
-            <a:pPr lvl="3"/>
+            <a:pPr lvl="3" eaLnBrk="1" latinLnBrk="0" hangingPunct="1"/>
             <a:r>
               <a:rPr lang="sv-SE" smtClean="0"/>
               <a:t>Nivå fyra</a:t>
             </a:r>
           </a:p>
           <a:p>
-            <a:pPr lvl="4"/>
+            <a:pPr lvl="4" eaLnBrk="1" latinLnBrk="0" hangingPunct="1"/>
             <a:r>
               <a:rPr lang="sv-SE" smtClean="0"/>
               <a:t>Nivå fem</a:t>
             </a:r>
-            <a:endParaRPr lang="sv-SE"/>
+            <a:endParaRPr kumimoji="0" lang="en-US"/>
           </a:p>
         </p:txBody>
       </p:sp>
@@ -1473,9 +1445,14 @@
             <p:ph type="title"/>
           </p:nvPr>
         </p:nvSpPr>
-        <p:spPr/>
-        <p:txBody>
-          <a:bodyPr/>
+        <p:spPr>
+          <a:xfrm>
+            <a:off x="457200" y="704088"/>
+            <a:ext cx="8229600" cy="1143000"/>
+          </a:xfrm>
+        </p:spPr>
+        <p:txBody>
+          <a:bodyPr tIns="45720" anchor="b"/>
           <a:lstStyle>
             <a:lvl1pPr>
               <a:defRPr/>
@@ -1483,10 +1460,10 @@
           </a:lstStyle>
           <a:p>
             <a:r>
-              <a:rPr lang="sv-SE" smtClean="0"/>
+              <a:rPr kumimoji="0" lang="sv-SE" smtClean="0"/>
               <a:t>Klicka här för att ändra format</a:t>
             </a:r>
-            <a:endParaRPr lang="sv-SE"/>
+            <a:endParaRPr kumimoji="0" lang="en-US"/>
           </a:p>
         </p:txBody>
       </p:sp>
@@ -1502,54 +1479,99 @@
         </p:nvSpPr>
         <p:spPr>
           <a:xfrm>
-            <a:off x="457200" y="1535113"/>
-            <a:ext cx="4040188" cy="639762"/>
+            <a:off x="457200" y="1855248"/>
+            <a:ext cx="4040188" cy="659352"/>
           </a:xfrm>
         </p:spPr>
         <p:txBody>
-          <a:bodyPr anchor="b"/>
+          <a:bodyPr lIns="45720" tIns="0" rIns="45720" bIns="0" anchor="ctr">
+            <a:noAutofit/>
+          </a:bodyPr>
           <a:lstStyle>
             <a:lvl1pPr marL="0" indent="0">
               <a:buNone/>
-              <a:defRPr sz="2400" b="1"/>
+              <a:defRPr sz="2400" b="1" cap="none" baseline="0">
+                <a:solidFill>
+                  <a:schemeClr val="tx2"/>
+                </a:solidFill>
+                <a:effectLst/>
+              </a:defRPr>
             </a:lvl1pPr>
-            <a:lvl2pPr marL="457200" indent="0">
+            <a:lvl2pPr>
               <a:buNone/>
               <a:defRPr sz="2000" b="1"/>
             </a:lvl2pPr>
-            <a:lvl3pPr marL="914400" indent="0">
+            <a:lvl3pPr>
               <a:buNone/>
               <a:defRPr sz="1800" b="1"/>
             </a:lvl3pPr>
-            <a:lvl4pPr marL="1371600" indent="0">
+            <a:lvl4pPr>
               <a:buNone/>
               <a:defRPr sz="1600" b="1"/>
             </a:lvl4pPr>
-            <a:lvl5pPr marL="1828800" indent="0">
+            <a:lvl5pPr>
               <a:buNone/>
               <a:defRPr sz="1600" b="1"/>
             </a:lvl5pPr>
-            <a:lvl6pPr marL="2286000" indent="0">
+          </a:lstStyle>
+          <a:p>
+            <a:pPr lvl="0" eaLnBrk="1" latinLnBrk="0" hangingPunct="1"/>
+            <a:r>
+              <a:rPr kumimoji="0" lang="sv-SE" smtClean="0"/>
+              <a:t>Klicka här för att ändra format på bakgrundstexten</a:t>
+            </a:r>
+          </a:p>
+        </p:txBody>
+      </p:sp>
+      <p:sp>
+        <p:nvSpPr>
+          <p:cNvPr id="4" name="Platshållare för text 3"/>
+          <p:cNvSpPr>
+            <a:spLocks noGrp="1"/>
+          </p:cNvSpPr>
+          <p:nvPr>
+            <p:ph type="body" sz="half" idx="3"/>
+          </p:nvPr>
+        </p:nvSpPr>
+        <p:spPr>
+          <a:xfrm>
+            <a:off x="4645025" y="1859757"/>
+            <a:ext cx="4041775" cy="654843"/>
+          </a:xfrm>
+        </p:spPr>
+        <p:txBody>
+          <a:bodyPr lIns="45720" tIns="0" rIns="45720" bIns="0" anchor="ctr"/>
+          <a:lstStyle>
+            <a:lvl1pPr marL="0" indent="0">
+              <a:buNone/>
+              <a:defRPr sz="2400" b="1" cap="none" baseline="0">
+                <a:solidFill>
+                  <a:schemeClr val="tx2"/>
+                </a:solidFill>
+                <a:effectLst/>
+              </a:defRPr>
+            </a:lvl1pPr>
+            <a:lvl2pPr>
+              <a:buNone/>
+              <a:defRPr sz="2000" b="1"/>
+            </a:lvl2pPr>
+            <a:lvl3pPr>
+              <a:buNone/>
+              <a:defRPr sz="1800" b="1"/>
+            </a:lvl3pPr>
+            <a:lvl4pPr>
               <a:buNone/>
               <a:defRPr sz="1600" b="1"/>
-            </a:lvl6pPr>
-            <a:lvl7pPr marL="2743200" indent="0">
+            </a:lvl4pPr>
+            <a:lvl5pPr>
               <a:buNone/>
               <a:defRPr sz="1600" b="1"/>
-            </a:lvl7pPr>
-            <a:lvl8pPr marL="3200400" indent="0">
-              <a:buNone/>
-              <a:defRPr sz="1600" b="1"/>
-            </a:lvl8pPr>
-            <a:lvl9pPr marL="3657600" indent="0">
-              <a:buNone/>
-              <a:defRPr sz="1600" b="1"/>
-            </a:lvl9pPr>
+            </a:lvl5pPr>
           </a:lstStyle>
           <a:p>
-            <a:pPr lvl="0"/>
-            <a:r>
-              <a:rPr lang="sv-SE" smtClean="0"/>
+            <a:pPr lvl="0" eaLnBrk="1" latinLnBrk="0" hangingPunct="1"/>
+            <a:r>
+              <a:rPr kumimoji="0" lang="sv-SE" smtClean="0"/>
               <a:t>Klicka här för att ändra format på bakgrundstexten</a:t>
             </a:r>
           </a:p>
@@ -1557,25 +1579,25 @@
       </p:sp>
       <p:sp>
         <p:nvSpPr>
-          <p:cNvPr id="4" name="Platshållare för innehåll 3"/>
-          <p:cNvSpPr>
-            <a:spLocks noGrp="1"/>
-          </p:cNvSpPr>
-          <p:nvPr>
-            <p:ph sz="half" idx="2"/>
+          <p:cNvPr id="5" name="Platshållare för innehåll 4"/>
+          <p:cNvSpPr>
+            <a:spLocks noGrp="1"/>
+          </p:cNvSpPr>
+          <p:nvPr>
+            <p:ph sz="quarter" idx="2"/>
           </p:nvPr>
         </p:nvSpPr>
         <p:spPr>
           <a:xfrm>
-            <a:off x="457200" y="2174875"/>
-            <a:ext cx="4040188" cy="3951288"/>
+            <a:off x="457200" y="2514600"/>
+            <a:ext cx="4040188" cy="3845720"/>
           </a:xfrm>
         </p:spPr>
         <p:txBody>
-          <a:bodyPr/>
+          <a:bodyPr tIns="0"/>
           <a:lstStyle>
             <a:lvl1pPr>
-              <a:defRPr sz="2400"/>
+              <a:defRPr sz="2200"/>
             </a:lvl1pPr>
             <a:lvl2pPr>
               <a:defRPr sz="2000"/>
@@ -1589,143 +1611,66 @@
             <a:lvl5pPr>
               <a:defRPr sz="1600"/>
             </a:lvl5pPr>
-            <a:lvl6pPr>
-              <a:defRPr sz="1600"/>
-            </a:lvl6pPr>
-            <a:lvl7pPr>
-              <a:defRPr sz="1600"/>
-            </a:lvl7pPr>
-            <a:lvl8pPr>
-              <a:defRPr sz="1600"/>
-            </a:lvl8pPr>
-            <a:lvl9pPr>
-              <a:defRPr sz="1600"/>
-            </a:lvl9pPr>
           </a:lstStyle>
           <a:p>
-            <a:pPr lvl="0"/>
+            <a:pPr lvl="0" eaLnBrk="1" latinLnBrk="0" hangingPunct="1"/>
             <a:r>
               <a:rPr lang="sv-SE" smtClean="0"/>
               <a:t>Klicka här för att ändra format på bakgrundstexten</a:t>
             </a:r>
           </a:p>
           <a:p>
-            <a:pPr lvl="1"/>
+            <a:pPr lvl="1" eaLnBrk="1" latinLnBrk="0" hangingPunct="1"/>
             <a:r>
               <a:rPr lang="sv-SE" smtClean="0"/>
               <a:t>Nivå två</a:t>
             </a:r>
           </a:p>
           <a:p>
-            <a:pPr lvl="2"/>
+            <a:pPr lvl="2" eaLnBrk="1" latinLnBrk="0" hangingPunct="1"/>
             <a:r>
               <a:rPr lang="sv-SE" smtClean="0"/>
               <a:t>Nivå tre</a:t>
             </a:r>
           </a:p>
           <a:p>
-            <a:pPr lvl="3"/>
+            <a:pPr lvl="3" eaLnBrk="1" latinLnBrk="0" hangingPunct="1"/>
             <a:r>
               <a:rPr lang="sv-SE" smtClean="0"/>
               <a:t>Nivå fyra</a:t>
             </a:r>
           </a:p>
           <a:p>
-            <a:pPr lvl="4"/>
+            <a:pPr lvl="4" eaLnBrk="1" latinLnBrk="0" hangingPunct="1"/>
             <a:r>
               <a:rPr lang="sv-SE" smtClean="0"/>
               <a:t>Nivå fem</a:t>
             </a:r>
-            <a:endParaRPr lang="sv-SE"/>
-          </a:p>
-        </p:txBody>
-      </p:sp>
-      <p:sp>
-        <p:nvSpPr>
-          <p:cNvPr id="5" name="Platshållare för text 4"/>
-          <p:cNvSpPr>
-            <a:spLocks noGrp="1"/>
-          </p:cNvSpPr>
-          <p:nvPr>
-            <p:ph type="body" sz="quarter" idx="3"/>
+            <a:endParaRPr kumimoji="0" lang="en-US"/>
+          </a:p>
+        </p:txBody>
+      </p:sp>
+      <p:sp>
+        <p:nvSpPr>
+          <p:cNvPr id="6" name="Platshållare för innehåll 5"/>
+          <p:cNvSpPr>
+            <a:spLocks noGrp="1"/>
+          </p:cNvSpPr>
+          <p:nvPr>
+            <p:ph sz="quarter" idx="4"/>
           </p:nvPr>
         </p:nvSpPr>
         <p:spPr>
           <a:xfrm>
-            <a:off x="4645025" y="1535113"/>
-            <a:ext cx="4041775" cy="639762"/>
+            <a:off x="4645025" y="2514600"/>
+            <a:ext cx="4041775" cy="3845720"/>
           </a:xfrm>
         </p:spPr>
         <p:txBody>
-          <a:bodyPr anchor="b"/>
-          <a:lstStyle>
-            <a:lvl1pPr marL="0" indent="0">
-              <a:buNone/>
-              <a:defRPr sz="2400" b="1"/>
-            </a:lvl1pPr>
-            <a:lvl2pPr marL="457200" indent="0">
-              <a:buNone/>
-              <a:defRPr sz="2000" b="1"/>
-            </a:lvl2pPr>
-            <a:lvl3pPr marL="914400" indent="0">
-              <a:buNone/>
-              <a:defRPr sz="1800" b="1"/>
-            </a:lvl3pPr>
-            <a:lvl4pPr marL="1371600" indent="0">
-              <a:buNone/>
-              <a:defRPr sz="1600" b="1"/>
-            </a:lvl4pPr>
-            <a:lvl5pPr marL="1828800" indent="0">
-              <a:buNone/>
-              <a:defRPr sz="1600" b="1"/>
-            </a:lvl5pPr>
-            <a:lvl6pPr marL="2286000" indent="0">
-              <a:buNone/>
-              <a:defRPr sz="1600" b="1"/>
-            </a:lvl6pPr>
-            <a:lvl7pPr marL="2743200" indent="0">
-              <a:buNone/>
-              <a:defRPr sz="1600" b="1"/>
-            </a:lvl7pPr>
-            <a:lvl8pPr marL="3200400" indent="0">
-              <a:buNone/>
-              <a:defRPr sz="1600" b="1"/>
-            </a:lvl8pPr>
-            <a:lvl9pPr marL="3657600" indent="0">
-              <a:buNone/>
-              <a:defRPr sz="1600" b="1"/>
-            </a:lvl9pPr>
-          </a:lstStyle>
-          <a:p>
-            <a:pPr lvl="0"/>
-            <a:r>
-              <a:rPr lang="sv-SE" smtClean="0"/>
-              <a:t>Klicka här för att ändra format på bakgrundstexten</a:t>
-            </a:r>
-          </a:p>
-        </p:txBody>
-      </p:sp>
-      <p:sp>
-        <p:nvSpPr>
-          <p:cNvPr id="6" name="Platshållare för innehåll 5"/>
-          <p:cNvSpPr>
-            <a:spLocks noGrp="1"/>
-          </p:cNvSpPr>
-          <p:nvPr>
-            <p:ph sz="quarter" idx="4"/>
-          </p:nvPr>
-        </p:nvSpPr>
-        <p:spPr>
-          <a:xfrm>
-            <a:off x="4645025" y="2174875"/>
-            <a:ext cx="4041775" cy="3951288"/>
-          </a:xfrm>
-        </p:spPr>
-        <p:txBody>
-          <a:bodyPr/>
+          <a:bodyPr tIns="0"/>
           <a:lstStyle>
             <a:lvl1pPr>
-              <a:defRPr sz="2400"/>
+              <a:defRPr sz="2200"/>
             </a:lvl1pPr>
             <a:lvl2pPr>
               <a:defRPr sz="2000"/>
@@ -1739,54 +1684,42 @@
             <a:lvl5pPr>
               <a:defRPr sz="1600"/>
             </a:lvl5pPr>
-            <a:lvl6pPr>
-              <a:defRPr sz="1600"/>
-            </a:lvl6pPr>
-            <a:lvl7pPr>
-              <a:defRPr sz="1600"/>
-            </a:lvl7pPr>
-            <a:lvl8pPr>
-              <a:defRPr sz="1600"/>
-            </a:lvl8pPr>
-            <a:lvl9pPr>
-              <a:defRPr sz="1600"/>
-            </a:lvl9pPr>
           </a:lstStyle>
           <a:p>
-            <a:pPr lvl="0"/>
+            <a:pPr lvl="0" eaLnBrk="1" latinLnBrk="0" hangingPunct="1"/>
             <a:r>
               <a:rPr lang="sv-SE" smtClean="0"/>
               <a:t>Klicka här för att ändra format på bakgrundstexten</a:t>
             </a:r>
           </a:p>
           <a:p>
-            <a:pPr lvl="1"/>
+            <a:pPr lvl="1" eaLnBrk="1" latinLnBrk="0" hangingPunct="1"/>
             <a:r>
               <a:rPr lang="sv-SE" smtClean="0"/>
               <a:t>Nivå två</a:t>
             </a:r>
           </a:p>
           <a:p>
-            <a:pPr lvl="2"/>
+            <a:pPr lvl="2" eaLnBrk="1" latinLnBrk="0" hangingPunct="1"/>
             <a:r>
               <a:rPr lang="sv-SE" smtClean="0"/>
               <a:t>Nivå tre</a:t>
             </a:r>
           </a:p>
           <a:p>
-            <a:pPr lvl="3"/>
+            <a:pPr lvl="3" eaLnBrk="1" latinLnBrk="0" hangingPunct="1"/>
             <a:r>
               <a:rPr lang="sv-SE" smtClean="0"/>
               <a:t>Nivå fyra</a:t>
             </a:r>
           </a:p>
           <a:p>
-            <a:pPr lvl="4"/>
+            <a:pPr lvl="4" eaLnBrk="1" latinLnBrk="0" hangingPunct="1"/>
             <a:r>
               <a:rPr lang="sv-SE" smtClean="0"/>
               <a:t>Nivå fem</a:t>
             </a:r>
-            <a:endParaRPr lang="sv-SE"/>
+            <a:endParaRPr kumimoji="0" lang="en-US"/>
           </a:p>
         </p:txBody>
       </p:sp>
@@ -1892,16 +1825,53 @@
             <p:ph type="title"/>
           </p:nvPr>
         </p:nvSpPr>
-        <p:spPr/>
-        <p:txBody>
-          <a:bodyPr/>
-          <a:lstStyle/>
-          <a:p>
-            <a:r>
-              <a:rPr lang="sv-SE" smtClean="0"/>
+        <p:spPr>
+          <a:xfrm>
+            <a:off x="457200" y="704088"/>
+            <a:ext cx="8305800" cy="1143000"/>
+          </a:xfrm>
+        </p:spPr>
+        <p:txBody>
+          <a:bodyPr vert="horz" tIns="45720" bIns="0" anchor="b">
+            <a:normAutofit/>
+            <a:scene3d>
+              <a:camera prst="orthographicFront"/>
+              <a:lightRig rig="freezing" dir="t">
+                <a:rot lat="0" lon="0" rev="5640000"/>
+              </a:lightRig>
+            </a:scene3d>
+            <a:sp3d prstMaterial="flat">
+              <a:contourClr>
+                <a:schemeClr val="tx2"/>
+              </a:contourClr>
+            </a:sp3d>
+          </a:bodyPr>
+          <a:lstStyle>
+            <a:lvl1pPr algn="l" rtl="0">
+              <a:spcBef>
+                <a:spcPct val="0"/>
+              </a:spcBef>
+              <a:buNone/>
+              <a:defRPr sz="5000" b="0">
+                <a:ln>
+                  <a:noFill/>
+                </a:ln>
+                <a:solidFill>
+                  <a:schemeClr val="tx2"/>
+                </a:solidFill>
+                <a:effectLst/>
+                <a:latin typeface="+mj-lt"/>
+                <a:ea typeface="+mj-ea"/>
+                <a:cs typeface="+mj-cs"/>
+              </a:defRPr>
+            </a:lvl1pPr>
+          </a:lstStyle>
+          <a:p>
+            <a:r>
+              <a:rPr kumimoji="0" lang="sv-SE" smtClean="0"/>
               <a:t>Klicka här för att ändra format</a:t>
             </a:r>
-            <a:endParaRPr lang="sv-SE"/>
+            <a:endParaRPr kumimoji="0" lang="en-US"/>
           </a:p>
         </p:txBody>
       </p:sp>
@@ -2101,50 +2071,116 @@
         </p:nvSpPr>
         <p:spPr>
           <a:xfrm>
-            <a:off x="457200" y="273050"/>
-            <a:ext cx="3008313" cy="1162050"/>
+            <a:off x="685800" y="514352"/>
+            <a:ext cx="2743200" cy="1162050"/>
           </a:xfrm>
         </p:spPr>
         <p:txBody>
-          <a:bodyPr anchor="b"/>
+          <a:bodyPr lIns="0" anchor="b">
+            <a:noAutofit/>
+          </a:bodyPr>
           <a:lstStyle>
-            <a:lvl1pPr algn="l">
-              <a:defRPr sz="2000" b="1"/>
+            <a:lvl1pPr algn="l" rtl="0">
+              <a:spcBef>
+                <a:spcPct val="0"/>
+              </a:spcBef>
+              <a:buNone/>
+              <a:defRPr sz="2600" b="0">
+                <a:ln>
+                  <a:noFill/>
+                </a:ln>
+                <a:solidFill>
+                  <a:schemeClr val="tx2"/>
+                </a:solidFill>
+                <a:effectLst/>
+                <a:latin typeface="+mj-lt"/>
+                <a:ea typeface="+mj-ea"/>
+                <a:cs typeface="+mj-cs"/>
+              </a:defRPr>
             </a:lvl1pPr>
           </a:lstStyle>
           <a:p>
             <a:r>
-              <a:rPr lang="sv-SE" smtClean="0"/>
+              <a:rPr kumimoji="0" lang="sv-SE" smtClean="0"/>
               <a:t>Klicka här för att ändra format</a:t>
             </a:r>
-            <a:endParaRPr lang="sv-SE"/>
-          </a:p>
-        </p:txBody>
-      </p:sp>
-      <p:sp>
-        <p:nvSpPr>
-          <p:cNvPr id="3" name="Platshållare för innehåll 2"/>
-          <p:cNvSpPr>
-            <a:spLocks noGrp="1"/>
-          </p:cNvSpPr>
-          <p:nvPr>
-            <p:ph idx="1"/>
+            <a:endParaRPr kumimoji="0" lang="en-US"/>
+          </a:p>
+        </p:txBody>
+      </p:sp>
+      <p:sp>
+        <p:nvSpPr>
+          <p:cNvPr id="3" name="Platshållare för text 2"/>
+          <p:cNvSpPr>
+            <a:spLocks noGrp="1"/>
+          </p:cNvSpPr>
+          <p:nvPr>
+            <p:ph type="body" idx="2"/>
           </p:nvPr>
         </p:nvSpPr>
         <p:spPr>
           <a:xfrm>
-            <a:off x="3575050" y="273050"/>
-            <a:ext cx="5111750" cy="5853113"/>
+            <a:off x="685800" y="1676400"/>
+            <a:ext cx="2743200" cy="4572000"/>
           </a:xfrm>
         </p:spPr>
         <p:txBody>
-          <a:bodyPr/>
+          <a:bodyPr lIns="18288" rIns="18288"/>
+          <a:lstStyle>
+            <a:lvl1pPr marL="0" indent="0" algn="l">
+              <a:buNone/>
+              <a:defRPr sz="1400"/>
+            </a:lvl1pPr>
+            <a:lvl2pPr indent="0" algn="l">
+              <a:buNone/>
+              <a:defRPr sz="1200"/>
+            </a:lvl2pPr>
+            <a:lvl3pPr indent="0" algn="l">
+              <a:buNone/>
+              <a:defRPr sz="1000"/>
+            </a:lvl3pPr>
+            <a:lvl4pPr indent="0" algn="l">
+              <a:buNone/>
+              <a:defRPr sz="900"/>
+            </a:lvl4pPr>
+            <a:lvl5pPr indent="0" algn="l">
+              <a:buNone/>
+              <a:defRPr sz="900"/>
+            </a:lvl5pPr>
+          </a:lstStyle>
+          <a:p>
+            <a:pPr lvl="0" eaLnBrk="1" latinLnBrk="0" hangingPunct="1"/>
+            <a:r>
+              <a:rPr kumimoji="0" lang="sv-SE" smtClean="0"/>
+              <a:t>Klicka här för att ändra format på bakgrundstexten</a:t>
+            </a:r>
+          </a:p>
+        </p:txBody>
+      </p:sp>
+      <p:sp>
+        <p:nvSpPr>
+          <p:cNvPr id="4" name="Platshållare för innehåll 3"/>
+          <p:cNvSpPr>
+            <a:spLocks noGrp="1"/>
+          </p:cNvSpPr>
+          <p:nvPr>
+            <p:ph sz="half" idx="1"/>
+          </p:nvPr>
+        </p:nvSpPr>
+        <p:spPr>
+          <a:xfrm>
+            <a:off x="3575050" y="1676400"/>
+            <a:ext cx="5111750" cy="4572000"/>
+          </a:xfrm>
+        </p:spPr>
+        <p:txBody>
+          <a:bodyPr tIns="0"/>
           <a:lstStyle>
             <a:lvl1pPr>
-              <a:defRPr sz="3200"/>
+              <a:defRPr sz="2800"/>
             </a:lvl1pPr>
             <a:lvl2pPr>
-              <a:defRPr sz="2800"/>
+              <a:defRPr sz="2600"/>
             </a:lvl2pPr>
             <a:lvl3pPr>
               <a:defRPr sz="2400"/>
@@ -2153,121 +2189,44 @@
               <a:defRPr sz="2000"/>
             </a:lvl4pPr>
             <a:lvl5pPr>
-              <a:defRPr sz="2000"/>
+              <a:defRPr sz="1800"/>
             </a:lvl5pPr>
-            <a:lvl6pPr>
-              <a:defRPr sz="2000"/>
-            </a:lvl6pPr>
-            <a:lvl7pPr>
-              <a:defRPr sz="2000"/>
-            </a:lvl7pPr>
-            <a:lvl8pPr>
-              <a:defRPr sz="2000"/>
-            </a:lvl8pPr>
-            <a:lvl9pPr>
-              <a:defRPr sz="2000"/>
-            </a:lvl9pPr>
           </a:lstStyle>
           <a:p>
-            <a:pPr lvl="0"/>
+            <a:pPr lvl="0" eaLnBrk="1" latinLnBrk="0" hangingPunct="1"/>
             <a:r>
               <a:rPr lang="sv-SE" smtClean="0"/>
               <a:t>Klicka här för att ändra format på bakgrundstexten</a:t>
             </a:r>
           </a:p>
           <a:p>
-            <a:pPr lvl="1"/>
+            <a:pPr lvl="1" eaLnBrk="1" latinLnBrk="0" hangingPunct="1"/>
             <a:r>
               <a:rPr lang="sv-SE" smtClean="0"/>
               <a:t>Nivå två</a:t>
             </a:r>
           </a:p>
           <a:p>
-            <a:pPr lvl="2"/>
+            <a:pPr lvl="2" eaLnBrk="1" latinLnBrk="0" hangingPunct="1"/>
             <a:r>
               <a:rPr lang="sv-SE" smtClean="0"/>
               <a:t>Nivå tre</a:t>
             </a:r>
           </a:p>
           <a:p>
-            <a:pPr lvl="3"/>
+            <a:pPr lvl="3" eaLnBrk="1" latinLnBrk="0" hangingPunct="1"/>
             <a:r>
               <a:rPr lang="sv-SE" smtClean="0"/>
               <a:t>Nivå fyra</a:t>
             </a:r>
           </a:p>
           <a:p>
-            <a:pPr lvl="4"/>
+            <a:pPr lvl="4" eaLnBrk="1" latinLnBrk="0" hangingPunct="1"/>
             <a:r>
               <a:rPr lang="sv-SE" smtClean="0"/>
               <a:t>Nivå fem</a:t>
             </a:r>
-            <a:endParaRPr lang="sv-SE"/>
-          </a:p>
-        </p:txBody>
-      </p:sp>
-      <p:sp>
-        <p:nvSpPr>
-          <p:cNvPr id="4" name="Platshållare för text 3"/>
-          <p:cNvSpPr>
-            <a:spLocks noGrp="1"/>
-          </p:cNvSpPr>
-          <p:nvPr>
-            <p:ph type="body" sz="half" idx="2"/>
-          </p:nvPr>
-        </p:nvSpPr>
-        <p:spPr>
-          <a:xfrm>
-            <a:off x="457200" y="1435100"/>
-            <a:ext cx="3008313" cy="4691063"/>
-          </a:xfrm>
-        </p:spPr>
-        <p:txBody>
-          <a:bodyPr/>
-          <a:lstStyle>
-            <a:lvl1pPr marL="0" indent="0">
-              <a:buNone/>
-              <a:defRPr sz="1400"/>
-            </a:lvl1pPr>
-            <a:lvl2pPr marL="457200" indent="0">
-              <a:buNone/>
-              <a:defRPr sz="1200"/>
-            </a:lvl2pPr>
-            <a:lvl3pPr marL="914400" indent="0">
-              <a:buNone/>
-              <a:defRPr sz="1000"/>
-            </a:lvl3pPr>
-            <a:lvl4pPr marL="1371600" indent="0">
-              <a:buNone/>
-              <a:defRPr sz="900"/>
-            </a:lvl4pPr>
-            <a:lvl5pPr marL="1828800" indent="0">
-              <a:buNone/>
-              <a:defRPr sz="900"/>
-            </a:lvl5pPr>
-            <a:lvl6pPr marL="2286000" indent="0">
-              <a:buNone/>
-              <a:defRPr sz="900"/>
-            </a:lvl6pPr>
-            <a:lvl7pPr marL="2743200" indent="0">
-              <a:buNone/>
-              <a:defRPr sz="900"/>
-            </a:lvl7pPr>
-            <a:lvl8pPr marL="3200400" indent="0">
-              <a:buNone/>
-              <a:defRPr sz="900"/>
-            </a:lvl8pPr>
-            <a:lvl9pPr marL="3657600" indent="0">
-              <a:buNone/>
-              <a:defRPr sz="900"/>
-            </a:lvl9pPr>
-          </a:lstStyle>
-          <a:p>
-            <a:pPr lvl="0"/>
-            <a:r>
-              <a:rPr lang="sv-SE" smtClean="0"/>
-              <a:t>Klicka här för att ändra format på bakgrundstexten</a:t>
-            </a:r>
+            <a:endParaRPr kumimoji="0" lang="en-US"/>
           </a:p>
         </p:txBody>
       </p:sp>
@@ -2347,7 +2306,7 @@
 </file>
 
 <file path=ppt/slideLayouts/slideLayout9.xml><?xml version="1.0" encoding="utf-8"?>
-<p:sldLayout xmlns:a="http://schemas.openxmlformats.org/drawingml/2006/main" xmlns:r="http://schemas.openxmlformats.org/officeDocument/2006/relationships" xmlns:p="http://schemas.openxmlformats.org/presentationml/2006/main" type="picTx" preserve="1">
+<p:sldLayout xmlns:a="http://schemas.openxmlformats.org/drawingml/2006/main" xmlns:r="http://schemas.openxmlformats.org/officeDocument/2006/relationships" xmlns:p="http://schemas.openxmlformats.org/presentationml/2006/main" showMasterSp="0" type="picTx" preserve="1">
   <p:cSld name="Bild med bildtext">
     <p:spTree>
       <p:nvGrpSpPr>
@@ -2365,6 +2324,118 @@
       </p:grpSpPr>
       <p:sp>
         <p:nvSpPr>
+          <p:cNvPr id="9" name="Rektangel med klippt och rundat hörn 8"/>
+          <p:cNvSpPr/>
+          <p:nvPr/>
+        </p:nvSpPr>
+        <p:spPr>
+          <a:xfrm rot="420000" flipV="1">
+            <a:off x="3165753" y="1108077"/>
+            <a:ext cx="5257800" cy="4114800"/>
+          </a:xfrm>
+          <a:prstGeom prst="snipRoundRect">
+            <a:avLst>
+              <a:gd name="adj1" fmla="val 0"/>
+              <a:gd name="adj2" fmla="val 3646"/>
+            </a:avLst>
+          </a:prstGeom>
+          <a:solidFill>
+            <a:srgbClr val="FFFFFF"/>
+          </a:solidFill>
+          <a:ln w="3175" cap="rnd" cmpd="sng" algn="ctr">
+            <a:solidFill>
+              <a:srgbClr val="C0C0C0"/>
+            </a:solidFill>
+            <a:prstDash val="solid"/>
+          </a:ln>
+          <a:effectLst>
+            <a:outerShdw blurRad="63500" dist="38500" dir="7500000" sx="98500" sy="100080" kx="100000" algn="tl" rotWithShape="0">
+              <a:srgbClr val="000000">
+                <a:alpha val="25000"/>
+              </a:srgbClr>
+            </a:outerShdw>
+          </a:effectLst>
+        </p:spPr>
+        <p:style>
+          <a:lnRef idx="2">
+            <a:schemeClr val="accent1"/>
+          </a:lnRef>
+          <a:fillRef idx="1">
+            <a:schemeClr val="accent1"/>
+          </a:fillRef>
+          <a:effectRef idx="0">
+            <a:schemeClr val="accent1"/>
+          </a:effectRef>
+          <a:fontRef idx="minor">
+            <a:schemeClr val="lt1"/>
+          </a:fontRef>
+        </p:style>
+        <p:txBody>
+          <a:bodyPr rtlCol="0" anchor="ctr"/>
+          <a:lstStyle/>
+          <a:p>
+            <a:pPr algn="ctr" eaLnBrk="1" latinLnBrk="0" hangingPunct="1"/>
+            <a:endParaRPr kumimoji="0" lang="en-US"/>
+          </a:p>
+        </p:txBody>
+      </p:sp>
+      <p:sp>
+        <p:nvSpPr>
+          <p:cNvPr id="12" name="Rätvinklig triangel 11"/>
+          <p:cNvSpPr/>
+          <p:nvPr/>
+        </p:nvSpPr>
+        <p:spPr>
+          <a:xfrm rot="420000" flipV="1">
+            <a:off x="8004134" y="5359769"/>
+            <a:ext cx="155448" cy="155448"/>
+          </a:xfrm>
+          <a:prstGeom prst="rtTriangle">
+            <a:avLst/>
+          </a:prstGeom>
+          <a:solidFill>
+            <a:srgbClr val="FFFFFF"/>
+          </a:solidFill>
+          <a:ln w="12700" cap="flat" cmpd="sng" algn="ctr">
+            <a:solidFill>
+              <a:srgbClr val="FFFFFF"/>
+            </a:solidFill>
+            <a:prstDash val="solid"/>
+            <a:bevel/>
+          </a:ln>
+          <a:effectLst>
+            <a:outerShdw blurRad="19685" dist="6350" dir="12900000" algn="tl" rotWithShape="0">
+              <a:srgbClr val="000000">
+                <a:alpha val="47000"/>
+              </a:srgbClr>
+            </a:outerShdw>
+          </a:effectLst>
+        </p:spPr>
+        <p:style>
+          <a:lnRef idx="2">
+            <a:schemeClr val="accent1"/>
+          </a:lnRef>
+          <a:fillRef idx="1">
+            <a:schemeClr val="accent1"/>
+          </a:fillRef>
+          <a:effectRef idx="0">
+            <a:schemeClr val="accent1"/>
+          </a:effectRef>
+          <a:fontRef idx="minor">
+            <a:schemeClr val="lt1"/>
+          </a:fontRef>
+        </p:style>
+        <p:txBody>
+          <a:bodyPr rtlCol="0" anchor="ctr"/>
+          <a:lstStyle/>
+          <a:p>
+            <a:pPr algn="ctr" eaLnBrk="1" latinLnBrk="0" hangingPunct="1"/>
+            <a:endParaRPr kumimoji="0" lang="en-US"/>
+          </a:p>
+        </p:txBody>
+      </p:sp>
+      <p:sp>
+        <p:nvSpPr>
           <p:cNvPr id="2" name="Rubrik 1"/>
           <p:cNvSpPr>
             <a:spLocks noGrp="1"/>
@@ -2375,147 +2446,75 @@
         </p:nvSpPr>
         <p:spPr>
           <a:xfrm>
-            <a:off x="1792288" y="4800600"/>
-            <a:ext cx="5486400" cy="566738"/>
+            <a:off x="609600" y="1176996"/>
+            <a:ext cx="2212848" cy="1582621"/>
           </a:xfrm>
         </p:spPr>
         <p:txBody>
-          <a:bodyPr anchor="b"/>
+          <a:bodyPr vert="horz" lIns="45720" tIns="45720" rIns="45720" bIns="45720" anchor="b"/>
           <a:lstStyle>
             <a:lvl1pPr algn="l">
-              <a:defRPr sz="2000" b="1"/>
+              <a:buNone/>
+              <a:defRPr sz="2000" b="1">
+                <a:solidFill>
+                  <a:schemeClr val="tx2"/>
+                </a:solidFill>
+              </a:defRPr>
             </a:lvl1pPr>
           </a:lstStyle>
           <a:p>
             <a:r>
-              <a:rPr lang="sv-SE" smtClean="0"/>
+              <a:rPr kumimoji="0" lang="sv-SE" smtClean="0"/>
               <a:t>Klicka här för att ändra format</a:t>
             </a:r>
-            <a:endParaRPr lang="sv-SE"/>
-          </a:p>
-        </p:txBody>
-      </p:sp>
-      <p:sp>
-        <p:nvSpPr>
-          <p:cNvPr id="3" name="Platshållare för bild 2"/>
-          <p:cNvSpPr>
-            <a:spLocks noGrp="1"/>
-          </p:cNvSpPr>
-          <p:nvPr>
-            <p:ph type="pic" idx="1"/>
+            <a:endParaRPr kumimoji="0" lang="en-US"/>
+          </a:p>
+        </p:txBody>
+      </p:sp>
+      <p:sp>
+        <p:nvSpPr>
+          <p:cNvPr id="4" name="Platshållare för text 3"/>
+          <p:cNvSpPr>
+            <a:spLocks noGrp="1"/>
+          </p:cNvSpPr>
+          <p:nvPr>
+            <p:ph type="body" sz="half" idx="2"/>
           </p:nvPr>
         </p:nvSpPr>
         <p:spPr>
           <a:xfrm>
-            <a:off x="1792288" y="612775"/>
-            <a:ext cx="5486400" cy="4114800"/>
+            <a:off x="609600" y="2828785"/>
+            <a:ext cx="2209800" cy="2179320"/>
           </a:xfrm>
         </p:spPr>
         <p:txBody>
-          <a:bodyPr/>
+          <a:bodyPr lIns="64008" rIns="45720" bIns="45720" anchor="t"/>
           <a:lstStyle>
-            <a:lvl1pPr marL="0" indent="0">
+            <a:lvl1pPr marL="0" indent="0" algn="l">
+              <a:spcBef>
+                <a:spcPts val="250"/>
+              </a:spcBef>
+              <a:buFontTx/>
               <a:buNone/>
-              <a:defRPr sz="3200"/>
+              <a:defRPr sz="1300"/>
             </a:lvl1pPr>
-            <a:lvl2pPr marL="457200" indent="0">
-              <a:buNone/>
-              <a:defRPr sz="2800"/>
-            </a:lvl2pPr>
-            <a:lvl3pPr marL="914400" indent="0">
-              <a:buNone/>
-              <a:defRPr sz="2400"/>
-            </a:lvl3pPr>
-            <a:lvl4pPr marL="1371600" indent="0">
-              <a:buNone/>
-              <a:defRPr sz="2000"/>
-            </a:lvl4pPr>
-            <a:lvl5pPr marL="1828800" indent="0">
-              <a:buNone/>
-              <a:defRPr sz="2000"/>
-            </a:lvl5pPr>
-            <a:lvl6pPr marL="2286000" indent="0">
-              <a:buNone/>
-              <a:defRPr sz="2000"/>
-            </a:lvl6pPr>
-            <a:lvl7pPr marL="2743200" indent="0">
-              <a:buNone/>
-              <a:defRPr sz="2000"/>
-            </a:lvl7pPr>
-            <a:lvl8pPr marL="3200400" indent="0">
-              <a:buNone/>
-              <a:defRPr sz="2000"/>
-            </a:lvl8pPr>
-            <a:lvl9pPr marL="3657600" indent="0">
-              <a:buNone/>
-              <a:defRPr sz="2000"/>
-            </a:lvl9pPr>
-          </a:lstStyle>
-          <a:p>
-            <a:endParaRPr lang="sv-SE"/>
-          </a:p>
-        </p:txBody>
-      </p:sp>
-      <p:sp>
-        <p:nvSpPr>
-          <p:cNvPr id="4" name="Platshållare för text 3"/>
-          <p:cNvSpPr>
-            <a:spLocks noGrp="1"/>
-          </p:cNvSpPr>
-          <p:nvPr>
-            <p:ph type="body" sz="half" idx="2"/>
-          </p:nvPr>
-        </p:nvSpPr>
-        <p:spPr>
-          <a:xfrm>
-            <a:off x="1792288" y="5367338"/>
-            <a:ext cx="5486400" cy="804862"/>
-          </a:xfrm>
-        </p:spPr>
-        <p:txBody>
-          <a:bodyPr/>
-          <a:lstStyle>
-            <a:lvl1pPr marL="0" indent="0">
-              <a:buNone/>
-              <a:defRPr sz="1400"/>
-            </a:lvl1pPr>
-            <a:lvl2pPr marL="457200" indent="0">
-              <a:buNone/>
+            <a:lvl2pPr>
               <a:defRPr sz="1200"/>
             </a:lvl2pPr>
-            <a:lvl3pPr marL="914400" indent="0">
-              <a:buNone/>
+            <a:lvl3pPr>
               <a:defRPr sz="1000"/>
             </a:lvl3pPr>
-            <a:lvl4pPr marL="1371600" indent="0">
-              <a:buNone/>
+            <a:lvl4pPr>
               <a:defRPr sz="900"/>
             </a:lvl4pPr>
-            <a:lvl5pPr marL="1828800" indent="0">
-              <a:buNone/>
+            <a:lvl5pPr>
               <a:defRPr sz="900"/>
             </a:lvl5pPr>
-            <a:lvl6pPr marL="2286000" indent="0">
-              <a:buNone/>
-              <a:defRPr sz="900"/>
-            </a:lvl6pPr>
-            <a:lvl7pPr marL="2743200" indent="0">
-              <a:buNone/>
-              <a:defRPr sz="900"/>
-            </a:lvl7pPr>
-            <a:lvl8pPr marL="3200400" indent="0">
-              <a:buNone/>
-              <a:defRPr sz="900"/>
-            </a:lvl8pPr>
-            <a:lvl9pPr marL="3657600" indent="0">
-              <a:buNone/>
-              <a:defRPr sz="900"/>
-            </a:lvl9pPr>
           </a:lstStyle>
           <a:p>
-            <a:pPr lvl="0"/>
-            <a:r>
-              <a:rPr lang="sv-SE" smtClean="0"/>
+            <a:pPr lvl="0" eaLnBrk="1" latinLnBrk="0" hangingPunct="1"/>
+            <a:r>
+              <a:rPr kumimoji="0" lang="sv-SE" smtClean="0"/>
               <a:t>Klicka här för att ändra format på bakgrundstexten</a:t>
             </a:r>
           </a:p>
@@ -2574,7 +2573,12 @@
             <p:ph type="sldNum" sz="quarter" idx="12"/>
           </p:nvPr>
         </p:nvSpPr>
-        <p:spPr/>
+        <p:spPr>
+          <a:xfrm>
+            <a:off x="8077200" y="6356350"/>
+            <a:ext cx="609600" cy="365125"/>
+          </a:xfrm>
+        </p:spPr>
         <p:txBody>
           <a:bodyPr/>
           <a:lstStyle/>
@@ -2585,6 +2589,308 @@
               <a:t>‹#›</a:t>
             </a:fld>
             <a:endParaRPr lang="sv-SE"/>
+          </a:p>
+        </p:txBody>
+      </p:sp>
+      <p:sp>
+        <p:nvSpPr>
+          <p:cNvPr id="3" name="Platshållare för bild 2"/>
+          <p:cNvSpPr>
+            <a:spLocks noGrp="1"/>
+          </p:cNvSpPr>
+          <p:nvPr>
+            <p:ph type="pic" idx="1"/>
+          </p:nvPr>
+        </p:nvSpPr>
+        <p:spPr>
+          <a:xfrm rot="420000">
+            <a:off x="3485793" y="1199517"/>
+            <a:ext cx="4617720" cy="3931920"/>
+          </a:xfrm>
+          <a:prstGeom prst="rect">
+            <a:avLst/>
+          </a:prstGeom>
+          <a:solidFill>
+            <a:schemeClr val="bg2"/>
+          </a:solidFill>
+          <a:ln w="3000" cap="rnd">
+            <a:solidFill>
+              <a:srgbClr val="C0C0C0"/>
+            </a:solidFill>
+            <a:round/>
+          </a:ln>
+          <a:effectLst/>
+        </p:spPr>
+        <p:txBody>
+          <a:bodyPr/>
+          <a:lstStyle>
+            <a:lvl1pPr marL="0" indent="0">
+              <a:buNone/>
+              <a:defRPr sz="3200"/>
+            </a:lvl1pPr>
+          </a:lstStyle>
+          <a:p>
+            <a:r>
+              <a:rPr kumimoji="0" lang="sv-SE" smtClean="0"/>
+              <a:t>Klicka på ikonen för att lägga till en bild</a:t>
+            </a:r>
+            <a:endParaRPr kumimoji="0" lang="en-US" dirty="0"/>
+          </a:p>
+        </p:txBody>
+      </p:sp>
+      <p:sp>
+        <p:nvSpPr>
+          <p:cNvPr id="10" name="Frihandsfigur 9"/>
+          <p:cNvSpPr>
+            <a:spLocks/>
+          </p:cNvSpPr>
+          <p:nvPr/>
+        </p:nvSpPr>
+        <p:spPr bwMode="auto">
+          <a:xfrm flipV="1">
+            <a:off x="-9525" y="5816600"/>
+            <a:ext cx="9163050" cy="1041400"/>
+          </a:xfrm>
+          <a:custGeom>
+            <a:avLst>
+              <a:gd name="A1" fmla="val 0"/>
+              <a:gd name="A2" fmla="val 0"/>
+              <a:gd name="A3" fmla="val 0"/>
+              <a:gd name="A4" fmla="val 0"/>
+              <a:gd name="A5" fmla="val 0"/>
+              <a:gd name="A6" fmla="val 0"/>
+              <a:gd name="A7" fmla="val 0"/>
+              <a:gd name="A8" fmla="val 0"/>
+            </a:avLst>
+            <a:gdLst/>
+            <a:ahLst/>
+            <a:cxnLst>
+              <a:cxn ang="0">
+                <a:pos x="6" y="2"/>
+              </a:cxn>
+              <a:cxn ang="0">
+                <a:pos x="2542" y="0"/>
+              </a:cxn>
+              <a:cxn ang="0">
+                <a:pos x="4374" y="367"/>
+              </a:cxn>
+              <a:cxn ang="0">
+                <a:pos x="5766" y="55"/>
+              </a:cxn>
+              <a:cxn ang="0">
+                <a:pos x="5772" y="213"/>
+              </a:cxn>
+              <a:cxn ang="0">
+                <a:pos x="4302" y="439"/>
+              </a:cxn>
+              <a:cxn ang="0">
+                <a:pos x="1488" y="201"/>
+              </a:cxn>
+              <a:cxn ang="0">
+                <a:pos x="0" y="656"/>
+              </a:cxn>
+              <a:cxn ang="0">
+                <a:pos x="6" y="2"/>
+              </a:cxn>
+            </a:cxnLst>
+            <a:rect l="0" t="0" r="0" b="0"/>
+            <a:pathLst>
+              <a:path w="5772" h="656">
+                <a:moveTo>
+                  <a:pt x="6" y="2"/>
+                </a:moveTo>
+                <a:lnTo>
+                  <a:pt x="2542" y="0"/>
+                </a:lnTo>
+                <a:cubicBezTo>
+                  <a:pt x="2746" y="101"/>
+                  <a:pt x="3828" y="367"/>
+                  <a:pt x="4374" y="367"/>
+                </a:cubicBezTo>
+                <a:cubicBezTo>
+                  <a:pt x="4920" y="367"/>
+                  <a:pt x="5526" y="152"/>
+                  <a:pt x="5766" y="55"/>
+                </a:cubicBezTo>
+                <a:lnTo>
+                  <a:pt x="5772" y="213"/>
+                </a:lnTo>
+                <a:cubicBezTo>
+                  <a:pt x="5670" y="257"/>
+                  <a:pt x="5016" y="441"/>
+                  <a:pt x="4302" y="439"/>
+                </a:cubicBezTo>
+                <a:cubicBezTo>
+                  <a:pt x="3588" y="437"/>
+                  <a:pt x="2205" y="165"/>
+                  <a:pt x="1488" y="201"/>
+                </a:cubicBezTo>
+                <a:cubicBezTo>
+                  <a:pt x="750" y="209"/>
+                  <a:pt x="270" y="482"/>
+                  <a:pt x="0" y="656"/>
+                </a:cubicBezTo>
+                <a:lnTo>
+                  <a:pt x="6" y="2"/>
+                </a:lnTo>
+                <a:close/>
+              </a:path>
+            </a:pathLst>
+          </a:custGeom>
+          <a:gradFill>
+            <a:gsLst>
+              <a:gs pos="0">
+                <a:schemeClr val="accent2">
+                  <a:shade val="50000"/>
+                  <a:alpha val="45000"/>
+                  <a:satMod val="120000"/>
+                </a:schemeClr>
+              </a:gs>
+              <a:gs pos="100000">
+                <a:schemeClr val="accent3">
+                  <a:shade val="80000"/>
+                  <a:alpha val="55000"/>
+                  <a:satMod val="155000"/>
+                </a:schemeClr>
+              </a:gs>
+            </a:gsLst>
+            <a:lin ang="5400000" scaled="1"/>
+          </a:gradFill>
+          <a:ln w="9525" cap="flat" cmpd="sng" algn="ctr">
+            <a:noFill/>
+            <a:prstDash val="solid"/>
+            <a:round/>
+            <a:headEnd type="none" w="med" len="med"/>
+            <a:tailEnd type="none" w="med" len="med"/>
+          </a:ln>
+          <a:effectLst/>
+        </p:spPr>
+        <p:txBody>
+          <a:bodyPr vert="horz" wrap="square" lIns="91440" tIns="45720" rIns="91440" bIns="45720" anchor="t" compatLnSpc="1"/>
+          <a:lstStyle/>
+          <a:p>
+            <a:pPr marL="0" algn="l" rtl="0" eaLnBrk="1" latinLnBrk="0" hangingPunct="1"/>
+            <a:endParaRPr kumimoji="0" lang="en-US">
+              <a:solidFill>
+                <a:schemeClr val="tx1"/>
+              </a:solidFill>
+              <a:latin typeface="+mn-lt"/>
+              <a:ea typeface="+mn-ea"/>
+              <a:cs typeface="+mn-cs"/>
+            </a:endParaRPr>
+          </a:p>
+        </p:txBody>
+      </p:sp>
+      <p:sp>
+        <p:nvSpPr>
+          <p:cNvPr id="11" name="Frihandsfigur 10"/>
+          <p:cNvSpPr>
+            <a:spLocks/>
+          </p:cNvSpPr>
+          <p:nvPr/>
+        </p:nvSpPr>
+        <p:spPr bwMode="auto">
+          <a:xfrm flipV="1">
+            <a:off x="4381500" y="6219825"/>
+            <a:ext cx="4762500" cy="638175"/>
+          </a:xfrm>
+          <a:custGeom>
+            <a:avLst>
+              <a:gd name="A1" fmla="val 0"/>
+              <a:gd name="A2" fmla="val 0"/>
+              <a:gd name="A3" fmla="val 0"/>
+              <a:gd name="A4" fmla="val 0"/>
+              <a:gd name="A5" fmla="val 0"/>
+              <a:gd name="A6" fmla="val 0"/>
+              <a:gd name="A7" fmla="val 0"/>
+              <a:gd name="A8" fmla="val 0"/>
+            </a:avLst>
+            <a:gdLst/>
+            <a:ahLst/>
+            <a:cxnLst>
+              <a:cxn ang="0">
+                <a:pos x="0" y="0"/>
+              </a:cxn>
+              <a:cxn ang="0">
+                <a:pos x="1668" y="564"/>
+              </a:cxn>
+              <a:cxn ang="0">
+                <a:pos x="3000" y="186"/>
+              </a:cxn>
+              <a:cxn ang="0">
+                <a:pos x="3000" y="6"/>
+              </a:cxn>
+              <a:cxn ang="0">
+                <a:pos x="0" y="0"/>
+              </a:cxn>
+            </a:cxnLst>
+            <a:rect l="0" t="0" r="0" b="0"/>
+            <a:pathLst>
+              <a:path w="3000" h="595">
+                <a:moveTo>
+                  <a:pt x="0" y="0"/>
+                </a:moveTo>
+                <a:cubicBezTo>
+                  <a:pt x="174" y="102"/>
+                  <a:pt x="1168" y="533"/>
+                  <a:pt x="1668" y="564"/>
+                </a:cubicBezTo>
+                <a:cubicBezTo>
+                  <a:pt x="2168" y="595"/>
+                  <a:pt x="2778" y="279"/>
+                  <a:pt x="3000" y="186"/>
+                </a:cubicBezTo>
+                <a:lnTo>
+                  <a:pt x="3000" y="6"/>
+                </a:lnTo>
+                <a:lnTo>
+                  <a:pt x="0" y="0"/>
+                </a:lnTo>
+                <a:close/>
+              </a:path>
+            </a:pathLst>
+          </a:custGeom>
+          <a:gradFill>
+            <a:gsLst>
+              <a:gs pos="0">
+                <a:schemeClr val="accent3">
+                  <a:shade val="50000"/>
+                  <a:alpha val="30000"/>
+                  <a:satMod val="130000"/>
+                </a:schemeClr>
+              </a:gs>
+              <a:gs pos="80000">
+                <a:schemeClr val="accent2">
+                  <a:shade val="75000"/>
+                  <a:alpha val="45000"/>
+                  <a:satMod val="140000"/>
+                </a:schemeClr>
+              </a:gs>
+            </a:gsLst>
+            <a:lin ang="5400000" scaled="1"/>
+          </a:gradFill>
+          <a:ln w="9525" cap="flat" cmpd="sng" algn="ctr">
+            <a:noFill/>
+            <a:prstDash val="solid"/>
+            <a:round/>
+            <a:headEnd type="none" w="med" len="med"/>
+            <a:tailEnd type="none" w="med" len="med"/>
+          </a:ln>
+          <a:effectLst/>
+        </p:spPr>
+        <p:txBody>
+          <a:bodyPr vert="horz" wrap="square" lIns="91440" tIns="45720" rIns="91440" bIns="45720" anchor="t" compatLnSpc="1"/>
+          <a:lstStyle/>
+          <a:p>
+            <a:pPr marL="0" algn="l" rtl="0" eaLnBrk="1" latinLnBrk="0" hangingPunct="1"/>
+            <a:endParaRPr kumimoji="0" lang="en-US">
+              <a:solidFill>
+                <a:schemeClr val="tx1"/>
+              </a:solidFill>
+              <a:latin typeface="+mn-lt"/>
+              <a:ea typeface="+mn-ea"/>
+              <a:cs typeface="+mn-cs"/>
+            </a:endParaRPr>
           </a:p>
         </p:txBody>
       </p:sp>
@@ -2600,7 +2906,7 @@
 <p:sldMaster xmlns:a="http://schemas.openxmlformats.org/drawingml/2006/main" xmlns:r="http://schemas.openxmlformats.org/officeDocument/2006/relationships" xmlns:p="http://schemas.openxmlformats.org/presentationml/2006/main">
   <p:cSld>
     <p:bg>
-      <p:bgRef idx="1001">
+      <p:bgRef idx="1003">
         <a:schemeClr val="bg1"/>
       </p:bgRef>
     </p:bg>
@@ -2620,7 +2926,263 @@
       </p:grpSpPr>
       <p:sp>
         <p:nvSpPr>
-          <p:cNvPr id="2" name="Platshållare för rubrik 1"/>
+          <p:cNvPr id="7" name="Frihandsfigur 6"/>
+          <p:cNvSpPr>
+            <a:spLocks/>
+          </p:cNvSpPr>
+          <p:nvPr/>
+        </p:nvSpPr>
+        <p:spPr bwMode="auto">
+          <a:xfrm>
+            <a:off x="-9525" y="-7144"/>
+            <a:ext cx="9163050" cy="1041400"/>
+          </a:xfrm>
+          <a:custGeom>
+            <a:avLst>
+              <a:gd name="A1" fmla="val 0"/>
+              <a:gd name="A2" fmla="val 0"/>
+              <a:gd name="A3" fmla="val 0"/>
+              <a:gd name="A4" fmla="val 0"/>
+              <a:gd name="A5" fmla="val 0"/>
+              <a:gd name="A6" fmla="val 0"/>
+              <a:gd name="A7" fmla="val 0"/>
+              <a:gd name="A8" fmla="val 0"/>
+            </a:avLst>
+            <a:gdLst/>
+            <a:ahLst/>
+            <a:cxnLst>
+              <a:cxn ang="0">
+                <a:pos x="6" y="2"/>
+              </a:cxn>
+              <a:cxn ang="0">
+                <a:pos x="2542" y="0"/>
+              </a:cxn>
+              <a:cxn ang="0">
+                <a:pos x="4374" y="367"/>
+              </a:cxn>
+              <a:cxn ang="0">
+                <a:pos x="5766" y="55"/>
+              </a:cxn>
+              <a:cxn ang="0">
+                <a:pos x="5772" y="213"/>
+              </a:cxn>
+              <a:cxn ang="0">
+                <a:pos x="4302" y="439"/>
+              </a:cxn>
+              <a:cxn ang="0">
+                <a:pos x="1488" y="201"/>
+              </a:cxn>
+              <a:cxn ang="0">
+                <a:pos x="0" y="656"/>
+              </a:cxn>
+              <a:cxn ang="0">
+                <a:pos x="6" y="2"/>
+              </a:cxn>
+            </a:cxnLst>
+            <a:rect l="0" t="0" r="0" b="0"/>
+            <a:pathLst>
+              <a:path w="5772" h="656">
+                <a:moveTo>
+                  <a:pt x="6" y="2"/>
+                </a:moveTo>
+                <a:lnTo>
+                  <a:pt x="2542" y="0"/>
+                </a:lnTo>
+                <a:cubicBezTo>
+                  <a:pt x="2746" y="101"/>
+                  <a:pt x="3828" y="367"/>
+                  <a:pt x="4374" y="367"/>
+                </a:cubicBezTo>
+                <a:cubicBezTo>
+                  <a:pt x="4920" y="367"/>
+                  <a:pt x="5526" y="152"/>
+                  <a:pt x="5766" y="55"/>
+                </a:cubicBezTo>
+                <a:lnTo>
+                  <a:pt x="5772" y="213"/>
+                </a:lnTo>
+                <a:cubicBezTo>
+                  <a:pt x="5670" y="257"/>
+                  <a:pt x="5016" y="441"/>
+                  <a:pt x="4302" y="439"/>
+                </a:cubicBezTo>
+                <a:cubicBezTo>
+                  <a:pt x="3588" y="437"/>
+                  <a:pt x="2205" y="165"/>
+                  <a:pt x="1488" y="201"/>
+                </a:cubicBezTo>
+                <a:cubicBezTo>
+                  <a:pt x="750" y="209"/>
+                  <a:pt x="270" y="482"/>
+                  <a:pt x="0" y="656"/>
+                </a:cubicBezTo>
+                <a:lnTo>
+                  <a:pt x="6" y="2"/>
+                </a:lnTo>
+                <a:close/>
+              </a:path>
+            </a:pathLst>
+          </a:custGeom>
+          <a:gradFill>
+            <a:gsLst>
+              <a:gs pos="0">
+                <a:schemeClr val="accent2">
+                  <a:shade val="50000"/>
+                  <a:alpha val="45000"/>
+                  <a:satMod val="120000"/>
+                </a:schemeClr>
+              </a:gs>
+              <a:gs pos="100000">
+                <a:schemeClr val="accent3">
+                  <a:shade val="80000"/>
+                  <a:alpha val="55000"/>
+                  <a:satMod val="155000"/>
+                </a:schemeClr>
+              </a:gs>
+            </a:gsLst>
+            <a:lin ang="5400000" scaled="1"/>
+          </a:gradFill>
+          <a:ln w="9525" cap="flat" cmpd="sng" algn="ctr">
+            <a:noFill/>
+            <a:prstDash val="solid"/>
+            <a:round/>
+            <a:headEnd type="none" w="med" len="med"/>
+            <a:tailEnd type="none" w="med" len="med"/>
+          </a:ln>
+          <a:effectLst/>
+        </p:spPr>
+        <p:txBody>
+          <a:bodyPr vert="horz" wrap="square" lIns="91440" tIns="45720" rIns="91440" bIns="45720" anchor="t" compatLnSpc="1"/>
+          <a:lstStyle/>
+          <a:p>
+            <a:pPr marL="0" algn="l" rtl="0" eaLnBrk="1" latinLnBrk="0" hangingPunct="1"/>
+            <a:endParaRPr kumimoji="0" lang="en-US">
+              <a:solidFill>
+                <a:schemeClr val="tx1"/>
+              </a:solidFill>
+              <a:latin typeface="+mn-lt"/>
+              <a:ea typeface="+mn-ea"/>
+              <a:cs typeface="+mn-cs"/>
+            </a:endParaRPr>
+          </a:p>
+        </p:txBody>
+      </p:sp>
+      <p:sp>
+        <p:nvSpPr>
+          <p:cNvPr id="8" name="Frihandsfigur 7"/>
+          <p:cNvSpPr>
+            <a:spLocks/>
+          </p:cNvSpPr>
+          <p:nvPr/>
+        </p:nvSpPr>
+        <p:spPr bwMode="auto">
+          <a:xfrm>
+            <a:off x="4381500" y="-7144"/>
+            <a:ext cx="4762500" cy="638175"/>
+          </a:xfrm>
+          <a:custGeom>
+            <a:avLst>
+              <a:gd name="A1" fmla="val 0"/>
+              <a:gd name="A2" fmla="val 0"/>
+              <a:gd name="A3" fmla="val 0"/>
+              <a:gd name="A4" fmla="val 0"/>
+              <a:gd name="A5" fmla="val 0"/>
+              <a:gd name="A6" fmla="val 0"/>
+              <a:gd name="A7" fmla="val 0"/>
+              <a:gd name="A8" fmla="val 0"/>
+            </a:avLst>
+            <a:gdLst/>
+            <a:ahLst/>
+            <a:cxnLst>
+              <a:cxn ang="0">
+                <a:pos x="0" y="0"/>
+              </a:cxn>
+              <a:cxn ang="0">
+                <a:pos x="1668" y="564"/>
+              </a:cxn>
+              <a:cxn ang="0">
+                <a:pos x="3000" y="186"/>
+              </a:cxn>
+              <a:cxn ang="0">
+                <a:pos x="3000" y="6"/>
+              </a:cxn>
+              <a:cxn ang="0">
+                <a:pos x="0" y="0"/>
+              </a:cxn>
+            </a:cxnLst>
+            <a:rect l="0" t="0" r="0" b="0"/>
+            <a:pathLst>
+              <a:path w="3000" h="595">
+                <a:moveTo>
+                  <a:pt x="0" y="0"/>
+                </a:moveTo>
+                <a:cubicBezTo>
+                  <a:pt x="174" y="102"/>
+                  <a:pt x="1168" y="533"/>
+                  <a:pt x="1668" y="564"/>
+                </a:cubicBezTo>
+                <a:cubicBezTo>
+                  <a:pt x="2168" y="595"/>
+                  <a:pt x="2778" y="279"/>
+                  <a:pt x="3000" y="186"/>
+                </a:cubicBezTo>
+                <a:lnTo>
+                  <a:pt x="3000" y="6"/>
+                </a:lnTo>
+                <a:lnTo>
+                  <a:pt x="0" y="0"/>
+                </a:lnTo>
+                <a:close/>
+              </a:path>
+            </a:pathLst>
+          </a:custGeom>
+          <a:gradFill>
+            <a:gsLst>
+              <a:gs pos="0">
+                <a:schemeClr val="accent3">
+                  <a:shade val="50000"/>
+                  <a:alpha val="30000"/>
+                  <a:satMod val="130000"/>
+                </a:schemeClr>
+              </a:gs>
+              <a:gs pos="80000">
+                <a:schemeClr val="accent2">
+                  <a:shade val="75000"/>
+                  <a:alpha val="45000"/>
+                  <a:satMod val="140000"/>
+                </a:schemeClr>
+              </a:gs>
+            </a:gsLst>
+            <a:lin ang="5400000" scaled="1"/>
+          </a:gradFill>
+          <a:ln w="9525" cap="flat" cmpd="sng" algn="ctr">
+            <a:noFill/>
+            <a:prstDash val="solid"/>
+            <a:round/>
+            <a:headEnd type="none" w="med" len="med"/>
+            <a:tailEnd type="none" w="med" len="med"/>
+          </a:ln>
+          <a:effectLst/>
+        </p:spPr>
+        <p:txBody>
+          <a:bodyPr vert="horz" wrap="square" lIns="91440" tIns="45720" rIns="91440" bIns="45720" anchor="t" compatLnSpc="1"/>
+          <a:lstStyle/>
+          <a:p>
+            <a:pPr marL="0" algn="l" rtl="0" eaLnBrk="1" latinLnBrk="0" hangingPunct="1"/>
+            <a:endParaRPr kumimoji="0" lang="en-US">
+              <a:solidFill>
+                <a:schemeClr val="tx1"/>
+              </a:solidFill>
+              <a:latin typeface="+mn-lt"/>
+              <a:ea typeface="+mn-ea"/>
+              <a:cs typeface="+mn-cs"/>
+            </a:endParaRPr>
+          </a:p>
+        </p:txBody>
+      </p:sp>
+      <p:sp>
+        <p:nvSpPr>
+          <p:cNvPr id="9" name="Platshållare för rubrik 8"/>
           <p:cNvSpPr>
             <a:spLocks noGrp="1"/>
           </p:cNvSpPr>
@@ -2630,7 +3192,7 @@
         </p:nvSpPr>
         <p:spPr>
           <a:xfrm>
-            <a:off x="457200" y="274638"/>
+            <a:off x="457200" y="704088"/>
             <a:ext cx="8229600" cy="1143000"/>
           </a:xfrm>
           <a:prstGeom prst="rect">
@@ -2638,22 +3200,22 @@
           </a:prstGeom>
         </p:spPr>
         <p:txBody>
-          <a:bodyPr vert="horz" lIns="91440" tIns="45720" rIns="91440" bIns="45720" rtlCol="0" anchor="ctr">
+          <a:bodyPr vert="horz" lIns="0" rIns="0" bIns="0" anchor="b">
             <a:normAutofit/>
           </a:bodyPr>
           <a:lstStyle/>
           <a:p>
             <a:r>
-              <a:rPr lang="sv-SE" smtClean="0"/>
+              <a:rPr kumimoji="0" lang="sv-SE" smtClean="0"/>
               <a:t>Klicka här för att ändra format</a:t>
             </a:r>
-            <a:endParaRPr lang="sv-SE"/>
-          </a:p>
-        </p:txBody>
-      </p:sp>
-      <p:sp>
-        <p:nvSpPr>
-          <p:cNvPr id="3" name="Platshållare för text 2"/>
+            <a:endParaRPr kumimoji="0" lang="en-US"/>
+          </a:p>
+        </p:txBody>
+      </p:sp>
+      <p:sp>
+        <p:nvSpPr>
+          <p:cNvPr id="30" name="Platshållare för text 29"/>
           <p:cNvSpPr>
             <a:spLocks noGrp="1"/>
           </p:cNvSpPr>
@@ -2663,59 +3225,59 @@
         </p:nvSpPr>
         <p:spPr>
           <a:xfrm>
-            <a:off x="457200" y="1600200"/>
-            <a:ext cx="8229600" cy="4525963"/>
+            <a:off x="457200" y="1935480"/>
+            <a:ext cx="8229600" cy="4389120"/>
           </a:xfrm>
           <a:prstGeom prst="rect">
             <a:avLst/>
           </a:prstGeom>
         </p:spPr>
         <p:txBody>
-          <a:bodyPr vert="horz" lIns="91440" tIns="45720" rIns="91440" bIns="45720" rtlCol="0">
+          <a:bodyPr vert="horz">
             <a:normAutofit/>
           </a:bodyPr>
           <a:lstStyle/>
           <a:p>
-            <a:pPr lvl="0"/>
-            <a:r>
-              <a:rPr lang="sv-SE" smtClean="0"/>
+            <a:pPr lvl="0" eaLnBrk="1" latinLnBrk="0" hangingPunct="1"/>
+            <a:r>
+              <a:rPr kumimoji="0" lang="sv-SE" smtClean="0"/>
               <a:t>Klicka här för att ändra format på bakgrundstexten</a:t>
             </a:r>
           </a:p>
           <a:p>
-            <a:pPr lvl="1"/>
-            <a:r>
-              <a:rPr lang="sv-SE" smtClean="0"/>
+            <a:pPr lvl="1" eaLnBrk="1" latinLnBrk="0" hangingPunct="1"/>
+            <a:r>
+              <a:rPr kumimoji="0" lang="sv-SE" smtClean="0"/>
               <a:t>Nivå två</a:t>
             </a:r>
           </a:p>
           <a:p>
-            <a:pPr lvl="2"/>
-            <a:r>
-              <a:rPr lang="sv-SE" smtClean="0"/>
+            <a:pPr lvl="2" eaLnBrk="1" latinLnBrk="0" hangingPunct="1"/>
+            <a:r>
+              <a:rPr kumimoji="0" lang="sv-SE" smtClean="0"/>
               <a:t>Nivå tre</a:t>
             </a:r>
           </a:p>
           <a:p>
-            <a:pPr lvl="3"/>
-            <a:r>
-              <a:rPr lang="sv-SE" smtClean="0"/>
+            <a:pPr lvl="3" eaLnBrk="1" latinLnBrk="0" hangingPunct="1"/>
+            <a:r>
+              <a:rPr kumimoji="0" lang="sv-SE" smtClean="0"/>
               <a:t>Nivå fyra</a:t>
             </a:r>
           </a:p>
           <a:p>
-            <a:pPr lvl="4"/>
-            <a:r>
-              <a:rPr lang="sv-SE" smtClean="0"/>
+            <a:pPr lvl="4" eaLnBrk="1" latinLnBrk="0" hangingPunct="1"/>
+            <a:r>
+              <a:rPr kumimoji="0" lang="sv-SE" smtClean="0"/>
               <a:t>Nivå fem</a:t>
             </a:r>
-            <a:endParaRPr lang="sv-SE"/>
-          </a:p>
-        </p:txBody>
-      </p:sp>
-      <p:sp>
-        <p:nvSpPr>
-          <p:cNvPr id="4" name="Platshållare för datum 3"/>
+            <a:endParaRPr kumimoji="0" lang="en-US"/>
+          </a:p>
+        </p:txBody>
+      </p:sp>
+      <p:sp>
+        <p:nvSpPr>
+          <p:cNvPr id="10" name="Platshållare för datum 9"/>
           <p:cNvSpPr>
             <a:spLocks noGrp="1"/>
           </p:cNvSpPr>
@@ -2733,13 +3295,13 @@
           </a:prstGeom>
         </p:spPr>
         <p:txBody>
-          <a:bodyPr vert="horz" lIns="91440" tIns="45720" rIns="91440" bIns="45720" rtlCol="0" anchor="ctr"/>
+          <a:bodyPr vert="horz" lIns="0" tIns="0" rIns="0" bIns="0" anchor="b"/>
           <a:lstStyle>
-            <a:lvl1pPr algn="l">
-              <a:defRPr sz="1200">
+            <a:lvl1pPr algn="l" eaLnBrk="1" latinLnBrk="0" hangingPunct="1">
+              <a:defRPr kumimoji="0" sz="1200">
                 <a:solidFill>
-                  <a:schemeClr val="tx1">
-                    <a:tint val="75000"/>
+                  <a:schemeClr val="tx2">
+                    <a:shade val="90000"/>
                   </a:schemeClr>
                 </a:solidFill>
               </a:defRPr>
@@ -2757,7 +3319,7 @@
       </p:sp>
       <p:sp>
         <p:nvSpPr>
-          <p:cNvPr id="5" name="Platshållare för sidfot 4"/>
+          <p:cNvPr id="22" name="Platshållare för sidfot 21"/>
           <p:cNvSpPr>
             <a:spLocks noGrp="1"/>
           </p:cNvSpPr>
@@ -2767,21 +3329,21 @@
         </p:nvSpPr>
         <p:spPr>
           <a:xfrm>
-            <a:off x="3124200" y="6356350"/>
-            <a:ext cx="2895600" cy="365125"/>
+            <a:off x="2667000" y="6356350"/>
+            <a:ext cx="3352800" cy="365125"/>
           </a:xfrm>
           <a:prstGeom prst="rect">
             <a:avLst/>
           </a:prstGeom>
         </p:spPr>
         <p:txBody>
-          <a:bodyPr vert="horz" lIns="91440" tIns="45720" rIns="91440" bIns="45720" rtlCol="0" anchor="ctr"/>
+          <a:bodyPr vert="horz" lIns="0" tIns="0" rIns="0" bIns="0" anchor="b"/>
           <a:lstStyle>
-            <a:lvl1pPr algn="ctr">
-              <a:defRPr sz="1200">
+            <a:lvl1pPr algn="l" eaLnBrk="1" latinLnBrk="0" hangingPunct="1">
+              <a:defRPr kumimoji="0" sz="1200">
                 <a:solidFill>
-                  <a:schemeClr val="tx1">
-                    <a:tint val="75000"/>
+                  <a:schemeClr val="tx2">
+                    <a:shade val="90000"/>
                   </a:schemeClr>
                 </a:solidFill>
               </a:defRPr>
@@ -2794,7 +3356,7 @@
       </p:sp>
       <p:sp>
         <p:nvSpPr>
-          <p:cNvPr id="6" name="Platshållare för bildnummer 5"/>
+          <p:cNvPr id="18" name="Platshållare för bildnummer 17"/>
           <p:cNvSpPr>
             <a:spLocks noGrp="1"/>
           </p:cNvSpPr>
@@ -2804,21 +3366,21 @@
         </p:nvSpPr>
         <p:spPr>
           <a:xfrm>
-            <a:off x="6553200" y="6356350"/>
-            <a:ext cx="2133600" cy="365125"/>
+            <a:off x="7924800" y="6356350"/>
+            <a:ext cx="762000" cy="365125"/>
           </a:xfrm>
           <a:prstGeom prst="rect">
             <a:avLst/>
           </a:prstGeom>
         </p:spPr>
         <p:txBody>
-          <a:bodyPr vert="horz" lIns="91440" tIns="45720" rIns="91440" bIns="45720" rtlCol="0" anchor="ctr"/>
+          <a:bodyPr vert="horz" lIns="0" tIns="0" rIns="0" bIns="0" anchor="b"/>
           <a:lstStyle>
-            <a:lvl1pPr algn="r">
-              <a:defRPr sz="1200">
+            <a:lvl1pPr algn="r" eaLnBrk="1" latinLnBrk="0" hangingPunct="1">
+              <a:defRPr kumimoji="0" sz="1200">
                 <a:solidFill>
-                  <a:schemeClr val="tx1">
-                    <a:tint val="75000"/>
+                  <a:schemeClr val="tx2">
+                    <a:shade val="90000"/>
                   </a:schemeClr>
                 </a:solidFill>
               </a:defRPr>
@@ -2834,33 +3396,251 @@
           </a:p>
         </p:txBody>
       </p:sp>
+      <p:grpSp>
+        <p:nvGrpSpPr>
+          <p:cNvPr id="2" name="Grupp 1"/>
+          <p:cNvGrpSpPr/>
+          <p:nvPr/>
+        </p:nvGrpSpPr>
+        <p:grpSpPr>
+          <a:xfrm>
+            <a:off x="-19017" y="202408"/>
+            <a:ext cx="9180548" cy="649224"/>
+            <a:chOff x="-19045" y="216550"/>
+            <a:chExt cx="9180548" cy="649224"/>
+          </a:xfrm>
+        </p:grpSpPr>
+        <p:sp>
+          <p:nvSpPr>
+            <p:cNvPr id="12" name="Frihandsfigur 11"/>
+            <p:cNvSpPr>
+              <a:spLocks/>
+            </p:cNvSpPr>
+            <p:nvPr/>
+          </p:nvSpPr>
+          <p:spPr bwMode="auto">
+            <a:xfrm rot="21435692">
+              <a:off x="-19045" y="216550"/>
+              <a:ext cx="9163050" cy="649224"/>
+            </a:xfrm>
+            <a:custGeom>
+              <a:avLst>
+                <a:gd name="A1" fmla="val 0"/>
+                <a:gd name="A2" fmla="val 0"/>
+                <a:gd name="A3" fmla="val 0"/>
+                <a:gd name="A4" fmla="val 0"/>
+                <a:gd name="A5" fmla="val 0"/>
+                <a:gd name="A6" fmla="val 0"/>
+                <a:gd name="A7" fmla="val 0"/>
+                <a:gd name="A8" fmla="val 0"/>
+              </a:avLst>
+              <a:gdLst/>
+              <a:ahLst/>
+              <a:cxnLst>
+                <a:cxn ang="0">
+                  <a:pos x="0" y="966"/>
+                </a:cxn>
+                <a:cxn ang="0">
+                  <a:pos x="1608" y="282"/>
+                </a:cxn>
+                <a:cxn ang="0">
+                  <a:pos x="4110" y="1008"/>
+                </a:cxn>
+                <a:cxn ang="0">
+                  <a:pos x="5772" y="0"/>
+                </a:cxn>
+              </a:cxnLst>
+              <a:rect l="0" t="0" r="0" b="0"/>
+              <a:pathLst>
+                <a:path w="5772" h="1055">
+                  <a:moveTo>
+                    <a:pt x="0" y="966"/>
+                  </a:moveTo>
+                  <a:cubicBezTo>
+                    <a:pt x="282" y="738"/>
+                    <a:pt x="923" y="275"/>
+                    <a:pt x="1608" y="282"/>
+                  </a:cubicBezTo>
+                  <a:cubicBezTo>
+                    <a:pt x="2293" y="289"/>
+                    <a:pt x="3416" y="1055"/>
+                    <a:pt x="4110" y="1008"/>
+                  </a:cubicBezTo>
+                  <a:cubicBezTo>
+                    <a:pt x="4804" y="961"/>
+                    <a:pt x="5426" y="210"/>
+                    <a:pt x="5772" y="0"/>
+                  </a:cubicBezTo>
+                </a:path>
+              </a:pathLst>
+            </a:custGeom>
+            <a:noFill/>
+            <a:ln w="10795" cap="flat" cmpd="sng" algn="ctr">
+              <a:gradFill>
+                <a:gsLst>
+                  <a:gs pos="74000">
+                    <a:schemeClr val="accent3">
+                      <a:shade val="75000"/>
+                    </a:schemeClr>
+                  </a:gs>
+                  <a:gs pos="86000">
+                    <a:schemeClr val="tx1">
+                      <a:alpha val="29000"/>
+                    </a:schemeClr>
+                  </a:gs>
+                  <a:gs pos="16000">
+                    <a:schemeClr val="accent2">
+                      <a:shade val="75000"/>
+                      <a:alpha val="56000"/>
+                    </a:schemeClr>
+                  </a:gs>
+                </a:gsLst>
+                <a:lin ang="5400000" scaled="1"/>
+              </a:gradFill>
+              <a:prstDash val="solid"/>
+              <a:round/>
+              <a:headEnd type="none" w="med" len="med"/>
+              <a:tailEnd type="none" w="med" len="med"/>
+            </a:ln>
+            <a:effectLst/>
+          </p:spPr>
+          <p:txBody>
+            <a:bodyPr vert="horz" wrap="square" lIns="91440" tIns="45720" rIns="91440" bIns="45720" anchor="t" compatLnSpc="1"/>
+            <a:lstStyle/>
+            <a:p>
+              <a:endParaRPr kumimoji="0" lang="en-US"/>
+            </a:p>
+          </p:txBody>
+        </p:sp>
+        <p:sp>
+          <p:nvSpPr>
+            <p:cNvPr id="13" name="Frihandsfigur 12"/>
+            <p:cNvSpPr>
+              <a:spLocks/>
+            </p:cNvSpPr>
+            <p:nvPr/>
+          </p:nvSpPr>
+          <p:spPr bwMode="auto">
+            <a:xfrm rot="21435692">
+              <a:off x="-14309" y="290003"/>
+              <a:ext cx="9175812" cy="530352"/>
+            </a:xfrm>
+            <a:custGeom>
+              <a:avLst>
+                <a:gd name="A1" fmla="val 0"/>
+                <a:gd name="A2" fmla="val 0"/>
+                <a:gd name="A3" fmla="val 0"/>
+                <a:gd name="A4" fmla="val 0"/>
+                <a:gd name="A5" fmla="val 0"/>
+                <a:gd name="A6" fmla="val 0"/>
+                <a:gd name="A7" fmla="val 0"/>
+                <a:gd name="A8" fmla="val 0"/>
+              </a:avLst>
+              <a:gdLst/>
+              <a:ahLst/>
+              <a:cxnLst>
+                <a:cxn ang="0">
+                  <a:pos x="0" y="732"/>
+                </a:cxn>
+                <a:cxn ang="0">
+                  <a:pos x="1638" y="228"/>
+                </a:cxn>
+                <a:cxn ang="0">
+                  <a:pos x="4122" y="816"/>
+                </a:cxn>
+                <a:cxn ang="0">
+                  <a:pos x="5766" y="0"/>
+                </a:cxn>
+              </a:cxnLst>
+              <a:rect l="0" t="0" r="0" b="0"/>
+              <a:pathLst>
+                <a:path w="5766" h="854">
+                  <a:moveTo>
+                    <a:pt x="0" y="732"/>
+                  </a:moveTo>
+                  <a:cubicBezTo>
+                    <a:pt x="273" y="647"/>
+                    <a:pt x="951" y="214"/>
+                    <a:pt x="1638" y="228"/>
+                  </a:cubicBezTo>
+                  <a:cubicBezTo>
+                    <a:pt x="2325" y="242"/>
+                    <a:pt x="3434" y="854"/>
+                    <a:pt x="4122" y="816"/>
+                  </a:cubicBezTo>
+                  <a:cubicBezTo>
+                    <a:pt x="4810" y="778"/>
+                    <a:pt x="5424" y="170"/>
+                    <a:pt x="5766" y="0"/>
+                  </a:cubicBezTo>
+                </a:path>
+              </a:pathLst>
+            </a:custGeom>
+            <a:noFill/>
+            <a:ln w="9525" cap="flat" cmpd="sng" algn="ctr">
+              <a:gradFill>
+                <a:gsLst>
+                  <a:gs pos="74000">
+                    <a:schemeClr val="accent4"/>
+                  </a:gs>
+                  <a:gs pos="44000">
+                    <a:schemeClr val="accent1"/>
+                  </a:gs>
+                  <a:gs pos="33000">
+                    <a:schemeClr val="accent2">
+                      <a:alpha val="56000"/>
+                    </a:schemeClr>
+                  </a:gs>
+                </a:gsLst>
+                <a:lin ang="5400000" scaled="1"/>
+              </a:gradFill>
+              <a:prstDash val="solid"/>
+              <a:round/>
+              <a:headEnd type="none" w="med" len="med"/>
+              <a:tailEnd type="none" w="med" len="med"/>
+            </a:ln>
+            <a:effectLst/>
+          </p:spPr>
+          <p:txBody>
+            <a:bodyPr vert="horz" wrap="square" lIns="91440" tIns="45720" rIns="91440" bIns="45720" anchor="t" compatLnSpc="1"/>
+            <a:lstStyle/>
+            <a:p>
+              <a:endParaRPr kumimoji="0" lang="en-US"/>
+            </a:p>
+          </p:txBody>
+        </p:sp>
+      </p:grpSp>
     </p:spTree>
   </p:cSld>
   <p:clrMap bg1="lt1" tx1="dk1" bg2="lt2" tx2="dk2" accent1="accent1" accent2="accent2" accent3="accent3" accent4="accent4" accent5="accent5" accent6="accent6" hlink="hlink" folHlink="folHlink"/>
   <p:sldLayoutIdLst>
-    <p:sldLayoutId id="2147483649" r:id="rId1"/>
-    <p:sldLayoutId id="2147483650" r:id="rId2"/>
-    <p:sldLayoutId id="2147483651" r:id="rId3"/>
-    <p:sldLayoutId id="2147483652" r:id="rId4"/>
-    <p:sldLayoutId id="2147483653" r:id="rId5"/>
-    <p:sldLayoutId id="2147483654" r:id="rId6"/>
-    <p:sldLayoutId id="2147483655" r:id="rId7"/>
-    <p:sldLayoutId id="2147483656" r:id="rId8"/>
-    <p:sldLayoutId id="2147483657" r:id="rId9"/>
-    <p:sldLayoutId id="2147483658" r:id="rId10"/>
-    <p:sldLayoutId id="2147483659" r:id="rId11"/>
+    <p:sldLayoutId id="2147483661" r:id="rId1"/>
+    <p:sldLayoutId id="2147483662" r:id="rId2"/>
+    <p:sldLayoutId id="2147483663" r:id="rId3"/>
+    <p:sldLayoutId id="2147483664" r:id="rId4"/>
+    <p:sldLayoutId id="2147483665" r:id="rId5"/>
+    <p:sldLayoutId id="2147483666" r:id="rId6"/>
+    <p:sldLayoutId id="2147483667" r:id="rId7"/>
+    <p:sldLayoutId id="2147483668" r:id="rId8"/>
+    <p:sldLayoutId id="2147483669" r:id="rId9"/>
+    <p:sldLayoutId id="2147483670" r:id="rId10"/>
+    <p:sldLayoutId id="2147483671" r:id="rId11"/>
   </p:sldLayoutIdLst>
   <p:txStyles>
     <p:titleStyle>
-      <a:lvl1pPr algn="ctr" defTabSz="914400" rtl="0" eaLnBrk="1" latinLnBrk="0" hangingPunct="1">
+      <a:lvl1pPr algn="l" rtl="0" eaLnBrk="1" latinLnBrk="0" hangingPunct="1">
         <a:spcBef>
           <a:spcPct val="0"/>
         </a:spcBef>
         <a:buNone/>
-        <a:defRPr sz="4400" kern="1200">
+        <a:defRPr kumimoji="0" sz="5000" b="0" kern="1200">
+          <a:ln>
+            <a:noFill/>
+          </a:ln>
           <a:solidFill>
-            <a:schemeClr val="tx1"/>
+            <a:schemeClr val="tx2"/>
           </a:solidFill>
+          <a:effectLst/>
           <a:latin typeface="+mj-lt"/>
           <a:ea typeface="+mj-ea"/>
           <a:cs typeface="+mj-cs"/>
@@ -2868,13 +3648,17 @@
       </a:lvl1pPr>
     </p:titleStyle>
     <p:bodyStyle>
-      <a:lvl1pPr marL="342900" indent="-342900" algn="l" defTabSz="914400" rtl="0" eaLnBrk="1" latinLnBrk="0" hangingPunct="1">
+      <a:lvl1pPr marL="274320" indent="-274320" algn="l" rtl="0" eaLnBrk="1" latinLnBrk="0" hangingPunct="1">
         <a:spcBef>
           <a:spcPct val="20000"/>
         </a:spcBef>
-        <a:buFont typeface="Arial" pitchFamily="34" charset="0"/>
-        <a:buChar char="•"/>
-        <a:defRPr sz="3200" kern="1200">
+        <a:buClr>
+          <a:schemeClr val="accent3"/>
+        </a:buClr>
+        <a:buSzPct val="95000"/>
+        <a:buFont typeface="Wingdings 2"/>
+        <a:buChar char=""/>
+        <a:defRPr kumimoji="0" sz="2600" kern="1200">
           <a:solidFill>
             <a:schemeClr val="tx1"/>
           </a:solidFill>
@@ -2883,13 +3667,17 @@
           <a:cs typeface="+mn-cs"/>
         </a:defRPr>
       </a:lvl1pPr>
-      <a:lvl2pPr marL="742950" indent="-285750" algn="l" defTabSz="914400" rtl="0" eaLnBrk="1" latinLnBrk="0" hangingPunct="1">
+      <a:lvl2pPr marL="640080" indent="-246888" algn="l" rtl="0" eaLnBrk="1" latinLnBrk="0" hangingPunct="1">
         <a:spcBef>
           <a:spcPct val="20000"/>
         </a:spcBef>
-        <a:buFont typeface="Arial" pitchFamily="34" charset="0"/>
-        <a:buChar char="–"/>
-        <a:defRPr sz="2800" kern="1200">
+        <a:buClr>
+          <a:schemeClr val="accent1"/>
+        </a:buClr>
+        <a:buSzPct val="85000"/>
+        <a:buFont typeface="Wingdings 2"/>
+        <a:buChar char=""/>
+        <a:defRPr kumimoji="0" sz="2400" kern="1200">
           <a:solidFill>
             <a:schemeClr val="tx1"/>
           </a:solidFill>
@@ -2898,13 +3686,17 @@
           <a:cs typeface="+mn-cs"/>
         </a:defRPr>
       </a:lvl2pPr>
-      <a:lvl3pPr marL="1143000" indent="-228600" algn="l" defTabSz="914400" rtl="0" eaLnBrk="1" latinLnBrk="0" hangingPunct="1">
+      <a:lvl3pPr marL="914400" indent="-246888" algn="l" rtl="0" eaLnBrk="1" latinLnBrk="0" hangingPunct="1">
         <a:spcBef>
           <a:spcPct val="20000"/>
         </a:spcBef>
-        <a:buFont typeface="Arial" pitchFamily="34" charset="0"/>
-        <a:buChar char="•"/>
-        <a:defRPr sz="2400" kern="1200">
+        <a:buClr>
+          <a:schemeClr val="accent2"/>
+        </a:buClr>
+        <a:buSzPct val="70000"/>
+        <a:buFont typeface="Wingdings 2"/>
+        <a:buChar char=""/>
+        <a:defRPr kumimoji="0" sz="2100" kern="1200">
           <a:solidFill>
             <a:schemeClr val="tx1"/>
           </a:solidFill>
@@ -2913,13 +3705,17 @@
           <a:cs typeface="+mn-cs"/>
         </a:defRPr>
       </a:lvl3pPr>
-      <a:lvl4pPr marL="1600200" indent="-228600" algn="l" defTabSz="914400" rtl="0" eaLnBrk="1" latinLnBrk="0" hangingPunct="1">
+      <a:lvl4pPr marL="1188720" indent="-210312" algn="l" rtl="0" eaLnBrk="1" latinLnBrk="0" hangingPunct="1">
         <a:spcBef>
           <a:spcPct val="20000"/>
         </a:spcBef>
-        <a:buFont typeface="Arial" pitchFamily="34" charset="0"/>
-        <a:buChar char="–"/>
-        <a:defRPr sz="2000" kern="1200">
+        <a:buClr>
+          <a:schemeClr val="accent3"/>
+        </a:buClr>
+        <a:buSzPct val="65000"/>
+        <a:buFont typeface="Wingdings 2"/>
+        <a:buChar char=""/>
+        <a:defRPr kumimoji="0" sz="2000" kern="1200">
           <a:solidFill>
             <a:schemeClr val="tx1"/>
           </a:solidFill>
@@ -2928,13 +3724,17 @@
           <a:cs typeface="+mn-cs"/>
         </a:defRPr>
       </a:lvl4pPr>
-      <a:lvl5pPr marL="2057400" indent="-228600" algn="l" defTabSz="914400" rtl="0" eaLnBrk="1" latinLnBrk="0" hangingPunct="1">
+      <a:lvl5pPr marL="1463040" indent="-210312" algn="l" rtl="0" eaLnBrk="1" latinLnBrk="0" hangingPunct="1">
         <a:spcBef>
           <a:spcPct val="20000"/>
         </a:spcBef>
-        <a:buFont typeface="Arial" pitchFamily="34" charset="0"/>
-        <a:buChar char="»"/>
-        <a:defRPr sz="2000" kern="1200">
+        <a:buClr>
+          <a:schemeClr val="accent4"/>
+        </a:buClr>
+        <a:buSzPct val="65000"/>
+        <a:buFont typeface="Wingdings 2"/>
+        <a:buChar char=""/>
+        <a:defRPr kumimoji="0" sz="2000" kern="1200">
           <a:solidFill>
             <a:schemeClr val="tx1"/>
           </a:solidFill>
@@ -2943,13 +3743,17 @@
           <a:cs typeface="+mn-cs"/>
         </a:defRPr>
       </a:lvl5pPr>
-      <a:lvl6pPr marL="2514600" indent="-228600" algn="l" defTabSz="914400" rtl="0" eaLnBrk="1" latinLnBrk="0" hangingPunct="1">
+      <a:lvl6pPr marL="1737360" indent="-210312" algn="l" rtl="0" eaLnBrk="1" latinLnBrk="0" hangingPunct="1">
         <a:spcBef>
           <a:spcPct val="20000"/>
         </a:spcBef>
-        <a:buFont typeface="Arial" pitchFamily="34" charset="0"/>
-        <a:buChar char="•"/>
-        <a:defRPr sz="2000" kern="1200">
+        <a:buClr>
+          <a:schemeClr val="accent5"/>
+        </a:buClr>
+        <a:buSzPct val="80000"/>
+        <a:buFont typeface="Wingdings 2"/>
+        <a:buChar char=""/>
+        <a:defRPr kumimoji="0" sz="1800" kern="1200">
           <a:solidFill>
             <a:schemeClr val="tx1"/>
           </a:solidFill>
@@ -2958,13 +3762,17 @@
           <a:cs typeface="+mn-cs"/>
         </a:defRPr>
       </a:lvl6pPr>
-      <a:lvl7pPr marL="2971800" indent="-228600" algn="l" defTabSz="914400" rtl="0" eaLnBrk="1" latinLnBrk="0" hangingPunct="1">
+      <a:lvl7pPr marL="1920240" indent="-182880" algn="l" rtl="0" eaLnBrk="1" latinLnBrk="0" hangingPunct="1">
         <a:spcBef>
           <a:spcPct val="20000"/>
         </a:spcBef>
-        <a:buFont typeface="Arial" pitchFamily="34" charset="0"/>
-        <a:buChar char="•"/>
-        <a:defRPr sz="2000" kern="1200">
+        <a:buClr>
+          <a:schemeClr val="accent6"/>
+        </a:buClr>
+        <a:buSzPct val="80000"/>
+        <a:buFont typeface="Wingdings 2"/>
+        <a:buChar char=""/>
+        <a:defRPr kumimoji="0" sz="1600" kern="1200" baseline="0">
           <a:solidFill>
             <a:schemeClr val="tx1"/>
           </a:solidFill>
@@ -2973,13 +3781,15 @@
           <a:cs typeface="+mn-cs"/>
         </a:defRPr>
       </a:lvl7pPr>
-      <a:lvl8pPr marL="3429000" indent="-228600" algn="l" defTabSz="914400" rtl="0" eaLnBrk="1" latinLnBrk="0" hangingPunct="1">
+      <a:lvl8pPr marL="2194560" indent="-182880" algn="l" rtl="0" eaLnBrk="1" latinLnBrk="0" hangingPunct="1">
         <a:spcBef>
           <a:spcPct val="20000"/>
         </a:spcBef>
-        <a:buFont typeface="Arial" pitchFamily="34" charset="0"/>
+        <a:buClr>
+          <a:schemeClr val="tx2"/>
+        </a:buClr>
         <a:buChar char="•"/>
-        <a:defRPr sz="2000" kern="1200">
+        <a:defRPr kumimoji="0" sz="1600" kern="1200">
           <a:solidFill>
             <a:schemeClr val="tx1"/>
           </a:solidFill>
@@ -2988,13 +3798,16 @@
           <a:cs typeface="+mn-cs"/>
         </a:defRPr>
       </a:lvl8pPr>
-      <a:lvl9pPr marL="3886200" indent="-228600" algn="l" defTabSz="914400" rtl="0" eaLnBrk="1" latinLnBrk="0" hangingPunct="1">
+      <a:lvl9pPr marL="2468880" indent="-182880" algn="l" rtl="0" eaLnBrk="1" latinLnBrk="0" hangingPunct="1">
         <a:spcBef>
           <a:spcPct val="20000"/>
         </a:spcBef>
-        <a:buFont typeface="Arial" pitchFamily="34" charset="0"/>
+        <a:buClr>
+          <a:schemeClr val="tx2"/>
+        </a:buClr>
+        <a:buFontTx/>
         <a:buChar char="•"/>
-        <a:defRPr sz="2000" kern="1200">
+        <a:defRPr kumimoji="0" sz="1400" kern="1200" baseline="0">
           <a:solidFill>
             <a:schemeClr val="tx1"/>
           </a:solidFill>
@@ -3005,11 +3818,8 @@
       </a:lvl9pPr>
     </p:bodyStyle>
     <p:otherStyle>
-      <a:defPPr>
-        <a:defRPr lang="sv-SE"/>
-      </a:defPPr>
-      <a:lvl1pPr marL="0" algn="l" defTabSz="914400" rtl="0" eaLnBrk="1" latinLnBrk="0" hangingPunct="1">
-        <a:defRPr sz="1800" kern="1200">
+      <a:lvl1pPr marL="0" algn="l" rtl="0" eaLnBrk="1" latinLnBrk="0" hangingPunct="1">
+        <a:defRPr kumimoji="0" kern="1200">
           <a:solidFill>
             <a:schemeClr val="tx1"/>
           </a:solidFill>
@@ -3018,8 +3828,8 @@
           <a:cs typeface="+mn-cs"/>
         </a:defRPr>
       </a:lvl1pPr>
-      <a:lvl2pPr marL="457200" algn="l" defTabSz="914400" rtl="0" eaLnBrk="1" latinLnBrk="0" hangingPunct="1">
-        <a:defRPr sz="1800" kern="1200">
+      <a:lvl2pPr marL="457200" algn="l" rtl="0" eaLnBrk="1" latinLnBrk="0" hangingPunct="1">
+        <a:defRPr kumimoji="0" kern="1200">
           <a:solidFill>
             <a:schemeClr val="tx1"/>
           </a:solidFill>
@@ -3028,8 +3838,8 @@
           <a:cs typeface="+mn-cs"/>
         </a:defRPr>
       </a:lvl2pPr>
-      <a:lvl3pPr marL="914400" algn="l" defTabSz="914400" rtl="0" eaLnBrk="1" latinLnBrk="0" hangingPunct="1">
-        <a:defRPr sz="1800" kern="1200">
+      <a:lvl3pPr marL="914400" algn="l" rtl="0" eaLnBrk="1" latinLnBrk="0" hangingPunct="1">
+        <a:defRPr kumimoji="0" kern="1200">
           <a:solidFill>
             <a:schemeClr val="tx1"/>
           </a:solidFill>
@@ -3038,8 +3848,8 @@
           <a:cs typeface="+mn-cs"/>
         </a:defRPr>
       </a:lvl3pPr>
-      <a:lvl4pPr marL="1371600" algn="l" defTabSz="914400" rtl="0" eaLnBrk="1" latinLnBrk="0" hangingPunct="1">
-        <a:defRPr sz="1800" kern="1200">
+      <a:lvl4pPr marL="1371600" algn="l" rtl="0" eaLnBrk="1" latinLnBrk="0" hangingPunct="1">
+        <a:defRPr kumimoji="0" kern="1200">
           <a:solidFill>
             <a:schemeClr val="tx1"/>
           </a:solidFill>
@@ -3048,8 +3858,8 @@
           <a:cs typeface="+mn-cs"/>
         </a:defRPr>
       </a:lvl4pPr>
-      <a:lvl5pPr marL="1828800" algn="l" defTabSz="914400" rtl="0" eaLnBrk="1" latinLnBrk="0" hangingPunct="1">
-        <a:defRPr sz="1800" kern="1200">
+      <a:lvl5pPr marL="1828800" algn="l" rtl="0" eaLnBrk="1" latinLnBrk="0" hangingPunct="1">
+        <a:defRPr kumimoji="0" kern="1200">
           <a:solidFill>
             <a:schemeClr val="tx1"/>
           </a:solidFill>
@@ -3058,8 +3868,8 @@
           <a:cs typeface="+mn-cs"/>
         </a:defRPr>
       </a:lvl5pPr>
-      <a:lvl6pPr marL="2286000" algn="l" defTabSz="914400" rtl="0" eaLnBrk="1" latinLnBrk="0" hangingPunct="1">
-        <a:defRPr sz="1800" kern="1200">
+      <a:lvl6pPr marL="2286000" algn="l" rtl="0" eaLnBrk="1" latinLnBrk="0" hangingPunct="1">
+        <a:defRPr kumimoji="0" kern="1200">
           <a:solidFill>
             <a:schemeClr val="tx1"/>
           </a:solidFill>
@@ -3068,8 +3878,8 @@
           <a:cs typeface="+mn-cs"/>
         </a:defRPr>
       </a:lvl6pPr>
-      <a:lvl7pPr marL="2743200" algn="l" defTabSz="914400" rtl="0" eaLnBrk="1" latinLnBrk="0" hangingPunct="1">
-        <a:defRPr sz="1800" kern="1200">
+      <a:lvl7pPr marL="2743200" algn="l" rtl="0" eaLnBrk="1" latinLnBrk="0" hangingPunct="1">
+        <a:defRPr kumimoji="0" kern="1200">
           <a:solidFill>
             <a:schemeClr val="tx1"/>
           </a:solidFill>
@@ -3078,8 +3888,8 @@
           <a:cs typeface="+mn-cs"/>
         </a:defRPr>
       </a:lvl7pPr>
-      <a:lvl8pPr marL="3200400" algn="l" defTabSz="914400" rtl="0" eaLnBrk="1" latinLnBrk="0" hangingPunct="1">
-        <a:defRPr sz="1800" kern="1200">
+      <a:lvl8pPr marL="3200400" algn="l" rtl="0" eaLnBrk="1" latinLnBrk="0" hangingPunct="1">
+        <a:defRPr kumimoji="0" kern="1200">
           <a:solidFill>
             <a:schemeClr val="tx1"/>
           </a:solidFill>
@@ -3088,8 +3898,8 @@
           <a:cs typeface="+mn-cs"/>
         </a:defRPr>
       </a:lvl8pPr>
-      <a:lvl9pPr marL="3657600" algn="l" defTabSz="914400" rtl="0" eaLnBrk="1" latinLnBrk="0" hangingPunct="1">
-        <a:defRPr sz="1800" kern="1200">
+      <a:lvl9pPr marL="3657600" algn="l" rtl="0" eaLnBrk="1" latinLnBrk="0" hangingPunct="1">
+        <a:defRPr kumimoji="0" kern="1200">
           <a:solidFill>
             <a:schemeClr val="tx1"/>
           </a:solidFill>
@@ -3135,10 +3945,6 @@
           <a:bodyPr/>
           <a:lstStyle/>
           <a:p>
-            <a:r>
-              <a:rPr lang="sv-SE" dirty="0" err="1" smtClean="0"/>
-              <a:t>Groovy</a:t>
-            </a:r>
             <a:endParaRPr lang="sv-SE" dirty="0"/>
           </a:p>
         </p:txBody>
@@ -3255,6 +4061,39 @@
           </a:p>
         </p:txBody>
       </p:sp>
+      <p:pic>
+        <p:nvPicPr>
+          <p:cNvPr id="4" name="Picture 2"/>
+          <p:cNvPicPr>
+            <a:picLocks noChangeAspect="1" noChangeArrowheads="1"/>
+          </p:cNvPicPr>
+          <p:nvPr/>
+        </p:nvPicPr>
+        <p:blipFill>
+          <a:blip r:embed="rId2"/>
+          <a:srcRect/>
+          <a:stretch>
+            <a:fillRect/>
+          </a:stretch>
+        </p:blipFill>
+        <p:spPr bwMode="auto">
+          <a:xfrm>
+            <a:off x="3357554" y="357166"/>
+            <a:ext cx="1933575" cy="952500"/>
+          </a:xfrm>
+          <a:prstGeom prst="rect">
+            <a:avLst/>
+          </a:prstGeom>
+          <a:noFill/>
+          <a:ln w="9525">
+            <a:noFill/>
+            <a:miter lim="800000"/>
+            <a:headEnd/>
+            <a:tailEnd/>
+          </a:ln>
+          <a:effectLst/>
+        </p:spPr>
+      </p:pic>
     </p:spTree>
   </p:cSld>
   <p:clrMapOvr>
@@ -3340,11 +4179,7 @@
           <a:p>
             <a:r>
               <a:rPr lang="sv-SE" dirty="0" smtClean="0"/>
-              <a:t>Kodblock </a:t>
-            </a:r>
-            <a:r>
-              <a:rPr lang="sv-SE" dirty="0" smtClean="0"/>
-              <a:t>som kan skickas runt precis som en variabel</a:t>
+              <a:t>Kodblock som kan skickas runt precis som en variabel</a:t>
             </a:r>
           </a:p>
           <a:p>
@@ -3454,10 +4289,14 @@
               <a:t>[</a:t>
             </a:r>
             <a:r>
-              <a:rPr lang="sv-SE" smtClean="0"/>
-              <a:t>closureExamples.groovy]</a:t>
-            </a:r>
-            <a:endParaRPr lang="sv-SE"/>
+              <a:rPr lang="sv-SE" dirty="0" err="1" smtClean="0"/>
+              <a:t>closureExamples.groovy</a:t>
+            </a:r>
+            <a:r>
+              <a:rPr lang="sv-SE" dirty="0" smtClean="0"/>
+              <a:t>]</a:t>
+            </a:r>
+            <a:endParaRPr lang="sv-SE" dirty="0"/>
           </a:p>
         </p:txBody>
       </p:sp>
@@ -3620,7 +4459,9 @@
         </p:nvSpPr>
         <p:spPr/>
         <p:txBody>
-          <a:bodyPr/>
+          <a:bodyPr>
+            <a:normAutofit fontScale="90000"/>
+          </a:bodyPr>
           <a:lstStyle/>
           <a:p>
             <a:r>
@@ -3734,7 +4575,9 @@
         </p:nvSpPr>
         <p:spPr/>
         <p:txBody>
-          <a:bodyPr/>
+          <a:bodyPr>
+            <a:normAutofit fontScale="90000"/>
+          </a:bodyPr>
           <a:lstStyle/>
           <a:p>
             <a:r>
@@ -3850,51 +4693,47 @@
         </p:nvSpPr>
         <p:spPr/>
         <p:txBody>
+          <a:bodyPr/>
+          <a:lstStyle/>
+          <a:p>
+            <a:r>
+              <a:rPr lang="sv-SE" dirty="0" smtClean="0"/>
+              <a:t>DSL i </a:t>
+            </a:r>
+            <a:r>
+              <a:rPr lang="sv-SE" dirty="0" err="1" smtClean="0"/>
+              <a:t>Groovy</a:t>
+            </a:r>
+            <a:endParaRPr lang="sv-SE" dirty="0"/>
+          </a:p>
+        </p:txBody>
+      </p:sp>
+      <p:sp>
+        <p:nvSpPr>
+          <p:cNvPr id="3" name="Platshållare för innehåll 2"/>
+          <p:cNvSpPr>
+            <a:spLocks noGrp="1"/>
+          </p:cNvSpPr>
+          <p:nvPr>
+            <p:ph idx="1"/>
+          </p:nvPr>
+        </p:nvSpPr>
+        <p:spPr/>
+        <p:txBody>
           <a:bodyPr>
             <a:normAutofit/>
           </a:bodyPr>
           <a:lstStyle/>
           <a:p>
-            <a:r>
-              <a:rPr lang="sv-SE" dirty="0" smtClean="0"/>
-              <a:t>DSL</a:t>
-            </a:r>
-            <a:endParaRPr lang="sv-SE" dirty="0"/>
-          </a:p>
-        </p:txBody>
-      </p:sp>
-      <p:sp>
-        <p:nvSpPr>
-          <p:cNvPr id="3" name="Platshållare för innehåll 2"/>
-          <p:cNvSpPr>
-            <a:spLocks noGrp="1"/>
-          </p:cNvSpPr>
-          <p:nvPr>
-            <p:ph idx="1"/>
-          </p:nvPr>
-        </p:nvSpPr>
-        <p:spPr/>
-        <p:txBody>
-          <a:bodyPr/>
-          <a:lstStyle/>
-          <a:p>
-            <a:r>
-              <a:rPr lang="sv-SE" dirty="0" smtClean="0"/>
-              <a:t>Två typer:</a:t>
-            </a:r>
-          </a:p>
-          <a:p>
-            <a:pPr lvl="1"/>
-            <a:r>
-              <a:rPr lang="sv-SE" dirty="0" smtClean="0"/>
-              <a:t>Intern DSL</a:t>
-            </a:r>
-          </a:p>
-          <a:p>
-            <a:pPr lvl="1"/>
-            <a:r>
-              <a:rPr lang="sv-SE" dirty="0" smtClean="0"/>
-              <a:t>Extern DSL</a:t>
+            <a:pPr lvl="1">
+              <a:buNone/>
+            </a:pPr>
+            <a:r>
+              <a:rPr lang="sv-SE" dirty="0" smtClean="0">
+                <a:latin typeface="Courier New" pitchFamily="49" charset="0"/>
+                <a:cs typeface="Courier New" pitchFamily="49" charset="0"/>
+              </a:rPr>
+              <a:t>4.days.ago</a:t>
             </a:r>
           </a:p>
         </p:txBody>
@@ -3948,7 +4787,11 @@
           <a:p>
             <a:r>
               <a:rPr lang="sv-SE" dirty="0" smtClean="0"/>
-              <a:t>Extern DSL</a:t>
+              <a:t>DSL i </a:t>
+            </a:r>
+            <a:r>
+              <a:rPr lang="sv-SE" dirty="0" err="1" smtClean="0"/>
+              <a:t>Groovy</a:t>
             </a:r>
             <a:endParaRPr lang="sv-SE" dirty="0"/>
           </a:p>
@@ -3966,46 +4809,34 @@
         </p:nvSpPr>
         <p:spPr/>
         <p:txBody>
-          <a:bodyPr/>
-          <a:lstStyle/>
-          <a:p>
-            <a:r>
-              <a:rPr lang="sv-SE" dirty="0" smtClean="0"/>
-              <a:t>Definierar ett helt nytt språk</a:t>
-            </a:r>
-          </a:p>
-          <a:p>
-            <a:r>
-              <a:rPr lang="sv-SE" dirty="0" smtClean="0"/>
-              <a:t>Exempel:</a:t>
-            </a:r>
-          </a:p>
-          <a:p>
-            <a:pPr lvl="1"/>
-            <a:r>
-              <a:rPr lang="sv-SE" dirty="0" smtClean="0"/>
-              <a:t>SQL</a:t>
-            </a:r>
-          </a:p>
-          <a:p>
-            <a:pPr lvl="1"/>
-            <a:r>
-              <a:rPr lang="sv-SE" dirty="0" smtClean="0"/>
-              <a:t>HTML</a:t>
-            </a:r>
-          </a:p>
-          <a:p>
-            <a:pPr lvl="1"/>
-            <a:r>
-              <a:rPr lang="sv-SE" dirty="0" smtClean="0"/>
-              <a:t>ANT</a:t>
-            </a:r>
-          </a:p>
-          <a:p>
-            <a:pPr lvl="1"/>
-            <a:r>
-              <a:rPr lang="sv-SE" dirty="0" smtClean="0"/>
-              <a:t>CSS</a:t>
+          <a:bodyPr>
+            <a:normAutofit/>
+          </a:bodyPr>
+          <a:lstStyle/>
+          <a:p>
+            <a:pPr lvl="1">
+              <a:buNone/>
+            </a:pPr>
+            <a:r>
+              <a:rPr lang="sv-SE" dirty="0" smtClean="0">
+                <a:latin typeface="Courier New" pitchFamily="49" charset="0"/>
+                <a:cs typeface="Courier New" pitchFamily="49" charset="0"/>
+              </a:rPr>
+              <a:t>[</a:t>
+            </a:r>
+            <a:r>
+              <a:rPr lang="sv-SE" dirty="0" err="1" smtClean="0">
+                <a:latin typeface="Courier New" pitchFamily="49" charset="0"/>
+                <a:cs typeface="Courier New" pitchFamily="49" charset="0"/>
+              </a:rPr>
+              <a:t>DaysAgo.groovy</a:t>
+            </a:r>
+            <a:r>
+              <a:rPr lang="sv-SE" dirty="0" smtClean="0">
+                <a:latin typeface="Courier New" pitchFamily="49" charset="0"/>
+                <a:cs typeface="Courier New" pitchFamily="49" charset="0"/>
+              </a:rPr>
+              <a:t>]</a:t>
             </a:r>
           </a:p>
         </p:txBody>
@@ -4059,7 +4890,11 @@
           <a:p>
             <a:r>
               <a:rPr lang="sv-SE" dirty="0" smtClean="0"/>
-              <a:t>Intern DSL</a:t>
+              <a:t>DSL i </a:t>
+            </a:r>
+            <a:r>
+              <a:rPr lang="sv-SE" dirty="0" err="1" smtClean="0"/>
+              <a:t>Grails</a:t>
             </a:r>
             <a:endParaRPr lang="sv-SE" dirty="0"/>
           </a:p>
@@ -4080,24 +4915,22 @@
           <a:bodyPr/>
           <a:lstStyle/>
           <a:p>
-            <a:r>
-              <a:rPr lang="sv-SE" dirty="0" smtClean="0"/>
-              <a:t>Även interna </a:t>
-            </a:r>
-            <a:r>
-              <a:rPr lang="sv-SE" dirty="0" err="1" smtClean="0"/>
-              <a:t>DSL:s</a:t>
-            </a:r>
-            <a:r>
-              <a:rPr lang="sv-SE" dirty="0" smtClean="0"/>
-              <a:t> definierar ett nytt språk, men används i befintligt språk.</a:t>
-            </a:r>
-          </a:p>
-          <a:p>
-            <a:r>
-              <a:rPr lang="sv-SE" dirty="0" smtClean="0"/>
-              <a:t>Syntaxen måste följa det underliggande språket</a:t>
-            </a:r>
+            <a:pPr>
+              <a:buNone/>
+            </a:pPr>
+            <a:r>
+              <a:rPr lang="sv-SE" dirty="0" smtClean="0"/>
+              <a:t>[</a:t>
+            </a:r>
+            <a:r>
+              <a:rPr lang="sv-SE" dirty="0" err="1" smtClean="0"/>
+              <a:t>GrailsDomainClass.groovy</a:t>
+            </a:r>
+            <a:r>
+              <a:rPr lang="sv-SE" dirty="0" smtClean="0"/>
+              <a:t>]</a:t>
+            </a:r>
+            <a:endParaRPr lang="sv-SE" dirty="0"/>
           </a:p>
         </p:txBody>
       </p:sp>
@@ -4106,13 +4939,6 @@
   <p:clrMapOvr>
     <a:masterClrMapping/>
   </p:clrMapOvr>
-  <p:timing>
-    <p:tnLst>
-      <p:par>
-        <p:cTn id="1" dur="indefinite" restart="never" nodeType="tmRoot"/>
-      </p:par>
-    </p:tnLst>
-  </p:timing>
 </p:sld>
 </file>
 
@@ -4145,219 +4971,137 @@
         </p:nvSpPr>
         <p:spPr/>
         <p:txBody>
-          <a:bodyPr/>
-          <a:lstStyle/>
-          <a:p>
-            <a:r>
-              <a:rPr lang="sv-SE" dirty="0" smtClean="0"/>
-              <a:t>DSL i </a:t>
-            </a:r>
-            <a:r>
-              <a:rPr lang="sv-SE" dirty="0" err="1" smtClean="0"/>
-              <a:t>Groovy</a:t>
-            </a:r>
-            <a:endParaRPr lang="sv-SE" dirty="0"/>
-          </a:p>
-        </p:txBody>
-      </p:sp>
-      <p:sp>
-        <p:nvSpPr>
-          <p:cNvPr id="3" name="Platshållare för innehåll 2"/>
-          <p:cNvSpPr>
-            <a:spLocks noGrp="1"/>
-          </p:cNvSpPr>
-          <p:nvPr>
-            <p:ph idx="1"/>
-          </p:nvPr>
-        </p:nvSpPr>
-        <p:spPr/>
-        <p:txBody>
           <a:bodyPr>
             <a:normAutofit/>
           </a:bodyPr>
           <a:lstStyle/>
           <a:p>
+            <a:r>
+              <a:rPr lang="sv-SE" dirty="0" smtClean="0"/>
+              <a:t>Varför </a:t>
+            </a:r>
+            <a:r>
+              <a:rPr lang="sv-SE" dirty="0" err="1" smtClean="0"/>
+              <a:t>Groovy</a:t>
+            </a:r>
+            <a:r>
+              <a:rPr lang="sv-SE" dirty="0" smtClean="0"/>
+              <a:t>?</a:t>
+            </a:r>
+            <a:endParaRPr lang="sv-SE" dirty="0"/>
+          </a:p>
+        </p:txBody>
+      </p:sp>
+      <p:sp>
+        <p:nvSpPr>
+          <p:cNvPr id="3" name="Platshållare för innehåll 2"/>
+          <p:cNvSpPr>
+            <a:spLocks noGrp="1"/>
+          </p:cNvSpPr>
+          <p:nvPr>
+            <p:ph idx="1"/>
+          </p:nvPr>
+        </p:nvSpPr>
+        <p:spPr/>
+        <p:txBody>
+          <a:bodyPr>
+            <a:normAutofit/>
+          </a:bodyPr>
+          <a:lstStyle/>
+          <a:p>
+            <a:r>
+              <a:rPr lang="sv-SE" dirty="0" smtClean="0"/>
+              <a:t>Det finns andra dynamiska språk som kan köras på Java-plattformen, med stöd för metaprogrammering och </a:t>
+            </a:r>
+            <a:r>
+              <a:rPr lang="sv-SE" dirty="0" err="1" smtClean="0"/>
+              <a:t>closures</a:t>
+            </a:r>
+            <a:endParaRPr lang="sv-SE" dirty="0" smtClean="0"/>
+          </a:p>
+          <a:p>
+            <a:r>
+              <a:rPr lang="sv-SE" dirty="0" smtClean="0"/>
+              <a:t>Sammanlagt över 150 språk kan köras på  Java-plattformen</a:t>
+            </a:r>
+          </a:p>
+          <a:p>
+            <a:pPr lvl="1"/>
+            <a:r>
+              <a:rPr lang="sv-SE" dirty="0" smtClean="0"/>
+              <a:t>Java</a:t>
+            </a:r>
+            <a:endParaRPr lang="sv-SE" dirty="0" smtClean="0"/>
+          </a:p>
+          <a:p>
+            <a:pPr lvl="1"/>
+            <a:r>
+              <a:rPr lang="sv-SE" dirty="0" smtClean="0"/>
+              <a:t>Ruby </a:t>
+            </a:r>
+            <a:r>
+              <a:rPr lang="sv-SE" dirty="0" smtClean="0"/>
+              <a:t>(</a:t>
+            </a:r>
+            <a:r>
+              <a:rPr lang="sv-SE" dirty="0" err="1" smtClean="0"/>
+              <a:t>J</a:t>
+            </a:r>
+            <a:r>
+              <a:rPr lang="sv-SE" dirty="0" err="1" smtClean="0"/>
+              <a:t>Ruby</a:t>
+            </a:r>
+            <a:r>
+              <a:rPr lang="sv-SE" dirty="0" smtClean="0"/>
+              <a:t>)</a:t>
+            </a:r>
+          </a:p>
+          <a:p>
+            <a:pPr lvl="1"/>
+            <a:r>
+              <a:rPr lang="sv-SE" dirty="0" err="1" smtClean="0"/>
+              <a:t>Python</a:t>
+            </a:r>
+            <a:r>
+              <a:rPr lang="sv-SE" dirty="0" smtClean="0"/>
+              <a:t> (</a:t>
+            </a:r>
+            <a:r>
+              <a:rPr lang="sv-SE" dirty="0" err="1" smtClean="0"/>
+              <a:t>Jython</a:t>
+            </a:r>
+            <a:r>
+              <a:rPr lang="sv-SE" dirty="0" smtClean="0"/>
+              <a:t>)</a:t>
+            </a:r>
+          </a:p>
+          <a:p>
+            <a:pPr lvl="1"/>
+            <a:r>
+              <a:rPr lang="sv-SE" dirty="0" err="1" smtClean="0"/>
+              <a:t>BeanShell</a:t>
+            </a:r>
+            <a:endParaRPr lang="sv-SE" dirty="0" smtClean="0"/>
+          </a:p>
+          <a:p>
+            <a:r>
+              <a:rPr lang="sv-SE" dirty="0" smtClean="0"/>
+              <a:t>Varför </a:t>
+            </a:r>
+            <a:r>
+              <a:rPr lang="sv-SE" dirty="0" err="1" smtClean="0"/>
+              <a:t>Groovy</a:t>
+            </a:r>
+            <a:r>
+              <a:rPr lang="sv-SE" dirty="0" smtClean="0"/>
+              <a:t>?</a:t>
+            </a:r>
+          </a:p>
+          <a:p>
             <a:pPr lvl="1">
               <a:buNone/>
             </a:pPr>
-            <a:r>
-              <a:rPr lang="sv-SE" dirty="0" smtClean="0">
-                <a:latin typeface="Courier New" pitchFamily="49" charset="0"/>
-                <a:cs typeface="Courier New" pitchFamily="49" charset="0"/>
-              </a:rPr>
-              <a:t>4.days.ago</a:t>
-            </a:r>
-          </a:p>
-          <a:p>
-            <a:pPr lvl="1"/>
-            <a:endParaRPr lang="sv-SE" sz="2400" dirty="0" smtClean="0">
-              <a:latin typeface="Courier New" pitchFamily="49" charset="0"/>
-              <a:cs typeface="Courier New" pitchFamily="49" charset="0"/>
-            </a:endParaRPr>
-          </a:p>
-          <a:p>
-            <a:pPr lvl="1">
-              <a:buNone/>
-            </a:pPr>
-            <a:r>
-              <a:rPr lang="sv-SE" sz="2400" dirty="0" err="1" smtClean="0">
-                <a:latin typeface="Courier New" pitchFamily="49" charset="0"/>
-                <a:cs typeface="Courier New" pitchFamily="49" charset="0"/>
-              </a:rPr>
-              <a:t>Order.pizza</a:t>
-            </a:r>
-            <a:r>
-              <a:rPr lang="sv-SE" sz="2400" dirty="0" smtClean="0">
-                <a:latin typeface="Courier New" pitchFamily="49" charset="0"/>
-                <a:cs typeface="Courier New" pitchFamily="49" charset="0"/>
-              </a:rPr>
-              <a:t>{ </a:t>
-            </a:r>
-          </a:p>
-          <a:p>
-            <a:pPr>
-              <a:buNone/>
-            </a:pPr>
-            <a:r>
-              <a:rPr lang="sv-SE" sz="2400" dirty="0" smtClean="0">
-                <a:latin typeface="Courier New" pitchFamily="49" charset="0"/>
-                <a:cs typeface="Courier New" pitchFamily="49" charset="0"/>
-              </a:rPr>
-              <a:t>		</a:t>
-            </a:r>
-            <a:r>
-              <a:rPr lang="sv-SE" sz="2400" dirty="0" err="1" smtClean="0">
-                <a:latin typeface="Courier New" pitchFamily="49" charset="0"/>
-                <a:cs typeface="Courier New" pitchFamily="49" charset="0"/>
-              </a:rPr>
-              <a:t>size</a:t>
-            </a:r>
-            <a:r>
-              <a:rPr lang="sv-SE" sz="2400" dirty="0" smtClean="0">
-                <a:latin typeface="Courier New" pitchFamily="49" charset="0"/>
-                <a:cs typeface="Courier New" pitchFamily="49" charset="0"/>
-              </a:rPr>
-              <a:t> </a:t>
-            </a:r>
-            <a:r>
-              <a:rPr lang="sv-SE" sz="2400" dirty="0" err="1" smtClean="0">
-                <a:latin typeface="Courier New" pitchFamily="49" charset="0"/>
-                <a:cs typeface="Courier New" pitchFamily="49" charset="0"/>
-              </a:rPr>
-              <a:t>large</a:t>
-            </a:r>
-            <a:endParaRPr lang="sv-SE" sz="2400" dirty="0" smtClean="0">
-              <a:latin typeface="Courier New" pitchFamily="49" charset="0"/>
-              <a:cs typeface="Courier New" pitchFamily="49" charset="0"/>
-            </a:endParaRPr>
-          </a:p>
-          <a:p>
-            <a:pPr>
-              <a:buNone/>
-            </a:pPr>
-            <a:r>
-              <a:rPr lang="sv-SE" sz="2400" dirty="0" smtClean="0">
-                <a:latin typeface="Courier New" pitchFamily="49" charset="0"/>
-                <a:cs typeface="Courier New" pitchFamily="49" charset="0"/>
-              </a:rPr>
-              <a:t>		</a:t>
-            </a:r>
-            <a:r>
-              <a:rPr lang="sv-SE" sz="2400" dirty="0" err="1" smtClean="0">
-                <a:latin typeface="Courier New" pitchFamily="49" charset="0"/>
-                <a:cs typeface="Courier New" pitchFamily="49" charset="0"/>
-              </a:rPr>
-              <a:t>topping</a:t>
-            </a:r>
-            <a:r>
-              <a:rPr lang="sv-SE" sz="2400" dirty="0" smtClean="0">
-                <a:latin typeface="Courier New" pitchFamily="49" charset="0"/>
-                <a:cs typeface="Courier New" pitchFamily="49" charset="0"/>
-              </a:rPr>
-              <a:t> </a:t>
-            </a:r>
-            <a:r>
-              <a:rPr lang="sv-SE" sz="2400" dirty="0" err="1" smtClean="0">
-                <a:latin typeface="Courier New" pitchFamily="49" charset="0"/>
-                <a:cs typeface="Courier New" pitchFamily="49" charset="0"/>
-              </a:rPr>
-              <a:t>olives</a:t>
-            </a:r>
-            <a:r>
-              <a:rPr lang="sv-SE" sz="2400" dirty="0" smtClean="0">
-                <a:latin typeface="Courier New" pitchFamily="49" charset="0"/>
-                <a:cs typeface="Courier New" pitchFamily="49" charset="0"/>
-              </a:rPr>
-              <a:t>, </a:t>
-            </a:r>
-            <a:r>
-              <a:rPr lang="sv-SE" sz="2400" dirty="0" err="1" smtClean="0">
-                <a:latin typeface="Courier New" pitchFamily="49" charset="0"/>
-                <a:cs typeface="Courier New" pitchFamily="49" charset="0"/>
-              </a:rPr>
-              <a:t>pepper</a:t>
-            </a:r>
-            <a:r>
-              <a:rPr lang="sv-SE" sz="2400" dirty="0" smtClean="0">
-                <a:latin typeface="Courier New" pitchFamily="49" charset="0"/>
-                <a:cs typeface="Courier New" pitchFamily="49" charset="0"/>
-              </a:rPr>
-              <a:t>, salami</a:t>
-            </a:r>
-          </a:p>
-          <a:p>
-            <a:pPr>
-              <a:buNone/>
-            </a:pPr>
-            <a:r>
-              <a:rPr lang="sv-SE" sz="2400" dirty="0" smtClean="0">
-                <a:latin typeface="Courier New" pitchFamily="49" charset="0"/>
-                <a:cs typeface="Courier New" pitchFamily="49" charset="0"/>
-              </a:rPr>
-              <a:t>		adress "Gamla brogatan 11"</a:t>
-            </a:r>
-          </a:p>
-          <a:p>
-            <a:pPr>
-              <a:buNone/>
-            </a:pPr>
-            <a:r>
-              <a:rPr lang="sv-SE" sz="2400" dirty="0" smtClean="0">
-                <a:latin typeface="Courier New" pitchFamily="49" charset="0"/>
-                <a:cs typeface="Courier New" pitchFamily="49" charset="0"/>
-              </a:rPr>
-              <a:t>		</a:t>
-            </a:r>
-            <a:r>
-              <a:rPr lang="sv-SE" sz="2400" dirty="0" err="1" smtClean="0">
-                <a:latin typeface="Courier New" pitchFamily="49" charset="0"/>
-                <a:cs typeface="Courier New" pitchFamily="49" charset="0"/>
-              </a:rPr>
-              <a:t>payment</a:t>
-            </a:r>
-            <a:r>
-              <a:rPr lang="sv-SE" sz="2400" dirty="0" smtClean="0">
-                <a:latin typeface="Courier New" pitchFamily="49" charset="0"/>
-                <a:cs typeface="Courier New" pitchFamily="49" charset="0"/>
-              </a:rPr>
-              <a:t> visa, ’1234-1234-1234-1234’</a:t>
-            </a:r>
-          </a:p>
-          <a:p>
-            <a:pPr>
-              <a:buNone/>
-            </a:pPr>
-            <a:r>
-              <a:rPr lang="sv-SE" sz="2400" dirty="0" smtClean="0">
-                <a:latin typeface="Courier New" pitchFamily="49" charset="0"/>
-                <a:cs typeface="Courier New" pitchFamily="49" charset="0"/>
-              </a:rPr>
-              <a:t>	}</a:t>
-            </a:r>
-            <a:endParaRPr lang="sv-SE" sz="2400" dirty="0">
-              <a:latin typeface="Courier New" pitchFamily="49" charset="0"/>
-              <a:cs typeface="Courier New" pitchFamily="49" charset="0"/>
-            </a:endParaRPr>
+            <a:endParaRPr lang="sv-SE" dirty="0" smtClean="0"/>
           </a:p>
         </p:txBody>
       </p:sp>
@@ -4410,11 +5154,11 @@
           <a:p>
             <a:r>
               <a:rPr lang="sv-SE" dirty="0" smtClean="0"/>
-              <a:t>DSL i </a:t>
-            </a:r>
-            <a:r>
-              <a:rPr lang="sv-SE" dirty="0" err="1" smtClean="0"/>
-              <a:t>Grails</a:t>
+              <a:t>Fördelar med </a:t>
+            </a:r>
+            <a:r>
+              <a:rPr lang="sv-SE" dirty="0" err="1" smtClean="0"/>
+              <a:t>Groovy</a:t>
             </a:r>
             <a:endParaRPr lang="sv-SE" dirty="0"/>
           </a:p>
@@ -4435,20 +5179,36 @@
           <a:bodyPr/>
           <a:lstStyle/>
           <a:p>
-            <a:pPr>
-              <a:buNone/>
-            </a:pPr>
-            <a:r>
-              <a:rPr lang="sv-SE" dirty="0" smtClean="0"/>
-              <a:t>[</a:t>
-            </a:r>
-            <a:r>
-              <a:rPr lang="sv-SE" dirty="0" err="1" smtClean="0"/>
-              <a:t>GrailsDomainClass.groovy</a:t>
-            </a:r>
-            <a:r>
-              <a:rPr lang="sv-SE" dirty="0" smtClean="0"/>
-              <a:t>]</a:t>
+            <a:r>
+              <a:rPr lang="sv-SE" dirty="0" smtClean="0"/>
+              <a:t>Enkelt att lära för en Javaprogrammerare</a:t>
+            </a:r>
+          </a:p>
+          <a:p>
+            <a:r>
+              <a:rPr lang="sv-SE" dirty="0" smtClean="0"/>
+              <a:t>Helt kompatibelt med existerande Javaprojekt</a:t>
+            </a:r>
+          </a:p>
+          <a:p>
+            <a:r>
+              <a:rPr lang="sv-SE" dirty="0" err="1" smtClean="0"/>
+              <a:t>Groovy</a:t>
+            </a:r>
+            <a:r>
+              <a:rPr lang="sv-SE" dirty="0" smtClean="0"/>
+              <a:t> ÄR Java – kompileras till .</a:t>
+            </a:r>
+            <a:r>
+              <a:rPr lang="sv-SE" dirty="0" err="1" smtClean="0"/>
+              <a:t>class-filer</a:t>
+            </a:r>
+            <a:endParaRPr lang="sv-SE" dirty="0" smtClean="0"/>
+          </a:p>
+          <a:p>
+            <a:r>
+              <a:rPr lang="sv-SE" dirty="0" smtClean="0"/>
+              <a:t>Utökar JDK för att förenkla utveckling</a:t>
             </a:r>
             <a:endParaRPr lang="sv-SE" dirty="0"/>
           </a:p>
@@ -4459,6 +5219,13 @@
   <p:clrMapOvr>
     <a:masterClrMapping/>
   </p:clrMapOvr>
+  <p:timing>
+    <p:tnLst>
+      <p:par>
+        <p:cTn id="1" dur="indefinite" restart="never" nodeType="tmRoot"/>
+      </p:par>
+    </p:tnLst>
+  </p:timing>
 </p:sld>
 </file>
 
@@ -4494,68 +5261,64 @@
           <a:bodyPr/>
           <a:lstStyle/>
           <a:p>
+            <a:endParaRPr lang="sv-SE" dirty="0"/>
+          </a:p>
+        </p:txBody>
+      </p:sp>
+      <p:sp>
+        <p:nvSpPr>
+          <p:cNvPr id="3" name="Platshållare för innehåll 2"/>
+          <p:cNvSpPr>
+            <a:spLocks noGrp="1"/>
+          </p:cNvSpPr>
+          <p:nvPr>
+            <p:ph idx="1"/>
+          </p:nvPr>
+        </p:nvSpPr>
+        <p:spPr/>
+        <p:txBody>
+          <a:bodyPr/>
+          <a:lstStyle/>
+          <a:p>
+            <a:r>
+              <a:rPr lang="sv-SE" dirty="0" smtClean="0"/>
+              <a:t>Dynamiskt språk</a:t>
+            </a:r>
+          </a:p>
+          <a:p>
+            <a:r>
+              <a:rPr lang="sv-SE" dirty="0" smtClean="0"/>
+              <a:t>Kompatibelt med </a:t>
+            </a:r>
+            <a:r>
+              <a:rPr lang="sv-SE" dirty="0" err="1" smtClean="0"/>
+              <a:t>java-kod</a:t>
+            </a:r>
+            <a:endParaRPr lang="sv-SE" dirty="0" smtClean="0"/>
+          </a:p>
+          <a:p>
+            <a:r>
+              <a:rPr lang="sv-SE" dirty="0" smtClean="0"/>
+              <a:t>Startades under 2003</a:t>
+            </a:r>
+          </a:p>
+          <a:p>
+            <a:r>
+              <a:rPr lang="sv-SE" dirty="0" smtClean="0"/>
+              <a:t>Lades på is 2004</a:t>
+            </a:r>
+          </a:p>
+          <a:p>
+            <a:r>
+              <a:rPr lang="sv-SE" dirty="0" smtClean="0"/>
+              <a:t>Ny grupp utvecklare tog över 2004</a:t>
+            </a:r>
+          </a:p>
+          <a:p>
             <a:r>
               <a:rPr lang="sv-SE" dirty="0" err="1" smtClean="0"/>
               <a:t>Groovy</a:t>
             </a:r>
-            <a:endParaRPr lang="sv-SE" dirty="0"/>
-          </a:p>
-        </p:txBody>
-      </p:sp>
-      <p:sp>
-        <p:nvSpPr>
-          <p:cNvPr id="3" name="Platshållare för innehåll 2"/>
-          <p:cNvSpPr>
-            <a:spLocks noGrp="1"/>
-          </p:cNvSpPr>
-          <p:nvPr>
-            <p:ph idx="1"/>
-          </p:nvPr>
-        </p:nvSpPr>
-        <p:spPr/>
-        <p:txBody>
-          <a:bodyPr/>
-          <a:lstStyle/>
-          <a:p>
-            <a:r>
-              <a:rPr lang="sv-SE" dirty="0" smtClean="0"/>
-              <a:t>Dynamiskt språk</a:t>
-            </a:r>
-          </a:p>
-          <a:p>
-            <a:r>
-              <a:rPr lang="sv-SE" dirty="0" smtClean="0"/>
-              <a:t>Kompatibelt med </a:t>
-            </a:r>
-            <a:r>
-              <a:rPr lang="sv-SE" dirty="0" err="1" smtClean="0"/>
-              <a:t>java-kod</a:t>
-            </a:r>
-            <a:endParaRPr lang="sv-SE" dirty="0" smtClean="0"/>
-          </a:p>
-          <a:p>
-            <a:r>
-              <a:rPr lang="sv-SE" dirty="0" smtClean="0"/>
-              <a:t>Startades under 2003</a:t>
-            </a:r>
-          </a:p>
-          <a:p>
-            <a:r>
-              <a:rPr lang="sv-SE" dirty="0" smtClean="0"/>
-              <a:t>Lades på is 2004</a:t>
-            </a:r>
-          </a:p>
-          <a:p>
-            <a:r>
-              <a:rPr lang="sv-SE" dirty="0" smtClean="0"/>
-              <a:t>Ny grupp utvecklare tog över 2004</a:t>
-            </a:r>
-          </a:p>
-          <a:p>
-            <a:r>
-              <a:rPr lang="sv-SE" dirty="0" err="1" smtClean="0"/>
-              <a:t>Groovy</a:t>
-            </a:r>
             <a:r>
               <a:rPr lang="sv-SE" dirty="0" smtClean="0"/>
               <a:t> version 1.0 släpptes 2:a Januari 2007</a:t>
@@ -4573,6 +5336,39 @@
           </a:p>
         </p:txBody>
       </p:sp>
+      <p:pic>
+        <p:nvPicPr>
+          <p:cNvPr id="1026" name="Picture 2"/>
+          <p:cNvPicPr>
+            <a:picLocks noChangeAspect="1" noChangeArrowheads="1"/>
+          </p:cNvPicPr>
+          <p:nvPr/>
+        </p:nvPicPr>
+        <p:blipFill>
+          <a:blip r:embed="rId2"/>
+          <a:srcRect/>
+          <a:stretch>
+            <a:fillRect/>
+          </a:stretch>
+        </p:blipFill>
+        <p:spPr bwMode="auto">
+          <a:xfrm>
+            <a:off x="3357554" y="357166"/>
+            <a:ext cx="1933575" cy="952500"/>
+          </a:xfrm>
+          <a:prstGeom prst="rect">
+            <a:avLst/>
+          </a:prstGeom>
+          <a:noFill/>
+          <a:ln w="9525">
+            <a:noFill/>
+            <a:miter lim="800000"/>
+            <a:headEnd/>
+            <a:tailEnd/>
+          </a:ln>
+          <a:effectLst/>
+        </p:spPr>
+      </p:pic>
     </p:spTree>
   </p:cSld>
   <p:clrMapOvr>
@@ -4617,22 +5413,16 @@
         </p:nvSpPr>
         <p:spPr/>
         <p:txBody>
-          <a:bodyPr>
-            <a:normAutofit/>
-          </a:bodyPr>
-          <a:lstStyle/>
-          <a:p>
-            <a:r>
-              <a:rPr lang="sv-SE" dirty="0" smtClean="0"/>
-              <a:t>Varför </a:t>
-            </a:r>
-            <a:r>
-              <a:rPr lang="sv-SE" dirty="0" err="1" smtClean="0"/>
-              <a:t>Groovy</a:t>
-            </a:r>
-            <a:r>
-              <a:rPr lang="sv-SE" dirty="0" smtClean="0"/>
-              <a:t>?</a:t>
+          <a:bodyPr/>
+          <a:lstStyle/>
+          <a:p>
+            <a:r>
+              <a:rPr lang="sv-SE" dirty="0" smtClean="0"/>
+              <a:t>Enkelt att lära: </a:t>
+            </a:r>
+            <a:r>
+              <a:rPr lang="sv-SE" dirty="0" err="1" smtClean="0"/>
+              <a:t>HelloWorld.java</a:t>
             </a:r>
             <a:endParaRPr lang="sv-SE" dirty="0"/>
           </a:p>
@@ -4650,100 +5440,27 @@
         </p:nvSpPr>
         <p:spPr/>
         <p:txBody>
-          <a:bodyPr>
-            <a:normAutofit lnSpcReduction="10000"/>
-          </a:bodyPr>
-          <a:lstStyle/>
-          <a:p>
-            <a:r>
-              <a:rPr lang="sv-SE" dirty="0" smtClean="0"/>
-              <a:t>Det finns andra dynamiska språk som hanterar allt ovan, vissa bättre än </a:t>
-            </a:r>
-            <a:r>
-              <a:rPr lang="sv-SE" dirty="0" err="1" smtClean="0"/>
-              <a:t>Groovy</a:t>
-            </a:r>
-            <a:endParaRPr lang="sv-SE" dirty="0" smtClean="0"/>
-          </a:p>
-          <a:p>
-            <a:r>
-              <a:rPr lang="sv-SE" dirty="0" smtClean="0"/>
-              <a:t>Det finns ca 150 språk som kan köras på </a:t>
-            </a:r>
-            <a:r>
-              <a:rPr lang="sv-SE" dirty="0" err="1" smtClean="0"/>
-              <a:t>java-plattformen</a:t>
-            </a:r>
-            <a:endParaRPr lang="sv-SE" dirty="0" smtClean="0"/>
-          </a:p>
-          <a:p>
-            <a:pPr lvl="1"/>
-            <a:r>
-              <a:rPr lang="sv-SE" dirty="0" smtClean="0"/>
-              <a:t>Ruby (</a:t>
-            </a:r>
-            <a:r>
-              <a:rPr lang="sv-SE" dirty="0" err="1" smtClean="0"/>
-              <a:t>jRuby</a:t>
-            </a:r>
-            <a:r>
-              <a:rPr lang="sv-SE" dirty="0" smtClean="0"/>
-              <a:t>)</a:t>
-            </a:r>
-          </a:p>
-          <a:p>
-            <a:pPr lvl="1"/>
-            <a:r>
-              <a:rPr lang="sv-SE" dirty="0" err="1" smtClean="0"/>
-              <a:t>Python</a:t>
-            </a:r>
-            <a:r>
-              <a:rPr lang="sv-SE" dirty="0" smtClean="0"/>
-              <a:t> (</a:t>
-            </a:r>
-            <a:r>
-              <a:rPr lang="sv-SE" dirty="0" err="1" smtClean="0"/>
-              <a:t>Jython</a:t>
-            </a:r>
-            <a:r>
-              <a:rPr lang="sv-SE" dirty="0" smtClean="0"/>
-              <a:t>)</a:t>
-            </a:r>
-          </a:p>
-          <a:p>
-            <a:pPr lvl="1"/>
-            <a:r>
-              <a:rPr lang="sv-SE" dirty="0" err="1" smtClean="0"/>
-              <a:t>BeanShell</a:t>
-            </a:r>
-            <a:endParaRPr lang="sv-SE" dirty="0" smtClean="0"/>
-          </a:p>
-          <a:p>
-            <a:pPr lvl="1"/>
-            <a:r>
-              <a:rPr lang="sv-SE" dirty="0" smtClean="0"/>
-              <a:t>JavaScript</a:t>
-            </a:r>
-          </a:p>
-          <a:p>
-            <a:r>
-              <a:rPr lang="sv-SE" dirty="0" smtClean="0"/>
-              <a:t>Varför </a:t>
-            </a:r>
-            <a:r>
-              <a:rPr lang="sv-SE" dirty="0" err="1" smtClean="0"/>
-              <a:t>Groovy</a:t>
-            </a:r>
-            <a:r>
-              <a:rPr lang="sv-SE" dirty="0" smtClean="0"/>
-              <a:t>?</a:t>
-            </a:r>
-          </a:p>
-          <a:p>
-            <a:pPr lvl="1">
+          <a:bodyPr/>
+          <a:lstStyle/>
+          <a:p>
+            <a:pPr>
               <a:buNone/>
             </a:pPr>
-            <a:endParaRPr lang="sv-SE" dirty="0" smtClean="0"/>
+            <a:r>
+              <a:rPr lang="sv-SE" dirty="0" smtClean="0"/>
+              <a:t>[</a:t>
+            </a:r>
+            <a:r>
+              <a:rPr lang="sv-SE" dirty="0" err="1" smtClean="0"/>
+              <a:t>helloWorld.java</a:t>
+            </a:r>
+            <a:r>
+              <a:rPr lang="sv-SE" dirty="0" smtClean="0"/>
+              <a:t>]</a:t>
+            </a:r>
+          </a:p>
+          <a:p>
+            <a:endParaRPr lang="sv-SE" dirty="0"/>
           </a:p>
         </p:txBody>
       </p:sp>
@@ -4752,13 +5469,6 @@
   <p:clrMapOvr>
     <a:masterClrMapping/>
   </p:clrMapOvr>
-  <p:timing>
-    <p:tnLst>
-      <p:par>
-        <p:cTn id="1" dur="indefinite" restart="never" nodeType="tmRoot"/>
-      </p:par>
-    </p:tnLst>
-  </p:timing>
 </p:sld>
 </file>
 
@@ -4795,12 +5505,8 @@
           <a:lstStyle/>
           <a:p>
             <a:r>
-              <a:rPr lang="sv-SE" dirty="0" smtClean="0"/>
-              <a:t>Fördelar med </a:t>
-            </a:r>
-            <a:r>
-              <a:rPr lang="sv-SE" dirty="0" err="1" smtClean="0"/>
-              <a:t>Groovy</a:t>
+              <a:rPr lang="sv-SE" dirty="0" err="1" smtClean="0"/>
+              <a:t>HelloWorld.groovy</a:t>
             </a:r>
             <a:endParaRPr lang="sv-SE" dirty="0"/>
           </a:p>
@@ -4821,37 +5527,23 @@
           <a:bodyPr/>
           <a:lstStyle/>
           <a:p>
-            <a:r>
-              <a:rPr lang="sv-SE" dirty="0" smtClean="0"/>
-              <a:t>Enkelt att lära för en Javaprogrammerare</a:t>
-            </a:r>
-          </a:p>
-          <a:p>
-            <a:r>
-              <a:rPr lang="sv-SE" dirty="0" smtClean="0"/>
-              <a:t>Helt kompatibelt med existerande Javaprojekt</a:t>
-            </a:r>
-          </a:p>
-          <a:p>
-            <a:r>
-              <a:rPr lang="sv-SE" dirty="0" err="1" smtClean="0"/>
-              <a:t>Groovy</a:t>
-            </a:r>
-            <a:r>
-              <a:rPr lang="sv-SE" dirty="0" smtClean="0"/>
-              <a:t> ÄR Java – kompileras till .</a:t>
-            </a:r>
-            <a:r>
-              <a:rPr lang="sv-SE" dirty="0" err="1" smtClean="0"/>
-              <a:t>class-filer</a:t>
-            </a:r>
-            <a:endParaRPr lang="sv-SE" dirty="0" smtClean="0"/>
-          </a:p>
-          <a:p>
-            <a:r>
-              <a:rPr lang="sv-SE" dirty="0" smtClean="0"/>
-              <a:t>Utökar JDK för att förenkla utveckling</a:t>
-            </a:r>
+            <a:pPr>
+              <a:buNone/>
+            </a:pPr>
+            <a:r>
+              <a:rPr lang="sv-SE" dirty="0" smtClean="0"/>
+              <a:t>[</a:t>
+            </a:r>
+            <a:r>
+              <a:rPr lang="sv-SE" dirty="0" err="1" smtClean="0"/>
+              <a:t>helloWorld.groovy</a:t>
+            </a:r>
+            <a:r>
+              <a:rPr lang="sv-SE" dirty="0" smtClean="0"/>
+              <a:t>]</a:t>
+            </a:r>
+          </a:p>
+          <a:p>
             <a:endParaRPr lang="sv-SE" dirty="0"/>
           </a:p>
         </p:txBody>
@@ -4861,13 +5553,6 @@
   <p:clrMapOvr>
     <a:masterClrMapping/>
   </p:clrMapOvr>
-  <p:timing>
-    <p:tnLst>
-      <p:par>
-        <p:cTn id="1" dur="indefinite" restart="never" nodeType="tmRoot"/>
-      </p:par>
-    </p:tnLst>
-  </p:timing>
 </p:sld>
 </file>
 
@@ -4900,62 +5585,53 @@
         </p:nvSpPr>
         <p:spPr/>
         <p:txBody>
-          <a:bodyPr/>
-          <a:lstStyle/>
-          <a:p>
-            <a:r>
-              <a:rPr lang="sv-SE" dirty="0" smtClean="0"/>
-              <a:t>Enkelt att lära: </a:t>
-            </a:r>
-            <a:r>
-              <a:rPr lang="sv-SE" dirty="0" err="1" smtClean="0"/>
-              <a:t>HelloWorld.java</a:t>
-            </a:r>
-            <a:endParaRPr lang="sv-SE" dirty="0"/>
-          </a:p>
-        </p:txBody>
-      </p:sp>
-      <p:sp>
-        <p:nvSpPr>
-          <p:cNvPr id="3" name="Platshållare för innehåll 2"/>
-          <p:cNvSpPr>
-            <a:spLocks noGrp="1"/>
-          </p:cNvSpPr>
+          <a:bodyPr>
+            <a:normAutofit fontScale="90000"/>
+          </a:bodyPr>
+          <a:lstStyle/>
+          <a:p>
+            <a:r>
+              <a:rPr lang="sv-SE" dirty="0" smtClean="0"/>
+              <a:t>Helt kompatibelt med existerande Javaprojekt</a:t>
+            </a:r>
+          </a:p>
+        </p:txBody>
+      </p:sp>
+      <p:pic>
+        <p:nvPicPr>
+          <p:cNvPr id="10" name="Platshållare för innehåll 7" descr="groovyOnJvm.gif"/>
+          <p:cNvPicPr>
+            <a:picLocks noGrp="1" noChangeAspect="1"/>
+          </p:cNvPicPr>
           <p:nvPr>
             <p:ph idx="1"/>
           </p:nvPr>
-        </p:nvSpPr>
-        <p:spPr/>
-        <p:txBody>
-          <a:bodyPr/>
-          <a:lstStyle/>
-          <a:p>
-            <a:pPr>
-              <a:buNone/>
-            </a:pPr>
-            <a:r>
-              <a:rPr lang="sv-SE" dirty="0" smtClean="0"/>
-              <a:t>[</a:t>
-            </a:r>
-            <a:r>
-              <a:rPr lang="sv-SE" dirty="0" err="1" smtClean="0"/>
-              <a:t>helloWorld.java</a:t>
-            </a:r>
-            <a:r>
-              <a:rPr lang="sv-SE" dirty="0" smtClean="0"/>
-              <a:t>]</a:t>
-            </a:r>
-          </a:p>
-          <a:p>
-            <a:endParaRPr lang="sv-SE" dirty="0"/>
-          </a:p>
-        </p:txBody>
-      </p:sp>
+        </p:nvPicPr>
+        <p:blipFill>
+          <a:blip r:embed="rId2"/>
+          <a:stretch>
+            <a:fillRect/>
+          </a:stretch>
+        </p:blipFill>
+        <p:spPr>
+          <a:xfrm>
+            <a:off x="1294211" y="1935163"/>
+            <a:ext cx="6555578" cy="4389437"/>
+          </a:xfrm>
+        </p:spPr>
+      </p:pic>
     </p:spTree>
   </p:cSld>
   <p:clrMapOvr>
     <a:masterClrMapping/>
   </p:clrMapOvr>
+  <p:timing>
+    <p:tnLst>
+      <p:par>
+        <p:cTn id="1" dur="indefinite" restart="never" nodeType="tmRoot"/>
+      </p:par>
+    </p:tnLst>
+  </p:timing>
 </p:sld>
 </file>
 
@@ -4988,50 +5664,74 @@
         </p:nvSpPr>
         <p:spPr/>
         <p:txBody>
-          <a:bodyPr/>
-          <a:lstStyle/>
-          <a:p>
-            <a:r>
-              <a:rPr lang="sv-SE" dirty="0" err="1" smtClean="0"/>
-              <a:t>HelloWorld.groovy</a:t>
-            </a:r>
-            <a:endParaRPr lang="sv-SE" dirty="0"/>
-          </a:p>
-        </p:txBody>
-      </p:sp>
-      <p:sp>
-        <p:nvSpPr>
-          <p:cNvPr id="3" name="Platshållare för innehåll 2"/>
-          <p:cNvSpPr>
-            <a:spLocks noGrp="1"/>
-          </p:cNvSpPr>
-          <p:nvPr>
-            <p:ph idx="1"/>
-          </p:nvPr>
-        </p:nvSpPr>
-        <p:spPr/>
-        <p:txBody>
-          <a:bodyPr/>
-          <a:lstStyle/>
-          <a:p>
-            <a:pPr>
+          <a:bodyPr>
+            <a:normAutofit fontScale="90000"/>
+          </a:bodyPr>
+          <a:lstStyle/>
+          <a:p>
+            <a:r>
+              <a:rPr lang="sv-SE" dirty="0" smtClean="0"/>
+              <a:t>Utökar JDK för att förenkla utveckling</a:t>
+            </a:r>
+            <a:endParaRPr lang="sv-SE" dirty="0"/>
+          </a:p>
+        </p:txBody>
+      </p:sp>
+      <p:sp>
+        <p:nvSpPr>
+          <p:cNvPr id="4" name="Platshållare för innehåll 2"/>
+          <p:cNvSpPr txBox="1">
+            <a:spLocks/>
+          </p:cNvSpPr>
+          <p:nvPr/>
+        </p:nvSpPr>
+        <p:spPr>
+          <a:xfrm>
+            <a:off x="428596" y="1643050"/>
+            <a:ext cx="8229600" cy="2286016"/>
+          </a:xfrm>
+          <a:prstGeom prst="rect">
+            <a:avLst/>
+          </a:prstGeom>
+        </p:spPr>
+        <p:txBody>
+          <a:bodyPr vert="horz" lIns="91440" tIns="45720" rIns="91440" bIns="45720" rtlCol="0">
+            <a:normAutofit/>
+          </a:bodyPr>
+          <a:lstStyle/>
+          <a:p>
+            <a:pPr marL="342900" indent="-342900">
+              <a:spcBef>
+                <a:spcPct val="20000"/>
+              </a:spcBef>
+            </a:pPr>
+            <a:r>
+              <a:rPr lang="sv-SE" sz="3200" dirty="0" smtClean="0"/>
+              <a:t>Utmaning: Hur läser man en fil i Java?</a:t>
+            </a:r>
+          </a:p>
+          <a:p>
+            <a:pPr marL="342900" marR="0" lvl="0" indent="-342900" algn="l" defTabSz="914400" rtl="0" eaLnBrk="1" fontAlgn="auto" latinLnBrk="0" hangingPunct="1">
+              <a:lnSpc>
+                <a:spcPct val="100000"/>
+              </a:lnSpc>
+              <a:spcBef>
+                <a:spcPct val="20000"/>
+              </a:spcBef>
+              <a:spcAft>
+                <a:spcPts val="0"/>
+              </a:spcAft>
+              <a:buClrTx/>
+              <a:buSzTx/>
+              <a:buFont typeface="Arial" pitchFamily="34" charset="0"/>
               <a:buNone/>
+              <a:tabLst/>
+              <a:defRPr/>
             </a:pPr>
             <a:r>
-              <a:rPr lang="sv-SE" dirty="0" smtClean="0"/>
-              <a:t>[</a:t>
-            </a:r>
-            <a:r>
-              <a:rPr lang="sv-SE" dirty="0" err="1" smtClean="0"/>
-              <a:t>helloWorld.groovy</a:t>
-            </a:r>
-            <a:r>
-              <a:rPr lang="sv-SE" dirty="0" smtClean="0"/>
-              <a:t>]</a:t>
-            </a:r>
-          </a:p>
-          <a:p>
-            <a:endParaRPr lang="sv-SE" dirty="0"/>
+              <a:rPr lang="sv-SE" sz="3200" dirty="0" smtClean="0"/>
+              <a:t> </a:t>
+            </a:r>
           </a:p>
         </p:txBody>
       </p:sp>
@@ -5072,15 +5772,14 @@
         </p:nvSpPr>
         <p:spPr/>
         <p:txBody>
-          <a:bodyPr>
-            <a:normAutofit fontScale="90000"/>
-          </a:bodyPr>
-          <a:lstStyle/>
-          <a:p>
-            <a:r>
-              <a:rPr lang="sv-SE" dirty="0" smtClean="0"/>
-              <a:t>Helt kompatibelt med existerande Javaprojekt</a:t>
-            </a:r>
+          <a:bodyPr/>
+          <a:lstStyle/>
+          <a:p>
+            <a:r>
+              <a:rPr lang="sv-SE" dirty="0" smtClean="0"/>
+              <a:t>Läsa fil i Java 1.4</a:t>
+            </a:r>
+            <a:endParaRPr lang="sv-SE" dirty="0"/>
           </a:p>
         </p:txBody>
       </p:sp>
@@ -5096,81 +5795,15 @@
         </p:nvSpPr>
         <p:spPr/>
         <p:txBody>
-          <a:bodyPr>
-            <a:normAutofit fontScale="92500" lnSpcReduction="10000"/>
-          </a:bodyPr>
-          <a:lstStyle/>
-          <a:p>
-            <a:r>
-              <a:rPr lang="sv-SE" dirty="0" err="1" smtClean="0"/>
-              <a:t>Groovyklasser</a:t>
-            </a:r>
-            <a:r>
-              <a:rPr lang="sv-SE" dirty="0" smtClean="0"/>
-              <a:t> kompileras till .</a:t>
-            </a:r>
-            <a:r>
-              <a:rPr lang="sv-SE" dirty="0" err="1" smtClean="0"/>
-              <a:t>class-filer</a:t>
-            </a:r>
-            <a:r>
-              <a:rPr lang="sv-SE" dirty="0" smtClean="0"/>
-              <a:t> </a:t>
-            </a:r>
-          </a:p>
-          <a:p>
-            <a:r>
-              <a:rPr lang="sv-SE" dirty="0" smtClean="0"/>
-              <a:t>Ett javaprogram bryr sig inte om en klass är kompilerad från </a:t>
-            </a:r>
-            <a:r>
-              <a:rPr lang="sv-SE" dirty="0" err="1" smtClean="0"/>
-              <a:t>Groovy</a:t>
-            </a:r>
-            <a:r>
-              <a:rPr lang="sv-SE" dirty="0" smtClean="0"/>
-              <a:t> eller från Java. Det enda som behövs är </a:t>
-            </a:r>
-            <a:r>
-              <a:rPr lang="sv-SE" dirty="0" err="1" smtClean="0"/>
-              <a:t>groovy-all.jar</a:t>
-            </a:r>
-            <a:r>
-              <a:rPr lang="sv-SE" dirty="0" smtClean="0"/>
-              <a:t> i </a:t>
-            </a:r>
-            <a:r>
-              <a:rPr lang="sv-SE" dirty="0" err="1" smtClean="0"/>
-              <a:t>classpathen</a:t>
-            </a:r>
-            <a:endParaRPr lang="sv-SE" dirty="0" smtClean="0"/>
-          </a:p>
-          <a:p>
-            <a:r>
-              <a:rPr lang="sv-SE" dirty="0" smtClean="0"/>
-              <a:t>Från en Javaklass kan man använda en </a:t>
-            </a:r>
-            <a:r>
-              <a:rPr lang="sv-SE" dirty="0" err="1" smtClean="0"/>
-              <a:t>Groovyklass</a:t>
-            </a:r>
-            <a:r>
-              <a:rPr lang="sv-SE" dirty="0" smtClean="0"/>
-              <a:t> precis som vilken kompilerad klass som helst</a:t>
-            </a:r>
-          </a:p>
-          <a:p>
-            <a:r>
-              <a:rPr lang="sv-SE" dirty="0" smtClean="0"/>
-              <a:t>Från en </a:t>
-            </a:r>
-            <a:r>
-              <a:rPr lang="sv-SE" dirty="0" err="1" smtClean="0"/>
-              <a:t>Groovyklass</a:t>
-            </a:r>
-            <a:r>
-              <a:rPr lang="sv-SE" dirty="0" smtClean="0"/>
-              <a:t> kan man använda en Javaklass på precis samma sätt som man gör från en Javaklass</a:t>
+          <a:bodyPr/>
+          <a:lstStyle/>
+          <a:p>
+            <a:pPr>
+              <a:buNone/>
+            </a:pPr>
+            <a:r>
+              <a:rPr lang="sv-SE" dirty="0" smtClean="0"/>
+              <a:t>[ReadFileJava14.java]</a:t>
             </a:r>
             <a:endParaRPr lang="sv-SE" dirty="0"/>
           </a:p>
@@ -5181,13 +5814,6 @@
   <p:clrMapOvr>
     <a:masterClrMapping/>
   </p:clrMapOvr>
-  <p:timing>
-    <p:tnLst>
-      <p:par>
-        <p:cTn id="1" dur="indefinite" restart="never" nodeType="tmRoot"/>
-      </p:par>
-    </p:tnLst>
-  </p:timing>
 </p:sld>
 </file>
 
@@ -5220,74 +5846,45 @@
         </p:nvSpPr>
         <p:spPr/>
         <p:txBody>
-          <a:bodyPr>
-            <a:normAutofit fontScale="90000"/>
-          </a:bodyPr>
-          <a:lstStyle/>
-          <a:p>
-            <a:r>
-              <a:rPr lang="sv-SE" dirty="0" smtClean="0"/>
-              <a:t>Utökar JDK för att förenkla utveckling</a:t>
-            </a:r>
-            <a:endParaRPr lang="sv-SE" dirty="0"/>
-          </a:p>
-        </p:txBody>
-      </p:sp>
-      <p:sp>
-        <p:nvSpPr>
-          <p:cNvPr id="4" name="Platshållare för innehåll 2"/>
-          <p:cNvSpPr txBox="1">
-            <a:spLocks/>
-          </p:cNvSpPr>
-          <p:nvPr/>
+          <a:bodyPr/>
+          <a:lstStyle/>
+          <a:p>
+            <a:r>
+              <a:rPr lang="sv-SE" dirty="0" smtClean="0"/>
+              <a:t>Läsa fil i Java 5</a:t>
+            </a:r>
+            <a:endParaRPr lang="sv-SE" dirty="0"/>
+          </a:p>
+        </p:txBody>
+      </p:sp>
+      <p:sp>
+        <p:nvSpPr>
+          <p:cNvPr id="3" name="Platshållare för innehåll 2"/>
+          <p:cNvSpPr>
+            <a:spLocks noGrp="1"/>
+          </p:cNvSpPr>
+          <p:nvPr>
+            <p:ph idx="1"/>
+          </p:nvPr>
         </p:nvSpPr>
         <p:spPr>
           <a:xfrm>
-            <a:off x="428596" y="1643050"/>
-            <a:ext cx="8229600" cy="2286016"/>
+            <a:off x="428596" y="1285860"/>
+            <a:ext cx="8229600" cy="4525963"/>
           </a:xfrm>
-          <a:prstGeom prst="rect">
-            <a:avLst/>
-          </a:prstGeom>
         </p:spPr>
         <p:txBody>
-          <a:bodyPr vert="horz" lIns="91440" tIns="45720" rIns="91440" bIns="45720" rtlCol="0">
-            <a:normAutofit/>
-          </a:bodyPr>
-          <a:lstStyle/>
-          <a:p>
-            <a:pPr marL="342900" indent="-342900">
-              <a:spcBef>
-                <a:spcPct val="20000"/>
-              </a:spcBef>
+          <a:bodyPr/>
+          <a:lstStyle/>
+          <a:p>
+            <a:pPr>
+              <a:buNone/>
             </a:pPr>
             <a:r>
-              <a:rPr lang="sv-SE" sz="3200" dirty="0" smtClean="0"/>
-              <a:t>Utmaning: Hur läser man en fil i Java?</a:t>
-            </a:r>
-          </a:p>
-          <a:p>
-            <a:pPr marL="342900" marR="0" lvl="0" indent="-342900" algn="l" defTabSz="914400" rtl="0" eaLnBrk="1" fontAlgn="auto" latinLnBrk="0" hangingPunct="1">
-              <a:lnSpc>
-                <a:spcPct val="100000"/>
-              </a:lnSpc>
-              <a:spcBef>
-                <a:spcPct val="20000"/>
-              </a:spcBef>
-              <a:spcAft>
-                <a:spcPts val="0"/>
-              </a:spcAft>
-              <a:buClrTx/>
-              <a:buSzTx/>
-              <a:buFont typeface="Arial" pitchFamily="34" charset="0"/>
-              <a:buNone/>
-              <a:tabLst/>
-              <a:defRPr/>
-            </a:pPr>
-            <a:r>
-              <a:rPr lang="sv-SE" sz="3200" dirty="0" smtClean="0"/>
-              <a:t> </a:t>
-            </a:r>
+              <a:rPr lang="sv-SE" dirty="0" smtClean="0"/>
+              <a:t>[ReadFileJava5.java]</a:t>
+            </a:r>
+            <a:endParaRPr lang="sv-SE" dirty="0"/>
           </a:p>
         </p:txBody>
       </p:sp>
@@ -5333,7 +5930,11 @@
           <a:p>
             <a:r>
               <a:rPr lang="sv-SE" dirty="0" smtClean="0"/>
-              <a:t>Läsa fil i Java 1.4</a:t>
+              <a:t>Läsa fil i </a:t>
+            </a:r>
+            <a:r>
+              <a:rPr lang="sv-SE" dirty="0" err="1" smtClean="0"/>
+              <a:t>Groovy</a:t>
             </a:r>
             <a:endParaRPr lang="sv-SE" dirty="0"/>
           </a:p>
@@ -5359,7 +5960,15 @@
             </a:pPr>
             <a:r>
               <a:rPr lang="sv-SE" dirty="0" smtClean="0"/>
-              <a:t>[ReadFileJava14.java]</a:t>
+              <a:t>[</a:t>
+            </a:r>
+            <a:r>
+              <a:rPr lang="sv-SE" dirty="0" err="1" smtClean="0"/>
+              <a:t>ReadFile.groovy</a:t>
+            </a:r>
+            <a:r>
+              <a:rPr lang="sv-SE" dirty="0" smtClean="0"/>
+              <a:t>]</a:t>
             </a:r>
             <a:endParaRPr lang="sv-SE" dirty="0"/>
           </a:p>
@@ -5406,8 +6015,12 @@
           <a:lstStyle/>
           <a:p>
             <a:r>
-              <a:rPr lang="sv-SE" dirty="0" smtClean="0"/>
-              <a:t>Läsa fil i Java 5</a:t>
+              <a:rPr lang="sv-SE" dirty="0" err="1" smtClean="0"/>
+              <a:t>Exceptions</a:t>
+            </a:r>
+            <a:r>
+              <a:rPr lang="sv-SE" dirty="0" smtClean="0"/>
+              <a:t> i java</a:t>
             </a:r>
             <a:endParaRPr lang="sv-SE" dirty="0"/>
           </a:p>
@@ -5423,12 +6036,7 @@
             <p:ph idx="1"/>
           </p:nvPr>
         </p:nvSpPr>
-        <p:spPr>
-          <a:xfrm>
-            <a:off x="428596" y="1285860"/>
-            <a:ext cx="8229600" cy="4525963"/>
-          </a:xfrm>
-        </p:spPr>
+        <p:spPr/>
         <p:txBody>
           <a:bodyPr/>
           <a:lstStyle/>
@@ -5438,7 +6046,15 @@
             </a:pPr>
             <a:r>
               <a:rPr lang="sv-SE" dirty="0" smtClean="0"/>
-              <a:t>[ReadFileJava5.java]</a:t>
+              <a:t>[</a:t>
+            </a:r>
+            <a:r>
+              <a:rPr lang="sv-SE" dirty="0" err="1" smtClean="0"/>
+              <a:t>Exceptions.java</a:t>
+            </a:r>
+            <a:r>
+              <a:rPr lang="sv-SE" dirty="0" smtClean="0"/>
+              <a:t>]</a:t>
             </a:r>
             <a:endParaRPr lang="sv-SE" dirty="0"/>
           </a:p>
@@ -5485,8 +6101,12 @@
           <a:lstStyle/>
           <a:p>
             <a:r>
-              <a:rPr lang="sv-SE" dirty="0" smtClean="0"/>
-              <a:t>Läsa fil i </a:t>
+              <a:rPr lang="sv-SE" dirty="0" err="1" smtClean="0"/>
+              <a:t>Exceptions</a:t>
+            </a:r>
+            <a:r>
+              <a:rPr lang="sv-SE" dirty="0" smtClean="0"/>
+              <a:t> i </a:t>
             </a:r>
             <a:r>
               <a:rPr lang="sv-SE" dirty="0" err="1" smtClean="0"/>
@@ -5520,7 +6140,7 @@
             </a:r>
             <a:r>
               <a:rPr lang="sv-SE" dirty="0" err="1" smtClean="0"/>
-              <a:t>ReadFile.groovy</a:t>
+              <a:t>Exceptions.groovy</a:t>
             </a:r>
             <a:r>
               <a:rPr lang="sv-SE" dirty="0" smtClean="0"/>
@@ -5567,18 +6187,28 @@
         </p:nvSpPr>
         <p:spPr/>
         <p:txBody>
-          <a:bodyPr>
-            <a:normAutofit/>
-          </a:bodyPr>
-          <a:lstStyle/>
-          <a:p>
-            <a:r>
-              <a:rPr lang="sv-SE" dirty="0" err="1" smtClean="0"/>
-              <a:t>HelloWorld.groovy</a:t>
-            </a:r>
-            <a:r>
-              <a:rPr lang="sv-SE" dirty="0" smtClean="0"/>
-              <a:t> igen</a:t>
+          <a:bodyPr/>
+          <a:lstStyle/>
+          <a:p>
+            <a:r>
+              <a:rPr lang="sv-SE" dirty="0" smtClean="0"/>
+              <a:t>Dynamisk typning (</a:t>
+            </a:r>
+            <a:r>
+              <a:rPr lang="sv-SE" dirty="0" err="1" smtClean="0"/>
+              <a:t>Duck</a:t>
+            </a:r>
+            <a:r>
+              <a:rPr lang="sv-SE" dirty="0" smtClean="0"/>
+              <a:t> </a:t>
+            </a:r>
+            <a:r>
+              <a:rPr lang="sv-SE" dirty="0" err="1" smtClean="0"/>
+              <a:t>typing</a:t>
+            </a:r>
+            <a:r>
+              <a:rPr lang="sv-SE" dirty="0" smtClean="0"/>
+              <a:t>)</a:t>
             </a:r>
             <a:endParaRPr lang="sv-SE" dirty="0"/>
           </a:p>
@@ -5598,20 +6228,182 @@
         <p:txBody>
           <a:bodyPr/>
           <a:lstStyle/>
+          <a:p>
+            <a:r>
+              <a:rPr lang="en-US" i="1" dirty="0" smtClean="0"/>
+              <a:t>If it walks like a duck and quacks like a duck, </a:t>
+            </a:r>
+            <a:r>
+              <a:rPr lang="en-US" i="1" dirty="0" smtClean="0"/>
+              <a:t>it must be a duck</a:t>
+            </a:r>
+            <a:endParaRPr lang="en-US" dirty="0" smtClean="0"/>
+          </a:p>
+          <a:p>
+            <a:r>
+              <a:rPr lang="en-US" dirty="0" err="1" smtClean="0"/>
+              <a:t>Det</a:t>
+            </a:r>
+            <a:r>
+              <a:rPr lang="en-US" dirty="0" smtClean="0"/>
+              <a:t> </a:t>
+            </a:r>
+            <a:r>
+              <a:rPr lang="en-US" dirty="0" err="1" smtClean="0"/>
+              <a:t>spelar</a:t>
+            </a:r>
+            <a:r>
+              <a:rPr lang="en-US" dirty="0" smtClean="0"/>
+              <a:t> </a:t>
+            </a:r>
+            <a:r>
+              <a:rPr lang="en-US" dirty="0" err="1" smtClean="0"/>
+              <a:t>ingen</a:t>
+            </a:r>
+            <a:r>
+              <a:rPr lang="en-US" dirty="0" smtClean="0"/>
+              <a:t> roll </a:t>
+            </a:r>
+            <a:r>
+              <a:rPr lang="en-US" dirty="0" err="1" smtClean="0"/>
+              <a:t>vilken</a:t>
+            </a:r>
+            <a:r>
+              <a:rPr lang="en-US" dirty="0" smtClean="0"/>
+              <a:t> </a:t>
+            </a:r>
+            <a:r>
+              <a:rPr lang="en-US" dirty="0" err="1" smtClean="0"/>
+              <a:t>typ</a:t>
+            </a:r>
+            <a:r>
+              <a:rPr lang="en-US" dirty="0" smtClean="0"/>
+              <a:t> </a:t>
+            </a:r>
+            <a:r>
+              <a:rPr lang="en-US" dirty="0" err="1" smtClean="0"/>
+              <a:t>ett</a:t>
+            </a:r>
+            <a:r>
+              <a:rPr lang="en-US" dirty="0" smtClean="0"/>
+              <a:t> </a:t>
+            </a:r>
+            <a:r>
+              <a:rPr lang="en-US" dirty="0" err="1" smtClean="0"/>
+              <a:t>objekt</a:t>
+            </a:r>
+            <a:r>
+              <a:rPr lang="en-US" dirty="0" smtClean="0"/>
+              <a:t> </a:t>
+            </a:r>
+            <a:r>
+              <a:rPr lang="en-US" dirty="0" err="1" smtClean="0"/>
+              <a:t>är</a:t>
+            </a:r>
+            <a:r>
+              <a:rPr lang="en-US" dirty="0" smtClean="0"/>
+              <a:t>, </a:t>
+            </a:r>
+            <a:r>
+              <a:rPr lang="en-US" dirty="0" err="1" smtClean="0"/>
+              <a:t>det</a:t>
+            </a:r>
+            <a:r>
+              <a:rPr lang="en-US" dirty="0" smtClean="0"/>
+              <a:t> </a:t>
+            </a:r>
+            <a:r>
+              <a:rPr lang="en-US" dirty="0" err="1" smtClean="0"/>
+              <a:t>enda</a:t>
+            </a:r>
+            <a:r>
+              <a:rPr lang="en-US" dirty="0" smtClean="0"/>
+              <a:t> man </a:t>
+            </a:r>
+            <a:r>
+              <a:rPr lang="en-US" dirty="0" err="1" smtClean="0"/>
+              <a:t>bryr</a:t>
+            </a:r>
+            <a:r>
+              <a:rPr lang="en-US" dirty="0" smtClean="0"/>
+              <a:t> sig </a:t>
+            </a:r>
+            <a:r>
+              <a:rPr lang="en-US" dirty="0" err="1" smtClean="0"/>
+              <a:t>om</a:t>
+            </a:r>
+            <a:r>
+              <a:rPr lang="en-US" dirty="0" smtClean="0"/>
+              <a:t> </a:t>
+            </a:r>
+            <a:r>
+              <a:rPr lang="en-US" dirty="0" err="1" smtClean="0"/>
+              <a:t>är</a:t>
+            </a:r>
+            <a:r>
+              <a:rPr lang="en-US" dirty="0" smtClean="0"/>
+              <a:t> </a:t>
+            </a:r>
+            <a:r>
+              <a:rPr lang="en-US" dirty="0" err="1" smtClean="0"/>
+              <a:t>vilka</a:t>
+            </a:r>
+            <a:r>
+              <a:rPr lang="en-US" dirty="0" smtClean="0"/>
+              <a:t> </a:t>
+            </a:r>
+            <a:r>
+              <a:rPr lang="en-US" dirty="0" err="1" smtClean="0"/>
+              <a:t>metoder</a:t>
+            </a:r>
+            <a:r>
+              <a:rPr lang="en-US" dirty="0" smtClean="0"/>
+              <a:t> </a:t>
+            </a:r>
+            <a:r>
+              <a:rPr lang="en-US" dirty="0" err="1" smtClean="0"/>
+              <a:t>det</a:t>
+            </a:r>
+            <a:r>
+              <a:rPr lang="en-US" dirty="0" smtClean="0"/>
+              <a:t> </a:t>
+            </a:r>
+            <a:r>
+              <a:rPr lang="en-US" dirty="0" err="1" smtClean="0"/>
+              <a:t>har</a:t>
+            </a:r>
+            <a:endParaRPr lang="en-US" dirty="0" smtClean="0"/>
+          </a:p>
           <a:p>
             <a:pPr>
               <a:buNone/>
             </a:pPr>
             <a:r>
-              <a:rPr lang="sv-SE" dirty="0" smtClean="0"/>
+              <a:rPr lang="en-US" dirty="0" smtClean="0"/>
               <a:t>[</a:t>
             </a:r>
             <a:r>
-              <a:rPr lang="sv-SE" dirty="0" err="1" smtClean="0"/>
-              <a:t>helloWorld.groovy</a:t>
-            </a:r>
-            <a:r>
-              <a:rPr lang="sv-SE" dirty="0" smtClean="0"/>
+              <a:rPr lang="en-US" dirty="0" err="1" smtClean="0"/>
+              <a:t>Bild</a:t>
+            </a:r>
+            <a:r>
+              <a:rPr lang="en-US" dirty="0" smtClean="0"/>
+              <a:t> </a:t>
+            </a:r>
+            <a:r>
+              <a:rPr lang="en-US" dirty="0" err="1" smtClean="0"/>
+              <a:t>på</a:t>
+            </a:r>
+            <a:r>
+              <a:rPr lang="en-US" dirty="0" smtClean="0"/>
+              <a:t> en </a:t>
+            </a:r>
+            <a:r>
+              <a:rPr lang="en-US" dirty="0" err="1" smtClean="0"/>
+              <a:t>anka</a:t>
+            </a:r>
+            <a:r>
+              <a:rPr lang="en-US" dirty="0" smtClean="0"/>
               <a:t>]</a:t>
             </a:r>
             <a:endParaRPr lang="sv-SE" dirty="0"/>
@@ -5712,7 +6504,69 @@
               <a:rPr lang="sv-SE" sz="3200" dirty="0" smtClean="0"/>
               <a:t> </a:t>
             </a:r>
+          </a:p>
+        </p:txBody>
+      </p:sp>
+      <p:sp>
+        <p:nvSpPr>
+          <p:cNvPr id="5" name="Platshållare för innehåll 2"/>
+          <p:cNvSpPr txBox="1">
+            <a:spLocks/>
+          </p:cNvSpPr>
+          <p:nvPr/>
+        </p:nvSpPr>
+        <p:spPr>
+          <a:xfrm>
+            <a:off x="580996" y="1795450"/>
+            <a:ext cx="8229600" cy="2286016"/>
+          </a:xfrm>
+          <a:prstGeom prst="rect">
+            <a:avLst/>
+          </a:prstGeom>
+        </p:spPr>
+        <p:txBody>
+          <a:bodyPr vert="horz" lIns="91440" tIns="45720" rIns="91440" bIns="45720" rtlCol="0">
+            <a:normAutofit/>
+          </a:bodyPr>
+          <a:lstStyle/>
+          <a:p>
+            <a:pPr marL="342900" indent="-342900">
+              <a:spcBef>
+                <a:spcPct val="20000"/>
+              </a:spcBef>
+            </a:pPr>
+            <a:r>
+              <a:rPr lang="sv-SE" sz="3200" dirty="0" smtClean="0"/>
+              <a:t>	</a:t>
+            </a:r>
+            <a:r>
+              <a:rPr lang="sv-SE" sz="3200" dirty="0" smtClean="0"/>
+              <a:t>[Bild på en funderande person]</a:t>
+            </a:r>
             <a:endParaRPr lang="sv-SE" sz="3200" dirty="0" smtClean="0"/>
+          </a:p>
+          <a:p>
+            <a:pPr marL="342900" marR="0" lvl="0" indent="-342900" algn="l" defTabSz="914400" rtl="0" eaLnBrk="1" fontAlgn="auto" latinLnBrk="0" hangingPunct="1">
+              <a:lnSpc>
+                <a:spcPct val="100000"/>
+              </a:lnSpc>
+              <a:spcBef>
+                <a:spcPct val="20000"/>
+              </a:spcBef>
+              <a:spcAft>
+                <a:spcPts val="0"/>
+              </a:spcAft>
+              <a:buClrTx/>
+              <a:buSzTx/>
+              <a:buFont typeface="Arial" pitchFamily="34" charset="0"/>
+              <a:buNone/>
+              <a:tabLst/>
+              <a:defRPr/>
+            </a:pPr>
+            <a:r>
+              <a:rPr lang="sv-SE" sz="3200" dirty="0" smtClean="0"/>
+              <a:t> </a:t>
+            </a:r>
           </a:p>
         </p:txBody>
       </p:sp>
@@ -5757,12 +6611,8 @@
           <a:lstStyle/>
           <a:p>
             <a:r>
-              <a:rPr lang="sv-SE" dirty="0" err="1" smtClean="0"/>
-              <a:t>Exceptions</a:t>
-            </a:r>
-            <a:r>
-              <a:rPr lang="sv-SE" dirty="0" smtClean="0"/>
-              <a:t> i java</a:t>
+              <a:rPr lang="sv-SE" dirty="0" smtClean="0"/>
+              <a:t>Dynamisk/frivillig typning</a:t>
             </a:r>
             <a:endParaRPr lang="sv-SE" dirty="0"/>
           </a:p>
@@ -5792,7 +6642,7 @@
             </a:r>
             <a:r>
               <a:rPr lang="sv-SE" dirty="0" err="1" smtClean="0"/>
-              <a:t>Exceptions.java</a:t>
+              <a:t>optionalTyping.groovy</a:t>
             </a:r>
             <a:r>
               <a:rPr lang="sv-SE" dirty="0" smtClean="0"/>
@@ -5839,20 +6689,22 @@
         </p:nvSpPr>
         <p:spPr/>
         <p:txBody>
-          <a:bodyPr/>
-          <a:lstStyle/>
-          <a:p>
-            <a:r>
-              <a:rPr lang="sv-SE" dirty="0" err="1" smtClean="0"/>
-              <a:t>Exceptions</a:t>
-            </a:r>
-            <a:r>
-              <a:rPr lang="sv-SE" dirty="0" smtClean="0"/>
-              <a:t> i </a:t>
-            </a:r>
-            <a:r>
-              <a:rPr lang="sv-SE" dirty="0" err="1" smtClean="0"/>
-              <a:t>Groovy</a:t>
+          <a:bodyPr>
+            <a:normAutofit/>
+          </a:bodyPr>
+          <a:lstStyle/>
+          <a:p>
+            <a:r>
+              <a:rPr lang="sv-SE" dirty="0" smtClean="0"/>
+              <a:t>Hantera </a:t>
+            </a:r>
+            <a:r>
+              <a:rPr lang="sv-SE" dirty="0" err="1" smtClean="0"/>
+              <a:t>null</a:t>
+            </a:r>
+            <a:r>
+              <a:rPr lang="sv-SE" dirty="0" smtClean="0"/>
+              <a:t> i Java</a:t>
             </a:r>
             <a:endParaRPr lang="sv-SE" dirty="0"/>
           </a:p>
@@ -5882,7 +6734,7 @@
             </a:r>
             <a:r>
               <a:rPr lang="sv-SE" dirty="0" err="1" smtClean="0"/>
-              <a:t>Exceptions.groovy</a:t>
+              <a:t>Nullsafe.java</a:t>
             </a:r>
             <a:r>
               <a:rPr lang="sv-SE" dirty="0" smtClean="0"/>
@@ -5929,12 +6781,26 @@
         </p:nvSpPr>
         <p:spPr/>
         <p:txBody>
-          <a:bodyPr/>
-          <a:lstStyle/>
-          <a:p>
-            <a:r>
-              <a:rPr lang="sv-SE" dirty="0" smtClean="0"/>
-              <a:t>Dynamisk/frivillig typning</a:t>
+          <a:bodyPr>
+            <a:normAutofit/>
+          </a:bodyPr>
+          <a:lstStyle/>
+          <a:p>
+            <a:r>
+              <a:rPr lang="sv-SE" dirty="0" smtClean="0"/>
+              <a:t>Hantera </a:t>
+            </a:r>
+            <a:r>
+              <a:rPr lang="sv-SE" dirty="0" err="1" smtClean="0"/>
+              <a:t>null</a:t>
+            </a:r>
+            <a:r>
+              <a:rPr lang="sv-SE" dirty="0" smtClean="0"/>
+              <a:t> i </a:t>
+            </a:r>
+            <a:r>
+              <a:rPr lang="sv-SE" dirty="0" err="1" smtClean="0"/>
+              <a:t>Groovy</a:t>
             </a:r>
             <a:endParaRPr lang="sv-SE" dirty="0"/>
           </a:p>
@@ -5964,7 +6830,7 @@
             </a:r>
             <a:r>
               <a:rPr lang="sv-SE" dirty="0" err="1" smtClean="0"/>
-              <a:t>optionalTyping.groovy</a:t>
+              <a:t>Nullsafe.groovy</a:t>
             </a:r>
             <a:r>
               <a:rPr lang="sv-SE" dirty="0" smtClean="0"/>
@@ -6011,22 +6877,12 @@
         </p:nvSpPr>
         <p:spPr/>
         <p:txBody>
-          <a:bodyPr>
-            <a:normAutofit/>
-          </a:bodyPr>
-          <a:lstStyle/>
-          <a:p>
-            <a:r>
-              <a:rPr lang="sv-SE" dirty="0" smtClean="0"/>
-              <a:t>Hantera </a:t>
-            </a:r>
-            <a:r>
-              <a:rPr lang="sv-SE" dirty="0" err="1" smtClean="0"/>
-              <a:t>null</a:t>
-            </a:r>
-            <a:r>
-              <a:rPr lang="sv-SE" dirty="0" smtClean="0"/>
-              <a:t> i Java</a:t>
+          <a:bodyPr/>
+          <a:lstStyle/>
+          <a:p>
+            <a:r>
+              <a:rPr lang="sv-SE" dirty="0" smtClean="0"/>
+              <a:t>Getters/setters i Java</a:t>
             </a:r>
             <a:endParaRPr lang="sv-SE" dirty="0"/>
           </a:p>
@@ -6056,7 +6912,7 @@
             </a:r>
             <a:r>
               <a:rPr lang="sv-SE" dirty="0" err="1" smtClean="0"/>
-              <a:t>Nullsafe.java</a:t>
+              <a:t>ClassWithGettersSetters.java</a:t>
             </a:r>
             <a:r>
               <a:rPr lang="sv-SE" dirty="0" smtClean="0"/>
@@ -6103,22 +6959,12 @@
         </p:nvSpPr>
         <p:spPr/>
         <p:txBody>
-          <a:bodyPr>
-            <a:normAutofit/>
-          </a:bodyPr>
-          <a:lstStyle/>
-          <a:p>
-            <a:r>
-              <a:rPr lang="sv-SE" dirty="0" smtClean="0"/>
-              <a:t>Hantera </a:t>
-            </a:r>
-            <a:r>
-              <a:rPr lang="sv-SE" dirty="0" err="1" smtClean="0"/>
-              <a:t>null</a:t>
-            </a:r>
-            <a:r>
-              <a:rPr lang="sv-SE" dirty="0" smtClean="0"/>
-              <a:t> i </a:t>
+          <a:bodyPr/>
+          <a:lstStyle/>
+          <a:p>
+            <a:r>
+              <a:rPr lang="sv-SE" dirty="0" smtClean="0"/>
+              <a:t>Getters/setters i </a:t>
             </a:r>
             <a:r>
               <a:rPr lang="sv-SE" dirty="0" err="1" smtClean="0"/>
@@ -6152,7 +6998,7 @@
             </a:r>
             <a:r>
               <a:rPr lang="sv-SE" dirty="0" err="1" smtClean="0"/>
-              <a:t>Nullsafe.groovy</a:t>
+              <a:t>ClassWithGettersSetters.groovy</a:t>
             </a:r>
             <a:r>
               <a:rPr lang="sv-SE" dirty="0" smtClean="0"/>
@@ -6204,7 +7050,15 @@
           <a:p>
             <a:r>
               <a:rPr lang="sv-SE" dirty="0" smtClean="0"/>
-              <a:t>Getters/setters i Java</a:t>
+              <a:t>Default </a:t>
+            </a:r>
+            <a:r>
+              <a:rPr lang="sv-SE" dirty="0" err="1" smtClean="0"/>
+              <a:t>konstruktor</a:t>
+            </a:r>
+            <a:r>
+              <a:rPr lang="sv-SE" dirty="0" smtClean="0"/>
+              <a:t> i Java</a:t>
             </a:r>
             <a:endParaRPr lang="sv-SE" dirty="0"/>
           </a:p>
@@ -6234,7 +7088,7 @@
             </a:r>
             <a:r>
               <a:rPr lang="sv-SE" dirty="0" err="1" smtClean="0"/>
-              <a:t>ClassWithGettersSetters.java</a:t>
+              <a:t>UsingDefaultConstructor.java</a:t>
             </a:r>
             <a:r>
               <a:rPr lang="sv-SE" dirty="0" smtClean="0"/>
@@ -6286,7 +7140,15 @@
           <a:p>
             <a:r>
               <a:rPr lang="sv-SE" dirty="0" smtClean="0"/>
-              <a:t>Getters/setters i </a:t>
+              <a:t>Default </a:t>
+            </a:r>
+            <a:r>
+              <a:rPr lang="sv-SE" dirty="0" err="1" smtClean="0"/>
+              <a:t>konstruktor</a:t>
+            </a:r>
+            <a:r>
+              <a:rPr lang="sv-SE" dirty="0" smtClean="0"/>
+              <a:t> i </a:t>
             </a:r>
             <a:r>
               <a:rPr lang="sv-SE" dirty="0" err="1" smtClean="0"/>
@@ -6320,7 +7182,7 @@
             </a:r>
             <a:r>
               <a:rPr lang="sv-SE" dirty="0" err="1" smtClean="0"/>
-              <a:t>ClassWithGettersSetters.groovy</a:t>
+              <a:t>UsingDefaultConstructor.groovy</a:t>
             </a:r>
             <a:r>
               <a:rPr lang="sv-SE" dirty="0" smtClean="0"/>
@@ -6371,16 +7233,8 @@
           <a:lstStyle/>
           <a:p>
             <a:r>
-              <a:rPr lang="sv-SE" dirty="0" smtClean="0"/>
-              <a:t>Default </a:t>
-            </a:r>
-            <a:r>
-              <a:rPr lang="sv-SE" dirty="0" err="1" smtClean="0"/>
-              <a:t>konstruktor</a:t>
-            </a:r>
-            <a:r>
-              <a:rPr lang="sv-SE" dirty="0" smtClean="0"/>
-              <a:t> i Java</a:t>
+              <a:rPr lang="sv-SE" dirty="0" err="1" smtClean="0"/>
+              <a:t>Bekvämlighetsmetoder:List</a:t>
             </a:r>
             <a:endParaRPr lang="sv-SE" dirty="0"/>
           </a:p>
@@ -6410,7 +7264,7 @@
             </a:r>
             <a:r>
               <a:rPr lang="sv-SE" dirty="0" err="1" smtClean="0"/>
-              <a:t>UsingDefaultConstructor.java</a:t>
+              <a:t>ArrayConveniance.groovy</a:t>
             </a:r>
             <a:r>
               <a:rPr lang="sv-SE" dirty="0" smtClean="0"/>
@@ -6461,20 +7315,8 @@
           <a:lstStyle/>
           <a:p>
             <a:r>
-              <a:rPr lang="sv-SE" dirty="0" smtClean="0"/>
-              <a:t>Default </a:t>
-            </a:r>
-            <a:r>
-              <a:rPr lang="sv-SE" dirty="0" err="1" smtClean="0"/>
-              <a:t>konstruktor</a:t>
-            </a:r>
-            <a:r>
-              <a:rPr lang="sv-SE" dirty="0" smtClean="0"/>
-              <a:t> i </a:t>
-            </a:r>
-            <a:r>
-              <a:rPr lang="sv-SE" dirty="0" err="1" smtClean="0"/>
-              <a:t>Groovy</a:t>
+              <a:rPr lang="sv-SE" dirty="0" err="1" smtClean="0"/>
+              <a:t>Bekvämlighetsmetoder:List</a:t>
             </a:r>
             <a:endParaRPr lang="sv-SE" dirty="0"/>
           </a:p>
@@ -6500,15 +7342,7 @@
             </a:pPr>
             <a:r>
               <a:rPr lang="sv-SE" dirty="0" smtClean="0"/>
-              <a:t>[</a:t>
-            </a:r>
-            <a:r>
-              <a:rPr lang="sv-SE" dirty="0" err="1" smtClean="0"/>
-              <a:t>UsingDefaultConstructor.groovy</a:t>
-            </a:r>
-            <a:r>
-              <a:rPr lang="sv-SE" dirty="0" smtClean="0"/>
-              <a:t>]</a:t>
+              <a:t>[ArrayConveniance2.groovy]</a:t>
             </a:r>
             <a:endParaRPr lang="sv-SE" dirty="0"/>
           </a:p>
@@ -6556,7 +7390,7 @@
           <a:p>
             <a:r>
               <a:rPr lang="sv-SE" dirty="0" err="1" smtClean="0"/>
-              <a:t>Bekvämlighetsmetoder:List</a:t>
+              <a:t>Bekvämlighetsmetoder:Map</a:t>
             </a:r>
             <a:endParaRPr lang="sv-SE" dirty="0"/>
           </a:p>
@@ -6572,7 +7406,12 @@
             <p:ph idx="1"/>
           </p:nvPr>
         </p:nvSpPr>
-        <p:spPr/>
+        <p:spPr>
+          <a:xfrm>
+            <a:off x="428596" y="1214422"/>
+            <a:ext cx="8229600" cy="4525963"/>
+          </a:xfrm>
+        </p:spPr>
         <p:txBody>
           <a:bodyPr/>
           <a:lstStyle/>
@@ -6586,7 +7425,7 @@
             </a:r>
             <a:r>
               <a:rPr lang="sv-SE" dirty="0" err="1" smtClean="0"/>
-              <a:t>ArrayConveniance.groovy</a:t>
+              <a:t>MapConveniance.groovy</a:t>
             </a:r>
             <a:r>
               <a:rPr lang="sv-SE" dirty="0" smtClean="0"/>
@@ -6646,77 +7485,39 @@
           </a:p>
         </p:txBody>
       </p:sp>
-      <p:sp>
-        <p:nvSpPr>
-          <p:cNvPr id="4" name="Platshållare för innehåll 2"/>
-          <p:cNvSpPr txBox="1">
-            <a:spLocks/>
-          </p:cNvSpPr>
+      <p:pic>
+        <p:nvPicPr>
+          <p:cNvPr id="2050" name="Picture 2"/>
+          <p:cNvPicPr>
+            <a:picLocks noChangeAspect="1" noChangeArrowheads="1"/>
+          </p:cNvPicPr>
           <p:nvPr/>
-        </p:nvSpPr>
-        <p:spPr>
+        </p:nvPicPr>
+        <p:blipFill>
+          <a:blip r:embed="rId2"/>
+          <a:srcRect/>
+          <a:stretch>
+            <a:fillRect/>
+          </a:stretch>
+        </p:blipFill>
+        <p:spPr bwMode="auto">
           <a:xfrm>
-            <a:off x="428596" y="1643050"/>
-            <a:ext cx="8229600" cy="2286016"/>
+            <a:off x="1428728" y="1142984"/>
+            <a:ext cx="6096000" cy="4572000"/>
           </a:xfrm>
           <a:prstGeom prst="rect">
             <a:avLst/>
           </a:prstGeom>
+          <a:noFill/>
+          <a:ln w="9525">
+            <a:noFill/>
+            <a:miter lim="800000"/>
+            <a:headEnd/>
+            <a:tailEnd/>
+          </a:ln>
+          <a:effectLst/>
         </p:spPr>
-        <p:txBody>
-          <a:bodyPr vert="horz" lIns="91440" tIns="45720" rIns="91440" bIns="45720" rtlCol="0">
-            <a:normAutofit/>
-          </a:bodyPr>
-          <a:lstStyle/>
-          <a:p>
-            <a:pPr marL="342900" indent="-342900">
-              <a:spcBef>
-                <a:spcPct val="20000"/>
-              </a:spcBef>
-            </a:pPr>
-            <a:r>
-              <a:rPr lang="sv-SE" sz="3200" dirty="0" smtClean="0"/>
-              <a:t>	Kan du skriva en </a:t>
-            </a:r>
-            <a:r>
-              <a:rPr lang="sv-SE" sz="3200" dirty="0" err="1" smtClean="0"/>
-              <a:t>HelloWorld</a:t>
-            </a:r>
-            <a:r>
-              <a:rPr lang="sv-SE" sz="3200" dirty="0" smtClean="0"/>
-              <a:t> i Java</a:t>
-            </a:r>
-            <a:r>
-              <a:rPr lang="sv-SE" sz="3200" dirty="0" smtClean="0"/>
-              <a:t>, utan att använda en IDE?</a:t>
-            </a:r>
-            <a:endParaRPr lang="sv-SE" sz="3200" dirty="0" smtClean="0"/>
-          </a:p>
-          <a:p>
-            <a:pPr marL="342900" marR="0" lvl="0" indent="-342900" algn="l" defTabSz="914400" rtl="0" eaLnBrk="1" fontAlgn="auto" latinLnBrk="0" hangingPunct="1">
-              <a:lnSpc>
-                <a:spcPct val="100000"/>
-              </a:lnSpc>
-              <a:spcBef>
-                <a:spcPct val="20000"/>
-              </a:spcBef>
-              <a:spcAft>
-                <a:spcPts val="0"/>
-              </a:spcAft>
-              <a:buClrTx/>
-              <a:buSzTx/>
-              <a:buFont typeface="Arial" pitchFamily="34" charset="0"/>
-              <a:buNone/>
-              <a:tabLst/>
-              <a:defRPr/>
-            </a:pPr>
-            <a:r>
-              <a:rPr lang="sv-SE" sz="3200" dirty="0" smtClean="0"/>
-              <a:t> </a:t>
-            </a:r>
-          </a:p>
-        </p:txBody>
-      </p:sp>
+      </p:pic>
     </p:spTree>
   </p:cSld>
   <p:clrMapOvr>
@@ -6758,16 +7559,20 @@
           <a:lstStyle/>
           <a:p>
             <a:r>
-              <a:rPr lang="sv-SE" dirty="0" err="1" smtClean="0"/>
-              <a:t>Bekvämlighetsmetoder:List</a:t>
-            </a:r>
-            <a:endParaRPr lang="sv-SE" dirty="0"/>
-          </a:p>
-        </p:txBody>
-      </p:sp>
-      <p:sp>
-        <p:nvSpPr>
-          <p:cNvPr id="3" name="Platshållare för innehåll 2"/>
+              <a:rPr lang="sv-SE" dirty="0" smtClean="0"/>
+              <a:t>Operator </a:t>
+            </a:r>
+            <a:r>
+              <a:rPr lang="sv-SE" dirty="0" err="1" smtClean="0"/>
+              <a:t>overloading</a:t>
+            </a:r>
+            <a:endParaRPr lang="sv-SE" dirty="0"/>
+          </a:p>
+        </p:txBody>
+      </p:sp>
+      <p:sp>
+        <p:nvSpPr>
+          <p:cNvPr id="4" name="Platshållare för innehåll 3"/>
           <p:cNvSpPr>
             <a:spLocks noGrp="1"/>
           </p:cNvSpPr>
@@ -6785,7 +7590,15 @@
             </a:pPr>
             <a:r>
               <a:rPr lang="sv-SE" dirty="0" smtClean="0"/>
-              <a:t>[ArrayConveniance2.groovy]</a:t>
+              <a:t>[</a:t>
+            </a:r>
+            <a:r>
+              <a:rPr lang="sv-SE" dirty="0" err="1" smtClean="0"/>
+              <a:t>operatorOverload.groovy</a:t>
+            </a:r>
+            <a:r>
+              <a:rPr lang="sv-SE" dirty="0" smtClean="0"/>
+              <a:t>]</a:t>
             </a:r>
             <a:endParaRPr lang="sv-SE" dirty="0"/>
           </a:p>
@@ -6796,6 +7609,13 @@
   <p:clrMapOvr>
     <a:masterClrMapping/>
   </p:clrMapOvr>
+  <p:timing>
+    <p:tnLst>
+      <p:par>
+        <p:cTn id="1" dur="indefinite" restart="never" nodeType="tmRoot"/>
+      </p:par>
+    </p:tnLst>
+  </p:timing>
 </p:sld>
 </file>
 
@@ -6832,16 +7652,20 @@
           <a:lstStyle/>
           <a:p>
             <a:r>
-              <a:rPr lang="sv-SE" dirty="0" err="1" smtClean="0"/>
-              <a:t>Bekvämlighetsmetoder:Map</a:t>
-            </a:r>
-            <a:endParaRPr lang="sv-SE" dirty="0"/>
-          </a:p>
-        </p:txBody>
-      </p:sp>
-      <p:sp>
-        <p:nvSpPr>
-          <p:cNvPr id="3" name="Platshållare för innehåll 2"/>
+              <a:rPr lang="sv-SE" dirty="0" smtClean="0"/>
+              <a:t>Operator </a:t>
+            </a:r>
+            <a:r>
+              <a:rPr lang="sv-SE" dirty="0" err="1" smtClean="0"/>
+              <a:t>overloading</a:t>
+            </a:r>
+            <a:endParaRPr lang="sv-SE" dirty="0"/>
+          </a:p>
+        </p:txBody>
+      </p:sp>
+      <p:sp>
+        <p:nvSpPr>
+          <p:cNvPr id="4" name="Platshållare för innehåll 3"/>
           <p:cNvSpPr>
             <a:spLocks noGrp="1"/>
           </p:cNvSpPr>
@@ -6849,12 +7673,7 @@
             <p:ph idx="1"/>
           </p:nvPr>
         </p:nvSpPr>
-        <p:spPr>
-          <a:xfrm>
-            <a:off x="428596" y="1214422"/>
-            <a:ext cx="8229600" cy="4525963"/>
-          </a:xfrm>
-        </p:spPr>
+        <p:spPr/>
         <p:txBody>
           <a:bodyPr/>
           <a:lstStyle/>
@@ -6864,15 +7683,7 @@
             </a:pPr>
             <a:r>
               <a:rPr lang="sv-SE" dirty="0" smtClean="0"/>
-              <a:t>[</a:t>
-            </a:r>
-            <a:r>
-              <a:rPr lang="sv-SE" dirty="0" err="1" smtClean="0"/>
-              <a:t>MapConveniance.groovy</a:t>
-            </a:r>
-            <a:r>
-              <a:rPr lang="sv-SE" dirty="0" smtClean="0"/>
-              <a:t>]</a:t>
+              <a:t>[operatorOverload2.groovy]</a:t>
             </a:r>
             <a:endParaRPr lang="sv-SE" dirty="0"/>
           </a:p>
@@ -6883,6 +7694,13 @@
   <p:clrMapOvr>
     <a:masterClrMapping/>
   </p:clrMapOvr>
+  <p:timing>
+    <p:tnLst>
+      <p:par>
+        <p:cTn id="1" dur="indefinite" restart="never" nodeType="tmRoot"/>
+      </p:par>
+    </p:tnLst>
+  </p:timing>
 </p:sld>
 </file>
 
@@ -6919,20 +7737,24 @@
           <a:lstStyle/>
           <a:p>
             <a:r>
-              <a:rPr lang="sv-SE" dirty="0" smtClean="0"/>
-              <a:t>Operator </a:t>
-            </a:r>
-            <a:r>
-              <a:rPr lang="sv-SE" dirty="0" err="1" smtClean="0"/>
-              <a:t>overloading</a:t>
-            </a:r>
-            <a:endParaRPr lang="sv-SE" dirty="0"/>
-          </a:p>
-        </p:txBody>
-      </p:sp>
-      <p:sp>
-        <p:nvSpPr>
-          <p:cNvPr id="4" name="Platshållare för innehåll 3"/>
+              <a:rPr lang="sv-SE" dirty="0" err="1" smtClean="0"/>
+              <a:t>Groovy</a:t>
+            </a:r>
+            <a:r>
+              <a:rPr lang="sv-SE" dirty="0" smtClean="0"/>
+              <a:t> </a:t>
+            </a:r>
+            <a:r>
+              <a:rPr lang="sv-SE" dirty="0" err="1" smtClean="0"/>
+              <a:t>truth</a:t>
+            </a:r>
+            <a:endParaRPr lang="sv-SE" dirty="0"/>
+          </a:p>
+        </p:txBody>
+      </p:sp>
+      <p:sp>
+        <p:nvSpPr>
+          <p:cNvPr id="3" name="Platshållare för innehåll 2"/>
           <p:cNvSpPr>
             <a:spLocks noGrp="1"/>
           </p:cNvSpPr>
@@ -6954,7 +7776,7 @@
             </a:r>
             <a:r>
               <a:rPr lang="sv-SE" dirty="0" err="1" smtClean="0"/>
-              <a:t>operatorOverload.groovy</a:t>
+              <a:t>HelloWorldWithParameters.java</a:t>
             </a:r>
             <a:r>
               <a:rPr lang="sv-SE" dirty="0" smtClean="0"/>
@@ -6969,13 +7791,6 @@
   <p:clrMapOvr>
     <a:masterClrMapping/>
   </p:clrMapOvr>
-  <p:timing>
-    <p:tnLst>
-      <p:par>
-        <p:cTn id="1" dur="indefinite" restart="never" nodeType="tmRoot"/>
-      </p:par>
-    </p:tnLst>
-  </p:timing>
 </p:sld>
 </file>
 
@@ -7013,19 +7828,23 @@
           <a:p>
             <a:r>
               <a:rPr lang="sv-SE" dirty="0" smtClean="0"/>
-              <a:t>Operator </a:t>
-            </a:r>
-            <a:r>
-              <a:rPr lang="sv-SE" dirty="0" err="1" smtClean="0"/>
-              <a:t>overloading</a:t>
-            </a:r>
-            <a:endParaRPr lang="sv-SE" dirty="0"/>
-          </a:p>
-        </p:txBody>
-      </p:sp>
-      <p:sp>
-        <p:nvSpPr>
-          <p:cNvPr id="4" name="Platshållare för innehåll 3"/>
+              <a:t>Java: </a:t>
+            </a:r>
+            <a:r>
+              <a:rPr lang="sv-SE" dirty="0" err="1" smtClean="0"/>
+              <a:t>mainmetod</a:t>
+            </a:r>
+            <a:r>
+              <a:rPr lang="sv-SE" dirty="0" smtClean="0"/>
+              <a:t> med parameter</a:t>
+            </a:r>
+            <a:endParaRPr lang="sv-SE" dirty="0"/>
+          </a:p>
+        </p:txBody>
+      </p:sp>
+      <p:sp>
+        <p:nvSpPr>
+          <p:cNvPr id="3" name="Platshållare för innehåll 2"/>
           <p:cNvSpPr>
             <a:spLocks noGrp="1"/>
           </p:cNvSpPr>
@@ -7043,7 +7862,15 @@
             </a:pPr>
             <a:r>
               <a:rPr lang="sv-SE" dirty="0" smtClean="0"/>
-              <a:t>[operatorOverload2.groovy]</a:t>
+              <a:t>[</a:t>
+            </a:r>
+            <a:r>
+              <a:rPr lang="sv-SE" dirty="0" err="1" smtClean="0"/>
+              <a:t>helloWorldWithParameters.groovy</a:t>
+            </a:r>
+            <a:r>
+              <a:rPr lang="sv-SE" dirty="0" smtClean="0"/>
+              <a:t>]</a:t>
             </a:r>
             <a:endParaRPr lang="sv-SE" dirty="0"/>
           </a:p>
@@ -7054,13 +7881,6 @@
   <p:clrMapOvr>
     <a:masterClrMapping/>
   </p:clrMapOvr>
-  <p:timing>
-    <p:tnLst>
-      <p:par>
-        <p:cTn id="1" dur="indefinite" restart="never" nodeType="tmRoot"/>
-      </p:par>
-    </p:tnLst>
-  </p:timing>
 </p:sld>
 </file>
 
@@ -7093,7 +7913,9 @@
         </p:nvSpPr>
         <p:spPr/>
         <p:txBody>
-          <a:bodyPr/>
+          <a:bodyPr>
+            <a:normAutofit fontScale="90000"/>
+          </a:bodyPr>
           <a:lstStyle/>
           <a:p>
             <a:r>
@@ -7102,11 +7924,15 @@
             </a:r>
             <a:r>
               <a:rPr lang="sv-SE" dirty="0" smtClean="0"/>
-              <a:t> </a:t>
-            </a:r>
-            <a:r>
-              <a:rPr lang="sv-SE" dirty="0" err="1" smtClean="0"/>
-              <a:t>truth</a:t>
+              <a:t>: </a:t>
+            </a:r>
+            <a:r>
+              <a:rPr lang="sv-SE" dirty="0" err="1" smtClean="0"/>
+              <a:t>mainmetod</a:t>
+            </a:r>
+            <a:r>
+              <a:rPr lang="sv-SE" dirty="0" smtClean="0"/>
+              <a:t> med parameter</a:t>
             </a:r>
             <a:endParaRPr lang="sv-SE" dirty="0"/>
           </a:p>
@@ -7136,7 +7962,7 @@
             </a:r>
             <a:r>
               <a:rPr lang="sv-SE" dirty="0" err="1" smtClean="0"/>
-              <a:t>HelloWorldWithParameters.java</a:t>
+              <a:t>TestGroovyTruth.groovy</a:t>
             </a:r>
             <a:r>
               <a:rPr lang="sv-SE" dirty="0" smtClean="0"/>
@@ -7187,16 +8013,12 @@
           <a:lstStyle/>
           <a:p>
             <a:r>
-              <a:rPr lang="sv-SE" dirty="0" smtClean="0"/>
-              <a:t>Java: </a:t>
-            </a:r>
-            <a:r>
-              <a:rPr lang="sv-SE" dirty="0" err="1" smtClean="0"/>
-              <a:t>mainmetod</a:t>
-            </a:r>
-            <a:r>
-              <a:rPr lang="sv-SE" dirty="0" smtClean="0"/>
-              <a:t> med parameter</a:t>
+              <a:rPr lang="sv-SE" dirty="0" err="1" smtClean="0"/>
+              <a:t>Optional</a:t>
+            </a:r>
+            <a:r>
+              <a:rPr lang="sv-SE" dirty="0" smtClean="0"/>
+              <a:t> parameters i Java</a:t>
             </a:r>
             <a:endParaRPr lang="sv-SE" dirty="0"/>
           </a:p>
@@ -7226,7 +8048,7 @@
             </a:r>
             <a:r>
               <a:rPr lang="sv-SE" dirty="0" err="1" smtClean="0"/>
-              <a:t>helloWorldWithParameters.groovy</a:t>
+              <a:t>optionalParameters.java</a:t>
             </a:r>
             <a:r>
               <a:rPr lang="sv-SE" dirty="0" smtClean="0"/>
@@ -7273,26 +8095,20 @@
         </p:nvSpPr>
         <p:spPr/>
         <p:txBody>
-          <a:bodyPr>
-            <a:normAutofit fontScale="90000"/>
-          </a:bodyPr>
-          <a:lstStyle/>
-          <a:p>
+          <a:bodyPr/>
+          <a:lstStyle/>
+          <a:p>
+            <a:r>
+              <a:rPr lang="sv-SE" dirty="0" err="1" smtClean="0"/>
+              <a:t>Optional</a:t>
+            </a:r>
+            <a:r>
+              <a:rPr lang="sv-SE" dirty="0" smtClean="0"/>
+              <a:t> parameters i </a:t>
+            </a:r>
             <a:r>
               <a:rPr lang="sv-SE" dirty="0" err="1" smtClean="0"/>
               <a:t>Groovy</a:t>
-            </a:r>
-            <a:r>
-              <a:rPr lang="sv-SE" dirty="0" smtClean="0"/>
-              <a:t>: </a:t>
-            </a:r>
-            <a:r>
-              <a:rPr lang="sv-SE" dirty="0" err="1" smtClean="0"/>
-              <a:t>mainmetod</a:t>
-            </a:r>
-            <a:r>
-              <a:rPr lang="sv-SE" dirty="0" smtClean="0"/>
-              <a:t> med parameter</a:t>
             </a:r>
             <a:endParaRPr lang="sv-SE" dirty="0"/>
           </a:p>
@@ -7322,7 +8138,7 @@
             </a:r>
             <a:r>
               <a:rPr lang="sv-SE" dirty="0" err="1" smtClean="0"/>
-              <a:t>TestGroovyTruth.groovy</a:t>
+              <a:t>optionalParameter.groovy</a:t>
             </a:r>
             <a:r>
               <a:rPr lang="sv-SE" dirty="0" smtClean="0"/>
@@ -7374,11 +8190,7 @@
           <a:p>
             <a:r>
               <a:rPr lang="sv-SE" dirty="0" err="1" smtClean="0"/>
-              <a:t>Optional</a:t>
-            </a:r>
-            <a:r>
-              <a:rPr lang="sv-SE" dirty="0" smtClean="0"/>
-              <a:t> parameters i Java</a:t>
+              <a:t>G-Strings</a:t>
             </a:r>
             <a:endParaRPr lang="sv-SE" dirty="0"/>
           </a:p>
@@ -7399,20 +8211,111 @@
           <a:bodyPr/>
           <a:lstStyle/>
           <a:p>
-            <a:pPr>
-              <a:buNone/>
-            </a:pPr>
-            <a:r>
-              <a:rPr lang="sv-SE" dirty="0" smtClean="0"/>
-              <a:t>[</a:t>
-            </a:r>
-            <a:r>
-              <a:rPr lang="sv-SE" dirty="0" err="1" smtClean="0"/>
-              <a:t>optionalParameters.java</a:t>
-            </a:r>
-            <a:r>
-              <a:rPr lang="sv-SE" dirty="0" smtClean="0"/>
-              <a:t>]</a:t>
+            <a:r>
+              <a:rPr lang="en-US" dirty="0" smtClean="0"/>
+              <a:t>A </a:t>
+            </a:r>
+            <a:r>
+              <a:rPr lang="en-US" b="1" dirty="0" smtClean="0"/>
+              <a:t>G-string</a:t>
+            </a:r>
+            <a:r>
+              <a:rPr lang="en-US" dirty="0" smtClean="0"/>
+              <a:t> (alternatively </a:t>
+            </a:r>
+            <a:r>
+              <a:rPr lang="en-US" b="1" dirty="0" smtClean="0"/>
+              <a:t>gee-string</a:t>
+            </a:r>
+            <a:r>
+              <a:rPr lang="en-US" dirty="0" smtClean="0"/>
+              <a:t> or </a:t>
+            </a:r>
+            <a:r>
+              <a:rPr lang="en-US" b="1" dirty="0" smtClean="0"/>
+              <a:t>gee string</a:t>
+            </a:r>
+            <a:r>
+              <a:rPr lang="en-US" dirty="0" smtClean="0"/>
+              <a:t>) is a type of </a:t>
+            </a:r>
+            <a:r>
+              <a:rPr lang="en-US" b="1" dirty="0" smtClean="0"/>
+              <a:t>underwear</a:t>
+            </a:r>
+            <a:r>
+              <a:rPr lang="en-US" dirty="0" smtClean="0"/>
+              <a:t>, a narrow piece of cloth, </a:t>
+            </a:r>
+            <a:r>
+              <a:rPr lang="en-US" dirty="0" smtClean="0">
+                <a:hlinkClick r:id="rId2" tooltip="Leather"/>
+              </a:rPr>
+              <a:t>leather</a:t>
+            </a:r>
+            <a:r>
+              <a:rPr lang="en-US" dirty="0" smtClean="0"/>
+              <a:t>, or </a:t>
+            </a:r>
+            <a:r>
+              <a:rPr lang="en-US" dirty="0" smtClean="0">
+                <a:hlinkClick r:id="rId3" tooltip="Plastic"/>
+              </a:rPr>
+              <a:t>plastic</a:t>
+            </a:r>
+            <a:r>
+              <a:rPr lang="en-US" dirty="0" smtClean="0"/>
+              <a:t> that covers or holds the </a:t>
+            </a:r>
+            <a:r>
+              <a:rPr lang="en-US" dirty="0" smtClean="0">
+                <a:hlinkClick r:id="rId4" tooltip="Genitals"/>
+              </a:rPr>
+              <a:t>genitals</a:t>
+            </a:r>
+            <a:r>
+              <a:rPr lang="en-US" dirty="0" smtClean="0"/>
+              <a:t>, passes between the </a:t>
+            </a:r>
+            <a:r>
+              <a:rPr lang="en-US" dirty="0" smtClean="0">
+                <a:hlinkClick r:id="rId5" tooltip="Buttocks"/>
+              </a:rPr>
+              <a:t>buttocks</a:t>
+            </a:r>
+            <a:r>
+              <a:rPr lang="en-US" dirty="0" smtClean="0"/>
+              <a:t>, and is attached to a band around the </a:t>
+            </a:r>
+            <a:r>
+              <a:rPr lang="en-US" dirty="0" smtClean="0">
+                <a:hlinkClick r:id="rId6" tooltip="Hip (anatomy)"/>
+              </a:rPr>
+              <a:t>hips</a:t>
+            </a:r>
+            <a:r>
+              <a:rPr lang="en-US" dirty="0" smtClean="0"/>
+              <a:t>, worn as </a:t>
+            </a:r>
+            <a:r>
+              <a:rPr lang="en-US" dirty="0" smtClean="0">
+                <a:hlinkClick r:id="rId7" tooltip="Swimsuit"/>
+              </a:rPr>
+              <a:t>swimwear</a:t>
+            </a:r>
+            <a:r>
+              <a:rPr lang="en-US" dirty="0" smtClean="0"/>
+              <a:t> or </a:t>
+            </a:r>
+            <a:r>
+              <a:rPr lang="en-US" dirty="0" smtClean="0">
+                <a:hlinkClick r:id="rId8" tooltip="Underwear"/>
+              </a:rPr>
+              <a:t>underwear</a:t>
+            </a:r>
+            <a:r>
+              <a:rPr lang="en-US" dirty="0" smtClean="0"/>
+              <a:t> by both men and women.</a:t>
             </a:r>
             <a:endParaRPr lang="sv-SE" dirty="0"/>
           </a:p>
@@ -7460,15 +8363,19 @@
           <a:p>
             <a:r>
               <a:rPr lang="sv-SE" dirty="0" err="1" smtClean="0"/>
-              <a:t>Optional</a:t>
-            </a:r>
-            <a:r>
-              <a:rPr lang="sv-SE" dirty="0" smtClean="0"/>
-              <a:t> parameters i </a:t>
+              <a:t>GStrings</a:t>
+            </a:r>
+            <a:r>
+              <a:rPr lang="sv-SE" dirty="0" smtClean="0"/>
+              <a:t> (</a:t>
             </a:r>
             <a:r>
               <a:rPr lang="sv-SE" dirty="0" err="1" smtClean="0"/>
               <a:t>Groovy</a:t>
+            </a:r>
+            <a:r>
+              <a:rPr lang="sv-SE" dirty="0" smtClean="0"/>
+              <a:t> Strings)</a:t>
             </a:r>
             <a:endParaRPr lang="sv-SE" dirty="0"/>
           </a:p>
@@ -7498,7 +8405,7 @@
             </a:r>
             <a:r>
               <a:rPr lang="sv-SE" dirty="0" err="1" smtClean="0"/>
-              <a:t>optionalParameter.groovy</a:t>
+              <a:t>Gstrings.groovy</a:t>
             </a:r>
             <a:r>
               <a:rPr lang="sv-SE" dirty="0" smtClean="0"/>
@@ -7550,7 +8457,11 @@
           <a:p>
             <a:r>
               <a:rPr lang="sv-SE" dirty="0" err="1" smtClean="0"/>
-              <a:t>G-Strings</a:t>
+              <a:t>Regular</a:t>
+            </a:r>
+            <a:r>
+              <a:rPr lang="sv-SE" dirty="0" smtClean="0"/>
+              <a:t> expressions</a:t>
             </a:r>
             <a:endParaRPr lang="sv-SE" dirty="0"/>
           </a:p>
@@ -7571,111 +8482,20 @@
           <a:bodyPr/>
           <a:lstStyle/>
           <a:p>
-            <a:r>
-              <a:rPr lang="en-US" dirty="0" smtClean="0"/>
-              <a:t>A </a:t>
-            </a:r>
-            <a:r>
-              <a:rPr lang="en-US" b="1" dirty="0" smtClean="0"/>
-              <a:t>G-string</a:t>
-            </a:r>
-            <a:r>
-              <a:rPr lang="en-US" dirty="0" smtClean="0"/>
-              <a:t> (alternatively </a:t>
-            </a:r>
-            <a:r>
-              <a:rPr lang="en-US" b="1" dirty="0" smtClean="0"/>
-              <a:t>gee-string</a:t>
-            </a:r>
-            <a:r>
-              <a:rPr lang="en-US" dirty="0" smtClean="0"/>
-              <a:t> or </a:t>
-            </a:r>
-            <a:r>
-              <a:rPr lang="en-US" b="1" dirty="0" smtClean="0"/>
-              <a:t>gee string</a:t>
-            </a:r>
-            <a:r>
-              <a:rPr lang="en-US" dirty="0" smtClean="0"/>
-              <a:t>) is a type of </a:t>
-            </a:r>
-            <a:r>
-              <a:rPr lang="en-US" b="1" dirty="0" smtClean="0"/>
-              <a:t>underwear</a:t>
-            </a:r>
-            <a:r>
-              <a:rPr lang="en-US" dirty="0" smtClean="0"/>
-              <a:t>, a narrow piece of cloth, </a:t>
-            </a:r>
-            <a:r>
-              <a:rPr lang="en-US" dirty="0" smtClean="0">
-                <a:hlinkClick r:id="rId2" tooltip="Leather"/>
-              </a:rPr>
-              <a:t>leather</a:t>
-            </a:r>
-            <a:r>
-              <a:rPr lang="en-US" dirty="0" smtClean="0"/>
-              <a:t>, or </a:t>
-            </a:r>
-            <a:r>
-              <a:rPr lang="en-US" dirty="0" smtClean="0">
-                <a:hlinkClick r:id="rId3" tooltip="Plastic"/>
-              </a:rPr>
-              <a:t>plastic</a:t>
-            </a:r>
-            <a:r>
-              <a:rPr lang="en-US" dirty="0" smtClean="0"/>
-              <a:t> that covers or holds the </a:t>
-            </a:r>
-            <a:r>
-              <a:rPr lang="en-US" dirty="0" smtClean="0">
-                <a:hlinkClick r:id="rId4" tooltip="Genitals"/>
-              </a:rPr>
-              <a:t>genitals</a:t>
-            </a:r>
-            <a:r>
-              <a:rPr lang="en-US" dirty="0" smtClean="0"/>
-              <a:t>, passes between the </a:t>
-            </a:r>
-            <a:r>
-              <a:rPr lang="en-US" dirty="0" smtClean="0">
-                <a:hlinkClick r:id="rId5" tooltip="Buttocks"/>
-              </a:rPr>
-              <a:t>buttocks</a:t>
-            </a:r>
-            <a:r>
-              <a:rPr lang="en-US" dirty="0" smtClean="0"/>
-              <a:t>, and is attached to a band around the </a:t>
-            </a:r>
-            <a:r>
-              <a:rPr lang="en-US" dirty="0" smtClean="0">
-                <a:hlinkClick r:id="rId6" tooltip="Hip (anatomy)"/>
-              </a:rPr>
-              <a:t>hips</a:t>
-            </a:r>
-            <a:r>
-              <a:rPr lang="en-US" dirty="0" smtClean="0"/>
-              <a:t>, worn as </a:t>
-            </a:r>
-            <a:r>
-              <a:rPr lang="en-US" dirty="0" smtClean="0">
-                <a:hlinkClick r:id="rId7" tooltip="Swimsuit"/>
-              </a:rPr>
-              <a:t>swimwear</a:t>
-            </a:r>
-            <a:r>
-              <a:rPr lang="en-US" dirty="0" smtClean="0"/>
-              <a:t> or </a:t>
-            </a:r>
-            <a:r>
-              <a:rPr lang="en-US" dirty="0" smtClean="0">
-                <a:hlinkClick r:id="rId8" tooltip="Underwear"/>
-              </a:rPr>
-              <a:t>underwear</a:t>
-            </a:r>
-            <a:r>
-              <a:rPr lang="en-US" dirty="0" smtClean="0"/>
-              <a:t> by both men and women.</a:t>
+            <a:pPr>
+              <a:buNone/>
+            </a:pPr>
+            <a:r>
+              <a:rPr lang="sv-SE" dirty="0" smtClean="0"/>
+              <a:t>[</a:t>
+            </a:r>
+            <a:r>
+              <a:rPr lang="sv-SE" dirty="0" err="1" smtClean="0"/>
+              <a:t>TestRegExp.groovy</a:t>
+            </a:r>
+            <a:r>
+              <a:rPr lang="sv-SE" dirty="0" smtClean="0"/>
+              <a:t>]</a:t>
             </a:r>
             <a:endParaRPr lang="sv-SE" dirty="0"/>
           </a:p>
@@ -7806,20 +8626,8 @@
           <a:lstStyle/>
           <a:p>
             <a:r>
-              <a:rPr lang="sv-SE" dirty="0" err="1" smtClean="0"/>
-              <a:t>GStrings</a:t>
-            </a:r>
-            <a:r>
-              <a:rPr lang="sv-SE" dirty="0" smtClean="0"/>
-              <a:t> (</a:t>
-            </a:r>
-            <a:r>
-              <a:rPr lang="sv-SE" dirty="0" err="1" smtClean="0"/>
-              <a:t>Groovy</a:t>
-            </a:r>
-            <a:r>
-              <a:rPr lang="sv-SE" dirty="0" smtClean="0"/>
-              <a:t> Strings)</a:t>
+              <a:rPr lang="sv-SE" dirty="0" smtClean="0"/>
+              <a:t>Primitives</a:t>
             </a:r>
             <a:endParaRPr lang="sv-SE" dirty="0"/>
           </a:p>
@@ -7849,7 +8657,7 @@
             </a:r>
             <a:r>
               <a:rPr lang="sv-SE" dirty="0" err="1" smtClean="0"/>
-              <a:t>Gstrings.groovy</a:t>
+              <a:t>Primitives.groovy</a:t>
             </a:r>
             <a:r>
               <a:rPr lang="sv-SE" dirty="0" smtClean="0"/>
@@ -7896,18 +8704,19 @@
         </p:nvSpPr>
         <p:spPr/>
         <p:txBody>
-          <a:bodyPr/>
-          <a:lstStyle/>
-          <a:p>
-            <a:r>
-              <a:rPr lang="sv-SE" dirty="0" err="1" smtClean="0"/>
-              <a:t>Regular</a:t>
-            </a:r>
-            <a:r>
-              <a:rPr lang="sv-SE" dirty="0" smtClean="0"/>
-              <a:t> expressions</a:t>
-            </a:r>
-            <a:endParaRPr lang="sv-SE" dirty="0"/>
+          <a:bodyPr>
+            <a:normAutofit fontScale="90000"/>
+          </a:bodyPr>
+          <a:lstStyle/>
+          <a:p>
+            <a:r>
+              <a:rPr lang="sv-SE" dirty="0" err="1" smtClean="0"/>
+              <a:t>Groovy</a:t>
+            </a:r>
+            <a:r>
+              <a:rPr lang="sv-SE" dirty="0" smtClean="0"/>
+              <a:t> har stöd för samtliga Java 5-features:</a:t>
+            </a:r>
           </a:p>
         </p:txBody>
       </p:sp>
@@ -7923,25 +8732,71 @@
         </p:nvSpPr>
         <p:spPr/>
         <p:txBody>
-          <a:bodyPr/>
-          <a:lstStyle/>
-          <a:p>
-            <a:pPr>
-              <a:buNone/>
-            </a:pPr>
-            <a:r>
-              <a:rPr lang="sv-SE" dirty="0" smtClean="0"/>
-              <a:t>[</a:t>
-            </a:r>
-            <a:r>
-              <a:rPr lang="sv-SE" dirty="0" err="1" smtClean="0"/>
-              <a:t>TestRegExp.groovy</a:t>
-            </a:r>
-            <a:r>
-              <a:rPr lang="sv-SE" dirty="0" smtClean="0"/>
-              <a:t>]</a:t>
-            </a:r>
-            <a:endParaRPr lang="sv-SE" dirty="0"/>
+          <a:bodyPr>
+            <a:normAutofit fontScale="92500"/>
+          </a:bodyPr>
+          <a:lstStyle/>
+          <a:p>
+            <a:r>
+              <a:rPr lang="sv-SE" dirty="0" err="1" smtClean="0"/>
+              <a:t>Generics</a:t>
+            </a:r>
+            <a:endParaRPr lang="sv-SE" dirty="0" smtClean="0"/>
+          </a:p>
+          <a:p>
+            <a:r>
+              <a:rPr lang="sv-SE" dirty="0" err="1" smtClean="0"/>
+              <a:t>For-each</a:t>
+            </a:r>
+            <a:endParaRPr lang="sv-SE" dirty="0" smtClean="0"/>
+          </a:p>
+          <a:p>
+            <a:r>
+              <a:rPr lang="sv-SE" dirty="0" err="1" smtClean="0"/>
+              <a:t>Autoboxing</a:t>
+            </a:r>
+            <a:r>
+              <a:rPr lang="sv-SE" dirty="0" smtClean="0"/>
+              <a:t> (fungerar även om man kör java 1.4)</a:t>
+            </a:r>
+          </a:p>
+          <a:p>
+            <a:r>
+              <a:rPr lang="sv-SE" dirty="0" err="1" smtClean="0"/>
+              <a:t>Enum</a:t>
+            </a:r>
+            <a:endParaRPr lang="sv-SE" dirty="0" smtClean="0"/>
+          </a:p>
+          <a:p>
+            <a:r>
+              <a:rPr lang="sv-SE" dirty="0" smtClean="0"/>
+              <a:t>Annotations (fungerar dock ej att skapa egna i </a:t>
+            </a:r>
+            <a:r>
+              <a:rPr lang="sv-SE" dirty="0" err="1" smtClean="0"/>
+              <a:t>Groovy</a:t>
+            </a:r>
+            <a:r>
+              <a:rPr lang="sv-SE" dirty="0" smtClean="0"/>
+              <a:t>)</a:t>
+            </a:r>
+          </a:p>
+          <a:p>
+            <a:r>
+              <a:rPr lang="sv-SE" dirty="0" err="1" smtClean="0"/>
+              <a:t>Varargs</a:t>
+            </a:r>
+            <a:endParaRPr lang="sv-SE" dirty="0" smtClean="0"/>
+          </a:p>
+          <a:p>
+            <a:r>
+              <a:rPr lang="sv-SE" dirty="0" err="1" smtClean="0"/>
+              <a:t>Static</a:t>
+            </a:r>
+            <a:r>
+              <a:rPr lang="sv-SE" dirty="0" smtClean="0"/>
+              <a:t> import</a:t>
+            </a:r>
           </a:p>
         </p:txBody>
       </p:sp>
@@ -7987,7 +8842,11 @@
           <a:p>
             <a:r>
               <a:rPr lang="sv-SE" dirty="0" smtClean="0"/>
-              <a:t>Primitives</a:t>
+              <a:t>Java 5 i </a:t>
+            </a:r>
+            <a:r>
+              <a:rPr lang="sv-SE" dirty="0" err="1" smtClean="0"/>
+              <a:t>Groovy</a:t>
             </a:r>
             <a:endParaRPr lang="sv-SE" dirty="0"/>
           </a:p>
@@ -8013,15 +8872,7 @@
             </a:pPr>
             <a:r>
               <a:rPr lang="sv-SE" dirty="0" smtClean="0"/>
-              <a:t>[</a:t>
-            </a:r>
-            <a:r>
-              <a:rPr lang="sv-SE" dirty="0" err="1" smtClean="0"/>
-              <a:t>Primitives.groovy</a:t>
-            </a:r>
-            <a:r>
-              <a:rPr lang="sv-SE" dirty="0" smtClean="0"/>
-              <a:t>]</a:t>
+              <a:t>[GroovyWithJava5.groovy]</a:t>
             </a:r>
             <a:endParaRPr lang="sv-SE" dirty="0"/>
           </a:p>
@@ -8064,19 +8915,18 @@
         </p:nvSpPr>
         <p:spPr/>
         <p:txBody>
-          <a:bodyPr>
-            <a:normAutofit fontScale="90000"/>
-          </a:bodyPr>
-          <a:lstStyle/>
-          <a:p>
-            <a:r>
-              <a:rPr lang="sv-SE" dirty="0" err="1" smtClean="0"/>
-              <a:t>Groovy</a:t>
-            </a:r>
-            <a:r>
-              <a:rPr lang="sv-SE" dirty="0" smtClean="0"/>
-              <a:t> har stöd för samtliga Java 5-features:</a:t>
-            </a:r>
+          <a:bodyPr/>
+          <a:lstStyle/>
+          <a:p>
+            <a:r>
+              <a:rPr lang="sv-SE" dirty="0" err="1" smtClean="0"/>
+              <a:t>Closures</a:t>
+            </a:r>
+            <a:r>
+              <a:rPr lang="sv-SE" dirty="0" smtClean="0"/>
+              <a:t>: fördjupning</a:t>
+            </a:r>
+            <a:endParaRPr lang="sv-SE" dirty="0"/>
           </a:p>
         </p:txBody>
       </p:sp>
@@ -8092,71 +8942,14 @@
         </p:nvSpPr>
         <p:spPr/>
         <p:txBody>
-          <a:bodyPr>
-            <a:normAutofit fontScale="92500"/>
-          </a:bodyPr>
-          <a:lstStyle/>
-          <a:p>
-            <a:r>
-              <a:rPr lang="sv-SE" dirty="0" err="1" smtClean="0"/>
-              <a:t>Generics</a:t>
-            </a:r>
-            <a:endParaRPr lang="sv-SE" dirty="0" smtClean="0"/>
-          </a:p>
-          <a:p>
-            <a:r>
-              <a:rPr lang="sv-SE" dirty="0" err="1" smtClean="0"/>
-              <a:t>For-each</a:t>
-            </a:r>
-            <a:endParaRPr lang="sv-SE" dirty="0" smtClean="0"/>
-          </a:p>
-          <a:p>
-            <a:r>
-              <a:rPr lang="sv-SE" dirty="0" err="1" smtClean="0"/>
-              <a:t>Autoboxing</a:t>
-            </a:r>
-            <a:r>
-              <a:rPr lang="sv-SE" dirty="0" smtClean="0"/>
-              <a:t> (fungerar även om man kör java 1.4)</a:t>
-            </a:r>
-          </a:p>
-          <a:p>
-            <a:r>
-              <a:rPr lang="sv-SE" dirty="0" err="1" smtClean="0"/>
-              <a:t>Enum</a:t>
-            </a:r>
-            <a:endParaRPr lang="sv-SE" dirty="0" smtClean="0"/>
-          </a:p>
-          <a:p>
-            <a:r>
-              <a:rPr lang="sv-SE" dirty="0" smtClean="0"/>
-              <a:t>Annotations (fungerar dock ej att skapa egna i </a:t>
-            </a:r>
-            <a:r>
-              <a:rPr lang="sv-SE" dirty="0" err="1" smtClean="0"/>
-              <a:t>Groovy</a:t>
-            </a:r>
-            <a:r>
-              <a:rPr lang="sv-SE" dirty="0" smtClean="0"/>
-              <a:t>)</a:t>
-            </a:r>
-          </a:p>
-          <a:p>
-            <a:r>
-              <a:rPr lang="sv-SE" dirty="0" err="1" smtClean="0"/>
-              <a:t>Varargs</a:t>
-            </a:r>
-            <a:endParaRPr lang="sv-SE" dirty="0" smtClean="0"/>
-          </a:p>
-          <a:p>
-            <a:r>
-              <a:rPr lang="sv-SE" dirty="0" err="1" smtClean="0"/>
-              <a:t>Static</a:t>
-            </a:r>
-            <a:r>
-              <a:rPr lang="sv-SE" dirty="0" smtClean="0"/>
-              <a:t> import</a:t>
-            </a:r>
+          <a:bodyPr/>
+          <a:lstStyle/>
+          <a:p>
+            <a:r>
+              <a:rPr lang="sv-SE" dirty="0" smtClean="0"/>
+              <a:t>Exempel: Summera alla jämna tal från 1 till 10</a:t>
+            </a:r>
+            <a:endParaRPr lang="sv-SE" dirty="0"/>
           </a:p>
         </p:txBody>
       </p:sp>
@@ -8197,16 +8990,14 @@
         </p:nvSpPr>
         <p:spPr/>
         <p:txBody>
-          <a:bodyPr/>
-          <a:lstStyle/>
-          <a:p>
-            <a:r>
-              <a:rPr lang="sv-SE" dirty="0" smtClean="0"/>
-              <a:t>Java 5 i </a:t>
-            </a:r>
-            <a:r>
-              <a:rPr lang="sv-SE" dirty="0" err="1" smtClean="0"/>
-              <a:t>Groovy</a:t>
+          <a:bodyPr>
+            <a:normAutofit fontScale="90000"/>
+          </a:bodyPr>
+          <a:lstStyle/>
+          <a:p>
+            <a:r>
+              <a:rPr lang="sv-SE" dirty="0" smtClean="0"/>
+              <a:t>Summera alla jämna tal från 1 till 10</a:t>
             </a:r>
             <a:endParaRPr lang="sv-SE" dirty="0"/>
           </a:p>
@@ -8232,7 +9023,15 @@
             </a:pPr>
             <a:r>
               <a:rPr lang="sv-SE" dirty="0" smtClean="0"/>
-              <a:t>[GroovyWithJava5.groovy]</a:t>
+              <a:t>[</a:t>
+            </a:r>
+            <a:r>
+              <a:rPr lang="sv-SE" dirty="0" err="1" smtClean="0"/>
+              <a:t>sumEvenNumbers.java</a:t>
+            </a:r>
+            <a:r>
+              <a:rPr lang="sv-SE" dirty="0" smtClean="0"/>
+              <a:t>]</a:t>
             </a:r>
             <a:endParaRPr lang="sv-SE" dirty="0"/>
           </a:p>
@@ -8275,16 +9074,14 @@
         </p:nvSpPr>
         <p:spPr/>
         <p:txBody>
-          <a:bodyPr/>
-          <a:lstStyle/>
-          <a:p>
-            <a:r>
-              <a:rPr lang="sv-SE" dirty="0" err="1" smtClean="0"/>
-              <a:t>Closures</a:t>
-            </a:r>
-            <a:r>
-              <a:rPr lang="sv-SE" dirty="0" smtClean="0"/>
-              <a:t>: fördjupning</a:t>
+          <a:bodyPr>
+            <a:normAutofit/>
+          </a:bodyPr>
+          <a:lstStyle/>
+          <a:p>
+            <a:r>
+              <a:rPr lang="sv-SE" dirty="0" smtClean="0"/>
+              <a:t>Multiplicera jämna tal 1 till 10</a:t>
             </a:r>
             <a:endParaRPr lang="sv-SE" dirty="0"/>
           </a:p>
@@ -8305,9 +9102,20 @@
           <a:bodyPr/>
           <a:lstStyle/>
           <a:p>
-            <a:r>
-              <a:rPr lang="sv-SE" dirty="0" smtClean="0"/>
-              <a:t>Exempel: Summera alla jämna tal från 1 till 10</a:t>
+            <a:pPr>
+              <a:buNone/>
+            </a:pPr>
+            <a:r>
+              <a:rPr lang="sv-SE" dirty="0" smtClean="0"/>
+              <a:t>[</a:t>
+            </a:r>
+            <a:r>
+              <a:rPr lang="sv-SE" dirty="0" err="1" smtClean="0"/>
+              <a:t>MultiplyEvenNumbers.java</a:t>
+            </a:r>
+            <a:r>
+              <a:rPr lang="sv-SE" dirty="0" smtClean="0"/>
+              <a:t>]</a:t>
             </a:r>
             <a:endParaRPr lang="sv-SE" dirty="0"/>
           </a:p>
@@ -8357,7 +9165,7 @@
           <a:p>
             <a:r>
               <a:rPr lang="sv-SE" dirty="0" smtClean="0"/>
-              <a:t>Summera alla jämna tal från 1 till 10</a:t>
+              <a:t>Skapa en lista med kvadraten av alla jämna tal 1 till 10</a:t>
             </a:r>
             <a:endParaRPr lang="sv-SE" dirty="0"/>
           </a:p>
@@ -8387,7 +9195,7 @@
             </a:r>
             <a:r>
               <a:rPr lang="sv-SE" dirty="0" err="1" smtClean="0"/>
-              <a:t>sumEvenNumbers.java</a:t>
+              <a:t>squareEvenNumbers.java</a:t>
             </a:r>
             <a:r>
               <a:rPr lang="sv-SE" dirty="0" smtClean="0"/>
@@ -8434,14 +9242,20 @@
         </p:nvSpPr>
         <p:spPr/>
         <p:txBody>
-          <a:bodyPr>
-            <a:normAutofit/>
-          </a:bodyPr>
-          <a:lstStyle/>
-          <a:p>
-            <a:r>
-              <a:rPr lang="sv-SE" dirty="0" smtClean="0"/>
-              <a:t>Multiplicera jämna tal 1 till 10</a:t>
+          <a:bodyPr/>
+          <a:lstStyle/>
+          <a:p>
+            <a:r>
+              <a:rPr lang="sv-SE" dirty="0" smtClean="0"/>
+              <a:t>DRY </a:t>
+            </a:r>
+            <a:r>
+              <a:rPr lang="sv-SE" dirty="0" err="1" smtClean="0"/>
+              <a:t>principle</a:t>
+            </a:r>
+            <a:r>
+              <a:rPr lang="sv-SE" dirty="0" smtClean="0"/>
+              <a:t>:</a:t>
             </a:r>
             <a:endParaRPr lang="sv-SE" dirty="0"/>
           </a:p>
@@ -8461,21 +9275,36 @@
         <p:txBody>
           <a:bodyPr/>
           <a:lstStyle/>
+          <a:p>
+            <a:r>
+              <a:rPr lang="sv-SE" dirty="0" err="1" smtClean="0"/>
+              <a:t>Don't</a:t>
+            </a:r>
+            <a:r>
+              <a:rPr lang="sv-SE" dirty="0" smtClean="0"/>
+              <a:t> </a:t>
+            </a:r>
+            <a:r>
+              <a:rPr lang="sv-SE" dirty="0" err="1" smtClean="0"/>
+              <a:t>repeat</a:t>
+            </a:r>
+            <a:r>
+              <a:rPr lang="sv-SE" dirty="0" smtClean="0"/>
+              <a:t> </a:t>
+            </a:r>
+            <a:r>
+              <a:rPr lang="sv-SE" dirty="0" err="1" smtClean="0"/>
+              <a:t>yourself</a:t>
+            </a:r>
+            <a:endParaRPr lang="sv-SE" dirty="0" smtClean="0"/>
+          </a:p>
           <a:p>
             <a:pPr>
               <a:buNone/>
             </a:pPr>
             <a:r>
               <a:rPr lang="sv-SE" dirty="0" smtClean="0"/>
-              <a:t>[</a:t>
-            </a:r>
-            <a:r>
-              <a:rPr lang="sv-SE" dirty="0" err="1" smtClean="0"/>
-              <a:t>MultiplyEvenNumbers.java</a:t>
-            </a:r>
-            <a:r>
-              <a:rPr lang="sv-SE" dirty="0" smtClean="0"/>
-              <a:t>]</a:t>
+              <a:t>[bild på hängande tvätt?]</a:t>
             </a:r>
             <a:endParaRPr lang="sv-SE" dirty="0"/>
           </a:p>
@@ -8518,14 +9347,12 @@
         </p:nvSpPr>
         <p:spPr/>
         <p:txBody>
-          <a:bodyPr>
-            <a:normAutofit fontScale="90000"/>
-          </a:bodyPr>
-          <a:lstStyle/>
-          <a:p>
-            <a:r>
-              <a:rPr lang="sv-SE" dirty="0" smtClean="0"/>
-              <a:t>Skapa en lista med kvadraten av alla jämna tal 1 till 10</a:t>
+          <a:bodyPr/>
+          <a:lstStyle/>
+          <a:p>
+            <a:r>
+              <a:rPr lang="sv-SE" dirty="0" smtClean="0"/>
+              <a:t>Kan man återanvända loopen?</a:t>
             </a:r>
             <a:endParaRPr lang="sv-SE" dirty="0"/>
           </a:p>
@@ -8555,7 +9382,7 @@
             </a:r>
             <a:r>
               <a:rPr lang="sv-SE" dirty="0" err="1" smtClean="0"/>
-              <a:t>squareEvenNumbers.java</a:t>
+              <a:t>LoopEvenNumbers.groovy</a:t>
             </a:r>
             <a:r>
               <a:rPr lang="sv-SE" dirty="0" smtClean="0"/>
@@ -8607,15 +9434,7 @@
           <a:p>
             <a:r>
               <a:rPr lang="sv-SE" dirty="0" smtClean="0"/>
-              <a:t>DRY </a:t>
-            </a:r>
-            <a:r>
-              <a:rPr lang="sv-SE" dirty="0" err="1" smtClean="0"/>
-              <a:t>principle</a:t>
-            </a:r>
-            <a:r>
-              <a:rPr lang="sv-SE" dirty="0" smtClean="0"/>
-              <a:t>:</a:t>
+              <a:t>Anonyma inre klasser i Java</a:t>
             </a:r>
             <a:endParaRPr lang="sv-SE" dirty="0"/>
           </a:p>
@@ -8636,25 +9455,20 @@
           <a:bodyPr/>
           <a:lstStyle/>
           <a:p>
-            <a:r>
-              <a:rPr lang="sv-SE" dirty="0" err="1" smtClean="0"/>
-              <a:t>Don't</a:t>
-            </a:r>
-            <a:r>
-              <a:rPr lang="sv-SE" dirty="0" smtClean="0"/>
-              <a:t> </a:t>
-            </a:r>
-            <a:r>
-              <a:rPr lang="sv-SE" dirty="0" err="1" smtClean="0"/>
-              <a:t>repeat</a:t>
-            </a:r>
-            <a:r>
-              <a:rPr lang="sv-SE" dirty="0" smtClean="0"/>
-              <a:t> </a:t>
-            </a:r>
-            <a:r>
-              <a:rPr lang="sv-SE" dirty="0" err="1" smtClean="0"/>
-              <a:t>yourself</a:t>
+            <a:pPr>
+              <a:buNone/>
+            </a:pPr>
+            <a:r>
+              <a:rPr lang="sv-SE" dirty="0" smtClean="0"/>
+              <a:t>[</a:t>
+            </a:r>
+            <a:r>
+              <a:rPr lang="sv-SE" dirty="0" err="1" smtClean="0"/>
+              <a:t>ClosureInJava.java</a:t>
+            </a:r>
+            <a:r>
+              <a:rPr lang="sv-SE" dirty="0" smtClean="0"/>
+              <a:t>]</a:t>
             </a:r>
             <a:endParaRPr lang="sv-SE" dirty="0"/>
           </a:p>
@@ -8753,170 +9567,6 @@
 </file>
 
 <file path=ppt/slides/slide60.xml><?xml version="1.0" encoding="utf-8"?>
-<p:sld xmlns:a="http://schemas.openxmlformats.org/drawingml/2006/main" xmlns:r="http://schemas.openxmlformats.org/officeDocument/2006/relationships" xmlns:p="http://schemas.openxmlformats.org/presentationml/2006/main">
-  <p:cSld>
-    <p:spTree>
-      <p:nvGrpSpPr>
-        <p:cNvPr id="1" name=""/>
-        <p:cNvGrpSpPr/>
-        <p:nvPr/>
-      </p:nvGrpSpPr>
-      <p:grpSpPr>
-        <a:xfrm>
-          <a:off x="0" y="0"/>
-          <a:ext cx="0" cy="0"/>
-          <a:chOff x="0" y="0"/>
-          <a:chExt cx="0" cy="0"/>
-        </a:xfrm>
-      </p:grpSpPr>
-      <p:sp>
-        <p:nvSpPr>
-          <p:cNvPr id="2" name="Rubrik 1"/>
-          <p:cNvSpPr>
-            <a:spLocks noGrp="1"/>
-          </p:cNvSpPr>
-          <p:nvPr>
-            <p:ph type="title"/>
-          </p:nvPr>
-        </p:nvSpPr>
-        <p:spPr/>
-        <p:txBody>
-          <a:bodyPr/>
-          <a:lstStyle/>
-          <a:p>
-            <a:r>
-              <a:rPr lang="sv-SE" dirty="0" smtClean="0"/>
-              <a:t>Kan man återanvända loopen?</a:t>
-            </a:r>
-            <a:endParaRPr lang="sv-SE" dirty="0"/>
-          </a:p>
-        </p:txBody>
-      </p:sp>
-      <p:sp>
-        <p:nvSpPr>
-          <p:cNvPr id="3" name="Platshållare för innehåll 2"/>
-          <p:cNvSpPr>
-            <a:spLocks noGrp="1"/>
-          </p:cNvSpPr>
-          <p:nvPr>
-            <p:ph idx="1"/>
-          </p:nvPr>
-        </p:nvSpPr>
-        <p:spPr/>
-        <p:txBody>
-          <a:bodyPr/>
-          <a:lstStyle/>
-          <a:p>
-            <a:pPr>
-              <a:buNone/>
-            </a:pPr>
-            <a:r>
-              <a:rPr lang="sv-SE" dirty="0" smtClean="0"/>
-              <a:t>[</a:t>
-            </a:r>
-            <a:r>
-              <a:rPr lang="sv-SE" dirty="0" err="1" smtClean="0"/>
-              <a:t>LoopEvenNumbers.groovy</a:t>
-            </a:r>
-            <a:r>
-              <a:rPr lang="sv-SE" dirty="0" smtClean="0"/>
-              <a:t>]</a:t>
-            </a:r>
-            <a:endParaRPr lang="sv-SE" dirty="0"/>
-          </a:p>
-        </p:txBody>
-      </p:sp>
-    </p:spTree>
-  </p:cSld>
-  <p:clrMapOvr>
-    <a:masterClrMapping/>
-  </p:clrMapOvr>
-</p:sld>
-</file>
-
-<file path=ppt/slides/slide61.xml><?xml version="1.0" encoding="utf-8"?>
-<p:sld xmlns:a="http://schemas.openxmlformats.org/drawingml/2006/main" xmlns:r="http://schemas.openxmlformats.org/officeDocument/2006/relationships" xmlns:p="http://schemas.openxmlformats.org/presentationml/2006/main">
-  <p:cSld>
-    <p:spTree>
-      <p:nvGrpSpPr>
-        <p:cNvPr id="1" name=""/>
-        <p:cNvGrpSpPr/>
-        <p:nvPr/>
-      </p:nvGrpSpPr>
-      <p:grpSpPr>
-        <a:xfrm>
-          <a:off x="0" y="0"/>
-          <a:ext cx="0" cy="0"/>
-          <a:chOff x="0" y="0"/>
-          <a:chExt cx="0" cy="0"/>
-        </a:xfrm>
-      </p:grpSpPr>
-      <p:sp>
-        <p:nvSpPr>
-          <p:cNvPr id="2" name="Rubrik 1"/>
-          <p:cNvSpPr>
-            <a:spLocks noGrp="1"/>
-          </p:cNvSpPr>
-          <p:nvPr>
-            <p:ph type="title"/>
-          </p:nvPr>
-        </p:nvSpPr>
-        <p:spPr/>
-        <p:txBody>
-          <a:bodyPr/>
-          <a:lstStyle/>
-          <a:p>
-            <a:r>
-              <a:rPr lang="sv-SE" dirty="0" smtClean="0"/>
-              <a:t>Anonyma inre klasser i Java</a:t>
-            </a:r>
-            <a:endParaRPr lang="sv-SE" dirty="0"/>
-          </a:p>
-        </p:txBody>
-      </p:sp>
-      <p:sp>
-        <p:nvSpPr>
-          <p:cNvPr id="3" name="Platshållare för innehåll 2"/>
-          <p:cNvSpPr>
-            <a:spLocks noGrp="1"/>
-          </p:cNvSpPr>
-          <p:nvPr>
-            <p:ph idx="1"/>
-          </p:nvPr>
-        </p:nvSpPr>
-        <p:spPr/>
-        <p:txBody>
-          <a:bodyPr/>
-          <a:lstStyle/>
-          <a:p>
-            <a:pPr>
-              <a:buNone/>
-            </a:pPr>
-            <a:r>
-              <a:rPr lang="sv-SE" dirty="0" smtClean="0"/>
-              <a:t>[</a:t>
-            </a:r>
-            <a:r>
-              <a:rPr lang="sv-SE" dirty="0" err="1" smtClean="0"/>
-              <a:t>ClosureInJava.java</a:t>
-            </a:r>
-            <a:r>
-              <a:rPr lang="sv-SE" dirty="0" smtClean="0"/>
-              <a:t>]</a:t>
-            </a:r>
-            <a:endParaRPr lang="sv-SE" dirty="0"/>
-          </a:p>
-        </p:txBody>
-      </p:sp>
-    </p:spTree>
-  </p:cSld>
-  <p:clrMapOvr>
-    <a:masterClrMapping/>
-  </p:clrMapOvr>
-</p:sld>
-</file>
-
-<file path=ppt/slides/slide62.xml><?xml version="1.0" encoding="utf-8"?>
 <p:sld xmlns:a="http://schemas.openxmlformats.org/drawingml/2006/main" xmlns:r="http://schemas.openxmlformats.org/officeDocument/2006/relationships" xmlns:p="http://schemas.openxmlformats.org/presentationml/2006/main">
   <p:cSld>
     <p:spTree>
@@ -9113,15 +9763,7 @@
           <a:p>
             <a:r>
               <a:rPr lang="sv-SE" dirty="0" smtClean="0"/>
-              <a:t>Många dynamiska </a:t>
-            </a:r>
-            <a:r>
-              <a:rPr lang="sv-SE" dirty="0" smtClean="0"/>
-              <a:t>språk har dynamisk </a:t>
-            </a:r>
-            <a:r>
-              <a:rPr lang="sv-SE" dirty="0" smtClean="0"/>
-              <a:t>typning (</a:t>
+              <a:t>Många dynamiska språk har dynamisk typning (</a:t>
             </a:r>
             <a:r>
               <a:rPr lang="sv-SE" dirty="0" err="1" smtClean="0"/>
@@ -9187,7 +9829,9 @@
         </p:nvSpPr>
         <p:spPr/>
         <p:txBody>
-          <a:bodyPr/>
+          <a:bodyPr>
+            <a:normAutofit fontScale="90000"/>
+          </a:bodyPr>
           <a:lstStyle/>
           <a:p>
             <a:r>
@@ -9318,26 +9962,12 @@
               <a:rPr lang="sv-SE" dirty="0" smtClean="0"/>
               <a:t> (Metaprogrammering)</a:t>
             </a:r>
-            <a:endParaRPr lang="sv-SE" dirty="0" smtClean="0"/>
-          </a:p>
-          <a:p>
-            <a:r>
-              <a:rPr lang="sv-SE" dirty="0" smtClean="0"/>
-              <a:t>Möjlighet </a:t>
-            </a:r>
-            <a:r>
-              <a:rPr lang="sv-SE" dirty="0" smtClean="0"/>
-              <a:t>att ändra hur språket fungerar </a:t>
-            </a:r>
-            <a:r>
-              <a:rPr lang="sv-SE" dirty="0" smtClean="0"/>
-              <a:t>(Metaprogrammering</a:t>
-            </a:r>
-            <a:r>
-              <a:rPr lang="sv-SE" dirty="0" smtClean="0"/>
-              <a:t>)</a:t>
-            </a:r>
-            <a:endParaRPr lang="sv-SE" dirty="0" smtClean="0"/>
+          </a:p>
+          <a:p>
+            <a:r>
+              <a:rPr lang="sv-SE" dirty="0" smtClean="0"/>
+              <a:t>Möjlighet att ändra hur språket fungerar (Metaprogrammering)</a:t>
+            </a:r>
           </a:p>
           <a:p>
             <a:pPr lvl="1"/>
@@ -9371,9 +10001,9 @@
 </file>
 
 <file path=ppt/theme/theme1.xml><?xml version="1.0" encoding="utf-8"?>
-<a:theme xmlns:a="http://schemas.openxmlformats.org/drawingml/2006/main" name="Office-tema">
+<a:theme xmlns:a="http://schemas.openxmlformats.org/drawingml/2006/main" name="Flöde">
   <a:themeElements>
-    <a:clrScheme name="Office">
+    <a:clrScheme name="Flöde">
       <a:dk1>
         <a:sysClr val="windowText" lastClr="000000"/>
       </a:dk1>
@@ -9381,80 +10011,46 @@
         <a:sysClr val="window" lastClr="FFFFFF"/>
       </a:lt1>
       <a:dk2>
-        <a:srgbClr val="1F497D"/>
+        <a:srgbClr val="04617B"/>
       </a:dk2>
       <a:lt2>
-        <a:srgbClr val="EEECE1"/>
+        <a:srgbClr val="DBF5F9"/>
       </a:lt2>
       <a:accent1>
-        <a:srgbClr val="4F81BD"/>
+        <a:srgbClr val="0F6FC6"/>
       </a:accent1>
       <a:accent2>
-        <a:srgbClr val="C0504D"/>
+        <a:srgbClr val="009DD9"/>
       </a:accent2>
       <a:accent3>
-        <a:srgbClr val="9BBB59"/>
+        <a:srgbClr val="0BD0D9"/>
       </a:accent3>
       <a:accent4>
-        <a:srgbClr val="8064A2"/>
+        <a:srgbClr val="10CF9B"/>
       </a:accent4>
       <a:accent5>
-        <a:srgbClr val="4BACC6"/>
+        <a:srgbClr val="7CCA62"/>
       </a:accent5>
       <a:accent6>
-        <a:srgbClr val="F79646"/>
+        <a:srgbClr val="A5C249"/>
       </a:accent6>
       <a:hlink>
-        <a:srgbClr val="0000FF"/>
+        <a:srgbClr val="E2D700"/>
       </a:hlink>
       <a:folHlink>
-        <a:srgbClr val="800080"/>
+        <a:srgbClr val="85DFD0"/>
       </a:folHlink>
     </a:clrScheme>
-    <a:fontScheme name="Office">
+    <a:fontScheme name="Flöde">
       <a:majorFont>
         <a:latin typeface="Calibri"/>
         <a:ea typeface=""/>
         <a:cs typeface=""/>
         <a:font script="Jpan" typeface="ＭＳ Ｐゴシック"/>
-        <a:font script="Hang" typeface="맑은 고딕"/>
-        <a:font script="Hans" typeface="宋体"/>
-        <a:font script="Hant" typeface="新細明體"/>
-        <a:font script="Arab" typeface="Times New Roman"/>
-        <a:font script="Hebr" typeface="Times New Roman"/>
-        <a:font script="Thai" typeface="Angsana New"/>
-        <a:font script="Ethi" typeface="Nyala"/>
-        <a:font script="Beng" typeface="Vrinda"/>
-        <a:font script="Gujr" typeface="Shruti"/>
-        <a:font script="Khmr" typeface="MoolBoran"/>
-        <a:font script="Knda" typeface="Tunga"/>
-        <a:font script="Guru" typeface="Raavi"/>
-        <a:font script="Cans" typeface="Euphemia"/>
-        <a:font script="Cher" typeface="Plantagenet Cherokee"/>
-        <a:font script="Yiii" typeface="Microsoft Yi Baiti"/>
-        <a:font script="Tibt" typeface="Microsoft Himalaya"/>
-        <a:font script="Thaa" typeface="MV Boli"/>
-        <a:font script="Deva" typeface="Mangal"/>
-        <a:font script="Telu" typeface="Gautami"/>
-        <a:font script="Taml" typeface="Latha"/>
-        <a:font script="Syrc" typeface="Estrangelo Edessa"/>
-        <a:font script="Orya" typeface="Kalinga"/>
-        <a:font script="Mlym" typeface="Kartika"/>
-        <a:font script="Laoo" typeface="DokChampa"/>
-        <a:font script="Sinh" typeface="Iskoola Pota"/>
-        <a:font script="Mong" typeface="Mongolian Baiti"/>
-        <a:font script="Viet" typeface="Times New Roman"/>
-        <a:font script="Uigh" typeface="Microsoft Uighur"/>
-      </a:majorFont>
-      <a:minorFont>
-        <a:latin typeface="Calibri"/>
-        <a:ea typeface=""/>
-        <a:cs typeface=""/>
-        <a:font script="Jpan" typeface="ＭＳ Ｐゴシック"/>
-        <a:font script="Hang" typeface="맑은 고딕"/>
-        <a:font script="Hans" typeface="宋体"/>
-        <a:font script="Hant" typeface="新細明體"/>
-        <a:font script="Arab" typeface="Arial"/>
+        <a:font script="Hang" typeface="HY중고딕"/>
+        <a:font script="Hans" typeface="隶书"/>
+        <a:font script="Hant" typeface="微軟正黑體"/>
+        <a:font script="Arab" typeface="Traditional Arabic"/>
         <a:font script="Hebr" typeface="Arial"/>
         <a:font script="Thai" typeface="Cordia New"/>
         <a:font script="Ethi" typeface="Nyala"/>
@@ -9479,9 +10075,43 @@
         <a:font script="Mong" typeface="Mongolian Baiti"/>
         <a:font script="Viet" typeface="Arial"/>
         <a:font script="Uigh" typeface="Microsoft Uighur"/>
+      </a:majorFont>
+      <a:minorFont>
+        <a:latin typeface="Constantia"/>
+        <a:ea typeface=""/>
+        <a:cs typeface=""/>
+        <a:font script="Jpan" typeface="HGP明朝E"/>
+        <a:font script="Hang" typeface="HY신명조"/>
+        <a:font script="Hans" typeface="宋体"/>
+        <a:font script="Hant" typeface="新細明體"/>
+        <a:font script="Arab" typeface="Majalla UI"/>
+        <a:font script="Hebr" typeface="David"/>
+        <a:font script="Thai" typeface="Browallia New"/>
+        <a:font script="Ethi" typeface="Nyala"/>
+        <a:font script="Beng" typeface="Vrinda"/>
+        <a:font script="Gujr" typeface="Shruti"/>
+        <a:font script="Khmr" typeface="MoolBoran"/>
+        <a:font script="Knda" typeface="Tunga"/>
+        <a:font script="Guru" typeface="Raavi"/>
+        <a:font script="Cans" typeface="Euphemia"/>
+        <a:font script="Cher" typeface="Plantagenet Cherokee"/>
+        <a:font script="Yiii" typeface="Microsoft Yi Baiti"/>
+        <a:font script="Tibt" typeface="Microsoft Himalaya"/>
+        <a:font script="Thaa" typeface="MV Boli"/>
+        <a:font script="Deva" typeface="Mangal"/>
+        <a:font script="Telu" typeface="Gautami"/>
+        <a:font script="Taml" typeface="Latha"/>
+        <a:font script="Syrc" typeface="Estrangelo Edessa"/>
+        <a:font script="Orya" typeface="Kalinga"/>
+        <a:font script="Mlym" typeface="Kartika"/>
+        <a:font script="Laoo" typeface="DokChampa"/>
+        <a:font script="Sinh" typeface="Iskoola Pota"/>
+        <a:font script="Mong" typeface="Mongolian Baiti"/>
+        <a:font script="Viet" typeface="Times New Roman"/>
+        <a:font script="Uigh" typeface="Microsoft Uighur"/>
       </a:minorFont>
     </a:fontScheme>
-    <a:fmtScheme name="Office">
+    <a:fmtScheme name="Flöde">
       <a:fillStyleLst>
         <a:solidFill>
           <a:schemeClr val="phClr"/>
@@ -9490,55 +10120,66 @@
           <a:gsLst>
             <a:gs pos="0">
               <a:schemeClr val="phClr">
-                <a:tint val="50000"/>
-                <a:satMod val="300000"/>
+                <a:tint val="70000"/>
+                <a:satMod val="130000"/>
               </a:schemeClr>
             </a:gs>
-            <a:gs pos="35000">
+            <a:gs pos="43000">
               <a:schemeClr val="phClr">
-                <a:tint val="37000"/>
-                <a:satMod val="300000"/>
+                <a:tint val="44000"/>
+                <a:satMod val="165000"/>
+              </a:schemeClr>
+            </a:gs>
+            <a:gs pos="93000">
+              <a:schemeClr val="phClr">
+                <a:tint val="15000"/>
+                <a:satMod val="165000"/>
               </a:schemeClr>
             </a:gs>
             <a:gs pos="100000">
               <a:schemeClr val="phClr">
-                <a:tint val="15000"/>
-                <a:satMod val="350000"/>
+                <a:tint val="5000"/>
+                <a:satMod val="250000"/>
               </a:schemeClr>
             </a:gs>
           </a:gsLst>
-          <a:lin ang="16200000" scaled="1"/>
+          <a:path path="circle">
+            <a:fillToRect l="50000" t="130000" r="50000" b="-30000"/>
+          </a:path>
         </a:gradFill>
         <a:gradFill rotWithShape="1">
           <a:gsLst>
             <a:gs pos="0">
               <a:schemeClr val="phClr">
-                <a:shade val="51000"/>
-                <a:satMod val="130000"/>
+                <a:tint val="98000"/>
+                <a:shade val="25000"/>
+                <a:satMod val="250000"/>
               </a:schemeClr>
             </a:gs>
-            <a:gs pos="80000">
+            <a:gs pos="68000">
               <a:schemeClr val="phClr">
-                <a:shade val="93000"/>
-                <a:satMod val="130000"/>
+                <a:tint val="86000"/>
+                <a:satMod val="115000"/>
               </a:schemeClr>
             </a:gs>
             <a:gs pos="100000">
               <a:schemeClr val="phClr">
-                <a:shade val="94000"/>
-                <a:satMod val="135000"/>
+                <a:tint val="50000"/>
+                <a:satMod val="150000"/>
               </a:schemeClr>
             </a:gs>
           </a:gsLst>
-          <a:lin ang="16200000" scaled="0"/>
+          <a:path path="circle">
+            <a:fillToRect l="50000" t="130000" r="50000" b="-30000"/>
+          </a:path>
         </a:gradFill>
       </a:fillStyleLst>
       <a:lnStyleLst>
         <a:ln w="9525" cap="flat" cmpd="sng" algn="ctr">
           <a:solidFill>
             <a:schemeClr val="phClr">
-              <a:shade val="95000"/>
-              <a:satMod val="105000"/>
+              <a:shade val="50000"/>
+              <a:satMod val="103000"/>
             </a:schemeClr>
           </a:solidFill>
           <a:prstDash val="solid"/>
@@ -9559,40 +10200,46 @@
       <a:effectStyleLst>
         <a:effectStyle>
           <a:effectLst>
-            <a:outerShdw blurRad="40000" dist="20000" dir="5400000" rotWithShape="0">
-              <a:srgbClr val="000000">
-                <a:alpha val="38000"/>
-              </a:srgbClr>
+            <a:outerShdw blurRad="57150" dist="38100" dir="5400000" algn="ctr" rotWithShape="0">
+              <a:schemeClr val="phClr">
+                <a:shade val="9000"/>
+                <a:satMod val="105000"/>
+                <a:alpha val="48000"/>
+              </a:schemeClr>
             </a:outerShdw>
           </a:effectLst>
         </a:effectStyle>
         <a:effectStyle>
           <a:effectLst>
-            <a:outerShdw blurRad="40000" dist="23000" dir="5400000" rotWithShape="0">
-              <a:srgbClr val="000000">
-                <a:alpha val="35000"/>
-              </a:srgbClr>
+            <a:outerShdw blurRad="57150" dist="38100" dir="5400000" algn="ctr" rotWithShape="0">
+              <a:schemeClr val="phClr">
+                <a:shade val="9000"/>
+                <a:satMod val="105000"/>
+                <a:alpha val="48000"/>
+              </a:schemeClr>
             </a:outerShdw>
           </a:effectLst>
         </a:effectStyle>
         <a:effectStyle>
           <a:effectLst>
-            <a:outerShdw blurRad="40000" dist="23000" dir="5400000" rotWithShape="0">
-              <a:srgbClr val="000000">
-                <a:alpha val="35000"/>
-              </a:srgbClr>
+            <a:outerShdw blurRad="57150" dist="38100" dir="5400000" algn="ctr" rotWithShape="0">
+              <a:schemeClr val="phClr">
+                <a:shade val="9000"/>
+                <a:satMod val="105000"/>
+                <a:alpha val="48000"/>
+              </a:schemeClr>
             </a:outerShdw>
           </a:effectLst>
           <a:scene3d>
-            <a:camera prst="orthographicFront">
+            <a:camera prst="orthographicFront" fov="0">
               <a:rot lat="0" lon="0" rev="0"/>
             </a:camera>
-            <a:lightRig rig="threePt" dir="t">
-              <a:rot lat="0" lon="0" rev="1200000"/>
+            <a:lightRig rig="glow" dir="tl">
+              <a:rot lat="0" lon="0" rev="900000"/>
             </a:lightRig>
           </a:scene3d>
-          <a:sp3d>
-            <a:bevelT w="63500" h="25400"/>
+          <a:sp3d prstMaterial="powder">
+            <a:bevelT w="25400" h="38100"/>
           </a:sp3d>
         </a:effectStyle>
       </a:effectStyleLst>
@@ -9604,47 +10251,42 @@
           <a:gsLst>
             <a:gs pos="0">
               <a:schemeClr val="phClr">
-                <a:tint val="40000"/>
-                <a:satMod val="350000"/>
+                <a:tint val="80000"/>
+                <a:satMod val="400000"/>
               </a:schemeClr>
             </a:gs>
-            <a:gs pos="40000">
+            <a:gs pos="25000">
               <a:schemeClr val="phClr">
-                <a:tint val="45000"/>
-                <a:shade val="99000"/>
-                <a:satMod val="350000"/>
+                <a:tint val="83000"/>
+                <a:satMod val="320000"/>
               </a:schemeClr>
             </a:gs>
             <a:gs pos="100000">
               <a:schemeClr val="phClr">
-                <a:shade val="20000"/>
-                <a:satMod val="255000"/>
+                <a:shade val="15000"/>
+                <a:satMod val="320000"/>
               </a:schemeClr>
             </a:gs>
           </a:gsLst>
           <a:path path="circle">
-            <a:fillToRect l="50000" t="-80000" r="50000" b="180000"/>
+            <a:fillToRect l="10000" t="110000" r="10000" b="100000"/>
           </a:path>
         </a:gradFill>
-        <a:gradFill rotWithShape="1">
-          <a:gsLst>
-            <a:gs pos="0">
+        <a:blipFill>
+          <a:blip xmlns:r="http://schemas.openxmlformats.org/officeDocument/2006/relationships" r:embed="rId1">
+            <a:duotone>
               <a:schemeClr val="phClr">
-                <a:tint val="80000"/>
-                <a:satMod val="300000"/>
+                <a:shade val="90000"/>
+                <a:satMod val="150000"/>
               </a:schemeClr>
-            </a:gs>
-            <a:gs pos="100000">
               <a:schemeClr val="phClr">
-                <a:shade val="30000"/>
-                <a:satMod val="200000"/>
+                <a:tint val="88000"/>
+                <a:satMod val="150000"/>
               </a:schemeClr>
-            </a:gs>
-          </a:gsLst>
-          <a:path path="circle">
-            <a:fillToRect l="50000" t="50000" r="50000" b="50000"/>
-          </a:path>
-        </a:gradFill>
+            </a:duotone>
+          </a:blip>
+          <a:tile tx="0" ty="0" sx="65000" sy="65000" flip="none" algn="tl"/>
+        </a:blipFill>
       </a:bgFillStyleLst>
     </a:fmtScheme>
   </a:themeElements>
